--- a/baseProject/presentation/Presentation-Team8.pptx
+++ b/baseProject/presentation/Presentation-Team8.pptx
@@ -151,7 +151,7 @@
       </p14:sectionLst>
     </p:ext>
     <p:ext uri="{EFAFB233-063F-42B5-8137-9DF3F51BA10A}">
-      <p15:sldGuideLst xmlns:p15="http://schemas.microsoft.com/office/powerpoint/2012/main">
+      <p15:sldGuideLst xmlns:p15="http://schemas.microsoft.com/office/powerpoint/2012/main" xmlns="">
         <p15:guide id="1" orient="horz" pos="2160">
           <p15:clr>
             <a:srgbClr val="A4A3A4"/>
@@ -671,7 +671,7 @@
             <a:fld id="{B61BEF0D-F0BB-DE4B-95CE-6DB70DBA9567}" type="datetimeFigureOut">
               <a:rPr lang="en-US" dirty="0"/>
               <a:pPr/>
-              <a:t>12/12/2016</a:t>
+              <a:t>12.12.16</a:t>
             </a:fld>
             <a:endParaRPr lang="en-US" dirty="0"/>
           </a:p>
@@ -964,7 +964,7 @@
             <a:fld id="{B61BEF0D-F0BB-DE4B-95CE-6DB70DBA9567}" type="datetimeFigureOut">
               <a:rPr lang="en-US" dirty="0"/>
               <a:pPr/>
-              <a:t>12/12/2016</a:t>
+              <a:t>12.12.16</a:t>
             </a:fld>
             <a:endParaRPr lang="en-US" dirty="0"/>
           </a:p>
@@ -1209,7 +1209,7 @@
             <a:fld id="{B61BEF0D-F0BB-DE4B-95CE-6DB70DBA9567}" type="datetimeFigureOut">
               <a:rPr lang="en-US" dirty="0"/>
               <a:pPr/>
-              <a:t>12/12/2016</a:t>
+              <a:t>12.12.16</a:t>
             </a:fld>
             <a:endParaRPr lang="en-US" dirty="0"/>
           </a:p>
@@ -1746,7 +1746,7 @@
             <a:fld id="{B61BEF0D-F0BB-DE4B-95CE-6DB70DBA9567}" type="datetimeFigureOut">
               <a:rPr lang="en-US" dirty="0"/>
               <a:pPr/>
-              <a:t>12/12/2016</a:t>
+              <a:t>12.12.16</a:t>
             </a:fld>
             <a:endParaRPr lang="en-US" dirty="0"/>
           </a:p>
@@ -1991,7 +1991,7 @@
             <a:fld id="{B61BEF0D-F0BB-DE4B-95CE-6DB70DBA9567}" type="datetimeFigureOut">
               <a:rPr lang="en-US" dirty="0"/>
               <a:pPr/>
-              <a:t>12/12/2016</a:t>
+              <a:t>12.12.16</a:t>
             </a:fld>
             <a:endParaRPr lang="en-US" dirty="0"/>
           </a:p>
@@ -2520,7 +2520,7 @@
             <a:fld id="{B61BEF0D-F0BB-DE4B-95CE-6DB70DBA9567}" type="datetimeFigureOut">
               <a:rPr lang="en-US" dirty="0"/>
               <a:pPr/>
-              <a:t>12/12/2016</a:t>
+              <a:t>12.12.16</a:t>
             </a:fld>
             <a:endParaRPr lang="en-US" dirty="0"/>
           </a:p>
@@ -2814,7 +2814,7 @@
             <a:fld id="{B61BEF0D-F0BB-DE4B-95CE-6DB70DBA9567}" type="datetimeFigureOut">
               <a:rPr lang="en-US" dirty="0"/>
               <a:pPr/>
-              <a:t>12/12/2016</a:t>
+              <a:t>12.12.16</a:t>
             </a:fld>
             <a:endParaRPr lang="en-US" dirty="0"/>
           </a:p>
@@ -2985,7 +2985,7 @@
             <a:fld id="{B61BEF0D-F0BB-DE4B-95CE-6DB70DBA9567}" type="datetimeFigureOut">
               <a:rPr lang="en-US" dirty="0"/>
               <a:pPr/>
-              <a:t>12/12/2016</a:t>
+              <a:t>12.12.16</a:t>
             </a:fld>
             <a:endParaRPr lang="en-US" dirty="0"/>
           </a:p>
@@ -3162,7 +3162,7 @@
             <a:fld id="{B61BEF0D-F0BB-DE4B-95CE-6DB70DBA9567}" type="datetimeFigureOut">
               <a:rPr lang="en-US" dirty="0"/>
               <a:pPr/>
-              <a:t>12/12/2016</a:t>
+              <a:t>12.12.16</a:t>
             </a:fld>
             <a:endParaRPr lang="en-US" dirty="0"/>
           </a:p>
@@ -3329,7 +3329,7 @@
             <a:fld id="{B61BEF0D-F0BB-DE4B-95CE-6DB70DBA9567}" type="datetimeFigureOut">
               <a:rPr lang="en-US" dirty="0"/>
               <a:pPr/>
-              <a:t>12/12/2016</a:t>
+              <a:t>12.12.16</a:t>
             </a:fld>
             <a:endParaRPr lang="en-US" dirty="0"/>
           </a:p>
@@ -3577,7 +3577,7 @@
             <a:fld id="{B61BEF0D-F0BB-DE4B-95CE-6DB70DBA9567}" type="datetimeFigureOut">
               <a:rPr lang="en-US" dirty="0"/>
               <a:pPr/>
-              <a:t>12/12/2016</a:t>
+              <a:t>12.12.16</a:t>
             </a:fld>
             <a:endParaRPr lang="en-US" dirty="0"/>
           </a:p>
@@ -3871,7 +3871,7 @@
             <a:fld id="{B61BEF0D-F0BB-DE4B-95CE-6DB70DBA9567}" type="datetimeFigureOut">
               <a:rPr lang="en-US" dirty="0"/>
               <a:pPr/>
-              <a:t>12/12/2016</a:t>
+              <a:t>12.12.16</a:t>
             </a:fld>
             <a:endParaRPr lang="en-US" dirty="0"/>
           </a:p>
@@ -4310,7 +4310,7 @@
             <a:fld id="{B61BEF0D-F0BB-DE4B-95CE-6DB70DBA9567}" type="datetimeFigureOut">
               <a:rPr lang="en-US" dirty="0"/>
               <a:pPr/>
-              <a:t>12/12/2016</a:t>
+              <a:t>12.12.16</a:t>
             </a:fld>
             <a:endParaRPr lang="en-US" dirty="0"/>
           </a:p>
@@ -4425,7 +4425,7 @@
             <a:fld id="{B61BEF0D-F0BB-DE4B-95CE-6DB70DBA9567}" type="datetimeFigureOut">
               <a:rPr lang="en-US" dirty="0"/>
               <a:pPr/>
-              <a:t>12/12/2016</a:t>
+              <a:t>12.12.16</a:t>
             </a:fld>
             <a:endParaRPr lang="en-US" dirty="0"/>
           </a:p>
@@ -4517,7 +4517,7 @@
             <a:fld id="{B61BEF0D-F0BB-DE4B-95CE-6DB70DBA9567}" type="datetimeFigureOut">
               <a:rPr lang="en-US" dirty="0"/>
               <a:pPr/>
-              <a:t>12/12/2016</a:t>
+              <a:t>12.12.16</a:t>
             </a:fld>
             <a:endParaRPr lang="en-US" dirty="0"/>
           </a:p>
@@ -4797,7 +4797,7 @@
             <a:fld id="{B61BEF0D-F0BB-DE4B-95CE-6DB70DBA9567}" type="datetimeFigureOut">
               <a:rPr lang="en-US" dirty="0"/>
               <a:pPr/>
-              <a:t>12/12/2016</a:t>
+              <a:t>12.12.16</a:t>
             </a:fld>
             <a:endParaRPr lang="en-US" dirty="0"/>
           </a:p>
@@ -5085,7 +5085,7 @@
             <a:fld id="{B61BEF0D-F0BB-DE4B-95CE-6DB70DBA9567}" type="datetimeFigureOut">
               <a:rPr lang="en-US" dirty="0"/>
               <a:pPr/>
-              <a:t>12/12/2016</a:t>
+              <a:t>12.12.16</a:t>
             </a:fld>
             <a:endParaRPr lang="en-US" dirty="0"/>
           </a:p>
@@ -5612,7 +5612,7 @@
             <a:fld id="{B61BEF0D-F0BB-DE4B-95CE-6DB70DBA9567}" type="datetimeFigureOut">
               <a:rPr lang="en-US" dirty="0"/>
               <a:pPr/>
-              <a:t>12/12/2016</a:t>
+              <a:t>12.12.16</a:t>
             </a:fld>
             <a:endParaRPr lang="en-US" dirty="0"/>
           </a:p>
@@ -6554,7 +6554,7 @@
   <p:timing>
     <p:tnLst>
       <p:par>
-        <p:cTn id="1" dur="indefinite" restart="never" nodeType="tmRoot"/>
+        <p:cTn xmlns:p14="http://schemas.microsoft.com/office/powerpoint/2010/main" id="1" dur="indefinite" restart="never" nodeType="tmRoot"/>
       </p:par>
     </p:tnLst>
   </p:timing>
@@ -6966,9 +6966,9 @@
       </p:sp>
       <p:pic>
         <p:nvPicPr>
-          <p:cNvPr id="1026" name="Picture 2" descr="http://puu.sh/sMQHG/2fd080c536.jpg"/>
+          <p:cNvPr id="4" name="Bild 3" descr="roadmap.png"/>
           <p:cNvPicPr>
-            <a:picLocks noChangeAspect="1" noChangeArrowheads="1"/>
+            <a:picLocks noChangeAspect="1"/>
           </p:cNvPicPr>
           <p:nvPr/>
         </p:nvPicPr>
@@ -6980,29 +6980,18 @@
               </a:ext>
             </a:extLst>
           </a:blip>
-          <a:srcRect/>
           <a:stretch>
             <a:fillRect/>
           </a:stretch>
         </p:blipFill>
-        <p:spPr bwMode="auto">
+        <p:spPr>
           <a:xfrm>
-            <a:off x="8208334" y="681572"/>
-            <a:ext cx="3487479" cy="2772226"/>
+            <a:off x="8711241" y="834248"/>
+            <a:ext cx="2929128" cy="2538984"/>
           </a:xfrm>
           <a:prstGeom prst="rect">
             <a:avLst/>
           </a:prstGeom>
-          <a:noFill/>
-          <a:extLst>
-            <a:ext uri="{909E8E84-426E-40DD-AFC4-6F175D3DCCD1}">
-              <a14:hiddenFill xmlns:a14="http://schemas.microsoft.com/office/drawing/2010/main">
-                <a:solidFill>
-                  <a:srgbClr val="FFFFFF"/>
-                </a:solidFill>
-              </a14:hiddenFill>
-            </a:ext>
-          </a:extLst>
         </p:spPr>
       </p:pic>
     </p:spTree>
@@ -7018,7 +7007,7 @@
   <p:timing>
     <p:tnLst>
       <p:par>
-        <p:cTn id="1" dur="indefinite" restart="never" nodeType="tmRoot"/>
+        <p:cTn xmlns:p14="http://schemas.microsoft.com/office/powerpoint/2010/main" id="1" dur="indefinite" restart="never" nodeType="tmRoot"/>
       </p:par>
     </p:tnLst>
   </p:timing>
@@ -7405,7 +7394,7 @@
   <p:timing>
     <p:tnLst>
       <p:par>
-        <p:cTn id="1" dur="indefinite" restart="never" nodeType="tmRoot"/>
+        <p:cTn xmlns:p14="http://schemas.microsoft.com/office/powerpoint/2010/main" id="1" dur="indefinite" restart="never" nodeType="tmRoot"/>
       </p:par>
     </p:tnLst>
   </p:timing>
@@ -7798,7 +7787,7 @@
   <p:timing>
     <p:tnLst>
       <p:par>
-        <p:cTn id="1" dur="indefinite" restart="never" nodeType="tmRoot"/>
+        <p:cTn xmlns:p14="http://schemas.microsoft.com/office/powerpoint/2010/main" id="1" dur="indefinite" restart="never" nodeType="tmRoot"/>
       </p:par>
     </p:tnLst>
   </p:timing>
@@ -8433,7 +8422,7 @@
   <p:timing>
     <p:tnLst>
       <p:par>
-        <p:cTn id="1" dur="indefinite" restart="never" nodeType="tmRoot"/>
+        <p:cTn xmlns:p14="http://schemas.microsoft.com/office/powerpoint/2010/main" id="1" dur="indefinite" restart="never" nodeType="tmRoot"/>
       </p:par>
     </p:tnLst>
   </p:timing>
@@ -8566,14 +8555,14 @@
             <a:noFill/>
           </a:ln>
           <a:extLst>
-            <a:ext uri="{909E8E84-426E-40DD-AFC4-6F175D3DCCD1}">
+            <a:ext uri="{909E8E84-426E-40dd-AFC4-6F175D3DCCD1}">
               <a14:hiddenFill xmlns:a14="http://schemas.microsoft.com/office/drawing/2010/main">
                 <a:solidFill>
                   <a:srgbClr val="FFFFFF"/>
                 </a:solidFill>
               </a14:hiddenFill>
             </a:ext>
-            <a:ext uri="{91240B29-F687-4F45-9708-019B960494DF}">
+            <a:ext uri="{91240B29-F687-4f45-9708-019B960494DF}">
               <a14:hiddenLine xmlns:a14="http://schemas.microsoft.com/office/drawing/2010/main" w="9525">
                 <a:solidFill>
                   <a:srgbClr val="000000"/>
@@ -8867,7 +8856,7 @@
   <p:timing>
     <p:tnLst>
       <p:par>
-        <p:cTn id="1" dur="indefinite" restart="never" nodeType="tmRoot"/>
+        <p:cTn xmlns:p14="http://schemas.microsoft.com/office/powerpoint/2010/main" id="1" dur="indefinite" restart="never" nodeType="tmRoot"/>
       </p:par>
     </p:tnLst>
   </p:timing>
@@ -8950,7 +8939,7 @@
           </a:prstGeom>
           <a:noFill/>
           <a:extLst>
-            <a:ext uri="{909E8E84-426E-40DD-AFC4-6F175D3DCCD1}">
+            <a:ext uri="{909E8E84-426E-40dd-AFC4-6F175D3DCCD1}">
               <a14:hiddenFill xmlns:a14="http://schemas.microsoft.com/office/drawing/2010/main">
                 <a:solidFill>
                   <a:srgbClr val="FFFFFF"/>
@@ -8991,7 +8980,7 @@
           </a:prstGeom>
           <a:noFill/>
           <a:extLst>
-            <a:ext uri="{909E8E84-426E-40DD-AFC4-6F175D3DCCD1}">
+            <a:ext uri="{909E8E84-426E-40dd-AFC4-6F175D3DCCD1}">
               <a14:hiddenFill xmlns:a14="http://schemas.microsoft.com/office/drawing/2010/main">
                 <a:solidFill>
                   <a:srgbClr val="FFFFFF"/>
@@ -9282,7 +9271,7 @@
   <p:timing>
     <p:tnLst>
       <p:par>
-        <p:cTn id="1" dur="indefinite" restart="never" nodeType="tmRoot"/>
+        <p:cTn xmlns:p14="http://schemas.microsoft.com/office/powerpoint/2010/main" id="1" dur="indefinite" restart="never" nodeType="tmRoot"/>
       </p:par>
     </p:tnLst>
   </p:timing>
@@ -9664,7 +9653,7 @@
   <p:timing>
     <p:tnLst>
       <p:par>
-        <p:cTn id="1" dur="indefinite" restart="never" nodeType="tmRoot"/>
+        <p:cTn xmlns:p14="http://schemas.microsoft.com/office/powerpoint/2010/main" id="1" dur="indefinite" restart="never" nodeType="tmRoot"/>
       </p:par>
     </p:tnLst>
   </p:timing>
@@ -9998,7 +9987,7 @@
   <p:timing>
     <p:tnLst>
       <p:par>
-        <p:cTn id="1" dur="indefinite" restart="never" nodeType="tmRoot"/>
+        <p:cTn xmlns:p14="http://schemas.microsoft.com/office/powerpoint/2010/main" id="1" dur="indefinite" restart="never" nodeType="tmRoot"/>
       </p:par>
     </p:tnLst>
   </p:timing>
@@ -10255,7 +10244,7 @@
   <a:extraClrSchemeLst/>
   <a:extLst>
     <a:ext uri="{05A4C25C-085E-4340-85A3-A5531E510DB2}">
-      <thm15:themeFamily xmlns:thm15="http://schemas.microsoft.com/office/thememl/2012/main" name="Parallax" id="{3388167B-A2EB-4685-9635-1831D9AEF8C4}" vid="{4F7A876A-7598-49CA-AFC8-8EDA2551E4A7}"/>
+      <thm15:themeFamily xmlns:thm15="http://schemas.microsoft.com/office/thememl/2012/main" xmlns="" name="Parallax" id="{3388167B-A2EB-4685-9635-1831D9AEF8C4}" vid="{4F7A876A-7598-49CA-AFC8-8EDA2551E4A7}"/>
     </a:ext>
   </a:extLst>
 </a:theme>

--- a/baseProject/presentation/Presentation-Team8.pptx
+++ b/baseProject/presentation/Presentation-Team8.pptx
@@ -4,16 +4,20 @@
   <p:sldMasterIdLst>
     <p:sldMasterId id="2147483648" r:id="rId1"/>
   </p:sldMasterIdLst>
+  <p:notesMasterIdLst>
+    <p:notesMasterId r:id="rId12"/>
+  </p:notesMasterIdLst>
   <p:sldIdLst>
     <p:sldId id="256" r:id="rId2"/>
     <p:sldId id="257" r:id="rId3"/>
-    <p:sldId id="261" r:id="rId4"/>
-    <p:sldId id="259" r:id="rId5"/>
-    <p:sldId id="260" r:id="rId6"/>
-    <p:sldId id="262" r:id="rId7"/>
-    <p:sldId id="263" r:id="rId8"/>
-    <p:sldId id="264" r:id="rId9"/>
-    <p:sldId id="266" r:id="rId10"/>
+    <p:sldId id="271" r:id="rId4"/>
+    <p:sldId id="260" r:id="rId5"/>
+    <p:sldId id="267" r:id="rId6"/>
+    <p:sldId id="268" r:id="rId7"/>
+    <p:sldId id="269" r:id="rId8"/>
+    <p:sldId id="270" r:id="rId9"/>
+    <p:sldId id="263" r:id="rId10"/>
+    <p:sldId id="266" r:id="rId11"/>
   </p:sldIdLst>
   <p:sldSz cx="12192000" cy="6858000"/>
   <p:notesSz cx="6858000" cy="9144000"/>
@@ -125,22 +129,23 @@
             <p14:sldId id="257"/>
           </p14:sldIdLst>
         </p14:section>
-        <p14:section name="Main part" id="{34E26F9E-4492-4736-9212-BE2309B9AB4E}">
+        <p14:section name="System as is" id="{C1E30E7E-C0F7-5646-A502-7EA314218925}">
           <p14:sldIdLst>
-            <p14:sldId id="261"/>
-            <p14:sldId id="259"/>
-            <p14:sldId id="260"/>
-            <p14:sldId id="262"/>
+            <p14:sldId id="271"/>
           </p14:sldIdLst>
         </p14:section>
-        <p14:section name="Resumeé" id="{58102800-2E6E-4D72-AC91-8B0151A06D05}">
+        <p14:section name="Main part - Use Case" id="{34E26F9E-4492-4736-9212-BE2309B9AB4E}">
+          <p14:sldIdLst>
+            <p14:sldId id="260"/>
+            <p14:sldId id="267"/>
+            <p14:sldId id="268"/>
+            <p14:sldId id="269"/>
+            <p14:sldId id="270"/>
+          </p14:sldIdLst>
+        </p14:section>
+        <p14:section name="Questions" id="{58102800-2E6E-4D72-AC91-8B0151A06D05}">
           <p14:sldIdLst>
             <p14:sldId id="263"/>
-          </p14:sldIdLst>
-        </p14:section>
-        <p14:section name="Discussion - questions" id="{76984AA5-BF78-4042-B672-2FED68BBDE2E}">
-          <p14:sldIdLst>
-            <p14:sldId id="264"/>
           </p14:sldIdLst>
         </p14:section>
         <p14:section name="Dank Memes" id="{67DA4D25-9C61-4763-B889-0128106A1106}">
@@ -151,7 +156,7 @@
       </p14:sectionLst>
     </p:ext>
     <p:ext uri="{EFAFB233-063F-42B5-8137-9DF3F51BA10A}">
-      <p15:sldGuideLst xmlns:p15="http://schemas.microsoft.com/office/powerpoint/2012/main" xmlns="">
+      <p15:sldGuideLst xmlns="" xmlns:p15="http://schemas.microsoft.com/office/powerpoint/2012/main">
         <p15:guide id="1" orient="horz" pos="2160">
           <p15:clr>
             <a:srgbClr val="A4A3A4"/>
@@ -166,6 +171,1546 @@
     </p:ext>
   </p:extLst>
 </p:presentation>
+</file>
+
+<file path=ppt/notesMasters/notesMaster1.xml><?xml version="1.0" encoding="utf-8"?>
+<p:notesMaster xmlns:a="http://schemas.openxmlformats.org/drawingml/2006/main" xmlns:r="http://schemas.openxmlformats.org/officeDocument/2006/relationships" xmlns:p="http://schemas.openxmlformats.org/presentationml/2006/main">
+  <p:cSld>
+    <p:bg>
+      <p:bgRef idx="1001">
+        <a:schemeClr val="bg1"/>
+      </p:bgRef>
+    </p:bg>
+    <p:spTree>
+      <p:nvGrpSpPr>
+        <p:cNvPr id="1" name=""/>
+        <p:cNvGrpSpPr/>
+        <p:nvPr/>
+      </p:nvGrpSpPr>
+      <p:grpSpPr>
+        <a:xfrm>
+          <a:off x="0" y="0"/>
+          <a:ext cx="0" cy="0"/>
+          <a:chOff x="0" y="0"/>
+          <a:chExt cx="0" cy="0"/>
+        </a:xfrm>
+      </p:grpSpPr>
+      <p:sp>
+        <p:nvSpPr>
+          <p:cNvPr id="2" name="Überschriftenplatzhalter 1"/>
+          <p:cNvSpPr>
+            <a:spLocks noGrp="1"/>
+          </p:cNvSpPr>
+          <p:nvPr>
+            <p:ph type="hdr" sz="quarter"/>
+          </p:nvPr>
+        </p:nvSpPr>
+        <p:spPr>
+          <a:xfrm>
+            <a:off x="0" y="0"/>
+            <a:ext cx="2971800" cy="457200"/>
+          </a:xfrm>
+          <a:prstGeom prst="rect">
+            <a:avLst/>
+          </a:prstGeom>
+        </p:spPr>
+        <p:txBody>
+          <a:bodyPr vert="horz" lIns="91440" tIns="45720" rIns="91440" bIns="45720" rtlCol="0"/>
+          <a:lstStyle>
+            <a:lvl1pPr algn="l">
+              <a:defRPr sz="1200"/>
+            </a:lvl1pPr>
+          </a:lstStyle>
+          <a:p>
+            <a:endParaRPr lang="de-DE"/>
+          </a:p>
+        </p:txBody>
+      </p:sp>
+      <p:sp>
+        <p:nvSpPr>
+          <p:cNvPr id="3" name="Datumsplatzhalter 2"/>
+          <p:cNvSpPr>
+            <a:spLocks noGrp="1"/>
+          </p:cNvSpPr>
+          <p:nvPr>
+            <p:ph type="dt" idx="1"/>
+          </p:nvPr>
+        </p:nvSpPr>
+        <p:spPr>
+          <a:xfrm>
+            <a:off x="3884613" y="0"/>
+            <a:ext cx="2971800" cy="457200"/>
+          </a:xfrm>
+          <a:prstGeom prst="rect">
+            <a:avLst/>
+          </a:prstGeom>
+        </p:spPr>
+        <p:txBody>
+          <a:bodyPr vert="horz" lIns="91440" tIns="45720" rIns="91440" bIns="45720" rtlCol="0"/>
+          <a:lstStyle>
+            <a:lvl1pPr algn="r">
+              <a:defRPr sz="1200"/>
+            </a:lvl1pPr>
+          </a:lstStyle>
+          <a:p>
+            <a:fld id="{AD788536-914B-4640-862E-1D3DAE36BE3D}" type="datetimeFigureOut">
+              <a:rPr lang="de-DE" smtClean="0"/>
+              <a:t>12.12.16</a:t>
+            </a:fld>
+            <a:endParaRPr lang="de-DE"/>
+          </a:p>
+        </p:txBody>
+      </p:sp>
+      <p:sp>
+        <p:nvSpPr>
+          <p:cNvPr id="4" name="Folienbildplatzhalter 3"/>
+          <p:cNvSpPr>
+            <a:spLocks noGrp="1" noRot="1" noChangeAspect="1"/>
+          </p:cNvSpPr>
+          <p:nvPr>
+            <p:ph type="sldImg" idx="2"/>
+          </p:nvPr>
+        </p:nvSpPr>
+        <p:spPr>
+          <a:xfrm>
+            <a:off x="381000" y="685800"/>
+            <a:ext cx="6096000" cy="3429000"/>
+          </a:xfrm>
+          <a:prstGeom prst="rect">
+            <a:avLst/>
+          </a:prstGeom>
+          <a:noFill/>
+          <a:ln w="12700">
+            <a:solidFill>
+              <a:prstClr val="black"/>
+            </a:solidFill>
+          </a:ln>
+        </p:spPr>
+        <p:txBody>
+          <a:bodyPr vert="horz" lIns="91440" tIns="45720" rIns="91440" bIns="45720" rtlCol="0" anchor="ctr"/>
+          <a:lstStyle/>
+          <a:p>
+            <a:endParaRPr lang="de-DE"/>
+          </a:p>
+        </p:txBody>
+      </p:sp>
+      <p:sp>
+        <p:nvSpPr>
+          <p:cNvPr id="5" name="Notizenplatzhalter 4"/>
+          <p:cNvSpPr>
+            <a:spLocks noGrp="1"/>
+          </p:cNvSpPr>
+          <p:nvPr>
+            <p:ph type="body" sz="quarter" idx="3"/>
+          </p:nvPr>
+        </p:nvSpPr>
+        <p:spPr>
+          <a:xfrm>
+            <a:off x="685800" y="4343400"/>
+            <a:ext cx="5486400" cy="4114800"/>
+          </a:xfrm>
+          <a:prstGeom prst="rect">
+            <a:avLst/>
+          </a:prstGeom>
+        </p:spPr>
+        <p:txBody>
+          <a:bodyPr vert="horz" lIns="91440" tIns="45720" rIns="91440" bIns="45720" rtlCol="0"/>
+          <a:lstStyle/>
+          <a:p>
+            <a:pPr lvl="0"/>
+            <a:r>
+              <a:rPr lang="de-CH" smtClean="0"/>
+              <a:t>Mastertextformat bearbeiten</a:t>
+            </a:r>
+          </a:p>
+          <a:p>
+            <a:pPr lvl="1"/>
+            <a:r>
+              <a:rPr lang="de-CH" smtClean="0"/>
+              <a:t>Zweite Ebene</a:t>
+            </a:r>
+          </a:p>
+          <a:p>
+            <a:pPr lvl="2"/>
+            <a:r>
+              <a:rPr lang="de-CH" smtClean="0"/>
+              <a:t>Dritte Ebene</a:t>
+            </a:r>
+          </a:p>
+          <a:p>
+            <a:pPr lvl="3"/>
+            <a:r>
+              <a:rPr lang="de-CH" smtClean="0"/>
+              <a:t>Vierte Ebene</a:t>
+            </a:r>
+          </a:p>
+          <a:p>
+            <a:pPr lvl="4"/>
+            <a:r>
+              <a:rPr lang="de-CH" smtClean="0"/>
+              <a:t>Fünfte Ebene</a:t>
+            </a:r>
+            <a:endParaRPr lang="de-DE"/>
+          </a:p>
+        </p:txBody>
+      </p:sp>
+      <p:sp>
+        <p:nvSpPr>
+          <p:cNvPr id="6" name="Fußzeilenplatzhalter 5"/>
+          <p:cNvSpPr>
+            <a:spLocks noGrp="1"/>
+          </p:cNvSpPr>
+          <p:nvPr>
+            <p:ph type="ftr" sz="quarter" idx="4"/>
+          </p:nvPr>
+        </p:nvSpPr>
+        <p:spPr>
+          <a:xfrm>
+            <a:off x="0" y="8685213"/>
+            <a:ext cx="2971800" cy="457200"/>
+          </a:xfrm>
+          <a:prstGeom prst="rect">
+            <a:avLst/>
+          </a:prstGeom>
+        </p:spPr>
+        <p:txBody>
+          <a:bodyPr vert="horz" lIns="91440" tIns="45720" rIns="91440" bIns="45720" rtlCol="0" anchor="b"/>
+          <a:lstStyle>
+            <a:lvl1pPr algn="l">
+              <a:defRPr sz="1200"/>
+            </a:lvl1pPr>
+          </a:lstStyle>
+          <a:p>
+            <a:endParaRPr lang="de-DE"/>
+          </a:p>
+        </p:txBody>
+      </p:sp>
+      <p:sp>
+        <p:nvSpPr>
+          <p:cNvPr id="7" name="Foliennummernplatzhalter 6"/>
+          <p:cNvSpPr>
+            <a:spLocks noGrp="1"/>
+          </p:cNvSpPr>
+          <p:nvPr>
+            <p:ph type="sldNum" sz="quarter" idx="5"/>
+          </p:nvPr>
+        </p:nvSpPr>
+        <p:spPr>
+          <a:xfrm>
+            <a:off x="3884613" y="8685213"/>
+            <a:ext cx="2971800" cy="457200"/>
+          </a:xfrm>
+          <a:prstGeom prst="rect">
+            <a:avLst/>
+          </a:prstGeom>
+        </p:spPr>
+        <p:txBody>
+          <a:bodyPr vert="horz" lIns="91440" tIns="45720" rIns="91440" bIns="45720" rtlCol="0" anchor="b"/>
+          <a:lstStyle>
+            <a:lvl1pPr algn="r">
+              <a:defRPr sz="1200"/>
+            </a:lvl1pPr>
+          </a:lstStyle>
+          <a:p>
+            <a:fld id="{2F2847E0-1D0A-0F4B-99C8-E51199A5987D}" type="slidenum">
+              <a:rPr lang="de-DE" smtClean="0"/>
+              <a:t>‹Nr.›</a:t>
+            </a:fld>
+            <a:endParaRPr lang="de-DE"/>
+          </a:p>
+        </p:txBody>
+      </p:sp>
+    </p:spTree>
+    <p:extLst>
+      <p:ext uri="{BB962C8B-B14F-4D97-AF65-F5344CB8AC3E}">
+        <p14:creationId xmlns:p14="http://schemas.microsoft.com/office/powerpoint/2010/main" val="1104499108"/>
+      </p:ext>
+    </p:extLst>
+  </p:cSld>
+  <p:clrMap bg1="lt1" tx1="dk1" bg2="lt2" tx2="dk2" accent1="accent1" accent2="accent2" accent3="accent3" accent4="accent4" accent5="accent5" accent6="accent6" hlink="hlink" folHlink="folHlink"/>
+  <p:notesStyle>
+    <a:lvl1pPr marL="0" algn="l" defTabSz="457200" rtl="0" eaLnBrk="1" latinLnBrk="0" hangingPunct="1">
+      <a:defRPr sz="1200" kern="1200">
+        <a:solidFill>
+          <a:schemeClr val="tx1"/>
+        </a:solidFill>
+        <a:latin typeface="+mn-lt"/>
+        <a:ea typeface="+mn-ea"/>
+        <a:cs typeface="+mn-cs"/>
+      </a:defRPr>
+    </a:lvl1pPr>
+    <a:lvl2pPr marL="457200" algn="l" defTabSz="457200" rtl="0" eaLnBrk="1" latinLnBrk="0" hangingPunct="1">
+      <a:defRPr sz="1200" kern="1200">
+        <a:solidFill>
+          <a:schemeClr val="tx1"/>
+        </a:solidFill>
+        <a:latin typeface="+mn-lt"/>
+        <a:ea typeface="+mn-ea"/>
+        <a:cs typeface="+mn-cs"/>
+      </a:defRPr>
+    </a:lvl2pPr>
+    <a:lvl3pPr marL="914400" algn="l" defTabSz="457200" rtl="0" eaLnBrk="1" latinLnBrk="0" hangingPunct="1">
+      <a:defRPr sz="1200" kern="1200">
+        <a:solidFill>
+          <a:schemeClr val="tx1"/>
+        </a:solidFill>
+        <a:latin typeface="+mn-lt"/>
+        <a:ea typeface="+mn-ea"/>
+        <a:cs typeface="+mn-cs"/>
+      </a:defRPr>
+    </a:lvl3pPr>
+    <a:lvl4pPr marL="1371600" algn="l" defTabSz="457200" rtl="0" eaLnBrk="1" latinLnBrk="0" hangingPunct="1">
+      <a:defRPr sz="1200" kern="1200">
+        <a:solidFill>
+          <a:schemeClr val="tx1"/>
+        </a:solidFill>
+        <a:latin typeface="+mn-lt"/>
+        <a:ea typeface="+mn-ea"/>
+        <a:cs typeface="+mn-cs"/>
+      </a:defRPr>
+    </a:lvl4pPr>
+    <a:lvl5pPr marL="1828800" algn="l" defTabSz="457200" rtl="0" eaLnBrk="1" latinLnBrk="0" hangingPunct="1">
+      <a:defRPr sz="1200" kern="1200">
+        <a:solidFill>
+          <a:schemeClr val="tx1"/>
+        </a:solidFill>
+        <a:latin typeface="+mn-lt"/>
+        <a:ea typeface="+mn-ea"/>
+        <a:cs typeface="+mn-cs"/>
+      </a:defRPr>
+    </a:lvl5pPr>
+    <a:lvl6pPr marL="2286000" algn="l" defTabSz="457200" rtl="0" eaLnBrk="1" latinLnBrk="0" hangingPunct="1">
+      <a:defRPr sz="1200" kern="1200">
+        <a:solidFill>
+          <a:schemeClr val="tx1"/>
+        </a:solidFill>
+        <a:latin typeface="+mn-lt"/>
+        <a:ea typeface="+mn-ea"/>
+        <a:cs typeface="+mn-cs"/>
+      </a:defRPr>
+    </a:lvl6pPr>
+    <a:lvl7pPr marL="2743200" algn="l" defTabSz="457200" rtl="0" eaLnBrk="1" latinLnBrk="0" hangingPunct="1">
+      <a:defRPr sz="1200" kern="1200">
+        <a:solidFill>
+          <a:schemeClr val="tx1"/>
+        </a:solidFill>
+        <a:latin typeface="+mn-lt"/>
+        <a:ea typeface="+mn-ea"/>
+        <a:cs typeface="+mn-cs"/>
+      </a:defRPr>
+    </a:lvl7pPr>
+    <a:lvl8pPr marL="3200400" algn="l" defTabSz="457200" rtl="0" eaLnBrk="1" latinLnBrk="0" hangingPunct="1">
+      <a:defRPr sz="1200" kern="1200">
+        <a:solidFill>
+          <a:schemeClr val="tx1"/>
+        </a:solidFill>
+        <a:latin typeface="+mn-lt"/>
+        <a:ea typeface="+mn-ea"/>
+        <a:cs typeface="+mn-cs"/>
+      </a:defRPr>
+    </a:lvl8pPr>
+    <a:lvl9pPr marL="3657600" algn="l" defTabSz="457200" rtl="0" eaLnBrk="1" latinLnBrk="0" hangingPunct="1">
+      <a:defRPr sz="1200" kern="1200">
+        <a:solidFill>
+          <a:schemeClr val="tx1"/>
+        </a:solidFill>
+        <a:latin typeface="+mn-lt"/>
+        <a:ea typeface="+mn-ea"/>
+        <a:cs typeface="+mn-cs"/>
+      </a:defRPr>
+    </a:lvl9pPr>
+  </p:notesStyle>
+</p:notesMaster>
+</file>
+
+<file path=ppt/notesSlides/notesSlide1.xml><?xml version="1.0" encoding="utf-8"?>
+<p:notes xmlns:a="http://schemas.openxmlformats.org/drawingml/2006/main" xmlns:r="http://schemas.openxmlformats.org/officeDocument/2006/relationships" xmlns:p="http://schemas.openxmlformats.org/presentationml/2006/main">
+  <p:cSld>
+    <p:spTree>
+      <p:nvGrpSpPr>
+        <p:cNvPr id="1" name=""/>
+        <p:cNvGrpSpPr/>
+        <p:nvPr/>
+      </p:nvGrpSpPr>
+      <p:grpSpPr>
+        <a:xfrm>
+          <a:off x="0" y="0"/>
+          <a:ext cx="0" cy="0"/>
+          <a:chOff x="0" y="0"/>
+          <a:chExt cx="0" cy="0"/>
+        </a:xfrm>
+      </p:grpSpPr>
+      <p:sp>
+        <p:nvSpPr>
+          <p:cNvPr id="2" name="Folienbildplatzhalter 1"/>
+          <p:cNvSpPr>
+            <a:spLocks noGrp="1" noRot="1" noChangeAspect="1"/>
+          </p:cNvSpPr>
+          <p:nvPr>
+            <p:ph type="sldImg"/>
+          </p:nvPr>
+        </p:nvSpPr>
+        <p:spPr/>
+      </p:sp>
+      <p:sp>
+        <p:nvSpPr>
+          <p:cNvPr id="3" name="Notizenplatzhalter 2"/>
+          <p:cNvSpPr>
+            <a:spLocks noGrp="1"/>
+          </p:cNvSpPr>
+          <p:nvPr>
+            <p:ph type="body" idx="1"/>
+          </p:nvPr>
+        </p:nvSpPr>
+        <p:spPr/>
+        <p:txBody>
+          <a:bodyPr/>
+          <a:lstStyle/>
+          <a:p>
+            <a:pPr marL="171450" indent="-171450">
+              <a:buFontTx/>
+              <a:buChar char="-"/>
+            </a:pPr>
+            <a:endParaRPr lang="de-DE" baseline="0" dirty="0" smtClean="0"/>
+          </a:p>
+        </p:txBody>
+      </p:sp>
+      <p:sp>
+        <p:nvSpPr>
+          <p:cNvPr id="4" name="Foliennummernplatzhalter 3"/>
+          <p:cNvSpPr>
+            <a:spLocks noGrp="1"/>
+          </p:cNvSpPr>
+          <p:nvPr>
+            <p:ph type="sldNum" sz="quarter" idx="10"/>
+          </p:nvPr>
+        </p:nvSpPr>
+        <p:spPr/>
+        <p:txBody>
+          <a:bodyPr/>
+          <a:lstStyle/>
+          <a:p>
+            <a:fld id="{2F2847E0-1D0A-0F4B-99C8-E51199A5987D}" type="slidenum">
+              <a:rPr lang="de-DE" smtClean="0"/>
+              <a:t>3</a:t>
+            </a:fld>
+            <a:endParaRPr lang="de-DE"/>
+          </a:p>
+        </p:txBody>
+      </p:sp>
+    </p:spTree>
+    <p:extLst>
+      <p:ext uri="{BB962C8B-B14F-4D97-AF65-F5344CB8AC3E}">
+        <p14:creationId xmlns:p14="http://schemas.microsoft.com/office/powerpoint/2010/main" val="3137078353"/>
+      </p:ext>
+    </p:extLst>
+  </p:cSld>
+  <p:clrMapOvr>
+    <a:masterClrMapping/>
+  </p:clrMapOvr>
+</p:notes>
+</file>
+
+<file path=ppt/notesSlides/notesSlide2.xml><?xml version="1.0" encoding="utf-8"?>
+<p:notes xmlns:a="http://schemas.openxmlformats.org/drawingml/2006/main" xmlns:r="http://schemas.openxmlformats.org/officeDocument/2006/relationships" xmlns:p="http://schemas.openxmlformats.org/presentationml/2006/main">
+  <p:cSld>
+    <p:spTree>
+      <p:nvGrpSpPr>
+        <p:cNvPr id="1" name=""/>
+        <p:cNvGrpSpPr/>
+        <p:nvPr/>
+      </p:nvGrpSpPr>
+      <p:grpSpPr>
+        <a:xfrm>
+          <a:off x="0" y="0"/>
+          <a:ext cx="0" cy="0"/>
+          <a:chOff x="0" y="0"/>
+          <a:chExt cx="0" cy="0"/>
+        </a:xfrm>
+      </p:grpSpPr>
+      <p:sp>
+        <p:nvSpPr>
+          <p:cNvPr id="2" name="Folienbildplatzhalter 1"/>
+          <p:cNvSpPr>
+            <a:spLocks noGrp="1" noRot="1" noChangeAspect="1"/>
+          </p:cNvSpPr>
+          <p:nvPr>
+            <p:ph type="sldImg"/>
+          </p:nvPr>
+        </p:nvSpPr>
+        <p:spPr/>
+      </p:sp>
+      <p:sp>
+        <p:nvSpPr>
+          <p:cNvPr id="3" name="Notizenplatzhalter 2"/>
+          <p:cNvSpPr>
+            <a:spLocks noGrp="1"/>
+          </p:cNvSpPr>
+          <p:nvPr>
+            <p:ph type="body" idx="1"/>
+          </p:nvPr>
+        </p:nvSpPr>
+        <p:spPr/>
+        <p:txBody>
+          <a:bodyPr/>
+          <a:lstStyle/>
+          <a:p>
+            <a:pPr marL="171450" indent="-171450">
+              <a:buFontTx/>
+              <a:buChar char="-"/>
+            </a:pPr>
+            <a:r>
+              <a:rPr lang="de-DE" dirty="0" smtClean="0"/>
+              <a:t>Login </a:t>
+            </a:r>
+            <a:r>
+              <a:rPr lang="de-DE" dirty="0" err="1" smtClean="0"/>
+              <a:t>with</a:t>
+            </a:r>
+            <a:r>
+              <a:rPr lang="de-DE" dirty="0" smtClean="0"/>
+              <a:t> a</a:t>
+            </a:r>
+            <a:r>
+              <a:rPr lang="de-DE" baseline="0" dirty="0" smtClean="0"/>
+              <a:t> non premium </a:t>
+            </a:r>
+            <a:r>
+              <a:rPr lang="de-DE" baseline="0" dirty="0" err="1" smtClean="0"/>
+              <a:t>user</a:t>
+            </a:r>
+            <a:r>
+              <a:rPr lang="de-DE" baseline="0" dirty="0" smtClean="0"/>
+              <a:t> (</a:t>
+            </a:r>
+            <a:r>
+              <a:rPr lang="de-DE" baseline="0" dirty="0" err="1" smtClean="0"/>
+              <a:t>ese</a:t>
+            </a:r>
+            <a:r>
+              <a:rPr lang="de-DE" baseline="0" dirty="0" smtClean="0"/>
+              <a:t>: John Wayne)</a:t>
+            </a:r>
+          </a:p>
+          <a:p>
+            <a:pPr marL="171450" indent="-171450">
+              <a:buFontTx/>
+              <a:buChar char="-"/>
+            </a:pPr>
+            <a:r>
+              <a:rPr lang="de-DE" baseline="0" dirty="0" smtClean="0"/>
+              <a:t>Place a </a:t>
+            </a:r>
+            <a:r>
+              <a:rPr lang="de-DE" baseline="0" dirty="0" err="1" smtClean="0"/>
+              <a:t>new</a:t>
+            </a:r>
+            <a:r>
+              <a:rPr lang="de-DE" baseline="0" dirty="0" smtClean="0"/>
+              <a:t> </a:t>
+            </a:r>
+            <a:r>
+              <a:rPr lang="de-DE" baseline="0" dirty="0" err="1" smtClean="0"/>
+              <a:t>auction</a:t>
+            </a:r>
+            <a:endParaRPr lang="de-DE" baseline="0" dirty="0" smtClean="0"/>
+          </a:p>
+          <a:p>
+            <a:pPr marL="171450" indent="-171450">
+              <a:buFontTx/>
+              <a:buChar char="-"/>
+            </a:pPr>
+            <a:r>
+              <a:rPr lang="de-DE" baseline="0" dirty="0" smtClean="0"/>
+              <a:t>Look </a:t>
+            </a:r>
+            <a:r>
+              <a:rPr lang="de-DE" baseline="0" dirty="0" err="1" smtClean="0"/>
+              <a:t>at</a:t>
+            </a:r>
+            <a:r>
+              <a:rPr lang="de-DE" baseline="0" dirty="0" smtClean="0"/>
+              <a:t> </a:t>
+            </a:r>
+            <a:r>
+              <a:rPr lang="de-DE" baseline="0" dirty="0" err="1" smtClean="0"/>
+              <a:t>the</a:t>
+            </a:r>
+            <a:r>
+              <a:rPr lang="de-DE" baseline="0" dirty="0" smtClean="0"/>
+              <a:t> </a:t>
+            </a:r>
+            <a:r>
+              <a:rPr lang="de-DE" baseline="0" dirty="0" err="1" smtClean="0"/>
+              <a:t>index</a:t>
+            </a:r>
+            <a:r>
+              <a:rPr lang="de-DE" baseline="0" dirty="0" smtClean="0"/>
+              <a:t> </a:t>
+            </a:r>
+            <a:r>
+              <a:rPr lang="de-DE" baseline="0" dirty="0" err="1" smtClean="0"/>
+              <a:t>and</a:t>
+            </a:r>
+            <a:r>
+              <a:rPr lang="de-DE" baseline="0" dirty="0" smtClean="0"/>
+              <a:t> </a:t>
+            </a:r>
+            <a:r>
+              <a:rPr lang="de-DE" baseline="0" dirty="0" err="1" smtClean="0"/>
+              <a:t>don‘t</a:t>
+            </a:r>
+            <a:r>
+              <a:rPr lang="de-DE" baseline="0" dirty="0" smtClean="0"/>
+              <a:t> </a:t>
+            </a:r>
+            <a:r>
+              <a:rPr lang="de-DE" baseline="0" dirty="0" err="1" smtClean="0"/>
+              <a:t>be</a:t>
+            </a:r>
+            <a:r>
+              <a:rPr lang="de-DE" baseline="0" dirty="0" smtClean="0"/>
+              <a:t> </a:t>
+            </a:r>
+            <a:r>
+              <a:rPr lang="de-DE" baseline="0" dirty="0" err="1" smtClean="0"/>
+              <a:t>statisfied</a:t>
+            </a:r>
+            <a:r>
+              <a:rPr lang="de-DE" baseline="0" dirty="0" smtClean="0"/>
+              <a:t> </a:t>
+            </a:r>
+            <a:r>
+              <a:rPr lang="de-DE" baseline="0" dirty="0" err="1" smtClean="0"/>
+              <a:t>with</a:t>
+            </a:r>
+            <a:r>
+              <a:rPr lang="de-DE" baseline="0" dirty="0" smtClean="0"/>
+              <a:t> </a:t>
+            </a:r>
+            <a:r>
+              <a:rPr lang="de-DE" baseline="0" dirty="0" err="1" smtClean="0"/>
+              <a:t>the</a:t>
+            </a:r>
+            <a:r>
+              <a:rPr lang="de-DE" baseline="0" dirty="0" smtClean="0"/>
+              <a:t> </a:t>
+            </a:r>
+            <a:r>
+              <a:rPr lang="de-DE" baseline="0" dirty="0" err="1" smtClean="0"/>
+              <a:t>ranking</a:t>
+            </a:r>
+            <a:r>
+              <a:rPr lang="de-DE" baseline="0" dirty="0" smtClean="0"/>
+              <a:t> </a:t>
+            </a:r>
+            <a:r>
+              <a:rPr lang="de-DE" baseline="0" dirty="0" err="1" smtClean="0"/>
+              <a:t>of</a:t>
+            </a:r>
+            <a:r>
+              <a:rPr lang="de-DE" baseline="0" dirty="0" smtClean="0"/>
+              <a:t> </a:t>
+            </a:r>
+            <a:r>
+              <a:rPr lang="de-DE" baseline="0" dirty="0" err="1" smtClean="0"/>
+              <a:t>the</a:t>
+            </a:r>
+            <a:r>
+              <a:rPr lang="de-DE" baseline="0" dirty="0" smtClean="0"/>
+              <a:t> ad</a:t>
+            </a:r>
+          </a:p>
+          <a:p>
+            <a:pPr marL="171450" indent="-171450">
+              <a:buFontTx/>
+              <a:buChar char="-"/>
+            </a:pPr>
+            <a:r>
+              <a:rPr lang="de-DE" baseline="0" dirty="0" err="1" smtClean="0"/>
+              <a:t>Get</a:t>
+            </a:r>
+            <a:r>
+              <a:rPr lang="de-DE" baseline="0" dirty="0" smtClean="0"/>
+              <a:t> Premium </a:t>
+            </a:r>
+            <a:r>
+              <a:rPr lang="de-DE" baseline="0" dirty="0" err="1" smtClean="0"/>
+              <a:t>and</a:t>
+            </a:r>
+            <a:r>
+              <a:rPr lang="de-DE" baseline="0" dirty="0" smtClean="0"/>
+              <a:t> </a:t>
+            </a:r>
+            <a:r>
+              <a:rPr lang="de-DE" baseline="0" dirty="0" err="1" smtClean="0"/>
+              <a:t>show</a:t>
+            </a:r>
+            <a:r>
+              <a:rPr lang="de-DE" baseline="0" dirty="0" smtClean="0"/>
+              <a:t> </a:t>
+            </a:r>
+            <a:r>
+              <a:rPr lang="de-DE" baseline="0" dirty="0" err="1" smtClean="0"/>
+              <a:t>the</a:t>
+            </a:r>
+            <a:r>
+              <a:rPr lang="de-DE" baseline="0" dirty="0" smtClean="0"/>
+              <a:t> </a:t>
+            </a:r>
+            <a:r>
+              <a:rPr lang="de-DE" baseline="0" dirty="0" err="1" smtClean="0"/>
+              <a:t>message</a:t>
+            </a:r>
+            <a:r>
+              <a:rPr lang="de-DE" baseline="0" dirty="0" smtClean="0"/>
+              <a:t> in </a:t>
+            </a:r>
+            <a:r>
+              <a:rPr lang="de-DE" baseline="0" dirty="0" err="1" smtClean="0"/>
+              <a:t>the</a:t>
+            </a:r>
+            <a:r>
+              <a:rPr lang="de-DE" baseline="0" dirty="0" smtClean="0"/>
+              <a:t> </a:t>
+            </a:r>
+            <a:r>
+              <a:rPr lang="de-DE" baseline="0" dirty="0" err="1" smtClean="0"/>
+              <a:t>inbox</a:t>
+            </a:r>
+            <a:r>
+              <a:rPr lang="de-DE" baseline="0" dirty="0" smtClean="0"/>
+              <a:t>. As </a:t>
+            </a:r>
+            <a:r>
+              <a:rPr lang="de-DE" baseline="0" dirty="0" err="1" smtClean="0"/>
+              <a:t>well</a:t>
+            </a:r>
+            <a:r>
+              <a:rPr lang="de-DE" baseline="0" dirty="0" smtClean="0"/>
+              <a:t> </a:t>
+            </a:r>
+            <a:r>
+              <a:rPr lang="de-DE" baseline="0" dirty="0" err="1" smtClean="0"/>
+              <a:t>as</a:t>
+            </a:r>
+            <a:r>
+              <a:rPr lang="de-DE" baseline="0" dirty="0" smtClean="0"/>
+              <a:t> </a:t>
+            </a:r>
+            <a:r>
+              <a:rPr lang="de-DE" baseline="0" dirty="0" err="1" smtClean="0"/>
+              <a:t>the</a:t>
+            </a:r>
+            <a:r>
+              <a:rPr lang="de-DE" baseline="0" dirty="0" smtClean="0"/>
+              <a:t> </a:t>
+            </a:r>
+            <a:r>
+              <a:rPr lang="de-DE" baseline="0" dirty="0" err="1" smtClean="0"/>
+              <a:t>index</a:t>
+            </a:r>
+            <a:r>
+              <a:rPr lang="de-DE" baseline="0" dirty="0" smtClean="0"/>
+              <a:t> </a:t>
+            </a:r>
+            <a:r>
+              <a:rPr lang="de-DE" baseline="0" dirty="0" err="1" smtClean="0"/>
+              <a:t>page</a:t>
+            </a:r>
+            <a:r>
+              <a:rPr lang="de-DE" baseline="0" dirty="0" smtClean="0"/>
+              <a:t>, </a:t>
+            </a:r>
+            <a:r>
+              <a:rPr lang="de-DE" baseline="0" dirty="0" err="1" smtClean="0"/>
+              <a:t>we</a:t>
+            </a:r>
+            <a:r>
+              <a:rPr lang="de-DE" baseline="0" dirty="0" smtClean="0"/>
+              <a:t> </a:t>
+            </a:r>
+            <a:r>
+              <a:rPr lang="de-DE" baseline="0" dirty="0" err="1" smtClean="0"/>
+              <a:t>should</a:t>
+            </a:r>
+            <a:r>
+              <a:rPr lang="de-DE" baseline="0" dirty="0" smtClean="0"/>
+              <a:t> </a:t>
+            </a:r>
+            <a:r>
+              <a:rPr lang="de-DE" baseline="0" dirty="0" err="1" smtClean="0"/>
+              <a:t>now</a:t>
+            </a:r>
+            <a:r>
+              <a:rPr lang="de-DE" baseline="0" dirty="0" smtClean="0"/>
+              <a:t> </a:t>
+            </a:r>
+            <a:r>
+              <a:rPr lang="de-DE" baseline="0" dirty="0" err="1" smtClean="0"/>
+              <a:t>be</a:t>
+            </a:r>
+            <a:r>
+              <a:rPr lang="de-DE" baseline="0" dirty="0" smtClean="0"/>
+              <a:t> </a:t>
+            </a:r>
+            <a:r>
+              <a:rPr lang="de-DE" baseline="0" dirty="0" err="1" smtClean="0"/>
+              <a:t>ranked</a:t>
+            </a:r>
+            <a:r>
+              <a:rPr lang="de-DE" baseline="0" dirty="0" smtClean="0"/>
+              <a:t> </a:t>
+            </a:r>
+            <a:r>
+              <a:rPr lang="de-DE" baseline="0" dirty="0" err="1" smtClean="0"/>
+              <a:t>first</a:t>
+            </a:r>
+            <a:r>
+              <a:rPr lang="de-DE" baseline="0" dirty="0" smtClean="0"/>
+              <a:t>!</a:t>
+            </a:r>
+          </a:p>
+        </p:txBody>
+      </p:sp>
+      <p:sp>
+        <p:nvSpPr>
+          <p:cNvPr id="4" name="Foliennummernplatzhalter 3"/>
+          <p:cNvSpPr>
+            <a:spLocks noGrp="1"/>
+          </p:cNvSpPr>
+          <p:nvPr>
+            <p:ph type="sldNum" sz="quarter" idx="10"/>
+          </p:nvPr>
+        </p:nvSpPr>
+        <p:spPr/>
+        <p:txBody>
+          <a:bodyPr/>
+          <a:lstStyle/>
+          <a:p>
+            <a:fld id="{2F2847E0-1D0A-0F4B-99C8-E51199A5987D}" type="slidenum">
+              <a:rPr lang="de-DE" smtClean="0"/>
+              <a:t>4</a:t>
+            </a:fld>
+            <a:endParaRPr lang="de-DE"/>
+          </a:p>
+        </p:txBody>
+      </p:sp>
+    </p:spTree>
+    <p:extLst>
+      <p:ext uri="{BB962C8B-B14F-4D97-AF65-F5344CB8AC3E}">
+        <p14:creationId xmlns:p14="http://schemas.microsoft.com/office/powerpoint/2010/main" val="77204127"/>
+      </p:ext>
+    </p:extLst>
+  </p:cSld>
+  <p:clrMapOvr>
+    <a:masterClrMapping/>
+  </p:clrMapOvr>
+</p:notes>
+</file>
+
+<file path=ppt/notesSlides/notesSlide3.xml><?xml version="1.0" encoding="utf-8"?>
+<p:notes xmlns:a="http://schemas.openxmlformats.org/drawingml/2006/main" xmlns:r="http://schemas.openxmlformats.org/officeDocument/2006/relationships" xmlns:p="http://schemas.openxmlformats.org/presentationml/2006/main">
+  <p:cSld>
+    <p:spTree>
+      <p:nvGrpSpPr>
+        <p:cNvPr id="1" name=""/>
+        <p:cNvGrpSpPr/>
+        <p:nvPr/>
+      </p:nvGrpSpPr>
+      <p:grpSpPr>
+        <a:xfrm>
+          <a:off x="0" y="0"/>
+          <a:ext cx="0" cy="0"/>
+          <a:chOff x="0" y="0"/>
+          <a:chExt cx="0" cy="0"/>
+        </a:xfrm>
+      </p:grpSpPr>
+      <p:sp>
+        <p:nvSpPr>
+          <p:cNvPr id="2" name="Folienbildplatzhalter 1"/>
+          <p:cNvSpPr>
+            <a:spLocks noGrp="1" noRot="1" noChangeAspect="1"/>
+          </p:cNvSpPr>
+          <p:nvPr>
+            <p:ph type="sldImg"/>
+          </p:nvPr>
+        </p:nvSpPr>
+        <p:spPr/>
+      </p:sp>
+      <p:sp>
+        <p:nvSpPr>
+          <p:cNvPr id="3" name="Notizenplatzhalter 2"/>
+          <p:cNvSpPr>
+            <a:spLocks noGrp="1"/>
+          </p:cNvSpPr>
+          <p:nvPr>
+            <p:ph type="body" idx="1"/>
+          </p:nvPr>
+        </p:nvSpPr>
+        <p:spPr/>
+        <p:txBody>
+          <a:bodyPr/>
+          <a:lstStyle/>
+          <a:p>
+            <a:pPr marL="171450" indent="-171450">
+              <a:buFontTx/>
+              <a:buChar char="-"/>
+            </a:pPr>
+            <a:r>
+              <a:rPr lang="de-DE" dirty="0" smtClean="0"/>
+              <a:t>Login </a:t>
+            </a:r>
+            <a:r>
+              <a:rPr lang="de-DE" dirty="0" err="1" smtClean="0"/>
+              <a:t>from</a:t>
+            </a:r>
+            <a:r>
+              <a:rPr lang="de-DE" dirty="0" smtClean="0"/>
+              <a:t> Google,</a:t>
+            </a:r>
+            <a:r>
+              <a:rPr lang="de-DE" baseline="0" dirty="0" smtClean="0"/>
+              <a:t> </a:t>
+            </a:r>
+            <a:r>
+              <a:rPr lang="de-DE" baseline="0" dirty="0" err="1" smtClean="0"/>
+              <a:t>go</a:t>
+            </a:r>
+            <a:r>
+              <a:rPr lang="de-DE" baseline="0" dirty="0" smtClean="0"/>
+              <a:t> </a:t>
+            </a:r>
+            <a:r>
+              <a:rPr lang="de-DE" baseline="0" dirty="0" err="1" smtClean="0"/>
+              <a:t>to</a:t>
+            </a:r>
+            <a:r>
+              <a:rPr lang="de-DE" baseline="0" dirty="0" smtClean="0"/>
+              <a:t> </a:t>
+            </a:r>
+            <a:r>
+              <a:rPr lang="de-DE" baseline="0" dirty="0" err="1" smtClean="0"/>
+              <a:t>the</a:t>
+            </a:r>
+            <a:r>
+              <a:rPr lang="de-DE" baseline="0" dirty="0" smtClean="0"/>
+              <a:t> </a:t>
+            </a:r>
+            <a:r>
+              <a:rPr lang="de-DE" baseline="0" dirty="0" err="1" smtClean="0"/>
+              <a:t>newly</a:t>
+            </a:r>
+            <a:r>
+              <a:rPr lang="de-DE" baseline="0" dirty="0" smtClean="0"/>
+              <a:t> </a:t>
+            </a:r>
+            <a:r>
+              <a:rPr lang="de-DE" baseline="0" dirty="0" err="1" smtClean="0"/>
+              <a:t>placed</a:t>
+            </a:r>
+            <a:r>
+              <a:rPr lang="de-DE" baseline="0" dirty="0" smtClean="0"/>
+              <a:t> ad </a:t>
+            </a:r>
+            <a:r>
+              <a:rPr lang="de-DE" baseline="0" dirty="0" err="1" smtClean="0"/>
+              <a:t>and</a:t>
+            </a:r>
+            <a:r>
+              <a:rPr lang="de-DE" baseline="0" dirty="0" smtClean="0"/>
+              <a:t> </a:t>
+            </a:r>
+            <a:r>
+              <a:rPr lang="de-DE" baseline="0" dirty="0" err="1" smtClean="0"/>
+              <a:t>place</a:t>
+            </a:r>
+            <a:r>
+              <a:rPr lang="de-DE" baseline="0" dirty="0" smtClean="0"/>
+              <a:t> a </a:t>
+            </a:r>
+            <a:r>
+              <a:rPr lang="de-DE" baseline="0" dirty="0" err="1" smtClean="0"/>
+              <a:t>bid</a:t>
+            </a:r>
+            <a:r>
+              <a:rPr lang="de-DE" baseline="0" dirty="0" smtClean="0"/>
+              <a:t> on it.</a:t>
+            </a:r>
+          </a:p>
+          <a:p>
+            <a:pPr marL="171450" indent="-171450">
+              <a:buFontTx/>
+              <a:buChar char="-"/>
+            </a:pPr>
+            <a:r>
+              <a:rPr lang="de-DE" baseline="0" dirty="0" err="1" smtClean="0"/>
+              <a:t>Wait</a:t>
+            </a:r>
+            <a:endParaRPr lang="de-DE" baseline="0" dirty="0" smtClean="0"/>
+          </a:p>
+        </p:txBody>
+      </p:sp>
+      <p:sp>
+        <p:nvSpPr>
+          <p:cNvPr id="4" name="Foliennummernplatzhalter 3"/>
+          <p:cNvSpPr>
+            <a:spLocks noGrp="1"/>
+          </p:cNvSpPr>
+          <p:nvPr>
+            <p:ph type="sldNum" sz="quarter" idx="10"/>
+          </p:nvPr>
+        </p:nvSpPr>
+        <p:spPr/>
+        <p:txBody>
+          <a:bodyPr/>
+          <a:lstStyle/>
+          <a:p>
+            <a:fld id="{2F2847E0-1D0A-0F4B-99C8-E51199A5987D}" type="slidenum">
+              <a:rPr lang="de-DE" smtClean="0"/>
+              <a:t>5</a:t>
+            </a:fld>
+            <a:endParaRPr lang="de-DE"/>
+          </a:p>
+        </p:txBody>
+      </p:sp>
+    </p:spTree>
+    <p:extLst>
+      <p:ext uri="{BB962C8B-B14F-4D97-AF65-F5344CB8AC3E}">
+        <p14:creationId xmlns:p14="http://schemas.microsoft.com/office/powerpoint/2010/main" val="3137078353"/>
+      </p:ext>
+    </p:extLst>
+  </p:cSld>
+  <p:clrMapOvr>
+    <a:masterClrMapping/>
+  </p:clrMapOvr>
+</p:notes>
+</file>
+
+<file path=ppt/notesSlides/notesSlide4.xml><?xml version="1.0" encoding="utf-8"?>
+<p:notes xmlns:a="http://schemas.openxmlformats.org/drawingml/2006/main" xmlns:r="http://schemas.openxmlformats.org/officeDocument/2006/relationships" xmlns:p="http://schemas.openxmlformats.org/presentationml/2006/main">
+  <p:cSld>
+    <p:spTree>
+      <p:nvGrpSpPr>
+        <p:cNvPr id="1" name=""/>
+        <p:cNvGrpSpPr/>
+        <p:nvPr/>
+      </p:nvGrpSpPr>
+      <p:grpSpPr>
+        <a:xfrm>
+          <a:off x="0" y="0"/>
+          <a:ext cx="0" cy="0"/>
+          <a:chOff x="0" y="0"/>
+          <a:chExt cx="0" cy="0"/>
+        </a:xfrm>
+      </p:grpSpPr>
+      <p:sp>
+        <p:nvSpPr>
+          <p:cNvPr id="2" name="Folienbildplatzhalter 1"/>
+          <p:cNvSpPr>
+            <a:spLocks noGrp="1" noRot="1" noChangeAspect="1"/>
+          </p:cNvSpPr>
+          <p:nvPr>
+            <p:ph type="sldImg"/>
+          </p:nvPr>
+        </p:nvSpPr>
+        <p:spPr/>
+      </p:sp>
+      <p:sp>
+        <p:nvSpPr>
+          <p:cNvPr id="3" name="Notizenplatzhalter 2"/>
+          <p:cNvSpPr>
+            <a:spLocks noGrp="1"/>
+          </p:cNvSpPr>
+          <p:nvPr>
+            <p:ph type="body" idx="1"/>
+          </p:nvPr>
+        </p:nvSpPr>
+        <p:spPr/>
+        <p:txBody>
+          <a:bodyPr/>
+          <a:lstStyle/>
+          <a:p>
+            <a:pPr marL="171450" indent="-171450">
+              <a:buFontTx/>
+              <a:buChar char="-"/>
+            </a:pPr>
+            <a:r>
+              <a:rPr lang="de-DE" dirty="0" smtClean="0"/>
+              <a:t>Login</a:t>
+            </a:r>
+            <a:r>
+              <a:rPr lang="de-DE" baseline="0" dirty="0" smtClean="0"/>
+              <a:t> </a:t>
+            </a:r>
+            <a:r>
+              <a:rPr lang="de-DE" baseline="0" dirty="0" err="1" smtClean="0"/>
+              <a:t>and</a:t>
+            </a:r>
+            <a:r>
+              <a:rPr lang="de-DE" baseline="0" dirty="0" smtClean="0"/>
+              <a:t> </a:t>
+            </a:r>
+            <a:r>
+              <a:rPr lang="de-DE" baseline="0" dirty="0" err="1" smtClean="0"/>
+              <a:t>place</a:t>
+            </a:r>
+            <a:r>
+              <a:rPr lang="de-DE" baseline="0" dirty="0" smtClean="0"/>
+              <a:t> a </a:t>
+            </a:r>
+            <a:r>
+              <a:rPr lang="de-DE" baseline="0" dirty="0" err="1" smtClean="0"/>
+              <a:t>new</a:t>
+            </a:r>
+            <a:r>
+              <a:rPr lang="de-DE" baseline="0" dirty="0" smtClean="0"/>
+              <a:t> </a:t>
+            </a:r>
+            <a:r>
+              <a:rPr lang="de-DE" baseline="0" dirty="0" err="1" smtClean="0"/>
+              <a:t>bid</a:t>
+            </a:r>
+            <a:r>
+              <a:rPr lang="de-DE" baseline="0" dirty="0" smtClean="0"/>
+              <a:t> </a:t>
+            </a:r>
+            <a:r>
+              <a:rPr lang="de-DE" baseline="0" dirty="0" err="1" smtClean="0"/>
+              <a:t>for</a:t>
+            </a:r>
+            <a:r>
+              <a:rPr lang="de-DE" baseline="0" dirty="0" smtClean="0"/>
+              <a:t> </a:t>
+            </a:r>
+            <a:r>
+              <a:rPr lang="de-DE" baseline="0" dirty="0" err="1" smtClean="0"/>
+              <a:t>the</a:t>
+            </a:r>
+            <a:r>
+              <a:rPr lang="de-DE" baseline="0" dirty="0" smtClean="0"/>
+              <a:t> same ad</a:t>
+            </a:r>
+          </a:p>
+        </p:txBody>
+      </p:sp>
+      <p:sp>
+        <p:nvSpPr>
+          <p:cNvPr id="4" name="Foliennummernplatzhalter 3"/>
+          <p:cNvSpPr>
+            <a:spLocks noGrp="1"/>
+          </p:cNvSpPr>
+          <p:nvPr>
+            <p:ph type="sldNum" sz="quarter" idx="10"/>
+          </p:nvPr>
+        </p:nvSpPr>
+        <p:spPr/>
+        <p:txBody>
+          <a:bodyPr/>
+          <a:lstStyle/>
+          <a:p>
+            <a:fld id="{2F2847E0-1D0A-0F4B-99C8-E51199A5987D}" type="slidenum">
+              <a:rPr lang="de-DE" smtClean="0"/>
+              <a:t>6</a:t>
+            </a:fld>
+            <a:endParaRPr lang="de-DE"/>
+          </a:p>
+        </p:txBody>
+      </p:sp>
+    </p:spTree>
+    <p:extLst>
+      <p:ext uri="{BB962C8B-B14F-4D97-AF65-F5344CB8AC3E}">
+        <p14:creationId xmlns:p14="http://schemas.microsoft.com/office/powerpoint/2010/main" val="3137078353"/>
+      </p:ext>
+    </p:extLst>
+  </p:cSld>
+  <p:clrMapOvr>
+    <a:masterClrMapping/>
+  </p:clrMapOvr>
+</p:notes>
+</file>
+
+<file path=ppt/notesSlides/notesSlide5.xml><?xml version="1.0" encoding="utf-8"?>
+<p:notes xmlns:a="http://schemas.openxmlformats.org/drawingml/2006/main" xmlns:r="http://schemas.openxmlformats.org/officeDocument/2006/relationships" xmlns:p="http://schemas.openxmlformats.org/presentationml/2006/main">
+  <p:cSld>
+    <p:spTree>
+      <p:nvGrpSpPr>
+        <p:cNvPr id="1" name=""/>
+        <p:cNvGrpSpPr/>
+        <p:nvPr/>
+      </p:nvGrpSpPr>
+      <p:grpSpPr>
+        <a:xfrm>
+          <a:off x="0" y="0"/>
+          <a:ext cx="0" cy="0"/>
+          <a:chOff x="0" y="0"/>
+          <a:chExt cx="0" cy="0"/>
+        </a:xfrm>
+      </p:grpSpPr>
+      <p:sp>
+        <p:nvSpPr>
+          <p:cNvPr id="2" name="Folienbildplatzhalter 1"/>
+          <p:cNvSpPr>
+            <a:spLocks noGrp="1" noRot="1" noChangeAspect="1"/>
+          </p:cNvSpPr>
+          <p:nvPr>
+            <p:ph type="sldImg"/>
+          </p:nvPr>
+        </p:nvSpPr>
+        <p:spPr/>
+      </p:sp>
+      <p:sp>
+        <p:nvSpPr>
+          <p:cNvPr id="3" name="Notizenplatzhalter 2"/>
+          <p:cNvSpPr>
+            <a:spLocks noGrp="1"/>
+          </p:cNvSpPr>
+          <p:nvPr>
+            <p:ph type="body" idx="1"/>
+          </p:nvPr>
+        </p:nvSpPr>
+        <p:spPr/>
+        <p:txBody>
+          <a:bodyPr/>
+          <a:lstStyle/>
+          <a:p>
+            <a:pPr marL="171450" indent="-171450">
+              <a:buFontTx/>
+              <a:buChar char="-"/>
+            </a:pPr>
+            <a:r>
+              <a:rPr lang="de-DE" dirty="0" smtClean="0"/>
+              <a:t>Login </a:t>
+            </a:r>
+            <a:r>
+              <a:rPr lang="de-DE" dirty="0" err="1" smtClean="0"/>
+              <a:t>again</a:t>
+            </a:r>
+            <a:r>
+              <a:rPr lang="de-DE" dirty="0" smtClean="0"/>
+              <a:t> </a:t>
+            </a:r>
+            <a:r>
+              <a:rPr lang="de-DE" dirty="0" err="1" smtClean="0"/>
+              <a:t>from</a:t>
+            </a:r>
+            <a:r>
+              <a:rPr lang="de-DE" dirty="0" smtClean="0"/>
+              <a:t> Google,</a:t>
+            </a:r>
+            <a:r>
+              <a:rPr lang="de-DE" baseline="0" dirty="0" smtClean="0"/>
+              <a:t> check </a:t>
+            </a:r>
+            <a:r>
+              <a:rPr lang="de-DE" baseline="0" dirty="0" err="1" smtClean="0"/>
+              <a:t>your</a:t>
+            </a:r>
+            <a:r>
+              <a:rPr lang="de-DE" baseline="0" dirty="0" smtClean="0"/>
+              <a:t> </a:t>
+            </a:r>
+            <a:r>
+              <a:rPr lang="de-DE" baseline="0" dirty="0" err="1" smtClean="0"/>
+              <a:t>mailbox</a:t>
+            </a:r>
+            <a:r>
+              <a:rPr lang="de-DE" baseline="0" dirty="0" smtClean="0"/>
+              <a:t> </a:t>
+            </a:r>
+            <a:r>
+              <a:rPr lang="de-DE" baseline="0" dirty="0" err="1" smtClean="0"/>
+              <a:t>and</a:t>
+            </a:r>
+            <a:r>
+              <a:rPr lang="de-DE" baseline="0" dirty="0" smtClean="0"/>
+              <a:t> </a:t>
+            </a:r>
+            <a:r>
+              <a:rPr lang="de-DE" baseline="0" dirty="0" err="1" smtClean="0"/>
+              <a:t>go</a:t>
+            </a:r>
+            <a:r>
+              <a:rPr lang="de-DE" baseline="0" dirty="0" smtClean="0"/>
+              <a:t> </a:t>
+            </a:r>
+            <a:r>
+              <a:rPr lang="de-DE" baseline="0" dirty="0" err="1" smtClean="0"/>
+              <a:t>to</a:t>
+            </a:r>
+            <a:r>
+              <a:rPr lang="de-DE" baseline="0" dirty="0" smtClean="0"/>
+              <a:t> </a:t>
+            </a:r>
+            <a:r>
+              <a:rPr lang="de-DE" baseline="0" dirty="0" err="1" smtClean="0"/>
+              <a:t>the</a:t>
+            </a:r>
+            <a:r>
+              <a:rPr lang="de-DE" baseline="0" dirty="0" smtClean="0"/>
+              <a:t> ad </a:t>
+            </a:r>
+            <a:r>
+              <a:rPr lang="de-DE" baseline="0" dirty="0" err="1" smtClean="0"/>
+              <a:t>place</a:t>
+            </a:r>
+            <a:r>
+              <a:rPr lang="de-DE" baseline="0" dirty="0" smtClean="0"/>
+              <a:t> a </a:t>
+            </a:r>
+            <a:r>
+              <a:rPr lang="de-DE" baseline="0" dirty="0" err="1" smtClean="0"/>
+              <a:t>new</a:t>
+            </a:r>
+            <a:r>
+              <a:rPr lang="de-DE" baseline="0" dirty="0" smtClean="0"/>
+              <a:t> </a:t>
+            </a:r>
+            <a:r>
+              <a:rPr lang="de-DE" baseline="0" dirty="0" err="1" smtClean="0"/>
+              <a:t>bid</a:t>
+            </a:r>
+            <a:r>
+              <a:rPr lang="de-DE" baseline="0" dirty="0" smtClean="0"/>
+              <a:t>.</a:t>
+            </a:r>
+          </a:p>
+        </p:txBody>
+      </p:sp>
+      <p:sp>
+        <p:nvSpPr>
+          <p:cNvPr id="4" name="Foliennummernplatzhalter 3"/>
+          <p:cNvSpPr>
+            <a:spLocks noGrp="1"/>
+          </p:cNvSpPr>
+          <p:nvPr>
+            <p:ph type="sldNum" sz="quarter" idx="10"/>
+          </p:nvPr>
+        </p:nvSpPr>
+        <p:spPr/>
+        <p:txBody>
+          <a:bodyPr/>
+          <a:lstStyle/>
+          <a:p>
+            <a:fld id="{2F2847E0-1D0A-0F4B-99C8-E51199A5987D}" type="slidenum">
+              <a:rPr lang="de-DE" smtClean="0"/>
+              <a:t>7</a:t>
+            </a:fld>
+            <a:endParaRPr lang="de-DE"/>
+          </a:p>
+        </p:txBody>
+      </p:sp>
+    </p:spTree>
+    <p:extLst>
+      <p:ext uri="{BB962C8B-B14F-4D97-AF65-F5344CB8AC3E}">
+        <p14:creationId xmlns:p14="http://schemas.microsoft.com/office/powerpoint/2010/main" val="3137078353"/>
+      </p:ext>
+    </p:extLst>
+  </p:cSld>
+  <p:clrMapOvr>
+    <a:masterClrMapping/>
+  </p:clrMapOvr>
+</p:notes>
+</file>
+
+<file path=ppt/notesSlides/notesSlide6.xml><?xml version="1.0" encoding="utf-8"?>
+<p:notes xmlns:a="http://schemas.openxmlformats.org/drawingml/2006/main" xmlns:r="http://schemas.openxmlformats.org/officeDocument/2006/relationships" xmlns:p="http://schemas.openxmlformats.org/presentationml/2006/main">
+  <p:cSld>
+    <p:spTree>
+      <p:nvGrpSpPr>
+        <p:cNvPr id="1" name=""/>
+        <p:cNvGrpSpPr/>
+        <p:nvPr/>
+      </p:nvGrpSpPr>
+      <p:grpSpPr>
+        <a:xfrm>
+          <a:off x="0" y="0"/>
+          <a:ext cx="0" cy="0"/>
+          <a:chOff x="0" y="0"/>
+          <a:chExt cx="0" cy="0"/>
+        </a:xfrm>
+      </p:grpSpPr>
+      <p:sp>
+        <p:nvSpPr>
+          <p:cNvPr id="2" name="Folienbildplatzhalter 1"/>
+          <p:cNvSpPr>
+            <a:spLocks noGrp="1" noRot="1" noChangeAspect="1"/>
+          </p:cNvSpPr>
+          <p:nvPr>
+            <p:ph type="sldImg"/>
+          </p:nvPr>
+        </p:nvSpPr>
+        <p:spPr/>
+      </p:sp>
+      <p:sp>
+        <p:nvSpPr>
+          <p:cNvPr id="3" name="Notizenplatzhalter 2"/>
+          <p:cNvSpPr>
+            <a:spLocks noGrp="1"/>
+          </p:cNvSpPr>
+          <p:nvPr>
+            <p:ph type="body" idx="1"/>
+          </p:nvPr>
+        </p:nvSpPr>
+        <p:spPr/>
+        <p:txBody>
+          <a:bodyPr/>
+          <a:lstStyle/>
+          <a:p>
+            <a:pPr marL="171450" indent="-171450">
+              <a:buFontTx/>
+              <a:buChar char="-"/>
+            </a:pPr>
+            <a:r>
+              <a:rPr lang="de-DE" baseline="0" dirty="0" smtClean="0"/>
+              <a:t>Change </a:t>
+            </a:r>
+            <a:r>
+              <a:rPr lang="de-DE" baseline="0" dirty="0" err="1" smtClean="0"/>
+              <a:t>the</a:t>
+            </a:r>
+            <a:r>
+              <a:rPr lang="de-DE" baseline="0" dirty="0" smtClean="0"/>
+              <a:t> </a:t>
+            </a:r>
+            <a:r>
+              <a:rPr lang="de-DE" baseline="0" dirty="0" err="1" smtClean="0"/>
+              <a:t>auctionEndDate</a:t>
+            </a:r>
+            <a:r>
+              <a:rPr lang="de-DE" baseline="0" dirty="0" smtClean="0"/>
+              <a:t> in </a:t>
+            </a:r>
+            <a:r>
+              <a:rPr lang="de-DE" baseline="0" dirty="0" err="1" smtClean="0"/>
+              <a:t>the</a:t>
+            </a:r>
+            <a:r>
+              <a:rPr lang="de-DE" baseline="0" dirty="0" smtClean="0"/>
+              <a:t> </a:t>
+            </a:r>
+            <a:r>
+              <a:rPr lang="de-DE" baseline="0" dirty="0" err="1" smtClean="0"/>
+              <a:t>database</a:t>
+            </a:r>
+            <a:r>
+              <a:rPr lang="de-DE" baseline="0" dirty="0" smtClean="0"/>
+              <a:t> </a:t>
+            </a:r>
+            <a:r>
+              <a:rPr lang="de-DE" baseline="0" dirty="0" err="1" smtClean="0"/>
+              <a:t>and</a:t>
+            </a:r>
+            <a:r>
+              <a:rPr lang="de-DE" baseline="0" dirty="0" smtClean="0"/>
+              <a:t> </a:t>
+            </a:r>
+            <a:r>
+              <a:rPr lang="de-DE" baseline="0" dirty="0" err="1" smtClean="0"/>
+              <a:t>reload</a:t>
+            </a:r>
+            <a:r>
+              <a:rPr lang="de-DE" baseline="0" dirty="0" smtClean="0"/>
+              <a:t> </a:t>
+            </a:r>
+            <a:r>
+              <a:rPr lang="de-DE" baseline="0" dirty="0" err="1" smtClean="0"/>
+              <a:t>the</a:t>
+            </a:r>
+            <a:r>
+              <a:rPr lang="de-DE" baseline="0" dirty="0" smtClean="0"/>
+              <a:t> </a:t>
+            </a:r>
+            <a:r>
+              <a:rPr lang="de-DE" baseline="0" dirty="0" err="1" smtClean="0"/>
+              <a:t>page</a:t>
+            </a:r>
+            <a:r>
+              <a:rPr lang="de-DE" baseline="0" dirty="0" smtClean="0"/>
+              <a:t>. Show </a:t>
+            </a:r>
+            <a:r>
+              <a:rPr lang="de-DE" baseline="0" dirty="0" err="1" smtClean="0"/>
+              <a:t>message</a:t>
+            </a:r>
+            <a:r>
+              <a:rPr lang="de-DE" baseline="0" dirty="0" smtClean="0"/>
+              <a:t>, </a:t>
+            </a:r>
+            <a:r>
+              <a:rPr lang="de-DE" baseline="0" dirty="0" err="1" smtClean="0"/>
+              <a:t>that</a:t>
+            </a:r>
+            <a:r>
+              <a:rPr lang="de-DE" baseline="0" dirty="0" smtClean="0"/>
+              <a:t> </a:t>
+            </a:r>
+            <a:r>
+              <a:rPr lang="de-DE" baseline="0" dirty="0" err="1" smtClean="0"/>
+              <a:t>you</a:t>
+            </a:r>
+            <a:r>
+              <a:rPr lang="de-DE" baseline="0" dirty="0" smtClean="0"/>
+              <a:t> </a:t>
+            </a:r>
+            <a:r>
+              <a:rPr lang="de-DE" baseline="0" dirty="0" err="1" smtClean="0"/>
+              <a:t>won</a:t>
+            </a:r>
+            <a:r>
+              <a:rPr lang="de-DE" baseline="0" dirty="0" smtClean="0"/>
+              <a:t> </a:t>
+            </a:r>
+            <a:r>
+              <a:rPr lang="de-DE" baseline="0" dirty="0" err="1" smtClean="0"/>
+              <a:t>the</a:t>
+            </a:r>
+            <a:r>
+              <a:rPr lang="de-DE" baseline="0" dirty="0" smtClean="0"/>
+              <a:t> </a:t>
+            </a:r>
+            <a:r>
+              <a:rPr lang="de-DE" baseline="0" dirty="0" err="1" smtClean="0"/>
+              <a:t>auction</a:t>
+            </a:r>
+            <a:endParaRPr lang="de-DE" baseline="0" dirty="0" smtClean="0"/>
+          </a:p>
+        </p:txBody>
+      </p:sp>
+      <p:sp>
+        <p:nvSpPr>
+          <p:cNvPr id="4" name="Foliennummernplatzhalter 3"/>
+          <p:cNvSpPr>
+            <a:spLocks noGrp="1"/>
+          </p:cNvSpPr>
+          <p:nvPr>
+            <p:ph type="sldNum" sz="quarter" idx="10"/>
+          </p:nvPr>
+        </p:nvSpPr>
+        <p:spPr/>
+        <p:txBody>
+          <a:bodyPr/>
+          <a:lstStyle/>
+          <a:p>
+            <a:fld id="{2F2847E0-1D0A-0F4B-99C8-E51199A5987D}" type="slidenum">
+              <a:rPr lang="de-DE" smtClean="0"/>
+              <a:t>8</a:t>
+            </a:fld>
+            <a:endParaRPr lang="de-DE"/>
+          </a:p>
+        </p:txBody>
+      </p:sp>
+    </p:spTree>
+    <p:extLst>
+      <p:ext uri="{BB962C8B-B14F-4D97-AF65-F5344CB8AC3E}">
+        <p14:creationId xmlns:p14="http://schemas.microsoft.com/office/powerpoint/2010/main" val="3137078353"/>
+      </p:ext>
+    </p:extLst>
+  </p:cSld>
+  <p:clrMapOvr>
+    <a:masterClrMapping/>
+  </p:clrMapOvr>
+</p:notes>
 </file>
 
 <file path=ppt/slideLayouts/slideLayout1.xml><?xml version="1.0" encoding="utf-8"?>
@@ -6561,6 +8106,340 @@
 </p:sld>
 </file>
 
+<file path=ppt/slides/slide10.xml><?xml version="1.0" encoding="utf-8"?>
+<p:sld xmlns:a="http://schemas.openxmlformats.org/drawingml/2006/main" xmlns:r="http://schemas.openxmlformats.org/officeDocument/2006/relationships" xmlns:p="http://schemas.openxmlformats.org/presentationml/2006/main">
+  <p:cSld>
+    <p:spTree>
+      <p:nvGrpSpPr>
+        <p:cNvPr id="1" name=""/>
+        <p:cNvGrpSpPr/>
+        <p:nvPr/>
+      </p:nvGrpSpPr>
+      <p:grpSpPr>
+        <a:xfrm>
+          <a:off x="0" y="0"/>
+          <a:ext cx="0" cy="0"/>
+          <a:chOff x="0" y="0"/>
+          <a:chExt cx="0" cy="0"/>
+        </a:xfrm>
+      </p:grpSpPr>
+      <p:pic>
+        <p:nvPicPr>
+          <p:cNvPr id="4" name="Inhaltsplatzhalter 3"/>
+          <p:cNvPicPr>
+            <a:picLocks noGrp="1" noChangeAspect="1"/>
+          </p:cNvPicPr>
+          <p:nvPr>
+            <p:ph idx="1"/>
+          </p:nvPr>
+        </p:nvPicPr>
+        <p:blipFill>
+          <a:blip r:embed="rId2">
+            <a:extLst>
+              <a:ext uri="{28A0092B-C50C-407E-A947-70E740481C1C}">
+                <a14:useLocalDpi xmlns:a14="http://schemas.microsoft.com/office/drawing/2010/main" val="0"/>
+              </a:ext>
+            </a:extLst>
+          </a:blip>
+          <a:stretch>
+            <a:fillRect/>
+          </a:stretch>
+        </p:blipFill>
+        <p:spPr>
+          <a:xfrm>
+            <a:off x="3325091" y="589467"/>
+            <a:ext cx="5458042" cy="5458042"/>
+          </a:xfrm>
+        </p:spPr>
+      </p:pic>
+      <p:sp>
+        <p:nvSpPr>
+          <p:cNvPr id="6" name="Inhaltsplatzhalter 2"/>
+          <p:cNvSpPr txBox="1">
+            <a:spLocks/>
+          </p:cNvSpPr>
+          <p:nvPr/>
+        </p:nvSpPr>
+        <p:spPr>
+          <a:xfrm>
+            <a:off x="8137451" y="-41565"/>
+            <a:ext cx="4054549" cy="370610"/>
+          </a:xfrm>
+          <a:prstGeom prst="rect">
+            <a:avLst/>
+          </a:prstGeom>
+        </p:spPr>
+        <p:txBody>
+          <a:bodyPr vert="horz" lIns="91440" tIns="45720" rIns="91440" bIns="45720" rtlCol="0" anchor="ctr">
+            <a:normAutofit/>
+          </a:bodyPr>
+          <a:lstStyle>
+            <a:lvl1pPr marL="285750" indent="-285750" algn="l" defTabSz="457200" rtl="0" eaLnBrk="1" latinLnBrk="0" hangingPunct="1">
+              <a:spcBef>
+                <a:spcPct val="20000"/>
+              </a:spcBef>
+              <a:spcAft>
+                <a:spcPts val="600"/>
+              </a:spcAft>
+              <a:buClr>
+                <a:schemeClr val="accent1">
+                  <a:lumMod val="75000"/>
+                </a:schemeClr>
+              </a:buClr>
+              <a:buSzPct val="145000"/>
+              <a:buFont typeface="Arial"/>
+              <a:buChar char="•"/>
+              <a:defRPr sz="2400" kern="1200" cap="none">
+                <a:solidFill>
+                  <a:schemeClr val="tx1"/>
+                </a:solidFill>
+                <a:effectLst/>
+                <a:latin typeface="+mn-lt"/>
+                <a:ea typeface="+mn-ea"/>
+                <a:cs typeface="+mn-cs"/>
+              </a:defRPr>
+            </a:lvl1pPr>
+            <a:lvl2pPr marL="742950" indent="-285750" algn="l" defTabSz="457200" rtl="0" eaLnBrk="1" latinLnBrk="0" hangingPunct="1">
+              <a:spcBef>
+                <a:spcPct val="20000"/>
+              </a:spcBef>
+              <a:spcAft>
+                <a:spcPts val="600"/>
+              </a:spcAft>
+              <a:buClr>
+                <a:schemeClr val="accent1">
+                  <a:lumMod val="75000"/>
+                </a:schemeClr>
+              </a:buClr>
+              <a:buSzPct val="145000"/>
+              <a:buFont typeface="Arial"/>
+              <a:buChar char="•"/>
+              <a:defRPr sz="2000" kern="1200" cap="none">
+                <a:solidFill>
+                  <a:schemeClr val="tx1"/>
+                </a:solidFill>
+                <a:effectLst/>
+                <a:latin typeface="+mn-lt"/>
+                <a:ea typeface="+mn-ea"/>
+                <a:cs typeface="+mn-cs"/>
+              </a:defRPr>
+            </a:lvl2pPr>
+            <a:lvl3pPr marL="1200150" indent="-285750" algn="l" defTabSz="457200" rtl="0" eaLnBrk="1" latinLnBrk="0" hangingPunct="1">
+              <a:spcBef>
+                <a:spcPct val="20000"/>
+              </a:spcBef>
+              <a:spcAft>
+                <a:spcPts val="600"/>
+              </a:spcAft>
+              <a:buClr>
+                <a:schemeClr val="accent1">
+                  <a:lumMod val="75000"/>
+                </a:schemeClr>
+              </a:buClr>
+              <a:buSzPct val="145000"/>
+              <a:buFont typeface="Arial"/>
+              <a:buChar char="•"/>
+              <a:defRPr sz="1800" kern="1200" cap="none">
+                <a:solidFill>
+                  <a:schemeClr val="tx1"/>
+                </a:solidFill>
+                <a:effectLst/>
+                <a:latin typeface="+mn-lt"/>
+                <a:ea typeface="+mn-ea"/>
+                <a:cs typeface="+mn-cs"/>
+              </a:defRPr>
+            </a:lvl3pPr>
+            <a:lvl4pPr marL="1543050" indent="-171450" algn="l" defTabSz="457200" rtl="0" eaLnBrk="1" latinLnBrk="0" hangingPunct="1">
+              <a:spcBef>
+                <a:spcPct val="20000"/>
+              </a:spcBef>
+              <a:spcAft>
+                <a:spcPts val="600"/>
+              </a:spcAft>
+              <a:buClr>
+                <a:schemeClr val="accent1">
+                  <a:lumMod val="75000"/>
+                </a:schemeClr>
+              </a:buClr>
+              <a:buSzPct val="145000"/>
+              <a:buFont typeface="Arial"/>
+              <a:buChar char="•"/>
+              <a:defRPr sz="1600" kern="1200" cap="none">
+                <a:solidFill>
+                  <a:schemeClr val="tx1"/>
+                </a:solidFill>
+                <a:effectLst/>
+                <a:latin typeface="+mn-lt"/>
+                <a:ea typeface="+mn-ea"/>
+                <a:cs typeface="+mn-cs"/>
+              </a:defRPr>
+            </a:lvl4pPr>
+            <a:lvl5pPr marL="2000250" indent="-171450" algn="l" defTabSz="457200" rtl="0" eaLnBrk="1" latinLnBrk="0" hangingPunct="1">
+              <a:spcBef>
+                <a:spcPct val="20000"/>
+              </a:spcBef>
+              <a:spcAft>
+                <a:spcPts val="600"/>
+              </a:spcAft>
+              <a:buClr>
+                <a:schemeClr val="accent1">
+                  <a:lumMod val="75000"/>
+                </a:schemeClr>
+              </a:buClr>
+              <a:buSzPct val="145000"/>
+              <a:buFont typeface="Arial"/>
+              <a:buChar char="•"/>
+              <a:defRPr sz="1400" kern="1200" cap="none">
+                <a:solidFill>
+                  <a:schemeClr val="tx1"/>
+                </a:solidFill>
+                <a:effectLst/>
+                <a:latin typeface="+mn-lt"/>
+                <a:ea typeface="+mn-ea"/>
+                <a:cs typeface="+mn-cs"/>
+              </a:defRPr>
+            </a:lvl5pPr>
+            <a:lvl6pPr marL="2514600" indent="-228600" algn="l" defTabSz="457200" rtl="0" eaLnBrk="1" latinLnBrk="0" hangingPunct="1">
+              <a:spcBef>
+                <a:spcPct val="20000"/>
+              </a:spcBef>
+              <a:spcAft>
+                <a:spcPts val="600"/>
+              </a:spcAft>
+              <a:buClr>
+                <a:schemeClr val="accent1">
+                  <a:lumMod val="75000"/>
+                </a:schemeClr>
+              </a:buClr>
+              <a:buSzPct val="145000"/>
+              <a:buFont typeface="Arial"/>
+              <a:buChar char="•"/>
+              <a:defRPr sz="1400" kern="1200" cap="none">
+                <a:solidFill>
+                  <a:schemeClr val="tx1"/>
+                </a:solidFill>
+                <a:effectLst/>
+                <a:latin typeface="+mn-lt"/>
+                <a:ea typeface="+mn-ea"/>
+                <a:cs typeface="+mn-cs"/>
+              </a:defRPr>
+            </a:lvl6pPr>
+            <a:lvl7pPr marL="2971800" indent="-228600" algn="l" defTabSz="457200" rtl="0" eaLnBrk="1" latinLnBrk="0" hangingPunct="1">
+              <a:spcBef>
+                <a:spcPct val="20000"/>
+              </a:spcBef>
+              <a:spcAft>
+                <a:spcPts val="600"/>
+              </a:spcAft>
+              <a:buClr>
+                <a:schemeClr val="accent1">
+                  <a:lumMod val="75000"/>
+                </a:schemeClr>
+              </a:buClr>
+              <a:buSzPct val="145000"/>
+              <a:buFont typeface="Arial"/>
+              <a:buChar char="•"/>
+              <a:defRPr sz="1400" kern="1200" cap="none">
+                <a:solidFill>
+                  <a:schemeClr val="tx1"/>
+                </a:solidFill>
+                <a:effectLst/>
+                <a:latin typeface="+mn-lt"/>
+                <a:ea typeface="+mn-ea"/>
+                <a:cs typeface="+mn-cs"/>
+              </a:defRPr>
+            </a:lvl7pPr>
+            <a:lvl8pPr marL="3429000" indent="-228600" algn="l" defTabSz="457200" rtl="0" eaLnBrk="1" latinLnBrk="0" hangingPunct="1">
+              <a:spcBef>
+                <a:spcPct val="20000"/>
+              </a:spcBef>
+              <a:spcAft>
+                <a:spcPts val="600"/>
+              </a:spcAft>
+              <a:buClr>
+                <a:schemeClr val="accent1">
+                  <a:lumMod val="75000"/>
+                </a:schemeClr>
+              </a:buClr>
+              <a:buSzPct val="145000"/>
+              <a:buFont typeface="Arial"/>
+              <a:buChar char="•"/>
+              <a:defRPr sz="1400" kern="1200" cap="none">
+                <a:solidFill>
+                  <a:schemeClr val="tx1"/>
+                </a:solidFill>
+                <a:effectLst/>
+                <a:latin typeface="+mn-lt"/>
+                <a:ea typeface="+mn-ea"/>
+                <a:cs typeface="+mn-cs"/>
+              </a:defRPr>
+            </a:lvl8pPr>
+            <a:lvl9pPr marL="3886200" indent="-228600" algn="l" defTabSz="457200" rtl="0" eaLnBrk="1" latinLnBrk="0" hangingPunct="1">
+              <a:spcBef>
+                <a:spcPct val="20000"/>
+              </a:spcBef>
+              <a:spcAft>
+                <a:spcPts val="600"/>
+              </a:spcAft>
+              <a:buClr>
+                <a:schemeClr val="accent1">
+                  <a:lumMod val="75000"/>
+                </a:schemeClr>
+              </a:buClr>
+              <a:buSzPct val="145000"/>
+              <a:buFont typeface="Arial"/>
+              <a:buChar char="•"/>
+              <a:defRPr sz="1400" kern="1200" cap="none">
+                <a:solidFill>
+                  <a:schemeClr val="tx1"/>
+                </a:solidFill>
+                <a:effectLst/>
+                <a:latin typeface="+mn-lt"/>
+                <a:ea typeface="+mn-ea"/>
+                <a:cs typeface="+mn-cs"/>
+              </a:defRPr>
+            </a:lvl9pPr>
+          </a:lstStyle>
+          <a:p>
+            <a:pPr marL="0" indent="0">
+              <a:buNone/>
+            </a:pPr>
+            <a:r>
+              <a:rPr lang="de-DE" sz="1000" dirty="0" smtClean="0"/>
+              <a:t>Rem0 Röthlisberger, Eric </a:t>
+            </a:r>
+            <a:r>
+              <a:rPr lang="de-DE" sz="1000" dirty="0" err="1" smtClean="0"/>
+              <a:t>Lagger</a:t>
+            </a:r>
+            <a:r>
+              <a:rPr lang="de-DE" sz="1000" dirty="0" smtClean="0"/>
+              <a:t>, Vincent Hofer, Dean Klopsch, Aebi Ryan</a:t>
+            </a:r>
+            <a:endParaRPr lang="de-DE" sz="1000" dirty="0"/>
+          </a:p>
+        </p:txBody>
+      </p:sp>
+    </p:spTree>
+    <p:extLst>
+      <p:ext uri="{BB962C8B-B14F-4D97-AF65-F5344CB8AC3E}">
+        <p14:creationId xmlns:p14="http://schemas.microsoft.com/office/powerpoint/2010/main" val="4059518843"/>
+      </p:ext>
+    </p:extLst>
+  </p:cSld>
+  <p:clrMapOvr>
+    <a:masterClrMapping/>
+  </p:clrMapOvr>
+  <p:timing>
+    <p:tnLst>
+      <p:par>
+        <p:cTn xmlns:p14="http://schemas.microsoft.com/office/powerpoint/2010/main" id="1" dur="indefinite" restart="never" nodeType="tmRoot"/>
+      </p:par>
+    </p:tnLst>
+  </p:timing>
+</p:sld>
+</file>
+
 <file path=ppt/slides/slide2.xml><?xml version="1.0" encoding="utf-8"?>
 <p:sld xmlns:a="http://schemas.openxmlformats.org/drawingml/2006/main" xmlns:r="http://schemas.openxmlformats.org/officeDocument/2006/relationships" xmlns:p="http://schemas.openxmlformats.org/presentationml/2006/main">
   <p:cSld>
@@ -6590,8 +8469,8 @@
         </p:nvSpPr>
         <p:spPr>
           <a:xfrm>
-            <a:off x="3748725" y="1219219"/>
-            <a:ext cx="4388726" cy="1033119"/>
+            <a:off x="1747546" y="1219219"/>
+            <a:ext cx="7629287" cy="1033119"/>
           </a:xfrm>
         </p:spPr>
         <p:txBody>
@@ -6626,73 +8505,57 @@
         </p:spPr>
         <p:txBody>
           <a:bodyPr>
-            <a:normAutofit fontScale="92500" lnSpcReduction="20000"/>
+            <a:normAutofit/>
           </a:bodyPr>
           <a:lstStyle/>
           <a:p>
             <a:r>
-              <a:rPr lang="de-CH" dirty="0" smtClean="0"/>
-              <a:t>Produktbeschreibung</a:t>
-            </a:r>
-          </a:p>
-          <a:p>
-            <a:r>
-              <a:rPr lang="de-CH" dirty="0" smtClean="0"/>
-              <a:t>Ergonomie</a:t>
-            </a:r>
-          </a:p>
-          <a:p>
-            <a:r>
-              <a:rPr lang="de-CH" dirty="0" err="1" smtClean="0"/>
-              <a:t>Affordanz</a:t>
-            </a:r>
-            <a:endParaRPr lang="de-CH" dirty="0" smtClean="0"/>
-          </a:p>
-          <a:p>
-            <a:r>
-              <a:rPr lang="de-CH" dirty="0" smtClean="0"/>
-              <a:t>Erfahrung</a:t>
-            </a:r>
-          </a:p>
-          <a:p>
-            <a:r>
-              <a:rPr lang="de-CH" dirty="0" err="1"/>
-              <a:t>Abowd</a:t>
-            </a:r>
-            <a:r>
-              <a:rPr lang="de-CH" dirty="0"/>
-              <a:t> &amp; </a:t>
-            </a:r>
-            <a:r>
-              <a:rPr lang="de-CH" dirty="0" err="1"/>
-              <a:t>Beale's</a:t>
-            </a:r>
-            <a:r>
-              <a:rPr lang="de-CH" dirty="0"/>
+              <a:rPr lang="de-CH" sz="3200" dirty="0" smtClean="0"/>
+              <a:t>System </a:t>
+            </a:r>
+            <a:r>
+              <a:rPr lang="de-CH" sz="3200" dirty="0" err="1" smtClean="0"/>
+              <a:t>as</a:t>
+            </a:r>
+            <a:r>
+              <a:rPr lang="de-CH" sz="3200" dirty="0" smtClean="0"/>
               <a:t> </a:t>
             </a:r>
             <a:r>
-              <a:rPr lang="de-CH" dirty="0" smtClean="0"/>
-              <a:t>Modell</a:t>
-            </a:r>
-          </a:p>
-          <a:p>
-            <a:r>
-              <a:rPr lang="de-CH" dirty="0" smtClean="0"/>
-              <a:t>Benutzertest</a:t>
-            </a:r>
-          </a:p>
-          <a:p>
-            <a:r>
-              <a:rPr lang="de-CH" dirty="0" smtClean="0"/>
-              <a:t>Fazit</a:t>
-            </a:r>
-          </a:p>
-          <a:p>
-            <a:r>
-              <a:rPr lang="de-CH" dirty="0" smtClean="0"/>
-              <a:t>Fragerunde/ Diskussion</a:t>
-            </a:r>
+              <a:rPr lang="de-CH" sz="3200" dirty="0" err="1" smtClean="0"/>
+              <a:t>is</a:t>
+            </a:r>
+            <a:r>
+              <a:rPr lang="de-CH" sz="3200" dirty="0" smtClean="0"/>
+              <a:t> – </a:t>
+            </a:r>
+            <a:r>
+              <a:rPr lang="de-CH" sz="3200" dirty="0" err="1" smtClean="0"/>
+              <a:t>use</a:t>
+            </a:r>
+            <a:r>
+              <a:rPr lang="de-CH" sz="3200" dirty="0" smtClean="0"/>
+              <a:t> </a:t>
+            </a:r>
+            <a:r>
+              <a:rPr lang="de-CH" sz="3200" dirty="0" err="1" smtClean="0"/>
+              <a:t>cases</a:t>
+            </a:r>
+            <a:endParaRPr lang="de-CH" sz="3200" dirty="0" smtClean="0"/>
+          </a:p>
+          <a:p>
+            <a:r>
+              <a:rPr lang="de-CH" sz="3200" dirty="0" smtClean="0"/>
+              <a:t>Scenario</a:t>
+            </a:r>
+            <a:endParaRPr lang="de-CH" sz="3200" dirty="0"/>
+          </a:p>
+          <a:p>
+            <a:r>
+              <a:rPr lang="de-CH" sz="3200" dirty="0" err="1" smtClean="0"/>
+              <a:t>Discussion</a:t>
+            </a:r>
+            <a:endParaRPr lang="de-CH" sz="3200" dirty="0" smtClean="0"/>
           </a:p>
         </p:txBody>
       </p:sp>
@@ -7047,8 +8910,36 @@
           <a:lstStyle/>
           <a:p>
             <a:r>
-              <a:rPr lang="de-DE" dirty="0" err="1" smtClean="0"/>
-              <a:t>Affordanz</a:t>
+              <a:rPr lang="de-CH" dirty="0" smtClean="0"/>
+              <a:t>System </a:t>
+            </a:r>
+            <a:r>
+              <a:rPr lang="de-CH" dirty="0" err="1" smtClean="0"/>
+              <a:t>as</a:t>
+            </a:r>
+            <a:r>
+              <a:rPr lang="de-CH" dirty="0" smtClean="0"/>
+              <a:t> </a:t>
+            </a:r>
+            <a:r>
+              <a:rPr lang="de-CH" dirty="0" err="1" smtClean="0"/>
+              <a:t>is</a:t>
+            </a:r>
+            <a:r>
+              <a:rPr lang="de-CH" dirty="0" smtClean="0"/>
+              <a:t> – </a:t>
+            </a:r>
+            <a:r>
+              <a:rPr lang="de-CH" dirty="0" err="1" smtClean="0"/>
+              <a:t>use</a:t>
+            </a:r>
+            <a:r>
+              <a:rPr lang="de-CH" dirty="0" smtClean="0"/>
+              <a:t> </a:t>
+            </a:r>
+            <a:r>
+              <a:rPr lang="de-CH" dirty="0" err="1" smtClean="0"/>
+              <a:t>cases</a:t>
             </a:r>
             <a:endParaRPr lang="de-DE" dirty="0"/>
           </a:p>
@@ -7056,66 +8947,264 @@
       </p:sp>
       <p:sp>
         <p:nvSpPr>
-          <p:cNvPr id="3" name="Inhaltsplatzhalter 2"/>
-          <p:cNvSpPr>
-            <a:spLocks noGrp="1"/>
-          </p:cNvSpPr>
-          <p:nvPr>
-            <p:ph idx="1"/>
-          </p:nvPr>
+          <p:cNvPr id="8" name="Inhaltsplatzhalter 4"/>
+          <p:cNvSpPr txBox="1">
+            <a:spLocks/>
+          </p:cNvSpPr>
+          <p:nvPr/>
         </p:nvSpPr>
         <p:spPr>
           <a:xfrm>
-            <a:off x="1484311" y="2694708"/>
-            <a:ext cx="10018713" cy="3124201"/>
+            <a:off x="2970189" y="3683294"/>
+            <a:ext cx="949842" cy="666307"/>
           </a:xfrm>
+          <a:prstGeom prst="rect">
+            <a:avLst/>
+          </a:prstGeom>
         </p:spPr>
         <p:txBody>
-          <a:bodyPr/>
-          <a:lstStyle/>
-          <a:p>
-            <a:r>
-              <a:rPr lang="de-DE" dirty="0" smtClean="0"/>
-              <a:t>[</a:t>
-            </a:r>
-            <a:r>
-              <a:rPr lang="de-DE" dirty="0" err="1" smtClean="0"/>
-              <a:t>Affordanz</a:t>
-            </a:r>
-            <a:r>
-              <a:rPr lang="de-DE" dirty="0" smtClean="0"/>
-              <a:t>]: </a:t>
-            </a:r>
-            <a:r>
-              <a:rPr lang="de-CH" dirty="0"/>
-              <a:t>Eine </a:t>
-            </a:r>
-            <a:r>
-              <a:rPr lang="de-CH" dirty="0" err="1"/>
-              <a:t>Affordanz</a:t>
-            </a:r>
-            <a:r>
-              <a:rPr lang="de-CH" dirty="0"/>
-              <a:t> ist die Beziehung zwischen einer Eigenschaft eines Objektes und dem </a:t>
-            </a:r>
-            <a:r>
-              <a:rPr lang="de-CH" dirty="0" smtClean="0"/>
-              <a:t>Benutzer, welche </a:t>
-            </a:r>
-            <a:r>
-              <a:rPr lang="de-CH" dirty="0"/>
-              <a:t>beschreibt, wie ein Objekt verwendet werden kann.</a:t>
-            </a:r>
-            <a:br>
-              <a:rPr lang="de-CH" dirty="0"/>
-            </a:br>
-            <a:endParaRPr lang="de-DE" dirty="0"/>
-          </a:p>
-        </p:txBody>
-      </p:sp>
-      <p:sp>
-        <p:nvSpPr>
-          <p:cNvPr id="5" name="Inhaltsplatzhalter 2"/>
+          <a:bodyPr vert="horz" lIns="91440" tIns="45720" rIns="91440" bIns="45720" rtlCol="0" anchor="ctr">
+            <a:normAutofit/>
+          </a:bodyPr>
+          <a:lstStyle>
+            <a:lvl1pPr marL="285750" indent="-285750" algn="l" defTabSz="457200" rtl="0" eaLnBrk="1" latinLnBrk="0" hangingPunct="1">
+              <a:spcBef>
+                <a:spcPct val="20000"/>
+              </a:spcBef>
+              <a:spcAft>
+                <a:spcPts val="600"/>
+              </a:spcAft>
+              <a:buClr>
+                <a:schemeClr val="accent1">
+                  <a:lumMod val="75000"/>
+                </a:schemeClr>
+              </a:buClr>
+              <a:buSzPct val="145000"/>
+              <a:buFont typeface="Arial"/>
+              <a:buChar char="•"/>
+              <a:defRPr sz="2400" kern="1200" cap="none">
+                <a:solidFill>
+                  <a:schemeClr val="tx1"/>
+                </a:solidFill>
+                <a:effectLst/>
+                <a:latin typeface="+mn-lt"/>
+                <a:ea typeface="+mn-ea"/>
+                <a:cs typeface="+mn-cs"/>
+              </a:defRPr>
+            </a:lvl1pPr>
+            <a:lvl2pPr marL="742950" indent="-285750" algn="l" defTabSz="457200" rtl="0" eaLnBrk="1" latinLnBrk="0" hangingPunct="1">
+              <a:spcBef>
+                <a:spcPct val="20000"/>
+              </a:spcBef>
+              <a:spcAft>
+                <a:spcPts val="600"/>
+              </a:spcAft>
+              <a:buClr>
+                <a:schemeClr val="accent1">
+                  <a:lumMod val="75000"/>
+                </a:schemeClr>
+              </a:buClr>
+              <a:buSzPct val="145000"/>
+              <a:buFont typeface="Arial"/>
+              <a:buChar char="•"/>
+              <a:defRPr sz="2000" kern="1200" cap="none">
+                <a:solidFill>
+                  <a:schemeClr val="tx1"/>
+                </a:solidFill>
+                <a:effectLst/>
+                <a:latin typeface="+mn-lt"/>
+                <a:ea typeface="+mn-ea"/>
+                <a:cs typeface="+mn-cs"/>
+              </a:defRPr>
+            </a:lvl2pPr>
+            <a:lvl3pPr marL="1200150" indent="-285750" algn="l" defTabSz="457200" rtl="0" eaLnBrk="1" latinLnBrk="0" hangingPunct="1">
+              <a:spcBef>
+                <a:spcPct val="20000"/>
+              </a:spcBef>
+              <a:spcAft>
+                <a:spcPts val="600"/>
+              </a:spcAft>
+              <a:buClr>
+                <a:schemeClr val="accent1">
+                  <a:lumMod val="75000"/>
+                </a:schemeClr>
+              </a:buClr>
+              <a:buSzPct val="145000"/>
+              <a:buFont typeface="Arial"/>
+              <a:buChar char="•"/>
+              <a:defRPr sz="1800" kern="1200" cap="none">
+                <a:solidFill>
+                  <a:schemeClr val="tx1"/>
+                </a:solidFill>
+                <a:effectLst/>
+                <a:latin typeface="+mn-lt"/>
+                <a:ea typeface="+mn-ea"/>
+                <a:cs typeface="+mn-cs"/>
+              </a:defRPr>
+            </a:lvl3pPr>
+            <a:lvl4pPr marL="1543050" indent="-171450" algn="l" defTabSz="457200" rtl="0" eaLnBrk="1" latinLnBrk="0" hangingPunct="1">
+              <a:spcBef>
+                <a:spcPct val="20000"/>
+              </a:spcBef>
+              <a:spcAft>
+                <a:spcPts val="600"/>
+              </a:spcAft>
+              <a:buClr>
+                <a:schemeClr val="accent1">
+                  <a:lumMod val="75000"/>
+                </a:schemeClr>
+              </a:buClr>
+              <a:buSzPct val="145000"/>
+              <a:buFont typeface="Arial"/>
+              <a:buChar char="•"/>
+              <a:defRPr sz="1600" kern="1200" cap="none">
+                <a:solidFill>
+                  <a:schemeClr val="tx1"/>
+                </a:solidFill>
+                <a:effectLst/>
+                <a:latin typeface="+mn-lt"/>
+                <a:ea typeface="+mn-ea"/>
+                <a:cs typeface="+mn-cs"/>
+              </a:defRPr>
+            </a:lvl4pPr>
+            <a:lvl5pPr marL="2000250" indent="-171450" algn="l" defTabSz="457200" rtl="0" eaLnBrk="1" latinLnBrk="0" hangingPunct="1">
+              <a:spcBef>
+                <a:spcPct val="20000"/>
+              </a:spcBef>
+              <a:spcAft>
+                <a:spcPts val="600"/>
+              </a:spcAft>
+              <a:buClr>
+                <a:schemeClr val="accent1">
+                  <a:lumMod val="75000"/>
+                </a:schemeClr>
+              </a:buClr>
+              <a:buSzPct val="145000"/>
+              <a:buFont typeface="Arial"/>
+              <a:buChar char="•"/>
+              <a:defRPr sz="1400" kern="1200" cap="none">
+                <a:solidFill>
+                  <a:schemeClr val="tx1"/>
+                </a:solidFill>
+                <a:effectLst/>
+                <a:latin typeface="+mn-lt"/>
+                <a:ea typeface="+mn-ea"/>
+                <a:cs typeface="+mn-cs"/>
+              </a:defRPr>
+            </a:lvl5pPr>
+            <a:lvl6pPr marL="2514600" indent="-228600" algn="l" defTabSz="457200" rtl="0" eaLnBrk="1" latinLnBrk="0" hangingPunct="1">
+              <a:spcBef>
+                <a:spcPct val="20000"/>
+              </a:spcBef>
+              <a:spcAft>
+                <a:spcPts val="600"/>
+              </a:spcAft>
+              <a:buClr>
+                <a:schemeClr val="accent1">
+                  <a:lumMod val="75000"/>
+                </a:schemeClr>
+              </a:buClr>
+              <a:buSzPct val="145000"/>
+              <a:buFont typeface="Arial"/>
+              <a:buChar char="•"/>
+              <a:defRPr sz="1400" kern="1200" cap="none">
+                <a:solidFill>
+                  <a:schemeClr val="tx1"/>
+                </a:solidFill>
+                <a:effectLst/>
+                <a:latin typeface="+mn-lt"/>
+                <a:ea typeface="+mn-ea"/>
+                <a:cs typeface="+mn-cs"/>
+              </a:defRPr>
+            </a:lvl6pPr>
+            <a:lvl7pPr marL="2971800" indent="-228600" algn="l" defTabSz="457200" rtl="0" eaLnBrk="1" latinLnBrk="0" hangingPunct="1">
+              <a:spcBef>
+                <a:spcPct val="20000"/>
+              </a:spcBef>
+              <a:spcAft>
+                <a:spcPts val="600"/>
+              </a:spcAft>
+              <a:buClr>
+                <a:schemeClr val="accent1">
+                  <a:lumMod val="75000"/>
+                </a:schemeClr>
+              </a:buClr>
+              <a:buSzPct val="145000"/>
+              <a:buFont typeface="Arial"/>
+              <a:buChar char="•"/>
+              <a:defRPr sz="1400" kern="1200" cap="none">
+                <a:solidFill>
+                  <a:schemeClr val="tx1"/>
+                </a:solidFill>
+                <a:effectLst/>
+                <a:latin typeface="+mn-lt"/>
+                <a:ea typeface="+mn-ea"/>
+                <a:cs typeface="+mn-cs"/>
+              </a:defRPr>
+            </a:lvl7pPr>
+            <a:lvl8pPr marL="3429000" indent="-228600" algn="l" defTabSz="457200" rtl="0" eaLnBrk="1" latinLnBrk="0" hangingPunct="1">
+              <a:spcBef>
+                <a:spcPct val="20000"/>
+              </a:spcBef>
+              <a:spcAft>
+                <a:spcPts val="600"/>
+              </a:spcAft>
+              <a:buClr>
+                <a:schemeClr val="accent1">
+                  <a:lumMod val="75000"/>
+                </a:schemeClr>
+              </a:buClr>
+              <a:buSzPct val="145000"/>
+              <a:buFont typeface="Arial"/>
+              <a:buChar char="•"/>
+              <a:defRPr sz="1400" kern="1200" cap="none">
+                <a:solidFill>
+                  <a:schemeClr val="tx1"/>
+                </a:solidFill>
+                <a:effectLst/>
+                <a:latin typeface="+mn-lt"/>
+                <a:ea typeface="+mn-ea"/>
+                <a:cs typeface="+mn-cs"/>
+              </a:defRPr>
+            </a:lvl8pPr>
+            <a:lvl9pPr marL="3886200" indent="-228600" algn="l" defTabSz="457200" rtl="0" eaLnBrk="1" latinLnBrk="0" hangingPunct="1">
+              <a:spcBef>
+                <a:spcPct val="20000"/>
+              </a:spcBef>
+              <a:spcAft>
+                <a:spcPts val="600"/>
+              </a:spcAft>
+              <a:buClr>
+                <a:schemeClr val="accent1">
+                  <a:lumMod val="75000"/>
+                </a:schemeClr>
+              </a:buClr>
+              <a:buSzPct val="145000"/>
+              <a:buFont typeface="Arial"/>
+              <a:buChar char="•"/>
+              <a:defRPr sz="1400" kern="1200" cap="none">
+                <a:solidFill>
+                  <a:schemeClr val="tx1"/>
+                </a:solidFill>
+                <a:effectLst/>
+                <a:latin typeface="+mn-lt"/>
+                <a:ea typeface="+mn-ea"/>
+                <a:cs typeface="+mn-cs"/>
+              </a:defRPr>
+            </a:lvl9pPr>
+          </a:lstStyle>
+          <a:p>
+            <a:pPr marL="0" indent="0">
+              <a:buFont typeface="Arial"/>
+              <a:buNone/>
+            </a:pPr>
+            <a:endParaRPr lang="de-CH" dirty="0"/>
+          </a:p>
+        </p:txBody>
+      </p:sp>
+      <p:sp>
+        <p:nvSpPr>
+          <p:cNvPr id="6" name="Inhaltsplatzhalter 2"/>
           <p:cNvSpPr txBox="1">
             <a:spLocks/>
           </p:cNvSpPr>
@@ -7381,10 +9470,80 @@
           </a:p>
         </p:txBody>
       </p:sp>
+      <p:sp>
+        <p:nvSpPr>
+          <p:cNvPr id="3" name="Textfeld 2"/>
+          <p:cNvSpPr txBox="1"/>
+          <p:nvPr/>
+        </p:nvSpPr>
+        <p:spPr>
+          <a:xfrm rot="19675108">
+            <a:off x="3725662" y="3448823"/>
+            <a:ext cx="3830216" cy="369332"/>
+          </a:xfrm>
+          <a:prstGeom prst="rect">
+            <a:avLst/>
+          </a:prstGeom>
+          <a:noFill/>
+        </p:spPr>
+        <p:txBody>
+          <a:bodyPr wrap="square" rtlCol="0">
+            <a:spAutoFit/>
+          </a:bodyPr>
+          <a:lstStyle/>
+          <a:p>
+            <a:r>
+              <a:rPr lang="de-DE" dirty="0" err="1" smtClean="0"/>
+              <a:t>Fancy</a:t>
+            </a:r>
+            <a:r>
+              <a:rPr lang="de-DE" dirty="0" smtClean="0"/>
+              <a:t> </a:t>
+            </a:r>
+            <a:r>
+              <a:rPr lang="de-DE" dirty="0" err="1" smtClean="0"/>
+              <a:t>Graphic</a:t>
+            </a:r>
+            <a:r>
+              <a:rPr lang="de-DE" dirty="0" smtClean="0"/>
+              <a:t> </a:t>
+            </a:r>
+            <a:r>
+              <a:rPr lang="de-DE" dirty="0" err="1" smtClean="0"/>
+              <a:t>with</a:t>
+            </a:r>
+            <a:r>
+              <a:rPr lang="de-DE" dirty="0" smtClean="0"/>
+              <a:t> all </a:t>
+            </a:r>
+            <a:r>
+              <a:rPr lang="de-DE" dirty="0" err="1" smtClean="0"/>
+              <a:t>the</a:t>
+            </a:r>
+            <a:r>
+              <a:rPr lang="de-DE" dirty="0" smtClean="0"/>
+              <a:t> </a:t>
+            </a:r>
+            <a:r>
+              <a:rPr lang="de-DE" dirty="0" err="1" smtClean="0"/>
+              <a:t>use</a:t>
+            </a:r>
+            <a:r>
+              <a:rPr lang="de-DE" dirty="0" smtClean="0"/>
+              <a:t> </a:t>
+            </a:r>
+            <a:r>
+              <a:rPr lang="de-DE" dirty="0" err="1" smtClean="0"/>
+              <a:t>cases</a:t>
+            </a:r>
+            <a:endParaRPr lang="de-DE" dirty="0"/>
+          </a:p>
+        </p:txBody>
+      </p:sp>
     </p:spTree>
     <p:extLst>
       <p:ext uri="{BB962C8B-B14F-4D97-AF65-F5344CB8AC3E}">
-        <p14:creationId xmlns:p14="http://schemas.microsoft.com/office/powerpoint/2010/main" val="1245752932"/>
+        <p14:creationId xmlns:p14="http://schemas.microsoft.com/office/powerpoint/2010/main" val="3309295134"/>
       </p:ext>
     </p:extLst>
   </p:cSld>
@@ -7435,7 +9594,27 @@
           <a:p>
             <a:r>
               <a:rPr lang="de-DE" dirty="0" smtClean="0"/>
-              <a:t>Erfahrung</a:t>
+              <a:t>Scenario – </a:t>
+            </a:r>
+            <a:r>
+              <a:rPr lang="de-DE" dirty="0" err="1" smtClean="0"/>
+              <a:t>Placing</a:t>
+            </a:r>
+            <a:r>
+              <a:rPr lang="de-DE" dirty="0" smtClean="0"/>
+              <a:t> a </a:t>
+            </a:r>
+            <a:r>
+              <a:rPr lang="de-DE" dirty="0" err="1" smtClean="0"/>
+              <a:t>new</a:t>
+            </a:r>
+            <a:r>
+              <a:rPr lang="de-DE" dirty="0" smtClean="0"/>
+              <a:t> </a:t>
+            </a:r>
+            <a:r>
+              <a:rPr lang="de-DE" dirty="0" err="1" smtClean="0"/>
+              <a:t>auction</a:t>
             </a:r>
             <a:endParaRPr lang="de-DE" dirty="0"/>
           </a:p>
@@ -7443,72 +9622,264 @@
       </p:sp>
       <p:sp>
         <p:nvSpPr>
-          <p:cNvPr id="3" name="Inhaltsplatzhalter 2"/>
-          <p:cNvSpPr>
-            <a:spLocks noGrp="1"/>
-          </p:cNvSpPr>
-          <p:nvPr>
-            <p:ph idx="1"/>
-          </p:nvPr>
-        </p:nvSpPr>
-        <p:spPr/>
-        <p:txBody>
-          <a:bodyPr>
-            <a:normAutofit lnSpcReduction="10000"/>
+          <p:cNvPr id="8" name="Inhaltsplatzhalter 4"/>
+          <p:cNvSpPr txBox="1">
+            <a:spLocks/>
+          </p:cNvSpPr>
+          <p:nvPr/>
+        </p:nvSpPr>
+        <p:spPr>
+          <a:xfrm>
+            <a:off x="2970189" y="3683294"/>
+            <a:ext cx="949842" cy="666307"/>
+          </a:xfrm>
+          <a:prstGeom prst="rect">
+            <a:avLst/>
+          </a:prstGeom>
+        </p:spPr>
+        <p:txBody>
+          <a:bodyPr vert="horz" lIns="91440" tIns="45720" rIns="91440" bIns="45720" rtlCol="0" anchor="ctr">
+            <a:normAutofit/>
           </a:bodyPr>
-          <a:lstStyle/>
-          <a:p>
-            <a:r>
-              <a:rPr lang="de-DE" dirty="0" smtClean="0"/>
-              <a:t>Oberflächliche Elemente</a:t>
-            </a:r>
-          </a:p>
-          <a:p>
-            <a:pPr lvl="1"/>
-            <a:r>
-              <a:rPr lang="de-DE" dirty="0"/>
-              <a:t>Design</a:t>
-            </a:r>
-          </a:p>
-          <a:p>
-            <a:pPr lvl="1"/>
-            <a:r>
-              <a:rPr lang="de-DE" dirty="0"/>
-              <a:t>Aufmachung</a:t>
-            </a:r>
-          </a:p>
-          <a:p>
-            <a:r>
-              <a:rPr lang="de-DE" dirty="0" smtClean="0"/>
-              <a:t>Konsumeffekte</a:t>
-            </a:r>
-          </a:p>
-          <a:p>
-            <a:pPr lvl="1"/>
-            <a:r>
-              <a:rPr lang="de-DE" dirty="0" smtClean="0"/>
-              <a:t>Genuss</a:t>
-            </a:r>
-          </a:p>
-          <a:p>
-            <a:pPr lvl="1"/>
-            <a:r>
-              <a:rPr lang="de-DE" dirty="0" smtClean="0"/>
-              <a:t>Durst</a:t>
-            </a:r>
-          </a:p>
-          <a:p>
-            <a:pPr lvl="1"/>
-            <a:r>
-              <a:rPr lang="de-DE" dirty="0" smtClean="0"/>
-              <a:t>Gesundheit</a:t>
-            </a:r>
-          </a:p>
-        </p:txBody>
-      </p:sp>
-      <p:sp>
-        <p:nvSpPr>
-          <p:cNvPr id="5" name="Inhaltsplatzhalter 2"/>
+          <a:lstStyle>
+            <a:lvl1pPr marL="285750" indent="-285750" algn="l" defTabSz="457200" rtl="0" eaLnBrk="1" latinLnBrk="0" hangingPunct="1">
+              <a:spcBef>
+                <a:spcPct val="20000"/>
+              </a:spcBef>
+              <a:spcAft>
+                <a:spcPts val="600"/>
+              </a:spcAft>
+              <a:buClr>
+                <a:schemeClr val="accent1">
+                  <a:lumMod val="75000"/>
+                </a:schemeClr>
+              </a:buClr>
+              <a:buSzPct val="145000"/>
+              <a:buFont typeface="Arial"/>
+              <a:buChar char="•"/>
+              <a:defRPr sz="2400" kern="1200" cap="none">
+                <a:solidFill>
+                  <a:schemeClr val="tx1"/>
+                </a:solidFill>
+                <a:effectLst/>
+                <a:latin typeface="+mn-lt"/>
+                <a:ea typeface="+mn-ea"/>
+                <a:cs typeface="+mn-cs"/>
+              </a:defRPr>
+            </a:lvl1pPr>
+            <a:lvl2pPr marL="742950" indent="-285750" algn="l" defTabSz="457200" rtl="0" eaLnBrk="1" latinLnBrk="0" hangingPunct="1">
+              <a:spcBef>
+                <a:spcPct val="20000"/>
+              </a:spcBef>
+              <a:spcAft>
+                <a:spcPts val="600"/>
+              </a:spcAft>
+              <a:buClr>
+                <a:schemeClr val="accent1">
+                  <a:lumMod val="75000"/>
+                </a:schemeClr>
+              </a:buClr>
+              <a:buSzPct val="145000"/>
+              <a:buFont typeface="Arial"/>
+              <a:buChar char="•"/>
+              <a:defRPr sz="2000" kern="1200" cap="none">
+                <a:solidFill>
+                  <a:schemeClr val="tx1"/>
+                </a:solidFill>
+                <a:effectLst/>
+                <a:latin typeface="+mn-lt"/>
+                <a:ea typeface="+mn-ea"/>
+                <a:cs typeface="+mn-cs"/>
+              </a:defRPr>
+            </a:lvl2pPr>
+            <a:lvl3pPr marL="1200150" indent="-285750" algn="l" defTabSz="457200" rtl="0" eaLnBrk="1" latinLnBrk="0" hangingPunct="1">
+              <a:spcBef>
+                <a:spcPct val="20000"/>
+              </a:spcBef>
+              <a:spcAft>
+                <a:spcPts val="600"/>
+              </a:spcAft>
+              <a:buClr>
+                <a:schemeClr val="accent1">
+                  <a:lumMod val="75000"/>
+                </a:schemeClr>
+              </a:buClr>
+              <a:buSzPct val="145000"/>
+              <a:buFont typeface="Arial"/>
+              <a:buChar char="•"/>
+              <a:defRPr sz="1800" kern="1200" cap="none">
+                <a:solidFill>
+                  <a:schemeClr val="tx1"/>
+                </a:solidFill>
+                <a:effectLst/>
+                <a:latin typeface="+mn-lt"/>
+                <a:ea typeface="+mn-ea"/>
+                <a:cs typeface="+mn-cs"/>
+              </a:defRPr>
+            </a:lvl3pPr>
+            <a:lvl4pPr marL="1543050" indent="-171450" algn="l" defTabSz="457200" rtl="0" eaLnBrk="1" latinLnBrk="0" hangingPunct="1">
+              <a:spcBef>
+                <a:spcPct val="20000"/>
+              </a:spcBef>
+              <a:spcAft>
+                <a:spcPts val="600"/>
+              </a:spcAft>
+              <a:buClr>
+                <a:schemeClr val="accent1">
+                  <a:lumMod val="75000"/>
+                </a:schemeClr>
+              </a:buClr>
+              <a:buSzPct val="145000"/>
+              <a:buFont typeface="Arial"/>
+              <a:buChar char="•"/>
+              <a:defRPr sz="1600" kern="1200" cap="none">
+                <a:solidFill>
+                  <a:schemeClr val="tx1"/>
+                </a:solidFill>
+                <a:effectLst/>
+                <a:latin typeface="+mn-lt"/>
+                <a:ea typeface="+mn-ea"/>
+                <a:cs typeface="+mn-cs"/>
+              </a:defRPr>
+            </a:lvl4pPr>
+            <a:lvl5pPr marL="2000250" indent="-171450" algn="l" defTabSz="457200" rtl="0" eaLnBrk="1" latinLnBrk="0" hangingPunct="1">
+              <a:spcBef>
+                <a:spcPct val="20000"/>
+              </a:spcBef>
+              <a:spcAft>
+                <a:spcPts val="600"/>
+              </a:spcAft>
+              <a:buClr>
+                <a:schemeClr val="accent1">
+                  <a:lumMod val="75000"/>
+                </a:schemeClr>
+              </a:buClr>
+              <a:buSzPct val="145000"/>
+              <a:buFont typeface="Arial"/>
+              <a:buChar char="•"/>
+              <a:defRPr sz="1400" kern="1200" cap="none">
+                <a:solidFill>
+                  <a:schemeClr val="tx1"/>
+                </a:solidFill>
+                <a:effectLst/>
+                <a:latin typeface="+mn-lt"/>
+                <a:ea typeface="+mn-ea"/>
+                <a:cs typeface="+mn-cs"/>
+              </a:defRPr>
+            </a:lvl5pPr>
+            <a:lvl6pPr marL="2514600" indent="-228600" algn="l" defTabSz="457200" rtl="0" eaLnBrk="1" latinLnBrk="0" hangingPunct="1">
+              <a:spcBef>
+                <a:spcPct val="20000"/>
+              </a:spcBef>
+              <a:spcAft>
+                <a:spcPts val="600"/>
+              </a:spcAft>
+              <a:buClr>
+                <a:schemeClr val="accent1">
+                  <a:lumMod val="75000"/>
+                </a:schemeClr>
+              </a:buClr>
+              <a:buSzPct val="145000"/>
+              <a:buFont typeface="Arial"/>
+              <a:buChar char="•"/>
+              <a:defRPr sz="1400" kern="1200" cap="none">
+                <a:solidFill>
+                  <a:schemeClr val="tx1"/>
+                </a:solidFill>
+                <a:effectLst/>
+                <a:latin typeface="+mn-lt"/>
+                <a:ea typeface="+mn-ea"/>
+                <a:cs typeface="+mn-cs"/>
+              </a:defRPr>
+            </a:lvl6pPr>
+            <a:lvl7pPr marL="2971800" indent="-228600" algn="l" defTabSz="457200" rtl="0" eaLnBrk="1" latinLnBrk="0" hangingPunct="1">
+              <a:spcBef>
+                <a:spcPct val="20000"/>
+              </a:spcBef>
+              <a:spcAft>
+                <a:spcPts val="600"/>
+              </a:spcAft>
+              <a:buClr>
+                <a:schemeClr val="accent1">
+                  <a:lumMod val="75000"/>
+                </a:schemeClr>
+              </a:buClr>
+              <a:buSzPct val="145000"/>
+              <a:buFont typeface="Arial"/>
+              <a:buChar char="•"/>
+              <a:defRPr sz="1400" kern="1200" cap="none">
+                <a:solidFill>
+                  <a:schemeClr val="tx1"/>
+                </a:solidFill>
+                <a:effectLst/>
+                <a:latin typeface="+mn-lt"/>
+                <a:ea typeface="+mn-ea"/>
+                <a:cs typeface="+mn-cs"/>
+              </a:defRPr>
+            </a:lvl7pPr>
+            <a:lvl8pPr marL="3429000" indent="-228600" algn="l" defTabSz="457200" rtl="0" eaLnBrk="1" latinLnBrk="0" hangingPunct="1">
+              <a:spcBef>
+                <a:spcPct val="20000"/>
+              </a:spcBef>
+              <a:spcAft>
+                <a:spcPts val="600"/>
+              </a:spcAft>
+              <a:buClr>
+                <a:schemeClr val="accent1">
+                  <a:lumMod val="75000"/>
+                </a:schemeClr>
+              </a:buClr>
+              <a:buSzPct val="145000"/>
+              <a:buFont typeface="Arial"/>
+              <a:buChar char="•"/>
+              <a:defRPr sz="1400" kern="1200" cap="none">
+                <a:solidFill>
+                  <a:schemeClr val="tx1"/>
+                </a:solidFill>
+                <a:effectLst/>
+                <a:latin typeface="+mn-lt"/>
+                <a:ea typeface="+mn-ea"/>
+                <a:cs typeface="+mn-cs"/>
+              </a:defRPr>
+            </a:lvl8pPr>
+            <a:lvl9pPr marL="3886200" indent="-228600" algn="l" defTabSz="457200" rtl="0" eaLnBrk="1" latinLnBrk="0" hangingPunct="1">
+              <a:spcBef>
+                <a:spcPct val="20000"/>
+              </a:spcBef>
+              <a:spcAft>
+                <a:spcPts val="600"/>
+              </a:spcAft>
+              <a:buClr>
+                <a:schemeClr val="accent1">
+                  <a:lumMod val="75000"/>
+                </a:schemeClr>
+              </a:buClr>
+              <a:buSzPct val="145000"/>
+              <a:buFont typeface="Arial"/>
+              <a:buChar char="•"/>
+              <a:defRPr sz="1400" kern="1200" cap="none">
+                <a:solidFill>
+                  <a:schemeClr val="tx1"/>
+                </a:solidFill>
+                <a:effectLst/>
+                <a:latin typeface="+mn-lt"/>
+                <a:ea typeface="+mn-ea"/>
+                <a:cs typeface="+mn-cs"/>
+              </a:defRPr>
+            </a:lvl9pPr>
+          </a:lstStyle>
+          <a:p>
+            <a:pPr marL="0" indent="0">
+              <a:buFont typeface="Arial"/>
+              <a:buNone/>
+            </a:pPr>
+            <a:endParaRPr lang="de-CH" dirty="0"/>
+          </a:p>
+        </p:txBody>
+      </p:sp>
+      <p:sp>
+        <p:nvSpPr>
+          <p:cNvPr id="6" name="Inhaltsplatzhalter 2"/>
           <p:cNvSpPr txBox="1">
             <a:spLocks/>
           </p:cNvSpPr>
@@ -7774,10 +10145,40 @@
           </a:p>
         </p:txBody>
       </p:sp>
+      <p:pic>
+        <p:nvPicPr>
+          <p:cNvPr id="4" name="Bild 3" descr="Untitled Diagram-2.png"/>
+          <p:cNvPicPr>
+            <a:picLocks noChangeAspect="1"/>
+          </p:cNvPicPr>
+          <p:nvPr/>
+        </p:nvPicPr>
+        <p:blipFill>
+          <a:blip r:embed="rId3">
+            <a:extLst>
+              <a:ext uri="{28A0092B-C50C-407E-A947-70E740481C1C}">
+                <a14:useLocalDpi xmlns:a14="http://schemas.microsoft.com/office/drawing/2010/main" val="0"/>
+              </a:ext>
+            </a:extLst>
+          </a:blip>
+          <a:stretch>
+            <a:fillRect/>
+          </a:stretch>
+        </p:blipFill>
+        <p:spPr>
+          <a:xfrm>
+            <a:off x="3920031" y="2239967"/>
+            <a:ext cx="5901302" cy="3760634"/>
+          </a:xfrm>
+          <a:prstGeom prst="rect">
+            <a:avLst/>
+          </a:prstGeom>
+        </p:spPr>
+      </p:pic>
     </p:spTree>
     <p:extLst>
       <p:ext uri="{BB962C8B-B14F-4D97-AF65-F5344CB8AC3E}">
-        <p14:creationId xmlns:p14="http://schemas.microsoft.com/office/powerpoint/2010/main" val="748806753"/>
+        <p14:creationId xmlns:p14="http://schemas.microsoft.com/office/powerpoint/2010/main" val="77924049"/>
       </p:ext>
     </p:extLst>
   </p:cSld>
@@ -8111,36 +10512,6 @@
           </a:p>
         </p:txBody>
       </p:sp>
-      <p:pic>
-        <p:nvPicPr>
-          <p:cNvPr id="10" name="Grafik 9"/>
-          <p:cNvPicPr>
-            <a:picLocks noChangeAspect="1"/>
-          </p:cNvPicPr>
-          <p:nvPr/>
-        </p:nvPicPr>
-        <p:blipFill>
-          <a:blip r:embed="rId2">
-            <a:extLst>
-              <a:ext uri="{28A0092B-C50C-407E-A947-70E740481C1C}">
-                <a14:useLocalDpi xmlns:a14="http://schemas.microsoft.com/office/drawing/2010/main" val="0"/>
-              </a:ext>
-            </a:extLst>
-          </a:blip>
-          <a:stretch>
-            <a:fillRect/>
-          </a:stretch>
-        </p:blipFill>
-        <p:spPr>
-          <a:xfrm>
-            <a:off x="3364704" y="2101701"/>
-            <a:ext cx="6257925" cy="4495800"/>
-          </a:xfrm>
-          <a:prstGeom prst="rect">
-            <a:avLst/>
-          </a:prstGeom>
-        </p:spPr>
-      </p:pic>
       <p:sp>
         <p:nvSpPr>
           <p:cNvPr id="6" name="Inhaltsplatzhalter 2"/>
@@ -8412,7 +10783,7 @@
     </p:spTree>
     <p:extLst>
       <p:ext uri="{BB962C8B-B14F-4D97-AF65-F5344CB8AC3E}">
-        <p14:creationId xmlns:p14="http://schemas.microsoft.com/office/powerpoint/2010/main" val="77924049"/>
+        <p14:creationId xmlns:p14="http://schemas.microsoft.com/office/powerpoint/2010/main" val="3191222765"/>
       </p:ext>
     </p:extLst>
   </p:cSld>
@@ -8462,8 +10833,28 @@
           <a:lstStyle/>
           <a:p>
             <a:r>
-              <a:rPr lang="de-DE" dirty="0" smtClean="0"/>
-              <a:t>Benutzertest</a:t>
+              <a:rPr lang="de-DE" dirty="0"/>
+              <a:t>Interaktion mit </a:t>
+            </a:r>
+            <a:r>
+              <a:rPr lang="de-CH" dirty="0" err="1"/>
+              <a:t>Abowd</a:t>
+            </a:r>
+            <a:r>
+              <a:rPr lang="de-CH" dirty="0"/>
+              <a:t> &amp; </a:t>
+            </a:r>
+            <a:r>
+              <a:rPr lang="de-CH" dirty="0" err="1"/>
+              <a:t>Beale's</a:t>
+            </a:r>
+            <a:r>
+              <a:rPr lang="de-CH" dirty="0"/>
+              <a:t> </a:t>
+            </a:r>
+            <a:r>
+              <a:rPr lang="de-CH" dirty="0" smtClean="0"/>
+              <a:t>Modell</a:t>
             </a:r>
             <a:endParaRPr lang="de-DE" dirty="0"/>
           </a:p>
@@ -8471,110 +10862,261 @@
       </p:sp>
       <p:sp>
         <p:nvSpPr>
-          <p:cNvPr id="3" name="Inhaltsplatzhalter 2"/>
-          <p:cNvSpPr>
-            <a:spLocks noGrp="1"/>
-          </p:cNvSpPr>
-          <p:nvPr>
-            <p:ph idx="1"/>
-          </p:nvPr>
+          <p:cNvPr id="8" name="Inhaltsplatzhalter 4"/>
+          <p:cNvSpPr txBox="1">
+            <a:spLocks/>
+          </p:cNvSpPr>
+          <p:nvPr/>
         </p:nvSpPr>
         <p:spPr>
           <a:xfrm>
-            <a:off x="1674276" y="1923284"/>
-            <a:ext cx="9638781" cy="1743739"/>
-          </a:xfrm>
-        </p:spPr>
-        <p:txBody>
-          <a:bodyPr/>
-          <a:lstStyle/>
-          <a:p>
-            <a:r>
-              <a:rPr lang="de-DE" dirty="0" smtClean="0"/>
-              <a:t>Benutzer: </a:t>
-            </a:r>
-            <a:r>
-              <a:rPr lang="de-CH" dirty="0"/>
-              <a:t>5 jüngeren Verwandten und </a:t>
-            </a:r>
-            <a:r>
-              <a:rPr lang="de-CH" dirty="0" smtClean="0"/>
-              <a:t>Nachbaren</a:t>
-            </a:r>
-          </a:p>
-          <a:p>
-            <a:r>
-              <a:rPr lang="de-CH" dirty="0"/>
-              <a:t>jeweils einen </a:t>
-            </a:r>
-            <a:r>
-              <a:rPr lang="de-CH" dirty="0" smtClean="0"/>
-              <a:t>Beutel ‘Capri-Sonne’.</a:t>
-            </a:r>
-          </a:p>
-          <a:p>
-            <a:r>
-              <a:rPr lang="de-CH" dirty="0" smtClean="0"/>
-              <a:t>Elterliches Fazit</a:t>
-            </a:r>
-            <a:endParaRPr lang="de-DE" dirty="0"/>
-          </a:p>
-        </p:txBody>
-      </p:sp>
-      <p:pic>
-        <p:nvPicPr>
-          <p:cNvPr id="2050" name="Picture 2" descr="CapriSonne - aufgespiesst"/>
-          <p:cNvPicPr>
-            <a:picLocks noChangeAspect="1" noChangeArrowheads="1"/>
-          </p:cNvPicPr>
-          <p:nvPr/>
-        </p:nvPicPr>
-        <p:blipFill>
-          <a:blip r:embed="rId2">
-            <a:extLst>
-              <a:ext uri="{28A0092B-C50C-407E-A947-70E740481C1C}">
-                <a14:useLocalDpi xmlns:a14="http://schemas.microsoft.com/office/drawing/2010/main" val="0"/>
-              </a:ext>
-            </a:extLst>
-          </a:blip>
-          <a:srcRect/>
-          <a:stretch>
-            <a:fillRect/>
-          </a:stretch>
-        </p:blipFill>
-        <p:spPr bwMode="auto">
-          <a:xfrm>
-            <a:off x="7362494" y="2669278"/>
-            <a:ext cx="2695907" cy="3597405"/>
+            <a:off x="2970189" y="3683294"/>
+            <a:ext cx="949842" cy="666307"/>
           </a:xfrm>
           <a:prstGeom prst="rect">
             <a:avLst/>
           </a:prstGeom>
-          <a:noFill/>
-          <a:ln>
-            <a:noFill/>
-          </a:ln>
-          <a:extLst>
-            <a:ext uri="{909E8E84-426E-40dd-AFC4-6F175D3DCCD1}">
-              <a14:hiddenFill xmlns:a14="http://schemas.microsoft.com/office/drawing/2010/main">
-                <a:solidFill>
-                  <a:srgbClr val="FFFFFF"/>
-                </a:solidFill>
-              </a14:hiddenFill>
-            </a:ext>
-            <a:ext uri="{91240B29-F687-4f45-9708-019B960494DF}">
-              <a14:hiddenLine xmlns:a14="http://schemas.microsoft.com/office/drawing/2010/main" w="9525">
-                <a:solidFill>
-                  <a:srgbClr val="000000"/>
-                </a:solidFill>
-                <a:miter lim="800000"/>
-                <a:headEnd/>
-                <a:tailEnd/>
-              </a14:hiddenLine>
-            </a:ext>
-          </a:extLst>
         </p:spPr>
-      </p:pic>
+        <p:txBody>
+          <a:bodyPr vert="horz" lIns="91440" tIns="45720" rIns="91440" bIns="45720" rtlCol="0" anchor="ctr">
+            <a:normAutofit/>
+          </a:bodyPr>
+          <a:lstStyle>
+            <a:lvl1pPr marL="285750" indent="-285750" algn="l" defTabSz="457200" rtl="0" eaLnBrk="1" latinLnBrk="0" hangingPunct="1">
+              <a:spcBef>
+                <a:spcPct val="20000"/>
+              </a:spcBef>
+              <a:spcAft>
+                <a:spcPts val="600"/>
+              </a:spcAft>
+              <a:buClr>
+                <a:schemeClr val="accent1">
+                  <a:lumMod val="75000"/>
+                </a:schemeClr>
+              </a:buClr>
+              <a:buSzPct val="145000"/>
+              <a:buFont typeface="Arial"/>
+              <a:buChar char="•"/>
+              <a:defRPr sz="2400" kern="1200" cap="none">
+                <a:solidFill>
+                  <a:schemeClr val="tx1"/>
+                </a:solidFill>
+                <a:effectLst/>
+                <a:latin typeface="+mn-lt"/>
+                <a:ea typeface="+mn-ea"/>
+                <a:cs typeface="+mn-cs"/>
+              </a:defRPr>
+            </a:lvl1pPr>
+            <a:lvl2pPr marL="742950" indent="-285750" algn="l" defTabSz="457200" rtl="0" eaLnBrk="1" latinLnBrk="0" hangingPunct="1">
+              <a:spcBef>
+                <a:spcPct val="20000"/>
+              </a:spcBef>
+              <a:spcAft>
+                <a:spcPts val="600"/>
+              </a:spcAft>
+              <a:buClr>
+                <a:schemeClr val="accent1">
+                  <a:lumMod val="75000"/>
+                </a:schemeClr>
+              </a:buClr>
+              <a:buSzPct val="145000"/>
+              <a:buFont typeface="Arial"/>
+              <a:buChar char="•"/>
+              <a:defRPr sz="2000" kern="1200" cap="none">
+                <a:solidFill>
+                  <a:schemeClr val="tx1"/>
+                </a:solidFill>
+                <a:effectLst/>
+                <a:latin typeface="+mn-lt"/>
+                <a:ea typeface="+mn-ea"/>
+                <a:cs typeface="+mn-cs"/>
+              </a:defRPr>
+            </a:lvl2pPr>
+            <a:lvl3pPr marL="1200150" indent="-285750" algn="l" defTabSz="457200" rtl="0" eaLnBrk="1" latinLnBrk="0" hangingPunct="1">
+              <a:spcBef>
+                <a:spcPct val="20000"/>
+              </a:spcBef>
+              <a:spcAft>
+                <a:spcPts val="600"/>
+              </a:spcAft>
+              <a:buClr>
+                <a:schemeClr val="accent1">
+                  <a:lumMod val="75000"/>
+                </a:schemeClr>
+              </a:buClr>
+              <a:buSzPct val="145000"/>
+              <a:buFont typeface="Arial"/>
+              <a:buChar char="•"/>
+              <a:defRPr sz="1800" kern="1200" cap="none">
+                <a:solidFill>
+                  <a:schemeClr val="tx1"/>
+                </a:solidFill>
+                <a:effectLst/>
+                <a:latin typeface="+mn-lt"/>
+                <a:ea typeface="+mn-ea"/>
+                <a:cs typeface="+mn-cs"/>
+              </a:defRPr>
+            </a:lvl3pPr>
+            <a:lvl4pPr marL="1543050" indent="-171450" algn="l" defTabSz="457200" rtl="0" eaLnBrk="1" latinLnBrk="0" hangingPunct="1">
+              <a:spcBef>
+                <a:spcPct val="20000"/>
+              </a:spcBef>
+              <a:spcAft>
+                <a:spcPts val="600"/>
+              </a:spcAft>
+              <a:buClr>
+                <a:schemeClr val="accent1">
+                  <a:lumMod val="75000"/>
+                </a:schemeClr>
+              </a:buClr>
+              <a:buSzPct val="145000"/>
+              <a:buFont typeface="Arial"/>
+              <a:buChar char="•"/>
+              <a:defRPr sz="1600" kern="1200" cap="none">
+                <a:solidFill>
+                  <a:schemeClr val="tx1"/>
+                </a:solidFill>
+                <a:effectLst/>
+                <a:latin typeface="+mn-lt"/>
+                <a:ea typeface="+mn-ea"/>
+                <a:cs typeface="+mn-cs"/>
+              </a:defRPr>
+            </a:lvl4pPr>
+            <a:lvl5pPr marL="2000250" indent="-171450" algn="l" defTabSz="457200" rtl="0" eaLnBrk="1" latinLnBrk="0" hangingPunct="1">
+              <a:spcBef>
+                <a:spcPct val="20000"/>
+              </a:spcBef>
+              <a:spcAft>
+                <a:spcPts val="600"/>
+              </a:spcAft>
+              <a:buClr>
+                <a:schemeClr val="accent1">
+                  <a:lumMod val="75000"/>
+                </a:schemeClr>
+              </a:buClr>
+              <a:buSzPct val="145000"/>
+              <a:buFont typeface="Arial"/>
+              <a:buChar char="•"/>
+              <a:defRPr sz="1400" kern="1200" cap="none">
+                <a:solidFill>
+                  <a:schemeClr val="tx1"/>
+                </a:solidFill>
+                <a:effectLst/>
+                <a:latin typeface="+mn-lt"/>
+                <a:ea typeface="+mn-ea"/>
+                <a:cs typeface="+mn-cs"/>
+              </a:defRPr>
+            </a:lvl5pPr>
+            <a:lvl6pPr marL="2514600" indent="-228600" algn="l" defTabSz="457200" rtl="0" eaLnBrk="1" latinLnBrk="0" hangingPunct="1">
+              <a:spcBef>
+                <a:spcPct val="20000"/>
+              </a:spcBef>
+              <a:spcAft>
+                <a:spcPts val="600"/>
+              </a:spcAft>
+              <a:buClr>
+                <a:schemeClr val="accent1">
+                  <a:lumMod val="75000"/>
+                </a:schemeClr>
+              </a:buClr>
+              <a:buSzPct val="145000"/>
+              <a:buFont typeface="Arial"/>
+              <a:buChar char="•"/>
+              <a:defRPr sz="1400" kern="1200" cap="none">
+                <a:solidFill>
+                  <a:schemeClr val="tx1"/>
+                </a:solidFill>
+                <a:effectLst/>
+                <a:latin typeface="+mn-lt"/>
+                <a:ea typeface="+mn-ea"/>
+                <a:cs typeface="+mn-cs"/>
+              </a:defRPr>
+            </a:lvl6pPr>
+            <a:lvl7pPr marL="2971800" indent="-228600" algn="l" defTabSz="457200" rtl="0" eaLnBrk="1" latinLnBrk="0" hangingPunct="1">
+              <a:spcBef>
+                <a:spcPct val="20000"/>
+              </a:spcBef>
+              <a:spcAft>
+                <a:spcPts val="600"/>
+              </a:spcAft>
+              <a:buClr>
+                <a:schemeClr val="accent1">
+                  <a:lumMod val="75000"/>
+                </a:schemeClr>
+              </a:buClr>
+              <a:buSzPct val="145000"/>
+              <a:buFont typeface="Arial"/>
+              <a:buChar char="•"/>
+              <a:defRPr sz="1400" kern="1200" cap="none">
+                <a:solidFill>
+                  <a:schemeClr val="tx1"/>
+                </a:solidFill>
+                <a:effectLst/>
+                <a:latin typeface="+mn-lt"/>
+                <a:ea typeface="+mn-ea"/>
+                <a:cs typeface="+mn-cs"/>
+              </a:defRPr>
+            </a:lvl7pPr>
+            <a:lvl8pPr marL="3429000" indent="-228600" algn="l" defTabSz="457200" rtl="0" eaLnBrk="1" latinLnBrk="0" hangingPunct="1">
+              <a:spcBef>
+                <a:spcPct val="20000"/>
+              </a:spcBef>
+              <a:spcAft>
+                <a:spcPts val="600"/>
+              </a:spcAft>
+              <a:buClr>
+                <a:schemeClr val="accent1">
+                  <a:lumMod val="75000"/>
+                </a:schemeClr>
+              </a:buClr>
+              <a:buSzPct val="145000"/>
+              <a:buFont typeface="Arial"/>
+              <a:buChar char="•"/>
+              <a:defRPr sz="1400" kern="1200" cap="none">
+                <a:solidFill>
+                  <a:schemeClr val="tx1"/>
+                </a:solidFill>
+                <a:effectLst/>
+                <a:latin typeface="+mn-lt"/>
+                <a:ea typeface="+mn-ea"/>
+                <a:cs typeface="+mn-cs"/>
+              </a:defRPr>
+            </a:lvl8pPr>
+            <a:lvl9pPr marL="3886200" indent="-228600" algn="l" defTabSz="457200" rtl="0" eaLnBrk="1" latinLnBrk="0" hangingPunct="1">
+              <a:spcBef>
+                <a:spcPct val="20000"/>
+              </a:spcBef>
+              <a:spcAft>
+                <a:spcPts val="600"/>
+              </a:spcAft>
+              <a:buClr>
+                <a:schemeClr val="accent1">
+                  <a:lumMod val="75000"/>
+                </a:schemeClr>
+              </a:buClr>
+              <a:buSzPct val="145000"/>
+              <a:buFont typeface="Arial"/>
+              <a:buChar char="•"/>
+              <a:defRPr sz="1400" kern="1200" cap="none">
+                <a:solidFill>
+                  <a:schemeClr val="tx1"/>
+                </a:solidFill>
+                <a:effectLst/>
+                <a:latin typeface="+mn-lt"/>
+                <a:ea typeface="+mn-ea"/>
+                <a:cs typeface="+mn-cs"/>
+              </a:defRPr>
+            </a:lvl9pPr>
+          </a:lstStyle>
+          <a:p>
+            <a:pPr marL="0" indent="0">
+              <a:buFont typeface="Arial"/>
+              <a:buNone/>
+            </a:pPr>
+            <a:endParaRPr lang="de-CH" dirty="0"/>
+          </a:p>
+        </p:txBody>
+      </p:sp>
       <p:sp>
         <p:nvSpPr>
           <p:cNvPr id="6" name="Inhaltsplatzhalter 2"/>
@@ -8846,7 +11388,7 @@
     </p:spTree>
     <p:extLst>
       <p:ext uri="{BB962C8B-B14F-4D97-AF65-F5344CB8AC3E}">
-        <p14:creationId xmlns:p14="http://schemas.microsoft.com/office/powerpoint/2010/main" val="928694984"/>
+        <p14:creationId xmlns:p14="http://schemas.microsoft.com/office/powerpoint/2010/main" val="38966616"/>
       </p:ext>
     </p:extLst>
   </p:cSld>
@@ -8890,6 +11432,1216 @@
             <p:ph type="title"/>
           </p:nvPr>
         </p:nvSpPr>
+        <p:spPr/>
+        <p:txBody>
+          <a:bodyPr/>
+          <a:lstStyle/>
+          <a:p>
+            <a:r>
+              <a:rPr lang="de-DE" dirty="0"/>
+              <a:t>Interaktion mit </a:t>
+            </a:r>
+            <a:r>
+              <a:rPr lang="de-CH" dirty="0" err="1"/>
+              <a:t>Abowd</a:t>
+            </a:r>
+            <a:r>
+              <a:rPr lang="de-CH" dirty="0"/>
+              <a:t> &amp; </a:t>
+            </a:r>
+            <a:r>
+              <a:rPr lang="de-CH" dirty="0" err="1"/>
+              <a:t>Beale's</a:t>
+            </a:r>
+            <a:r>
+              <a:rPr lang="de-CH" dirty="0"/>
+              <a:t> </a:t>
+            </a:r>
+            <a:r>
+              <a:rPr lang="de-CH" dirty="0" smtClean="0"/>
+              <a:t>Modell</a:t>
+            </a:r>
+            <a:endParaRPr lang="de-DE" dirty="0"/>
+          </a:p>
+        </p:txBody>
+      </p:sp>
+      <p:sp>
+        <p:nvSpPr>
+          <p:cNvPr id="8" name="Inhaltsplatzhalter 4"/>
+          <p:cNvSpPr txBox="1">
+            <a:spLocks/>
+          </p:cNvSpPr>
+          <p:nvPr/>
+        </p:nvSpPr>
+        <p:spPr>
+          <a:xfrm>
+            <a:off x="2970189" y="3683294"/>
+            <a:ext cx="949842" cy="666307"/>
+          </a:xfrm>
+          <a:prstGeom prst="rect">
+            <a:avLst/>
+          </a:prstGeom>
+        </p:spPr>
+        <p:txBody>
+          <a:bodyPr vert="horz" lIns="91440" tIns="45720" rIns="91440" bIns="45720" rtlCol="0" anchor="ctr">
+            <a:normAutofit/>
+          </a:bodyPr>
+          <a:lstStyle>
+            <a:lvl1pPr marL="285750" indent="-285750" algn="l" defTabSz="457200" rtl="0" eaLnBrk="1" latinLnBrk="0" hangingPunct="1">
+              <a:spcBef>
+                <a:spcPct val="20000"/>
+              </a:spcBef>
+              <a:spcAft>
+                <a:spcPts val="600"/>
+              </a:spcAft>
+              <a:buClr>
+                <a:schemeClr val="accent1">
+                  <a:lumMod val="75000"/>
+                </a:schemeClr>
+              </a:buClr>
+              <a:buSzPct val="145000"/>
+              <a:buFont typeface="Arial"/>
+              <a:buChar char="•"/>
+              <a:defRPr sz="2400" kern="1200" cap="none">
+                <a:solidFill>
+                  <a:schemeClr val="tx1"/>
+                </a:solidFill>
+                <a:effectLst/>
+                <a:latin typeface="+mn-lt"/>
+                <a:ea typeface="+mn-ea"/>
+                <a:cs typeface="+mn-cs"/>
+              </a:defRPr>
+            </a:lvl1pPr>
+            <a:lvl2pPr marL="742950" indent="-285750" algn="l" defTabSz="457200" rtl="0" eaLnBrk="1" latinLnBrk="0" hangingPunct="1">
+              <a:spcBef>
+                <a:spcPct val="20000"/>
+              </a:spcBef>
+              <a:spcAft>
+                <a:spcPts val="600"/>
+              </a:spcAft>
+              <a:buClr>
+                <a:schemeClr val="accent1">
+                  <a:lumMod val="75000"/>
+                </a:schemeClr>
+              </a:buClr>
+              <a:buSzPct val="145000"/>
+              <a:buFont typeface="Arial"/>
+              <a:buChar char="•"/>
+              <a:defRPr sz="2000" kern="1200" cap="none">
+                <a:solidFill>
+                  <a:schemeClr val="tx1"/>
+                </a:solidFill>
+                <a:effectLst/>
+                <a:latin typeface="+mn-lt"/>
+                <a:ea typeface="+mn-ea"/>
+                <a:cs typeface="+mn-cs"/>
+              </a:defRPr>
+            </a:lvl2pPr>
+            <a:lvl3pPr marL="1200150" indent="-285750" algn="l" defTabSz="457200" rtl="0" eaLnBrk="1" latinLnBrk="0" hangingPunct="1">
+              <a:spcBef>
+                <a:spcPct val="20000"/>
+              </a:spcBef>
+              <a:spcAft>
+                <a:spcPts val="600"/>
+              </a:spcAft>
+              <a:buClr>
+                <a:schemeClr val="accent1">
+                  <a:lumMod val="75000"/>
+                </a:schemeClr>
+              </a:buClr>
+              <a:buSzPct val="145000"/>
+              <a:buFont typeface="Arial"/>
+              <a:buChar char="•"/>
+              <a:defRPr sz="1800" kern="1200" cap="none">
+                <a:solidFill>
+                  <a:schemeClr val="tx1"/>
+                </a:solidFill>
+                <a:effectLst/>
+                <a:latin typeface="+mn-lt"/>
+                <a:ea typeface="+mn-ea"/>
+                <a:cs typeface="+mn-cs"/>
+              </a:defRPr>
+            </a:lvl3pPr>
+            <a:lvl4pPr marL="1543050" indent="-171450" algn="l" defTabSz="457200" rtl="0" eaLnBrk="1" latinLnBrk="0" hangingPunct="1">
+              <a:spcBef>
+                <a:spcPct val="20000"/>
+              </a:spcBef>
+              <a:spcAft>
+                <a:spcPts val="600"/>
+              </a:spcAft>
+              <a:buClr>
+                <a:schemeClr val="accent1">
+                  <a:lumMod val="75000"/>
+                </a:schemeClr>
+              </a:buClr>
+              <a:buSzPct val="145000"/>
+              <a:buFont typeface="Arial"/>
+              <a:buChar char="•"/>
+              <a:defRPr sz="1600" kern="1200" cap="none">
+                <a:solidFill>
+                  <a:schemeClr val="tx1"/>
+                </a:solidFill>
+                <a:effectLst/>
+                <a:latin typeface="+mn-lt"/>
+                <a:ea typeface="+mn-ea"/>
+                <a:cs typeface="+mn-cs"/>
+              </a:defRPr>
+            </a:lvl4pPr>
+            <a:lvl5pPr marL="2000250" indent="-171450" algn="l" defTabSz="457200" rtl="0" eaLnBrk="1" latinLnBrk="0" hangingPunct="1">
+              <a:spcBef>
+                <a:spcPct val="20000"/>
+              </a:spcBef>
+              <a:spcAft>
+                <a:spcPts val="600"/>
+              </a:spcAft>
+              <a:buClr>
+                <a:schemeClr val="accent1">
+                  <a:lumMod val="75000"/>
+                </a:schemeClr>
+              </a:buClr>
+              <a:buSzPct val="145000"/>
+              <a:buFont typeface="Arial"/>
+              <a:buChar char="•"/>
+              <a:defRPr sz="1400" kern="1200" cap="none">
+                <a:solidFill>
+                  <a:schemeClr val="tx1"/>
+                </a:solidFill>
+                <a:effectLst/>
+                <a:latin typeface="+mn-lt"/>
+                <a:ea typeface="+mn-ea"/>
+                <a:cs typeface="+mn-cs"/>
+              </a:defRPr>
+            </a:lvl5pPr>
+            <a:lvl6pPr marL="2514600" indent="-228600" algn="l" defTabSz="457200" rtl="0" eaLnBrk="1" latinLnBrk="0" hangingPunct="1">
+              <a:spcBef>
+                <a:spcPct val="20000"/>
+              </a:spcBef>
+              <a:spcAft>
+                <a:spcPts val="600"/>
+              </a:spcAft>
+              <a:buClr>
+                <a:schemeClr val="accent1">
+                  <a:lumMod val="75000"/>
+                </a:schemeClr>
+              </a:buClr>
+              <a:buSzPct val="145000"/>
+              <a:buFont typeface="Arial"/>
+              <a:buChar char="•"/>
+              <a:defRPr sz="1400" kern="1200" cap="none">
+                <a:solidFill>
+                  <a:schemeClr val="tx1"/>
+                </a:solidFill>
+                <a:effectLst/>
+                <a:latin typeface="+mn-lt"/>
+                <a:ea typeface="+mn-ea"/>
+                <a:cs typeface="+mn-cs"/>
+              </a:defRPr>
+            </a:lvl6pPr>
+            <a:lvl7pPr marL="2971800" indent="-228600" algn="l" defTabSz="457200" rtl="0" eaLnBrk="1" latinLnBrk="0" hangingPunct="1">
+              <a:spcBef>
+                <a:spcPct val="20000"/>
+              </a:spcBef>
+              <a:spcAft>
+                <a:spcPts val="600"/>
+              </a:spcAft>
+              <a:buClr>
+                <a:schemeClr val="accent1">
+                  <a:lumMod val="75000"/>
+                </a:schemeClr>
+              </a:buClr>
+              <a:buSzPct val="145000"/>
+              <a:buFont typeface="Arial"/>
+              <a:buChar char="•"/>
+              <a:defRPr sz="1400" kern="1200" cap="none">
+                <a:solidFill>
+                  <a:schemeClr val="tx1"/>
+                </a:solidFill>
+                <a:effectLst/>
+                <a:latin typeface="+mn-lt"/>
+                <a:ea typeface="+mn-ea"/>
+                <a:cs typeface="+mn-cs"/>
+              </a:defRPr>
+            </a:lvl7pPr>
+            <a:lvl8pPr marL="3429000" indent="-228600" algn="l" defTabSz="457200" rtl="0" eaLnBrk="1" latinLnBrk="0" hangingPunct="1">
+              <a:spcBef>
+                <a:spcPct val="20000"/>
+              </a:spcBef>
+              <a:spcAft>
+                <a:spcPts val="600"/>
+              </a:spcAft>
+              <a:buClr>
+                <a:schemeClr val="accent1">
+                  <a:lumMod val="75000"/>
+                </a:schemeClr>
+              </a:buClr>
+              <a:buSzPct val="145000"/>
+              <a:buFont typeface="Arial"/>
+              <a:buChar char="•"/>
+              <a:defRPr sz="1400" kern="1200" cap="none">
+                <a:solidFill>
+                  <a:schemeClr val="tx1"/>
+                </a:solidFill>
+                <a:effectLst/>
+                <a:latin typeface="+mn-lt"/>
+                <a:ea typeface="+mn-ea"/>
+                <a:cs typeface="+mn-cs"/>
+              </a:defRPr>
+            </a:lvl8pPr>
+            <a:lvl9pPr marL="3886200" indent="-228600" algn="l" defTabSz="457200" rtl="0" eaLnBrk="1" latinLnBrk="0" hangingPunct="1">
+              <a:spcBef>
+                <a:spcPct val="20000"/>
+              </a:spcBef>
+              <a:spcAft>
+                <a:spcPts val="600"/>
+              </a:spcAft>
+              <a:buClr>
+                <a:schemeClr val="accent1">
+                  <a:lumMod val="75000"/>
+                </a:schemeClr>
+              </a:buClr>
+              <a:buSzPct val="145000"/>
+              <a:buFont typeface="Arial"/>
+              <a:buChar char="•"/>
+              <a:defRPr sz="1400" kern="1200" cap="none">
+                <a:solidFill>
+                  <a:schemeClr val="tx1"/>
+                </a:solidFill>
+                <a:effectLst/>
+                <a:latin typeface="+mn-lt"/>
+                <a:ea typeface="+mn-ea"/>
+                <a:cs typeface="+mn-cs"/>
+              </a:defRPr>
+            </a:lvl9pPr>
+          </a:lstStyle>
+          <a:p>
+            <a:pPr marL="0" indent="0">
+              <a:buFont typeface="Arial"/>
+              <a:buNone/>
+            </a:pPr>
+            <a:endParaRPr lang="de-CH" dirty="0"/>
+          </a:p>
+        </p:txBody>
+      </p:sp>
+      <p:sp>
+        <p:nvSpPr>
+          <p:cNvPr id="6" name="Inhaltsplatzhalter 2"/>
+          <p:cNvSpPr txBox="1">
+            <a:spLocks/>
+          </p:cNvSpPr>
+          <p:nvPr/>
+        </p:nvSpPr>
+        <p:spPr>
+          <a:xfrm>
+            <a:off x="8137451" y="-41565"/>
+            <a:ext cx="4054549" cy="370610"/>
+          </a:xfrm>
+          <a:prstGeom prst="rect">
+            <a:avLst/>
+          </a:prstGeom>
+        </p:spPr>
+        <p:txBody>
+          <a:bodyPr vert="horz" lIns="91440" tIns="45720" rIns="91440" bIns="45720" rtlCol="0" anchor="ctr">
+            <a:normAutofit/>
+          </a:bodyPr>
+          <a:lstStyle>
+            <a:lvl1pPr marL="285750" indent="-285750" algn="l" defTabSz="457200" rtl="0" eaLnBrk="1" latinLnBrk="0" hangingPunct="1">
+              <a:spcBef>
+                <a:spcPct val="20000"/>
+              </a:spcBef>
+              <a:spcAft>
+                <a:spcPts val="600"/>
+              </a:spcAft>
+              <a:buClr>
+                <a:schemeClr val="accent1">
+                  <a:lumMod val="75000"/>
+                </a:schemeClr>
+              </a:buClr>
+              <a:buSzPct val="145000"/>
+              <a:buFont typeface="Arial"/>
+              <a:buChar char="•"/>
+              <a:defRPr sz="2400" kern="1200" cap="none">
+                <a:solidFill>
+                  <a:schemeClr val="tx1"/>
+                </a:solidFill>
+                <a:effectLst/>
+                <a:latin typeface="+mn-lt"/>
+                <a:ea typeface="+mn-ea"/>
+                <a:cs typeface="+mn-cs"/>
+              </a:defRPr>
+            </a:lvl1pPr>
+            <a:lvl2pPr marL="742950" indent="-285750" algn="l" defTabSz="457200" rtl="0" eaLnBrk="1" latinLnBrk="0" hangingPunct="1">
+              <a:spcBef>
+                <a:spcPct val="20000"/>
+              </a:spcBef>
+              <a:spcAft>
+                <a:spcPts val="600"/>
+              </a:spcAft>
+              <a:buClr>
+                <a:schemeClr val="accent1">
+                  <a:lumMod val="75000"/>
+                </a:schemeClr>
+              </a:buClr>
+              <a:buSzPct val="145000"/>
+              <a:buFont typeface="Arial"/>
+              <a:buChar char="•"/>
+              <a:defRPr sz="2000" kern="1200" cap="none">
+                <a:solidFill>
+                  <a:schemeClr val="tx1"/>
+                </a:solidFill>
+                <a:effectLst/>
+                <a:latin typeface="+mn-lt"/>
+                <a:ea typeface="+mn-ea"/>
+                <a:cs typeface="+mn-cs"/>
+              </a:defRPr>
+            </a:lvl2pPr>
+            <a:lvl3pPr marL="1200150" indent="-285750" algn="l" defTabSz="457200" rtl="0" eaLnBrk="1" latinLnBrk="0" hangingPunct="1">
+              <a:spcBef>
+                <a:spcPct val="20000"/>
+              </a:spcBef>
+              <a:spcAft>
+                <a:spcPts val="600"/>
+              </a:spcAft>
+              <a:buClr>
+                <a:schemeClr val="accent1">
+                  <a:lumMod val="75000"/>
+                </a:schemeClr>
+              </a:buClr>
+              <a:buSzPct val="145000"/>
+              <a:buFont typeface="Arial"/>
+              <a:buChar char="•"/>
+              <a:defRPr sz="1800" kern="1200" cap="none">
+                <a:solidFill>
+                  <a:schemeClr val="tx1"/>
+                </a:solidFill>
+                <a:effectLst/>
+                <a:latin typeface="+mn-lt"/>
+                <a:ea typeface="+mn-ea"/>
+                <a:cs typeface="+mn-cs"/>
+              </a:defRPr>
+            </a:lvl3pPr>
+            <a:lvl4pPr marL="1543050" indent="-171450" algn="l" defTabSz="457200" rtl="0" eaLnBrk="1" latinLnBrk="0" hangingPunct="1">
+              <a:spcBef>
+                <a:spcPct val="20000"/>
+              </a:spcBef>
+              <a:spcAft>
+                <a:spcPts val="600"/>
+              </a:spcAft>
+              <a:buClr>
+                <a:schemeClr val="accent1">
+                  <a:lumMod val="75000"/>
+                </a:schemeClr>
+              </a:buClr>
+              <a:buSzPct val="145000"/>
+              <a:buFont typeface="Arial"/>
+              <a:buChar char="•"/>
+              <a:defRPr sz="1600" kern="1200" cap="none">
+                <a:solidFill>
+                  <a:schemeClr val="tx1"/>
+                </a:solidFill>
+                <a:effectLst/>
+                <a:latin typeface="+mn-lt"/>
+                <a:ea typeface="+mn-ea"/>
+                <a:cs typeface="+mn-cs"/>
+              </a:defRPr>
+            </a:lvl4pPr>
+            <a:lvl5pPr marL="2000250" indent="-171450" algn="l" defTabSz="457200" rtl="0" eaLnBrk="1" latinLnBrk="0" hangingPunct="1">
+              <a:spcBef>
+                <a:spcPct val="20000"/>
+              </a:spcBef>
+              <a:spcAft>
+                <a:spcPts val="600"/>
+              </a:spcAft>
+              <a:buClr>
+                <a:schemeClr val="accent1">
+                  <a:lumMod val="75000"/>
+                </a:schemeClr>
+              </a:buClr>
+              <a:buSzPct val="145000"/>
+              <a:buFont typeface="Arial"/>
+              <a:buChar char="•"/>
+              <a:defRPr sz="1400" kern="1200" cap="none">
+                <a:solidFill>
+                  <a:schemeClr val="tx1"/>
+                </a:solidFill>
+                <a:effectLst/>
+                <a:latin typeface="+mn-lt"/>
+                <a:ea typeface="+mn-ea"/>
+                <a:cs typeface="+mn-cs"/>
+              </a:defRPr>
+            </a:lvl5pPr>
+            <a:lvl6pPr marL="2514600" indent="-228600" algn="l" defTabSz="457200" rtl="0" eaLnBrk="1" latinLnBrk="0" hangingPunct="1">
+              <a:spcBef>
+                <a:spcPct val="20000"/>
+              </a:spcBef>
+              <a:spcAft>
+                <a:spcPts val="600"/>
+              </a:spcAft>
+              <a:buClr>
+                <a:schemeClr val="accent1">
+                  <a:lumMod val="75000"/>
+                </a:schemeClr>
+              </a:buClr>
+              <a:buSzPct val="145000"/>
+              <a:buFont typeface="Arial"/>
+              <a:buChar char="•"/>
+              <a:defRPr sz="1400" kern="1200" cap="none">
+                <a:solidFill>
+                  <a:schemeClr val="tx1"/>
+                </a:solidFill>
+                <a:effectLst/>
+                <a:latin typeface="+mn-lt"/>
+                <a:ea typeface="+mn-ea"/>
+                <a:cs typeface="+mn-cs"/>
+              </a:defRPr>
+            </a:lvl6pPr>
+            <a:lvl7pPr marL="2971800" indent="-228600" algn="l" defTabSz="457200" rtl="0" eaLnBrk="1" latinLnBrk="0" hangingPunct="1">
+              <a:spcBef>
+                <a:spcPct val="20000"/>
+              </a:spcBef>
+              <a:spcAft>
+                <a:spcPts val="600"/>
+              </a:spcAft>
+              <a:buClr>
+                <a:schemeClr val="accent1">
+                  <a:lumMod val="75000"/>
+                </a:schemeClr>
+              </a:buClr>
+              <a:buSzPct val="145000"/>
+              <a:buFont typeface="Arial"/>
+              <a:buChar char="•"/>
+              <a:defRPr sz="1400" kern="1200" cap="none">
+                <a:solidFill>
+                  <a:schemeClr val="tx1"/>
+                </a:solidFill>
+                <a:effectLst/>
+                <a:latin typeface="+mn-lt"/>
+                <a:ea typeface="+mn-ea"/>
+                <a:cs typeface="+mn-cs"/>
+              </a:defRPr>
+            </a:lvl7pPr>
+            <a:lvl8pPr marL="3429000" indent="-228600" algn="l" defTabSz="457200" rtl="0" eaLnBrk="1" latinLnBrk="0" hangingPunct="1">
+              <a:spcBef>
+                <a:spcPct val="20000"/>
+              </a:spcBef>
+              <a:spcAft>
+                <a:spcPts val="600"/>
+              </a:spcAft>
+              <a:buClr>
+                <a:schemeClr val="accent1">
+                  <a:lumMod val="75000"/>
+                </a:schemeClr>
+              </a:buClr>
+              <a:buSzPct val="145000"/>
+              <a:buFont typeface="Arial"/>
+              <a:buChar char="•"/>
+              <a:defRPr sz="1400" kern="1200" cap="none">
+                <a:solidFill>
+                  <a:schemeClr val="tx1"/>
+                </a:solidFill>
+                <a:effectLst/>
+                <a:latin typeface="+mn-lt"/>
+                <a:ea typeface="+mn-ea"/>
+                <a:cs typeface="+mn-cs"/>
+              </a:defRPr>
+            </a:lvl8pPr>
+            <a:lvl9pPr marL="3886200" indent="-228600" algn="l" defTabSz="457200" rtl="0" eaLnBrk="1" latinLnBrk="0" hangingPunct="1">
+              <a:spcBef>
+                <a:spcPct val="20000"/>
+              </a:spcBef>
+              <a:spcAft>
+                <a:spcPts val="600"/>
+              </a:spcAft>
+              <a:buClr>
+                <a:schemeClr val="accent1">
+                  <a:lumMod val="75000"/>
+                </a:schemeClr>
+              </a:buClr>
+              <a:buSzPct val="145000"/>
+              <a:buFont typeface="Arial"/>
+              <a:buChar char="•"/>
+              <a:defRPr sz="1400" kern="1200" cap="none">
+                <a:solidFill>
+                  <a:schemeClr val="tx1"/>
+                </a:solidFill>
+                <a:effectLst/>
+                <a:latin typeface="+mn-lt"/>
+                <a:ea typeface="+mn-ea"/>
+                <a:cs typeface="+mn-cs"/>
+              </a:defRPr>
+            </a:lvl9pPr>
+          </a:lstStyle>
+          <a:p>
+            <a:pPr marL="0" indent="0">
+              <a:buNone/>
+            </a:pPr>
+            <a:r>
+              <a:rPr lang="de-DE" sz="1000" dirty="0" smtClean="0"/>
+              <a:t>Rem0 Röthlisberger, Eric </a:t>
+            </a:r>
+            <a:r>
+              <a:rPr lang="de-DE" sz="1000" dirty="0" err="1" smtClean="0"/>
+              <a:t>Lagger</a:t>
+            </a:r>
+            <a:r>
+              <a:rPr lang="de-DE" sz="1000" dirty="0" smtClean="0"/>
+              <a:t>, Vincent Hofer, Dean Klopsch, Aebi Ryan</a:t>
+            </a:r>
+            <a:endParaRPr lang="de-DE" sz="1000" dirty="0"/>
+          </a:p>
+        </p:txBody>
+      </p:sp>
+    </p:spTree>
+    <p:extLst>
+      <p:ext uri="{BB962C8B-B14F-4D97-AF65-F5344CB8AC3E}">
+        <p14:creationId xmlns:p14="http://schemas.microsoft.com/office/powerpoint/2010/main" val="3522880928"/>
+      </p:ext>
+    </p:extLst>
+  </p:cSld>
+  <p:clrMapOvr>
+    <a:masterClrMapping/>
+  </p:clrMapOvr>
+  <p:timing>
+    <p:tnLst>
+      <p:par>
+        <p:cTn xmlns:p14="http://schemas.microsoft.com/office/powerpoint/2010/main" id="1" dur="indefinite" restart="never" nodeType="tmRoot"/>
+      </p:par>
+    </p:tnLst>
+  </p:timing>
+</p:sld>
+</file>
+
+<file path=ppt/slides/slide8.xml><?xml version="1.0" encoding="utf-8"?>
+<p:sld xmlns:a="http://schemas.openxmlformats.org/drawingml/2006/main" xmlns:r="http://schemas.openxmlformats.org/officeDocument/2006/relationships" xmlns:p="http://schemas.openxmlformats.org/presentationml/2006/main">
+  <p:cSld>
+    <p:spTree>
+      <p:nvGrpSpPr>
+        <p:cNvPr id="1" name=""/>
+        <p:cNvGrpSpPr/>
+        <p:nvPr/>
+      </p:nvGrpSpPr>
+      <p:grpSpPr>
+        <a:xfrm>
+          <a:off x="0" y="0"/>
+          <a:ext cx="0" cy="0"/>
+          <a:chOff x="0" y="0"/>
+          <a:chExt cx="0" cy="0"/>
+        </a:xfrm>
+      </p:grpSpPr>
+      <p:sp>
+        <p:nvSpPr>
+          <p:cNvPr id="2" name="Titel 1"/>
+          <p:cNvSpPr>
+            <a:spLocks noGrp="1"/>
+          </p:cNvSpPr>
+          <p:nvPr>
+            <p:ph type="title"/>
+          </p:nvPr>
+        </p:nvSpPr>
+        <p:spPr/>
+        <p:txBody>
+          <a:bodyPr/>
+          <a:lstStyle/>
+          <a:p>
+            <a:r>
+              <a:rPr lang="de-DE" dirty="0"/>
+              <a:t>Interaktion mit </a:t>
+            </a:r>
+            <a:r>
+              <a:rPr lang="de-CH" dirty="0" err="1"/>
+              <a:t>Abowd</a:t>
+            </a:r>
+            <a:r>
+              <a:rPr lang="de-CH" dirty="0"/>
+              <a:t> &amp; </a:t>
+            </a:r>
+            <a:r>
+              <a:rPr lang="de-CH" dirty="0" err="1"/>
+              <a:t>Beale's</a:t>
+            </a:r>
+            <a:r>
+              <a:rPr lang="de-CH" dirty="0"/>
+              <a:t> </a:t>
+            </a:r>
+            <a:r>
+              <a:rPr lang="de-CH" dirty="0" smtClean="0"/>
+              <a:t>Modell</a:t>
+            </a:r>
+            <a:endParaRPr lang="de-DE" dirty="0"/>
+          </a:p>
+        </p:txBody>
+      </p:sp>
+      <p:sp>
+        <p:nvSpPr>
+          <p:cNvPr id="8" name="Inhaltsplatzhalter 4"/>
+          <p:cNvSpPr txBox="1">
+            <a:spLocks/>
+          </p:cNvSpPr>
+          <p:nvPr/>
+        </p:nvSpPr>
+        <p:spPr>
+          <a:xfrm>
+            <a:off x="2970189" y="3683294"/>
+            <a:ext cx="949842" cy="666307"/>
+          </a:xfrm>
+          <a:prstGeom prst="rect">
+            <a:avLst/>
+          </a:prstGeom>
+        </p:spPr>
+        <p:txBody>
+          <a:bodyPr vert="horz" lIns="91440" tIns="45720" rIns="91440" bIns="45720" rtlCol="0" anchor="ctr">
+            <a:normAutofit/>
+          </a:bodyPr>
+          <a:lstStyle>
+            <a:lvl1pPr marL="285750" indent="-285750" algn="l" defTabSz="457200" rtl="0" eaLnBrk="1" latinLnBrk="0" hangingPunct="1">
+              <a:spcBef>
+                <a:spcPct val="20000"/>
+              </a:spcBef>
+              <a:spcAft>
+                <a:spcPts val="600"/>
+              </a:spcAft>
+              <a:buClr>
+                <a:schemeClr val="accent1">
+                  <a:lumMod val="75000"/>
+                </a:schemeClr>
+              </a:buClr>
+              <a:buSzPct val="145000"/>
+              <a:buFont typeface="Arial"/>
+              <a:buChar char="•"/>
+              <a:defRPr sz="2400" kern="1200" cap="none">
+                <a:solidFill>
+                  <a:schemeClr val="tx1"/>
+                </a:solidFill>
+                <a:effectLst/>
+                <a:latin typeface="+mn-lt"/>
+                <a:ea typeface="+mn-ea"/>
+                <a:cs typeface="+mn-cs"/>
+              </a:defRPr>
+            </a:lvl1pPr>
+            <a:lvl2pPr marL="742950" indent="-285750" algn="l" defTabSz="457200" rtl="0" eaLnBrk="1" latinLnBrk="0" hangingPunct="1">
+              <a:spcBef>
+                <a:spcPct val="20000"/>
+              </a:spcBef>
+              <a:spcAft>
+                <a:spcPts val="600"/>
+              </a:spcAft>
+              <a:buClr>
+                <a:schemeClr val="accent1">
+                  <a:lumMod val="75000"/>
+                </a:schemeClr>
+              </a:buClr>
+              <a:buSzPct val="145000"/>
+              <a:buFont typeface="Arial"/>
+              <a:buChar char="•"/>
+              <a:defRPr sz="2000" kern="1200" cap="none">
+                <a:solidFill>
+                  <a:schemeClr val="tx1"/>
+                </a:solidFill>
+                <a:effectLst/>
+                <a:latin typeface="+mn-lt"/>
+                <a:ea typeface="+mn-ea"/>
+                <a:cs typeface="+mn-cs"/>
+              </a:defRPr>
+            </a:lvl2pPr>
+            <a:lvl3pPr marL="1200150" indent="-285750" algn="l" defTabSz="457200" rtl="0" eaLnBrk="1" latinLnBrk="0" hangingPunct="1">
+              <a:spcBef>
+                <a:spcPct val="20000"/>
+              </a:spcBef>
+              <a:spcAft>
+                <a:spcPts val="600"/>
+              </a:spcAft>
+              <a:buClr>
+                <a:schemeClr val="accent1">
+                  <a:lumMod val="75000"/>
+                </a:schemeClr>
+              </a:buClr>
+              <a:buSzPct val="145000"/>
+              <a:buFont typeface="Arial"/>
+              <a:buChar char="•"/>
+              <a:defRPr sz="1800" kern="1200" cap="none">
+                <a:solidFill>
+                  <a:schemeClr val="tx1"/>
+                </a:solidFill>
+                <a:effectLst/>
+                <a:latin typeface="+mn-lt"/>
+                <a:ea typeface="+mn-ea"/>
+                <a:cs typeface="+mn-cs"/>
+              </a:defRPr>
+            </a:lvl3pPr>
+            <a:lvl4pPr marL="1543050" indent="-171450" algn="l" defTabSz="457200" rtl="0" eaLnBrk="1" latinLnBrk="0" hangingPunct="1">
+              <a:spcBef>
+                <a:spcPct val="20000"/>
+              </a:spcBef>
+              <a:spcAft>
+                <a:spcPts val="600"/>
+              </a:spcAft>
+              <a:buClr>
+                <a:schemeClr val="accent1">
+                  <a:lumMod val="75000"/>
+                </a:schemeClr>
+              </a:buClr>
+              <a:buSzPct val="145000"/>
+              <a:buFont typeface="Arial"/>
+              <a:buChar char="•"/>
+              <a:defRPr sz="1600" kern="1200" cap="none">
+                <a:solidFill>
+                  <a:schemeClr val="tx1"/>
+                </a:solidFill>
+                <a:effectLst/>
+                <a:latin typeface="+mn-lt"/>
+                <a:ea typeface="+mn-ea"/>
+                <a:cs typeface="+mn-cs"/>
+              </a:defRPr>
+            </a:lvl4pPr>
+            <a:lvl5pPr marL="2000250" indent="-171450" algn="l" defTabSz="457200" rtl="0" eaLnBrk="1" latinLnBrk="0" hangingPunct="1">
+              <a:spcBef>
+                <a:spcPct val="20000"/>
+              </a:spcBef>
+              <a:spcAft>
+                <a:spcPts val="600"/>
+              </a:spcAft>
+              <a:buClr>
+                <a:schemeClr val="accent1">
+                  <a:lumMod val="75000"/>
+                </a:schemeClr>
+              </a:buClr>
+              <a:buSzPct val="145000"/>
+              <a:buFont typeface="Arial"/>
+              <a:buChar char="•"/>
+              <a:defRPr sz="1400" kern="1200" cap="none">
+                <a:solidFill>
+                  <a:schemeClr val="tx1"/>
+                </a:solidFill>
+                <a:effectLst/>
+                <a:latin typeface="+mn-lt"/>
+                <a:ea typeface="+mn-ea"/>
+                <a:cs typeface="+mn-cs"/>
+              </a:defRPr>
+            </a:lvl5pPr>
+            <a:lvl6pPr marL="2514600" indent="-228600" algn="l" defTabSz="457200" rtl="0" eaLnBrk="1" latinLnBrk="0" hangingPunct="1">
+              <a:spcBef>
+                <a:spcPct val="20000"/>
+              </a:spcBef>
+              <a:spcAft>
+                <a:spcPts val="600"/>
+              </a:spcAft>
+              <a:buClr>
+                <a:schemeClr val="accent1">
+                  <a:lumMod val="75000"/>
+                </a:schemeClr>
+              </a:buClr>
+              <a:buSzPct val="145000"/>
+              <a:buFont typeface="Arial"/>
+              <a:buChar char="•"/>
+              <a:defRPr sz="1400" kern="1200" cap="none">
+                <a:solidFill>
+                  <a:schemeClr val="tx1"/>
+                </a:solidFill>
+                <a:effectLst/>
+                <a:latin typeface="+mn-lt"/>
+                <a:ea typeface="+mn-ea"/>
+                <a:cs typeface="+mn-cs"/>
+              </a:defRPr>
+            </a:lvl6pPr>
+            <a:lvl7pPr marL="2971800" indent="-228600" algn="l" defTabSz="457200" rtl="0" eaLnBrk="1" latinLnBrk="0" hangingPunct="1">
+              <a:spcBef>
+                <a:spcPct val="20000"/>
+              </a:spcBef>
+              <a:spcAft>
+                <a:spcPts val="600"/>
+              </a:spcAft>
+              <a:buClr>
+                <a:schemeClr val="accent1">
+                  <a:lumMod val="75000"/>
+                </a:schemeClr>
+              </a:buClr>
+              <a:buSzPct val="145000"/>
+              <a:buFont typeface="Arial"/>
+              <a:buChar char="•"/>
+              <a:defRPr sz="1400" kern="1200" cap="none">
+                <a:solidFill>
+                  <a:schemeClr val="tx1"/>
+                </a:solidFill>
+                <a:effectLst/>
+                <a:latin typeface="+mn-lt"/>
+                <a:ea typeface="+mn-ea"/>
+                <a:cs typeface="+mn-cs"/>
+              </a:defRPr>
+            </a:lvl7pPr>
+            <a:lvl8pPr marL="3429000" indent="-228600" algn="l" defTabSz="457200" rtl="0" eaLnBrk="1" latinLnBrk="0" hangingPunct="1">
+              <a:spcBef>
+                <a:spcPct val="20000"/>
+              </a:spcBef>
+              <a:spcAft>
+                <a:spcPts val="600"/>
+              </a:spcAft>
+              <a:buClr>
+                <a:schemeClr val="accent1">
+                  <a:lumMod val="75000"/>
+                </a:schemeClr>
+              </a:buClr>
+              <a:buSzPct val="145000"/>
+              <a:buFont typeface="Arial"/>
+              <a:buChar char="•"/>
+              <a:defRPr sz="1400" kern="1200" cap="none">
+                <a:solidFill>
+                  <a:schemeClr val="tx1"/>
+                </a:solidFill>
+                <a:effectLst/>
+                <a:latin typeface="+mn-lt"/>
+                <a:ea typeface="+mn-ea"/>
+                <a:cs typeface="+mn-cs"/>
+              </a:defRPr>
+            </a:lvl8pPr>
+            <a:lvl9pPr marL="3886200" indent="-228600" algn="l" defTabSz="457200" rtl="0" eaLnBrk="1" latinLnBrk="0" hangingPunct="1">
+              <a:spcBef>
+                <a:spcPct val="20000"/>
+              </a:spcBef>
+              <a:spcAft>
+                <a:spcPts val="600"/>
+              </a:spcAft>
+              <a:buClr>
+                <a:schemeClr val="accent1">
+                  <a:lumMod val="75000"/>
+                </a:schemeClr>
+              </a:buClr>
+              <a:buSzPct val="145000"/>
+              <a:buFont typeface="Arial"/>
+              <a:buChar char="•"/>
+              <a:defRPr sz="1400" kern="1200" cap="none">
+                <a:solidFill>
+                  <a:schemeClr val="tx1"/>
+                </a:solidFill>
+                <a:effectLst/>
+                <a:latin typeface="+mn-lt"/>
+                <a:ea typeface="+mn-ea"/>
+                <a:cs typeface="+mn-cs"/>
+              </a:defRPr>
+            </a:lvl9pPr>
+          </a:lstStyle>
+          <a:p>
+            <a:pPr marL="0" indent="0">
+              <a:buFont typeface="Arial"/>
+              <a:buNone/>
+            </a:pPr>
+            <a:endParaRPr lang="de-CH" dirty="0"/>
+          </a:p>
+        </p:txBody>
+      </p:sp>
+      <p:sp>
+        <p:nvSpPr>
+          <p:cNvPr id="6" name="Inhaltsplatzhalter 2"/>
+          <p:cNvSpPr txBox="1">
+            <a:spLocks/>
+          </p:cNvSpPr>
+          <p:nvPr/>
+        </p:nvSpPr>
+        <p:spPr>
+          <a:xfrm>
+            <a:off x="8137451" y="-41565"/>
+            <a:ext cx="4054549" cy="370610"/>
+          </a:xfrm>
+          <a:prstGeom prst="rect">
+            <a:avLst/>
+          </a:prstGeom>
+        </p:spPr>
+        <p:txBody>
+          <a:bodyPr vert="horz" lIns="91440" tIns="45720" rIns="91440" bIns="45720" rtlCol="0" anchor="ctr">
+            <a:normAutofit/>
+          </a:bodyPr>
+          <a:lstStyle>
+            <a:lvl1pPr marL="285750" indent="-285750" algn="l" defTabSz="457200" rtl="0" eaLnBrk="1" latinLnBrk="0" hangingPunct="1">
+              <a:spcBef>
+                <a:spcPct val="20000"/>
+              </a:spcBef>
+              <a:spcAft>
+                <a:spcPts val="600"/>
+              </a:spcAft>
+              <a:buClr>
+                <a:schemeClr val="accent1">
+                  <a:lumMod val="75000"/>
+                </a:schemeClr>
+              </a:buClr>
+              <a:buSzPct val="145000"/>
+              <a:buFont typeface="Arial"/>
+              <a:buChar char="•"/>
+              <a:defRPr sz="2400" kern="1200" cap="none">
+                <a:solidFill>
+                  <a:schemeClr val="tx1"/>
+                </a:solidFill>
+                <a:effectLst/>
+                <a:latin typeface="+mn-lt"/>
+                <a:ea typeface="+mn-ea"/>
+                <a:cs typeface="+mn-cs"/>
+              </a:defRPr>
+            </a:lvl1pPr>
+            <a:lvl2pPr marL="742950" indent="-285750" algn="l" defTabSz="457200" rtl="0" eaLnBrk="1" latinLnBrk="0" hangingPunct="1">
+              <a:spcBef>
+                <a:spcPct val="20000"/>
+              </a:spcBef>
+              <a:spcAft>
+                <a:spcPts val="600"/>
+              </a:spcAft>
+              <a:buClr>
+                <a:schemeClr val="accent1">
+                  <a:lumMod val="75000"/>
+                </a:schemeClr>
+              </a:buClr>
+              <a:buSzPct val="145000"/>
+              <a:buFont typeface="Arial"/>
+              <a:buChar char="•"/>
+              <a:defRPr sz="2000" kern="1200" cap="none">
+                <a:solidFill>
+                  <a:schemeClr val="tx1"/>
+                </a:solidFill>
+                <a:effectLst/>
+                <a:latin typeface="+mn-lt"/>
+                <a:ea typeface="+mn-ea"/>
+                <a:cs typeface="+mn-cs"/>
+              </a:defRPr>
+            </a:lvl2pPr>
+            <a:lvl3pPr marL="1200150" indent="-285750" algn="l" defTabSz="457200" rtl="0" eaLnBrk="1" latinLnBrk="0" hangingPunct="1">
+              <a:spcBef>
+                <a:spcPct val="20000"/>
+              </a:spcBef>
+              <a:spcAft>
+                <a:spcPts val="600"/>
+              </a:spcAft>
+              <a:buClr>
+                <a:schemeClr val="accent1">
+                  <a:lumMod val="75000"/>
+                </a:schemeClr>
+              </a:buClr>
+              <a:buSzPct val="145000"/>
+              <a:buFont typeface="Arial"/>
+              <a:buChar char="•"/>
+              <a:defRPr sz="1800" kern="1200" cap="none">
+                <a:solidFill>
+                  <a:schemeClr val="tx1"/>
+                </a:solidFill>
+                <a:effectLst/>
+                <a:latin typeface="+mn-lt"/>
+                <a:ea typeface="+mn-ea"/>
+                <a:cs typeface="+mn-cs"/>
+              </a:defRPr>
+            </a:lvl3pPr>
+            <a:lvl4pPr marL="1543050" indent="-171450" algn="l" defTabSz="457200" rtl="0" eaLnBrk="1" latinLnBrk="0" hangingPunct="1">
+              <a:spcBef>
+                <a:spcPct val="20000"/>
+              </a:spcBef>
+              <a:spcAft>
+                <a:spcPts val="600"/>
+              </a:spcAft>
+              <a:buClr>
+                <a:schemeClr val="accent1">
+                  <a:lumMod val="75000"/>
+                </a:schemeClr>
+              </a:buClr>
+              <a:buSzPct val="145000"/>
+              <a:buFont typeface="Arial"/>
+              <a:buChar char="•"/>
+              <a:defRPr sz="1600" kern="1200" cap="none">
+                <a:solidFill>
+                  <a:schemeClr val="tx1"/>
+                </a:solidFill>
+                <a:effectLst/>
+                <a:latin typeface="+mn-lt"/>
+                <a:ea typeface="+mn-ea"/>
+                <a:cs typeface="+mn-cs"/>
+              </a:defRPr>
+            </a:lvl4pPr>
+            <a:lvl5pPr marL="2000250" indent="-171450" algn="l" defTabSz="457200" rtl="0" eaLnBrk="1" latinLnBrk="0" hangingPunct="1">
+              <a:spcBef>
+                <a:spcPct val="20000"/>
+              </a:spcBef>
+              <a:spcAft>
+                <a:spcPts val="600"/>
+              </a:spcAft>
+              <a:buClr>
+                <a:schemeClr val="accent1">
+                  <a:lumMod val="75000"/>
+                </a:schemeClr>
+              </a:buClr>
+              <a:buSzPct val="145000"/>
+              <a:buFont typeface="Arial"/>
+              <a:buChar char="•"/>
+              <a:defRPr sz="1400" kern="1200" cap="none">
+                <a:solidFill>
+                  <a:schemeClr val="tx1"/>
+                </a:solidFill>
+                <a:effectLst/>
+                <a:latin typeface="+mn-lt"/>
+                <a:ea typeface="+mn-ea"/>
+                <a:cs typeface="+mn-cs"/>
+              </a:defRPr>
+            </a:lvl5pPr>
+            <a:lvl6pPr marL="2514600" indent="-228600" algn="l" defTabSz="457200" rtl="0" eaLnBrk="1" latinLnBrk="0" hangingPunct="1">
+              <a:spcBef>
+                <a:spcPct val="20000"/>
+              </a:spcBef>
+              <a:spcAft>
+                <a:spcPts val="600"/>
+              </a:spcAft>
+              <a:buClr>
+                <a:schemeClr val="accent1">
+                  <a:lumMod val="75000"/>
+                </a:schemeClr>
+              </a:buClr>
+              <a:buSzPct val="145000"/>
+              <a:buFont typeface="Arial"/>
+              <a:buChar char="•"/>
+              <a:defRPr sz="1400" kern="1200" cap="none">
+                <a:solidFill>
+                  <a:schemeClr val="tx1"/>
+                </a:solidFill>
+                <a:effectLst/>
+                <a:latin typeface="+mn-lt"/>
+                <a:ea typeface="+mn-ea"/>
+                <a:cs typeface="+mn-cs"/>
+              </a:defRPr>
+            </a:lvl6pPr>
+            <a:lvl7pPr marL="2971800" indent="-228600" algn="l" defTabSz="457200" rtl="0" eaLnBrk="1" latinLnBrk="0" hangingPunct="1">
+              <a:spcBef>
+                <a:spcPct val="20000"/>
+              </a:spcBef>
+              <a:spcAft>
+                <a:spcPts val="600"/>
+              </a:spcAft>
+              <a:buClr>
+                <a:schemeClr val="accent1">
+                  <a:lumMod val="75000"/>
+                </a:schemeClr>
+              </a:buClr>
+              <a:buSzPct val="145000"/>
+              <a:buFont typeface="Arial"/>
+              <a:buChar char="•"/>
+              <a:defRPr sz="1400" kern="1200" cap="none">
+                <a:solidFill>
+                  <a:schemeClr val="tx1"/>
+                </a:solidFill>
+                <a:effectLst/>
+                <a:latin typeface="+mn-lt"/>
+                <a:ea typeface="+mn-ea"/>
+                <a:cs typeface="+mn-cs"/>
+              </a:defRPr>
+            </a:lvl7pPr>
+            <a:lvl8pPr marL="3429000" indent="-228600" algn="l" defTabSz="457200" rtl="0" eaLnBrk="1" latinLnBrk="0" hangingPunct="1">
+              <a:spcBef>
+                <a:spcPct val="20000"/>
+              </a:spcBef>
+              <a:spcAft>
+                <a:spcPts val="600"/>
+              </a:spcAft>
+              <a:buClr>
+                <a:schemeClr val="accent1">
+                  <a:lumMod val="75000"/>
+                </a:schemeClr>
+              </a:buClr>
+              <a:buSzPct val="145000"/>
+              <a:buFont typeface="Arial"/>
+              <a:buChar char="•"/>
+              <a:defRPr sz="1400" kern="1200" cap="none">
+                <a:solidFill>
+                  <a:schemeClr val="tx1"/>
+                </a:solidFill>
+                <a:effectLst/>
+                <a:latin typeface="+mn-lt"/>
+                <a:ea typeface="+mn-ea"/>
+                <a:cs typeface="+mn-cs"/>
+              </a:defRPr>
+            </a:lvl8pPr>
+            <a:lvl9pPr marL="3886200" indent="-228600" algn="l" defTabSz="457200" rtl="0" eaLnBrk="1" latinLnBrk="0" hangingPunct="1">
+              <a:spcBef>
+                <a:spcPct val="20000"/>
+              </a:spcBef>
+              <a:spcAft>
+                <a:spcPts val="600"/>
+              </a:spcAft>
+              <a:buClr>
+                <a:schemeClr val="accent1">
+                  <a:lumMod val="75000"/>
+                </a:schemeClr>
+              </a:buClr>
+              <a:buSzPct val="145000"/>
+              <a:buFont typeface="Arial"/>
+              <a:buChar char="•"/>
+              <a:defRPr sz="1400" kern="1200" cap="none">
+                <a:solidFill>
+                  <a:schemeClr val="tx1"/>
+                </a:solidFill>
+                <a:effectLst/>
+                <a:latin typeface="+mn-lt"/>
+                <a:ea typeface="+mn-ea"/>
+                <a:cs typeface="+mn-cs"/>
+              </a:defRPr>
+            </a:lvl9pPr>
+          </a:lstStyle>
+          <a:p>
+            <a:pPr marL="0" indent="0">
+              <a:buNone/>
+            </a:pPr>
+            <a:r>
+              <a:rPr lang="de-DE" sz="1000" dirty="0" smtClean="0"/>
+              <a:t>Rem0 Röthlisberger, Eric </a:t>
+            </a:r>
+            <a:r>
+              <a:rPr lang="de-DE" sz="1000" dirty="0" err="1" smtClean="0"/>
+              <a:t>Lagger</a:t>
+            </a:r>
+            <a:r>
+              <a:rPr lang="de-DE" sz="1000" dirty="0" smtClean="0"/>
+              <a:t>, Vincent Hofer, Dean Klopsch, Aebi Ryan</a:t>
+            </a:r>
+            <a:endParaRPr lang="de-DE" sz="1000" dirty="0"/>
+          </a:p>
+        </p:txBody>
+      </p:sp>
+    </p:spTree>
+    <p:extLst>
+      <p:ext uri="{BB962C8B-B14F-4D97-AF65-F5344CB8AC3E}">
+        <p14:creationId xmlns:p14="http://schemas.microsoft.com/office/powerpoint/2010/main" val="1712723385"/>
+      </p:ext>
+    </p:extLst>
+  </p:cSld>
+  <p:clrMapOvr>
+    <a:masterClrMapping/>
+  </p:clrMapOvr>
+  <p:timing>
+    <p:tnLst>
+      <p:par>
+        <p:cTn xmlns:p14="http://schemas.microsoft.com/office/powerpoint/2010/main" id="1" dur="indefinite" restart="never" nodeType="tmRoot"/>
+      </p:par>
+    </p:tnLst>
+  </p:timing>
+</p:sld>
+</file>
+
+<file path=ppt/slides/slide9.xml><?xml version="1.0" encoding="utf-8"?>
+<p:sld xmlns:a="http://schemas.openxmlformats.org/drawingml/2006/main" xmlns:r="http://schemas.openxmlformats.org/officeDocument/2006/relationships" xmlns:p="http://schemas.openxmlformats.org/presentationml/2006/main">
+  <p:cSld>
+    <p:spTree>
+      <p:nvGrpSpPr>
+        <p:cNvPr id="1" name=""/>
+        <p:cNvGrpSpPr/>
+        <p:nvPr/>
+      </p:nvGrpSpPr>
+      <p:grpSpPr>
+        <a:xfrm>
+          <a:off x="0" y="0"/>
+          <a:ext cx="0" cy="0"/>
+          <a:chOff x="0" y="0"/>
+          <a:chExt cx="0" cy="0"/>
+        </a:xfrm>
+      </p:grpSpPr>
+      <p:sp>
+        <p:nvSpPr>
+          <p:cNvPr id="2" name="Titel 1"/>
+          <p:cNvSpPr>
+            <a:spLocks noGrp="1"/>
+          </p:cNvSpPr>
+          <p:nvPr>
+            <p:ph type="title"/>
+          </p:nvPr>
+        </p:nvSpPr>
         <p:spPr>
           <a:xfrm>
             <a:off x="810915" y="691116"/>
@@ -8901,8 +12653,8 @@
           <a:lstStyle/>
           <a:p>
             <a:r>
-              <a:rPr lang="de-DE" dirty="0" err="1"/>
-              <a:t>Resumeé</a:t>
+              <a:rPr lang="de-DE" dirty="0" err="1" smtClean="0"/>
+              <a:t>Questions</a:t>
             </a:r>
             <a:endParaRPr lang="de-DE" dirty="0"/>
           </a:p>
@@ -9262,722 +13014,6 @@
     <p:extLst>
       <p:ext uri="{BB962C8B-B14F-4D97-AF65-F5344CB8AC3E}">
         <p14:creationId xmlns:p14="http://schemas.microsoft.com/office/powerpoint/2010/main" val="1359672913"/>
-      </p:ext>
-    </p:extLst>
-  </p:cSld>
-  <p:clrMapOvr>
-    <a:masterClrMapping/>
-  </p:clrMapOvr>
-  <p:timing>
-    <p:tnLst>
-      <p:par>
-        <p:cTn xmlns:p14="http://schemas.microsoft.com/office/powerpoint/2010/main" id="1" dur="indefinite" restart="never" nodeType="tmRoot"/>
-      </p:par>
-    </p:tnLst>
-  </p:timing>
-</p:sld>
-</file>
-
-<file path=ppt/slides/slide8.xml><?xml version="1.0" encoding="utf-8"?>
-<p:sld xmlns:a="http://schemas.openxmlformats.org/drawingml/2006/main" xmlns:r="http://schemas.openxmlformats.org/officeDocument/2006/relationships" xmlns:p="http://schemas.openxmlformats.org/presentationml/2006/main">
-  <p:cSld>
-    <p:spTree>
-      <p:nvGrpSpPr>
-        <p:cNvPr id="1" name=""/>
-        <p:cNvGrpSpPr/>
-        <p:nvPr/>
-      </p:nvGrpSpPr>
-      <p:grpSpPr>
-        <a:xfrm>
-          <a:off x="0" y="0"/>
-          <a:ext cx="0" cy="0"/>
-          <a:chOff x="0" y="0"/>
-          <a:chExt cx="0" cy="0"/>
-        </a:xfrm>
-      </p:grpSpPr>
-      <p:sp>
-        <p:nvSpPr>
-          <p:cNvPr id="2" name="Titel 1"/>
-          <p:cNvSpPr>
-            <a:spLocks noGrp="1"/>
-          </p:cNvSpPr>
-          <p:nvPr>
-            <p:ph type="title"/>
-          </p:nvPr>
-        </p:nvSpPr>
-        <p:spPr/>
-        <p:txBody>
-          <a:bodyPr/>
-          <a:lstStyle/>
-          <a:p>
-            <a:r>
-              <a:rPr lang="de-DE" dirty="0" err="1" smtClean="0"/>
-              <a:t>Questions</a:t>
-            </a:r>
-            <a:r>
-              <a:rPr lang="de-DE" dirty="0" smtClean="0"/>
-              <a:t>?</a:t>
-            </a:r>
-            <a:endParaRPr lang="de-DE" dirty="0"/>
-          </a:p>
-        </p:txBody>
-      </p:sp>
-      <p:sp>
-        <p:nvSpPr>
-          <p:cNvPr id="3" name="Inhaltsplatzhalter 2"/>
-          <p:cNvSpPr>
-            <a:spLocks noGrp="1"/>
-          </p:cNvSpPr>
-          <p:nvPr>
-            <p:ph idx="1"/>
-          </p:nvPr>
-        </p:nvSpPr>
-        <p:spPr>
-          <a:xfrm>
-            <a:off x="1484310" y="2544726"/>
-            <a:ext cx="10018713" cy="2332074"/>
-          </a:xfrm>
-        </p:spPr>
-        <p:txBody>
-          <a:bodyPr>
-            <a:normAutofit/>
-          </a:bodyPr>
-          <a:lstStyle/>
-          <a:p>
-            <a:r>
-              <a:rPr lang="de-DE" sz="3000" dirty="0" err="1" smtClean="0"/>
-              <a:t>Questions</a:t>
-            </a:r>
-            <a:r>
-              <a:rPr lang="de-DE" sz="3000" dirty="0" smtClean="0"/>
-              <a:t>?</a:t>
-            </a:r>
-          </a:p>
-          <a:p>
-            <a:r>
-              <a:rPr lang="de-DE" sz="3000" dirty="0" smtClean="0"/>
-              <a:t>Comments?</a:t>
-            </a:r>
-          </a:p>
-          <a:p>
-            <a:r>
-              <a:rPr lang="de-DE" sz="3000" dirty="0" err="1" smtClean="0"/>
-              <a:t>Improvements</a:t>
-            </a:r>
-            <a:r>
-              <a:rPr lang="de-DE" sz="3000" dirty="0" smtClean="0"/>
-              <a:t>?</a:t>
-            </a:r>
-            <a:endParaRPr lang="de-DE" sz="3000" dirty="0"/>
-          </a:p>
-        </p:txBody>
-      </p:sp>
-      <p:sp>
-        <p:nvSpPr>
-          <p:cNvPr id="5" name="Inhaltsplatzhalter 2"/>
-          <p:cNvSpPr txBox="1">
-            <a:spLocks/>
-          </p:cNvSpPr>
-          <p:nvPr/>
-        </p:nvSpPr>
-        <p:spPr>
-          <a:xfrm>
-            <a:off x="8137451" y="-41565"/>
-            <a:ext cx="4054549" cy="370610"/>
-          </a:xfrm>
-          <a:prstGeom prst="rect">
-            <a:avLst/>
-          </a:prstGeom>
-        </p:spPr>
-        <p:txBody>
-          <a:bodyPr vert="horz" lIns="91440" tIns="45720" rIns="91440" bIns="45720" rtlCol="0" anchor="ctr">
-            <a:normAutofit/>
-          </a:bodyPr>
-          <a:lstStyle>
-            <a:lvl1pPr marL="285750" indent="-285750" algn="l" defTabSz="457200" rtl="0" eaLnBrk="1" latinLnBrk="0" hangingPunct="1">
-              <a:spcBef>
-                <a:spcPct val="20000"/>
-              </a:spcBef>
-              <a:spcAft>
-                <a:spcPts val="600"/>
-              </a:spcAft>
-              <a:buClr>
-                <a:schemeClr val="accent1">
-                  <a:lumMod val="75000"/>
-                </a:schemeClr>
-              </a:buClr>
-              <a:buSzPct val="145000"/>
-              <a:buFont typeface="Arial"/>
-              <a:buChar char="•"/>
-              <a:defRPr sz="2400" kern="1200" cap="none">
-                <a:solidFill>
-                  <a:schemeClr val="tx1"/>
-                </a:solidFill>
-                <a:effectLst/>
-                <a:latin typeface="+mn-lt"/>
-                <a:ea typeface="+mn-ea"/>
-                <a:cs typeface="+mn-cs"/>
-              </a:defRPr>
-            </a:lvl1pPr>
-            <a:lvl2pPr marL="742950" indent="-285750" algn="l" defTabSz="457200" rtl="0" eaLnBrk="1" latinLnBrk="0" hangingPunct="1">
-              <a:spcBef>
-                <a:spcPct val="20000"/>
-              </a:spcBef>
-              <a:spcAft>
-                <a:spcPts val="600"/>
-              </a:spcAft>
-              <a:buClr>
-                <a:schemeClr val="accent1">
-                  <a:lumMod val="75000"/>
-                </a:schemeClr>
-              </a:buClr>
-              <a:buSzPct val="145000"/>
-              <a:buFont typeface="Arial"/>
-              <a:buChar char="•"/>
-              <a:defRPr sz="2000" kern="1200" cap="none">
-                <a:solidFill>
-                  <a:schemeClr val="tx1"/>
-                </a:solidFill>
-                <a:effectLst/>
-                <a:latin typeface="+mn-lt"/>
-                <a:ea typeface="+mn-ea"/>
-                <a:cs typeface="+mn-cs"/>
-              </a:defRPr>
-            </a:lvl2pPr>
-            <a:lvl3pPr marL="1200150" indent="-285750" algn="l" defTabSz="457200" rtl="0" eaLnBrk="1" latinLnBrk="0" hangingPunct="1">
-              <a:spcBef>
-                <a:spcPct val="20000"/>
-              </a:spcBef>
-              <a:spcAft>
-                <a:spcPts val="600"/>
-              </a:spcAft>
-              <a:buClr>
-                <a:schemeClr val="accent1">
-                  <a:lumMod val="75000"/>
-                </a:schemeClr>
-              </a:buClr>
-              <a:buSzPct val="145000"/>
-              <a:buFont typeface="Arial"/>
-              <a:buChar char="•"/>
-              <a:defRPr sz="1800" kern="1200" cap="none">
-                <a:solidFill>
-                  <a:schemeClr val="tx1"/>
-                </a:solidFill>
-                <a:effectLst/>
-                <a:latin typeface="+mn-lt"/>
-                <a:ea typeface="+mn-ea"/>
-                <a:cs typeface="+mn-cs"/>
-              </a:defRPr>
-            </a:lvl3pPr>
-            <a:lvl4pPr marL="1543050" indent="-171450" algn="l" defTabSz="457200" rtl="0" eaLnBrk="1" latinLnBrk="0" hangingPunct="1">
-              <a:spcBef>
-                <a:spcPct val="20000"/>
-              </a:spcBef>
-              <a:spcAft>
-                <a:spcPts val="600"/>
-              </a:spcAft>
-              <a:buClr>
-                <a:schemeClr val="accent1">
-                  <a:lumMod val="75000"/>
-                </a:schemeClr>
-              </a:buClr>
-              <a:buSzPct val="145000"/>
-              <a:buFont typeface="Arial"/>
-              <a:buChar char="•"/>
-              <a:defRPr sz="1600" kern="1200" cap="none">
-                <a:solidFill>
-                  <a:schemeClr val="tx1"/>
-                </a:solidFill>
-                <a:effectLst/>
-                <a:latin typeface="+mn-lt"/>
-                <a:ea typeface="+mn-ea"/>
-                <a:cs typeface="+mn-cs"/>
-              </a:defRPr>
-            </a:lvl4pPr>
-            <a:lvl5pPr marL="2000250" indent="-171450" algn="l" defTabSz="457200" rtl="0" eaLnBrk="1" latinLnBrk="0" hangingPunct="1">
-              <a:spcBef>
-                <a:spcPct val="20000"/>
-              </a:spcBef>
-              <a:spcAft>
-                <a:spcPts val="600"/>
-              </a:spcAft>
-              <a:buClr>
-                <a:schemeClr val="accent1">
-                  <a:lumMod val="75000"/>
-                </a:schemeClr>
-              </a:buClr>
-              <a:buSzPct val="145000"/>
-              <a:buFont typeface="Arial"/>
-              <a:buChar char="•"/>
-              <a:defRPr sz="1400" kern="1200" cap="none">
-                <a:solidFill>
-                  <a:schemeClr val="tx1"/>
-                </a:solidFill>
-                <a:effectLst/>
-                <a:latin typeface="+mn-lt"/>
-                <a:ea typeface="+mn-ea"/>
-                <a:cs typeface="+mn-cs"/>
-              </a:defRPr>
-            </a:lvl5pPr>
-            <a:lvl6pPr marL="2514600" indent="-228600" algn="l" defTabSz="457200" rtl="0" eaLnBrk="1" latinLnBrk="0" hangingPunct="1">
-              <a:spcBef>
-                <a:spcPct val="20000"/>
-              </a:spcBef>
-              <a:spcAft>
-                <a:spcPts val="600"/>
-              </a:spcAft>
-              <a:buClr>
-                <a:schemeClr val="accent1">
-                  <a:lumMod val="75000"/>
-                </a:schemeClr>
-              </a:buClr>
-              <a:buSzPct val="145000"/>
-              <a:buFont typeface="Arial"/>
-              <a:buChar char="•"/>
-              <a:defRPr sz="1400" kern="1200" cap="none">
-                <a:solidFill>
-                  <a:schemeClr val="tx1"/>
-                </a:solidFill>
-                <a:effectLst/>
-                <a:latin typeface="+mn-lt"/>
-                <a:ea typeface="+mn-ea"/>
-                <a:cs typeface="+mn-cs"/>
-              </a:defRPr>
-            </a:lvl6pPr>
-            <a:lvl7pPr marL="2971800" indent="-228600" algn="l" defTabSz="457200" rtl="0" eaLnBrk="1" latinLnBrk="0" hangingPunct="1">
-              <a:spcBef>
-                <a:spcPct val="20000"/>
-              </a:spcBef>
-              <a:spcAft>
-                <a:spcPts val="600"/>
-              </a:spcAft>
-              <a:buClr>
-                <a:schemeClr val="accent1">
-                  <a:lumMod val="75000"/>
-                </a:schemeClr>
-              </a:buClr>
-              <a:buSzPct val="145000"/>
-              <a:buFont typeface="Arial"/>
-              <a:buChar char="•"/>
-              <a:defRPr sz="1400" kern="1200" cap="none">
-                <a:solidFill>
-                  <a:schemeClr val="tx1"/>
-                </a:solidFill>
-                <a:effectLst/>
-                <a:latin typeface="+mn-lt"/>
-                <a:ea typeface="+mn-ea"/>
-                <a:cs typeface="+mn-cs"/>
-              </a:defRPr>
-            </a:lvl7pPr>
-            <a:lvl8pPr marL="3429000" indent="-228600" algn="l" defTabSz="457200" rtl="0" eaLnBrk="1" latinLnBrk="0" hangingPunct="1">
-              <a:spcBef>
-                <a:spcPct val="20000"/>
-              </a:spcBef>
-              <a:spcAft>
-                <a:spcPts val="600"/>
-              </a:spcAft>
-              <a:buClr>
-                <a:schemeClr val="accent1">
-                  <a:lumMod val="75000"/>
-                </a:schemeClr>
-              </a:buClr>
-              <a:buSzPct val="145000"/>
-              <a:buFont typeface="Arial"/>
-              <a:buChar char="•"/>
-              <a:defRPr sz="1400" kern="1200" cap="none">
-                <a:solidFill>
-                  <a:schemeClr val="tx1"/>
-                </a:solidFill>
-                <a:effectLst/>
-                <a:latin typeface="+mn-lt"/>
-                <a:ea typeface="+mn-ea"/>
-                <a:cs typeface="+mn-cs"/>
-              </a:defRPr>
-            </a:lvl8pPr>
-            <a:lvl9pPr marL="3886200" indent="-228600" algn="l" defTabSz="457200" rtl="0" eaLnBrk="1" latinLnBrk="0" hangingPunct="1">
-              <a:spcBef>
-                <a:spcPct val="20000"/>
-              </a:spcBef>
-              <a:spcAft>
-                <a:spcPts val="600"/>
-              </a:spcAft>
-              <a:buClr>
-                <a:schemeClr val="accent1">
-                  <a:lumMod val="75000"/>
-                </a:schemeClr>
-              </a:buClr>
-              <a:buSzPct val="145000"/>
-              <a:buFont typeface="Arial"/>
-              <a:buChar char="•"/>
-              <a:defRPr sz="1400" kern="1200" cap="none">
-                <a:solidFill>
-                  <a:schemeClr val="tx1"/>
-                </a:solidFill>
-                <a:effectLst/>
-                <a:latin typeface="+mn-lt"/>
-                <a:ea typeface="+mn-ea"/>
-                <a:cs typeface="+mn-cs"/>
-              </a:defRPr>
-            </a:lvl9pPr>
-          </a:lstStyle>
-          <a:p>
-            <a:pPr marL="0" indent="0">
-              <a:buNone/>
-            </a:pPr>
-            <a:r>
-              <a:rPr lang="de-DE" sz="1000" dirty="0" smtClean="0"/>
-              <a:t>Rem0 Röthlisberger, Eric </a:t>
-            </a:r>
-            <a:r>
-              <a:rPr lang="de-DE" sz="1000" dirty="0" err="1" smtClean="0"/>
-              <a:t>Lagger</a:t>
-            </a:r>
-            <a:r>
-              <a:rPr lang="de-DE" sz="1000" dirty="0" smtClean="0"/>
-              <a:t>, Vincent Hofer, Dean Klopsch, Aebi Ryan</a:t>
-            </a:r>
-            <a:endParaRPr lang="de-DE" sz="1000" dirty="0"/>
-          </a:p>
-        </p:txBody>
-      </p:sp>
-    </p:spTree>
-    <p:extLst>
-      <p:ext uri="{BB962C8B-B14F-4D97-AF65-F5344CB8AC3E}">
-        <p14:creationId xmlns:p14="http://schemas.microsoft.com/office/powerpoint/2010/main" val="793103042"/>
-      </p:ext>
-    </p:extLst>
-  </p:cSld>
-  <p:clrMapOvr>
-    <a:masterClrMapping/>
-  </p:clrMapOvr>
-  <p:timing>
-    <p:tnLst>
-      <p:par>
-        <p:cTn xmlns:p14="http://schemas.microsoft.com/office/powerpoint/2010/main" id="1" dur="indefinite" restart="never" nodeType="tmRoot"/>
-      </p:par>
-    </p:tnLst>
-  </p:timing>
-</p:sld>
-</file>
-
-<file path=ppt/slides/slide9.xml><?xml version="1.0" encoding="utf-8"?>
-<p:sld xmlns:a="http://schemas.openxmlformats.org/drawingml/2006/main" xmlns:r="http://schemas.openxmlformats.org/officeDocument/2006/relationships" xmlns:p="http://schemas.openxmlformats.org/presentationml/2006/main">
-  <p:cSld>
-    <p:spTree>
-      <p:nvGrpSpPr>
-        <p:cNvPr id="1" name=""/>
-        <p:cNvGrpSpPr/>
-        <p:nvPr/>
-      </p:nvGrpSpPr>
-      <p:grpSpPr>
-        <a:xfrm>
-          <a:off x="0" y="0"/>
-          <a:ext cx="0" cy="0"/>
-          <a:chOff x="0" y="0"/>
-          <a:chExt cx="0" cy="0"/>
-        </a:xfrm>
-      </p:grpSpPr>
-      <p:pic>
-        <p:nvPicPr>
-          <p:cNvPr id="4" name="Inhaltsplatzhalter 3"/>
-          <p:cNvPicPr>
-            <a:picLocks noGrp="1" noChangeAspect="1"/>
-          </p:cNvPicPr>
-          <p:nvPr>
-            <p:ph idx="1"/>
-          </p:nvPr>
-        </p:nvPicPr>
-        <p:blipFill>
-          <a:blip r:embed="rId2">
-            <a:extLst>
-              <a:ext uri="{28A0092B-C50C-407E-A947-70E740481C1C}">
-                <a14:useLocalDpi xmlns:a14="http://schemas.microsoft.com/office/drawing/2010/main" val="0"/>
-              </a:ext>
-            </a:extLst>
-          </a:blip>
-          <a:stretch>
-            <a:fillRect/>
-          </a:stretch>
-        </p:blipFill>
-        <p:spPr>
-          <a:xfrm>
-            <a:off x="3325091" y="589467"/>
-            <a:ext cx="5458042" cy="5458042"/>
-          </a:xfrm>
-        </p:spPr>
-      </p:pic>
-      <p:sp>
-        <p:nvSpPr>
-          <p:cNvPr id="6" name="Inhaltsplatzhalter 2"/>
-          <p:cNvSpPr txBox="1">
-            <a:spLocks/>
-          </p:cNvSpPr>
-          <p:nvPr/>
-        </p:nvSpPr>
-        <p:spPr>
-          <a:xfrm>
-            <a:off x="8137451" y="-41565"/>
-            <a:ext cx="4054549" cy="370610"/>
-          </a:xfrm>
-          <a:prstGeom prst="rect">
-            <a:avLst/>
-          </a:prstGeom>
-        </p:spPr>
-        <p:txBody>
-          <a:bodyPr vert="horz" lIns="91440" tIns="45720" rIns="91440" bIns="45720" rtlCol="0" anchor="ctr">
-            <a:normAutofit/>
-          </a:bodyPr>
-          <a:lstStyle>
-            <a:lvl1pPr marL="285750" indent="-285750" algn="l" defTabSz="457200" rtl="0" eaLnBrk="1" latinLnBrk="0" hangingPunct="1">
-              <a:spcBef>
-                <a:spcPct val="20000"/>
-              </a:spcBef>
-              <a:spcAft>
-                <a:spcPts val="600"/>
-              </a:spcAft>
-              <a:buClr>
-                <a:schemeClr val="accent1">
-                  <a:lumMod val="75000"/>
-                </a:schemeClr>
-              </a:buClr>
-              <a:buSzPct val="145000"/>
-              <a:buFont typeface="Arial"/>
-              <a:buChar char="•"/>
-              <a:defRPr sz="2400" kern="1200" cap="none">
-                <a:solidFill>
-                  <a:schemeClr val="tx1"/>
-                </a:solidFill>
-                <a:effectLst/>
-                <a:latin typeface="+mn-lt"/>
-                <a:ea typeface="+mn-ea"/>
-                <a:cs typeface="+mn-cs"/>
-              </a:defRPr>
-            </a:lvl1pPr>
-            <a:lvl2pPr marL="742950" indent="-285750" algn="l" defTabSz="457200" rtl="0" eaLnBrk="1" latinLnBrk="0" hangingPunct="1">
-              <a:spcBef>
-                <a:spcPct val="20000"/>
-              </a:spcBef>
-              <a:spcAft>
-                <a:spcPts val="600"/>
-              </a:spcAft>
-              <a:buClr>
-                <a:schemeClr val="accent1">
-                  <a:lumMod val="75000"/>
-                </a:schemeClr>
-              </a:buClr>
-              <a:buSzPct val="145000"/>
-              <a:buFont typeface="Arial"/>
-              <a:buChar char="•"/>
-              <a:defRPr sz="2000" kern="1200" cap="none">
-                <a:solidFill>
-                  <a:schemeClr val="tx1"/>
-                </a:solidFill>
-                <a:effectLst/>
-                <a:latin typeface="+mn-lt"/>
-                <a:ea typeface="+mn-ea"/>
-                <a:cs typeface="+mn-cs"/>
-              </a:defRPr>
-            </a:lvl2pPr>
-            <a:lvl3pPr marL="1200150" indent="-285750" algn="l" defTabSz="457200" rtl="0" eaLnBrk="1" latinLnBrk="0" hangingPunct="1">
-              <a:spcBef>
-                <a:spcPct val="20000"/>
-              </a:spcBef>
-              <a:spcAft>
-                <a:spcPts val="600"/>
-              </a:spcAft>
-              <a:buClr>
-                <a:schemeClr val="accent1">
-                  <a:lumMod val="75000"/>
-                </a:schemeClr>
-              </a:buClr>
-              <a:buSzPct val="145000"/>
-              <a:buFont typeface="Arial"/>
-              <a:buChar char="•"/>
-              <a:defRPr sz="1800" kern="1200" cap="none">
-                <a:solidFill>
-                  <a:schemeClr val="tx1"/>
-                </a:solidFill>
-                <a:effectLst/>
-                <a:latin typeface="+mn-lt"/>
-                <a:ea typeface="+mn-ea"/>
-                <a:cs typeface="+mn-cs"/>
-              </a:defRPr>
-            </a:lvl3pPr>
-            <a:lvl4pPr marL="1543050" indent="-171450" algn="l" defTabSz="457200" rtl="0" eaLnBrk="1" latinLnBrk="0" hangingPunct="1">
-              <a:spcBef>
-                <a:spcPct val="20000"/>
-              </a:spcBef>
-              <a:spcAft>
-                <a:spcPts val="600"/>
-              </a:spcAft>
-              <a:buClr>
-                <a:schemeClr val="accent1">
-                  <a:lumMod val="75000"/>
-                </a:schemeClr>
-              </a:buClr>
-              <a:buSzPct val="145000"/>
-              <a:buFont typeface="Arial"/>
-              <a:buChar char="•"/>
-              <a:defRPr sz="1600" kern="1200" cap="none">
-                <a:solidFill>
-                  <a:schemeClr val="tx1"/>
-                </a:solidFill>
-                <a:effectLst/>
-                <a:latin typeface="+mn-lt"/>
-                <a:ea typeface="+mn-ea"/>
-                <a:cs typeface="+mn-cs"/>
-              </a:defRPr>
-            </a:lvl4pPr>
-            <a:lvl5pPr marL="2000250" indent="-171450" algn="l" defTabSz="457200" rtl="0" eaLnBrk="1" latinLnBrk="0" hangingPunct="1">
-              <a:spcBef>
-                <a:spcPct val="20000"/>
-              </a:spcBef>
-              <a:spcAft>
-                <a:spcPts val="600"/>
-              </a:spcAft>
-              <a:buClr>
-                <a:schemeClr val="accent1">
-                  <a:lumMod val="75000"/>
-                </a:schemeClr>
-              </a:buClr>
-              <a:buSzPct val="145000"/>
-              <a:buFont typeface="Arial"/>
-              <a:buChar char="•"/>
-              <a:defRPr sz="1400" kern="1200" cap="none">
-                <a:solidFill>
-                  <a:schemeClr val="tx1"/>
-                </a:solidFill>
-                <a:effectLst/>
-                <a:latin typeface="+mn-lt"/>
-                <a:ea typeface="+mn-ea"/>
-                <a:cs typeface="+mn-cs"/>
-              </a:defRPr>
-            </a:lvl5pPr>
-            <a:lvl6pPr marL="2514600" indent="-228600" algn="l" defTabSz="457200" rtl="0" eaLnBrk="1" latinLnBrk="0" hangingPunct="1">
-              <a:spcBef>
-                <a:spcPct val="20000"/>
-              </a:spcBef>
-              <a:spcAft>
-                <a:spcPts val="600"/>
-              </a:spcAft>
-              <a:buClr>
-                <a:schemeClr val="accent1">
-                  <a:lumMod val="75000"/>
-                </a:schemeClr>
-              </a:buClr>
-              <a:buSzPct val="145000"/>
-              <a:buFont typeface="Arial"/>
-              <a:buChar char="•"/>
-              <a:defRPr sz="1400" kern="1200" cap="none">
-                <a:solidFill>
-                  <a:schemeClr val="tx1"/>
-                </a:solidFill>
-                <a:effectLst/>
-                <a:latin typeface="+mn-lt"/>
-                <a:ea typeface="+mn-ea"/>
-                <a:cs typeface="+mn-cs"/>
-              </a:defRPr>
-            </a:lvl6pPr>
-            <a:lvl7pPr marL="2971800" indent="-228600" algn="l" defTabSz="457200" rtl="0" eaLnBrk="1" latinLnBrk="0" hangingPunct="1">
-              <a:spcBef>
-                <a:spcPct val="20000"/>
-              </a:spcBef>
-              <a:spcAft>
-                <a:spcPts val="600"/>
-              </a:spcAft>
-              <a:buClr>
-                <a:schemeClr val="accent1">
-                  <a:lumMod val="75000"/>
-                </a:schemeClr>
-              </a:buClr>
-              <a:buSzPct val="145000"/>
-              <a:buFont typeface="Arial"/>
-              <a:buChar char="•"/>
-              <a:defRPr sz="1400" kern="1200" cap="none">
-                <a:solidFill>
-                  <a:schemeClr val="tx1"/>
-                </a:solidFill>
-                <a:effectLst/>
-                <a:latin typeface="+mn-lt"/>
-                <a:ea typeface="+mn-ea"/>
-                <a:cs typeface="+mn-cs"/>
-              </a:defRPr>
-            </a:lvl7pPr>
-            <a:lvl8pPr marL="3429000" indent="-228600" algn="l" defTabSz="457200" rtl="0" eaLnBrk="1" latinLnBrk="0" hangingPunct="1">
-              <a:spcBef>
-                <a:spcPct val="20000"/>
-              </a:spcBef>
-              <a:spcAft>
-                <a:spcPts val="600"/>
-              </a:spcAft>
-              <a:buClr>
-                <a:schemeClr val="accent1">
-                  <a:lumMod val="75000"/>
-                </a:schemeClr>
-              </a:buClr>
-              <a:buSzPct val="145000"/>
-              <a:buFont typeface="Arial"/>
-              <a:buChar char="•"/>
-              <a:defRPr sz="1400" kern="1200" cap="none">
-                <a:solidFill>
-                  <a:schemeClr val="tx1"/>
-                </a:solidFill>
-                <a:effectLst/>
-                <a:latin typeface="+mn-lt"/>
-                <a:ea typeface="+mn-ea"/>
-                <a:cs typeface="+mn-cs"/>
-              </a:defRPr>
-            </a:lvl8pPr>
-            <a:lvl9pPr marL="3886200" indent="-228600" algn="l" defTabSz="457200" rtl="0" eaLnBrk="1" latinLnBrk="0" hangingPunct="1">
-              <a:spcBef>
-                <a:spcPct val="20000"/>
-              </a:spcBef>
-              <a:spcAft>
-                <a:spcPts val="600"/>
-              </a:spcAft>
-              <a:buClr>
-                <a:schemeClr val="accent1">
-                  <a:lumMod val="75000"/>
-                </a:schemeClr>
-              </a:buClr>
-              <a:buSzPct val="145000"/>
-              <a:buFont typeface="Arial"/>
-              <a:buChar char="•"/>
-              <a:defRPr sz="1400" kern="1200" cap="none">
-                <a:solidFill>
-                  <a:schemeClr val="tx1"/>
-                </a:solidFill>
-                <a:effectLst/>
-                <a:latin typeface="+mn-lt"/>
-                <a:ea typeface="+mn-ea"/>
-                <a:cs typeface="+mn-cs"/>
-              </a:defRPr>
-            </a:lvl9pPr>
-          </a:lstStyle>
-          <a:p>
-            <a:pPr marL="0" indent="0">
-              <a:buNone/>
-            </a:pPr>
-            <a:r>
-              <a:rPr lang="de-DE" sz="1000" dirty="0" smtClean="0"/>
-              <a:t>Rem0 Röthlisberger, Eric </a:t>
-            </a:r>
-            <a:r>
-              <a:rPr lang="de-DE" sz="1000" dirty="0" err="1" smtClean="0"/>
-              <a:t>Lagger</a:t>
-            </a:r>
-            <a:r>
-              <a:rPr lang="de-DE" sz="1000" dirty="0" smtClean="0"/>
-              <a:t>, Vincent Hofer, Dean Klopsch, Aebi Ryan</a:t>
-            </a:r>
-            <a:endParaRPr lang="de-DE" sz="1000" dirty="0"/>
-          </a:p>
-        </p:txBody>
-      </p:sp>
-    </p:spTree>
-    <p:extLst>
-      <p:ext uri="{BB962C8B-B14F-4D97-AF65-F5344CB8AC3E}">
-        <p14:creationId xmlns:p14="http://schemas.microsoft.com/office/powerpoint/2010/main" val="4059518843"/>
       </p:ext>
     </p:extLst>
   </p:cSld>
@@ -10244,8 +13280,328 @@
   <a:extraClrSchemeLst/>
   <a:extLst>
     <a:ext uri="{05A4C25C-085E-4340-85A3-A5531E510DB2}">
-      <thm15:themeFamily xmlns:thm15="http://schemas.microsoft.com/office/thememl/2012/main" xmlns="" name="Parallax" id="{3388167B-A2EB-4685-9635-1831D9AEF8C4}" vid="{4F7A876A-7598-49CA-AFC8-8EDA2551E4A7}"/>
+      <thm15:themeFamily xmlns="" xmlns:thm15="http://schemas.microsoft.com/office/thememl/2012/main" name="Parallax" id="{3388167B-A2EB-4685-9635-1831D9AEF8C4}" vid="{4F7A876A-7598-49CA-AFC8-8EDA2551E4A7}"/>
     </a:ext>
   </a:extLst>
 </a:theme>
+</file>
+
+<file path=ppt/theme/theme2.xml><?xml version="1.0" encoding="utf-8"?>
+<a:theme xmlns:a="http://schemas.openxmlformats.org/drawingml/2006/main" name="Office-Design">
+  <a:themeElements>
+    <a:clrScheme name="Office">
+      <a:dk1>
+        <a:sysClr val="windowText" lastClr="000000"/>
+      </a:dk1>
+      <a:lt1>
+        <a:sysClr val="window" lastClr="FFFFFF"/>
+      </a:lt1>
+      <a:dk2>
+        <a:srgbClr val="1F497D"/>
+      </a:dk2>
+      <a:lt2>
+        <a:srgbClr val="EEECE1"/>
+      </a:lt2>
+      <a:accent1>
+        <a:srgbClr val="4F81BD"/>
+      </a:accent1>
+      <a:accent2>
+        <a:srgbClr val="C0504D"/>
+      </a:accent2>
+      <a:accent3>
+        <a:srgbClr val="9BBB59"/>
+      </a:accent3>
+      <a:accent4>
+        <a:srgbClr val="8064A2"/>
+      </a:accent4>
+      <a:accent5>
+        <a:srgbClr val="4BACC6"/>
+      </a:accent5>
+      <a:accent6>
+        <a:srgbClr val="F79646"/>
+      </a:accent6>
+      <a:hlink>
+        <a:srgbClr val="0000FF"/>
+      </a:hlink>
+      <a:folHlink>
+        <a:srgbClr val="800080"/>
+      </a:folHlink>
+    </a:clrScheme>
+    <a:fontScheme name="Office">
+      <a:majorFont>
+        <a:latin typeface="Calibri"/>
+        <a:ea typeface=""/>
+        <a:cs typeface=""/>
+        <a:font script="Jpan" typeface="ＭＳ Ｐゴシック"/>
+        <a:font script="Hang" typeface="맑은 고딕"/>
+        <a:font script="Hans" typeface="宋体"/>
+        <a:font script="Hant" typeface="新細明體"/>
+        <a:font script="Arab" typeface="Times New Roman"/>
+        <a:font script="Hebr" typeface="Times New Roman"/>
+        <a:font script="Thai" typeface="Angsana New"/>
+        <a:font script="Ethi" typeface="Nyala"/>
+        <a:font script="Beng" typeface="Vrinda"/>
+        <a:font script="Gujr" typeface="Shruti"/>
+        <a:font script="Khmr" typeface="MoolBoran"/>
+        <a:font script="Knda" typeface="Tunga"/>
+        <a:font script="Guru" typeface="Raavi"/>
+        <a:font script="Cans" typeface="Euphemia"/>
+        <a:font script="Cher" typeface="Plantagenet Cherokee"/>
+        <a:font script="Yiii" typeface="Microsoft Yi Baiti"/>
+        <a:font script="Tibt" typeface="Microsoft Himalaya"/>
+        <a:font script="Thaa" typeface="MV Boli"/>
+        <a:font script="Deva" typeface="Mangal"/>
+        <a:font script="Telu" typeface="Gautami"/>
+        <a:font script="Taml" typeface="Latha"/>
+        <a:font script="Syrc" typeface="Estrangelo Edessa"/>
+        <a:font script="Orya" typeface="Kalinga"/>
+        <a:font script="Mlym" typeface="Kartika"/>
+        <a:font script="Laoo" typeface="DokChampa"/>
+        <a:font script="Sinh" typeface="Iskoola Pota"/>
+        <a:font script="Mong" typeface="Mongolian Baiti"/>
+        <a:font script="Viet" typeface="Times New Roman"/>
+        <a:font script="Uigh" typeface="Microsoft Uighur"/>
+        <a:font script="Geor" typeface="Sylfaen"/>
+      </a:majorFont>
+      <a:minorFont>
+        <a:latin typeface="Calibri"/>
+        <a:ea typeface=""/>
+        <a:cs typeface=""/>
+        <a:font script="Jpan" typeface="ＭＳ Ｐゴシック"/>
+        <a:font script="Hang" typeface="맑은 고딕"/>
+        <a:font script="Hans" typeface="宋体"/>
+        <a:font script="Hant" typeface="新細明體"/>
+        <a:font script="Arab" typeface="Arial"/>
+        <a:font script="Hebr" typeface="Arial"/>
+        <a:font script="Thai" typeface="Cordia New"/>
+        <a:font script="Ethi" typeface="Nyala"/>
+        <a:font script="Beng" typeface="Vrinda"/>
+        <a:font script="Gujr" typeface="Shruti"/>
+        <a:font script="Khmr" typeface="DaunPenh"/>
+        <a:font script="Knda" typeface="Tunga"/>
+        <a:font script="Guru" typeface="Raavi"/>
+        <a:font script="Cans" typeface="Euphemia"/>
+        <a:font script="Cher" typeface="Plantagenet Cherokee"/>
+        <a:font script="Yiii" typeface="Microsoft Yi Baiti"/>
+        <a:font script="Tibt" typeface="Microsoft Himalaya"/>
+        <a:font script="Thaa" typeface="MV Boli"/>
+        <a:font script="Deva" typeface="Mangal"/>
+        <a:font script="Telu" typeface="Gautami"/>
+        <a:font script="Taml" typeface="Latha"/>
+        <a:font script="Syrc" typeface="Estrangelo Edessa"/>
+        <a:font script="Orya" typeface="Kalinga"/>
+        <a:font script="Mlym" typeface="Kartika"/>
+        <a:font script="Laoo" typeface="DokChampa"/>
+        <a:font script="Sinh" typeface="Iskoola Pota"/>
+        <a:font script="Mong" typeface="Mongolian Baiti"/>
+        <a:font script="Viet" typeface="Arial"/>
+        <a:font script="Uigh" typeface="Microsoft Uighur"/>
+        <a:font script="Geor" typeface="Sylfaen"/>
+      </a:minorFont>
+    </a:fontScheme>
+    <a:fmtScheme name="Office">
+      <a:fillStyleLst>
+        <a:solidFill>
+          <a:schemeClr val="phClr"/>
+        </a:solidFill>
+        <a:gradFill rotWithShape="1">
+          <a:gsLst>
+            <a:gs pos="0">
+              <a:schemeClr val="phClr">
+                <a:tint val="50000"/>
+                <a:satMod val="300000"/>
+              </a:schemeClr>
+            </a:gs>
+            <a:gs pos="35000">
+              <a:schemeClr val="phClr">
+                <a:tint val="37000"/>
+                <a:satMod val="300000"/>
+              </a:schemeClr>
+            </a:gs>
+            <a:gs pos="100000">
+              <a:schemeClr val="phClr">
+                <a:tint val="15000"/>
+                <a:satMod val="350000"/>
+              </a:schemeClr>
+            </a:gs>
+          </a:gsLst>
+          <a:lin ang="16200000" scaled="1"/>
+        </a:gradFill>
+        <a:gradFill rotWithShape="1">
+          <a:gsLst>
+            <a:gs pos="0">
+              <a:schemeClr val="phClr">
+                <a:tint val="100000"/>
+                <a:shade val="100000"/>
+                <a:satMod val="130000"/>
+              </a:schemeClr>
+            </a:gs>
+            <a:gs pos="100000">
+              <a:schemeClr val="phClr">
+                <a:tint val="50000"/>
+                <a:shade val="100000"/>
+                <a:satMod val="350000"/>
+              </a:schemeClr>
+            </a:gs>
+          </a:gsLst>
+          <a:lin ang="16200000" scaled="0"/>
+        </a:gradFill>
+      </a:fillStyleLst>
+      <a:lnStyleLst>
+        <a:ln w="9525" cap="flat" cmpd="sng" algn="ctr">
+          <a:solidFill>
+            <a:schemeClr val="phClr">
+              <a:shade val="95000"/>
+              <a:satMod val="105000"/>
+            </a:schemeClr>
+          </a:solidFill>
+          <a:prstDash val="solid"/>
+        </a:ln>
+        <a:ln w="25400" cap="flat" cmpd="sng" algn="ctr">
+          <a:solidFill>
+            <a:schemeClr val="phClr"/>
+          </a:solidFill>
+          <a:prstDash val="solid"/>
+        </a:ln>
+        <a:ln w="38100" cap="flat" cmpd="sng" algn="ctr">
+          <a:solidFill>
+            <a:schemeClr val="phClr"/>
+          </a:solidFill>
+          <a:prstDash val="solid"/>
+        </a:ln>
+      </a:lnStyleLst>
+      <a:effectStyleLst>
+        <a:effectStyle>
+          <a:effectLst>
+            <a:outerShdw blurRad="40000" dist="20000" dir="5400000" rotWithShape="0">
+              <a:srgbClr val="000000">
+                <a:alpha val="38000"/>
+              </a:srgbClr>
+            </a:outerShdw>
+          </a:effectLst>
+        </a:effectStyle>
+        <a:effectStyle>
+          <a:effectLst>
+            <a:outerShdw blurRad="40000" dist="23000" dir="5400000" rotWithShape="0">
+              <a:srgbClr val="000000">
+                <a:alpha val="35000"/>
+              </a:srgbClr>
+            </a:outerShdw>
+          </a:effectLst>
+        </a:effectStyle>
+        <a:effectStyle>
+          <a:effectLst>
+            <a:outerShdw blurRad="40000" dist="23000" dir="5400000" rotWithShape="0">
+              <a:srgbClr val="000000">
+                <a:alpha val="35000"/>
+              </a:srgbClr>
+            </a:outerShdw>
+          </a:effectLst>
+          <a:scene3d>
+            <a:camera prst="orthographicFront">
+              <a:rot lat="0" lon="0" rev="0"/>
+            </a:camera>
+            <a:lightRig rig="threePt" dir="t">
+              <a:rot lat="0" lon="0" rev="1200000"/>
+            </a:lightRig>
+          </a:scene3d>
+          <a:sp3d>
+            <a:bevelT w="63500" h="25400"/>
+          </a:sp3d>
+        </a:effectStyle>
+      </a:effectStyleLst>
+      <a:bgFillStyleLst>
+        <a:solidFill>
+          <a:schemeClr val="phClr"/>
+        </a:solidFill>
+        <a:gradFill rotWithShape="1">
+          <a:gsLst>
+            <a:gs pos="0">
+              <a:schemeClr val="phClr">
+                <a:tint val="40000"/>
+                <a:satMod val="350000"/>
+              </a:schemeClr>
+            </a:gs>
+            <a:gs pos="40000">
+              <a:schemeClr val="phClr">
+                <a:tint val="45000"/>
+                <a:shade val="99000"/>
+                <a:satMod val="350000"/>
+              </a:schemeClr>
+            </a:gs>
+            <a:gs pos="100000">
+              <a:schemeClr val="phClr">
+                <a:shade val="20000"/>
+                <a:satMod val="255000"/>
+              </a:schemeClr>
+            </a:gs>
+          </a:gsLst>
+          <a:path path="circle">
+            <a:fillToRect l="50000" t="-80000" r="50000" b="180000"/>
+          </a:path>
+        </a:gradFill>
+        <a:gradFill rotWithShape="1">
+          <a:gsLst>
+            <a:gs pos="0">
+              <a:schemeClr val="phClr">
+                <a:tint val="80000"/>
+                <a:satMod val="300000"/>
+              </a:schemeClr>
+            </a:gs>
+            <a:gs pos="100000">
+              <a:schemeClr val="phClr">
+                <a:shade val="30000"/>
+                <a:satMod val="200000"/>
+              </a:schemeClr>
+            </a:gs>
+          </a:gsLst>
+          <a:path path="circle">
+            <a:fillToRect l="50000" t="50000" r="50000" b="50000"/>
+          </a:path>
+        </a:gradFill>
+      </a:bgFillStyleLst>
+    </a:fmtScheme>
+  </a:themeElements>
+  <a:objectDefaults>
+    <a:spDef>
+      <a:spPr/>
+      <a:bodyPr/>
+      <a:lstStyle/>
+      <a:style>
+        <a:lnRef idx="1">
+          <a:schemeClr val="accent1"/>
+        </a:lnRef>
+        <a:fillRef idx="3">
+          <a:schemeClr val="accent1"/>
+        </a:fillRef>
+        <a:effectRef idx="2">
+          <a:schemeClr val="accent1"/>
+        </a:effectRef>
+        <a:fontRef idx="minor">
+          <a:schemeClr val="lt1"/>
+        </a:fontRef>
+      </a:style>
+    </a:spDef>
+    <a:lnDef>
+      <a:spPr/>
+      <a:bodyPr/>
+      <a:lstStyle/>
+      <a:style>
+        <a:lnRef idx="2">
+          <a:schemeClr val="accent1"/>
+        </a:lnRef>
+        <a:fillRef idx="0">
+          <a:schemeClr val="accent1"/>
+        </a:fillRef>
+        <a:effectRef idx="1">
+          <a:schemeClr val="accent1"/>
+        </a:effectRef>
+        <a:fontRef idx="minor">
+          <a:schemeClr val="tx1"/>
+        </a:fontRef>
+      </a:style>
+    </a:lnDef>
+  </a:objectDefaults>
+  <a:extraClrSchemeLst/>
+</a:theme>
 </file>
--- a/baseProject/presentation/Presentation-Team8.pptx
+++ b/baseProject/presentation/Presentation-Team8.pptx
@@ -5,19 +5,20 @@
     <p:sldMasterId id="2147483648" r:id="rId1"/>
   </p:sldMasterIdLst>
   <p:notesMasterIdLst>
-    <p:notesMasterId r:id="rId12"/>
+    <p:notesMasterId r:id="rId13"/>
   </p:notesMasterIdLst>
   <p:sldIdLst>
     <p:sldId id="256" r:id="rId2"/>
     <p:sldId id="257" r:id="rId3"/>
-    <p:sldId id="271" r:id="rId4"/>
-    <p:sldId id="260" r:id="rId5"/>
-    <p:sldId id="267" r:id="rId6"/>
-    <p:sldId id="268" r:id="rId7"/>
-    <p:sldId id="269" r:id="rId8"/>
-    <p:sldId id="270" r:id="rId9"/>
-    <p:sldId id="263" r:id="rId10"/>
-    <p:sldId id="266" r:id="rId11"/>
+    <p:sldId id="272" r:id="rId4"/>
+    <p:sldId id="273" r:id="rId5"/>
+    <p:sldId id="271" r:id="rId6"/>
+    <p:sldId id="260" r:id="rId7"/>
+    <p:sldId id="267" r:id="rId8"/>
+    <p:sldId id="268" r:id="rId9"/>
+    <p:sldId id="269" r:id="rId10"/>
+    <p:sldId id="263" r:id="rId11"/>
+    <p:sldId id="266" r:id="rId12"/>
   </p:sldIdLst>
   <p:sldSz cx="12192000" cy="6858000"/>
   <p:notesSz cx="6858000" cy="9144000"/>
@@ -131,16 +132,17 @@
         </p14:section>
         <p14:section name="System as is" id="{C1E30E7E-C0F7-5646-A502-7EA314218925}">
           <p14:sldIdLst>
+            <p14:sldId id="272"/>
+            <p14:sldId id="273"/>
             <p14:sldId id="271"/>
           </p14:sldIdLst>
         </p14:section>
-        <p14:section name="Main part - Use Case" id="{34E26F9E-4492-4736-9212-BE2309B9AB4E}">
+        <p14:section name="Main part - Walkthrough of the Use Case" id="{34E26F9E-4492-4736-9212-BE2309B9AB4E}">
           <p14:sldIdLst>
             <p14:sldId id="260"/>
             <p14:sldId id="267"/>
             <p14:sldId id="268"/>
             <p14:sldId id="269"/>
-            <p14:sldId id="270"/>
           </p14:sldIdLst>
         </p14:section>
         <p14:section name="Questions" id="{58102800-2E6E-4D72-AC91-8B0151A06D05}">
@@ -156,7 +158,7 @@
       </p14:sectionLst>
     </p:ext>
     <p:ext uri="{EFAFB233-063F-42B5-8137-9DF3F51BA10A}">
-      <p15:sldGuideLst xmlns="" xmlns:p15="http://schemas.microsoft.com/office/powerpoint/2012/main">
+      <p15:sldGuideLst xmlns:p15="http://schemas.microsoft.com/office/powerpoint/2012/main" xmlns="">
         <p15:guide id="1" orient="horz" pos="2160">
           <p15:clr>
             <a:srgbClr val="A4A3A4"/>
@@ -592,7 +594,7 @@
           <a:p>
             <a:fld id="{2F2847E0-1D0A-0F4B-99C8-E51199A5987D}" type="slidenum">
               <a:rPr lang="de-DE" smtClean="0"/>
-              <a:t>3</a:t>
+              <a:t>5</a:t>
             </a:fld>
             <a:endParaRPr lang="de-DE"/>
           </a:p>
@@ -990,7 +992,7 @@
           <a:p>
             <a:fld id="{2F2847E0-1D0A-0F4B-99C8-E51199A5987D}" type="slidenum">
               <a:rPr lang="de-DE" smtClean="0"/>
-              <a:t>4</a:t>
+              <a:t>6</a:t>
             </a:fld>
             <a:endParaRPr lang="de-DE"/>
           </a:p>
@@ -1168,7 +1170,7 @@
           <a:p>
             <a:fld id="{2F2847E0-1D0A-0F4B-99C8-E51199A5987D}" type="slidenum">
               <a:rPr lang="de-DE" smtClean="0"/>
-              <a:t>5</a:t>
+              <a:t>7</a:t>
             </a:fld>
             <a:endParaRPr lang="de-DE"/>
           </a:p>
@@ -1311,7 +1313,7 @@
           <a:p>
             <a:fld id="{2F2847E0-1D0A-0F4B-99C8-E51199A5987D}" type="slidenum">
               <a:rPr lang="de-DE" smtClean="0"/>
-              <a:t>6</a:t>
+              <a:t>8</a:t>
             </a:fld>
             <a:endParaRPr lang="de-DE"/>
           </a:p>
@@ -1475,93 +1477,71 @@
               <a:t>.</a:t>
             </a:r>
           </a:p>
-        </p:txBody>
-      </p:sp>
-      <p:sp>
-        <p:nvSpPr>
-          <p:cNvPr id="4" name="Foliennummernplatzhalter 3"/>
-          <p:cNvSpPr>
-            <a:spLocks noGrp="1"/>
-          </p:cNvSpPr>
-          <p:nvPr>
-            <p:ph type="sldNum" sz="quarter" idx="10"/>
-          </p:nvPr>
-        </p:nvSpPr>
-        <p:spPr/>
-        <p:txBody>
-          <a:bodyPr/>
-          <a:lstStyle/>
-          <a:p>
-            <a:fld id="{2F2847E0-1D0A-0F4B-99C8-E51199A5987D}" type="slidenum">
-              <a:rPr lang="de-DE" smtClean="0"/>
-              <a:t>7</a:t>
-            </a:fld>
-            <a:endParaRPr lang="de-DE"/>
-          </a:p>
-        </p:txBody>
-      </p:sp>
-    </p:spTree>
-    <p:extLst>
-      <p:ext uri="{BB962C8B-B14F-4D97-AF65-F5344CB8AC3E}">
-        <p14:creationId xmlns:p14="http://schemas.microsoft.com/office/powerpoint/2010/main" val="3137078353"/>
-      </p:ext>
-    </p:extLst>
-  </p:cSld>
-  <p:clrMapOvr>
-    <a:masterClrMapping/>
-  </p:clrMapOvr>
-</p:notes>
-</file>
-
-<file path=ppt/notesSlides/notesSlide6.xml><?xml version="1.0" encoding="utf-8"?>
-<p:notes xmlns:a="http://schemas.openxmlformats.org/drawingml/2006/main" xmlns:r="http://schemas.openxmlformats.org/officeDocument/2006/relationships" xmlns:p="http://schemas.openxmlformats.org/presentationml/2006/main">
-  <p:cSld>
-    <p:spTree>
-      <p:nvGrpSpPr>
-        <p:cNvPr id="1" name=""/>
-        <p:cNvGrpSpPr/>
-        <p:nvPr/>
-      </p:nvGrpSpPr>
-      <p:grpSpPr>
-        <a:xfrm>
-          <a:off x="0" y="0"/>
-          <a:ext cx="0" cy="0"/>
-          <a:chOff x="0" y="0"/>
-          <a:chExt cx="0" cy="0"/>
-        </a:xfrm>
-      </p:grpSpPr>
-      <p:sp>
-        <p:nvSpPr>
-          <p:cNvPr id="2" name="Folienbildplatzhalter 1"/>
-          <p:cNvSpPr>
-            <a:spLocks noGrp="1" noRot="1" noChangeAspect="1"/>
-          </p:cNvSpPr>
-          <p:nvPr>
-            <p:ph type="sldImg"/>
-          </p:nvPr>
-        </p:nvSpPr>
-        <p:spPr/>
-      </p:sp>
-      <p:sp>
-        <p:nvSpPr>
-          <p:cNvPr id="3" name="Notizenplatzhalter 2"/>
-          <p:cNvSpPr>
-            <a:spLocks noGrp="1"/>
-          </p:cNvSpPr>
-          <p:nvPr>
-            <p:ph type="body" idx="1"/>
-          </p:nvPr>
-        </p:nvSpPr>
-        <p:spPr/>
-        <p:txBody>
-          <a:bodyPr/>
-          <a:lstStyle/>
           <a:p>
             <a:pPr marL="171450" indent="-171450">
               <a:buFontTx/>
               <a:buChar char="-"/>
             </a:pPr>
             <a:r>
+              <a:rPr lang="de-DE" baseline="0" dirty="0" err="1" smtClean="0"/>
+              <a:t>Wait</a:t>
+            </a:r>
+            <a:r>
+              <a:rPr lang="de-DE" baseline="0" dirty="0" smtClean="0"/>
+              <a:t> </a:t>
+            </a:r>
+            <a:r>
+              <a:rPr lang="de-DE" baseline="0" dirty="0" err="1" smtClean="0"/>
+              <a:t>for</a:t>
+            </a:r>
+            <a:r>
+              <a:rPr lang="de-DE" baseline="0" dirty="0" smtClean="0"/>
+              <a:t> </a:t>
+            </a:r>
+            <a:r>
+              <a:rPr lang="de-DE" baseline="0" dirty="0" err="1" smtClean="0"/>
+              <a:t>the</a:t>
+            </a:r>
+            <a:r>
+              <a:rPr lang="de-DE" baseline="0" dirty="0" smtClean="0"/>
+              <a:t> </a:t>
+            </a:r>
+            <a:r>
+              <a:rPr lang="de-DE" baseline="0" dirty="0" err="1" smtClean="0"/>
+              <a:t>auction</a:t>
+            </a:r>
+            <a:r>
+              <a:rPr lang="de-DE" baseline="0" dirty="0" smtClean="0"/>
+              <a:t> </a:t>
+            </a:r>
+            <a:r>
+              <a:rPr lang="de-DE" baseline="0" dirty="0" err="1" smtClean="0"/>
+              <a:t>to</a:t>
+            </a:r>
+            <a:r>
+              <a:rPr lang="de-DE" baseline="0" dirty="0" smtClean="0"/>
+              <a:t> end</a:t>
+            </a:r>
+          </a:p>
+          <a:p>
+            <a:pPr marL="171450" marR="0" indent="-171450" algn="l" defTabSz="457200" rtl="0" eaLnBrk="1" fontAlgn="auto" latinLnBrk="0" hangingPunct="1">
+              <a:lnSpc>
+                <a:spcPct val="100000"/>
+              </a:lnSpc>
+              <a:spcBef>
+                <a:spcPts val="0"/>
+              </a:spcBef>
+              <a:spcAft>
+                <a:spcPts val="0"/>
+              </a:spcAft>
+              <a:buClrTx/>
+              <a:buSzTx/>
+              <a:buFontTx/>
+              <a:buChar char="-"/>
+              <a:tabLst/>
+              <a:defRPr/>
+            </a:pPr>
+            <a:r>
               <a:rPr lang="de-DE" baseline="0" dirty="0" smtClean="0"/>
               <a:t>Change </a:t>
             </a:r>
@@ -1694,7 +1674,7 @@
           <a:p>
             <a:fld id="{2F2847E0-1D0A-0F4B-99C8-E51199A5987D}" type="slidenum">
               <a:rPr lang="de-DE" smtClean="0"/>
-              <a:t>8</a:t>
+              <a:t>9</a:t>
             </a:fld>
             <a:endParaRPr lang="de-DE"/>
           </a:p>
@@ -8123,6 +8103,421 @@
           <a:chExt cx="0" cy="0"/>
         </a:xfrm>
       </p:grpSpPr>
+      <p:sp>
+        <p:nvSpPr>
+          <p:cNvPr id="2" name="Titel 1"/>
+          <p:cNvSpPr>
+            <a:spLocks noGrp="1"/>
+          </p:cNvSpPr>
+          <p:nvPr>
+            <p:ph type="title"/>
+          </p:nvPr>
+        </p:nvSpPr>
+        <p:spPr>
+          <a:xfrm>
+            <a:off x="810915" y="691116"/>
+            <a:ext cx="10018713" cy="1752599"/>
+          </a:xfrm>
+        </p:spPr>
+        <p:txBody>
+          <a:bodyPr/>
+          <a:lstStyle/>
+          <a:p>
+            <a:r>
+              <a:rPr lang="de-DE" dirty="0" err="1" smtClean="0"/>
+              <a:t>Questions</a:t>
+            </a:r>
+            <a:endParaRPr lang="de-DE" dirty="0"/>
+          </a:p>
+        </p:txBody>
+      </p:sp>
+      <p:pic>
+        <p:nvPicPr>
+          <p:cNvPr id="1028" name="Picture 4" descr="http://engelsk.arbejdstilsynet.dk/~/media/AT/at/03-Tilsyn/Smiley-ordning/green_smiley_130%20gif.gif"/>
+          <p:cNvPicPr>
+            <a:picLocks noChangeAspect="1" noChangeArrowheads="1"/>
+          </p:cNvPicPr>
+          <p:nvPr/>
+        </p:nvPicPr>
+        <p:blipFill>
+          <a:blip r:embed="rId2">
+            <a:extLst>
+              <a:ext uri="{28A0092B-C50C-407E-A947-70E740481C1C}">
+                <a14:useLocalDpi xmlns:a14="http://schemas.microsoft.com/office/drawing/2010/main" val="0"/>
+              </a:ext>
+            </a:extLst>
+          </a:blip>
+          <a:srcRect/>
+          <a:stretch>
+            <a:fillRect/>
+          </a:stretch>
+        </p:blipFill>
+        <p:spPr bwMode="auto">
+          <a:xfrm>
+            <a:off x="2939828" y="3172489"/>
+            <a:ext cx="1238250" cy="1238250"/>
+          </a:xfrm>
+          <a:prstGeom prst="rect">
+            <a:avLst/>
+          </a:prstGeom>
+          <a:noFill/>
+          <a:extLst>
+            <a:ext uri="{909E8E84-426E-40dd-AFC4-6F175D3DCCD1}">
+              <a14:hiddenFill xmlns:a14="http://schemas.microsoft.com/office/drawing/2010/main">
+                <a:solidFill>
+                  <a:srgbClr val="FFFFFF"/>
+                </a:solidFill>
+              </a14:hiddenFill>
+            </a:ext>
+          </a:extLst>
+        </p:spPr>
+      </p:pic>
+      <p:pic>
+        <p:nvPicPr>
+          <p:cNvPr id="1030" name="Picture 6" descr="http://engelsk.arbejdstilsynet.dk/~/media/AT/at/03-Tilsyn/Smiley-ordning/red_smiley_130%20gif.gif"/>
+          <p:cNvPicPr>
+            <a:picLocks noChangeAspect="1" noChangeArrowheads="1"/>
+          </p:cNvPicPr>
+          <p:nvPr/>
+        </p:nvPicPr>
+        <p:blipFill>
+          <a:blip r:embed="rId3">
+            <a:extLst>
+              <a:ext uri="{28A0092B-C50C-407E-A947-70E740481C1C}">
+                <a14:useLocalDpi xmlns:a14="http://schemas.microsoft.com/office/drawing/2010/main" val="0"/>
+              </a:ext>
+            </a:extLst>
+          </a:blip>
+          <a:srcRect/>
+          <a:stretch>
+            <a:fillRect/>
+          </a:stretch>
+        </p:blipFill>
+        <p:spPr bwMode="auto">
+          <a:xfrm>
+            <a:off x="7692061" y="3172489"/>
+            <a:ext cx="1238250" cy="1238250"/>
+          </a:xfrm>
+          <a:prstGeom prst="rect">
+            <a:avLst/>
+          </a:prstGeom>
+          <a:noFill/>
+          <a:extLst>
+            <a:ext uri="{909E8E84-426E-40dd-AFC4-6F175D3DCCD1}">
+              <a14:hiddenFill xmlns:a14="http://schemas.microsoft.com/office/drawing/2010/main">
+                <a:solidFill>
+                  <a:srgbClr val="FFFFFF"/>
+                </a:solidFill>
+              </a14:hiddenFill>
+            </a:ext>
+          </a:extLst>
+        </p:spPr>
+      </p:pic>
+      <p:sp>
+        <p:nvSpPr>
+          <p:cNvPr id="6" name="Inhaltsplatzhalter 2"/>
+          <p:cNvSpPr txBox="1">
+            <a:spLocks/>
+          </p:cNvSpPr>
+          <p:nvPr/>
+        </p:nvSpPr>
+        <p:spPr>
+          <a:xfrm>
+            <a:off x="8137451" y="-41565"/>
+            <a:ext cx="4054549" cy="370610"/>
+          </a:xfrm>
+          <a:prstGeom prst="rect">
+            <a:avLst/>
+          </a:prstGeom>
+        </p:spPr>
+        <p:txBody>
+          <a:bodyPr vert="horz" lIns="91440" tIns="45720" rIns="91440" bIns="45720" rtlCol="0" anchor="ctr">
+            <a:normAutofit/>
+          </a:bodyPr>
+          <a:lstStyle>
+            <a:lvl1pPr marL="285750" indent="-285750" algn="l" defTabSz="457200" rtl="0" eaLnBrk="1" latinLnBrk="0" hangingPunct="1">
+              <a:spcBef>
+                <a:spcPct val="20000"/>
+              </a:spcBef>
+              <a:spcAft>
+                <a:spcPts val="600"/>
+              </a:spcAft>
+              <a:buClr>
+                <a:schemeClr val="accent1">
+                  <a:lumMod val="75000"/>
+                </a:schemeClr>
+              </a:buClr>
+              <a:buSzPct val="145000"/>
+              <a:buFont typeface="Arial"/>
+              <a:buChar char="•"/>
+              <a:defRPr sz="2400" kern="1200" cap="none">
+                <a:solidFill>
+                  <a:schemeClr val="tx1"/>
+                </a:solidFill>
+                <a:effectLst/>
+                <a:latin typeface="+mn-lt"/>
+                <a:ea typeface="+mn-ea"/>
+                <a:cs typeface="+mn-cs"/>
+              </a:defRPr>
+            </a:lvl1pPr>
+            <a:lvl2pPr marL="742950" indent="-285750" algn="l" defTabSz="457200" rtl="0" eaLnBrk="1" latinLnBrk="0" hangingPunct="1">
+              <a:spcBef>
+                <a:spcPct val="20000"/>
+              </a:spcBef>
+              <a:spcAft>
+                <a:spcPts val="600"/>
+              </a:spcAft>
+              <a:buClr>
+                <a:schemeClr val="accent1">
+                  <a:lumMod val="75000"/>
+                </a:schemeClr>
+              </a:buClr>
+              <a:buSzPct val="145000"/>
+              <a:buFont typeface="Arial"/>
+              <a:buChar char="•"/>
+              <a:defRPr sz="2000" kern="1200" cap="none">
+                <a:solidFill>
+                  <a:schemeClr val="tx1"/>
+                </a:solidFill>
+                <a:effectLst/>
+                <a:latin typeface="+mn-lt"/>
+                <a:ea typeface="+mn-ea"/>
+                <a:cs typeface="+mn-cs"/>
+              </a:defRPr>
+            </a:lvl2pPr>
+            <a:lvl3pPr marL="1200150" indent="-285750" algn="l" defTabSz="457200" rtl="0" eaLnBrk="1" latinLnBrk="0" hangingPunct="1">
+              <a:spcBef>
+                <a:spcPct val="20000"/>
+              </a:spcBef>
+              <a:spcAft>
+                <a:spcPts val="600"/>
+              </a:spcAft>
+              <a:buClr>
+                <a:schemeClr val="accent1">
+                  <a:lumMod val="75000"/>
+                </a:schemeClr>
+              </a:buClr>
+              <a:buSzPct val="145000"/>
+              <a:buFont typeface="Arial"/>
+              <a:buChar char="•"/>
+              <a:defRPr sz="1800" kern="1200" cap="none">
+                <a:solidFill>
+                  <a:schemeClr val="tx1"/>
+                </a:solidFill>
+                <a:effectLst/>
+                <a:latin typeface="+mn-lt"/>
+                <a:ea typeface="+mn-ea"/>
+                <a:cs typeface="+mn-cs"/>
+              </a:defRPr>
+            </a:lvl3pPr>
+            <a:lvl4pPr marL="1543050" indent="-171450" algn="l" defTabSz="457200" rtl="0" eaLnBrk="1" latinLnBrk="0" hangingPunct="1">
+              <a:spcBef>
+                <a:spcPct val="20000"/>
+              </a:spcBef>
+              <a:spcAft>
+                <a:spcPts val="600"/>
+              </a:spcAft>
+              <a:buClr>
+                <a:schemeClr val="accent1">
+                  <a:lumMod val="75000"/>
+                </a:schemeClr>
+              </a:buClr>
+              <a:buSzPct val="145000"/>
+              <a:buFont typeface="Arial"/>
+              <a:buChar char="•"/>
+              <a:defRPr sz="1600" kern="1200" cap="none">
+                <a:solidFill>
+                  <a:schemeClr val="tx1"/>
+                </a:solidFill>
+                <a:effectLst/>
+                <a:latin typeface="+mn-lt"/>
+                <a:ea typeface="+mn-ea"/>
+                <a:cs typeface="+mn-cs"/>
+              </a:defRPr>
+            </a:lvl4pPr>
+            <a:lvl5pPr marL="2000250" indent="-171450" algn="l" defTabSz="457200" rtl="0" eaLnBrk="1" latinLnBrk="0" hangingPunct="1">
+              <a:spcBef>
+                <a:spcPct val="20000"/>
+              </a:spcBef>
+              <a:spcAft>
+                <a:spcPts val="600"/>
+              </a:spcAft>
+              <a:buClr>
+                <a:schemeClr val="accent1">
+                  <a:lumMod val="75000"/>
+                </a:schemeClr>
+              </a:buClr>
+              <a:buSzPct val="145000"/>
+              <a:buFont typeface="Arial"/>
+              <a:buChar char="•"/>
+              <a:defRPr sz="1400" kern="1200" cap="none">
+                <a:solidFill>
+                  <a:schemeClr val="tx1"/>
+                </a:solidFill>
+                <a:effectLst/>
+                <a:latin typeface="+mn-lt"/>
+                <a:ea typeface="+mn-ea"/>
+                <a:cs typeface="+mn-cs"/>
+              </a:defRPr>
+            </a:lvl5pPr>
+            <a:lvl6pPr marL="2514600" indent="-228600" algn="l" defTabSz="457200" rtl="0" eaLnBrk="1" latinLnBrk="0" hangingPunct="1">
+              <a:spcBef>
+                <a:spcPct val="20000"/>
+              </a:spcBef>
+              <a:spcAft>
+                <a:spcPts val="600"/>
+              </a:spcAft>
+              <a:buClr>
+                <a:schemeClr val="accent1">
+                  <a:lumMod val="75000"/>
+                </a:schemeClr>
+              </a:buClr>
+              <a:buSzPct val="145000"/>
+              <a:buFont typeface="Arial"/>
+              <a:buChar char="•"/>
+              <a:defRPr sz="1400" kern="1200" cap="none">
+                <a:solidFill>
+                  <a:schemeClr val="tx1"/>
+                </a:solidFill>
+                <a:effectLst/>
+                <a:latin typeface="+mn-lt"/>
+                <a:ea typeface="+mn-ea"/>
+                <a:cs typeface="+mn-cs"/>
+              </a:defRPr>
+            </a:lvl6pPr>
+            <a:lvl7pPr marL="2971800" indent="-228600" algn="l" defTabSz="457200" rtl="0" eaLnBrk="1" latinLnBrk="0" hangingPunct="1">
+              <a:spcBef>
+                <a:spcPct val="20000"/>
+              </a:spcBef>
+              <a:spcAft>
+                <a:spcPts val="600"/>
+              </a:spcAft>
+              <a:buClr>
+                <a:schemeClr val="accent1">
+                  <a:lumMod val="75000"/>
+                </a:schemeClr>
+              </a:buClr>
+              <a:buSzPct val="145000"/>
+              <a:buFont typeface="Arial"/>
+              <a:buChar char="•"/>
+              <a:defRPr sz="1400" kern="1200" cap="none">
+                <a:solidFill>
+                  <a:schemeClr val="tx1"/>
+                </a:solidFill>
+                <a:effectLst/>
+                <a:latin typeface="+mn-lt"/>
+                <a:ea typeface="+mn-ea"/>
+                <a:cs typeface="+mn-cs"/>
+              </a:defRPr>
+            </a:lvl7pPr>
+            <a:lvl8pPr marL="3429000" indent="-228600" algn="l" defTabSz="457200" rtl="0" eaLnBrk="1" latinLnBrk="0" hangingPunct="1">
+              <a:spcBef>
+                <a:spcPct val="20000"/>
+              </a:spcBef>
+              <a:spcAft>
+                <a:spcPts val="600"/>
+              </a:spcAft>
+              <a:buClr>
+                <a:schemeClr val="accent1">
+                  <a:lumMod val="75000"/>
+                </a:schemeClr>
+              </a:buClr>
+              <a:buSzPct val="145000"/>
+              <a:buFont typeface="Arial"/>
+              <a:buChar char="•"/>
+              <a:defRPr sz="1400" kern="1200" cap="none">
+                <a:solidFill>
+                  <a:schemeClr val="tx1"/>
+                </a:solidFill>
+                <a:effectLst/>
+                <a:latin typeface="+mn-lt"/>
+                <a:ea typeface="+mn-ea"/>
+                <a:cs typeface="+mn-cs"/>
+              </a:defRPr>
+            </a:lvl8pPr>
+            <a:lvl9pPr marL="3886200" indent="-228600" algn="l" defTabSz="457200" rtl="0" eaLnBrk="1" latinLnBrk="0" hangingPunct="1">
+              <a:spcBef>
+                <a:spcPct val="20000"/>
+              </a:spcBef>
+              <a:spcAft>
+                <a:spcPts val="600"/>
+              </a:spcAft>
+              <a:buClr>
+                <a:schemeClr val="accent1">
+                  <a:lumMod val="75000"/>
+                </a:schemeClr>
+              </a:buClr>
+              <a:buSzPct val="145000"/>
+              <a:buFont typeface="Arial"/>
+              <a:buChar char="•"/>
+              <a:defRPr sz="1400" kern="1200" cap="none">
+                <a:solidFill>
+                  <a:schemeClr val="tx1"/>
+                </a:solidFill>
+                <a:effectLst/>
+                <a:latin typeface="+mn-lt"/>
+                <a:ea typeface="+mn-ea"/>
+                <a:cs typeface="+mn-cs"/>
+              </a:defRPr>
+            </a:lvl9pPr>
+          </a:lstStyle>
+          <a:p>
+            <a:pPr marL="0" indent="0">
+              <a:buNone/>
+            </a:pPr>
+            <a:r>
+              <a:rPr lang="de-DE" sz="1000" dirty="0" smtClean="0"/>
+              <a:t>Rem0 Röthlisberger, Eric </a:t>
+            </a:r>
+            <a:r>
+              <a:rPr lang="de-DE" sz="1000" dirty="0" err="1" smtClean="0"/>
+              <a:t>Lagger</a:t>
+            </a:r>
+            <a:r>
+              <a:rPr lang="de-DE" sz="1000" dirty="0" smtClean="0"/>
+              <a:t>, Vincent Hofer, Dean Klopsch, Aebi Ryan</a:t>
+            </a:r>
+            <a:endParaRPr lang="de-DE" sz="1000" dirty="0"/>
+          </a:p>
+        </p:txBody>
+      </p:sp>
+    </p:spTree>
+    <p:extLst>
+      <p:ext uri="{BB962C8B-B14F-4D97-AF65-F5344CB8AC3E}">
+        <p14:creationId xmlns:p14="http://schemas.microsoft.com/office/powerpoint/2010/main" val="1359672913"/>
+      </p:ext>
+    </p:extLst>
+  </p:cSld>
+  <p:clrMapOvr>
+    <a:masterClrMapping/>
+  </p:clrMapOvr>
+  <p:timing>
+    <p:tnLst>
+      <p:par>
+        <p:cTn xmlns:p14="http://schemas.microsoft.com/office/powerpoint/2010/main" id="1" dur="indefinite" restart="never" nodeType="tmRoot"/>
+      </p:par>
+    </p:tnLst>
+  </p:timing>
+</p:sld>
+</file>
+
+<file path=ppt/slides/slide11.xml><?xml version="1.0" encoding="utf-8"?>
+<p:sld xmlns:a="http://schemas.openxmlformats.org/drawingml/2006/main" xmlns:r="http://schemas.openxmlformats.org/officeDocument/2006/relationships" xmlns:p="http://schemas.openxmlformats.org/presentationml/2006/main">
+  <p:cSld>
+    <p:spTree>
+      <p:nvGrpSpPr>
+        <p:cNvPr id="1" name=""/>
+        <p:cNvGrpSpPr/>
+        <p:nvPr/>
+      </p:nvGrpSpPr>
+      <p:grpSpPr>
+        <a:xfrm>
+          <a:off x="0" y="0"/>
+          <a:ext cx="0" cy="0"/>
+          <a:chOff x="0" y="0"/>
+          <a:chExt cx="0" cy="0"/>
+        </a:xfrm>
+      </p:grpSpPr>
       <p:pic>
         <p:nvPicPr>
           <p:cNvPr id="4" name="Inhaltsplatzhalter 3"/>
@@ -8508,6 +8903,21 @@
             <a:normAutofit/>
           </a:bodyPr>
           <a:lstStyle/>
+          <a:p>
+            <a:r>
+              <a:rPr lang="de-CH" sz="3200" dirty="0" err="1" smtClean="0"/>
+              <a:t>About</a:t>
+            </a:r>
+            <a:r>
+              <a:rPr lang="de-CH" sz="3200" dirty="0" smtClean="0"/>
+              <a:t> </a:t>
+            </a:r>
+            <a:r>
+              <a:rPr lang="de-CH" sz="3200" dirty="0" err="1" smtClean="0"/>
+              <a:t>us</a:t>
+            </a:r>
+            <a:endParaRPr lang="de-CH" sz="3200" dirty="0" smtClean="0"/>
+          </a:p>
           <a:p>
             <a:r>
               <a:rPr lang="de-CH" sz="3200" dirty="0" smtClean="0"/>
@@ -8910,41 +9320,284 @@
           <a:lstStyle/>
           <a:p>
             <a:r>
-              <a:rPr lang="de-CH" dirty="0" smtClean="0"/>
+              <a:rPr lang="de-DE" dirty="0" smtClean="0"/>
               <a:t>System </a:t>
             </a:r>
             <a:r>
-              <a:rPr lang="de-CH" dirty="0" err="1" smtClean="0"/>
+              <a:rPr lang="de-DE" dirty="0" err="1" smtClean="0"/>
               <a:t>as</a:t>
             </a:r>
             <a:r>
-              <a:rPr lang="de-CH" dirty="0" smtClean="0"/>
+              <a:rPr lang="de-DE" dirty="0" smtClean="0"/>
               <a:t> </a:t>
             </a:r>
             <a:r>
-              <a:rPr lang="de-CH" dirty="0" err="1" smtClean="0"/>
+              <a:rPr lang="de-DE" dirty="0" err="1" smtClean="0"/>
               <a:t>is</a:t>
             </a:r>
-            <a:r>
-              <a:rPr lang="de-CH" dirty="0" smtClean="0"/>
-              <a:t> – </a:t>
-            </a:r>
-            <a:r>
-              <a:rPr lang="de-CH" dirty="0" err="1" smtClean="0"/>
-              <a:t>use</a:t>
-            </a:r>
-            <a:r>
-              <a:rPr lang="de-CH" dirty="0" smtClean="0"/>
+            <a:endParaRPr lang="de-DE" dirty="0"/>
+          </a:p>
+        </p:txBody>
+      </p:sp>
+      <p:sp>
+        <p:nvSpPr>
+          <p:cNvPr id="3" name="Inhaltsplatzhalter 2"/>
+          <p:cNvSpPr>
+            <a:spLocks noGrp="1"/>
+          </p:cNvSpPr>
+          <p:nvPr>
+            <p:ph idx="1"/>
+          </p:nvPr>
+        </p:nvSpPr>
+        <p:spPr/>
+        <p:txBody>
+          <a:bodyPr anchor="t"/>
+          <a:lstStyle/>
+          <a:p>
+            <a:r>
+              <a:rPr lang="de-DE" dirty="0" err="1" smtClean="0"/>
+              <a:t>Implemented</a:t>
+            </a:r>
+            <a:r>
+              <a:rPr lang="de-DE" dirty="0" smtClean="0"/>
               <a:t> </a:t>
             </a:r>
             <a:r>
-              <a:rPr lang="de-CH" dirty="0" err="1" smtClean="0"/>
-              <a:t>cases</a:t>
+              <a:rPr lang="de-DE" dirty="0" err="1" smtClean="0"/>
+              <a:t>the</a:t>
+            </a:r>
+            <a:r>
+              <a:rPr lang="de-DE" dirty="0" smtClean="0"/>
+              <a:t> same </a:t>
+            </a:r>
+            <a:r>
+              <a:rPr lang="de-DE" dirty="0" err="1" smtClean="0"/>
+              <a:t>functionality</a:t>
+            </a:r>
+            <a:r>
+              <a:rPr lang="de-DE" dirty="0" smtClean="0"/>
+              <a:t> </a:t>
+            </a:r>
+            <a:r>
+              <a:rPr lang="de-DE" dirty="0" err="1" smtClean="0"/>
+              <a:t>as</a:t>
+            </a:r>
+            <a:r>
+              <a:rPr lang="de-DE" dirty="0" smtClean="0"/>
+              <a:t> </a:t>
+            </a:r>
+            <a:r>
+              <a:rPr lang="de-DE" dirty="0" err="1" smtClean="0"/>
+              <a:t>you</a:t>
+            </a:r>
+            <a:r>
+              <a:rPr lang="de-DE" dirty="0" smtClean="0"/>
+              <a:t> </a:t>
+            </a:r>
+            <a:r>
+              <a:rPr lang="de-DE" dirty="0" err="1" smtClean="0"/>
+              <a:t>did</a:t>
             </a:r>
             <a:endParaRPr lang="de-DE" dirty="0"/>
           </a:p>
-        </p:txBody>
-      </p:sp>
+          <a:p>
+            <a:r>
+              <a:rPr lang="de-DE" dirty="0" err="1" smtClean="0"/>
+              <a:t>Depending</a:t>
+            </a:r>
+            <a:r>
+              <a:rPr lang="de-DE" dirty="0" smtClean="0"/>
+              <a:t> on </a:t>
+            </a:r>
+            <a:r>
+              <a:rPr lang="de-DE" dirty="0" err="1" smtClean="0"/>
+              <a:t>your</a:t>
+            </a:r>
+            <a:r>
+              <a:rPr lang="de-DE" dirty="0" smtClean="0"/>
+              <a:t> </a:t>
+            </a:r>
+            <a:r>
+              <a:rPr lang="de-DE" dirty="0" err="1" smtClean="0"/>
+              <a:t>role</a:t>
+            </a:r>
+            <a:r>
+              <a:rPr lang="de-DE" dirty="0" smtClean="0"/>
+              <a:t>, </a:t>
+            </a:r>
+            <a:r>
+              <a:rPr lang="de-DE" dirty="0" err="1" smtClean="0"/>
+              <a:t>you</a:t>
+            </a:r>
+            <a:r>
+              <a:rPr lang="de-DE" dirty="0" smtClean="0"/>
+              <a:t> </a:t>
+            </a:r>
+            <a:r>
+              <a:rPr lang="de-DE" dirty="0" err="1" smtClean="0"/>
+              <a:t>may</a:t>
+            </a:r>
+            <a:r>
+              <a:rPr lang="de-DE" dirty="0" smtClean="0"/>
+              <a:t> </a:t>
+            </a:r>
+            <a:r>
+              <a:rPr lang="de-DE" dirty="0" err="1" smtClean="0"/>
+              <a:t>have</a:t>
+            </a:r>
+            <a:r>
+              <a:rPr lang="de-DE" dirty="0" smtClean="0"/>
+              <a:t> different </a:t>
+            </a:r>
+            <a:r>
+              <a:rPr lang="de-DE" dirty="0" err="1" smtClean="0"/>
+              <a:t>views</a:t>
+            </a:r>
+            <a:r>
+              <a:rPr lang="de-DE" dirty="0" smtClean="0"/>
+              <a:t> </a:t>
+            </a:r>
+            <a:r>
+              <a:rPr lang="de-DE" dirty="0" err="1" smtClean="0"/>
+              <a:t>and</a:t>
+            </a:r>
+            <a:r>
+              <a:rPr lang="de-DE" dirty="0" smtClean="0"/>
+              <a:t> </a:t>
+            </a:r>
+            <a:r>
+              <a:rPr lang="de-DE" dirty="0" err="1" smtClean="0"/>
+              <a:t>functionality</a:t>
+            </a:r>
+            <a:endParaRPr lang="de-DE" dirty="0"/>
+          </a:p>
+          <a:p>
+            <a:r>
+              <a:rPr lang="de-DE" dirty="0" smtClean="0"/>
+              <a:t>Short </a:t>
+            </a:r>
+            <a:r>
+              <a:rPr lang="de-DE" dirty="0" err="1" smtClean="0"/>
+              <a:t>overview</a:t>
+            </a:r>
+            <a:r>
+              <a:rPr lang="de-DE" dirty="0" smtClean="0"/>
+              <a:t> on </a:t>
+            </a:r>
+            <a:r>
+              <a:rPr lang="de-DE" dirty="0" err="1" smtClean="0"/>
+              <a:t>the</a:t>
+            </a:r>
+            <a:r>
+              <a:rPr lang="de-DE" dirty="0" smtClean="0"/>
+              <a:t> </a:t>
+            </a:r>
+            <a:r>
+              <a:rPr lang="de-DE" dirty="0" err="1" smtClean="0"/>
+              <a:t>next</a:t>
+            </a:r>
+            <a:r>
+              <a:rPr lang="de-DE" dirty="0" smtClean="0"/>
+              <a:t> 2 </a:t>
+            </a:r>
+            <a:r>
+              <a:rPr lang="de-DE" dirty="0" err="1" smtClean="0"/>
+              <a:t>slides</a:t>
+            </a:r>
+            <a:endParaRPr lang="de-DE" dirty="0"/>
+          </a:p>
+        </p:txBody>
+      </p:sp>
+    </p:spTree>
+    <p:extLst>
+      <p:ext uri="{BB962C8B-B14F-4D97-AF65-F5344CB8AC3E}">
+        <p14:creationId xmlns:p14="http://schemas.microsoft.com/office/powerpoint/2010/main" val="2955762703"/>
+      </p:ext>
+    </p:extLst>
+  </p:cSld>
+  <p:clrMapOvr>
+    <a:masterClrMapping/>
+  </p:clrMapOvr>
+</p:sld>
+</file>
+
+<file path=ppt/slides/slide4.xml><?xml version="1.0" encoding="utf-8"?>
+<p:sld xmlns:a="http://schemas.openxmlformats.org/drawingml/2006/main" xmlns:r="http://schemas.openxmlformats.org/officeDocument/2006/relationships" xmlns:p="http://schemas.openxmlformats.org/presentationml/2006/main">
+  <p:cSld>
+    <p:spTree>
+      <p:nvGrpSpPr>
+        <p:cNvPr id="1" name=""/>
+        <p:cNvGrpSpPr/>
+        <p:nvPr/>
+      </p:nvGrpSpPr>
+      <p:grpSpPr>
+        <a:xfrm>
+          <a:off x="0" y="0"/>
+          <a:ext cx="0" cy="0"/>
+          <a:chOff x="0" y="0"/>
+          <a:chExt cx="0" cy="0"/>
+        </a:xfrm>
+      </p:grpSpPr>
+      <p:pic>
+        <p:nvPicPr>
+          <p:cNvPr id="6" name="Bild 5" descr="Guest_Use_Cases.png"/>
+          <p:cNvPicPr>
+            <a:picLocks noChangeAspect="1"/>
+          </p:cNvPicPr>
+          <p:nvPr/>
+        </p:nvPicPr>
+        <p:blipFill>
+          <a:blip r:embed="rId2">
+            <a:extLst>
+              <a:ext uri="{28A0092B-C50C-407E-A947-70E740481C1C}">
+                <a14:useLocalDpi xmlns:a14="http://schemas.microsoft.com/office/drawing/2010/main" val="0"/>
+              </a:ext>
+            </a:extLst>
+          </a:blip>
+          <a:stretch>
+            <a:fillRect/>
+          </a:stretch>
+        </p:blipFill>
+        <p:spPr>
+          <a:xfrm>
+            <a:off x="2171701" y="719665"/>
+            <a:ext cx="8737915" cy="5359401"/>
+          </a:xfrm>
+          <a:prstGeom prst="rect">
+            <a:avLst/>
+          </a:prstGeom>
+        </p:spPr>
+      </p:pic>
+    </p:spTree>
+    <p:extLst>
+      <p:ext uri="{BB962C8B-B14F-4D97-AF65-F5344CB8AC3E}">
+        <p14:creationId xmlns:p14="http://schemas.microsoft.com/office/powerpoint/2010/main" val="321232666"/>
+      </p:ext>
+    </p:extLst>
+  </p:cSld>
+  <p:clrMapOvr>
+    <a:masterClrMapping/>
+  </p:clrMapOvr>
+</p:sld>
+</file>
+
+<file path=ppt/slides/slide5.xml><?xml version="1.0" encoding="utf-8"?>
+<p:sld xmlns:a="http://schemas.openxmlformats.org/drawingml/2006/main" xmlns:r="http://schemas.openxmlformats.org/officeDocument/2006/relationships" xmlns:p="http://schemas.openxmlformats.org/presentationml/2006/main">
+  <p:cSld>
+    <p:spTree>
+      <p:nvGrpSpPr>
+        <p:cNvPr id="1" name=""/>
+        <p:cNvGrpSpPr/>
+        <p:nvPr/>
+      </p:nvGrpSpPr>
+      <p:grpSpPr>
+        <a:xfrm>
+          <a:off x="0" y="0"/>
+          <a:ext cx="0" cy="0"/>
+          <a:chOff x="0" y="0"/>
+          <a:chExt cx="0" cy="0"/>
+        </a:xfrm>
+      </p:grpSpPr>
       <p:sp>
         <p:nvSpPr>
           <p:cNvPr id="8" name="Inhaltsplatzhalter 4"/>
@@ -9470,684 +10123,9 @@
           </a:p>
         </p:txBody>
       </p:sp>
-      <p:sp>
-        <p:nvSpPr>
-          <p:cNvPr id="3" name="Textfeld 2"/>
-          <p:cNvSpPr txBox="1"/>
-          <p:nvPr/>
-        </p:nvSpPr>
-        <p:spPr>
-          <a:xfrm rot="19675108">
-            <a:off x="3725662" y="3448823"/>
-            <a:ext cx="3830216" cy="369332"/>
-          </a:xfrm>
-          <a:prstGeom prst="rect">
-            <a:avLst/>
-          </a:prstGeom>
-          <a:noFill/>
-        </p:spPr>
-        <p:txBody>
-          <a:bodyPr wrap="square" rtlCol="0">
-            <a:spAutoFit/>
-          </a:bodyPr>
-          <a:lstStyle/>
-          <a:p>
-            <a:r>
-              <a:rPr lang="de-DE" dirty="0" err="1" smtClean="0"/>
-              <a:t>Fancy</a:t>
-            </a:r>
-            <a:r>
-              <a:rPr lang="de-DE" dirty="0" smtClean="0"/>
-              <a:t> </a:t>
-            </a:r>
-            <a:r>
-              <a:rPr lang="de-DE" dirty="0" err="1" smtClean="0"/>
-              <a:t>Graphic</a:t>
-            </a:r>
-            <a:r>
-              <a:rPr lang="de-DE" dirty="0" smtClean="0"/>
-              <a:t> </a:t>
-            </a:r>
-            <a:r>
-              <a:rPr lang="de-DE" dirty="0" err="1" smtClean="0"/>
-              <a:t>with</a:t>
-            </a:r>
-            <a:r>
-              <a:rPr lang="de-DE" dirty="0" smtClean="0"/>
-              <a:t> all </a:t>
-            </a:r>
-            <a:r>
-              <a:rPr lang="de-DE" dirty="0" err="1" smtClean="0"/>
-              <a:t>the</a:t>
-            </a:r>
-            <a:r>
-              <a:rPr lang="de-DE" dirty="0" smtClean="0"/>
-              <a:t> </a:t>
-            </a:r>
-            <a:r>
-              <a:rPr lang="de-DE" dirty="0" err="1" smtClean="0"/>
-              <a:t>use</a:t>
-            </a:r>
-            <a:r>
-              <a:rPr lang="de-DE" dirty="0" smtClean="0"/>
-              <a:t> </a:t>
-            </a:r>
-            <a:r>
-              <a:rPr lang="de-DE" dirty="0" err="1" smtClean="0"/>
-              <a:t>cases</a:t>
-            </a:r>
-            <a:endParaRPr lang="de-DE" dirty="0"/>
-          </a:p>
-        </p:txBody>
-      </p:sp>
-    </p:spTree>
-    <p:extLst>
-      <p:ext uri="{BB962C8B-B14F-4D97-AF65-F5344CB8AC3E}">
-        <p14:creationId xmlns:p14="http://schemas.microsoft.com/office/powerpoint/2010/main" val="3309295134"/>
-      </p:ext>
-    </p:extLst>
-  </p:cSld>
-  <p:clrMapOvr>
-    <a:masterClrMapping/>
-  </p:clrMapOvr>
-  <p:timing>
-    <p:tnLst>
-      <p:par>
-        <p:cTn xmlns:p14="http://schemas.microsoft.com/office/powerpoint/2010/main" id="1" dur="indefinite" restart="never" nodeType="tmRoot"/>
-      </p:par>
-    </p:tnLst>
-  </p:timing>
-</p:sld>
-</file>
-
-<file path=ppt/slides/slide4.xml><?xml version="1.0" encoding="utf-8"?>
-<p:sld xmlns:a="http://schemas.openxmlformats.org/drawingml/2006/main" xmlns:r="http://schemas.openxmlformats.org/officeDocument/2006/relationships" xmlns:p="http://schemas.openxmlformats.org/presentationml/2006/main">
-  <p:cSld>
-    <p:spTree>
-      <p:nvGrpSpPr>
-        <p:cNvPr id="1" name=""/>
-        <p:cNvGrpSpPr/>
-        <p:nvPr/>
-      </p:nvGrpSpPr>
-      <p:grpSpPr>
-        <a:xfrm>
-          <a:off x="0" y="0"/>
-          <a:ext cx="0" cy="0"/>
-          <a:chOff x="0" y="0"/>
-          <a:chExt cx="0" cy="0"/>
-        </a:xfrm>
-      </p:grpSpPr>
-      <p:sp>
-        <p:nvSpPr>
-          <p:cNvPr id="2" name="Titel 1"/>
-          <p:cNvSpPr>
-            <a:spLocks noGrp="1"/>
-          </p:cNvSpPr>
-          <p:nvPr>
-            <p:ph type="title"/>
-          </p:nvPr>
-        </p:nvSpPr>
-        <p:spPr/>
-        <p:txBody>
-          <a:bodyPr/>
-          <a:lstStyle/>
-          <a:p>
-            <a:r>
-              <a:rPr lang="de-DE" dirty="0" smtClean="0"/>
-              <a:t>Scenario – </a:t>
-            </a:r>
-            <a:r>
-              <a:rPr lang="de-DE" dirty="0" err="1" smtClean="0"/>
-              <a:t>Placing</a:t>
-            </a:r>
-            <a:r>
-              <a:rPr lang="de-DE" dirty="0" smtClean="0"/>
-              <a:t> a </a:t>
-            </a:r>
-            <a:r>
-              <a:rPr lang="de-DE" dirty="0" err="1" smtClean="0"/>
-              <a:t>new</a:t>
-            </a:r>
-            <a:r>
-              <a:rPr lang="de-DE" dirty="0" smtClean="0"/>
-              <a:t> </a:t>
-            </a:r>
-            <a:r>
-              <a:rPr lang="de-DE" dirty="0" err="1" smtClean="0"/>
-              <a:t>auction</a:t>
-            </a:r>
-            <a:endParaRPr lang="de-DE" dirty="0"/>
-          </a:p>
-        </p:txBody>
-      </p:sp>
-      <p:sp>
-        <p:nvSpPr>
-          <p:cNvPr id="8" name="Inhaltsplatzhalter 4"/>
-          <p:cNvSpPr txBox="1">
-            <a:spLocks/>
-          </p:cNvSpPr>
-          <p:nvPr/>
-        </p:nvSpPr>
-        <p:spPr>
-          <a:xfrm>
-            <a:off x="2970189" y="3683294"/>
-            <a:ext cx="949842" cy="666307"/>
-          </a:xfrm>
-          <a:prstGeom prst="rect">
-            <a:avLst/>
-          </a:prstGeom>
-        </p:spPr>
-        <p:txBody>
-          <a:bodyPr vert="horz" lIns="91440" tIns="45720" rIns="91440" bIns="45720" rtlCol="0" anchor="ctr">
-            <a:normAutofit/>
-          </a:bodyPr>
-          <a:lstStyle>
-            <a:lvl1pPr marL="285750" indent="-285750" algn="l" defTabSz="457200" rtl="0" eaLnBrk="1" latinLnBrk="0" hangingPunct="1">
-              <a:spcBef>
-                <a:spcPct val="20000"/>
-              </a:spcBef>
-              <a:spcAft>
-                <a:spcPts val="600"/>
-              </a:spcAft>
-              <a:buClr>
-                <a:schemeClr val="accent1">
-                  <a:lumMod val="75000"/>
-                </a:schemeClr>
-              </a:buClr>
-              <a:buSzPct val="145000"/>
-              <a:buFont typeface="Arial"/>
-              <a:buChar char="•"/>
-              <a:defRPr sz="2400" kern="1200" cap="none">
-                <a:solidFill>
-                  <a:schemeClr val="tx1"/>
-                </a:solidFill>
-                <a:effectLst/>
-                <a:latin typeface="+mn-lt"/>
-                <a:ea typeface="+mn-ea"/>
-                <a:cs typeface="+mn-cs"/>
-              </a:defRPr>
-            </a:lvl1pPr>
-            <a:lvl2pPr marL="742950" indent="-285750" algn="l" defTabSz="457200" rtl="0" eaLnBrk="1" latinLnBrk="0" hangingPunct="1">
-              <a:spcBef>
-                <a:spcPct val="20000"/>
-              </a:spcBef>
-              <a:spcAft>
-                <a:spcPts val="600"/>
-              </a:spcAft>
-              <a:buClr>
-                <a:schemeClr val="accent1">
-                  <a:lumMod val="75000"/>
-                </a:schemeClr>
-              </a:buClr>
-              <a:buSzPct val="145000"/>
-              <a:buFont typeface="Arial"/>
-              <a:buChar char="•"/>
-              <a:defRPr sz="2000" kern="1200" cap="none">
-                <a:solidFill>
-                  <a:schemeClr val="tx1"/>
-                </a:solidFill>
-                <a:effectLst/>
-                <a:latin typeface="+mn-lt"/>
-                <a:ea typeface="+mn-ea"/>
-                <a:cs typeface="+mn-cs"/>
-              </a:defRPr>
-            </a:lvl2pPr>
-            <a:lvl3pPr marL="1200150" indent="-285750" algn="l" defTabSz="457200" rtl="0" eaLnBrk="1" latinLnBrk="0" hangingPunct="1">
-              <a:spcBef>
-                <a:spcPct val="20000"/>
-              </a:spcBef>
-              <a:spcAft>
-                <a:spcPts val="600"/>
-              </a:spcAft>
-              <a:buClr>
-                <a:schemeClr val="accent1">
-                  <a:lumMod val="75000"/>
-                </a:schemeClr>
-              </a:buClr>
-              <a:buSzPct val="145000"/>
-              <a:buFont typeface="Arial"/>
-              <a:buChar char="•"/>
-              <a:defRPr sz="1800" kern="1200" cap="none">
-                <a:solidFill>
-                  <a:schemeClr val="tx1"/>
-                </a:solidFill>
-                <a:effectLst/>
-                <a:latin typeface="+mn-lt"/>
-                <a:ea typeface="+mn-ea"/>
-                <a:cs typeface="+mn-cs"/>
-              </a:defRPr>
-            </a:lvl3pPr>
-            <a:lvl4pPr marL="1543050" indent="-171450" algn="l" defTabSz="457200" rtl="0" eaLnBrk="1" latinLnBrk="0" hangingPunct="1">
-              <a:spcBef>
-                <a:spcPct val="20000"/>
-              </a:spcBef>
-              <a:spcAft>
-                <a:spcPts val="600"/>
-              </a:spcAft>
-              <a:buClr>
-                <a:schemeClr val="accent1">
-                  <a:lumMod val="75000"/>
-                </a:schemeClr>
-              </a:buClr>
-              <a:buSzPct val="145000"/>
-              <a:buFont typeface="Arial"/>
-              <a:buChar char="•"/>
-              <a:defRPr sz="1600" kern="1200" cap="none">
-                <a:solidFill>
-                  <a:schemeClr val="tx1"/>
-                </a:solidFill>
-                <a:effectLst/>
-                <a:latin typeface="+mn-lt"/>
-                <a:ea typeface="+mn-ea"/>
-                <a:cs typeface="+mn-cs"/>
-              </a:defRPr>
-            </a:lvl4pPr>
-            <a:lvl5pPr marL="2000250" indent="-171450" algn="l" defTabSz="457200" rtl="0" eaLnBrk="1" latinLnBrk="0" hangingPunct="1">
-              <a:spcBef>
-                <a:spcPct val="20000"/>
-              </a:spcBef>
-              <a:spcAft>
-                <a:spcPts val="600"/>
-              </a:spcAft>
-              <a:buClr>
-                <a:schemeClr val="accent1">
-                  <a:lumMod val="75000"/>
-                </a:schemeClr>
-              </a:buClr>
-              <a:buSzPct val="145000"/>
-              <a:buFont typeface="Arial"/>
-              <a:buChar char="•"/>
-              <a:defRPr sz="1400" kern="1200" cap="none">
-                <a:solidFill>
-                  <a:schemeClr val="tx1"/>
-                </a:solidFill>
-                <a:effectLst/>
-                <a:latin typeface="+mn-lt"/>
-                <a:ea typeface="+mn-ea"/>
-                <a:cs typeface="+mn-cs"/>
-              </a:defRPr>
-            </a:lvl5pPr>
-            <a:lvl6pPr marL="2514600" indent="-228600" algn="l" defTabSz="457200" rtl="0" eaLnBrk="1" latinLnBrk="0" hangingPunct="1">
-              <a:spcBef>
-                <a:spcPct val="20000"/>
-              </a:spcBef>
-              <a:spcAft>
-                <a:spcPts val="600"/>
-              </a:spcAft>
-              <a:buClr>
-                <a:schemeClr val="accent1">
-                  <a:lumMod val="75000"/>
-                </a:schemeClr>
-              </a:buClr>
-              <a:buSzPct val="145000"/>
-              <a:buFont typeface="Arial"/>
-              <a:buChar char="•"/>
-              <a:defRPr sz="1400" kern="1200" cap="none">
-                <a:solidFill>
-                  <a:schemeClr val="tx1"/>
-                </a:solidFill>
-                <a:effectLst/>
-                <a:latin typeface="+mn-lt"/>
-                <a:ea typeface="+mn-ea"/>
-                <a:cs typeface="+mn-cs"/>
-              </a:defRPr>
-            </a:lvl6pPr>
-            <a:lvl7pPr marL="2971800" indent="-228600" algn="l" defTabSz="457200" rtl="0" eaLnBrk="1" latinLnBrk="0" hangingPunct="1">
-              <a:spcBef>
-                <a:spcPct val="20000"/>
-              </a:spcBef>
-              <a:spcAft>
-                <a:spcPts val="600"/>
-              </a:spcAft>
-              <a:buClr>
-                <a:schemeClr val="accent1">
-                  <a:lumMod val="75000"/>
-                </a:schemeClr>
-              </a:buClr>
-              <a:buSzPct val="145000"/>
-              <a:buFont typeface="Arial"/>
-              <a:buChar char="•"/>
-              <a:defRPr sz="1400" kern="1200" cap="none">
-                <a:solidFill>
-                  <a:schemeClr val="tx1"/>
-                </a:solidFill>
-                <a:effectLst/>
-                <a:latin typeface="+mn-lt"/>
-                <a:ea typeface="+mn-ea"/>
-                <a:cs typeface="+mn-cs"/>
-              </a:defRPr>
-            </a:lvl7pPr>
-            <a:lvl8pPr marL="3429000" indent="-228600" algn="l" defTabSz="457200" rtl="0" eaLnBrk="1" latinLnBrk="0" hangingPunct="1">
-              <a:spcBef>
-                <a:spcPct val="20000"/>
-              </a:spcBef>
-              <a:spcAft>
-                <a:spcPts val="600"/>
-              </a:spcAft>
-              <a:buClr>
-                <a:schemeClr val="accent1">
-                  <a:lumMod val="75000"/>
-                </a:schemeClr>
-              </a:buClr>
-              <a:buSzPct val="145000"/>
-              <a:buFont typeface="Arial"/>
-              <a:buChar char="•"/>
-              <a:defRPr sz="1400" kern="1200" cap="none">
-                <a:solidFill>
-                  <a:schemeClr val="tx1"/>
-                </a:solidFill>
-                <a:effectLst/>
-                <a:latin typeface="+mn-lt"/>
-                <a:ea typeface="+mn-ea"/>
-                <a:cs typeface="+mn-cs"/>
-              </a:defRPr>
-            </a:lvl8pPr>
-            <a:lvl9pPr marL="3886200" indent="-228600" algn="l" defTabSz="457200" rtl="0" eaLnBrk="1" latinLnBrk="0" hangingPunct="1">
-              <a:spcBef>
-                <a:spcPct val="20000"/>
-              </a:spcBef>
-              <a:spcAft>
-                <a:spcPts val="600"/>
-              </a:spcAft>
-              <a:buClr>
-                <a:schemeClr val="accent1">
-                  <a:lumMod val="75000"/>
-                </a:schemeClr>
-              </a:buClr>
-              <a:buSzPct val="145000"/>
-              <a:buFont typeface="Arial"/>
-              <a:buChar char="•"/>
-              <a:defRPr sz="1400" kern="1200" cap="none">
-                <a:solidFill>
-                  <a:schemeClr val="tx1"/>
-                </a:solidFill>
-                <a:effectLst/>
-                <a:latin typeface="+mn-lt"/>
-                <a:ea typeface="+mn-ea"/>
-                <a:cs typeface="+mn-cs"/>
-              </a:defRPr>
-            </a:lvl9pPr>
-          </a:lstStyle>
-          <a:p>
-            <a:pPr marL="0" indent="0">
-              <a:buFont typeface="Arial"/>
-              <a:buNone/>
-            </a:pPr>
-            <a:endParaRPr lang="de-CH" dirty="0"/>
-          </a:p>
-        </p:txBody>
-      </p:sp>
-      <p:sp>
-        <p:nvSpPr>
-          <p:cNvPr id="6" name="Inhaltsplatzhalter 2"/>
-          <p:cNvSpPr txBox="1">
-            <a:spLocks/>
-          </p:cNvSpPr>
-          <p:nvPr/>
-        </p:nvSpPr>
-        <p:spPr>
-          <a:xfrm>
-            <a:off x="8137451" y="-41565"/>
-            <a:ext cx="4054549" cy="370610"/>
-          </a:xfrm>
-          <a:prstGeom prst="rect">
-            <a:avLst/>
-          </a:prstGeom>
-        </p:spPr>
-        <p:txBody>
-          <a:bodyPr vert="horz" lIns="91440" tIns="45720" rIns="91440" bIns="45720" rtlCol="0" anchor="ctr">
-            <a:normAutofit/>
-          </a:bodyPr>
-          <a:lstStyle>
-            <a:lvl1pPr marL="285750" indent="-285750" algn="l" defTabSz="457200" rtl="0" eaLnBrk="1" latinLnBrk="0" hangingPunct="1">
-              <a:spcBef>
-                <a:spcPct val="20000"/>
-              </a:spcBef>
-              <a:spcAft>
-                <a:spcPts val="600"/>
-              </a:spcAft>
-              <a:buClr>
-                <a:schemeClr val="accent1">
-                  <a:lumMod val="75000"/>
-                </a:schemeClr>
-              </a:buClr>
-              <a:buSzPct val="145000"/>
-              <a:buFont typeface="Arial"/>
-              <a:buChar char="•"/>
-              <a:defRPr sz="2400" kern="1200" cap="none">
-                <a:solidFill>
-                  <a:schemeClr val="tx1"/>
-                </a:solidFill>
-                <a:effectLst/>
-                <a:latin typeface="+mn-lt"/>
-                <a:ea typeface="+mn-ea"/>
-                <a:cs typeface="+mn-cs"/>
-              </a:defRPr>
-            </a:lvl1pPr>
-            <a:lvl2pPr marL="742950" indent="-285750" algn="l" defTabSz="457200" rtl="0" eaLnBrk="1" latinLnBrk="0" hangingPunct="1">
-              <a:spcBef>
-                <a:spcPct val="20000"/>
-              </a:spcBef>
-              <a:spcAft>
-                <a:spcPts val="600"/>
-              </a:spcAft>
-              <a:buClr>
-                <a:schemeClr val="accent1">
-                  <a:lumMod val="75000"/>
-                </a:schemeClr>
-              </a:buClr>
-              <a:buSzPct val="145000"/>
-              <a:buFont typeface="Arial"/>
-              <a:buChar char="•"/>
-              <a:defRPr sz="2000" kern="1200" cap="none">
-                <a:solidFill>
-                  <a:schemeClr val="tx1"/>
-                </a:solidFill>
-                <a:effectLst/>
-                <a:latin typeface="+mn-lt"/>
-                <a:ea typeface="+mn-ea"/>
-                <a:cs typeface="+mn-cs"/>
-              </a:defRPr>
-            </a:lvl2pPr>
-            <a:lvl3pPr marL="1200150" indent="-285750" algn="l" defTabSz="457200" rtl="0" eaLnBrk="1" latinLnBrk="0" hangingPunct="1">
-              <a:spcBef>
-                <a:spcPct val="20000"/>
-              </a:spcBef>
-              <a:spcAft>
-                <a:spcPts val="600"/>
-              </a:spcAft>
-              <a:buClr>
-                <a:schemeClr val="accent1">
-                  <a:lumMod val="75000"/>
-                </a:schemeClr>
-              </a:buClr>
-              <a:buSzPct val="145000"/>
-              <a:buFont typeface="Arial"/>
-              <a:buChar char="•"/>
-              <a:defRPr sz="1800" kern="1200" cap="none">
-                <a:solidFill>
-                  <a:schemeClr val="tx1"/>
-                </a:solidFill>
-                <a:effectLst/>
-                <a:latin typeface="+mn-lt"/>
-                <a:ea typeface="+mn-ea"/>
-                <a:cs typeface="+mn-cs"/>
-              </a:defRPr>
-            </a:lvl3pPr>
-            <a:lvl4pPr marL="1543050" indent="-171450" algn="l" defTabSz="457200" rtl="0" eaLnBrk="1" latinLnBrk="0" hangingPunct="1">
-              <a:spcBef>
-                <a:spcPct val="20000"/>
-              </a:spcBef>
-              <a:spcAft>
-                <a:spcPts val="600"/>
-              </a:spcAft>
-              <a:buClr>
-                <a:schemeClr val="accent1">
-                  <a:lumMod val="75000"/>
-                </a:schemeClr>
-              </a:buClr>
-              <a:buSzPct val="145000"/>
-              <a:buFont typeface="Arial"/>
-              <a:buChar char="•"/>
-              <a:defRPr sz="1600" kern="1200" cap="none">
-                <a:solidFill>
-                  <a:schemeClr val="tx1"/>
-                </a:solidFill>
-                <a:effectLst/>
-                <a:latin typeface="+mn-lt"/>
-                <a:ea typeface="+mn-ea"/>
-                <a:cs typeface="+mn-cs"/>
-              </a:defRPr>
-            </a:lvl4pPr>
-            <a:lvl5pPr marL="2000250" indent="-171450" algn="l" defTabSz="457200" rtl="0" eaLnBrk="1" latinLnBrk="0" hangingPunct="1">
-              <a:spcBef>
-                <a:spcPct val="20000"/>
-              </a:spcBef>
-              <a:spcAft>
-                <a:spcPts val="600"/>
-              </a:spcAft>
-              <a:buClr>
-                <a:schemeClr val="accent1">
-                  <a:lumMod val="75000"/>
-                </a:schemeClr>
-              </a:buClr>
-              <a:buSzPct val="145000"/>
-              <a:buFont typeface="Arial"/>
-              <a:buChar char="•"/>
-              <a:defRPr sz="1400" kern="1200" cap="none">
-                <a:solidFill>
-                  <a:schemeClr val="tx1"/>
-                </a:solidFill>
-                <a:effectLst/>
-                <a:latin typeface="+mn-lt"/>
-                <a:ea typeface="+mn-ea"/>
-                <a:cs typeface="+mn-cs"/>
-              </a:defRPr>
-            </a:lvl5pPr>
-            <a:lvl6pPr marL="2514600" indent="-228600" algn="l" defTabSz="457200" rtl="0" eaLnBrk="1" latinLnBrk="0" hangingPunct="1">
-              <a:spcBef>
-                <a:spcPct val="20000"/>
-              </a:spcBef>
-              <a:spcAft>
-                <a:spcPts val="600"/>
-              </a:spcAft>
-              <a:buClr>
-                <a:schemeClr val="accent1">
-                  <a:lumMod val="75000"/>
-                </a:schemeClr>
-              </a:buClr>
-              <a:buSzPct val="145000"/>
-              <a:buFont typeface="Arial"/>
-              <a:buChar char="•"/>
-              <a:defRPr sz="1400" kern="1200" cap="none">
-                <a:solidFill>
-                  <a:schemeClr val="tx1"/>
-                </a:solidFill>
-                <a:effectLst/>
-                <a:latin typeface="+mn-lt"/>
-                <a:ea typeface="+mn-ea"/>
-                <a:cs typeface="+mn-cs"/>
-              </a:defRPr>
-            </a:lvl6pPr>
-            <a:lvl7pPr marL="2971800" indent="-228600" algn="l" defTabSz="457200" rtl="0" eaLnBrk="1" latinLnBrk="0" hangingPunct="1">
-              <a:spcBef>
-                <a:spcPct val="20000"/>
-              </a:spcBef>
-              <a:spcAft>
-                <a:spcPts val="600"/>
-              </a:spcAft>
-              <a:buClr>
-                <a:schemeClr val="accent1">
-                  <a:lumMod val="75000"/>
-                </a:schemeClr>
-              </a:buClr>
-              <a:buSzPct val="145000"/>
-              <a:buFont typeface="Arial"/>
-              <a:buChar char="•"/>
-              <a:defRPr sz="1400" kern="1200" cap="none">
-                <a:solidFill>
-                  <a:schemeClr val="tx1"/>
-                </a:solidFill>
-                <a:effectLst/>
-                <a:latin typeface="+mn-lt"/>
-                <a:ea typeface="+mn-ea"/>
-                <a:cs typeface="+mn-cs"/>
-              </a:defRPr>
-            </a:lvl7pPr>
-            <a:lvl8pPr marL="3429000" indent="-228600" algn="l" defTabSz="457200" rtl="0" eaLnBrk="1" latinLnBrk="0" hangingPunct="1">
-              <a:spcBef>
-                <a:spcPct val="20000"/>
-              </a:spcBef>
-              <a:spcAft>
-                <a:spcPts val="600"/>
-              </a:spcAft>
-              <a:buClr>
-                <a:schemeClr val="accent1">
-                  <a:lumMod val="75000"/>
-                </a:schemeClr>
-              </a:buClr>
-              <a:buSzPct val="145000"/>
-              <a:buFont typeface="Arial"/>
-              <a:buChar char="•"/>
-              <a:defRPr sz="1400" kern="1200" cap="none">
-                <a:solidFill>
-                  <a:schemeClr val="tx1"/>
-                </a:solidFill>
-                <a:effectLst/>
-                <a:latin typeface="+mn-lt"/>
-                <a:ea typeface="+mn-ea"/>
-                <a:cs typeface="+mn-cs"/>
-              </a:defRPr>
-            </a:lvl8pPr>
-            <a:lvl9pPr marL="3886200" indent="-228600" algn="l" defTabSz="457200" rtl="0" eaLnBrk="1" latinLnBrk="0" hangingPunct="1">
-              <a:spcBef>
-                <a:spcPct val="20000"/>
-              </a:spcBef>
-              <a:spcAft>
-                <a:spcPts val="600"/>
-              </a:spcAft>
-              <a:buClr>
-                <a:schemeClr val="accent1">
-                  <a:lumMod val="75000"/>
-                </a:schemeClr>
-              </a:buClr>
-              <a:buSzPct val="145000"/>
-              <a:buFont typeface="Arial"/>
-              <a:buChar char="•"/>
-              <a:defRPr sz="1400" kern="1200" cap="none">
-                <a:solidFill>
-                  <a:schemeClr val="tx1"/>
-                </a:solidFill>
-                <a:effectLst/>
-                <a:latin typeface="+mn-lt"/>
-                <a:ea typeface="+mn-ea"/>
-                <a:cs typeface="+mn-cs"/>
-              </a:defRPr>
-            </a:lvl9pPr>
-          </a:lstStyle>
-          <a:p>
-            <a:pPr marL="0" indent="0">
-              <a:buNone/>
-            </a:pPr>
-            <a:r>
-              <a:rPr lang="de-DE" sz="1000" dirty="0" smtClean="0"/>
-              <a:t>Rem0 Röthlisberger, Eric </a:t>
-            </a:r>
-            <a:r>
-              <a:rPr lang="de-DE" sz="1000" dirty="0" err="1" smtClean="0"/>
-              <a:t>Lagger</a:t>
-            </a:r>
-            <a:r>
-              <a:rPr lang="de-DE" sz="1000" dirty="0" smtClean="0"/>
-              <a:t>, Vincent Hofer, Dean Klopsch, Aebi Ryan</a:t>
-            </a:r>
-            <a:endParaRPr lang="de-DE" sz="1000" dirty="0"/>
-          </a:p>
-        </p:txBody>
-      </p:sp>
       <p:pic>
         <p:nvPicPr>
-          <p:cNvPr id="4" name="Bild 3" descr="Untitled Diagram-2.png"/>
+          <p:cNvPr id="7" name="Bild 6" descr="Use_Cases.png"/>
           <p:cNvPicPr>
             <a:picLocks noChangeAspect="1"/>
           </p:cNvPicPr>
@@ -10167,8 +10145,8 @@
         </p:blipFill>
         <p:spPr>
           <a:xfrm>
-            <a:off x="3920031" y="2239967"/>
-            <a:ext cx="5901302" cy="3760634"/>
+            <a:off x="2320938" y="148169"/>
+            <a:ext cx="8791562" cy="6480469"/>
           </a:xfrm>
           <a:prstGeom prst="rect">
             <a:avLst/>
@@ -10178,612 +10156,7 @@
     </p:spTree>
     <p:extLst>
       <p:ext uri="{BB962C8B-B14F-4D97-AF65-F5344CB8AC3E}">
-        <p14:creationId xmlns:p14="http://schemas.microsoft.com/office/powerpoint/2010/main" val="77924049"/>
-      </p:ext>
-    </p:extLst>
-  </p:cSld>
-  <p:clrMapOvr>
-    <a:masterClrMapping/>
-  </p:clrMapOvr>
-  <p:timing>
-    <p:tnLst>
-      <p:par>
-        <p:cTn xmlns:p14="http://schemas.microsoft.com/office/powerpoint/2010/main" id="1" dur="indefinite" restart="never" nodeType="tmRoot"/>
-      </p:par>
-    </p:tnLst>
-  </p:timing>
-</p:sld>
-</file>
-
-<file path=ppt/slides/slide5.xml><?xml version="1.0" encoding="utf-8"?>
-<p:sld xmlns:a="http://schemas.openxmlformats.org/drawingml/2006/main" xmlns:r="http://schemas.openxmlformats.org/officeDocument/2006/relationships" xmlns:p="http://schemas.openxmlformats.org/presentationml/2006/main">
-  <p:cSld>
-    <p:spTree>
-      <p:nvGrpSpPr>
-        <p:cNvPr id="1" name=""/>
-        <p:cNvGrpSpPr/>
-        <p:nvPr/>
-      </p:nvGrpSpPr>
-      <p:grpSpPr>
-        <a:xfrm>
-          <a:off x="0" y="0"/>
-          <a:ext cx="0" cy="0"/>
-          <a:chOff x="0" y="0"/>
-          <a:chExt cx="0" cy="0"/>
-        </a:xfrm>
-      </p:grpSpPr>
-      <p:sp>
-        <p:nvSpPr>
-          <p:cNvPr id="2" name="Titel 1"/>
-          <p:cNvSpPr>
-            <a:spLocks noGrp="1"/>
-          </p:cNvSpPr>
-          <p:nvPr>
-            <p:ph type="title"/>
-          </p:nvPr>
-        </p:nvSpPr>
-        <p:spPr/>
-        <p:txBody>
-          <a:bodyPr/>
-          <a:lstStyle/>
-          <a:p>
-            <a:r>
-              <a:rPr lang="de-DE" dirty="0"/>
-              <a:t>Interaktion mit </a:t>
-            </a:r>
-            <a:r>
-              <a:rPr lang="de-CH" dirty="0" err="1"/>
-              <a:t>Abowd</a:t>
-            </a:r>
-            <a:r>
-              <a:rPr lang="de-CH" dirty="0"/>
-              <a:t> &amp; </a:t>
-            </a:r>
-            <a:r>
-              <a:rPr lang="de-CH" dirty="0" err="1"/>
-              <a:t>Beale's</a:t>
-            </a:r>
-            <a:r>
-              <a:rPr lang="de-CH" dirty="0"/>
-              <a:t> </a:t>
-            </a:r>
-            <a:r>
-              <a:rPr lang="de-CH" dirty="0" smtClean="0"/>
-              <a:t>Modell</a:t>
-            </a:r>
-            <a:endParaRPr lang="de-DE" dirty="0"/>
-          </a:p>
-        </p:txBody>
-      </p:sp>
-      <p:sp>
-        <p:nvSpPr>
-          <p:cNvPr id="8" name="Inhaltsplatzhalter 4"/>
-          <p:cNvSpPr txBox="1">
-            <a:spLocks/>
-          </p:cNvSpPr>
-          <p:nvPr/>
-        </p:nvSpPr>
-        <p:spPr>
-          <a:xfrm>
-            <a:off x="2970189" y="3683294"/>
-            <a:ext cx="949842" cy="666307"/>
-          </a:xfrm>
-          <a:prstGeom prst="rect">
-            <a:avLst/>
-          </a:prstGeom>
-        </p:spPr>
-        <p:txBody>
-          <a:bodyPr vert="horz" lIns="91440" tIns="45720" rIns="91440" bIns="45720" rtlCol="0" anchor="ctr">
-            <a:normAutofit/>
-          </a:bodyPr>
-          <a:lstStyle>
-            <a:lvl1pPr marL="285750" indent="-285750" algn="l" defTabSz="457200" rtl="0" eaLnBrk="1" latinLnBrk="0" hangingPunct="1">
-              <a:spcBef>
-                <a:spcPct val="20000"/>
-              </a:spcBef>
-              <a:spcAft>
-                <a:spcPts val="600"/>
-              </a:spcAft>
-              <a:buClr>
-                <a:schemeClr val="accent1">
-                  <a:lumMod val="75000"/>
-                </a:schemeClr>
-              </a:buClr>
-              <a:buSzPct val="145000"/>
-              <a:buFont typeface="Arial"/>
-              <a:buChar char="•"/>
-              <a:defRPr sz="2400" kern="1200" cap="none">
-                <a:solidFill>
-                  <a:schemeClr val="tx1"/>
-                </a:solidFill>
-                <a:effectLst/>
-                <a:latin typeface="+mn-lt"/>
-                <a:ea typeface="+mn-ea"/>
-                <a:cs typeface="+mn-cs"/>
-              </a:defRPr>
-            </a:lvl1pPr>
-            <a:lvl2pPr marL="742950" indent="-285750" algn="l" defTabSz="457200" rtl="0" eaLnBrk="1" latinLnBrk="0" hangingPunct="1">
-              <a:spcBef>
-                <a:spcPct val="20000"/>
-              </a:spcBef>
-              <a:spcAft>
-                <a:spcPts val="600"/>
-              </a:spcAft>
-              <a:buClr>
-                <a:schemeClr val="accent1">
-                  <a:lumMod val="75000"/>
-                </a:schemeClr>
-              </a:buClr>
-              <a:buSzPct val="145000"/>
-              <a:buFont typeface="Arial"/>
-              <a:buChar char="•"/>
-              <a:defRPr sz="2000" kern="1200" cap="none">
-                <a:solidFill>
-                  <a:schemeClr val="tx1"/>
-                </a:solidFill>
-                <a:effectLst/>
-                <a:latin typeface="+mn-lt"/>
-                <a:ea typeface="+mn-ea"/>
-                <a:cs typeface="+mn-cs"/>
-              </a:defRPr>
-            </a:lvl2pPr>
-            <a:lvl3pPr marL="1200150" indent="-285750" algn="l" defTabSz="457200" rtl="0" eaLnBrk="1" latinLnBrk="0" hangingPunct="1">
-              <a:spcBef>
-                <a:spcPct val="20000"/>
-              </a:spcBef>
-              <a:spcAft>
-                <a:spcPts val="600"/>
-              </a:spcAft>
-              <a:buClr>
-                <a:schemeClr val="accent1">
-                  <a:lumMod val="75000"/>
-                </a:schemeClr>
-              </a:buClr>
-              <a:buSzPct val="145000"/>
-              <a:buFont typeface="Arial"/>
-              <a:buChar char="•"/>
-              <a:defRPr sz="1800" kern="1200" cap="none">
-                <a:solidFill>
-                  <a:schemeClr val="tx1"/>
-                </a:solidFill>
-                <a:effectLst/>
-                <a:latin typeface="+mn-lt"/>
-                <a:ea typeface="+mn-ea"/>
-                <a:cs typeface="+mn-cs"/>
-              </a:defRPr>
-            </a:lvl3pPr>
-            <a:lvl4pPr marL="1543050" indent="-171450" algn="l" defTabSz="457200" rtl="0" eaLnBrk="1" latinLnBrk="0" hangingPunct="1">
-              <a:spcBef>
-                <a:spcPct val="20000"/>
-              </a:spcBef>
-              <a:spcAft>
-                <a:spcPts val="600"/>
-              </a:spcAft>
-              <a:buClr>
-                <a:schemeClr val="accent1">
-                  <a:lumMod val="75000"/>
-                </a:schemeClr>
-              </a:buClr>
-              <a:buSzPct val="145000"/>
-              <a:buFont typeface="Arial"/>
-              <a:buChar char="•"/>
-              <a:defRPr sz="1600" kern="1200" cap="none">
-                <a:solidFill>
-                  <a:schemeClr val="tx1"/>
-                </a:solidFill>
-                <a:effectLst/>
-                <a:latin typeface="+mn-lt"/>
-                <a:ea typeface="+mn-ea"/>
-                <a:cs typeface="+mn-cs"/>
-              </a:defRPr>
-            </a:lvl4pPr>
-            <a:lvl5pPr marL="2000250" indent="-171450" algn="l" defTabSz="457200" rtl="0" eaLnBrk="1" latinLnBrk="0" hangingPunct="1">
-              <a:spcBef>
-                <a:spcPct val="20000"/>
-              </a:spcBef>
-              <a:spcAft>
-                <a:spcPts val="600"/>
-              </a:spcAft>
-              <a:buClr>
-                <a:schemeClr val="accent1">
-                  <a:lumMod val="75000"/>
-                </a:schemeClr>
-              </a:buClr>
-              <a:buSzPct val="145000"/>
-              <a:buFont typeface="Arial"/>
-              <a:buChar char="•"/>
-              <a:defRPr sz="1400" kern="1200" cap="none">
-                <a:solidFill>
-                  <a:schemeClr val="tx1"/>
-                </a:solidFill>
-                <a:effectLst/>
-                <a:latin typeface="+mn-lt"/>
-                <a:ea typeface="+mn-ea"/>
-                <a:cs typeface="+mn-cs"/>
-              </a:defRPr>
-            </a:lvl5pPr>
-            <a:lvl6pPr marL="2514600" indent="-228600" algn="l" defTabSz="457200" rtl="0" eaLnBrk="1" latinLnBrk="0" hangingPunct="1">
-              <a:spcBef>
-                <a:spcPct val="20000"/>
-              </a:spcBef>
-              <a:spcAft>
-                <a:spcPts val="600"/>
-              </a:spcAft>
-              <a:buClr>
-                <a:schemeClr val="accent1">
-                  <a:lumMod val="75000"/>
-                </a:schemeClr>
-              </a:buClr>
-              <a:buSzPct val="145000"/>
-              <a:buFont typeface="Arial"/>
-              <a:buChar char="•"/>
-              <a:defRPr sz="1400" kern="1200" cap="none">
-                <a:solidFill>
-                  <a:schemeClr val="tx1"/>
-                </a:solidFill>
-                <a:effectLst/>
-                <a:latin typeface="+mn-lt"/>
-                <a:ea typeface="+mn-ea"/>
-                <a:cs typeface="+mn-cs"/>
-              </a:defRPr>
-            </a:lvl6pPr>
-            <a:lvl7pPr marL="2971800" indent="-228600" algn="l" defTabSz="457200" rtl="0" eaLnBrk="1" latinLnBrk="0" hangingPunct="1">
-              <a:spcBef>
-                <a:spcPct val="20000"/>
-              </a:spcBef>
-              <a:spcAft>
-                <a:spcPts val="600"/>
-              </a:spcAft>
-              <a:buClr>
-                <a:schemeClr val="accent1">
-                  <a:lumMod val="75000"/>
-                </a:schemeClr>
-              </a:buClr>
-              <a:buSzPct val="145000"/>
-              <a:buFont typeface="Arial"/>
-              <a:buChar char="•"/>
-              <a:defRPr sz="1400" kern="1200" cap="none">
-                <a:solidFill>
-                  <a:schemeClr val="tx1"/>
-                </a:solidFill>
-                <a:effectLst/>
-                <a:latin typeface="+mn-lt"/>
-                <a:ea typeface="+mn-ea"/>
-                <a:cs typeface="+mn-cs"/>
-              </a:defRPr>
-            </a:lvl7pPr>
-            <a:lvl8pPr marL="3429000" indent="-228600" algn="l" defTabSz="457200" rtl="0" eaLnBrk="1" latinLnBrk="0" hangingPunct="1">
-              <a:spcBef>
-                <a:spcPct val="20000"/>
-              </a:spcBef>
-              <a:spcAft>
-                <a:spcPts val="600"/>
-              </a:spcAft>
-              <a:buClr>
-                <a:schemeClr val="accent1">
-                  <a:lumMod val="75000"/>
-                </a:schemeClr>
-              </a:buClr>
-              <a:buSzPct val="145000"/>
-              <a:buFont typeface="Arial"/>
-              <a:buChar char="•"/>
-              <a:defRPr sz="1400" kern="1200" cap="none">
-                <a:solidFill>
-                  <a:schemeClr val="tx1"/>
-                </a:solidFill>
-                <a:effectLst/>
-                <a:latin typeface="+mn-lt"/>
-                <a:ea typeface="+mn-ea"/>
-                <a:cs typeface="+mn-cs"/>
-              </a:defRPr>
-            </a:lvl8pPr>
-            <a:lvl9pPr marL="3886200" indent="-228600" algn="l" defTabSz="457200" rtl="0" eaLnBrk="1" latinLnBrk="0" hangingPunct="1">
-              <a:spcBef>
-                <a:spcPct val="20000"/>
-              </a:spcBef>
-              <a:spcAft>
-                <a:spcPts val="600"/>
-              </a:spcAft>
-              <a:buClr>
-                <a:schemeClr val="accent1">
-                  <a:lumMod val="75000"/>
-                </a:schemeClr>
-              </a:buClr>
-              <a:buSzPct val="145000"/>
-              <a:buFont typeface="Arial"/>
-              <a:buChar char="•"/>
-              <a:defRPr sz="1400" kern="1200" cap="none">
-                <a:solidFill>
-                  <a:schemeClr val="tx1"/>
-                </a:solidFill>
-                <a:effectLst/>
-                <a:latin typeface="+mn-lt"/>
-                <a:ea typeface="+mn-ea"/>
-                <a:cs typeface="+mn-cs"/>
-              </a:defRPr>
-            </a:lvl9pPr>
-          </a:lstStyle>
-          <a:p>
-            <a:pPr marL="0" indent="0">
-              <a:buFont typeface="Arial"/>
-              <a:buNone/>
-            </a:pPr>
-            <a:endParaRPr lang="de-CH" dirty="0"/>
-          </a:p>
-        </p:txBody>
-      </p:sp>
-      <p:sp>
-        <p:nvSpPr>
-          <p:cNvPr id="6" name="Inhaltsplatzhalter 2"/>
-          <p:cNvSpPr txBox="1">
-            <a:spLocks/>
-          </p:cNvSpPr>
-          <p:nvPr/>
-        </p:nvSpPr>
-        <p:spPr>
-          <a:xfrm>
-            <a:off x="8137451" y="-41565"/>
-            <a:ext cx="4054549" cy="370610"/>
-          </a:xfrm>
-          <a:prstGeom prst="rect">
-            <a:avLst/>
-          </a:prstGeom>
-        </p:spPr>
-        <p:txBody>
-          <a:bodyPr vert="horz" lIns="91440" tIns="45720" rIns="91440" bIns="45720" rtlCol="0" anchor="ctr">
-            <a:normAutofit/>
-          </a:bodyPr>
-          <a:lstStyle>
-            <a:lvl1pPr marL="285750" indent="-285750" algn="l" defTabSz="457200" rtl="0" eaLnBrk="1" latinLnBrk="0" hangingPunct="1">
-              <a:spcBef>
-                <a:spcPct val="20000"/>
-              </a:spcBef>
-              <a:spcAft>
-                <a:spcPts val="600"/>
-              </a:spcAft>
-              <a:buClr>
-                <a:schemeClr val="accent1">
-                  <a:lumMod val="75000"/>
-                </a:schemeClr>
-              </a:buClr>
-              <a:buSzPct val="145000"/>
-              <a:buFont typeface="Arial"/>
-              <a:buChar char="•"/>
-              <a:defRPr sz="2400" kern="1200" cap="none">
-                <a:solidFill>
-                  <a:schemeClr val="tx1"/>
-                </a:solidFill>
-                <a:effectLst/>
-                <a:latin typeface="+mn-lt"/>
-                <a:ea typeface="+mn-ea"/>
-                <a:cs typeface="+mn-cs"/>
-              </a:defRPr>
-            </a:lvl1pPr>
-            <a:lvl2pPr marL="742950" indent="-285750" algn="l" defTabSz="457200" rtl="0" eaLnBrk="1" latinLnBrk="0" hangingPunct="1">
-              <a:spcBef>
-                <a:spcPct val="20000"/>
-              </a:spcBef>
-              <a:spcAft>
-                <a:spcPts val="600"/>
-              </a:spcAft>
-              <a:buClr>
-                <a:schemeClr val="accent1">
-                  <a:lumMod val="75000"/>
-                </a:schemeClr>
-              </a:buClr>
-              <a:buSzPct val="145000"/>
-              <a:buFont typeface="Arial"/>
-              <a:buChar char="•"/>
-              <a:defRPr sz="2000" kern="1200" cap="none">
-                <a:solidFill>
-                  <a:schemeClr val="tx1"/>
-                </a:solidFill>
-                <a:effectLst/>
-                <a:latin typeface="+mn-lt"/>
-                <a:ea typeface="+mn-ea"/>
-                <a:cs typeface="+mn-cs"/>
-              </a:defRPr>
-            </a:lvl2pPr>
-            <a:lvl3pPr marL="1200150" indent="-285750" algn="l" defTabSz="457200" rtl="0" eaLnBrk="1" latinLnBrk="0" hangingPunct="1">
-              <a:spcBef>
-                <a:spcPct val="20000"/>
-              </a:spcBef>
-              <a:spcAft>
-                <a:spcPts val="600"/>
-              </a:spcAft>
-              <a:buClr>
-                <a:schemeClr val="accent1">
-                  <a:lumMod val="75000"/>
-                </a:schemeClr>
-              </a:buClr>
-              <a:buSzPct val="145000"/>
-              <a:buFont typeface="Arial"/>
-              <a:buChar char="•"/>
-              <a:defRPr sz="1800" kern="1200" cap="none">
-                <a:solidFill>
-                  <a:schemeClr val="tx1"/>
-                </a:solidFill>
-                <a:effectLst/>
-                <a:latin typeface="+mn-lt"/>
-                <a:ea typeface="+mn-ea"/>
-                <a:cs typeface="+mn-cs"/>
-              </a:defRPr>
-            </a:lvl3pPr>
-            <a:lvl4pPr marL="1543050" indent="-171450" algn="l" defTabSz="457200" rtl="0" eaLnBrk="1" latinLnBrk="0" hangingPunct="1">
-              <a:spcBef>
-                <a:spcPct val="20000"/>
-              </a:spcBef>
-              <a:spcAft>
-                <a:spcPts val="600"/>
-              </a:spcAft>
-              <a:buClr>
-                <a:schemeClr val="accent1">
-                  <a:lumMod val="75000"/>
-                </a:schemeClr>
-              </a:buClr>
-              <a:buSzPct val="145000"/>
-              <a:buFont typeface="Arial"/>
-              <a:buChar char="•"/>
-              <a:defRPr sz="1600" kern="1200" cap="none">
-                <a:solidFill>
-                  <a:schemeClr val="tx1"/>
-                </a:solidFill>
-                <a:effectLst/>
-                <a:latin typeface="+mn-lt"/>
-                <a:ea typeface="+mn-ea"/>
-                <a:cs typeface="+mn-cs"/>
-              </a:defRPr>
-            </a:lvl4pPr>
-            <a:lvl5pPr marL="2000250" indent="-171450" algn="l" defTabSz="457200" rtl="0" eaLnBrk="1" latinLnBrk="0" hangingPunct="1">
-              <a:spcBef>
-                <a:spcPct val="20000"/>
-              </a:spcBef>
-              <a:spcAft>
-                <a:spcPts val="600"/>
-              </a:spcAft>
-              <a:buClr>
-                <a:schemeClr val="accent1">
-                  <a:lumMod val="75000"/>
-                </a:schemeClr>
-              </a:buClr>
-              <a:buSzPct val="145000"/>
-              <a:buFont typeface="Arial"/>
-              <a:buChar char="•"/>
-              <a:defRPr sz="1400" kern="1200" cap="none">
-                <a:solidFill>
-                  <a:schemeClr val="tx1"/>
-                </a:solidFill>
-                <a:effectLst/>
-                <a:latin typeface="+mn-lt"/>
-                <a:ea typeface="+mn-ea"/>
-                <a:cs typeface="+mn-cs"/>
-              </a:defRPr>
-            </a:lvl5pPr>
-            <a:lvl6pPr marL="2514600" indent="-228600" algn="l" defTabSz="457200" rtl="0" eaLnBrk="1" latinLnBrk="0" hangingPunct="1">
-              <a:spcBef>
-                <a:spcPct val="20000"/>
-              </a:spcBef>
-              <a:spcAft>
-                <a:spcPts val="600"/>
-              </a:spcAft>
-              <a:buClr>
-                <a:schemeClr val="accent1">
-                  <a:lumMod val="75000"/>
-                </a:schemeClr>
-              </a:buClr>
-              <a:buSzPct val="145000"/>
-              <a:buFont typeface="Arial"/>
-              <a:buChar char="•"/>
-              <a:defRPr sz="1400" kern="1200" cap="none">
-                <a:solidFill>
-                  <a:schemeClr val="tx1"/>
-                </a:solidFill>
-                <a:effectLst/>
-                <a:latin typeface="+mn-lt"/>
-                <a:ea typeface="+mn-ea"/>
-                <a:cs typeface="+mn-cs"/>
-              </a:defRPr>
-            </a:lvl6pPr>
-            <a:lvl7pPr marL="2971800" indent="-228600" algn="l" defTabSz="457200" rtl="0" eaLnBrk="1" latinLnBrk="0" hangingPunct="1">
-              <a:spcBef>
-                <a:spcPct val="20000"/>
-              </a:spcBef>
-              <a:spcAft>
-                <a:spcPts val="600"/>
-              </a:spcAft>
-              <a:buClr>
-                <a:schemeClr val="accent1">
-                  <a:lumMod val="75000"/>
-                </a:schemeClr>
-              </a:buClr>
-              <a:buSzPct val="145000"/>
-              <a:buFont typeface="Arial"/>
-              <a:buChar char="•"/>
-              <a:defRPr sz="1400" kern="1200" cap="none">
-                <a:solidFill>
-                  <a:schemeClr val="tx1"/>
-                </a:solidFill>
-                <a:effectLst/>
-                <a:latin typeface="+mn-lt"/>
-                <a:ea typeface="+mn-ea"/>
-                <a:cs typeface="+mn-cs"/>
-              </a:defRPr>
-            </a:lvl7pPr>
-            <a:lvl8pPr marL="3429000" indent="-228600" algn="l" defTabSz="457200" rtl="0" eaLnBrk="1" latinLnBrk="0" hangingPunct="1">
-              <a:spcBef>
-                <a:spcPct val="20000"/>
-              </a:spcBef>
-              <a:spcAft>
-                <a:spcPts val="600"/>
-              </a:spcAft>
-              <a:buClr>
-                <a:schemeClr val="accent1">
-                  <a:lumMod val="75000"/>
-                </a:schemeClr>
-              </a:buClr>
-              <a:buSzPct val="145000"/>
-              <a:buFont typeface="Arial"/>
-              <a:buChar char="•"/>
-              <a:defRPr sz="1400" kern="1200" cap="none">
-                <a:solidFill>
-                  <a:schemeClr val="tx1"/>
-                </a:solidFill>
-                <a:effectLst/>
-                <a:latin typeface="+mn-lt"/>
-                <a:ea typeface="+mn-ea"/>
-                <a:cs typeface="+mn-cs"/>
-              </a:defRPr>
-            </a:lvl8pPr>
-            <a:lvl9pPr marL="3886200" indent="-228600" algn="l" defTabSz="457200" rtl="0" eaLnBrk="1" latinLnBrk="0" hangingPunct="1">
-              <a:spcBef>
-                <a:spcPct val="20000"/>
-              </a:spcBef>
-              <a:spcAft>
-                <a:spcPts val="600"/>
-              </a:spcAft>
-              <a:buClr>
-                <a:schemeClr val="accent1">
-                  <a:lumMod val="75000"/>
-                </a:schemeClr>
-              </a:buClr>
-              <a:buSzPct val="145000"/>
-              <a:buFont typeface="Arial"/>
-              <a:buChar char="•"/>
-              <a:defRPr sz="1400" kern="1200" cap="none">
-                <a:solidFill>
-                  <a:schemeClr val="tx1"/>
-                </a:solidFill>
-                <a:effectLst/>
-                <a:latin typeface="+mn-lt"/>
-                <a:ea typeface="+mn-ea"/>
-                <a:cs typeface="+mn-cs"/>
-              </a:defRPr>
-            </a:lvl9pPr>
-          </a:lstStyle>
-          <a:p>
-            <a:pPr marL="0" indent="0">
-              <a:buNone/>
-            </a:pPr>
-            <a:r>
-              <a:rPr lang="de-DE" sz="1000" dirty="0" smtClean="0"/>
-              <a:t>Rem0 Röthlisberger, Eric </a:t>
-            </a:r>
-            <a:r>
-              <a:rPr lang="de-DE" sz="1000" dirty="0" err="1" smtClean="0"/>
-              <a:t>Lagger</a:t>
-            </a:r>
-            <a:r>
-              <a:rPr lang="de-DE" sz="1000" dirty="0" smtClean="0"/>
-              <a:t>, Vincent Hofer, Dean Klopsch, Aebi Ryan</a:t>
-            </a:r>
-            <a:endParaRPr lang="de-DE" sz="1000" dirty="0"/>
-          </a:p>
-        </p:txBody>
-      </p:sp>
-    </p:spTree>
-    <p:extLst>
-      <p:ext uri="{BB962C8B-B14F-4D97-AF65-F5344CB8AC3E}">
-        <p14:creationId xmlns:p14="http://schemas.microsoft.com/office/powerpoint/2010/main" val="3191222765"/>
+        <p14:creationId xmlns:p14="http://schemas.microsoft.com/office/powerpoint/2010/main" val="3309295134"/>
       </p:ext>
     </p:extLst>
   </p:cSld>
@@ -10827,34 +10200,50 @@
             <p:ph type="title"/>
           </p:nvPr>
         </p:nvSpPr>
-        <p:spPr/>
+        <p:spPr>
+          <a:xfrm>
+            <a:off x="1484311" y="685800"/>
+            <a:ext cx="6199189" cy="1752599"/>
+          </a:xfrm>
+        </p:spPr>
         <p:txBody>
           <a:bodyPr/>
           <a:lstStyle/>
           <a:p>
             <a:r>
+              <a:rPr lang="de-DE" dirty="0" smtClean="0"/>
+              <a:t>Scenario </a:t>
+            </a:r>
+            <a:r>
               <a:rPr lang="de-DE" dirty="0"/>
-              <a:t>Interaktion mit </a:t>
-            </a:r>
-            <a:r>
-              <a:rPr lang="de-CH" dirty="0" err="1"/>
-              <a:t>Abowd</a:t>
-            </a:r>
-            <a:r>
-              <a:rPr lang="de-CH" dirty="0"/>
-              <a:t> &amp; </a:t>
-            </a:r>
-            <a:r>
-              <a:rPr lang="de-CH" dirty="0" err="1"/>
-              <a:t>Beale's</a:t>
-            </a:r>
-            <a:r>
-              <a:rPr lang="de-CH" dirty="0"/>
+              <a:t/>
+            </a:r>
+            <a:br>
+              <a:rPr lang="de-DE" dirty="0"/>
+            </a:br>
+            <a:r>
+              <a:rPr lang="de-DE" dirty="0" err="1" smtClean="0"/>
+              <a:t>Placing</a:t>
+            </a:r>
+            <a:r>
+              <a:rPr lang="de-DE" dirty="0" smtClean="0"/>
               <a:t> </a:t>
             </a:r>
             <a:r>
-              <a:rPr lang="de-CH" dirty="0" smtClean="0"/>
-              <a:t>Modell</a:t>
+              <a:rPr lang="de-DE" dirty="0" smtClean="0"/>
+              <a:t>a </a:t>
+            </a:r>
+            <a:r>
+              <a:rPr lang="de-DE" dirty="0" err="1" smtClean="0"/>
+              <a:t>new</a:t>
+            </a:r>
+            <a:r>
+              <a:rPr lang="de-DE" dirty="0" smtClean="0"/>
+              <a:t> </a:t>
+            </a:r>
+            <a:r>
+              <a:rPr lang="de-DE" dirty="0" err="1" smtClean="0"/>
+              <a:t>auction</a:t>
             </a:r>
             <a:endParaRPr lang="de-DE" dirty="0"/>
           </a:p>
@@ -11385,10 +10774,183 @@
           </a:p>
         </p:txBody>
       </p:sp>
+      <p:pic>
+        <p:nvPicPr>
+          <p:cNvPr id="3" name="Bild 2" descr="John_Wayne.png"/>
+          <p:cNvPicPr>
+            <a:picLocks noChangeAspect="1"/>
+          </p:cNvPicPr>
+          <p:nvPr/>
+        </p:nvPicPr>
+        <p:blipFill>
+          <a:blip r:embed="rId3">
+            <a:extLst>
+              <a:ext uri="{28A0092B-C50C-407E-A947-70E740481C1C}">
+                <a14:useLocalDpi xmlns:a14="http://schemas.microsoft.com/office/drawing/2010/main" val="0"/>
+              </a:ext>
+            </a:extLst>
+          </a:blip>
+          <a:stretch>
+            <a:fillRect/>
+          </a:stretch>
+        </p:blipFill>
+        <p:spPr>
+          <a:xfrm>
+            <a:off x="7885053" y="914382"/>
+            <a:ext cx="2444280" cy="5537824"/>
+          </a:xfrm>
+          <a:prstGeom prst="rect">
+            <a:avLst/>
+          </a:prstGeom>
+        </p:spPr>
+      </p:pic>
+      <p:sp>
+        <p:nvSpPr>
+          <p:cNvPr id="11" name="Inhaltsplatzhalter 2"/>
+          <p:cNvSpPr>
+            <a:spLocks noGrp="1"/>
+          </p:cNvSpPr>
+          <p:nvPr>
+            <p:ph idx="1"/>
+          </p:nvPr>
+        </p:nvSpPr>
+        <p:spPr>
+          <a:xfrm>
+            <a:off x="1735667" y="2515205"/>
+            <a:ext cx="5947832" cy="3937001"/>
+          </a:xfrm>
+        </p:spPr>
+        <p:txBody>
+          <a:bodyPr/>
+          <a:lstStyle/>
+          <a:p>
+            <a:r>
+              <a:rPr lang="de-DE" dirty="0"/>
+              <a:t>Place a </a:t>
+            </a:r>
+            <a:r>
+              <a:rPr lang="de-DE" dirty="0" err="1"/>
+              <a:t>new</a:t>
+            </a:r>
+            <a:r>
+              <a:rPr lang="de-DE" dirty="0"/>
+              <a:t> </a:t>
+            </a:r>
+            <a:r>
+              <a:rPr lang="de-DE" dirty="0" err="1"/>
+              <a:t>auction</a:t>
+            </a:r>
+            <a:r>
+              <a:rPr lang="de-DE" dirty="0"/>
+              <a:t> </a:t>
+            </a:r>
+            <a:r>
+              <a:rPr lang="de-DE" dirty="0" err="1" smtClean="0"/>
+              <a:t>of</a:t>
+            </a:r>
+            <a:r>
+              <a:rPr lang="de-DE" dirty="0" smtClean="0"/>
+              <a:t> type </a:t>
+            </a:r>
+            <a:r>
+              <a:rPr lang="de-DE" dirty="0" err="1" smtClean="0"/>
+              <a:t>apartment</a:t>
+            </a:r>
+            <a:r>
+              <a:rPr lang="de-DE" dirty="0" smtClean="0"/>
+              <a:t/>
+            </a:r>
+            <a:br>
+              <a:rPr lang="de-DE" dirty="0" smtClean="0"/>
+            </a:br>
+            <a:endParaRPr lang="de-DE" dirty="0" smtClean="0"/>
+          </a:p>
+          <a:p>
+            <a:r>
+              <a:rPr lang="de-DE" dirty="0" err="1" smtClean="0"/>
+              <a:t>Evaluate</a:t>
+            </a:r>
+            <a:r>
+              <a:rPr lang="de-DE" dirty="0" smtClean="0"/>
+              <a:t> </a:t>
+            </a:r>
+            <a:r>
+              <a:rPr lang="de-DE" dirty="0" err="1" smtClean="0"/>
+              <a:t>the</a:t>
+            </a:r>
+            <a:r>
+              <a:rPr lang="de-DE" dirty="0" smtClean="0"/>
+              <a:t> </a:t>
+            </a:r>
+            <a:r>
+              <a:rPr lang="de-DE" dirty="0" err="1" smtClean="0"/>
+              <a:t>current</a:t>
+            </a:r>
+            <a:r>
+              <a:rPr lang="de-DE" dirty="0" smtClean="0"/>
+              <a:t> </a:t>
+            </a:r>
+            <a:r>
+              <a:rPr lang="de-DE" dirty="0" err="1" smtClean="0"/>
+              <a:t>ranking</a:t>
+            </a:r>
+            <a:r>
+              <a:rPr lang="de-DE" dirty="0"/>
+              <a:t/>
+            </a:r>
+            <a:br>
+              <a:rPr lang="de-DE" dirty="0"/>
+            </a:br>
+            <a:endParaRPr lang="de-DE" dirty="0" smtClean="0"/>
+          </a:p>
+          <a:p>
+            <a:r>
+              <a:rPr lang="de-DE" dirty="0" err="1" smtClean="0"/>
+              <a:t>Decide</a:t>
+            </a:r>
+            <a:r>
+              <a:rPr lang="de-DE" dirty="0" smtClean="0"/>
+              <a:t> </a:t>
+            </a:r>
+            <a:r>
+              <a:rPr lang="de-DE" dirty="0" err="1" smtClean="0"/>
+              <a:t>to</a:t>
+            </a:r>
+            <a:r>
+              <a:rPr lang="de-DE" dirty="0" smtClean="0"/>
+              <a:t> </a:t>
+            </a:r>
+            <a:r>
+              <a:rPr lang="de-DE" dirty="0" err="1" smtClean="0"/>
+              <a:t>get</a:t>
+            </a:r>
+            <a:r>
+              <a:rPr lang="de-DE" dirty="0" smtClean="0"/>
+              <a:t> </a:t>
+            </a:r>
+            <a:r>
+              <a:rPr lang="de-DE" dirty="0" err="1" smtClean="0"/>
+              <a:t>the</a:t>
+            </a:r>
+            <a:r>
+              <a:rPr lang="de-DE" dirty="0" smtClean="0"/>
+              <a:t> premium </a:t>
+            </a:r>
+            <a:r>
+              <a:rPr lang="de-DE" dirty="0" err="1" smtClean="0"/>
+              <a:t>feature</a:t>
+            </a:r>
+            <a:endParaRPr lang="de-DE" dirty="0"/>
+          </a:p>
+          <a:p>
+            <a:endParaRPr lang="de-DE" dirty="0"/>
+          </a:p>
+        </p:txBody>
+      </p:sp>
     </p:spTree>
     <p:extLst>
       <p:ext uri="{BB962C8B-B14F-4D97-AF65-F5344CB8AC3E}">
-        <p14:creationId xmlns:p14="http://schemas.microsoft.com/office/powerpoint/2010/main" val="38966616"/>
+        <p14:creationId xmlns:p14="http://schemas.microsoft.com/office/powerpoint/2010/main" val="77924049"/>
       </p:ext>
     </p:extLst>
   </p:cSld>
@@ -11432,34 +10994,57 @@
             <p:ph type="title"/>
           </p:nvPr>
         </p:nvSpPr>
-        <p:spPr/>
-        <p:txBody>
-          <a:bodyPr/>
+        <p:spPr>
+          <a:xfrm>
+            <a:off x="1484312" y="685800"/>
+            <a:ext cx="5902856" cy="1752599"/>
+          </a:xfrm>
+        </p:spPr>
+        <p:txBody>
+          <a:bodyPr>
+            <a:normAutofit fontScale="90000"/>
+          </a:bodyPr>
           <a:lstStyle/>
           <a:p>
             <a:r>
-              <a:rPr lang="de-DE" dirty="0"/>
-              <a:t>Interaktion mit </a:t>
-            </a:r>
-            <a:r>
-              <a:rPr lang="de-CH" dirty="0" err="1"/>
-              <a:t>Abowd</a:t>
-            </a:r>
-            <a:r>
-              <a:rPr lang="de-CH" dirty="0"/>
-              <a:t> &amp; </a:t>
-            </a:r>
-            <a:r>
-              <a:rPr lang="de-CH" dirty="0" err="1"/>
-              <a:t>Beale's</a:t>
-            </a:r>
-            <a:r>
-              <a:rPr lang="de-CH" dirty="0"/>
+              <a:rPr lang="de-DE" dirty="0" smtClean="0"/>
+              <a:t>Scenario – Login </a:t>
+            </a:r>
+            <a:r>
+              <a:rPr lang="de-DE" dirty="0" err="1" smtClean="0"/>
+              <a:t>with</a:t>
+            </a:r>
+            <a:r>
+              <a:rPr lang="de-DE" dirty="0" smtClean="0"/>
+              <a:t> Google </a:t>
+            </a:r>
+            <a:r>
+              <a:rPr lang="de-DE" dirty="0" err="1" smtClean="0"/>
+              <a:t>and</a:t>
+            </a:r>
+            <a:r>
+              <a:rPr lang="de-DE" dirty="0" smtClean="0"/>
               <a:t> </a:t>
             </a:r>
             <a:r>
-              <a:rPr lang="de-CH" dirty="0" smtClean="0"/>
-              <a:t>Modell</a:t>
+              <a:rPr lang="de-DE" dirty="0" err="1" smtClean="0"/>
+              <a:t>make</a:t>
+            </a:r>
+            <a:r>
+              <a:rPr lang="de-DE" dirty="0" smtClean="0"/>
+              <a:t> a </a:t>
+            </a:r>
+            <a:r>
+              <a:rPr lang="de-DE" dirty="0" err="1" smtClean="0"/>
+              <a:t>bid</a:t>
+            </a:r>
+            <a:r>
+              <a:rPr lang="de-DE" dirty="0" smtClean="0"/>
+              <a:t> on an </a:t>
+            </a:r>
+            <a:r>
+              <a:rPr lang="de-DE" dirty="0" err="1" smtClean="0"/>
+              <a:t>auction</a:t>
             </a:r>
             <a:endParaRPr lang="de-DE" dirty="0"/>
           </a:p>
@@ -11990,10 +11575,150 @@
           </a:p>
         </p:txBody>
       </p:sp>
+      <p:sp>
+        <p:nvSpPr>
+          <p:cNvPr id="5" name="Inhaltsplatzhalter 2"/>
+          <p:cNvSpPr>
+            <a:spLocks noGrp="1"/>
+          </p:cNvSpPr>
+          <p:nvPr>
+            <p:ph idx="1"/>
+          </p:nvPr>
+        </p:nvSpPr>
+        <p:spPr>
+          <a:xfrm>
+            <a:off x="1735667" y="2515205"/>
+            <a:ext cx="5037666" cy="3937001"/>
+          </a:xfrm>
+        </p:spPr>
+        <p:txBody>
+          <a:bodyPr/>
+          <a:lstStyle/>
+          <a:p>
+            <a:r>
+              <a:rPr lang="de-DE" dirty="0" smtClean="0"/>
+              <a:t>Login </a:t>
+            </a:r>
+            <a:r>
+              <a:rPr lang="de-DE" dirty="0" err="1" smtClean="0"/>
+              <a:t>with</a:t>
+            </a:r>
+            <a:r>
+              <a:rPr lang="de-DE" dirty="0" smtClean="0"/>
+              <a:t> </a:t>
+            </a:r>
+            <a:r>
+              <a:rPr lang="de-DE" dirty="0" err="1" smtClean="0"/>
+              <a:t>your</a:t>
+            </a:r>
+            <a:r>
+              <a:rPr lang="de-DE" dirty="0" smtClean="0"/>
+              <a:t> Google </a:t>
+            </a:r>
+            <a:r>
+              <a:rPr lang="de-DE" dirty="0" err="1" smtClean="0"/>
+              <a:t>account</a:t>
+            </a:r>
+            <a:r>
+              <a:rPr lang="de-DE" dirty="0" smtClean="0"/>
+              <a:t/>
+            </a:r>
+            <a:br>
+              <a:rPr lang="de-DE" dirty="0" smtClean="0"/>
+            </a:br>
+            <a:endParaRPr lang="de-DE" dirty="0" smtClean="0"/>
+          </a:p>
+          <a:p>
+            <a:r>
+              <a:rPr lang="de-DE" dirty="0" err="1" smtClean="0"/>
+              <a:t>Decide</a:t>
+            </a:r>
+            <a:r>
+              <a:rPr lang="de-DE" dirty="0" smtClean="0"/>
+              <a:t> </a:t>
+            </a:r>
+            <a:r>
+              <a:rPr lang="de-DE" dirty="0" err="1" smtClean="0"/>
+              <a:t>to</a:t>
+            </a:r>
+            <a:r>
+              <a:rPr lang="de-DE" dirty="0" smtClean="0"/>
+              <a:t> </a:t>
+            </a:r>
+            <a:r>
+              <a:rPr lang="de-DE" dirty="0" err="1" smtClean="0"/>
+              <a:t>make</a:t>
+            </a:r>
+            <a:r>
+              <a:rPr lang="de-DE" dirty="0" smtClean="0"/>
+              <a:t> a </a:t>
+            </a:r>
+            <a:r>
+              <a:rPr lang="de-DE" dirty="0" err="1" smtClean="0"/>
+              <a:t>bid</a:t>
+            </a:r>
+            <a:r>
+              <a:rPr lang="de-DE" dirty="0" smtClean="0"/>
+              <a:t> on </a:t>
+            </a:r>
+            <a:r>
+              <a:rPr lang="de-DE" dirty="0" err="1" smtClean="0"/>
+              <a:t>the</a:t>
+            </a:r>
+            <a:r>
+              <a:rPr lang="de-DE" dirty="0" smtClean="0"/>
+              <a:t> just </a:t>
+            </a:r>
+            <a:r>
+              <a:rPr lang="de-DE" dirty="0" err="1" smtClean="0"/>
+              <a:t>created</a:t>
+            </a:r>
+            <a:r>
+              <a:rPr lang="de-DE" dirty="0" smtClean="0"/>
+              <a:t> </a:t>
+            </a:r>
+            <a:r>
+              <a:rPr lang="de-DE" dirty="0" err="1" smtClean="0"/>
+              <a:t>auction</a:t>
+            </a:r>
+            <a:endParaRPr lang="de-DE" dirty="0"/>
+          </a:p>
+        </p:txBody>
+      </p:sp>
+      <p:pic>
+        <p:nvPicPr>
+          <p:cNvPr id="3" name="Bild 2" descr="Google.png"/>
+          <p:cNvPicPr>
+            <a:picLocks noChangeAspect="1"/>
+          </p:cNvPicPr>
+          <p:nvPr/>
+        </p:nvPicPr>
+        <p:blipFill>
+          <a:blip r:embed="rId3">
+            <a:extLst>
+              <a:ext uri="{28A0092B-C50C-407E-A947-70E740481C1C}">
+                <a14:useLocalDpi xmlns:a14="http://schemas.microsoft.com/office/drawing/2010/main" val="0"/>
+              </a:ext>
+            </a:extLst>
+          </a:blip>
+          <a:stretch>
+            <a:fillRect/>
+          </a:stretch>
+        </p:blipFill>
+        <p:spPr>
+          <a:xfrm>
+            <a:off x="8137451" y="654192"/>
+            <a:ext cx="2292293" cy="6058203"/>
+          </a:xfrm>
+          <a:prstGeom prst="rect">
+            <a:avLst/>
+          </a:prstGeom>
+        </p:spPr>
+      </p:pic>
     </p:spTree>
     <p:extLst>
       <p:ext uri="{BB962C8B-B14F-4D97-AF65-F5344CB8AC3E}">
-        <p14:creationId xmlns:p14="http://schemas.microsoft.com/office/powerpoint/2010/main" val="3522880928"/>
+        <p14:creationId xmlns:p14="http://schemas.microsoft.com/office/powerpoint/2010/main" val="3191222765"/>
       </p:ext>
     </p:extLst>
   </p:cSld>
@@ -12037,34 +11762,55 @@
             <p:ph type="title"/>
           </p:nvPr>
         </p:nvSpPr>
-        <p:spPr/>
+        <p:spPr>
+          <a:xfrm>
+            <a:off x="1484312" y="685800"/>
+            <a:ext cx="6008688" cy="1752599"/>
+          </a:xfrm>
+        </p:spPr>
         <p:txBody>
           <a:bodyPr/>
           <a:lstStyle/>
           <a:p>
             <a:r>
-              <a:rPr lang="de-DE" dirty="0"/>
-              <a:t>Interaktion mit </a:t>
-            </a:r>
-            <a:r>
-              <a:rPr lang="de-CH" dirty="0" err="1"/>
-              <a:t>Abowd</a:t>
-            </a:r>
-            <a:r>
-              <a:rPr lang="de-CH" dirty="0"/>
-              <a:t> &amp; </a:t>
-            </a:r>
-            <a:r>
-              <a:rPr lang="de-CH" dirty="0" err="1"/>
-              <a:t>Beale's</a:t>
-            </a:r>
-            <a:r>
-              <a:rPr lang="de-CH" dirty="0"/>
+              <a:rPr lang="de-CH" dirty="0" smtClean="0"/>
+              <a:t>Scenario – </a:t>
+            </a:r>
+            <a:r>
+              <a:rPr lang="de-CH" dirty="0" err="1" smtClean="0"/>
+              <a:t>Get</a:t>
+            </a:r>
+            <a:r>
+              <a:rPr lang="de-CH" dirty="0" smtClean="0"/>
               <a:t> </a:t>
             </a:r>
             <a:r>
+              <a:rPr lang="de-CH" dirty="0" err="1" smtClean="0"/>
+              <a:t>overbidden</a:t>
+            </a:r>
+            <a:r>
               <a:rPr lang="de-CH" dirty="0" smtClean="0"/>
-              <a:t>Modell</a:t>
+              <a:t> </a:t>
+            </a:r>
+            <a:r>
+              <a:rPr lang="de-CH" dirty="0" err="1" smtClean="0"/>
+              <a:t>by</a:t>
+            </a:r>
+            <a:r>
+              <a:rPr lang="de-CH" dirty="0" smtClean="0"/>
+              <a:t> </a:t>
+            </a:r>
+            <a:r>
+              <a:rPr lang="de-CH" dirty="0" err="1" smtClean="0"/>
+              <a:t>other</a:t>
+            </a:r>
+            <a:r>
+              <a:rPr lang="de-CH" dirty="0" smtClean="0"/>
+              <a:t> </a:t>
+            </a:r>
+            <a:r>
+              <a:rPr lang="de-CH" dirty="0" err="1" smtClean="0"/>
+              <a:t>user</a:t>
             </a:r>
             <a:endParaRPr lang="de-DE" dirty="0"/>
           </a:p>
@@ -12595,10 +12341,146 @@
           </a:p>
         </p:txBody>
       </p:sp>
+      <p:sp>
+        <p:nvSpPr>
+          <p:cNvPr id="5" name="Inhaltsplatzhalter 2"/>
+          <p:cNvSpPr>
+            <a:spLocks noGrp="1"/>
+          </p:cNvSpPr>
+          <p:nvPr>
+            <p:ph idx="1"/>
+          </p:nvPr>
+        </p:nvSpPr>
+        <p:spPr>
+          <a:xfrm>
+            <a:off x="1735667" y="2438399"/>
+            <a:ext cx="5037666" cy="3937001"/>
+          </a:xfrm>
+        </p:spPr>
+        <p:txBody>
+          <a:bodyPr/>
+          <a:lstStyle/>
+          <a:p>
+            <a:r>
+              <a:rPr lang="de-DE" dirty="0" smtClean="0"/>
+              <a:t>Login </a:t>
+            </a:r>
+            <a:r>
+              <a:rPr lang="de-DE" dirty="0" err="1" smtClean="0"/>
+              <a:t>with</a:t>
+            </a:r>
+            <a:r>
+              <a:rPr lang="de-DE" dirty="0" smtClean="0"/>
+              <a:t> </a:t>
+            </a:r>
+            <a:r>
+              <a:rPr lang="de-DE" dirty="0" err="1" smtClean="0"/>
+              <a:t>another</a:t>
+            </a:r>
+            <a:r>
+              <a:rPr lang="de-DE" dirty="0" smtClean="0"/>
+              <a:t> </a:t>
+            </a:r>
+            <a:r>
+              <a:rPr lang="de-DE" dirty="0" err="1" smtClean="0"/>
+              <a:t>user</a:t>
+            </a:r>
+            <a:r>
+              <a:rPr lang="de-DE" dirty="0"/>
+              <a:t/>
+            </a:r>
+            <a:br>
+              <a:rPr lang="de-DE" dirty="0"/>
+            </a:br>
+            <a:endParaRPr lang="de-DE" dirty="0" smtClean="0"/>
+          </a:p>
+          <a:p>
+            <a:r>
+              <a:rPr lang="de-DE" dirty="0" err="1" smtClean="0"/>
+              <a:t>Decide</a:t>
+            </a:r>
+            <a:r>
+              <a:rPr lang="de-DE" dirty="0" smtClean="0"/>
+              <a:t> </a:t>
+            </a:r>
+            <a:r>
+              <a:rPr lang="de-DE" dirty="0" err="1" smtClean="0"/>
+              <a:t>to</a:t>
+            </a:r>
+            <a:r>
+              <a:rPr lang="de-DE" dirty="0" smtClean="0"/>
+              <a:t> </a:t>
+            </a:r>
+            <a:r>
+              <a:rPr lang="de-DE" dirty="0" err="1" smtClean="0"/>
+              <a:t>make</a:t>
+            </a:r>
+            <a:r>
+              <a:rPr lang="de-DE" dirty="0" smtClean="0"/>
+              <a:t> a </a:t>
+            </a:r>
+            <a:r>
+              <a:rPr lang="de-DE" dirty="0" err="1" smtClean="0"/>
+              <a:t>higher</a:t>
+            </a:r>
+            <a:r>
+              <a:rPr lang="de-DE" dirty="0" smtClean="0"/>
+              <a:t> </a:t>
+            </a:r>
+            <a:r>
+              <a:rPr lang="de-DE" dirty="0" err="1" smtClean="0"/>
+              <a:t>bid</a:t>
+            </a:r>
+            <a:r>
+              <a:rPr lang="de-DE" dirty="0" smtClean="0"/>
+              <a:t> on </a:t>
+            </a:r>
+            <a:r>
+              <a:rPr lang="de-DE" dirty="0" err="1" smtClean="0"/>
+              <a:t>the</a:t>
+            </a:r>
+            <a:r>
+              <a:rPr lang="de-DE" dirty="0" smtClean="0"/>
+              <a:t> same ad</a:t>
+            </a:r>
+            <a:endParaRPr lang="de-DE" dirty="0"/>
+          </a:p>
+        </p:txBody>
+      </p:sp>
+      <p:pic>
+        <p:nvPicPr>
+          <p:cNvPr id="3" name="Bild 2" descr="Overbid.png"/>
+          <p:cNvPicPr>
+            <a:picLocks noChangeAspect="1"/>
+          </p:cNvPicPr>
+          <p:nvPr/>
+        </p:nvPicPr>
+        <p:blipFill>
+          <a:blip r:embed="rId3">
+            <a:extLst>
+              <a:ext uri="{28A0092B-C50C-407E-A947-70E740481C1C}">
+                <a14:useLocalDpi xmlns:a14="http://schemas.microsoft.com/office/drawing/2010/main" val="0"/>
+              </a:ext>
+            </a:extLst>
+          </a:blip>
+          <a:stretch>
+            <a:fillRect/>
+          </a:stretch>
+        </p:blipFill>
+        <p:spPr>
+          <a:xfrm>
+            <a:off x="8137451" y="878084"/>
+            <a:ext cx="2761522" cy="5497316"/>
+          </a:xfrm>
+          <a:prstGeom prst="rect">
+            <a:avLst/>
+          </a:prstGeom>
+        </p:spPr>
+      </p:pic>
     </p:spTree>
     <p:extLst>
       <p:ext uri="{BB962C8B-B14F-4D97-AF65-F5344CB8AC3E}">
-        <p14:creationId xmlns:p14="http://schemas.microsoft.com/office/powerpoint/2010/main" val="1712723385"/>
+        <p14:creationId xmlns:p14="http://schemas.microsoft.com/office/powerpoint/2010/main" val="38966616"/>
       </p:ext>
     </p:extLst>
   </p:cSld>
@@ -12644,107 +12526,103 @@
         </p:nvSpPr>
         <p:spPr>
           <a:xfrm>
-            <a:off x="810915" y="691116"/>
-            <a:ext cx="10018713" cy="1752599"/>
+            <a:off x="1484312" y="685800"/>
+            <a:ext cx="6855356" cy="1752599"/>
           </a:xfrm>
         </p:spPr>
         <p:txBody>
-          <a:bodyPr/>
+          <a:bodyPr>
+            <a:normAutofit fontScale="90000"/>
+          </a:bodyPr>
           <a:lstStyle/>
           <a:p>
             <a:r>
-              <a:rPr lang="de-DE" dirty="0" err="1" smtClean="0"/>
-              <a:t>Questions</a:t>
+              <a:rPr lang="de-CH" dirty="0" err="1" smtClean="0"/>
+              <a:t>Sceanrio</a:t>
+            </a:r>
+            <a:r>
+              <a:rPr lang="de-CH" dirty="0" smtClean="0"/>
+              <a:t> – </a:t>
+            </a:r>
+            <a:r>
+              <a:rPr lang="de-CH" dirty="0" err="1" smtClean="0"/>
+              <a:t>Make</a:t>
+            </a:r>
+            <a:r>
+              <a:rPr lang="de-CH" dirty="0" smtClean="0"/>
+              <a:t> </a:t>
+            </a:r>
+            <a:r>
+              <a:rPr lang="de-CH" dirty="0" err="1" smtClean="0"/>
+              <a:t>another</a:t>
+            </a:r>
+            <a:r>
+              <a:rPr lang="de-CH" dirty="0"/>
+              <a:t> </a:t>
+            </a:r>
+            <a:r>
+              <a:rPr lang="de-CH" dirty="0" err="1" smtClean="0"/>
+              <a:t>bid</a:t>
+            </a:r>
+            <a:r>
+              <a:rPr lang="de-CH" dirty="0" smtClean="0"/>
+              <a:t> </a:t>
+            </a:r>
+            <a:r>
+              <a:rPr lang="de-CH" dirty="0" err="1" smtClean="0"/>
+              <a:t>and</a:t>
+            </a:r>
+            <a:r>
+              <a:rPr lang="de-CH" dirty="0" smtClean="0"/>
+              <a:t> </a:t>
+            </a:r>
+            <a:r>
+              <a:rPr lang="de-CH" dirty="0" err="1" smtClean="0"/>
+              <a:t>wait</a:t>
+            </a:r>
+            <a:r>
+              <a:rPr lang="de-CH" dirty="0" smtClean="0"/>
+              <a:t> </a:t>
+            </a:r>
+            <a:r>
+              <a:rPr lang="de-CH" dirty="0" err="1" smtClean="0"/>
+              <a:t>fo</a:t>
+            </a:r>
+            <a:r>
+              <a:rPr lang="de-CH" dirty="0" err="1" smtClean="0"/>
+              <a:t>r</a:t>
+            </a:r>
+            <a:r>
+              <a:rPr lang="de-CH" dirty="0" smtClean="0"/>
+              <a:t> </a:t>
+            </a:r>
+            <a:r>
+              <a:rPr lang="de-CH" dirty="0" err="1" smtClean="0"/>
+              <a:t>the</a:t>
+            </a:r>
+            <a:r>
+              <a:rPr lang="de-CH" dirty="0" smtClean="0"/>
+              <a:t> </a:t>
+            </a:r>
+            <a:r>
+              <a:rPr lang="de-CH" dirty="0" err="1" smtClean="0"/>
+              <a:t>confirmation</a:t>
+            </a:r>
+            <a:r>
+              <a:rPr lang="de-CH" dirty="0" smtClean="0"/>
+              <a:t> </a:t>
+            </a:r>
+            <a:r>
+              <a:rPr lang="de-CH" dirty="0" err="1" smtClean="0"/>
+              <a:t>message</a:t>
             </a:r>
             <a:endParaRPr lang="de-DE" dirty="0"/>
           </a:p>
         </p:txBody>
       </p:sp>
-      <p:pic>
-        <p:nvPicPr>
-          <p:cNvPr id="1028" name="Picture 4" descr="http://engelsk.arbejdstilsynet.dk/~/media/AT/at/03-Tilsyn/Smiley-ordning/green_smiley_130%20gif.gif"/>
-          <p:cNvPicPr>
-            <a:picLocks noChangeAspect="1" noChangeArrowheads="1"/>
-          </p:cNvPicPr>
-          <p:nvPr/>
-        </p:nvPicPr>
-        <p:blipFill>
-          <a:blip r:embed="rId2">
-            <a:extLst>
-              <a:ext uri="{28A0092B-C50C-407E-A947-70E740481C1C}">
-                <a14:useLocalDpi xmlns:a14="http://schemas.microsoft.com/office/drawing/2010/main" val="0"/>
-              </a:ext>
-            </a:extLst>
-          </a:blip>
-          <a:srcRect/>
-          <a:stretch>
-            <a:fillRect/>
-          </a:stretch>
-        </p:blipFill>
-        <p:spPr bwMode="auto">
-          <a:xfrm>
-            <a:off x="2939828" y="3172489"/>
-            <a:ext cx="1238250" cy="1238250"/>
-          </a:xfrm>
-          <a:prstGeom prst="rect">
-            <a:avLst/>
-          </a:prstGeom>
-          <a:noFill/>
-          <a:extLst>
-            <a:ext uri="{909E8E84-426E-40dd-AFC4-6F175D3DCCD1}">
-              <a14:hiddenFill xmlns:a14="http://schemas.microsoft.com/office/drawing/2010/main">
-                <a:solidFill>
-                  <a:srgbClr val="FFFFFF"/>
-                </a:solidFill>
-              </a14:hiddenFill>
-            </a:ext>
-          </a:extLst>
-        </p:spPr>
-      </p:pic>
-      <p:pic>
-        <p:nvPicPr>
-          <p:cNvPr id="1030" name="Picture 6" descr="http://engelsk.arbejdstilsynet.dk/~/media/AT/at/03-Tilsyn/Smiley-ordning/red_smiley_130%20gif.gif"/>
-          <p:cNvPicPr>
-            <a:picLocks noChangeAspect="1" noChangeArrowheads="1"/>
-          </p:cNvPicPr>
-          <p:nvPr/>
-        </p:nvPicPr>
-        <p:blipFill>
-          <a:blip r:embed="rId3">
-            <a:extLst>
-              <a:ext uri="{28A0092B-C50C-407E-A947-70E740481C1C}">
-                <a14:useLocalDpi xmlns:a14="http://schemas.microsoft.com/office/drawing/2010/main" val="0"/>
-              </a:ext>
-            </a:extLst>
-          </a:blip>
-          <a:srcRect/>
-          <a:stretch>
-            <a:fillRect/>
-          </a:stretch>
-        </p:blipFill>
-        <p:spPr bwMode="auto">
-          <a:xfrm>
-            <a:off x="7692061" y="3172489"/>
-            <a:ext cx="1238250" cy="1238250"/>
-          </a:xfrm>
-          <a:prstGeom prst="rect">
-            <a:avLst/>
-          </a:prstGeom>
-          <a:noFill/>
-          <a:extLst>
-            <a:ext uri="{909E8E84-426E-40dd-AFC4-6F175D3DCCD1}">
-              <a14:hiddenFill xmlns:a14="http://schemas.microsoft.com/office/drawing/2010/main">
-                <a:solidFill>
-                  <a:srgbClr val="FFFFFF"/>
-                </a:solidFill>
-              </a14:hiddenFill>
-            </a:ext>
-          </a:extLst>
-        </p:spPr>
-      </p:pic>
-      <p:sp>
-        <p:nvSpPr>
-          <p:cNvPr id="6" name="Inhaltsplatzhalter 2"/>
+      <p:sp>
+        <p:nvSpPr>
+          <p:cNvPr id="8" name="Inhaltsplatzhalter 4"/>
           <p:cNvSpPr txBox="1">
             <a:spLocks/>
           </p:cNvSpPr>
@@ -12752,8 +12630,8 @@
         </p:nvSpPr>
         <p:spPr>
           <a:xfrm>
-            <a:off x="8137451" y="-41565"/>
-            <a:ext cx="4054549" cy="370610"/>
+            <a:off x="2970189" y="3683294"/>
+            <a:ext cx="949842" cy="666307"/>
           </a:xfrm>
           <a:prstGeom prst="rect">
             <a:avLst/>
@@ -12992,6 +12870,263 @@
           </a:lstStyle>
           <a:p>
             <a:pPr marL="0" indent="0">
+              <a:buFont typeface="Arial"/>
+              <a:buNone/>
+            </a:pPr>
+            <a:endParaRPr lang="de-CH" dirty="0"/>
+          </a:p>
+        </p:txBody>
+      </p:sp>
+      <p:sp>
+        <p:nvSpPr>
+          <p:cNvPr id="6" name="Inhaltsplatzhalter 2"/>
+          <p:cNvSpPr txBox="1">
+            <a:spLocks/>
+          </p:cNvSpPr>
+          <p:nvPr/>
+        </p:nvSpPr>
+        <p:spPr>
+          <a:xfrm>
+            <a:off x="8137451" y="-41565"/>
+            <a:ext cx="4054549" cy="370610"/>
+          </a:xfrm>
+          <a:prstGeom prst="rect">
+            <a:avLst/>
+          </a:prstGeom>
+        </p:spPr>
+        <p:txBody>
+          <a:bodyPr vert="horz" lIns="91440" tIns="45720" rIns="91440" bIns="45720" rtlCol="0" anchor="ctr">
+            <a:normAutofit/>
+          </a:bodyPr>
+          <a:lstStyle>
+            <a:lvl1pPr marL="285750" indent="-285750" algn="l" defTabSz="457200" rtl="0" eaLnBrk="1" latinLnBrk="0" hangingPunct="1">
+              <a:spcBef>
+                <a:spcPct val="20000"/>
+              </a:spcBef>
+              <a:spcAft>
+                <a:spcPts val="600"/>
+              </a:spcAft>
+              <a:buClr>
+                <a:schemeClr val="accent1">
+                  <a:lumMod val="75000"/>
+                </a:schemeClr>
+              </a:buClr>
+              <a:buSzPct val="145000"/>
+              <a:buFont typeface="Arial"/>
+              <a:buChar char="•"/>
+              <a:defRPr sz="2400" kern="1200" cap="none">
+                <a:solidFill>
+                  <a:schemeClr val="tx1"/>
+                </a:solidFill>
+                <a:effectLst/>
+                <a:latin typeface="+mn-lt"/>
+                <a:ea typeface="+mn-ea"/>
+                <a:cs typeface="+mn-cs"/>
+              </a:defRPr>
+            </a:lvl1pPr>
+            <a:lvl2pPr marL="742950" indent="-285750" algn="l" defTabSz="457200" rtl="0" eaLnBrk="1" latinLnBrk="0" hangingPunct="1">
+              <a:spcBef>
+                <a:spcPct val="20000"/>
+              </a:spcBef>
+              <a:spcAft>
+                <a:spcPts val="600"/>
+              </a:spcAft>
+              <a:buClr>
+                <a:schemeClr val="accent1">
+                  <a:lumMod val="75000"/>
+                </a:schemeClr>
+              </a:buClr>
+              <a:buSzPct val="145000"/>
+              <a:buFont typeface="Arial"/>
+              <a:buChar char="•"/>
+              <a:defRPr sz="2000" kern="1200" cap="none">
+                <a:solidFill>
+                  <a:schemeClr val="tx1"/>
+                </a:solidFill>
+                <a:effectLst/>
+                <a:latin typeface="+mn-lt"/>
+                <a:ea typeface="+mn-ea"/>
+                <a:cs typeface="+mn-cs"/>
+              </a:defRPr>
+            </a:lvl2pPr>
+            <a:lvl3pPr marL="1200150" indent="-285750" algn="l" defTabSz="457200" rtl="0" eaLnBrk="1" latinLnBrk="0" hangingPunct="1">
+              <a:spcBef>
+                <a:spcPct val="20000"/>
+              </a:spcBef>
+              <a:spcAft>
+                <a:spcPts val="600"/>
+              </a:spcAft>
+              <a:buClr>
+                <a:schemeClr val="accent1">
+                  <a:lumMod val="75000"/>
+                </a:schemeClr>
+              </a:buClr>
+              <a:buSzPct val="145000"/>
+              <a:buFont typeface="Arial"/>
+              <a:buChar char="•"/>
+              <a:defRPr sz="1800" kern="1200" cap="none">
+                <a:solidFill>
+                  <a:schemeClr val="tx1"/>
+                </a:solidFill>
+                <a:effectLst/>
+                <a:latin typeface="+mn-lt"/>
+                <a:ea typeface="+mn-ea"/>
+                <a:cs typeface="+mn-cs"/>
+              </a:defRPr>
+            </a:lvl3pPr>
+            <a:lvl4pPr marL="1543050" indent="-171450" algn="l" defTabSz="457200" rtl="0" eaLnBrk="1" latinLnBrk="0" hangingPunct="1">
+              <a:spcBef>
+                <a:spcPct val="20000"/>
+              </a:spcBef>
+              <a:spcAft>
+                <a:spcPts val="600"/>
+              </a:spcAft>
+              <a:buClr>
+                <a:schemeClr val="accent1">
+                  <a:lumMod val="75000"/>
+                </a:schemeClr>
+              </a:buClr>
+              <a:buSzPct val="145000"/>
+              <a:buFont typeface="Arial"/>
+              <a:buChar char="•"/>
+              <a:defRPr sz="1600" kern="1200" cap="none">
+                <a:solidFill>
+                  <a:schemeClr val="tx1"/>
+                </a:solidFill>
+                <a:effectLst/>
+                <a:latin typeface="+mn-lt"/>
+                <a:ea typeface="+mn-ea"/>
+                <a:cs typeface="+mn-cs"/>
+              </a:defRPr>
+            </a:lvl4pPr>
+            <a:lvl5pPr marL="2000250" indent="-171450" algn="l" defTabSz="457200" rtl="0" eaLnBrk="1" latinLnBrk="0" hangingPunct="1">
+              <a:spcBef>
+                <a:spcPct val="20000"/>
+              </a:spcBef>
+              <a:spcAft>
+                <a:spcPts val="600"/>
+              </a:spcAft>
+              <a:buClr>
+                <a:schemeClr val="accent1">
+                  <a:lumMod val="75000"/>
+                </a:schemeClr>
+              </a:buClr>
+              <a:buSzPct val="145000"/>
+              <a:buFont typeface="Arial"/>
+              <a:buChar char="•"/>
+              <a:defRPr sz="1400" kern="1200" cap="none">
+                <a:solidFill>
+                  <a:schemeClr val="tx1"/>
+                </a:solidFill>
+                <a:effectLst/>
+                <a:latin typeface="+mn-lt"/>
+                <a:ea typeface="+mn-ea"/>
+                <a:cs typeface="+mn-cs"/>
+              </a:defRPr>
+            </a:lvl5pPr>
+            <a:lvl6pPr marL="2514600" indent="-228600" algn="l" defTabSz="457200" rtl="0" eaLnBrk="1" latinLnBrk="0" hangingPunct="1">
+              <a:spcBef>
+                <a:spcPct val="20000"/>
+              </a:spcBef>
+              <a:spcAft>
+                <a:spcPts val="600"/>
+              </a:spcAft>
+              <a:buClr>
+                <a:schemeClr val="accent1">
+                  <a:lumMod val="75000"/>
+                </a:schemeClr>
+              </a:buClr>
+              <a:buSzPct val="145000"/>
+              <a:buFont typeface="Arial"/>
+              <a:buChar char="•"/>
+              <a:defRPr sz="1400" kern="1200" cap="none">
+                <a:solidFill>
+                  <a:schemeClr val="tx1"/>
+                </a:solidFill>
+                <a:effectLst/>
+                <a:latin typeface="+mn-lt"/>
+                <a:ea typeface="+mn-ea"/>
+                <a:cs typeface="+mn-cs"/>
+              </a:defRPr>
+            </a:lvl6pPr>
+            <a:lvl7pPr marL="2971800" indent="-228600" algn="l" defTabSz="457200" rtl="0" eaLnBrk="1" latinLnBrk="0" hangingPunct="1">
+              <a:spcBef>
+                <a:spcPct val="20000"/>
+              </a:spcBef>
+              <a:spcAft>
+                <a:spcPts val="600"/>
+              </a:spcAft>
+              <a:buClr>
+                <a:schemeClr val="accent1">
+                  <a:lumMod val="75000"/>
+                </a:schemeClr>
+              </a:buClr>
+              <a:buSzPct val="145000"/>
+              <a:buFont typeface="Arial"/>
+              <a:buChar char="•"/>
+              <a:defRPr sz="1400" kern="1200" cap="none">
+                <a:solidFill>
+                  <a:schemeClr val="tx1"/>
+                </a:solidFill>
+                <a:effectLst/>
+                <a:latin typeface="+mn-lt"/>
+                <a:ea typeface="+mn-ea"/>
+                <a:cs typeface="+mn-cs"/>
+              </a:defRPr>
+            </a:lvl7pPr>
+            <a:lvl8pPr marL="3429000" indent="-228600" algn="l" defTabSz="457200" rtl="0" eaLnBrk="1" latinLnBrk="0" hangingPunct="1">
+              <a:spcBef>
+                <a:spcPct val="20000"/>
+              </a:spcBef>
+              <a:spcAft>
+                <a:spcPts val="600"/>
+              </a:spcAft>
+              <a:buClr>
+                <a:schemeClr val="accent1">
+                  <a:lumMod val="75000"/>
+                </a:schemeClr>
+              </a:buClr>
+              <a:buSzPct val="145000"/>
+              <a:buFont typeface="Arial"/>
+              <a:buChar char="•"/>
+              <a:defRPr sz="1400" kern="1200" cap="none">
+                <a:solidFill>
+                  <a:schemeClr val="tx1"/>
+                </a:solidFill>
+                <a:effectLst/>
+                <a:latin typeface="+mn-lt"/>
+                <a:ea typeface="+mn-ea"/>
+                <a:cs typeface="+mn-cs"/>
+              </a:defRPr>
+            </a:lvl8pPr>
+            <a:lvl9pPr marL="3886200" indent="-228600" algn="l" defTabSz="457200" rtl="0" eaLnBrk="1" latinLnBrk="0" hangingPunct="1">
+              <a:spcBef>
+                <a:spcPct val="20000"/>
+              </a:spcBef>
+              <a:spcAft>
+                <a:spcPts val="600"/>
+              </a:spcAft>
+              <a:buClr>
+                <a:schemeClr val="accent1">
+                  <a:lumMod val="75000"/>
+                </a:schemeClr>
+              </a:buClr>
+              <a:buSzPct val="145000"/>
+              <a:buFont typeface="Arial"/>
+              <a:buChar char="•"/>
+              <a:defRPr sz="1400" kern="1200" cap="none">
+                <a:solidFill>
+                  <a:schemeClr val="tx1"/>
+                </a:solidFill>
+                <a:effectLst/>
+                <a:latin typeface="+mn-lt"/>
+                <a:ea typeface="+mn-ea"/>
+                <a:cs typeface="+mn-cs"/>
+              </a:defRPr>
+            </a:lvl9pPr>
+          </a:lstStyle>
+          <a:p>
+            <a:pPr marL="0" indent="0">
               <a:buNone/>
             </a:pPr>
             <a:r>
@@ -13007,13 +13142,198 @@
               <a:t>, Vincent Hofer, Dean Klopsch, Aebi Ryan</a:t>
             </a:r>
             <a:endParaRPr lang="de-DE" sz="1000" dirty="0"/>
+          </a:p>
+        </p:txBody>
+      </p:sp>
+      <p:pic>
+        <p:nvPicPr>
+          <p:cNvPr id="3" name="Bild 2" descr="Finally.png"/>
+          <p:cNvPicPr>
+            <a:picLocks noChangeAspect="1"/>
+          </p:cNvPicPr>
+          <p:nvPr/>
+        </p:nvPicPr>
+        <p:blipFill>
+          <a:blip r:embed="rId3">
+            <a:extLst>
+              <a:ext uri="{28A0092B-C50C-407E-A947-70E740481C1C}">
+                <a14:useLocalDpi xmlns:a14="http://schemas.microsoft.com/office/drawing/2010/main" val="0"/>
+              </a:ext>
+            </a:extLst>
+          </a:blip>
+          <a:stretch>
+            <a:fillRect/>
+          </a:stretch>
+        </p:blipFill>
+        <p:spPr>
+          <a:xfrm>
+            <a:off x="8339668" y="662705"/>
+            <a:ext cx="2159000" cy="6041177"/>
+          </a:xfrm>
+          <a:prstGeom prst="rect">
+            <a:avLst/>
+          </a:prstGeom>
+        </p:spPr>
+      </p:pic>
+      <p:sp>
+        <p:nvSpPr>
+          <p:cNvPr id="7" name="Inhaltsplatzhalter 2"/>
+          <p:cNvSpPr>
+            <a:spLocks noGrp="1"/>
+          </p:cNvSpPr>
+          <p:nvPr>
+            <p:ph idx="1"/>
+          </p:nvPr>
+        </p:nvSpPr>
+        <p:spPr>
+          <a:xfrm>
+            <a:off x="1735667" y="2438399"/>
+            <a:ext cx="5037666" cy="3937001"/>
+          </a:xfrm>
+        </p:spPr>
+        <p:txBody>
+          <a:bodyPr/>
+          <a:lstStyle/>
+          <a:p>
+            <a:r>
+              <a:rPr lang="de-DE" dirty="0" smtClean="0"/>
+              <a:t>Login </a:t>
+            </a:r>
+            <a:r>
+              <a:rPr lang="de-DE" dirty="0" err="1" smtClean="0"/>
+              <a:t>with</a:t>
+            </a:r>
+            <a:r>
+              <a:rPr lang="de-DE" dirty="0"/>
+              <a:t> </a:t>
+            </a:r>
+            <a:r>
+              <a:rPr lang="de-DE" dirty="0" err="1" smtClean="0"/>
+              <a:t>the</a:t>
+            </a:r>
+            <a:r>
+              <a:rPr lang="de-DE" dirty="0" smtClean="0"/>
+              <a:t> Google Account</a:t>
+            </a:r>
+            <a:br>
+              <a:rPr lang="de-DE" dirty="0" smtClean="0"/>
+            </a:br>
+            <a:endParaRPr lang="de-DE" dirty="0" smtClean="0"/>
+          </a:p>
+          <a:p>
+            <a:r>
+              <a:rPr lang="de-DE" dirty="0" smtClean="0"/>
+              <a:t>Check </a:t>
+            </a:r>
+            <a:r>
+              <a:rPr lang="de-DE" dirty="0" err="1" smtClean="0"/>
+              <a:t>messages</a:t>
+            </a:r>
+            <a:r>
+              <a:rPr lang="de-DE" dirty="0" smtClean="0"/>
+              <a:t> </a:t>
+            </a:r>
+            <a:r>
+              <a:rPr lang="de-DE" dirty="0" err="1" smtClean="0"/>
+              <a:t>and</a:t>
+            </a:r>
+            <a:r>
+              <a:rPr lang="de-DE" dirty="0" smtClean="0"/>
+              <a:t> </a:t>
+            </a:r>
+            <a:r>
+              <a:rPr lang="de-DE" dirty="0" err="1" smtClean="0"/>
+              <a:t>decide</a:t>
+            </a:r>
+            <a:r>
+              <a:rPr lang="de-DE" dirty="0" smtClean="0"/>
+              <a:t> </a:t>
+            </a:r>
+            <a:r>
+              <a:rPr lang="de-DE" dirty="0" err="1" smtClean="0"/>
+              <a:t>to</a:t>
+            </a:r>
+            <a:r>
+              <a:rPr lang="de-DE" dirty="0" smtClean="0"/>
+              <a:t> </a:t>
+            </a:r>
+            <a:r>
+              <a:rPr lang="de-DE" dirty="0" err="1" smtClean="0"/>
+              <a:t>place</a:t>
+            </a:r>
+            <a:r>
+              <a:rPr lang="de-DE" dirty="0" smtClean="0"/>
+              <a:t> a </a:t>
+            </a:r>
+            <a:r>
+              <a:rPr lang="de-DE" dirty="0" err="1" smtClean="0"/>
+              <a:t>higher</a:t>
+            </a:r>
+            <a:r>
+              <a:rPr lang="de-DE" dirty="0" smtClean="0"/>
+              <a:t> </a:t>
+            </a:r>
+            <a:r>
+              <a:rPr lang="de-DE" dirty="0" err="1" smtClean="0"/>
+              <a:t>bid</a:t>
+            </a:r>
+            <a:r>
+              <a:rPr lang="de-DE" dirty="0" smtClean="0"/>
+              <a:t/>
+            </a:r>
+            <a:br>
+              <a:rPr lang="de-DE" dirty="0" smtClean="0"/>
+            </a:br>
+            <a:endParaRPr lang="de-DE" dirty="0" smtClean="0"/>
+          </a:p>
+          <a:p>
+            <a:r>
+              <a:rPr lang="de-DE" dirty="0" err="1" smtClean="0"/>
+              <a:t>Wait</a:t>
+            </a:r>
+            <a:r>
+              <a:rPr lang="de-DE" dirty="0" smtClean="0"/>
+              <a:t> </a:t>
+            </a:r>
+            <a:r>
+              <a:rPr lang="de-DE" dirty="0" err="1" smtClean="0"/>
+              <a:t>for</a:t>
+            </a:r>
+            <a:r>
+              <a:rPr lang="de-DE" dirty="0" smtClean="0"/>
+              <a:t> </a:t>
+            </a:r>
+            <a:r>
+              <a:rPr lang="de-DE" dirty="0" err="1" smtClean="0"/>
+              <a:t>the</a:t>
+            </a:r>
+            <a:r>
+              <a:rPr lang="de-DE" dirty="0" smtClean="0"/>
+              <a:t> </a:t>
+            </a:r>
+            <a:r>
+              <a:rPr lang="de-DE" dirty="0" err="1" smtClean="0"/>
+              <a:t>auction</a:t>
+            </a:r>
+            <a:r>
+              <a:rPr lang="de-DE" dirty="0" smtClean="0"/>
+              <a:t> </a:t>
+            </a:r>
+            <a:r>
+              <a:rPr lang="de-DE" dirty="0" err="1" smtClean="0"/>
+              <a:t>to</a:t>
+            </a:r>
+            <a:r>
+              <a:rPr lang="de-DE" dirty="0" smtClean="0"/>
+              <a:t> end</a:t>
+            </a:r>
           </a:p>
         </p:txBody>
       </p:sp>
     </p:spTree>
     <p:extLst>
       <p:ext uri="{BB962C8B-B14F-4D97-AF65-F5344CB8AC3E}">
-        <p14:creationId xmlns:p14="http://schemas.microsoft.com/office/powerpoint/2010/main" val="1359672913"/>
+        <p14:creationId xmlns:p14="http://schemas.microsoft.com/office/powerpoint/2010/main" val="3522880928"/>
       </p:ext>
     </p:extLst>
   </p:cSld>
@@ -13280,7 +13600,7 @@
   <a:extraClrSchemeLst/>
   <a:extLst>
     <a:ext uri="{05A4C25C-085E-4340-85A3-A5531E510DB2}">
-      <thm15:themeFamily xmlns="" xmlns:thm15="http://schemas.microsoft.com/office/thememl/2012/main" name="Parallax" id="{3388167B-A2EB-4685-9635-1831D9AEF8C4}" vid="{4F7A876A-7598-49CA-AFC8-8EDA2551E4A7}"/>
+      <thm15:themeFamily xmlns:thm15="http://schemas.microsoft.com/office/thememl/2012/main" xmlns="" name="Parallax" id="{3388167B-A2EB-4685-9635-1831D9AEF8C4}" vid="{4F7A876A-7598-49CA-AFC8-8EDA2551E4A7}"/>
     </a:ext>
   </a:extLst>
 </a:theme>

--- a/baseProject/presentation/Presentation-Team8.pptx
+++ b/baseProject/presentation/Presentation-Team8.pptx
@@ -158,7 +158,7 @@
       </p14:sectionLst>
     </p:ext>
     <p:ext uri="{EFAFB233-063F-42B5-8137-9DF3F51BA10A}">
-      <p15:sldGuideLst xmlns:p15="http://schemas.microsoft.com/office/powerpoint/2012/main" xmlns="">
+      <p15:sldGuideLst xmlns="" xmlns:p15="http://schemas.microsoft.com/office/powerpoint/2012/main">
         <p15:guide id="1" orient="horz" pos="2160">
           <p15:clr>
             <a:srgbClr val="A4A3A4"/>
@@ -10227,11 +10227,7 @@
             </a:r>
             <a:r>
               <a:rPr lang="de-DE" dirty="0" smtClean="0"/>
-              <a:t> </a:t>
-            </a:r>
-            <a:r>
-              <a:rPr lang="de-DE" dirty="0" smtClean="0"/>
-              <a:t>a </a:t>
+              <a:t> a </a:t>
             </a:r>
             <a:r>
               <a:rPr lang="de-DE" dirty="0" err="1" smtClean="0"/>
@@ -12586,11 +12582,7 @@
             </a:r>
             <a:r>
               <a:rPr lang="de-CH" dirty="0" err="1" smtClean="0"/>
-              <a:t>fo</a:t>
-            </a:r>
-            <a:r>
-              <a:rPr lang="de-CH" dirty="0" err="1" smtClean="0"/>
-              <a:t>r</a:t>
+              <a:t>for</a:t>
             </a:r>
             <a:r>
               <a:rPr lang="de-CH" dirty="0" smtClean="0"/>
@@ -13600,7 +13592,7 @@
   <a:extraClrSchemeLst/>
   <a:extLst>
     <a:ext uri="{05A4C25C-085E-4340-85A3-A5531E510DB2}">
-      <thm15:themeFamily xmlns:thm15="http://schemas.microsoft.com/office/thememl/2012/main" xmlns="" name="Parallax" id="{3388167B-A2EB-4685-9635-1831D9AEF8C4}" vid="{4F7A876A-7598-49CA-AFC8-8EDA2551E4A7}"/>
+      <thm15:themeFamily xmlns="" xmlns:thm15="http://schemas.microsoft.com/office/thememl/2012/main" name="Parallax" id="{3388167B-A2EB-4685-9635-1831D9AEF8C4}" vid="{4F7A876A-7598-49CA-AFC8-8EDA2551E4A7}"/>
     </a:ext>
   </a:extLst>
 </a:theme>

--- a/baseProject/presentation/Presentation-Team8.pptx
+++ b/baseProject/presentation/Presentation-Team8.pptx
@@ -17,8 +17,8 @@
     <p:sldId id="267" r:id="rId8"/>
     <p:sldId id="268" r:id="rId9"/>
     <p:sldId id="269" r:id="rId10"/>
-    <p:sldId id="263" r:id="rId11"/>
-    <p:sldId id="266" r:id="rId12"/>
+    <p:sldId id="274" r:id="rId11"/>
+    <p:sldId id="263" r:id="rId12"/>
   </p:sldIdLst>
   <p:sldSz cx="12192000" cy="6858000"/>
   <p:notesSz cx="6858000" cy="9144000"/>
@@ -145,20 +145,20 @@
             <p14:sldId id="269"/>
           </p14:sldIdLst>
         </p14:section>
+        <p14:section name="Why us" id="{BE86CB87-125B-42C6-9C31-F3CD9D8CE1DC}">
+          <p14:sldIdLst>
+            <p14:sldId id="274"/>
+          </p14:sldIdLst>
+        </p14:section>
         <p14:section name="Questions" id="{58102800-2E6E-4D72-AC91-8B0151A06D05}">
           <p14:sldIdLst>
             <p14:sldId id="263"/>
           </p14:sldIdLst>
         </p14:section>
-        <p14:section name="Dank Memes" id="{67DA4D25-9C61-4763-B889-0128106A1106}">
-          <p14:sldIdLst>
-            <p14:sldId id="266"/>
-          </p14:sldIdLst>
-        </p14:section>
       </p14:sectionLst>
     </p:ext>
     <p:ext uri="{EFAFB233-063F-42B5-8137-9DF3F51BA10A}">
-      <p15:sldGuideLst xmlns="" xmlns:p15="http://schemas.microsoft.com/office/powerpoint/2012/main">
+      <p15:sldGuideLst xmlns:p15="http://schemas.microsoft.com/office/powerpoint/2012/main">
         <p15:guide id="1" orient="horz" pos="2160">
           <p15:clr>
             <a:srgbClr val="A4A3A4"/>
@@ -257,7 +257,7 @@
           <a:p>
             <a:fld id="{AD788536-914B-4640-862E-1D3DAE36BE3D}" type="datetimeFigureOut">
               <a:rPr lang="de-DE" smtClean="0"/>
-              <a:t>12.12.16</a:t>
+              <a:t>12.12.2016</a:t>
             </a:fld>
             <a:endParaRPr lang="de-DE"/>
           </a:p>
@@ -1684,6 +1684,90 @@
     <p:extLst>
       <p:ext uri="{BB962C8B-B14F-4D97-AF65-F5344CB8AC3E}">
         <p14:creationId xmlns:p14="http://schemas.microsoft.com/office/powerpoint/2010/main" val="3137078353"/>
+      </p:ext>
+    </p:extLst>
+  </p:cSld>
+  <p:clrMapOvr>
+    <a:masterClrMapping/>
+  </p:clrMapOvr>
+</p:notes>
+</file>
+
+<file path=ppt/notesSlides/notesSlide6.xml><?xml version="1.0" encoding="utf-8"?>
+<p:notes xmlns:a="http://schemas.openxmlformats.org/drawingml/2006/main" xmlns:r="http://schemas.openxmlformats.org/officeDocument/2006/relationships" xmlns:p="http://schemas.openxmlformats.org/presentationml/2006/main">
+  <p:cSld>
+    <p:spTree>
+      <p:nvGrpSpPr>
+        <p:cNvPr id="1" name=""/>
+        <p:cNvGrpSpPr/>
+        <p:nvPr/>
+      </p:nvGrpSpPr>
+      <p:grpSpPr>
+        <a:xfrm>
+          <a:off x="0" y="0"/>
+          <a:ext cx="0" cy="0"/>
+          <a:chOff x="0" y="0"/>
+          <a:chExt cx="0" cy="0"/>
+        </a:xfrm>
+      </p:grpSpPr>
+      <p:sp>
+        <p:nvSpPr>
+          <p:cNvPr id="2" name="Folienbildplatzhalter 1"/>
+          <p:cNvSpPr>
+            <a:spLocks noGrp="1" noRot="1" noChangeAspect="1"/>
+          </p:cNvSpPr>
+          <p:nvPr>
+            <p:ph type="sldImg"/>
+          </p:nvPr>
+        </p:nvSpPr>
+        <p:spPr/>
+      </p:sp>
+      <p:sp>
+        <p:nvSpPr>
+          <p:cNvPr id="3" name="Notizenplatzhalter 2"/>
+          <p:cNvSpPr>
+            <a:spLocks noGrp="1"/>
+          </p:cNvSpPr>
+          <p:nvPr>
+            <p:ph type="body" idx="1"/>
+          </p:nvPr>
+        </p:nvSpPr>
+        <p:spPr/>
+        <p:txBody>
+          <a:bodyPr/>
+          <a:lstStyle/>
+          <a:p>
+            <a:endParaRPr lang="de-CH" dirty="0"/>
+          </a:p>
+        </p:txBody>
+      </p:sp>
+      <p:sp>
+        <p:nvSpPr>
+          <p:cNvPr id="4" name="Foliennummernplatzhalter 3"/>
+          <p:cNvSpPr>
+            <a:spLocks noGrp="1"/>
+          </p:cNvSpPr>
+          <p:nvPr>
+            <p:ph type="sldNum" sz="quarter" idx="10"/>
+          </p:nvPr>
+        </p:nvSpPr>
+        <p:spPr/>
+        <p:txBody>
+          <a:bodyPr/>
+          <a:lstStyle/>
+          <a:p>
+            <a:fld id="{2F2847E0-1D0A-0F4B-99C8-E51199A5987D}" type="slidenum">
+              <a:rPr lang="de-DE" smtClean="0"/>
+              <a:t>10</a:t>
+            </a:fld>
+            <a:endParaRPr lang="de-DE"/>
+          </a:p>
+        </p:txBody>
+      </p:sp>
+    </p:spTree>
+    <p:extLst>
+      <p:ext uri="{BB962C8B-B14F-4D97-AF65-F5344CB8AC3E}">
+        <p14:creationId xmlns:p14="http://schemas.microsoft.com/office/powerpoint/2010/main" val="4134227325"/>
       </p:ext>
     </p:extLst>
   </p:cSld>
@@ -2196,7 +2280,7 @@
             <a:fld id="{B61BEF0D-F0BB-DE4B-95CE-6DB70DBA9567}" type="datetimeFigureOut">
               <a:rPr lang="en-US" dirty="0"/>
               <a:pPr/>
-              <a:t>12.12.16</a:t>
+              <a:t>12/12/2016</a:t>
             </a:fld>
             <a:endParaRPr lang="en-US" dirty="0"/>
           </a:p>
@@ -2489,7 +2573,7 @@
             <a:fld id="{B61BEF0D-F0BB-DE4B-95CE-6DB70DBA9567}" type="datetimeFigureOut">
               <a:rPr lang="en-US" dirty="0"/>
               <a:pPr/>
-              <a:t>12.12.16</a:t>
+              <a:t>12/12/2016</a:t>
             </a:fld>
             <a:endParaRPr lang="en-US" dirty="0"/>
           </a:p>
@@ -2734,7 +2818,7 @@
             <a:fld id="{B61BEF0D-F0BB-DE4B-95CE-6DB70DBA9567}" type="datetimeFigureOut">
               <a:rPr lang="en-US" dirty="0"/>
               <a:pPr/>
-              <a:t>12.12.16</a:t>
+              <a:t>12/12/2016</a:t>
             </a:fld>
             <a:endParaRPr lang="en-US" dirty="0"/>
           </a:p>
@@ -3271,7 +3355,7 @@
             <a:fld id="{B61BEF0D-F0BB-DE4B-95CE-6DB70DBA9567}" type="datetimeFigureOut">
               <a:rPr lang="en-US" dirty="0"/>
               <a:pPr/>
-              <a:t>12.12.16</a:t>
+              <a:t>12/12/2016</a:t>
             </a:fld>
             <a:endParaRPr lang="en-US" dirty="0"/>
           </a:p>
@@ -3516,7 +3600,7 @@
             <a:fld id="{B61BEF0D-F0BB-DE4B-95CE-6DB70DBA9567}" type="datetimeFigureOut">
               <a:rPr lang="en-US" dirty="0"/>
               <a:pPr/>
-              <a:t>12.12.16</a:t>
+              <a:t>12/12/2016</a:t>
             </a:fld>
             <a:endParaRPr lang="en-US" dirty="0"/>
           </a:p>
@@ -4045,7 +4129,7 @@
             <a:fld id="{B61BEF0D-F0BB-DE4B-95CE-6DB70DBA9567}" type="datetimeFigureOut">
               <a:rPr lang="en-US" dirty="0"/>
               <a:pPr/>
-              <a:t>12.12.16</a:t>
+              <a:t>12/12/2016</a:t>
             </a:fld>
             <a:endParaRPr lang="en-US" dirty="0"/>
           </a:p>
@@ -4339,7 +4423,7 @@
             <a:fld id="{B61BEF0D-F0BB-DE4B-95CE-6DB70DBA9567}" type="datetimeFigureOut">
               <a:rPr lang="en-US" dirty="0"/>
               <a:pPr/>
-              <a:t>12.12.16</a:t>
+              <a:t>12/12/2016</a:t>
             </a:fld>
             <a:endParaRPr lang="en-US" dirty="0"/>
           </a:p>
@@ -4510,7 +4594,7 @@
             <a:fld id="{B61BEF0D-F0BB-DE4B-95CE-6DB70DBA9567}" type="datetimeFigureOut">
               <a:rPr lang="en-US" dirty="0"/>
               <a:pPr/>
-              <a:t>12.12.16</a:t>
+              <a:t>12/12/2016</a:t>
             </a:fld>
             <a:endParaRPr lang="en-US" dirty="0"/>
           </a:p>
@@ -4687,7 +4771,7 @@
             <a:fld id="{B61BEF0D-F0BB-DE4B-95CE-6DB70DBA9567}" type="datetimeFigureOut">
               <a:rPr lang="en-US" dirty="0"/>
               <a:pPr/>
-              <a:t>12.12.16</a:t>
+              <a:t>12/12/2016</a:t>
             </a:fld>
             <a:endParaRPr lang="en-US" dirty="0"/>
           </a:p>
@@ -4854,7 +4938,7 @@
             <a:fld id="{B61BEF0D-F0BB-DE4B-95CE-6DB70DBA9567}" type="datetimeFigureOut">
               <a:rPr lang="en-US" dirty="0"/>
               <a:pPr/>
-              <a:t>12.12.16</a:t>
+              <a:t>12/12/2016</a:t>
             </a:fld>
             <a:endParaRPr lang="en-US" dirty="0"/>
           </a:p>
@@ -5102,7 +5186,7 @@
             <a:fld id="{B61BEF0D-F0BB-DE4B-95CE-6DB70DBA9567}" type="datetimeFigureOut">
               <a:rPr lang="en-US" dirty="0"/>
               <a:pPr/>
-              <a:t>12.12.16</a:t>
+              <a:t>12/12/2016</a:t>
             </a:fld>
             <a:endParaRPr lang="en-US" dirty="0"/>
           </a:p>
@@ -5396,7 +5480,7 @@
             <a:fld id="{B61BEF0D-F0BB-DE4B-95CE-6DB70DBA9567}" type="datetimeFigureOut">
               <a:rPr lang="en-US" dirty="0"/>
               <a:pPr/>
-              <a:t>12.12.16</a:t>
+              <a:t>12/12/2016</a:t>
             </a:fld>
             <a:endParaRPr lang="en-US" dirty="0"/>
           </a:p>
@@ -5835,7 +5919,7 @@
             <a:fld id="{B61BEF0D-F0BB-DE4B-95CE-6DB70DBA9567}" type="datetimeFigureOut">
               <a:rPr lang="en-US" dirty="0"/>
               <a:pPr/>
-              <a:t>12.12.16</a:t>
+              <a:t>12/12/2016</a:t>
             </a:fld>
             <a:endParaRPr lang="en-US" dirty="0"/>
           </a:p>
@@ -5950,7 +6034,7 @@
             <a:fld id="{B61BEF0D-F0BB-DE4B-95CE-6DB70DBA9567}" type="datetimeFigureOut">
               <a:rPr lang="en-US" dirty="0"/>
               <a:pPr/>
-              <a:t>12.12.16</a:t>
+              <a:t>12/12/2016</a:t>
             </a:fld>
             <a:endParaRPr lang="en-US" dirty="0"/>
           </a:p>
@@ -6042,7 +6126,7 @@
             <a:fld id="{B61BEF0D-F0BB-DE4B-95CE-6DB70DBA9567}" type="datetimeFigureOut">
               <a:rPr lang="en-US" dirty="0"/>
               <a:pPr/>
-              <a:t>12.12.16</a:t>
+              <a:t>12/12/2016</a:t>
             </a:fld>
             <a:endParaRPr lang="en-US" dirty="0"/>
           </a:p>
@@ -6322,7 +6406,7 @@
             <a:fld id="{B61BEF0D-F0BB-DE4B-95CE-6DB70DBA9567}" type="datetimeFigureOut">
               <a:rPr lang="en-US" dirty="0"/>
               <a:pPr/>
-              <a:t>12.12.16</a:t>
+              <a:t>12/12/2016</a:t>
             </a:fld>
             <a:endParaRPr lang="en-US" dirty="0"/>
           </a:p>
@@ -6610,7 +6694,7 @@
             <a:fld id="{B61BEF0D-F0BB-DE4B-95CE-6DB70DBA9567}" type="datetimeFigureOut">
               <a:rPr lang="en-US" dirty="0"/>
               <a:pPr/>
-              <a:t>12.12.16</a:t>
+              <a:t>12/12/2016</a:t>
             </a:fld>
             <a:endParaRPr lang="en-US" dirty="0"/>
           </a:p>
@@ -7137,7 +7221,7 @@
             <a:fld id="{B61BEF0D-F0BB-DE4B-95CE-6DB70DBA9567}" type="datetimeFigureOut">
               <a:rPr lang="en-US" dirty="0"/>
               <a:pPr/>
-              <a:t>12.12.16</a:t>
+              <a:t>12/12/2016</a:t>
             </a:fld>
             <a:endParaRPr lang="en-US" dirty="0"/>
           </a:p>
@@ -8079,7 +8163,7 @@
   <p:timing>
     <p:tnLst>
       <p:par>
-        <p:cTn xmlns:p14="http://schemas.microsoft.com/office/powerpoint/2010/main" id="1" dur="indefinite" restart="never" nodeType="tmRoot"/>
+        <p:cTn id="1" dur="indefinite" restart="never" nodeType="tmRoot"/>
       </p:par>
     </p:tnLst>
   </p:timing>
@@ -8087,6 +8171,472 @@
 </file>
 
 <file path=ppt/slides/slide10.xml><?xml version="1.0" encoding="utf-8"?>
+<p:sld xmlns:a="http://schemas.openxmlformats.org/drawingml/2006/main" xmlns:r="http://schemas.openxmlformats.org/officeDocument/2006/relationships" xmlns:p="http://schemas.openxmlformats.org/presentationml/2006/main">
+  <p:cSld>
+    <p:spTree>
+      <p:nvGrpSpPr>
+        <p:cNvPr id="1" name=""/>
+        <p:cNvGrpSpPr/>
+        <p:nvPr/>
+      </p:nvGrpSpPr>
+      <p:grpSpPr>
+        <a:xfrm>
+          <a:off x="0" y="0"/>
+          <a:ext cx="0" cy="0"/>
+          <a:chOff x="0" y="0"/>
+          <a:chExt cx="0" cy="0"/>
+        </a:xfrm>
+      </p:grpSpPr>
+      <p:sp>
+        <p:nvSpPr>
+          <p:cNvPr id="2" name="Titel 1"/>
+          <p:cNvSpPr>
+            <a:spLocks noGrp="1"/>
+          </p:cNvSpPr>
+          <p:nvPr>
+            <p:ph type="title"/>
+          </p:nvPr>
+        </p:nvSpPr>
+        <p:spPr>
+          <a:xfrm>
+            <a:off x="810915" y="691116"/>
+            <a:ext cx="10018713" cy="1752599"/>
+          </a:xfrm>
+        </p:spPr>
+        <p:txBody>
+          <a:bodyPr/>
+          <a:lstStyle/>
+          <a:p>
+            <a:r>
+              <a:rPr lang="de-DE" dirty="0" err="1" smtClean="0"/>
+              <a:t>Why</a:t>
+            </a:r>
+            <a:r>
+              <a:rPr lang="de-DE" dirty="0" smtClean="0"/>
+              <a:t> </a:t>
+            </a:r>
+            <a:r>
+              <a:rPr lang="de-DE" dirty="0" err="1" smtClean="0"/>
+              <a:t>us</a:t>
+            </a:r>
+            <a:r>
+              <a:rPr lang="de-DE" dirty="0" smtClean="0"/>
+              <a:t>?</a:t>
+            </a:r>
+            <a:endParaRPr lang="de-DE" dirty="0"/>
+          </a:p>
+        </p:txBody>
+      </p:sp>
+      <p:sp>
+        <p:nvSpPr>
+          <p:cNvPr id="6" name="Inhaltsplatzhalter 2"/>
+          <p:cNvSpPr txBox="1">
+            <a:spLocks/>
+          </p:cNvSpPr>
+          <p:nvPr/>
+        </p:nvSpPr>
+        <p:spPr>
+          <a:xfrm>
+            <a:off x="8137451" y="-41565"/>
+            <a:ext cx="4054549" cy="370610"/>
+          </a:xfrm>
+          <a:prstGeom prst="rect">
+            <a:avLst/>
+          </a:prstGeom>
+        </p:spPr>
+        <p:txBody>
+          <a:bodyPr vert="horz" lIns="91440" tIns="45720" rIns="91440" bIns="45720" rtlCol="0" anchor="ctr">
+            <a:normAutofit/>
+          </a:bodyPr>
+          <a:lstStyle>
+            <a:lvl1pPr marL="285750" indent="-285750" algn="l" defTabSz="457200" rtl="0" eaLnBrk="1" latinLnBrk="0" hangingPunct="1">
+              <a:spcBef>
+                <a:spcPct val="20000"/>
+              </a:spcBef>
+              <a:spcAft>
+                <a:spcPts val="600"/>
+              </a:spcAft>
+              <a:buClr>
+                <a:schemeClr val="accent1">
+                  <a:lumMod val="75000"/>
+                </a:schemeClr>
+              </a:buClr>
+              <a:buSzPct val="145000"/>
+              <a:buFont typeface="Arial"/>
+              <a:buChar char="•"/>
+              <a:defRPr sz="2400" kern="1200" cap="none">
+                <a:solidFill>
+                  <a:schemeClr val="tx1"/>
+                </a:solidFill>
+                <a:effectLst/>
+                <a:latin typeface="+mn-lt"/>
+                <a:ea typeface="+mn-ea"/>
+                <a:cs typeface="+mn-cs"/>
+              </a:defRPr>
+            </a:lvl1pPr>
+            <a:lvl2pPr marL="742950" indent="-285750" algn="l" defTabSz="457200" rtl="0" eaLnBrk="1" latinLnBrk="0" hangingPunct="1">
+              <a:spcBef>
+                <a:spcPct val="20000"/>
+              </a:spcBef>
+              <a:spcAft>
+                <a:spcPts val="600"/>
+              </a:spcAft>
+              <a:buClr>
+                <a:schemeClr val="accent1">
+                  <a:lumMod val="75000"/>
+                </a:schemeClr>
+              </a:buClr>
+              <a:buSzPct val="145000"/>
+              <a:buFont typeface="Arial"/>
+              <a:buChar char="•"/>
+              <a:defRPr sz="2000" kern="1200" cap="none">
+                <a:solidFill>
+                  <a:schemeClr val="tx1"/>
+                </a:solidFill>
+                <a:effectLst/>
+                <a:latin typeface="+mn-lt"/>
+                <a:ea typeface="+mn-ea"/>
+                <a:cs typeface="+mn-cs"/>
+              </a:defRPr>
+            </a:lvl2pPr>
+            <a:lvl3pPr marL="1200150" indent="-285750" algn="l" defTabSz="457200" rtl="0" eaLnBrk="1" latinLnBrk="0" hangingPunct="1">
+              <a:spcBef>
+                <a:spcPct val="20000"/>
+              </a:spcBef>
+              <a:spcAft>
+                <a:spcPts val="600"/>
+              </a:spcAft>
+              <a:buClr>
+                <a:schemeClr val="accent1">
+                  <a:lumMod val="75000"/>
+                </a:schemeClr>
+              </a:buClr>
+              <a:buSzPct val="145000"/>
+              <a:buFont typeface="Arial"/>
+              <a:buChar char="•"/>
+              <a:defRPr sz="1800" kern="1200" cap="none">
+                <a:solidFill>
+                  <a:schemeClr val="tx1"/>
+                </a:solidFill>
+                <a:effectLst/>
+                <a:latin typeface="+mn-lt"/>
+                <a:ea typeface="+mn-ea"/>
+                <a:cs typeface="+mn-cs"/>
+              </a:defRPr>
+            </a:lvl3pPr>
+            <a:lvl4pPr marL="1543050" indent="-171450" algn="l" defTabSz="457200" rtl="0" eaLnBrk="1" latinLnBrk="0" hangingPunct="1">
+              <a:spcBef>
+                <a:spcPct val="20000"/>
+              </a:spcBef>
+              <a:spcAft>
+                <a:spcPts val="600"/>
+              </a:spcAft>
+              <a:buClr>
+                <a:schemeClr val="accent1">
+                  <a:lumMod val="75000"/>
+                </a:schemeClr>
+              </a:buClr>
+              <a:buSzPct val="145000"/>
+              <a:buFont typeface="Arial"/>
+              <a:buChar char="•"/>
+              <a:defRPr sz="1600" kern="1200" cap="none">
+                <a:solidFill>
+                  <a:schemeClr val="tx1"/>
+                </a:solidFill>
+                <a:effectLst/>
+                <a:latin typeface="+mn-lt"/>
+                <a:ea typeface="+mn-ea"/>
+                <a:cs typeface="+mn-cs"/>
+              </a:defRPr>
+            </a:lvl4pPr>
+            <a:lvl5pPr marL="2000250" indent="-171450" algn="l" defTabSz="457200" rtl="0" eaLnBrk="1" latinLnBrk="0" hangingPunct="1">
+              <a:spcBef>
+                <a:spcPct val="20000"/>
+              </a:spcBef>
+              <a:spcAft>
+                <a:spcPts val="600"/>
+              </a:spcAft>
+              <a:buClr>
+                <a:schemeClr val="accent1">
+                  <a:lumMod val="75000"/>
+                </a:schemeClr>
+              </a:buClr>
+              <a:buSzPct val="145000"/>
+              <a:buFont typeface="Arial"/>
+              <a:buChar char="•"/>
+              <a:defRPr sz="1400" kern="1200" cap="none">
+                <a:solidFill>
+                  <a:schemeClr val="tx1"/>
+                </a:solidFill>
+                <a:effectLst/>
+                <a:latin typeface="+mn-lt"/>
+                <a:ea typeface="+mn-ea"/>
+                <a:cs typeface="+mn-cs"/>
+              </a:defRPr>
+            </a:lvl5pPr>
+            <a:lvl6pPr marL="2514600" indent="-228600" algn="l" defTabSz="457200" rtl="0" eaLnBrk="1" latinLnBrk="0" hangingPunct="1">
+              <a:spcBef>
+                <a:spcPct val="20000"/>
+              </a:spcBef>
+              <a:spcAft>
+                <a:spcPts val="600"/>
+              </a:spcAft>
+              <a:buClr>
+                <a:schemeClr val="accent1">
+                  <a:lumMod val="75000"/>
+                </a:schemeClr>
+              </a:buClr>
+              <a:buSzPct val="145000"/>
+              <a:buFont typeface="Arial"/>
+              <a:buChar char="•"/>
+              <a:defRPr sz="1400" kern="1200" cap="none">
+                <a:solidFill>
+                  <a:schemeClr val="tx1"/>
+                </a:solidFill>
+                <a:effectLst/>
+                <a:latin typeface="+mn-lt"/>
+                <a:ea typeface="+mn-ea"/>
+                <a:cs typeface="+mn-cs"/>
+              </a:defRPr>
+            </a:lvl6pPr>
+            <a:lvl7pPr marL="2971800" indent="-228600" algn="l" defTabSz="457200" rtl="0" eaLnBrk="1" latinLnBrk="0" hangingPunct="1">
+              <a:spcBef>
+                <a:spcPct val="20000"/>
+              </a:spcBef>
+              <a:spcAft>
+                <a:spcPts val="600"/>
+              </a:spcAft>
+              <a:buClr>
+                <a:schemeClr val="accent1">
+                  <a:lumMod val="75000"/>
+                </a:schemeClr>
+              </a:buClr>
+              <a:buSzPct val="145000"/>
+              <a:buFont typeface="Arial"/>
+              <a:buChar char="•"/>
+              <a:defRPr sz="1400" kern="1200" cap="none">
+                <a:solidFill>
+                  <a:schemeClr val="tx1"/>
+                </a:solidFill>
+                <a:effectLst/>
+                <a:latin typeface="+mn-lt"/>
+                <a:ea typeface="+mn-ea"/>
+                <a:cs typeface="+mn-cs"/>
+              </a:defRPr>
+            </a:lvl7pPr>
+            <a:lvl8pPr marL="3429000" indent="-228600" algn="l" defTabSz="457200" rtl="0" eaLnBrk="1" latinLnBrk="0" hangingPunct="1">
+              <a:spcBef>
+                <a:spcPct val="20000"/>
+              </a:spcBef>
+              <a:spcAft>
+                <a:spcPts val="600"/>
+              </a:spcAft>
+              <a:buClr>
+                <a:schemeClr val="accent1">
+                  <a:lumMod val="75000"/>
+                </a:schemeClr>
+              </a:buClr>
+              <a:buSzPct val="145000"/>
+              <a:buFont typeface="Arial"/>
+              <a:buChar char="•"/>
+              <a:defRPr sz="1400" kern="1200" cap="none">
+                <a:solidFill>
+                  <a:schemeClr val="tx1"/>
+                </a:solidFill>
+                <a:effectLst/>
+                <a:latin typeface="+mn-lt"/>
+                <a:ea typeface="+mn-ea"/>
+                <a:cs typeface="+mn-cs"/>
+              </a:defRPr>
+            </a:lvl8pPr>
+            <a:lvl9pPr marL="3886200" indent="-228600" algn="l" defTabSz="457200" rtl="0" eaLnBrk="1" latinLnBrk="0" hangingPunct="1">
+              <a:spcBef>
+                <a:spcPct val="20000"/>
+              </a:spcBef>
+              <a:spcAft>
+                <a:spcPts val="600"/>
+              </a:spcAft>
+              <a:buClr>
+                <a:schemeClr val="accent1">
+                  <a:lumMod val="75000"/>
+                </a:schemeClr>
+              </a:buClr>
+              <a:buSzPct val="145000"/>
+              <a:buFont typeface="Arial"/>
+              <a:buChar char="•"/>
+              <a:defRPr sz="1400" kern="1200" cap="none">
+                <a:solidFill>
+                  <a:schemeClr val="tx1"/>
+                </a:solidFill>
+                <a:effectLst/>
+                <a:latin typeface="+mn-lt"/>
+                <a:ea typeface="+mn-ea"/>
+                <a:cs typeface="+mn-cs"/>
+              </a:defRPr>
+            </a:lvl9pPr>
+          </a:lstStyle>
+          <a:p>
+            <a:pPr marL="0" indent="0">
+              <a:buNone/>
+            </a:pPr>
+            <a:r>
+              <a:rPr lang="de-DE" sz="1000" dirty="0" smtClean="0"/>
+              <a:t>Rem0 Röthlisberger, Eric </a:t>
+            </a:r>
+            <a:r>
+              <a:rPr lang="de-DE" sz="1000" dirty="0" err="1" smtClean="0"/>
+              <a:t>Lagger</a:t>
+            </a:r>
+            <a:r>
+              <a:rPr lang="de-DE" sz="1000" dirty="0" smtClean="0"/>
+              <a:t>, Vincent Hofer, Dean Klopsch, Aebi Ryan</a:t>
+            </a:r>
+            <a:endParaRPr lang="de-DE" sz="1000" dirty="0"/>
+          </a:p>
+        </p:txBody>
+      </p:sp>
+      <p:sp>
+        <p:nvSpPr>
+          <p:cNvPr id="7" name="Inhaltsplatzhalter 2"/>
+          <p:cNvSpPr>
+            <a:spLocks noGrp="1"/>
+          </p:cNvSpPr>
+          <p:nvPr>
+            <p:ph idx="1"/>
+          </p:nvPr>
+        </p:nvSpPr>
+        <p:spPr>
+          <a:xfrm>
+            <a:off x="762552" y="2065420"/>
+            <a:ext cx="10115438" cy="3937001"/>
+          </a:xfrm>
+        </p:spPr>
+        <p:txBody>
+          <a:bodyPr>
+            <a:normAutofit/>
+          </a:bodyPr>
+          <a:lstStyle/>
+          <a:p>
+            <a:pPr algn="ctr"/>
+            <a:r>
+              <a:rPr lang="de-DE" sz="3200" dirty="0" err="1" smtClean="0"/>
+              <a:t>Our</a:t>
+            </a:r>
+            <a:r>
+              <a:rPr lang="de-DE" sz="3200" dirty="0" smtClean="0"/>
+              <a:t> </a:t>
+            </a:r>
+            <a:r>
+              <a:rPr lang="de-DE" sz="3200" dirty="0" err="1" smtClean="0"/>
+              <a:t>team</a:t>
+            </a:r>
+            <a:endParaRPr lang="de-DE" sz="3200" dirty="0" smtClean="0"/>
+          </a:p>
+          <a:p>
+            <a:pPr algn="ctr"/>
+            <a:r>
+              <a:rPr lang="de-DE" sz="3200" dirty="0" smtClean="0"/>
+              <a:t>The </a:t>
+            </a:r>
+            <a:r>
+              <a:rPr lang="de-DE" sz="3200" dirty="0" err="1" smtClean="0"/>
+              <a:t>products</a:t>
+            </a:r>
+            <a:r>
+              <a:rPr lang="de-DE" sz="3200" dirty="0" smtClean="0"/>
+              <a:t/>
+            </a:r>
+            <a:br>
+              <a:rPr lang="de-DE" sz="3200" dirty="0" smtClean="0"/>
+            </a:br>
+            <a:r>
+              <a:rPr lang="de-DE" sz="3200" dirty="0" smtClean="0"/>
+              <a:t>-&gt; The </a:t>
+            </a:r>
+            <a:r>
+              <a:rPr lang="de-DE" sz="3200" dirty="0" err="1" smtClean="0"/>
+              <a:t>client</a:t>
+            </a:r>
+            <a:r>
+              <a:rPr lang="de-DE" sz="3200" dirty="0" smtClean="0"/>
+              <a:t/>
+            </a:r>
+            <a:br>
+              <a:rPr lang="de-DE" sz="3200" dirty="0" smtClean="0"/>
+            </a:br>
+            <a:r>
+              <a:rPr lang="de-DE" sz="3200" dirty="0" smtClean="0"/>
+              <a:t>-&gt; The </a:t>
+            </a:r>
+            <a:r>
+              <a:rPr lang="de-DE" sz="3200" dirty="0" err="1" smtClean="0"/>
+              <a:t>developers</a:t>
+            </a:r>
+            <a:endParaRPr lang="de-DE" sz="3200" dirty="0" smtClean="0"/>
+          </a:p>
+          <a:p>
+            <a:pPr algn="ctr"/>
+            <a:r>
+              <a:rPr lang="de-DE" sz="3200" dirty="0" err="1" smtClean="0"/>
+              <a:t>Ask</a:t>
+            </a:r>
+            <a:r>
+              <a:rPr lang="de-DE" sz="3200" dirty="0" smtClean="0"/>
+              <a:t> </a:t>
+            </a:r>
+            <a:r>
+              <a:rPr lang="de-DE" sz="3200" dirty="0" err="1" smtClean="0"/>
+              <a:t>us</a:t>
+            </a:r>
+            <a:r>
+              <a:rPr lang="de-DE" sz="3200" dirty="0" smtClean="0"/>
+              <a:t>!</a:t>
+            </a:r>
+            <a:endParaRPr lang="de-DE" sz="3200" dirty="0" smtClean="0"/>
+          </a:p>
+          <a:p>
+            <a:pPr algn="ctr"/>
+            <a:r>
+              <a:rPr lang="de-DE" sz="3200" dirty="0" err="1" smtClean="0"/>
+              <a:t>Contact</a:t>
+            </a:r>
+            <a:r>
+              <a:rPr lang="de-DE" sz="3200" dirty="0" smtClean="0"/>
+              <a:t> </a:t>
+            </a:r>
+            <a:r>
+              <a:rPr lang="de-DE" sz="3200" dirty="0" err="1" smtClean="0"/>
+              <a:t>us</a:t>
+            </a:r>
+            <a:r>
+              <a:rPr lang="de-DE" sz="3200" dirty="0" smtClean="0"/>
+              <a:t>!</a:t>
+            </a:r>
+            <a:endParaRPr lang="de-DE" sz="3200" dirty="0" smtClean="0"/>
+          </a:p>
+        </p:txBody>
+      </p:sp>
+    </p:spTree>
+    <p:extLst>
+      <p:ext uri="{BB962C8B-B14F-4D97-AF65-F5344CB8AC3E}">
+        <p14:creationId xmlns:p14="http://schemas.microsoft.com/office/powerpoint/2010/main" val="3931874477"/>
+      </p:ext>
+    </p:extLst>
+  </p:cSld>
+  <p:clrMapOvr>
+    <a:masterClrMapping/>
+  </p:clrMapOvr>
+  <p:timing>
+    <p:tnLst>
+      <p:par>
+        <p:cTn id="1" dur="indefinite" restart="never" nodeType="tmRoot"/>
+      </p:par>
+    </p:tnLst>
+  </p:timing>
+</p:sld>
+</file>
+
+<file path=ppt/slides/slide11.xml><?xml version="1.0" encoding="utf-8"?>
 <p:sld xmlns:a="http://schemas.openxmlformats.org/drawingml/2006/main" xmlns:r="http://schemas.openxmlformats.org/officeDocument/2006/relationships" xmlns:p="http://schemas.openxmlformats.org/presentationml/2006/main">
   <p:cSld>
     <p:spTree>
@@ -8163,7 +8713,7 @@
           <a:noFill/>
           <a:extLst>
             <a:ext uri="{909E8E84-426E-40dd-AFC4-6F175D3DCCD1}">
-              <a14:hiddenFill xmlns:a14="http://schemas.microsoft.com/office/drawing/2010/main">
+              <a14:hiddenFill xmlns:a14="http://schemas.microsoft.com/office/drawing/2010/main" xmlns="">
                 <a:solidFill>
                   <a:srgbClr val="FFFFFF"/>
                 </a:solidFill>
@@ -8204,7 +8754,7 @@
           <a:noFill/>
           <a:extLst>
             <a:ext uri="{909E8E84-426E-40dd-AFC4-6F175D3DCCD1}">
-              <a14:hiddenFill xmlns:a14="http://schemas.microsoft.com/office/drawing/2010/main">
+              <a14:hiddenFill xmlns:a14="http://schemas.microsoft.com/office/drawing/2010/main" xmlns="">
                 <a:solidFill>
                   <a:srgbClr val="FFFFFF"/>
                 </a:solidFill>
@@ -8494,341 +9044,7 @@
   <p:timing>
     <p:tnLst>
       <p:par>
-        <p:cTn xmlns:p14="http://schemas.microsoft.com/office/powerpoint/2010/main" id="1" dur="indefinite" restart="never" nodeType="tmRoot"/>
-      </p:par>
-    </p:tnLst>
-  </p:timing>
-</p:sld>
-</file>
-
-<file path=ppt/slides/slide11.xml><?xml version="1.0" encoding="utf-8"?>
-<p:sld xmlns:a="http://schemas.openxmlformats.org/drawingml/2006/main" xmlns:r="http://schemas.openxmlformats.org/officeDocument/2006/relationships" xmlns:p="http://schemas.openxmlformats.org/presentationml/2006/main">
-  <p:cSld>
-    <p:spTree>
-      <p:nvGrpSpPr>
-        <p:cNvPr id="1" name=""/>
-        <p:cNvGrpSpPr/>
-        <p:nvPr/>
-      </p:nvGrpSpPr>
-      <p:grpSpPr>
-        <a:xfrm>
-          <a:off x="0" y="0"/>
-          <a:ext cx="0" cy="0"/>
-          <a:chOff x="0" y="0"/>
-          <a:chExt cx="0" cy="0"/>
-        </a:xfrm>
-      </p:grpSpPr>
-      <p:pic>
-        <p:nvPicPr>
-          <p:cNvPr id="4" name="Inhaltsplatzhalter 3"/>
-          <p:cNvPicPr>
-            <a:picLocks noGrp="1" noChangeAspect="1"/>
-          </p:cNvPicPr>
-          <p:nvPr>
-            <p:ph idx="1"/>
-          </p:nvPr>
-        </p:nvPicPr>
-        <p:blipFill>
-          <a:blip r:embed="rId2">
-            <a:extLst>
-              <a:ext uri="{28A0092B-C50C-407E-A947-70E740481C1C}">
-                <a14:useLocalDpi xmlns:a14="http://schemas.microsoft.com/office/drawing/2010/main" val="0"/>
-              </a:ext>
-            </a:extLst>
-          </a:blip>
-          <a:stretch>
-            <a:fillRect/>
-          </a:stretch>
-        </p:blipFill>
-        <p:spPr>
-          <a:xfrm>
-            <a:off x="3325091" y="589467"/>
-            <a:ext cx="5458042" cy="5458042"/>
-          </a:xfrm>
-        </p:spPr>
-      </p:pic>
-      <p:sp>
-        <p:nvSpPr>
-          <p:cNvPr id="6" name="Inhaltsplatzhalter 2"/>
-          <p:cNvSpPr txBox="1">
-            <a:spLocks/>
-          </p:cNvSpPr>
-          <p:nvPr/>
-        </p:nvSpPr>
-        <p:spPr>
-          <a:xfrm>
-            <a:off x="8137451" y="-41565"/>
-            <a:ext cx="4054549" cy="370610"/>
-          </a:xfrm>
-          <a:prstGeom prst="rect">
-            <a:avLst/>
-          </a:prstGeom>
-        </p:spPr>
-        <p:txBody>
-          <a:bodyPr vert="horz" lIns="91440" tIns="45720" rIns="91440" bIns="45720" rtlCol="0" anchor="ctr">
-            <a:normAutofit/>
-          </a:bodyPr>
-          <a:lstStyle>
-            <a:lvl1pPr marL="285750" indent="-285750" algn="l" defTabSz="457200" rtl="0" eaLnBrk="1" latinLnBrk="0" hangingPunct="1">
-              <a:spcBef>
-                <a:spcPct val="20000"/>
-              </a:spcBef>
-              <a:spcAft>
-                <a:spcPts val="600"/>
-              </a:spcAft>
-              <a:buClr>
-                <a:schemeClr val="accent1">
-                  <a:lumMod val="75000"/>
-                </a:schemeClr>
-              </a:buClr>
-              <a:buSzPct val="145000"/>
-              <a:buFont typeface="Arial"/>
-              <a:buChar char="•"/>
-              <a:defRPr sz="2400" kern="1200" cap="none">
-                <a:solidFill>
-                  <a:schemeClr val="tx1"/>
-                </a:solidFill>
-                <a:effectLst/>
-                <a:latin typeface="+mn-lt"/>
-                <a:ea typeface="+mn-ea"/>
-                <a:cs typeface="+mn-cs"/>
-              </a:defRPr>
-            </a:lvl1pPr>
-            <a:lvl2pPr marL="742950" indent="-285750" algn="l" defTabSz="457200" rtl="0" eaLnBrk="1" latinLnBrk="0" hangingPunct="1">
-              <a:spcBef>
-                <a:spcPct val="20000"/>
-              </a:spcBef>
-              <a:spcAft>
-                <a:spcPts val="600"/>
-              </a:spcAft>
-              <a:buClr>
-                <a:schemeClr val="accent1">
-                  <a:lumMod val="75000"/>
-                </a:schemeClr>
-              </a:buClr>
-              <a:buSzPct val="145000"/>
-              <a:buFont typeface="Arial"/>
-              <a:buChar char="•"/>
-              <a:defRPr sz="2000" kern="1200" cap="none">
-                <a:solidFill>
-                  <a:schemeClr val="tx1"/>
-                </a:solidFill>
-                <a:effectLst/>
-                <a:latin typeface="+mn-lt"/>
-                <a:ea typeface="+mn-ea"/>
-                <a:cs typeface="+mn-cs"/>
-              </a:defRPr>
-            </a:lvl2pPr>
-            <a:lvl3pPr marL="1200150" indent="-285750" algn="l" defTabSz="457200" rtl="0" eaLnBrk="1" latinLnBrk="0" hangingPunct="1">
-              <a:spcBef>
-                <a:spcPct val="20000"/>
-              </a:spcBef>
-              <a:spcAft>
-                <a:spcPts val="600"/>
-              </a:spcAft>
-              <a:buClr>
-                <a:schemeClr val="accent1">
-                  <a:lumMod val="75000"/>
-                </a:schemeClr>
-              </a:buClr>
-              <a:buSzPct val="145000"/>
-              <a:buFont typeface="Arial"/>
-              <a:buChar char="•"/>
-              <a:defRPr sz="1800" kern="1200" cap="none">
-                <a:solidFill>
-                  <a:schemeClr val="tx1"/>
-                </a:solidFill>
-                <a:effectLst/>
-                <a:latin typeface="+mn-lt"/>
-                <a:ea typeface="+mn-ea"/>
-                <a:cs typeface="+mn-cs"/>
-              </a:defRPr>
-            </a:lvl3pPr>
-            <a:lvl4pPr marL="1543050" indent="-171450" algn="l" defTabSz="457200" rtl="0" eaLnBrk="1" latinLnBrk="0" hangingPunct="1">
-              <a:spcBef>
-                <a:spcPct val="20000"/>
-              </a:spcBef>
-              <a:spcAft>
-                <a:spcPts val="600"/>
-              </a:spcAft>
-              <a:buClr>
-                <a:schemeClr val="accent1">
-                  <a:lumMod val="75000"/>
-                </a:schemeClr>
-              </a:buClr>
-              <a:buSzPct val="145000"/>
-              <a:buFont typeface="Arial"/>
-              <a:buChar char="•"/>
-              <a:defRPr sz="1600" kern="1200" cap="none">
-                <a:solidFill>
-                  <a:schemeClr val="tx1"/>
-                </a:solidFill>
-                <a:effectLst/>
-                <a:latin typeface="+mn-lt"/>
-                <a:ea typeface="+mn-ea"/>
-                <a:cs typeface="+mn-cs"/>
-              </a:defRPr>
-            </a:lvl4pPr>
-            <a:lvl5pPr marL="2000250" indent="-171450" algn="l" defTabSz="457200" rtl="0" eaLnBrk="1" latinLnBrk="0" hangingPunct="1">
-              <a:spcBef>
-                <a:spcPct val="20000"/>
-              </a:spcBef>
-              <a:spcAft>
-                <a:spcPts val="600"/>
-              </a:spcAft>
-              <a:buClr>
-                <a:schemeClr val="accent1">
-                  <a:lumMod val="75000"/>
-                </a:schemeClr>
-              </a:buClr>
-              <a:buSzPct val="145000"/>
-              <a:buFont typeface="Arial"/>
-              <a:buChar char="•"/>
-              <a:defRPr sz="1400" kern="1200" cap="none">
-                <a:solidFill>
-                  <a:schemeClr val="tx1"/>
-                </a:solidFill>
-                <a:effectLst/>
-                <a:latin typeface="+mn-lt"/>
-                <a:ea typeface="+mn-ea"/>
-                <a:cs typeface="+mn-cs"/>
-              </a:defRPr>
-            </a:lvl5pPr>
-            <a:lvl6pPr marL="2514600" indent="-228600" algn="l" defTabSz="457200" rtl="0" eaLnBrk="1" latinLnBrk="0" hangingPunct="1">
-              <a:spcBef>
-                <a:spcPct val="20000"/>
-              </a:spcBef>
-              <a:spcAft>
-                <a:spcPts val="600"/>
-              </a:spcAft>
-              <a:buClr>
-                <a:schemeClr val="accent1">
-                  <a:lumMod val="75000"/>
-                </a:schemeClr>
-              </a:buClr>
-              <a:buSzPct val="145000"/>
-              <a:buFont typeface="Arial"/>
-              <a:buChar char="•"/>
-              <a:defRPr sz="1400" kern="1200" cap="none">
-                <a:solidFill>
-                  <a:schemeClr val="tx1"/>
-                </a:solidFill>
-                <a:effectLst/>
-                <a:latin typeface="+mn-lt"/>
-                <a:ea typeface="+mn-ea"/>
-                <a:cs typeface="+mn-cs"/>
-              </a:defRPr>
-            </a:lvl6pPr>
-            <a:lvl7pPr marL="2971800" indent="-228600" algn="l" defTabSz="457200" rtl="0" eaLnBrk="1" latinLnBrk="0" hangingPunct="1">
-              <a:spcBef>
-                <a:spcPct val="20000"/>
-              </a:spcBef>
-              <a:spcAft>
-                <a:spcPts val="600"/>
-              </a:spcAft>
-              <a:buClr>
-                <a:schemeClr val="accent1">
-                  <a:lumMod val="75000"/>
-                </a:schemeClr>
-              </a:buClr>
-              <a:buSzPct val="145000"/>
-              <a:buFont typeface="Arial"/>
-              <a:buChar char="•"/>
-              <a:defRPr sz="1400" kern="1200" cap="none">
-                <a:solidFill>
-                  <a:schemeClr val="tx1"/>
-                </a:solidFill>
-                <a:effectLst/>
-                <a:latin typeface="+mn-lt"/>
-                <a:ea typeface="+mn-ea"/>
-                <a:cs typeface="+mn-cs"/>
-              </a:defRPr>
-            </a:lvl7pPr>
-            <a:lvl8pPr marL="3429000" indent="-228600" algn="l" defTabSz="457200" rtl="0" eaLnBrk="1" latinLnBrk="0" hangingPunct="1">
-              <a:spcBef>
-                <a:spcPct val="20000"/>
-              </a:spcBef>
-              <a:spcAft>
-                <a:spcPts val="600"/>
-              </a:spcAft>
-              <a:buClr>
-                <a:schemeClr val="accent1">
-                  <a:lumMod val="75000"/>
-                </a:schemeClr>
-              </a:buClr>
-              <a:buSzPct val="145000"/>
-              <a:buFont typeface="Arial"/>
-              <a:buChar char="•"/>
-              <a:defRPr sz="1400" kern="1200" cap="none">
-                <a:solidFill>
-                  <a:schemeClr val="tx1"/>
-                </a:solidFill>
-                <a:effectLst/>
-                <a:latin typeface="+mn-lt"/>
-                <a:ea typeface="+mn-ea"/>
-                <a:cs typeface="+mn-cs"/>
-              </a:defRPr>
-            </a:lvl8pPr>
-            <a:lvl9pPr marL="3886200" indent="-228600" algn="l" defTabSz="457200" rtl="0" eaLnBrk="1" latinLnBrk="0" hangingPunct="1">
-              <a:spcBef>
-                <a:spcPct val="20000"/>
-              </a:spcBef>
-              <a:spcAft>
-                <a:spcPts val="600"/>
-              </a:spcAft>
-              <a:buClr>
-                <a:schemeClr val="accent1">
-                  <a:lumMod val="75000"/>
-                </a:schemeClr>
-              </a:buClr>
-              <a:buSzPct val="145000"/>
-              <a:buFont typeface="Arial"/>
-              <a:buChar char="•"/>
-              <a:defRPr sz="1400" kern="1200" cap="none">
-                <a:solidFill>
-                  <a:schemeClr val="tx1"/>
-                </a:solidFill>
-                <a:effectLst/>
-                <a:latin typeface="+mn-lt"/>
-                <a:ea typeface="+mn-ea"/>
-                <a:cs typeface="+mn-cs"/>
-              </a:defRPr>
-            </a:lvl9pPr>
-          </a:lstStyle>
-          <a:p>
-            <a:pPr marL="0" indent="0">
-              <a:buNone/>
-            </a:pPr>
-            <a:r>
-              <a:rPr lang="de-DE" sz="1000" dirty="0" smtClean="0"/>
-              <a:t>Rem0 Röthlisberger, Eric </a:t>
-            </a:r>
-            <a:r>
-              <a:rPr lang="de-DE" sz="1000" dirty="0" err="1" smtClean="0"/>
-              <a:t>Lagger</a:t>
-            </a:r>
-            <a:r>
-              <a:rPr lang="de-DE" sz="1000" dirty="0" smtClean="0"/>
-              <a:t>, Vincent Hofer, Dean Klopsch, Aebi Ryan</a:t>
-            </a:r>
-            <a:endParaRPr lang="de-DE" sz="1000" dirty="0"/>
-          </a:p>
-        </p:txBody>
-      </p:sp>
-    </p:spTree>
-    <p:extLst>
-      <p:ext uri="{BB962C8B-B14F-4D97-AF65-F5344CB8AC3E}">
-        <p14:creationId xmlns:p14="http://schemas.microsoft.com/office/powerpoint/2010/main" val="4059518843"/>
-      </p:ext>
-    </p:extLst>
-  </p:cSld>
-  <p:clrMapOvr>
-    <a:masterClrMapping/>
-  </p:clrMapOvr>
-  <p:timing>
-    <p:tnLst>
-      <p:par>
-        <p:cTn xmlns:p14="http://schemas.microsoft.com/office/powerpoint/2010/main" id="1" dur="indefinite" restart="never" nodeType="tmRoot"/>
+        <p:cTn id="1" dur="indefinite" restart="never" nodeType="tmRoot"/>
       </p:par>
     </p:tnLst>
   </p:timing>
@@ -9280,7 +9496,7 @@
   <p:timing>
     <p:tnLst>
       <p:par>
-        <p:cTn xmlns:p14="http://schemas.microsoft.com/office/powerpoint/2010/main" id="1" dur="indefinite" restart="never" nodeType="tmRoot"/>
+        <p:cTn id="1" dur="indefinite" restart="never" nodeType="tmRoot"/>
       </p:par>
     </p:tnLst>
   </p:timing>
@@ -9518,6 +9734,13 @@
   <p:clrMapOvr>
     <a:masterClrMapping/>
   </p:clrMapOvr>
+  <p:timing>
+    <p:tnLst>
+      <p:par>
+        <p:cTn id="1" dur="indefinite" restart="never" nodeType="tmRoot"/>
+      </p:par>
+    </p:tnLst>
+  </p:timing>
 </p:sld>
 </file>
 
@@ -9578,6 +9801,13 @@
   <p:clrMapOvr>
     <a:masterClrMapping/>
   </p:clrMapOvr>
+  <p:timing>
+    <p:tnLst>
+      <p:par>
+        <p:cTn id="1" dur="indefinite" restart="never" nodeType="tmRoot"/>
+      </p:par>
+    </p:tnLst>
+  </p:timing>
 </p:sld>
 </file>
 
@@ -10166,7 +10396,7 @@
   <p:timing>
     <p:tnLst>
       <p:par>
-        <p:cTn xmlns:p14="http://schemas.microsoft.com/office/powerpoint/2010/main" id="1" dur="indefinite" restart="never" nodeType="tmRoot"/>
+        <p:cTn id="1" dur="indefinite" restart="never" nodeType="tmRoot"/>
       </p:par>
     </p:tnLst>
   </p:timing>
@@ -10956,7 +11186,7 @@
   <p:timing>
     <p:tnLst>
       <p:par>
-        <p:cTn xmlns:p14="http://schemas.microsoft.com/office/powerpoint/2010/main" id="1" dur="indefinite" restart="never" nodeType="tmRoot"/>
+        <p:cTn id="1" dur="indefinite" restart="never" nodeType="tmRoot"/>
       </p:par>
     </p:tnLst>
   </p:timing>
@@ -11724,7 +11954,7 @@
   <p:timing>
     <p:tnLst>
       <p:par>
-        <p:cTn xmlns:p14="http://schemas.microsoft.com/office/powerpoint/2010/main" id="1" dur="indefinite" restart="never" nodeType="tmRoot"/>
+        <p:cTn id="1" dur="indefinite" restart="never" nodeType="tmRoot"/>
       </p:par>
     </p:tnLst>
   </p:timing>
@@ -12486,7 +12716,7 @@
   <p:timing>
     <p:tnLst>
       <p:par>
-        <p:cTn xmlns:p14="http://schemas.microsoft.com/office/powerpoint/2010/main" id="1" dur="indefinite" restart="never" nodeType="tmRoot"/>
+        <p:cTn id="1" dur="indefinite" restart="never" nodeType="tmRoot"/>
       </p:par>
     </p:tnLst>
   </p:timing>
@@ -13335,7 +13565,7 @@
   <p:timing>
     <p:tnLst>
       <p:par>
-        <p:cTn xmlns:p14="http://schemas.microsoft.com/office/powerpoint/2010/main" id="1" dur="indefinite" restart="never" nodeType="tmRoot"/>
+        <p:cTn id="1" dur="indefinite" restart="never" nodeType="tmRoot"/>
       </p:par>
     </p:tnLst>
   </p:timing>
@@ -13592,7 +13822,7 @@
   <a:extraClrSchemeLst/>
   <a:extLst>
     <a:ext uri="{05A4C25C-085E-4340-85A3-A5531E510DB2}">
-      <thm15:themeFamily xmlns="" xmlns:thm15="http://schemas.microsoft.com/office/thememl/2012/main" name="Parallax" id="{3388167B-A2EB-4685-9635-1831D9AEF8C4}" vid="{4F7A876A-7598-49CA-AFC8-8EDA2551E4A7}"/>
+      <thm15:themeFamily xmlns:thm15="http://schemas.microsoft.com/office/thememl/2012/main" name="Parallax" id="{3388167B-A2EB-4685-9635-1831D9AEF8C4}" vid="{4F7A876A-7598-49CA-AFC8-8EDA2551E4A7}"/>
     </a:ext>
   </a:extLst>
 </a:theme>

--- a/baseProject/presentation/Presentation-Team8.pptx
+++ b/baseProject/presentation/Presentation-Team8.pptx
@@ -5,7 +5,7 @@
     <p:sldMasterId id="2147483648" r:id="rId1"/>
   </p:sldMasterIdLst>
   <p:notesMasterIdLst>
-    <p:notesMasterId r:id="rId13"/>
+    <p:notesMasterId r:id="rId20"/>
   </p:notesMasterIdLst>
   <p:sldIdLst>
     <p:sldId id="256" r:id="rId2"/>
@@ -18,7 +18,14 @@
     <p:sldId id="268" r:id="rId9"/>
     <p:sldId id="269" r:id="rId10"/>
     <p:sldId id="274" r:id="rId11"/>
-    <p:sldId id="263" r:id="rId12"/>
+    <p:sldId id="275" r:id="rId12"/>
+    <p:sldId id="277" r:id="rId13"/>
+    <p:sldId id="278" r:id="rId14"/>
+    <p:sldId id="279" r:id="rId15"/>
+    <p:sldId id="280" r:id="rId16"/>
+    <p:sldId id="281" r:id="rId17"/>
+    <p:sldId id="276" r:id="rId18"/>
+    <p:sldId id="263" r:id="rId19"/>
   </p:sldIdLst>
   <p:sldSz cx="12192000" cy="6858000"/>
   <p:notesSz cx="6858000" cy="9144000"/>
@@ -148,6 +155,13 @@
         <p14:section name="Why us" id="{BE86CB87-125B-42C6-9C31-F3CD9D8CE1DC}">
           <p14:sldIdLst>
             <p14:sldId id="274"/>
+            <p14:sldId id="275"/>
+            <p14:sldId id="277"/>
+            <p14:sldId id="278"/>
+            <p14:sldId id="279"/>
+            <p14:sldId id="280"/>
+            <p14:sldId id="281"/>
+            <p14:sldId id="276"/>
           </p14:sldIdLst>
         </p14:section>
         <p14:section name="Questions" id="{58102800-2E6E-4D72-AC91-8B0151A06D05}">
@@ -257,7 +271,7 @@
           <a:p>
             <a:fld id="{AD788536-914B-4640-862E-1D3DAE36BE3D}" type="datetimeFigureOut">
               <a:rPr lang="de-DE" smtClean="0"/>
-              <a:t>12.12.2016</a:t>
+              <a:t>13.12.2016</a:t>
             </a:fld>
             <a:endParaRPr lang="de-DE"/>
           </a:p>
@@ -613,6 +627,342 @@
 </p:notes>
 </file>
 
+<file path=ppt/notesSlides/notesSlide10.xml><?xml version="1.0" encoding="utf-8"?>
+<p:notes xmlns:a="http://schemas.openxmlformats.org/drawingml/2006/main" xmlns:r="http://schemas.openxmlformats.org/officeDocument/2006/relationships" xmlns:p="http://schemas.openxmlformats.org/presentationml/2006/main">
+  <p:cSld>
+    <p:spTree>
+      <p:nvGrpSpPr>
+        <p:cNvPr id="1" name=""/>
+        <p:cNvGrpSpPr/>
+        <p:nvPr/>
+      </p:nvGrpSpPr>
+      <p:grpSpPr>
+        <a:xfrm>
+          <a:off x="0" y="0"/>
+          <a:ext cx="0" cy="0"/>
+          <a:chOff x="0" y="0"/>
+          <a:chExt cx="0" cy="0"/>
+        </a:xfrm>
+      </p:grpSpPr>
+      <p:sp>
+        <p:nvSpPr>
+          <p:cNvPr id="2" name="Folienbildplatzhalter 1"/>
+          <p:cNvSpPr>
+            <a:spLocks noGrp="1" noRot="1" noChangeAspect="1"/>
+          </p:cNvSpPr>
+          <p:nvPr>
+            <p:ph type="sldImg"/>
+          </p:nvPr>
+        </p:nvSpPr>
+        <p:spPr/>
+      </p:sp>
+      <p:sp>
+        <p:nvSpPr>
+          <p:cNvPr id="3" name="Notizenplatzhalter 2"/>
+          <p:cNvSpPr>
+            <a:spLocks noGrp="1"/>
+          </p:cNvSpPr>
+          <p:nvPr>
+            <p:ph type="body" idx="1"/>
+          </p:nvPr>
+        </p:nvSpPr>
+        <p:spPr/>
+        <p:txBody>
+          <a:bodyPr/>
+          <a:lstStyle/>
+          <a:p>
+            <a:endParaRPr lang="de-CH" dirty="0"/>
+          </a:p>
+        </p:txBody>
+      </p:sp>
+      <p:sp>
+        <p:nvSpPr>
+          <p:cNvPr id="4" name="Foliennummernplatzhalter 3"/>
+          <p:cNvSpPr>
+            <a:spLocks noGrp="1"/>
+          </p:cNvSpPr>
+          <p:nvPr>
+            <p:ph type="sldNum" sz="quarter" idx="10"/>
+          </p:nvPr>
+        </p:nvSpPr>
+        <p:spPr/>
+        <p:txBody>
+          <a:bodyPr/>
+          <a:lstStyle/>
+          <a:p>
+            <a:fld id="{2F2847E0-1D0A-0F4B-99C8-E51199A5987D}" type="slidenum">
+              <a:rPr lang="de-DE" smtClean="0"/>
+              <a:t>14</a:t>
+            </a:fld>
+            <a:endParaRPr lang="de-DE"/>
+          </a:p>
+        </p:txBody>
+      </p:sp>
+    </p:spTree>
+    <p:extLst>
+      <p:ext uri="{BB962C8B-B14F-4D97-AF65-F5344CB8AC3E}">
+        <p14:creationId xmlns:p14="http://schemas.microsoft.com/office/powerpoint/2010/main" val="596410252"/>
+      </p:ext>
+    </p:extLst>
+  </p:cSld>
+  <p:clrMapOvr>
+    <a:masterClrMapping/>
+  </p:clrMapOvr>
+</p:notes>
+</file>
+
+<file path=ppt/notesSlides/notesSlide11.xml><?xml version="1.0" encoding="utf-8"?>
+<p:notes xmlns:a="http://schemas.openxmlformats.org/drawingml/2006/main" xmlns:r="http://schemas.openxmlformats.org/officeDocument/2006/relationships" xmlns:p="http://schemas.openxmlformats.org/presentationml/2006/main">
+  <p:cSld>
+    <p:spTree>
+      <p:nvGrpSpPr>
+        <p:cNvPr id="1" name=""/>
+        <p:cNvGrpSpPr/>
+        <p:nvPr/>
+      </p:nvGrpSpPr>
+      <p:grpSpPr>
+        <a:xfrm>
+          <a:off x="0" y="0"/>
+          <a:ext cx="0" cy="0"/>
+          <a:chOff x="0" y="0"/>
+          <a:chExt cx="0" cy="0"/>
+        </a:xfrm>
+      </p:grpSpPr>
+      <p:sp>
+        <p:nvSpPr>
+          <p:cNvPr id="2" name="Folienbildplatzhalter 1"/>
+          <p:cNvSpPr>
+            <a:spLocks noGrp="1" noRot="1" noChangeAspect="1"/>
+          </p:cNvSpPr>
+          <p:nvPr>
+            <p:ph type="sldImg"/>
+          </p:nvPr>
+        </p:nvSpPr>
+        <p:spPr/>
+      </p:sp>
+      <p:sp>
+        <p:nvSpPr>
+          <p:cNvPr id="3" name="Notizenplatzhalter 2"/>
+          <p:cNvSpPr>
+            <a:spLocks noGrp="1"/>
+          </p:cNvSpPr>
+          <p:nvPr>
+            <p:ph type="body" idx="1"/>
+          </p:nvPr>
+        </p:nvSpPr>
+        <p:spPr/>
+        <p:txBody>
+          <a:bodyPr/>
+          <a:lstStyle/>
+          <a:p>
+            <a:endParaRPr lang="de-CH" dirty="0"/>
+          </a:p>
+        </p:txBody>
+      </p:sp>
+      <p:sp>
+        <p:nvSpPr>
+          <p:cNvPr id="4" name="Foliennummernplatzhalter 3"/>
+          <p:cNvSpPr>
+            <a:spLocks noGrp="1"/>
+          </p:cNvSpPr>
+          <p:nvPr>
+            <p:ph type="sldNum" sz="quarter" idx="10"/>
+          </p:nvPr>
+        </p:nvSpPr>
+        <p:spPr/>
+        <p:txBody>
+          <a:bodyPr/>
+          <a:lstStyle/>
+          <a:p>
+            <a:fld id="{2F2847E0-1D0A-0F4B-99C8-E51199A5987D}" type="slidenum">
+              <a:rPr lang="de-DE" smtClean="0"/>
+              <a:t>15</a:t>
+            </a:fld>
+            <a:endParaRPr lang="de-DE"/>
+          </a:p>
+        </p:txBody>
+      </p:sp>
+    </p:spTree>
+    <p:extLst>
+      <p:ext uri="{BB962C8B-B14F-4D97-AF65-F5344CB8AC3E}">
+        <p14:creationId xmlns:p14="http://schemas.microsoft.com/office/powerpoint/2010/main" val="3498534147"/>
+      </p:ext>
+    </p:extLst>
+  </p:cSld>
+  <p:clrMapOvr>
+    <a:masterClrMapping/>
+  </p:clrMapOvr>
+</p:notes>
+</file>
+
+<file path=ppt/notesSlides/notesSlide12.xml><?xml version="1.0" encoding="utf-8"?>
+<p:notes xmlns:a="http://schemas.openxmlformats.org/drawingml/2006/main" xmlns:r="http://schemas.openxmlformats.org/officeDocument/2006/relationships" xmlns:p="http://schemas.openxmlformats.org/presentationml/2006/main">
+  <p:cSld>
+    <p:spTree>
+      <p:nvGrpSpPr>
+        <p:cNvPr id="1" name=""/>
+        <p:cNvGrpSpPr/>
+        <p:nvPr/>
+      </p:nvGrpSpPr>
+      <p:grpSpPr>
+        <a:xfrm>
+          <a:off x="0" y="0"/>
+          <a:ext cx="0" cy="0"/>
+          <a:chOff x="0" y="0"/>
+          <a:chExt cx="0" cy="0"/>
+        </a:xfrm>
+      </p:grpSpPr>
+      <p:sp>
+        <p:nvSpPr>
+          <p:cNvPr id="2" name="Folienbildplatzhalter 1"/>
+          <p:cNvSpPr>
+            <a:spLocks noGrp="1" noRot="1" noChangeAspect="1"/>
+          </p:cNvSpPr>
+          <p:nvPr>
+            <p:ph type="sldImg"/>
+          </p:nvPr>
+        </p:nvSpPr>
+        <p:spPr/>
+      </p:sp>
+      <p:sp>
+        <p:nvSpPr>
+          <p:cNvPr id="3" name="Notizenplatzhalter 2"/>
+          <p:cNvSpPr>
+            <a:spLocks noGrp="1"/>
+          </p:cNvSpPr>
+          <p:nvPr>
+            <p:ph type="body" idx="1"/>
+          </p:nvPr>
+        </p:nvSpPr>
+        <p:spPr/>
+        <p:txBody>
+          <a:bodyPr/>
+          <a:lstStyle/>
+          <a:p>
+            <a:endParaRPr lang="de-CH" dirty="0"/>
+          </a:p>
+        </p:txBody>
+      </p:sp>
+      <p:sp>
+        <p:nvSpPr>
+          <p:cNvPr id="4" name="Foliennummernplatzhalter 3"/>
+          <p:cNvSpPr>
+            <a:spLocks noGrp="1"/>
+          </p:cNvSpPr>
+          <p:nvPr>
+            <p:ph type="sldNum" sz="quarter" idx="10"/>
+          </p:nvPr>
+        </p:nvSpPr>
+        <p:spPr/>
+        <p:txBody>
+          <a:bodyPr/>
+          <a:lstStyle/>
+          <a:p>
+            <a:fld id="{2F2847E0-1D0A-0F4B-99C8-E51199A5987D}" type="slidenum">
+              <a:rPr lang="de-DE" smtClean="0"/>
+              <a:t>16</a:t>
+            </a:fld>
+            <a:endParaRPr lang="de-DE"/>
+          </a:p>
+        </p:txBody>
+      </p:sp>
+    </p:spTree>
+    <p:extLst>
+      <p:ext uri="{BB962C8B-B14F-4D97-AF65-F5344CB8AC3E}">
+        <p14:creationId xmlns:p14="http://schemas.microsoft.com/office/powerpoint/2010/main" val="3271108938"/>
+      </p:ext>
+    </p:extLst>
+  </p:cSld>
+  <p:clrMapOvr>
+    <a:masterClrMapping/>
+  </p:clrMapOvr>
+</p:notes>
+</file>
+
+<file path=ppt/notesSlides/notesSlide13.xml><?xml version="1.0" encoding="utf-8"?>
+<p:notes xmlns:a="http://schemas.openxmlformats.org/drawingml/2006/main" xmlns:r="http://schemas.openxmlformats.org/officeDocument/2006/relationships" xmlns:p="http://schemas.openxmlformats.org/presentationml/2006/main">
+  <p:cSld>
+    <p:spTree>
+      <p:nvGrpSpPr>
+        <p:cNvPr id="1" name=""/>
+        <p:cNvGrpSpPr/>
+        <p:nvPr/>
+      </p:nvGrpSpPr>
+      <p:grpSpPr>
+        <a:xfrm>
+          <a:off x="0" y="0"/>
+          <a:ext cx="0" cy="0"/>
+          <a:chOff x="0" y="0"/>
+          <a:chExt cx="0" cy="0"/>
+        </a:xfrm>
+      </p:grpSpPr>
+      <p:sp>
+        <p:nvSpPr>
+          <p:cNvPr id="2" name="Folienbildplatzhalter 1"/>
+          <p:cNvSpPr>
+            <a:spLocks noGrp="1" noRot="1" noChangeAspect="1"/>
+          </p:cNvSpPr>
+          <p:nvPr>
+            <p:ph type="sldImg"/>
+          </p:nvPr>
+        </p:nvSpPr>
+        <p:spPr/>
+      </p:sp>
+      <p:sp>
+        <p:nvSpPr>
+          <p:cNvPr id="3" name="Notizenplatzhalter 2"/>
+          <p:cNvSpPr>
+            <a:spLocks noGrp="1"/>
+          </p:cNvSpPr>
+          <p:nvPr>
+            <p:ph type="body" idx="1"/>
+          </p:nvPr>
+        </p:nvSpPr>
+        <p:spPr/>
+        <p:txBody>
+          <a:bodyPr/>
+          <a:lstStyle/>
+          <a:p>
+            <a:endParaRPr lang="de-CH" dirty="0"/>
+          </a:p>
+        </p:txBody>
+      </p:sp>
+      <p:sp>
+        <p:nvSpPr>
+          <p:cNvPr id="4" name="Foliennummernplatzhalter 3"/>
+          <p:cNvSpPr>
+            <a:spLocks noGrp="1"/>
+          </p:cNvSpPr>
+          <p:nvPr>
+            <p:ph type="sldNum" sz="quarter" idx="10"/>
+          </p:nvPr>
+        </p:nvSpPr>
+        <p:spPr/>
+        <p:txBody>
+          <a:bodyPr/>
+          <a:lstStyle/>
+          <a:p>
+            <a:fld id="{2F2847E0-1D0A-0F4B-99C8-E51199A5987D}" type="slidenum">
+              <a:rPr lang="de-DE" smtClean="0"/>
+              <a:t>17</a:t>
+            </a:fld>
+            <a:endParaRPr lang="de-DE"/>
+          </a:p>
+        </p:txBody>
+      </p:sp>
+    </p:spTree>
+    <p:extLst>
+      <p:ext uri="{BB962C8B-B14F-4D97-AF65-F5344CB8AC3E}">
+        <p14:creationId xmlns:p14="http://schemas.microsoft.com/office/powerpoint/2010/main" val="752542909"/>
+      </p:ext>
+    </p:extLst>
+  </p:cSld>
+  <p:clrMapOvr>
+    <a:masterClrMapping/>
+  </p:clrMapOvr>
+</p:notes>
+</file>
+
 <file path=ppt/notesSlides/notesSlide2.xml><?xml version="1.0" encoding="utf-8"?>
 <p:notes xmlns:a="http://schemas.openxmlformats.org/drawingml/2006/main" xmlns:r="http://schemas.openxmlformats.org/officeDocument/2006/relationships" xmlns:p="http://schemas.openxmlformats.org/presentationml/2006/main">
   <p:cSld>
@@ -1768,6 +2118,258 @@
     <p:extLst>
       <p:ext uri="{BB962C8B-B14F-4D97-AF65-F5344CB8AC3E}">
         <p14:creationId xmlns:p14="http://schemas.microsoft.com/office/powerpoint/2010/main" val="4134227325"/>
+      </p:ext>
+    </p:extLst>
+  </p:cSld>
+  <p:clrMapOvr>
+    <a:masterClrMapping/>
+  </p:clrMapOvr>
+</p:notes>
+</file>
+
+<file path=ppt/notesSlides/notesSlide7.xml><?xml version="1.0" encoding="utf-8"?>
+<p:notes xmlns:a="http://schemas.openxmlformats.org/drawingml/2006/main" xmlns:r="http://schemas.openxmlformats.org/officeDocument/2006/relationships" xmlns:p="http://schemas.openxmlformats.org/presentationml/2006/main">
+  <p:cSld>
+    <p:spTree>
+      <p:nvGrpSpPr>
+        <p:cNvPr id="1" name=""/>
+        <p:cNvGrpSpPr/>
+        <p:nvPr/>
+      </p:nvGrpSpPr>
+      <p:grpSpPr>
+        <a:xfrm>
+          <a:off x="0" y="0"/>
+          <a:ext cx="0" cy="0"/>
+          <a:chOff x="0" y="0"/>
+          <a:chExt cx="0" cy="0"/>
+        </a:xfrm>
+      </p:grpSpPr>
+      <p:sp>
+        <p:nvSpPr>
+          <p:cNvPr id="2" name="Folienbildplatzhalter 1"/>
+          <p:cNvSpPr>
+            <a:spLocks noGrp="1" noRot="1" noChangeAspect="1"/>
+          </p:cNvSpPr>
+          <p:nvPr>
+            <p:ph type="sldImg"/>
+          </p:nvPr>
+        </p:nvSpPr>
+        <p:spPr/>
+      </p:sp>
+      <p:sp>
+        <p:nvSpPr>
+          <p:cNvPr id="3" name="Notizenplatzhalter 2"/>
+          <p:cNvSpPr>
+            <a:spLocks noGrp="1"/>
+          </p:cNvSpPr>
+          <p:nvPr>
+            <p:ph type="body" idx="1"/>
+          </p:nvPr>
+        </p:nvSpPr>
+        <p:spPr/>
+        <p:txBody>
+          <a:bodyPr/>
+          <a:lstStyle/>
+          <a:p>
+            <a:endParaRPr lang="de-CH" dirty="0"/>
+          </a:p>
+        </p:txBody>
+      </p:sp>
+      <p:sp>
+        <p:nvSpPr>
+          <p:cNvPr id="4" name="Foliennummernplatzhalter 3"/>
+          <p:cNvSpPr>
+            <a:spLocks noGrp="1"/>
+          </p:cNvSpPr>
+          <p:nvPr>
+            <p:ph type="sldNum" sz="quarter" idx="10"/>
+          </p:nvPr>
+        </p:nvSpPr>
+        <p:spPr/>
+        <p:txBody>
+          <a:bodyPr/>
+          <a:lstStyle/>
+          <a:p>
+            <a:fld id="{2F2847E0-1D0A-0F4B-99C8-E51199A5987D}" type="slidenum">
+              <a:rPr lang="de-DE" smtClean="0"/>
+              <a:t>11</a:t>
+            </a:fld>
+            <a:endParaRPr lang="de-DE"/>
+          </a:p>
+        </p:txBody>
+      </p:sp>
+    </p:spTree>
+    <p:extLst>
+      <p:ext uri="{BB962C8B-B14F-4D97-AF65-F5344CB8AC3E}">
+        <p14:creationId xmlns:p14="http://schemas.microsoft.com/office/powerpoint/2010/main" val="3158891875"/>
+      </p:ext>
+    </p:extLst>
+  </p:cSld>
+  <p:clrMapOvr>
+    <a:masterClrMapping/>
+  </p:clrMapOvr>
+</p:notes>
+</file>
+
+<file path=ppt/notesSlides/notesSlide8.xml><?xml version="1.0" encoding="utf-8"?>
+<p:notes xmlns:a="http://schemas.openxmlformats.org/drawingml/2006/main" xmlns:r="http://schemas.openxmlformats.org/officeDocument/2006/relationships" xmlns:p="http://schemas.openxmlformats.org/presentationml/2006/main">
+  <p:cSld>
+    <p:spTree>
+      <p:nvGrpSpPr>
+        <p:cNvPr id="1" name=""/>
+        <p:cNvGrpSpPr/>
+        <p:nvPr/>
+      </p:nvGrpSpPr>
+      <p:grpSpPr>
+        <a:xfrm>
+          <a:off x="0" y="0"/>
+          <a:ext cx="0" cy="0"/>
+          <a:chOff x="0" y="0"/>
+          <a:chExt cx="0" cy="0"/>
+        </a:xfrm>
+      </p:grpSpPr>
+      <p:sp>
+        <p:nvSpPr>
+          <p:cNvPr id="2" name="Folienbildplatzhalter 1"/>
+          <p:cNvSpPr>
+            <a:spLocks noGrp="1" noRot="1" noChangeAspect="1"/>
+          </p:cNvSpPr>
+          <p:nvPr>
+            <p:ph type="sldImg"/>
+          </p:nvPr>
+        </p:nvSpPr>
+        <p:spPr/>
+      </p:sp>
+      <p:sp>
+        <p:nvSpPr>
+          <p:cNvPr id="3" name="Notizenplatzhalter 2"/>
+          <p:cNvSpPr>
+            <a:spLocks noGrp="1"/>
+          </p:cNvSpPr>
+          <p:nvPr>
+            <p:ph type="body" idx="1"/>
+          </p:nvPr>
+        </p:nvSpPr>
+        <p:spPr/>
+        <p:txBody>
+          <a:bodyPr/>
+          <a:lstStyle/>
+          <a:p>
+            <a:endParaRPr lang="de-CH" dirty="0"/>
+          </a:p>
+        </p:txBody>
+      </p:sp>
+      <p:sp>
+        <p:nvSpPr>
+          <p:cNvPr id="4" name="Foliennummernplatzhalter 3"/>
+          <p:cNvSpPr>
+            <a:spLocks noGrp="1"/>
+          </p:cNvSpPr>
+          <p:nvPr>
+            <p:ph type="sldNum" sz="quarter" idx="10"/>
+          </p:nvPr>
+        </p:nvSpPr>
+        <p:spPr/>
+        <p:txBody>
+          <a:bodyPr/>
+          <a:lstStyle/>
+          <a:p>
+            <a:fld id="{2F2847E0-1D0A-0F4B-99C8-E51199A5987D}" type="slidenum">
+              <a:rPr lang="de-DE" smtClean="0"/>
+              <a:t>12</a:t>
+            </a:fld>
+            <a:endParaRPr lang="de-DE"/>
+          </a:p>
+        </p:txBody>
+      </p:sp>
+    </p:spTree>
+    <p:extLst>
+      <p:ext uri="{BB962C8B-B14F-4D97-AF65-F5344CB8AC3E}">
+        <p14:creationId xmlns:p14="http://schemas.microsoft.com/office/powerpoint/2010/main" val="3346829843"/>
+      </p:ext>
+    </p:extLst>
+  </p:cSld>
+  <p:clrMapOvr>
+    <a:masterClrMapping/>
+  </p:clrMapOvr>
+</p:notes>
+</file>
+
+<file path=ppt/notesSlides/notesSlide9.xml><?xml version="1.0" encoding="utf-8"?>
+<p:notes xmlns:a="http://schemas.openxmlformats.org/drawingml/2006/main" xmlns:r="http://schemas.openxmlformats.org/officeDocument/2006/relationships" xmlns:p="http://schemas.openxmlformats.org/presentationml/2006/main">
+  <p:cSld>
+    <p:spTree>
+      <p:nvGrpSpPr>
+        <p:cNvPr id="1" name=""/>
+        <p:cNvGrpSpPr/>
+        <p:nvPr/>
+      </p:nvGrpSpPr>
+      <p:grpSpPr>
+        <a:xfrm>
+          <a:off x="0" y="0"/>
+          <a:ext cx="0" cy="0"/>
+          <a:chOff x="0" y="0"/>
+          <a:chExt cx="0" cy="0"/>
+        </a:xfrm>
+      </p:grpSpPr>
+      <p:sp>
+        <p:nvSpPr>
+          <p:cNvPr id="2" name="Folienbildplatzhalter 1"/>
+          <p:cNvSpPr>
+            <a:spLocks noGrp="1" noRot="1" noChangeAspect="1"/>
+          </p:cNvSpPr>
+          <p:nvPr>
+            <p:ph type="sldImg"/>
+          </p:nvPr>
+        </p:nvSpPr>
+        <p:spPr/>
+      </p:sp>
+      <p:sp>
+        <p:nvSpPr>
+          <p:cNvPr id="3" name="Notizenplatzhalter 2"/>
+          <p:cNvSpPr>
+            <a:spLocks noGrp="1"/>
+          </p:cNvSpPr>
+          <p:nvPr>
+            <p:ph type="body" idx="1"/>
+          </p:nvPr>
+        </p:nvSpPr>
+        <p:spPr/>
+        <p:txBody>
+          <a:bodyPr/>
+          <a:lstStyle/>
+          <a:p>
+            <a:endParaRPr lang="de-CH" dirty="0"/>
+          </a:p>
+        </p:txBody>
+      </p:sp>
+      <p:sp>
+        <p:nvSpPr>
+          <p:cNvPr id="4" name="Foliennummernplatzhalter 3"/>
+          <p:cNvSpPr>
+            <a:spLocks noGrp="1"/>
+          </p:cNvSpPr>
+          <p:nvPr>
+            <p:ph type="sldNum" sz="quarter" idx="10"/>
+          </p:nvPr>
+        </p:nvSpPr>
+        <p:spPr/>
+        <p:txBody>
+          <a:bodyPr/>
+          <a:lstStyle/>
+          <a:p>
+            <a:fld id="{2F2847E0-1D0A-0F4B-99C8-E51199A5987D}" type="slidenum">
+              <a:rPr lang="de-DE" smtClean="0"/>
+              <a:t>13</a:t>
+            </a:fld>
+            <a:endParaRPr lang="de-DE"/>
+          </a:p>
+        </p:txBody>
+      </p:sp>
+    </p:spTree>
+    <p:extLst>
+      <p:ext uri="{BB962C8B-B14F-4D97-AF65-F5344CB8AC3E}">
+        <p14:creationId xmlns:p14="http://schemas.microsoft.com/office/powerpoint/2010/main" val="328781153"/>
       </p:ext>
     </p:extLst>
   </p:cSld>
@@ -2280,7 +2882,7 @@
             <a:fld id="{B61BEF0D-F0BB-DE4B-95CE-6DB70DBA9567}" type="datetimeFigureOut">
               <a:rPr lang="en-US" dirty="0"/>
               <a:pPr/>
-              <a:t>12/12/2016</a:t>
+              <a:t>12/13/2016</a:t>
             </a:fld>
             <a:endParaRPr lang="en-US" dirty="0"/>
           </a:p>
@@ -2573,7 +3175,7 @@
             <a:fld id="{B61BEF0D-F0BB-DE4B-95CE-6DB70DBA9567}" type="datetimeFigureOut">
               <a:rPr lang="en-US" dirty="0"/>
               <a:pPr/>
-              <a:t>12/12/2016</a:t>
+              <a:t>12/13/2016</a:t>
             </a:fld>
             <a:endParaRPr lang="en-US" dirty="0"/>
           </a:p>
@@ -2818,7 +3420,7 @@
             <a:fld id="{B61BEF0D-F0BB-DE4B-95CE-6DB70DBA9567}" type="datetimeFigureOut">
               <a:rPr lang="en-US" dirty="0"/>
               <a:pPr/>
-              <a:t>12/12/2016</a:t>
+              <a:t>12/13/2016</a:t>
             </a:fld>
             <a:endParaRPr lang="en-US" dirty="0"/>
           </a:p>
@@ -3355,7 +3957,7 @@
             <a:fld id="{B61BEF0D-F0BB-DE4B-95CE-6DB70DBA9567}" type="datetimeFigureOut">
               <a:rPr lang="en-US" dirty="0"/>
               <a:pPr/>
-              <a:t>12/12/2016</a:t>
+              <a:t>12/13/2016</a:t>
             </a:fld>
             <a:endParaRPr lang="en-US" dirty="0"/>
           </a:p>
@@ -3600,7 +4202,7 @@
             <a:fld id="{B61BEF0D-F0BB-DE4B-95CE-6DB70DBA9567}" type="datetimeFigureOut">
               <a:rPr lang="en-US" dirty="0"/>
               <a:pPr/>
-              <a:t>12/12/2016</a:t>
+              <a:t>12/13/2016</a:t>
             </a:fld>
             <a:endParaRPr lang="en-US" dirty="0"/>
           </a:p>
@@ -4129,7 +4731,7 @@
             <a:fld id="{B61BEF0D-F0BB-DE4B-95CE-6DB70DBA9567}" type="datetimeFigureOut">
               <a:rPr lang="en-US" dirty="0"/>
               <a:pPr/>
-              <a:t>12/12/2016</a:t>
+              <a:t>12/13/2016</a:t>
             </a:fld>
             <a:endParaRPr lang="en-US" dirty="0"/>
           </a:p>
@@ -4423,7 +5025,7 @@
             <a:fld id="{B61BEF0D-F0BB-DE4B-95CE-6DB70DBA9567}" type="datetimeFigureOut">
               <a:rPr lang="en-US" dirty="0"/>
               <a:pPr/>
-              <a:t>12/12/2016</a:t>
+              <a:t>12/13/2016</a:t>
             </a:fld>
             <a:endParaRPr lang="en-US" dirty="0"/>
           </a:p>
@@ -4594,7 +5196,7 @@
             <a:fld id="{B61BEF0D-F0BB-DE4B-95CE-6DB70DBA9567}" type="datetimeFigureOut">
               <a:rPr lang="en-US" dirty="0"/>
               <a:pPr/>
-              <a:t>12/12/2016</a:t>
+              <a:t>12/13/2016</a:t>
             </a:fld>
             <a:endParaRPr lang="en-US" dirty="0"/>
           </a:p>
@@ -4771,7 +5373,7 @@
             <a:fld id="{B61BEF0D-F0BB-DE4B-95CE-6DB70DBA9567}" type="datetimeFigureOut">
               <a:rPr lang="en-US" dirty="0"/>
               <a:pPr/>
-              <a:t>12/12/2016</a:t>
+              <a:t>12/13/2016</a:t>
             </a:fld>
             <a:endParaRPr lang="en-US" dirty="0"/>
           </a:p>
@@ -4938,7 +5540,7 @@
             <a:fld id="{B61BEF0D-F0BB-DE4B-95CE-6DB70DBA9567}" type="datetimeFigureOut">
               <a:rPr lang="en-US" dirty="0"/>
               <a:pPr/>
-              <a:t>12/12/2016</a:t>
+              <a:t>12/13/2016</a:t>
             </a:fld>
             <a:endParaRPr lang="en-US" dirty="0"/>
           </a:p>
@@ -5186,7 +5788,7 @@
             <a:fld id="{B61BEF0D-F0BB-DE4B-95CE-6DB70DBA9567}" type="datetimeFigureOut">
               <a:rPr lang="en-US" dirty="0"/>
               <a:pPr/>
-              <a:t>12/12/2016</a:t>
+              <a:t>12/13/2016</a:t>
             </a:fld>
             <a:endParaRPr lang="en-US" dirty="0"/>
           </a:p>
@@ -5480,7 +6082,7 @@
             <a:fld id="{B61BEF0D-F0BB-DE4B-95CE-6DB70DBA9567}" type="datetimeFigureOut">
               <a:rPr lang="en-US" dirty="0"/>
               <a:pPr/>
-              <a:t>12/12/2016</a:t>
+              <a:t>12/13/2016</a:t>
             </a:fld>
             <a:endParaRPr lang="en-US" dirty="0"/>
           </a:p>
@@ -5919,7 +6521,7 @@
             <a:fld id="{B61BEF0D-F0BB-DE4B-95CE-6DB70DBA9567}" type="datetimeFigureOut">
               <a:rPr lang="en-US" dirty="0"/>
               <a:pPr/>
-              <a:t>12/12/2016</a:t>
+              <a:t>12/13/2016</a:t>
             </a:fld>
             <a:endParaRPr lang="en-US" dirty="0"/>
           </a:p>
@@ -6034,7 +6636,7 @@
             <a:fld id="{B61BEF0D-F0BB-DE4B-95CE-6DB70DBA9567}" type="datetimeFigureOut">
               <a:rPr lang="en-US" dirty="0"/>
               <a:pPr/>
-              <a:t>12/12/2016</a:t>
+              <a:t>12/13/2016</a:t>
             </a:fld>
             <a:endParaRPr lang="en-US" dirty="0"/>
           </a:p>
@@ -6126,7 +6728,7 @@
             <a:fld id="{B61BEF0D-F0BB-DE4B-95CE-6DB70DBA9567}" type="datetimeFigureOut">
               <a:rPr lang="en-US" dirty="0"/>
               <a:pPr/>
-              <a:t>12/12/2016</a:t>
+              <a:t>12/13/2016</a:t>
             </a:fld>
             <a:endParaRPr lang="en-US" dirty="0"/>
           </a:p>
@@ -6406,7 +7008,7 @@
             <a:fld id="{B61BEF0D-F0BB-DE4B-95CE-6DB70DBA9567}" type="datetimeFigureOut">
               <a:rPr lang="en-US" dirty="0"/>
               <a:pPr/>
-              <a:t>12/12/2016</a:t>
+              <a:t>12/13/2016</a:t>
             </a:fld>
             <a:endParaRPr lang="en-US" dirty="0"/>
           </a:p>
@@ -6694,7 +7296,7 @@
             <a:fld id="{B61BEF0D-F0BB-DE4B-95CE-6DB70DBA9567}" type="datetimeFigureOut">
               <a:rPr lang="en-US" dirty="0"/>
               <a:pPr/>
-              <a:t>12/12/2016</a:t>
+              <a:t>12/13/2016</a:t>
             </a:fld>
             <a:endParaRPr lang="en-US" dirty="0"/>
           </a:p>
@@ -7221,7 +7823,7 @@
             <a:fld id="{B61BEF0D-F0BB-DE4B-95CE-6DB70DBA9567}" type="datetimeFigureOut">
               <a:rPr lang="en-US" dirty="0"/>
               <a:pPr/>
-              <a:t>12/12/2016</a:t>
+              <a:t>12/13/2016</a:t>
             </a:fld>
             <a:endParaRPr lang="en-US" dirty="0"/>
           </a:p>
@@ -8592,7 +9194,6 @@
               <a:rPr lang="de-DE" sz="3200" dirty="0" smtClean="0"/>
               <a:t>!</a:t>
             </a:r>
-            <a:endParaRPr lang="de-DE" sz="3200" dirty="0" smtClean="0"/>
           </a:p>
           <a:p>
             <a:pPr algn="ctr"/>
@@ -8612,7 +9213,6 @@
               <a:rPr lang="de-DE" sz="3200" dirty="0" smtClean="0"/>
               <a:t>!</a:t>
             </a:r>
-            <a:endParaRPr lang="de-DE" sz="3200" dirty="0" smtClean="0"/>
           </a:p>
         </p:txBody>
       </p:sp>
@@ -8675,6 +9275,2814 @@
           <a:p>
             <a:r>
               <a:rPr lang="de-DE" dirty="0" err="1" smtClean="0"/>
+              <a:t>Good</a:t>
+            </a:r>
+            <a:r>
+              <a:rPr lang="de-DE" dirty="0" smtClean="0"/>
+              <a:t> </a:t>
+            </a:r>
+            <a:r>
+              <a:rPr lang="de-DE" dirty="0" err="1" smtClean="0"/>
+              <a:t>code</a:t>
+            </a:r>
+            <a:endParaRPr lang="de-DE" dirty="0"/>
+          </a:p>
+        </p:txBody>
+      </p:sp>
+      <p:sp>
+        <p:nvSpPr>
+          <p:cNvPr id="6" name="Inhaltsplatzhalter 2"/>
+          <p:cNvSpPr txBox="1">
+            <a:spLocks/>
+          </p:cNvSpPr>
+          <p:nvPr/>
+        </p:nvSpPr>
+        <p:spPr>
+          <a:xfrm>
+            <a:off x="8137451" y="-41565"/>
+            <a:ext cx="4054549" cy="370610"/>
+          </a:xfrm>
+          <a:prstGeom prst="rect">
+            <a:avLst/>
+          </a:prstGeom>
+        </p:spPr>
+        <p:txBody>
+          <a:bodyPr vert="horz" lIns="91440" tIns="45720" rIns="91440" bIns="45720" rtlCol="0" anchor="ctr">
+            <a:normAutofit/>
+          </a:bodyPr>
+          <a:lstStyle>
+            <a:lvl1pPr marL="285750" indent="-285750" algn="l" defTabSz="457200" rtl="0" eaLnBrk="1" latinLnBrk="0" hangingPunct="1">
+              <a:spcBef>
+                <a:spcPct val="20000"/>
+              </a:spcBef>
+              <a:spcAft>
+                <a:spcPts val="600"/>
+              </a:spcAft>
+              <a:buClr>
+                <a:schemeClr val="accent1">
+                  <a:lumMod val="75000"/>
+                </a:schemeClr>
+              </a:buClr>
+              <a:buSzPct val="145000"/>
+              <a:buFont typeface="Arial"/>
+              <a:buChar char="•"/>
+              <a:defRPr sz="2400" kern="1200" cap="none">
+                <a:solidFill>
+                  <a:schemeClr val="tx1"/>
+                </a:solidFill>
+                <a:effectLst/>
+                <a:latin typeface="+mn-lt"/>
+                <a:ea typeface="+mn-ea"/>
+                <a:cs typeface="+mn-cs"/>
+              </a:defRPr>
+            </a:lvl1pPr>
+            <a:lvl2pPr marL="742950" indent="-285750" algn="l" defTabSz="457200" rtl="0" eaLnBrk="1" latinLnBrk="0" hangingPunct="1">
+              <a:spcBef>
+                <a:spcPct val="20000"/>
+              </a:spcBef>
+              <a:spcAft>
+                <a:spcPts val="600"/>
+              </a:spcAft>
+              <a:buClr>
+                <a:schemeClr val="accent1">
+                  <a:lumMod val="75000"/>
+                </a:schemeClr>
+              </a:buClr>
+              <a:buSzPct val="145000"/>
+              <a:buFont typeface="Arial"/>
+              <a:buChar char="•"/>
+              <a:defRPr sz="2000" kern="1200" cap="none">
+                <a:solidFill>
+                  <a:schemeClr val="tx1"/>
+                </a:solidFill>
+                <a:effectLst/>
+                <a:latin typeface="+mn-lt"/>
+                <a:ea typeface="+mn-ea"/>
+                <a:cs typeface="+mn-cs"/>
+              </a:defRPr>
+            </a:lvl2pPr>
+            <a:lvl3pPr marL="1200150" indent="-285750" algn="l" defTabSz="457200" rtl="0" eaLnBrk="1" latinLnBrk="0" hangingPunct="1">
+              <a:spcBef>
+                <a:spcPct val="20000"/>
+              </a:spcBef>
+              <a:spcAft>
+                <a:spcPts val="600"/>
+              </a:spcAft>
+              <a:buClr>
+                <a:schemeClr val="accent1">
+                  <a:lumMod val="75000"/>
+                </a:schemeClr>
+              </a:buClr>
+              <a:buSzPct val="145000"/>
+              <a:buFont typeface="Arial"/>
+              <a:buChar char="•"/>
+              <a:defRPr sz="1800" kern="1200" cap="none">
+                <a:solidFill>
+                  <a:schemeClr val="tx1"/>
+                </a:solidFill>
+                <a:effectLst/>
+                <a:latin typeface="+mn-lt"/>
+                <a:ea typeface="+mn-ea"/>
+                <a:cs typeface="+mn-cs"/>
+              </a:defRPr>
+            </a:lvl3pPr>
+            <a:lvl4pPr marL="1543050" indent="-171450" algn="l" defTabSz="457200" rtl="0" eaLnBrk="1" latinLnBrk="0" hangingPunct="1">
+              <a:spcBef>
+                <a:spcPct val="20000"/>
+              </a:spcBef>
+              <a:spcAft>
+                <a:spcPts val="600"/>
+              </a:spcAft>
+              <a:buClr>
+                <a:schemeClr val="accent1">
+                  <a:lumMod val="75000"/>
+                </a:schemeClr>
+              </a:buClr>
+              <a:buSzPct val="145000"/>
+              <a:buFont typeface="Arial"/>
+              <a:buChar char="•"/>
+              <a:defRPr sz="1600" kern="1200" cap="none">
+                <a:solidFill>
+                  <a:schemeClr val="tx1"/>
+                </a:solidFill>
+                <a:effectLst/>
+                <a:latin typeface="+mn-lt"/>
+                <a:ea typeface="+mn-ea"/>
+                <a:cs typeface="+mn-cs"/>
+              </a:defRPr>
+            </a:lvl4pPr>
+            <a:lvl5pPr marL="2000250" indent="-171450" algn="l" defTabSz="457200" rtl="0" eaLnBrk="1" latinLnBrk="0" hangingPunct="1">
+              <a:spcBef>
+                <a:spcPct val="20000"/>
+              </a:spcBef>
+              <a:spcAft>
+                <a:spcPts val="600"/>
+              </a:spcAft>
+              <a:buClr>
+                <a:schemeClr val="accent1">
+                  <a:lumMod val="75000"/>
+                </a:schemeClr>
+              </a:buClr>
+              <a:buSzPct val="145000"/>
+              <a:buFont typeface="Arial"/>
+              <a:buChar char="•"/>
+              <a:defRPr sz="1400" kern="1200" cap="none">
+                <a:solidFill>
+                  <a:schemeClr val="tx1"/>
+                </a:solidFill>
+                <a:effectLst/>
+                <a:latin typeface="+mn-lt"/>
+                <a:ea typeface="+mn-ea"/>
+                <a:cs typeface="+mn-cs"/>
+              </a:defRPr>
+            </a:lvl5pPr>
+            <a:lvl6pPr marL="2514600" indent="-228600" algn="l" defTabSz="457200" rtl="0" eaLnBrk="1" latinLnBrk="0" hangingPunct="1">
+              <a:spcBef>
+                <a:spcPct val="20000"/>
+              </a:spcBef>
+              <a:spcAft>
+                <a:spcPts val="600"/>
+              </a:spcAft>
+              <a:buClr>
+                <a:schemeClr val="accent1">
+                  <a:lumMod val="75000"/>
+                </a:schemeClr>
+              </a:buClr>
+              <a:buSzPct val="145000"/>
+              <a:buFont typeface="Arial"/>
+              <a:buChar char="•"/>
+              <a:defRPr sz="1400" kern="1200" cap="none">
+                <a:solidFill>
+                  <a:schemeClr val="tx1"/>
+                </a:solidFill>
+                <a:effectLst/>
+                <a:latin typeface="+mn-lt"/>
+                <a:ea typeface="+mn-ea"/>
+                <a:cs typeface="+mn-cs"/>
+              </a:defRPr>
+            </a:lvl6pPr>
+            <a:lvl7pPr marL="2971800" indent="-228600" algn="l" defTabSz="457200" rtl="0" eaLnBrk="1" latinLnBrk="0" hangingPunct="1">
+              <a:spcBef>
+                <a:spcPct val="20000"/>
+              </a:spcBef>
+              <a:spcAft>
+                <a:spcPts val="600"/>
+              </a:spcAft>
+              <a:buClr>
+                <a:schemeClr val="accent1">
+                  <a:lumMod val="75000"/>
+                </a:schemeClr>
+              </a:buClr>
+              <a:buSzPct val="145000"/>
+              <a:buFont typeface="Arial"/>
+              <a:buChar char="•"/>
+              <a:defRPr sz="1400" kern="1200" cap="none">
+                <a:solidFill>
+                  <a:schemeClr val="tx1"/>
+                </a:solidFill>
+                <a:effectLst/>
+                <a:latin typeface="+mn-lt"/>
+                <a:ea typeface="+mn-ea"/>
+                <a:cs typeface="+mn-cs"/>
+              </a:defRPr>
+            </a:lvl7pPr>
+            <a:lvl8pPr marL="3429000" indent="-228600" algn="l" defTabSz="457200" rtl="0" eaLnBrk="1" latinLnBrk="0" hangingPunct="1">
+              <a:spcBef>
+                <a:spcPct val="20000"/>
+              </a:spcBef>
+              <a:spcAft>
+                <a:spcPts val="600"/>
+              </a:spcAft>
+              <a:buClr>
+                <a:schemeClr val="accent1">
+                  <a:lumMod val="75000"/>
+                </a:schemeClr>
+              </a:buClr>
+              <a:buSzPct val="145000"/>
+              <a:buFont typeface="Arial"/>
+              <a:buChar char="•"/>
+              <a:defRPr sz="1400" kern="1200" cap="none">
+                <a:solidFill>
+                  <a:schemeClr val="tx1"/>
+                </a:solidFill>
+                <a:effectLst/>
+                <a:latin typeface="+mn-lt"/>
+                <a:ea typeface="+mn-ea"/>
+                <a:cs typeface="+mn-cs"/>
+              </a:defRPr>
+            </a:lvl8pPr>
+            <a:lvl9pPr marL="3886200" indent="-228600" algn="l" defTabSz="457200" rtl="0" eaLnBrk="1" latinLnBrk="0" hangingPunct="1">
+              <a:spcBef>
+                <a:spcPct val="20000"/>
+              </a:spcBef>
+              <a:spcAft>
+                <a:spcPts val="600"/>
+              </a:spcAft>
+              <a:buClr>
+                <a:schemeClr val="accent1">
+                  <a:lumMod val="75000"/>
+                </a:schemeClr>
+              </a:buClr>
+              <a:buSzPct val="145000"/>
+              <a:buFont typeface="Arial"/>
+              <a:buChar char="•"/>
+              <a:defRPr sz="1400" kern="1200" cap="none">
+                <a:solidFill>
+                  <a:schemeClr val="tx1"/>
+                </a:solidFill>
+                <a:effectLst/>
+                <a:latin typeface="+mn-lt"/>
+                <a:ea typeface="+mn-ea"/>
+                <a:cs typeface="+mn-cs"/>
+              </a:defRPr>
+            </a:lvl9pPr>
+          </a:lstStyle>
+          <a:p>
+            <a:pPr marL="0" indent="0">
+              <a:buNone/>
+            </a:pPr>
+            <a:r>
+              <a:rPr lang="de-DE" sz="1000" dirty="0" smtClean="0"/>
+              <a:t>Rem0 Röthlisberger, Eric </a:t>
+            </a:r>
+            <a:r>
+              <a:rPr lang="de-DE" sz="1000" dirty="0" err="1" smtClean="0"/>
+              <a:t>Lagger</a:t>
+            </a:r>
+            <a:r>
+              <a:rPr lang="de-DE" sz="1000" dirty="0" smtClean="0"/>
+              <a:t>, Vincent Hofer, Dean Klopsch, Aebi Ryan</a:t>
+            </a:r>
+            <a:endParaRPr lang="de-DE" sz="1000" dirty="0"/>
+          </a:p>
+        </p:txBody>
+      </p:sp>
+      <p:pic>
+        <p:nvPicPr>
+          <p:cNvPr id="3" name="Inhaltsplatzhalter 2"/>
+          <p:cNvPicPr>
+            <a:picLocks noGrp="1" noChangeAspect="1"/>
+          </p:cNvPicPr>
+          <p:nvPr>
+            <p:ph idx="1"/>
+          </p:nvPr>
+        </p:nvPicPr>
+        <p:blipFill>
+          <a:blip r:embed="rId3">
+            <a:extLst>
+              <a:ext uri="{28A0092B-C50C-407E-A947-70E740481C1C}">
+                <a14:useLocalDpi xmlns:a14="http://schemas.microsoft.com/office/drawing/2010/main" val="0"/>
+              </a:ext>
+            </a:extLst>
+          </a:blip>
+          <a:stretch>
+            <a:fillRect/>
+          </a:stretch>
+        </p:blipFill>
+        <p:spPr>
+          <a:xfrm>
+            <a:off x="1115053" y="4404742"/>
+            <a:ext cx="1781424" cy="990738"/>
+          </a:xfrm>
+        </p:spPr>
+      </p:pic>
+    </p:spTree>
+    <p:extLst>
+      <p:ext uri="{BB962C8B-B14F-4D97-AF65-F5344CB8AC3E}">
+        <p14:creationId xmlns:p14="http://schemas.microsoft.com/office/powerpoint/2010/main" val="349518544"/>
+      </p:ext>
+    </p:extLst>
+  </p:cSld>
+  <p:clrMapOvr>
+    <a:masterClrMapping/>
+  </p:clrMapOvr>
+  <p:timing>
+    <p:tnLst>
+      <p:par>
+        <p:cTn id="1" dur="indefinite" restart="never" nodeType="tmRoot"/>
+      </p:par>
+    </p:tnLst>
+  </p:timing>
+</p:sld>
+</file>
+
+<file path=ppt/slides/slide12.xml><?xml version="1.0" encoding="utf-8"?>
+<p:sld xmlns:a="http://schemas.openxmlformats.org/drawingml/2006/main" xmlns:r="http://schemas.openxmlformats.org/officeDocument/2006/relationships" xmlns:p="http://schemas.openxmlformats.org/presentationml/2006/main">
+  <p:cSld>
+    <p:spTree>
+      <p:nvGrpSpPr>
+        <p:cNvPr id="1" name=""/>
+        <p:cNvGrpSpPr/>
+        <p:nvPr/>
+      </p:nvGrpSpPr>
+      <p:grpSpPr>
+        <a:xfrm>
+          <a:off x="0" y="0"/>
+          <a:ext cx="0" cy="0"/>
+          <a:chOff x="0" y="0"/>
+          <a:chExt cx="0" cy="0"/>
+        </a:xfrm>
+      </p:grpSpPr>
+      <p:sp>
+        <p:nvSpPr>
+          <p:cNvPr id="2" name="Titel 1"/>
+          <p:cNvSpPr>
+            <a:spLocks noGrp="1"/>
+          </p:cNvSpPr>
+          <p:nvPr>
+            <p:ph type="title"/>
+          </p:nvPr>
+        </p:nvSpPr>
+        <p:spPr>
+          <a:xfrm>
+            <a:off x="810915" y="691116"/>
+            <a:ext cx="10018713" cy="1752599"/>
+          </a:xfrm>
+        </p:spPr>
+        <p:txBody>
+          <a:bodyPr/>
+          <a:lstStyle/>
+          <a:p>
+            <a:r>
+              <a:rPr lang="de-DE" dirty="0" err="1" smtClean="0"/>
+              <a:t>Good</a:t>
+            </a:r>
+            <a:r>
+              <a:rPr lang="de-DE" dirty="0" smtClean="0"/>
+              <a:t> </a:t>
+            </a:r>
+            <a:r>
+              <a:rPr lang="de-DE" dirty="0" err="1" smtClean="0"/>
+              <a:t>code</a:t>
+            </a:r>
+            <a:endParaRPr lang="de-DE" dirty="0"/>
+          </a:p>
+        </p:txBody>
+      </p:sp>
+      <p:sp>
+        <p:nvSpPr>
+          <p:cNvPr id="6" name="Inhaltsplatzhalter 2"/>
+          <p:cNvSpPr txBox="1">
+            <a:spLocks/>
+          </p:cNvSpPr>
+          <p:nvPr/>
+        </p:nvSpPr>
+        <p:spPr>
+          <a:xfrm>
+            <a:off x="8137451" y="-41565"/>
+            <a:ext cx="4054549" cy="370610"/>
+          </a:xfrm>
+          <a:prstGeom prst="rect">
+            <a:avLst/>
+          </a:prstGeom>
+        </p:spPr>
+        <p:txBody>
+          <a:bodyPr vert="horz" lIns="91440" tIns="45720" rIns="91440" bIns="45720" rtlCol="0" anchor="ctr">
+            <a:normAutofit/>
+          </a:bodyPr>
+          <a:lstStyle>
+            <a:lvl1pPr marL="285750" indent="-285750" algn="l" defTabSz="457200" rtl="0" eaLnBrk="1" latinLnBrk="0" hangingPunct="1">
+              <a:spcBef>
+                <a:spcPct val="20000"/>
+              </a:spcBef>
+              <a:spcAft>
+                <a:spcPts val="600"/>
+              </a:spcAft>
+              <a:buClr>
+                <a:schemeClr val="accent1">
+                  <a:lumMod val="75000"/>
+                </a:schemeClr>
+              </a:buClr>
+              <a:buSzPct val="145000"/>
+              <a:buFont typeface="Arial"/>
+              <a:buChar char="•"/>
+              <a:defRPr sz="2400" kern="1200" cap="none">
+                <a:solidFill>
+                  <a:schemeClr val="tx1"/>
+                </a:solidFill>
+                <a:effectLst/>
+                <a:latin typeface="+mn-lt"/>
+                <a:ea typeface="+mn-ea"/>
+                <a:cs typeface="+mn-cs"/>
+              </a:defRPr>
+            </a:lvl1pPr>
+            <a:lvl2pPr marL="742950" indent="-285750" algn="l" defTabSz="457200" rtl="0" eaLnBrk="1" latinLnBrk="0" hangingPunct="1">
+              <a:spcBef>
+                <a:spcPct val="20000"/>
+              </a:spcBef>
+              <a:spcAft>
+                <a:spcPts val="600"/>
+              </a:spcAft>
+              <a:buClr>
+                <a:schemeClr val="accent1">
+                  <a:lumMod val="75000"/>
+                </a:schemeClr>
+              </a:buClr>
+              <a:buSzPct val="145000"/>
+              <a:buFont typeface="Arial"/>
+              <a:buChar char="•"/>
+              <a:defRPr sz="2000" kern="1200" cap="none">
+                <a:solidFill>
+                  <a:schemeClr val="tx1"/>
+                </a:solidFill>
+                <a:effectLst/>
+                <a:latin typeface="+mn-lt"/>
+                <a:ea typeface="+mn-ea"/>
+                <a:cs typeface="+mn-cs"/>
+              </a:defRPr>
+            </a:lvl2pPr>
+            <a:lvl3pPr marL="1200150" indent="-285750" algn="l" defTabSz="457200" rtl="0" eaLnBrk="1" latinLnBrk="0" hangingPunct="1">
+              <a:spcBef>
+                <a:spcPct val="20000"/>
+              </a:spcBef>
+              <a:spcAft>
+                <a:spcPts val="600"/>
+              </a:spcAft>
+              <a:buClr>
+                <a:schemeClr val="accent1">
+                  <a:lumMod val="75000"/>
+                </a:schemeClr>
+              </a:buClr>
+              <a:buSzPct val="145000"/>
+              <a:buFont typeface="Arial"/>
+              <a:buChar char="•"/>
+              <a:defRPr sz="1800" kern="1200" cap="none">
+                <a:solidFill>
+                  <a:schemeClr val="tx1"/>
+                </a:solidFill>
+                <a:effectLst/>
+                <a:latin typeface="+mn-lt"/>
+                <a:ea typeface="+mn-ea"/>
+                <a:cs typeface="+mn-cs"/>
+              </a:defRPr>
+            </a:lvl3pPr>
+            <a:lvl4pPr marL="1543050" indent="-171450" algn="l" defTabSz="457200" rtl="0" eaLnBrk="1" latinLnBrk="0" hangingPunct="1">
+              <a:spcBef>
+                <a:spcPct val="20000"/>
+              </a:spcBef>
+              <a:spcAft>
+                <a:spcPts val="600"/>
+              </a:spcAft>
+              <a:buClr>
+                <a:schemeClr val="accent1">
+                  <a:lumMod val="75000"/>
+                </a:schemeClr>
+              </a:buClr>
+              <a:buSzPct val="145000"/>
+              <a:buFont typeface="Arial"/>
+              <a:buChar char="•"/>
+              <a:defRPr sz="1600" kern="1200" cap="none">
+                <a:solidFill>
+                  <a:schemeClr val="tx1"/>
+                </a:solidFill>
+                <a:effectLst/>
+                <a:latin typeface="+mn-lt"/>
+                <a:ea typeface="+mn-ea"/>
+                <a:cs typeface="+mn-cs"/>
+              </a:defRPr>
+            </a:lvl4pPr>
+            <a:lvl5pPr marL="2000250" indent="-171450" algn="l" defTabSz="457200" rtl="0" eaLnBrk="1" latinLnBrk="0" hangingPunct="1">
+              <a:spcBef>
+                <a:spcPct val="20000"/>
+              </a:spcBef>
+              <a:spcAft>
+                <a:spcPts val="600"/>
+              </a:spcAft>
+              <a:buClr>
+                <a:schemeClr val="accent1">
+                  <a:lumMod val="75000"/>
+                </a:schemeClr>
+              </a:buClr>
+              <a:buSzPct val="145000"/>
+              <a:buFont typeface="Arial"/>
+              <a:buChar char="•"/>
+              <a:defRPr sz="1400" kern="1200" cap="none">
+                <a:solidFill>
+                  <a:schemeClr val="tx1"/>
+                </a:solidFill>
+                <a:effectLst/>
+                <a:latin typeface="+mn-lt"/>
+                <a:ea typeface="+mn-ea"/>
+                <a:cs typeface="+mn-cs"/>
+              </a:defRPr>
+            </a:lvl5pPr>
+            <a:lvl6pPr marL="2514600" indent="-228600" algn="l" defTabSz="457200" rtl="0" eaLnBrk="1" latinLnBrk="0" hangingPunct="1">
+              <a:spcBef>
+                <a:spcPct val="20000"/>
+              </a:spcBef>
+              <a:spcAft>
+                <a:spcPts val="600"/>
+              </a:spcAft>
+              <a:buClr>
+                <a:schemeClr val="accent1">
+                  <a:lumMod val="75000"/>
+                </a:schemeClr>
+              </a:buClr>
+              <a:buSzPct val="145000"/>
+              <a:buFont typeface="Arial"/>
+              <a:buChar char="•"/>
+              <a:defRPr sz="1400" kern="1200" cap="none">
+                <a:solidFill>
+                  <a:schemeClr val="tx1"/>
+                </a:solidFill>
+                <a:effectLst/>
+                <a:latin typeface="+mn-lt"/>
+                <a:ea typeface="+mn-ea"/>
+                <a:cs typeface="+mn-cs"/>
+              </a:defRPr>
+            </a:lvl6pPr>
+            <a:lvl7pPr marL="2971800" indent="-228600" algn="l" defTabSz="457200" rtl="0" eaLnBrk="1" latinLnBrk="0" hangingPunct="1">
+              <a:spcBef>
+                <a:spcPct val="20000"/>
+              </a:spcBef>
+              <a:spcAft>
+                <a:spcPts val="600"/>
+              </a:spcAft>
+              <a:buClr>
+                <a:schemeClr val="accent1">
+                  <a:lumMod val="75000"/>
+                </a:schemeClr>
+              </a:buClr>
+              <a:buSzPct val="145000"/>
+              <a:buFont typeface="Arial"/>
+              <a:buChar char="•"/>
+              <a:defRPr sz="1400" kern="1200" cap="none">
+                <a:solidFill>
+                  <a:schemeClr val="tx1"/>
+                </a:solidFill>
+                <a:effectLst/>
+                <a:latin typeface="+mn-lt"/>
+                <a:ea typeface="+mn-ea"/>
+                <a:cs typeface="+mn-cs"/>
+              </a:defRPr>
+            </a:lvl7pPr>
+            <a:lvl8pPr marL="3429000" indent="-228600" algn="l" defTabSz="457200" rtl="0" eaLnBrk="1" latinLnBrk="0" hangingPunct="1">
+              <a:spcBef>
+                <a:spcPct val="20000"/>
+              </a:spcBef>
+              <a:spcAft>
+                <a:spcPts val="600"/>
+              </a:spcAft>
+              <a:buClr>
+                <a:schemeClr val="accent1">
+                  <a:lumMod val="75000"/>
+                </a:schemeClr>
+              </a:buClr>
+              <a:buSzPct val="145000"/>
+              <a:buFont typeface="Arial"/>
+              <a:buChar char="•"/>
+              <a:defRPr sz="1400" kern="1200" cap="none">
+                <a:solidFill>
+                  <a:schemeClr val="tx1"/>
+                </a:solidFill>
+                <a:effectLst/>
+                <a:latin typeface="+mn-lt"/>
+                <a:ea typeface="+mn-ea"/>
+                <a:cs typeface="+mn-cs"/>
+              </a:defRPr>
+            </a:lvl8pPr>
+            <a:lvl9pPr marL="3886200" indent="-228600" algn="l" defTabSz="457200" rtl="0" eaLnBrk="1" latinLnBrk="0" hangingPunct="1">
+              <a:spcBef>
+                <a:spcPct val="20000"/>
+              </a:spcBef>
+              <a:spcAft>
+                <a:spcPts val="600"/>
+              </a:spcAft>
+              <a:buClr>
+                <a:schemeClr val="accent1">
+                  <a:lumMod val="75000"/>
+                </a:schemeClr>
+              </a:buClr>
+              <a:buSzPct val="145000"/>
+              <a:buFont typeface="Arial"/>
+              <a:buChar char="•"/>
+              <a:defRPr sz="1400" kern="1200" cap="none">
+                <a:solidFill>
+                  <a:schemeClr val="tx1"/>
+                </a:solidFill>
+                <a:effectLst/>
+                <a:latin typeface="+mn-lt"/>
+                <a:ea typeface="+mn-ea"/>
+                <a:cs typeface="+mn-cs"/>
+              </a:defRPr>
+            </a:lvl9pPr>
+          </a:lstStyle>
+          <a:p>
+            <a:pPr marL="0" indent="0">
+              <a:buNone/>
+            </a:pPr>
+            <a:r>
+              <a:rPr lang="de-DE" sz="1000" dirty="0" smtClean="0"/>
+              <a:t>Rem0 Röthlisberger, Eric </a:t>
+            </a:r>
+            <a:r>
+              <a:rPr lang="de-DE" sz="1000" dirty="0" err="1" smtClean="0"/>
+              <a:t>Lagger</a:t>
+            </a:r>
+            <a:r>
+              <a:rPr lang="de-DE" sz="1000" dirty="0" smtClean="0"/>
+              <a:t>, Vincent Hofer, Dean Klopsch, Aebi Ryan</a:t>
+            </a:r>
+            <a:endParaRPr lang="de-DE" sz="1000" dirty="0"/>
+          </a:p>
+        </p:txBody>
+      </p:sp>
+      <p:pic>
+        <p:nvPicPr>
+          <p:cNvPr id="3" name="Inhaltsplatzhalter 2"/>
+          <p:cNvPicPr>
+            <a:picLocks noGrp="1" noChangeAspect="1"/>
+          </p:cNvPicPr>
+          <p:nvPr>
+            <p:ph idx="1"/>
+          </p:nvPr>
+        </p:nvPicPr>
+        <p:blipFill>
+          <a:blip r:embed="rId3">
+            <a:extLst>
+              <a:ext uri="{28A0092B-C50C-407E-A947-70E740481C1C}">
+                <a14:useLocalDpi xmlns:a14="http://schemas.microsoft.com/office/drawing/2010/main" val="0"/>
+              </a:ext>
+            </a:extLst>
+          </a:blip>
+          <a:stretch>
+            <a:fillRect/>
+          </a:stretch>
+        </p:blipFill>
+        <p:spPr>
+          <a:xfrm>
+            <a:off x="1115053" y="4384029"/>
+            <a:ext cx="1781424" cy="990738"/>
+          </a:xfrm>
+        </p:spPr>
+      </p:pic>
+      <p:pic>
+        <p:nvPicPr>
+          <p:cNvPr id="4" name="Grafik 3"/>
+          <p:cNvPicPr>
+            <a:picLocks noChangeAspect="1"/>
+          </p:cNvPicPr>
+          <p:nvPr/>
+        </p:nvPicPr>
+        <p:blipFill>
+          <a:blip r:embed="rId4">
+            <a:extLst>
+              <a:ext uri="{28A0092B-C50C-407E-A947-70E740481C1C}">
+                <a14:useLocalDpi xmlns:a14="http://schemas.microsoft.com/office/drawing/2010/main" val="0"/>
+              </a:ext>
+            </a:extLst>
+          </a:blip>
+          <a:stretch>
+            <a:fillRect/>
+          </a:stretch>
+        </p:blipFill>
+        <p:spPr>
+          <a:xfrm>
+            <a:off x="5093427" y="3128211"/>
+            <a:ext cx="1453688" cy="3502374"/>
+          </a:xfrm>
+          <a:prstGeom prst="rect">
+            <a:avLst/>
+          </a:prstGeom>
+        </p:spPr>
+      </p:pic>
+    </p:spTree>
+    <p:extLst>
+      <p:ext uri="{BB962C8B-B14F-4D97-AF65-F5344CB8AC3E}">
+        <p14:creationId xmlns:p14="http://schemas.microsoft.com/office/powerpoint/2010/main" val="4205133750"/>
+      </p:ext>
+    </p:extLst>
+  </p:cSld>
+  <p:clrMapOvr>
+    <a:masterClrMapping/>
+  </p:clrMapOvr>
+  <p:timing>
+    <p:tnLst>
+      <p:par>
+        <p:cTn id="1" dur="indefinite" restart="never" nodeType="tmRoot"/>
+      </p:par>
+    </p:tnLst>
+  </p:timing>
+</p:sld>
+</file>
+
+<file path=ppt/slides/slide13.xml><?xml version="1.0" encoding="utf-8"?>
+<p:sld xmlns:a="http://schemas.openxmlformats.org/drawingml/2006/main" xmlns:r="http://schemas.openxmlformats.org/officeDocument/2006/relationships" xmlns:p="http://schemas.openxmlformats.org/presentationml/2006/main">
+  <p:cSld>
+    <p:spTree>
+      <p:nvGrpSpPr>
+        <p:cNvPr id="1" name=""/>
+        <p:cNvGrpSpPr/>
+        <p:nvPr/>
+      </p:nvGrpSpPr>
+      <p:grpSpPr>
+        <a:xfrm>
+          <a:off x="0" y="0"/>
+          <a:ext cx="0" cy="0"/>
+          <a:chOff x="0" y="0"/>
+          <a:chExt cx="0" cy="0"/>
+        </a:xfrm>
+      </p:grpSpPr>
+      <p:sp>
+        <p:nvSpPr>
+          <p:cNvPr id="2" name="Titel 1"/>
+          <p:cNvSpPr>
+            <a:spLocks noGrp="1"/>
+          </p:cNvSpPr>
+          <p:nvPr>
+            <p:ph type="title"/>
+          </p:nvPr>
+        </p:nvSpPr>
+        <p:spPr>
+          <a:xfrm>
+            <a:off x="810915" y="691116"/>
+            <a:ext cx="10018713" cy="1752599"/>
+          </a:xfrm>
+        </p:spPr>
+        <p:txBody>
+          <a:bodyPr/>
+          <a:lstStyle/>
+          <a:p>
+            <a:r>
+              <a:rPr lang="de-DE" dirty="0" err="1" smtClean="0"/>
+              <a:t>Good</a:t>
+            </a:r>
+            <a:r>
+              <a:rPr lang="de-DE" dirty="0" smtClean="0"/>
+              <a:t> </a:t>
+            </a:r>
+            <a:r>
+              <a:rPr lang="de-DE" dirty="0" err="1" smtClean="0"/>
+              <a:t>code</a:t>
+            </a:r>
+            <a:endParaRPr lang="de-DE" dirty="0"/>
+          </a:p>
+        </p:txBody>
+      </p:sp>
+      <p:sp>
+        <p:nvSpPr>
+          <p:cNvPr id="6" name="Inhaltsplatzhalter 2"/>
+          <p:cNvSpPr txBox="1">
+            <a:spLocks/>
+          </p:cNvSpPr>
+          <p:nvPr/>
+        </p:nvSpPr>
+        <p:spPr>
+          <a:xfrm>
+            <a:off x="8137451" y="-41565"/>
+            <a:ext cx="4054549" cy="370610"/>
+          </a:xfrm>
+          <a:prstGeom prst="rect">
+            <a:avLst/>
+          </a:prstGeom>
+        </p:spPr>
+        <p:txBody>
+          <a:bodyPr vert="horz" lIns="91440" tIns="45720" rIns="91440" bIns="45720" rtlCol="0" anchor="ctr">
+            <a:normAutofit/>
+          </a:bodyPr>
+          <a:lstStyle>
+            <a:lvl1pPr marL="285750" indent="-285750" algn="l" defTabSz="457200" rtl="0" eaLnBrk="1" latinLnBrk="0" hangingPunct="1">
+              <a:spcBef>
+                <a:spcPct val="20000"/>
+              </a:spcBef>
+              <a:spcAft>
+                <a:spcPts val="600"/>
+              </a:spcAft>
+              <a:buClr>
+                <a:schemeClr val="accent1">
+                  <a:lumMod val="75000"/>
+                </a:schemeClr>
+              </a:buClr>
+              <a:buSzPct val="145000"/>
+              <a:buFont typeface="Arial"/>
+              <a:buChar char="•"/>
+              <a:defRPr sz="2400" kern="1200" cap="none">
+                <a:solidFill>
+                  <a:schemeClr val="tx1"/>
+                </a:solidFill>
+                <a:effectLst/>
+                <a:latin typeface="+mn-lt"/>
+                <a:ea typeface="+mn-ea"/>
+                <a:cs typeface="+mn-cs"/>
+              </a:defRPr>
+            </a:lvl1pPr>
+            <a:lvl2pPr marL="742950" indent="-285750" algn="l" defTabSz="457200" rtl="0" eaLnBrk="1" latinLnBrk="0" hangingPunct="1">
+              <a:spcBef>
+                <a:spcPct val="20000"/>
+              </a:spcBef>
+              <a:spcAft>
+                <a:spcPts val="600"/>
+              </a:spcAft>
+              <a:buClr>
+                <a:schemeClr val="accent1">
+                  <a:lumMod val="75000"/>
+                </a:schemeClr>
+              </a:buClr>
+              <a:buSzPct val="145000"/>
+              <a:buFont typeface="Arial"/>
+              <a:buChar char="•"/>
+              <a:defRPr sz="2000" kern="1200" cap="none">
+                <a:solidFill>
+                  <a:schemeClr val="tx1"/>
+                </a:solidFill>
+                <a:effectLst/>
+                <a:latin typeface="+mn-lt"/>
+                <a:ea typeface="+mn-ea"/>
+                <a:cs typeface="+mn-cs"/>
+              </a:defRPr>
+            </a:lvl2pPr>
+            <a:lvl3pPr marL="1200150" indent="-285750" algn="l" defTabSz="457200" rtl="0" eaLnBrk="1" latinLnBrk="0" hangingPunct="1">
+              <a:spcBef>
+                <a:spcPct val="20000"/>
+              </a:spcBef>
+              <a:spcAft>
+                <a:spcPts val="600"/>
+              </a:spcAft>
+              <a:buClr>
+                <a:schemeClr val="accent1">
+                  <a:lumMod val="75000"/>
+                </a:schemeClr>
+              </a:buClr>
+              <a:buSzPct val="145000"/>
+              <a:buFont typeface="Arial"/>
+              <a:buChar char="•"/>
+              <a:defRPr sz="1800" kern="1200" cap="none">
+                <a:solidFill>
+                  <a:schemeClr val="tx1"/>
+                </a:solidFill>
+                <a:effectLst/>
+                <a:latin typeface="+mn-lt"/>
+                <a:ea typeface="+mn-ea"/>
+                <a:cs typeface="+mn-cs"/>
+              </a:defRPr>
+            </a:lvl3pPr>
+            <a:lvl4pPr marL="1543050" indent="-171450" algn="l" defTabSz="457200" rtl="0" eaLnBrk="1" latinLnBrk="0" hangingPunct="1">
+              <a:spcBef>
+                <a:spcPct val="20000"/>
+              </a:spcBef>
+              <a:spcAft>
+                <a:spcPts val="600"/>
+              </a:spcAft>
+              <a:buClr>
+                <a:schemeClr val="accent1">
+                  <a:lumMod val="75000"/>
+                </a:schemeClr>
+              </a:buClr>
+              <a:buSzPct val="145000"/>
+              <a:buFont typeface="Arial"/>
+              <a:buChar char="•"/>
+              <a:defRPr sz="1600" kern="1200" cap="none">
+                <a:solidFill>
+                  <a:schemeClr val="tx1"/>
+                </a:solidFill>
+                <a:effectLst/>
+                <a:latin typeface="+mn-lt"/>
+                <a:ea typeface="+mn-ea"/>
+                <a:cs typeface="+mn-cs"/>
+              </a:defRPr>
+            </a:lvl4pPr>
+            <a:lvl5pPr marL="2000250" indent="-171450" algn="l" defTabSz="457200" rtl="0" eaLnBrk="1" latinLnBrk="0" hangingPunct="1">
+              <a:spcBef>
+                <a:spcPct val="20000"/>
+              </a:spcBef>
+              <a:spcAft>
+                <a:spcPts val="600"/>
+              </a:spcAft>
+              <a:buClr>
+                <a:schemeClr val="accent1">
+                  <a:lumMod val="75000"/>
+                </a:schemeClr>
+              </a:buClr>
+              <a:buSzPct val="145000"/>
+              <a:buFont typeface="Arial"/>
+              <a:buChar char="•"/>
+              <a:defRPr sz="1400" kern="1200" cap="none">
+                <a:solidFill>
+                  <a:schemeClr val="tx1"/>
+                </a:solidFill>
+                <a:effectLst/>
+                <a:latin typeface="+mn-lt"/>
+                <a:ea typeface="+mn-ea"/>
+                <a:cs typeface="+mn-cs"/>
+              </a:defRPr>
+            </a:lvl5pPr>
+            <a:lvl6pPr marL="2514600" indent="-228600" algn="l" defTabSz="457200" rtl="0" eaLnBrk="1" latinLnBrk="0" hangingPunct="1">
+              <a:spcBef>
+                <a:spcPct val="20000"/>
+              </a:spcBef>
+              <a:spcAft>
+                <a:spcPts val="600"/>
+              </a:spcAft>
+              <a:buClr>
+                <a:schemeClr val="accent1">
+                  <a:lumMod val="75000"/>
+                </a:schemeClr>
+              </a:buClr>
+              <a:buSzPct val="145000"/>
+              <a:buFont typeface="Arial"/>
+              <a:buChar char="•"/>
+              <a:defRPr sz="1400" kern="1200" cap="none">
+                <a:solidFill>
+                  <a:schemeClr val="tx1"/>
+                </a:solidFill>
+                <a:effectLst/>
+                <a:latin typeface="+mn-lt"/>
+                <a:ea typeface="+mn-ea"/>
+                <a:cs typeface="+mn-cs"/>
+              </a:defRPr>
+            </a:lvl6pPr>
+            <a:lvl7pPr marL="2971800" indent="-228600" algn="l" defTabSz="457200" rtl="0" eaLnBrk="1" latinLnBrk="0" hangingPunct="1">
+              <a:spcBef>
+                <a:spcPct val="20000"/>
+              </a:spcBef>
+              <a:spcAft>
+                <a:spcPts val="600"/>
+              </a:spcAft>
+              <a:buClr>
+                <a:schemeClr val="accent1">
+                  <a:lumMod val="75000"/>
+                </a:schemeClr>
+              </a:buClr>
+              <a:buSzPct val="145000"/>
+              <a:buFont typeface="Arial"/>
+              <a:buChar char="•"/>
+              <a:defRPr sz="1400" kern="1200" cap="none">
+                <a:solidFill>
+                  <a:schemeClr val="tx1"/>
+                </a:solidFill>
+                <a:effectLst/>
+                <a:latin typeface="+mn-lt"/>
+                <a:ea typeface="+mn-ea"/>
+                <a:cs typeface="+mn-cs"/>
+              </a:defRPr>
+            </a:lvl7pPr>
+            <a:lvl8pPr marL="3429000" indent="-228600" algn="l" defTabSz="457200" rtl="0" eaLnBrk="1" latinLnBrk="0" hangingPunct="1">
+              <a:spcBef>
+                <a:spcPct val="20000"/>
+              </a:spcBef>
+              <a:spcAft>
+                <a:spcPts val="600"/>
+              </a:spcAft>
+              <a:buClr>
+                <a:schemeClr val="accent1">
+                  <a:lumMod val="75000"/>
+                </a:schemeClr>
+              </a:buClr>
+              <a:buSzPct val="145000"/>
+              <a:buFont typeface="Arial"/>
+              <a:buChar char="•"/>
+              <a:defRPr sz="1400" kern="1200" cap="none">
+                <a:solidFill>
+                  <a:schemeClr val="tx1"/>
+                </a:solidFill>
+                <a:effectLst/>
+                <a:latin typeface="+mn-lt"/>
+                <a:ea typeface="+mn-ea"/>
+                <a:cs typeface="+mn-cs"/>
+              </a:defRPr>
+            </a:lvl8pPr>
+            <a:lvl9pPr marL="3886200" indent="-228600" algn="l" defTabSz="457200" rtl="0" eaLnBrk="1" latinLnBrk="0" hangingPunct="1">
+              <a:spcBef>
+                <a:spcPct val="20000"/>
+              </a:spcBef>
+              <a:spcAft>
+                <a:spcPts val="600"/>
+              </a:spcAft>
+              <a:buClr>
+                <a:schemeClr val="accent1">
+                  <a:lumMod val="75000"/>
+                </a:schemeClr>
+              </a:buClr>
+              <a:buSzPct val="145000"/>
+              <a:buFont typeface="Arial"/>
+              <a:buChar char="•"/>
+              <a:defRPr sz="1400" kern="1200" cap="none">
+                <a:solidFill>
+                  <a:schemeClr val="tx1"/>
+                </a:solidFill>
+                <a:effectLst/>
+                <a:latin typeface="+mn-lt"/>
+                <a:ea typeface="+mn-ea"/>
+                <a:cs typeface="+mn-cs"/>
+              </a:defRPr>
+            </a:lvl9pPr>
+          </a:lstStyle>
+          <a:p>
+            <a:pPr marL="0" indent="0">
+              <a:buNone/>
+            </a:pPr>
+            <a:r>
+              <a:rPr lang="de-DE" sz="1000" dirty="0" smtClean="0"/>
+              <a:t>Rem0 Röthlisberger, Eric </a:t>
+            </a:r>
+            <a:r>
+              <a:rPr lang="de-DE" sz="1000" dirty="0" err="1" smtClean="0"/>
+              <a:t>Lagger</a:t>
+            </a:r>
+            <a:r>
+              <a:rPr lang="de-DE" sz="1000" dirty="0" smtClean="0"/>
+              <a:t>, Vincent Hofer, Dean Klopsch, Aebi Ryan</a:t>
+            </a:r>
+            <a:endParaRPr lang="de-DE" sz="1000" dirty="0"/>
+          </a:p>
+        </p:txBody>
+      </p:sp>
+      <p:pic>
+        <p:nvPicPr>
+          <p:cNvPr id="5" name="Grafik 4"/>
+          <p:cNvPicPr>
+            <a:picLocks noChangeAspect="1"/>
+          </p:cNvPicPr>
+          <p:nvPr/>
+        </p:nvPicPr>
+        <p:blipFill>
+          <a:blip r:embed="rId3">
+            <a:extLst>
+              <a:ext uri="{28A0092B-C50C-407E-A947-70E740481C1C}">
+                <a14:useLocalDpi xmlns:a14="http://schemas.microsoft.com/office/drawing/2010/main" val="0"/>
+              </a:ext>
+            </a:extLst>
+          </a:blip>
+          <a:stretch>
+            <a:fillRect/>
+          </a:stretch>
+        </p:blipFill>
+        <p:spPr>
+          <a:xfrm>
+            <a:off x="1821905" y="2017293"/>
+            <a:ext cx="5731136" cy="4191001"/>
+          </a:xfrm>
+          <a:prstGeom prst="rect">
+            <a:avLst/>
+          </a:prstGeom>
+        </p:spPr>
+      </p:pic>
+    </p:spTree>
+    <p:extLst>
+      <p:ext uri="{BB962C8B-B14F-4D97-AF65-F5344CB8AC3E}">
+        <p14:creationId xmlns:p14="http://schemas.microsoft.com/office/powerpoint/2010/main" val="920759846"/>
+      </p:ext>
+    </p:extLst>
+  </p:cSld>
+  <p:clrMapOvr>
+    <a:masterClrMapping/>
+  </p:clrMapOvr>
+  <p:timing>
+    <p:tnLst>
+      <p:par>
+        <p:cTn id="1" dur="indefinite" restart="never" nodeType="tmRoot"/>
+      </p:par>
+    </p:tnLst>
+  </p:timing>
+</p:sld>
+</file>
+
+<file path=ppt/slides/slide14.xml><?xml version="1.0" encoding="utf-8"?>
+<p:sld xmlns:a="http://schemas.openxmlformats.org/drawingml/2006/main" xmlns:r="http://schemas.openxmlformats.org/officeDocument/2006/relationships" xmlns:p="http://schemas.openxmlformats.org/presentationml/2006/main">
+  <p:cSld>
+    <p:spTree>
+      <p:nvGrpSpPr>
+        <p:cNvPr id="1" name=""/>
+        <p:cNvGrpSpPr/>
+        <p:nvPr/>
+      </p:nvGrpSpPr>
+      <p:grpSpPr>
+        <a:xfrm>
+          <a:off x="0" y="0"/>
+          <a:ext cx="0" cy="0"/>
+          <a:chOff x="0" y="0"/>
+          <a:chExt cx="0" cy="0"/>
+        </a:xfrm>
+      </p:grpSpPr>
+      <p:sp>
+        <p:nvSpPr>
+          <p:cNvPr id="2" name="Titel 1"/>
+          <p:cNvSpPr>
+            <a:spLocks noGrp="1"/>
+          </p:cNvSpPr>
+          <p:nvPr>
+            <p:ph type="title"/>
+          </p:nvPr>
+        </p:nvSpPr>
+        <p:spPr>
+          <a:xfrm>
+            <a:off x="810915" y="691116"/>
+            <a:ext cx="10018713" cy="1752599"/>
+          </a:xfrm>
+        </p:spPr>
+        <p:txBody>
+          <a:bodyPr/>
+          <a:lstStyle/>
+          <a:p>
+            <a:r>
+              <a:rPr lang="de-DE" dirty="0" err="1" smtClean="0"/>
+              <a:t>Good</a:t>
+            </a:r>
+            <a:r>
+              <a:rPr lang="de-DE" dirty="0" smtClean="0"/>
+              <a:t> </a:t>
+            </a:r>
+            <a:r>
+              <a:rPr lang="de-DE" dirty="0" err="1" smtClean="0"/>
+              <a:t>code</a:t>
+            </a:r>
+            <a:endParaRPr lang="de-DE" dirty="0"/>
+          </a:p>
+        </p:txBody>
+      </p:sp>
+      <p:sp>
+        <p:nvSpPr>
+          <p:cNvPr id="6" name="Inhaltsplatzhalter 2"/>
+          <p:cNvSpPr txBox="1">
+            <a:spLocks/>
+          </p:cNvSpPr>
+          <p:nvPr/>
+        </p:nvSpPr>
+        <p:spPr>
+          <a:xfrm>
+            <a:off x="8137451" y="-41565"/>
+            <a:ext cx="4054549" cy="370610"/>
+          </a:xfrm>
+          <a:prstGeom prst="rect">
+            <a:avLst/>
+          </a:prstGeom>
+        </p:spPr>
+        <p:txBody>
+          <a:bodyPr vert="horz" lIns="91440" tIns="45720" rIns="91440" bIns="45720" rtlCol="0" anchor="ctr">
+            <a:normAutofit/>
+          </a:bodyPr>
+          <a:lstStyle>
+            <a:lvl1pPr marL="285750" indent="-285750" algn="l" defTabSz="457200" rtl="0" eaLnBrk="1" latinLnBrk="0" hangingPunct="1">
+              <a:spcBef>
+                <a:spcPct val="20000"/>
+              </a:spcBef>
+              <a:spcAft>
+                <a:spcPts val="600"/>
+              </a:spcAft>
+              <a:buClr>
+                <a:schemeClr val="accent1">
+                  <a:lumMod val="75000"/>
+                </a:schemeClr>
+              </a:buClr>
+              <a:buSzPct val="145000"/>
+              <a:buFont typeface="Arial"/>
+              <a:buChar char="•"/>
+              <a:defRPr sz="2400" kern="1200" cap="none">
+                <a:solidFill>
+                  <a:schemeClr val="tx1"/>
+                </a:solidFill>
+                <a:effectLst/>
+                <a:latin typeface="+mn-lt"/>
+                <a:ea typeface="+mn-ea"/>
+                <a:cs typeface="+mn-cs"/>
+              </a:defRPr>
+            </a:lvl1pPr>
+            <a:lvl2pPr marL="742950" indent="-285750" algn="l" defTabSz="457200" rtl="0" eaLnBrk="1" latinLnBrk="0" hangingPunct="1">
+              <a:spcBef>
+                <a:spcPct val="20000"/>
+              </a:spcBef>
+              <a:spcAft>
+                <a:spcPts val="600"/>
+              </a:spcAft>
+              <a:buClr>
+                <a:schemeClr val="accent1">
+                  <a:lumMod val="75000"/>
+                </a:schemeClr>
+              </a:buClr>
+              <a:buSzPct val="145000"/>
+              <a:buFont typeface="Arial"/>
+              <a:buChar char="•"/>
+              <a:defRPr sz="2000" kern="1200" cap="none">
+                <a:solidFill>
+                  <a:schemeClr val="tx1"/>
+                </a:solidFill>
+                <a:effectLst/>
+                <a:latin typeface="+mn-lt"/>
+                <a:ea typeface="+mn-ea"/>
+                <a:cs typeface="+mn-cs"/>
+              </a:defRPr>
+            </a:lvl2pPr>
+            <a:lvl3pPr marL="1200150" indent="-285750" algn="l" defTabSz="457200" rtl="0" eaLnBrk="1" latinLnBrk="0" hangingPunct="1">
+              <a:spcBef>
+                <a:spcPct val="20000"/>
+              </a:spcBef>
+              <a:spcAft>
+                <a:spcPts val="600"/>
+              </a:spcAft>
+              <a:buClr>
+                <a:schemeClr val="accent1">
+                  <a:lumMod val="75000"/>
+                </a:schemeClr>
+              </a:buClr>
+              <a:buSzPct val="145000"/>
+              <a:buFont typeface="Arial"/>
+              <a:buChar char="•"/>
+              <a:defRPr sz="1800" kern="1200" cap="none">
+                <a:solidFill>
+                  <a:schemeClr val="tx1"/>
+                </a:solidFill>
+                <a:effectLst/>
+                <a:latin typeface="+mn-lt"/>
+                <a:ea typeface="+mn-ea"/>
+                <a:cs typeface="+mn-cs"/>
+              </a:defRPr>
+            </a:lvl3pPr>
+            <a:lvl4pPr marL="1543050" indent="-171450" algn="l" defTabSz="457200" rtl="0" eaLnBrk="1" latinLnBrk="0" hangingPunct="1">
+              <a:spcBef>
+                <a:spcPct val="20000"/>
+              </a:spcBef>
+              <a:spcAft>
+                <a:spcPts val="600"/>
+              </a:spcAft>
+              <a:buClr>
+                <a:schemeClr val="accent1">
+                  <a:lumMod val="75000"/>
+                </a:schemeClr>
+              </a:buClr>
+              <a:buSzPct val="145000"/>
+              <a:buFont typeface="Arial"/>
+              <a:buChar char="•"/>
+              <a:defRPr sz="1600" kern="1200" cap="none">
+                <a:solidFill>
+                  <a:schemeClr val="tx1"/>
+                </a:solidFill>
+                <a:effectLst/>
+                <a:latin typeface="+mn-lt"/>
+                <a:ea typeface="+mn-ea"/>
+                <a:cs typeface="+mn-cs"/>
+              </a:defRPr>
+            </a:lvl4pPr>
+            <a:lvl5pPr marL="2000250" indent="-171450" algn="l" defTabSz="457200" rtl="0" eaLnBrk="1" latinLnBrk="0" hangingPunct="1">
+              <a:spcBef>
+                <a:spcPct val="20000"/>
+              </a:spcBef>
+              <a:spcAft>
+                <a:spcPts val="600"/>
+              </a:spcAft>
+              <a:buClr>
+                <a:schemeClr val="accent1">
+                  <a:lumMod val="75000"/>
+                </a:schemeClr>
+              </a:buClr>
+              <a:buSzPct val="145000"/>
+              <a:buFont typeface="Arial"/>
+              <a:buChar char="•"/>
+              <a:defRPr sz="1400" kern="1200" cap="none">
+                <a:solidFill>
+                  <a:schemeClr val="tx1"/>
+                </a:solidFill>
+                <a:effectLst/>
+                <a:latin typeface="+mn-lt"/>
+                <a:ea typeface="+mn-ea"/>
+                <a:cs typeface="+mn-cs"/>
+              </a:defRPr>
+            </a:lvl5pPr>
+            <a:lvl6pPr marL="2514600" indent="-228600" algn="l" defTabSz="457200" rtl="0" eaLnBrk="1" latinLnBrk="0" hangingPunct="1">
+              <a:spcBef>
+                <a:spcPct val="20000"/>
+              </a:spcBef>
+              <a:spcAft>
+                <a:spcPts val="600"/>
+              </a:spcAft>
+              <a:buClr>
+                <a:schemeClr val="accent1">
+                  <a:lumMod val="75000"/>
+                </a:schemeClr>
+              </a:buClr>
+              <a:buSzPct val="145000"/>
+              <a:buFont typeface="Arial"/>
+              <a:buChar char="•"/>
+              <a:defRPr sz="1400" kern="1200" cap="none">
+                <a:solidFill>
+                  <a:schemeClr val="tx1"/>
+                </a:solidFill>
+                <a:effectLst/>
+                <a:latin typeface="+mn-lt"/>
+                <a:ea typeface="+mn-ea"/>
+                <a:cs typeface="+mn-cs"/>
+              </a:defRPr>
+            </a:lvl6pPr>
+            <a:lvl7pPr marL="2971800" indent="-228600" algn="l" defTabSz="457200" rtl="0" eaLnBrk="1" latinLnBrk="0" hangingPunct="1">
+              <a:spcBef>
+                <a:spcPct val="20000"/>
+              </a:spcBef>
+              <a:spcAft>
+                <a:spcPts val="600"/>
+              </a:spcAft>
+              <a:buClr>
+                <a:schemeClr val="accent1">
+                  <a:lumMod val="75000"/>
+                </a:schemeClr>
+              </a:buClr>
+              <a:buSzPct val="145000"/>
+              <a:buFont typeface="Arial"/>
+              <a:buChar char="•"/>
+              <a:defRPr sz="1400" kern="1200" cap="none">
+                <a:solidFill>
+                  <a:schemeClr val="tx1"/>
+                </a:solidFill>
+                <a:effectLst/>
+                <a:latin typeface="+mn-lt"/>
+                <a:ea typeface="+mn-ea"/>
+                <a:cs typeface="+mn-cs"/>
+              </a:defRPr>
+            </a:lvl7pPr>
+            <a:lvl8pPr marL="3429000" indent="-228600" algn="l" defTabSz="457200" rtl="0" eaLnBrk="1" latinLnBrk="0" hangingPunct="1">
+              <a:spcBef>
+                <a:spcPct val="20000"/>
+              </a:spcBef>
+              <a:spcAft>
+                <a:spcPts val="600"/>
+              </a:spcAft>
+              <a:buClr>
+                <a:schemeClr val="accent1">
+                  <a:lumMod val="75000"/>
+                </a:schemeClr>
+              </a:buClr>
+              <a:buSzPct val="145000"/>
+              <a:buFont typeface="Arial"/>
+              <a:buChar char="•"/>
+              <a:defRPr sz="1400" kern="1200" cap="none">
+                <a:solidFill>
+                  <a:schemeClr val="tx1"/>
+                </a:solidFill>
+                <a:effectLst/>
+                <a:latin typeface="+mn-lt"/>
+                <a:ea typeface="+mn-ea"/>
+                <a:cs typeface="+mn-cs"/>
+              </a:defRPr>
+            </a:lvl8pPr>
+            <a:lvl9pPr marL="3886200" indent="-228600" algn="l" defTabSz="457200" rtl="0" eaLnBrk="1" latinLnBrk="0" hangingPunct="1">
+              <a:spcBef>
+                <a:spcPct val="20000"/>
+              </a:spcBef>
+              <a:spcAft>
+                <a:spcPts val="600"/>
+              </a:spcAft>
+              <a:buClr>
+                <a:schemeClr val="accent1">
+                  <a:lumMod val="75000"/>
+                </a:schemeClr>
+              </a:buClr>
+              <a:buSzPct val="145000"/>
+              <a:buFont typeface="Arial"/>
+              <a:buChar char="•"/>
+              <a:defRPr sz="1400" kern="1200" cap="none">
+                <a:solidFill>
+                  <a:schemeClr val="tx1"/>
+                </a:solidFill>
+                <a:effectLst/>
+                <a:latin typeface="+mn-lt"/>
+                <a:ea typeface="+mn-ea"/>
+                <a:cs typeface="+mn-cs"/>
+              </a:defRPr>
+            </a:lvl9pPr>
+          </a:lstStyle>
+          <a:p>
+            <a:pPr marL="0" indent="0">
+              <a:buNone/>
+            </a:pPr>
+            <a:r>
+              <a:rPr lang="de-DE" sz="1000" dirty="0" smtClean="0"/>
+              <a:t>Rem0 Röthlisberger, Eric </a:t>
+            </a:r>
+            <a:r>
+              <a:rPr lang="de-DE" sz="1000" dirty="0" err="1" smtClean="0"/>
+              <a:t>Lagger</a:t>
+            </a:r>
+            <a:r>
+              <a:rPr lang="de-DE" sz="1000" dirty="0" smtClean="0"/>
+              <a:t>, Vincent Hofer, Dean Klopsch, Aebi Ryan</a:t>
+            </a:r>
+            <a:endParaRPr lang="de-DE" sz="1000" dirty="0"/>
+          </a:p>
+        </p:txBody>
+      </p:sp>
+      <p:pic>
+        <p:nvPicPr>
+          <p:cNvPr id="5" name="Grafik 4"/>
+          <p:cNvPicPr>
+            <a:picLocks noChangeAspect="1"/>
+          </p:cNvPicPr>
+          <p:nvPr/>
+        </p:nvPicPr>
+        <p:blipFill>
+          <a:blip r:embed="rId3">
+            <a:extLst>
+              <a:ext uri="{28A0092B-C50C-407E-A947-70E740481C1C}">
+                <a14:useLocalDpi xmlns:a14="http://schemas.microsoft.com/office/drawing/2010/main" val="0"/>
+              </a:ext>
+            </a:extLst>
+          </a:blip>
+          <a:stretch>
+            <a:fillRect/>
+          </a:stretch>
+        </p:blipFill>
+        <p:spPr>
+          <a:xfrm>
+            <a:off x="1821905" y="2017293"/>
+            <a:ext cx="5731136" cy="4191001"/>
+          </a:xfrm>
+          <a:prstGeom prst="rect">
+            <a:avLst/>
+          </a:prstGeom>
+        </p:spPr>
+      </p:pic>
+    </p:spTree>
+    <p:extLst>
+      <p:ext uri="{BB962C8B-B14F-4D97-AF65-F5344CB8AC3E}">
+        <p14:creationId xmlns:p14="http://schemas.microsoft.com/office/powerpoint/2010/main" val="551476405"/>
+      </p:ext>
+    </p:extLst>
+  </p:cSld>
+  <p:clrMapOvr>
+    <a:masterClrMapping/>
+  </p:clrMapOvr>
+  <p:timing>
+    <p:tnLst>
+      <p:par>
+        <p:cTn id="1" dur="indefinite" restart="never" nodeType="tmRoot"/>
+      </p:par>
+    </p:tnLst>
+  </p:timing>
+</p:sld>
+</file>
+
+<file path=ppt/slides/slide15.xml><?xml version="1.0" encoding="utf-8"?>
+<p:sld xmlns:a="http://schemas.openxmlformats.org/drawingml/2006/main" xmlns:r="http://schemas.openxmlformats.org/officeDocument/2006/relationships" xmlns:p="http://schemas.openxmlformats.org/presentationml/2006/main">
+  <p:cSld>
+    <p:spTree>
+      <p:nvGrpSpPr>
+        <p:cNvPr id="1" name=""/>
+        <p:cNvGrpSpPr/>
+        <p:nvPr/>
+      </p:nvGrpSpPr>
+      <p:grpSpPr>
+        <a:xfrm>
+          <a:off x="0" y="0"/>
+          <a:ext cx="0" cy="0"/>
+          <a:chOff x="0" y="0"/>
+          <a:chExt cx="0" cy="0"/>
+        </a:xfrm>
+      </p:grpSpPr>
+      <p:sp>
+        <p:nvSpPr>
+          <p:cNvPr id="2" name="Titel 1"/>
+          <p:cNvSpPr>
+            <a:spLocks noGrp="1"/>
+          </p:cNvSpPr>
+          <p:nvPr>
+            <p:ph type="title"/>
+          </p:nvPr>
+        </p:nvSpPr>
+        <p:spPr>
+          <a:xfrm>
+            <a:off x="810915" y="691116"/>
+            <a:ext cx="10018713" cy="1752599"/>
+          </a:xfrm>
+        </p:spPr>
+        <p:txBody>
+          <a:bodyPr/>
+          <a:lstStyle/>
+          <a:p>
+            <a:r>
+              <a:rPr lang="de-DE" dirty="0" err="1" smtClean="0"/>
+              <a:t>Good</a:t>
+            </a:r>
+            <a:r>
+              <a:rPr lang="de-DE" dirty="0" smtClean="0"/>
+              <a:t> </a:t>
+            </a:r>
+            <a:r>
+              <a:rPr lang="de-DE" dirty="0" err="1" smtClean="0"/>
+              <a:t>code</a:t>
+            </a:r>
+            <a:endParaRPr lang="de-DE" dirty="0"/>
+          </a:p>
+        </p:txBody>
+      </p:sp>
+      <p:sp>
+        <p:nvSpPr>
+          <p:cNvPr id="6" name="Inhaltsplatzhalter 2"/>
+          <p:cNvSpPr txBox="1">
+            <a:spLocks/>
+          </p:cNvSpPr>
+          <p:nvPr/>
+        </p:nvSpPr>
+        <p:spPr>
+          <a:xfrm>
+            <a:off x="8137451" y="-41565"/>
+            <a:ext cx="4054549" cy="370610"/>
+          </a:xfrm>
+          <a:prstGeom prst="rect">
+            <a:avLst/>
+          </a:prstGeom>
+        </p:spPr>
+        <p:txBody>
+          <a:bodyPr vert="horz" lIns="91440" tIns="45720" rIns="91440" bIns="45720" rtlCol="0" anchor="ctr">
+            <a:normAutofit/>
+          </a:bodyPr>
+          <a:lstStyle>
+            <a:lvl1pPr marL="285750" indent="-285750" algn="l" defTabSz="457200" rtl="0" eaLnBrk="1" latinLnBrk="0" hangingPunct="1">
+              <a:spcBef>
+                <a:spcPct val="20000"/>
+              </a:spcBef>
+              <a:spcAft>
+                <a:spcPts val="600"/>
+              </a:spcAft>
+              <a:buClr>
+                <a:schemeClr val="accent1">
+                  <a:lumMod val="75000"/>
+                </a:schemeClr>
+              </a:buClr>
+              <a:buSzPct val="145000"/>
+              <a:buFont typeface="Arial"/>
+              <a:buChar char="•"/>
+              <a:defRPr sz="2400" kern="1200" cap="none">
+                <a:solidFill>
+                  <a:schemeClr val="tx1"/>
+                </a:solidFill>
+                <a:effectLst/>
+                <a:latin typeface="+mn-lt"/>
+                <a:ea typeface="+mn-ea"/>
+                <a:cs typeface="+mn-cs"/>
+              </a:defRPr>
+            </a:lvl1pPr>
+            <a:lvl2pPr marL="742950" indent="-285750" algn="l" defTabSz="457200" rtl="0" eaLnBrk="1" latinLnBrk="0" hangingPunct="1">
+              <a:spcBef>
+                <a:spcPct val="20000"/>
+              </a:spcBef>
+              <a:spcAft>
+                <a:spcPts val="600"/>
+              </a:spcAft>
+              <a:buClr>
+                <a:schemeClr val="accent1">
+                  <a:lumMod val="75000"/>
+                </a:schemeClr>
+              </a:buClr>
+              <a:buSzPct val="145000"/>
+              <a:buFont typeface="Arial"/>
+              <a:buChar char="•"/>
+              <a:defRPr sz="2000" kern="1200" cap="none">
+                <a:solidFill>
+                  <a:schemeClr val="tx1"/>
+                </a:solidFill>
+                <a:effectLst/>
+                <a:latin typeface="+mn-lt"/>
+                <a:ea typeface="+mn-ea"/>
+                <a:cs typeface="+mn-cs"/>
+              </a:defRPr>
+            </a:lvl2pPr>
+            <a:lvl3pPr marL="1200150" indent="-285750" algn="l" defTabSz="457200" rtl="0" eaLnBrk="1" latinLnBrk="0" hangingPunct="1">
+              <a:spcBef>
+                <a:spcPct val="20000"/>
+              </a:spcBef>
+              <a:spcAft>
+                <a:spcPts val="600"/>
+              </a:spcAft>
+              <a:buClr>
+                <a:schemeClr val="accent1">
+                  <a:lumMod val="75000"/>
+                </a:schemeClr>
+              </a:buClr>
+              <a:buSzPct val="145000"/>
+              <a:buFont typeface="Arial"/>
+              <a:buChar char="•"/>
+              <a:defRPr sz="1800" kern="1200" cap="none">
+                <a:solidFill>
+                  <a:schemeClr val="tx1"/>
+                </a:solidFill>
+                <a:effectLst/>
+                <a:latin typeface="+mn-lt"/>
+                <a:ea typeface="+mn-ea"/>
+                <a:cs typeface="+mn-cs"/>
+              </a:defRPr>
+            </a:lvl3pPr>
+            <a:lvl4pPr marL="1543050" indent="-171450" algn="l" defTabSz="457200" rtl="0" eaLnBrk="1" latinLnBrk="0" hangingPunct="1">
+              <a:spcBef>
+                <a:spcPct val="20000"/>
+              </a:spcBef>
+              <a:spcAft>
+                <a:spcPts val="600"/>
+              </a:spcAft>
+              <a:buClr>
+                <a:schemeClr val="accent1">
+                  <a:lumMod val="75000"/>
+                </a:schemeClr>
+              </a:buClr>
+              <a:buSzPct val="145000"/>
+              <a:buFont typeface="Arial"/>
+              <a:buChar char="•"/>
+              <a:defRPr sz="1600" kern="1200" cap="none">
+                <a:solidFill>
+                  <a:schemeClr val="tx1"/>
+                </a:solidFill>
+                <a:effectLst/>
+                <a:latin typeface="+mn-lt"/>
+                <a:ea typeface="+mn-ea"/>
+                <a:cs typeface="+mn-cs"/>
+              </a:defRPr>
+            </a:lvl4pPr>
+            <a:lvl5pPr marL="2000250" indent="-171450" algn="l" defTabSz="457200" rtl="0" eaLnBrk="1" latinLnBrk="0" hangingPunct="1">
+              <a:spcBef>
+                <a:spcPct val="20000"/>
+              </a:spcBef>
+              <a:spcAft>
+                <a:spcPts val="600"/>
+              </a:spcAft>
+              <a:buClr>
+                <a:schemeClr val="accent1">
+                  <a:lumMod val="75000"/>
+                </a:schemeClr>
+              </a:buClr>
+              <a:buSzPct val="145000"/>
+              <a:buFont typeface="Arial"/>
+              <a:buChar char="•"/>
+              <a:defRPr sz="1400" kern="1200" cap="none">
+                <a:solidFill>
+                  <a:schemeClr val="tx1"/>
+                </a:solidFill>
+                <a:effectLst/>
+                <a:latin typeface="+mn-lt"/>
+                <a:ea typeface="+mn-ea"/>
+                <a:cs typeface="+mn-cs"/>
+              </a:defRPr>
+            </a:lvl5pPr>
+            <a:lvl6pPr marL="2514600" indent="-228600" algn="l" defTabSz="457200" rtl="0" eaLnBrk="1" latinLnBrk="0" hangingPunct="1">
+              <a:spcBef>
+                <a:spcPct val="20000"/>
+              </a:spcBef>
+              <a:spcAft>
+                <a:spcPts val="600"/>
+              </a:spcAft>
+              <a:buClr>
+                <a:schemeClr val="accent1">
+                  <a:lumMod val="75000"/>
+                </a:schemeClr>
+              </a:buClr>
+              <a:buSzPct val="145000"/>
+              <a:buFont typeface="Arial"/>
+              <a:buChar char="•"/>
+              <a:defRPr sz="1400" kern="1200" cap="none">
+                <a:solidFill>
+                  <a:schemeClr val="tx1"/>
+                </a:solidFill>
+                <a:effectLst/>
+                <a:latin typeface="+mn-lt"/>
+                <a:ea typeface="+mn-ea"/>
+                <a:cs typeface="+mn-cs"/>
+              </a:defRPr>
+            </a:lvl6pPr>
+            <a:lvl7pPr marL="2971800" indent="-228600" algn="l" defTabSz="457200" rtl="0" eaLnBrk="1" latinLnBrk="0" hangingPunct="1">
+              <a:spcBef>
+                <a:spcPct val="20000"/>
+              </a:spcBef>
+              <a:spcAft>
+                <a:spcPts val="600"/>
+              </a:spcAft>
+              <a:buClr>
+                <a:schemeClr val="accent1">
+                  <a:lumMod val="75000"/>
+                </a:schemeClr>
+              </a:buClr>
+              <a:buSzPct val="145000"/>
+              <a:buFont typeface="Arial"/>
+              <a:buChar char="•"/>
+              <a:defRPr sz="1400" kern="1200" cap="none">
+                <a:solidFill>
+                  <a:schemeClr val="tx1"/>
+                </a:solidFill>
+                <a:effectLst/>
+                <a:latin typeface="+mn-lt"/>
+                <a:ea typeface="+mn-ea"/>
+                <a:cs typeface="+mn-cs"/>
+              </a:defRPr>
+            </a:lvl7pPr>
+            <a:lvl8pPr marL="3429000" indent="-228600" algn="l" defTabSz="457200" rtl="0" eaLnBrk="1" latinLnBrk="0" hangingPunct="1">
+              <a:spcBef>
+                <a:spcPct val="20000"/>
+              </a:spcBef>
+              <a:spcAft>
+                <a:spcPts val="600"/>
+              </a:spcAft>
+              <a:buClr>
+                <a:schemeClr val="accent1">
+                  <a:lumMod val="75000"/>
+                </a:schemeClr>
+              </a:buClr>
+              <a:buSzPct val="145000"/>
+              <a:buFont typeface="Arial"/>
+              <a:buChar char="•"/>
+              <a:defRPr sz="1400" kern="1200" cap="none">
+                <a:solidFill>
+                  <a:schemeClr val="tx1"/>
+                </a:solidFill>
+                <a:effectLst/>
+                <a:latin typeface="+mn-lt"/>
+                <a:ea typeface="+mn-ea"/>
+                <a:cs typeface="+mn-cs"/>
+              </a:defRPr>
+            </a:lvl8pPr>
+            <a:lvl9pPr marL="3886200" indent="-228600" algn="l" defTabSz="457200" rtl="0" eaLnBrk="1" latinLnBrk="0" hangingPunct="1">
+              <a:spcBef>
+                <a:spcPct val="20000"/>
+              </a:spcBef>
+              <a:spcAft>
+                <a:spcPts val="600"/>
+              </a:spcAft>
+              <a:buClr>
+                <a:schemeClr val="accent1">
+                  <a:lumMod val="75000"/>
+                </a:schemeClr>
+              </a:buClr>
+              <a:buSzPct val="145000"/>
+              <a:buFont typeface="Arial"/>
+              <a:buChar char="•"/>
+              <a:defRPr sz="1400" kern="1200" cap="none">
+                <a:solidFill>
+                  <a:schemeClr val="tx1"/>
+                </a:solidFill>
+                <a:effectLst/>
+                <a:latin typeface="+mn-lt"/>
+                <a:ea typeface="+mn-ea"/>
+                <a:cs typeface="+mn-cs"/>
+              </a:defRPr>
+            </a:lvl9pPr>
+          </a:lstStyle>
+          <a:p>
+            <a:pPr marL="0" indent="0">
+              <a:buNone/>
+            </a:pPr>
+            <a:r>
+              <a:rPr lang="de-DE" sz="1000" dirty="0" smtClean="0"/>
+              <a:t>Rem0 Röthlisberger, Eric </a:t>
+            </a:r>
+            <a:r>
+              <a:rPr lang="de-DE" sz="1000" dirty="0" err="1" smtClean="0"/>
+              <a:t>Lagger</a:t>
+            </a:r>
+            <a:r>
+              <a:rPr lang="de-DE" sz="1000" dirty="0" smtClean="0"/>
+              <a:t>, Vincent Hofer, Dean Klopsch, Aebi Ryan</a:t>
+            </a:r>
+            <a:endParaRPr lang="de-DE" sz="1000" dirty="0"/>
+          </a:p>
+        </p:txBody>
+      </p:sp>
+      <p:pic>
+        <p:nvPicPr>
+          <p:cNvPr id="5" name="Grafik 4"/>
+          <p:cNvPicPr>
+            <a:picLocks noChangeAspect="1"/>
+          </p:cNvPicPr>
+          <p:nvPr/>
+        </p:nvPicPr>
+        <p:blipFill>
+          <a:blip r:embed="rId3">
+            <a:extLst>
+              <a:ext uri="{28A0092B-C50C-407E-A947-70E740481C1C}">
+                <a14:useLocalDpi xmlns:a14="http://schemas.microsoft.com/office/drawing/2010/main" val="0"/>
+              </a:ext>
+            </a:extLst>
+          </a:blip>
+          <a:stretch>
+            <a:fillRect/>
+          </a:stretch>
+        </p:blipFill>
+        <p:spPr>
+          <a:xfrm>
+            <a:off x="1821905" y="2017293"/>
+            <a:ext cx="5731136" cy="4191001"/>
+          </a:xfrm>
+          <a:prstGeom prst="rect">
+            <a:avLst/>
+          </a:prstGeom>
+        </p:spPr>
+      </p:pic>
+      <p:pic>
+        <p:nvPicPr>
+          <p:cNvPr id="3" name="Grafik 2"/>
+          <p:cNvPicPr>
+            <a:picLocks noChangeAspect="1"/>
+          </p:cNvPicPr>
+          <p:nvPr/>
+        </p:nvPicPr>
+        <p:blipFill>
+          <a:blip r:embed="rId4">
+            <a:extLst>
+              <a:ext uri="{28A0092B-C50C-407E-A947-70E740481C1C}">
+                <a14:useLocalDpi xmlns:a14="http://schemas.microsoft.com/office/drawing/2010/main" val="0"/>
+              </a:ext>
+            </a:extLst>
+          </a:blip>
+          <a:stretch>
+            <a:fillRect/>
+          </a:stretch>
+        </p:blipFill>
+        <p:spPr>
+          <a:xfrm>
+            <a:off x="1821905" y="2017293"/>
+            <a:ext cx="7707106" cy="4555299"/>
+          </a:xfrm>
+          <a:prstGeom prst="rect">
+            <a:avLst/>
+          </a:prstGeom>
+        </p:spPr>
+      </p:pic>
+    </p:spTree>
+    <p:extLst>
+      <p:ext uri="{BB962C8B-B14F-4D97-AF65-F5344CB8AC3E}">
+        <p14:creationId xmlns:p14="http://schemas.microsoft.com/office/powerpoint/2010/main" val="3408486566"/>
+      </p:ext>
+    </p:extLst>
+  </p:cSld>
+  <p:clrMapOvr>
+    <a:masterClrMapping/>
+  </p:clrMapOvr>
+  <p:timing>
+    <p:tnLst>
+      <p:par>
+        <p:cTn id="1" dur="indefinite" restart="never" nodeType="tmRoot"/>
+      </p:par>
+    </p:tnLst>
+  </p:timing>
+</p:sld>
+</file>
+
+<file path=ppt/slides/slide16.xml><?xml version="1.0" encoding="utf-8"?>
+<p:sld xmlns:a="http://schemas.openxmlformats.org/drawingml/2006/main" xmlns:r="http://schemas.openxmlformats.org/officeDocument/2006/relationships" xmlns:p="http://schemas.openxmlformats.org/presentationml/2006/main">
+  <p:cSld>
+    <p:spTree>
+      <p:nvGrpSpPr>
+        <p:cNvPr id="1" name=""/>
+        <p:cNvGrpSpPr/>
+        <p:nvPr/>
+      </p:nvGrpSpPr>
+      <p:grpSpPr>
+        <a:xfrm>
+          <a:off x="0" y="0"/>
+          <a:ext cx="0" cy="0"/>
+          <a:chOff x="0" y="0"/>
+          <a:chExt cx="0" cy="0"/>
+        </a:xfrm>
+      </p:grpSpPr>
+      <p:sp>
+        <p:nvSpPr>
+          <p:cNvPr id="2" name="Titel 1"/>
+          <p:cNvSpPr>
+            <a:spLocks noGrp="1"/>
+          </p:cNvSpPr>
+          <p:nvPr>
+            <p:ph type="title"/>
+          </p:nvPr>
+        </p:nvSpPr>
+        <p:spPr>
+          <a:xfrm>
+            <a:off x="810915" y="691116"/>
+            <a:ext cx="10018713" cy="1752599"/>
+          </a:xfrm>
+        </p:spPr>
+        <p:txBody>
+          <a:bodyPr/>
+          <a:lstStyle/>
+          <a:p>
+            <a:r>
+              <a:rPr lang="de-DE" dirty="0" err="1" smtClean="0"/>
+              <a:t>Good</a:t>
+            </a:r>
+            <a:r>
+              <a:rPr lang="de-DE" dirty="0" smtClean="0"/>
+              <a:t> </a:t>
+            </a:r>
+            <a:r>
+              <a:rPr lang="de-DE" dirty="0" err="1" smtClean="0"/>
+              <a:t>code</a:t>
+            </a:r>
+            <a:endParaRPr lang="de-DE" dirty="0"/>
+          </a:p>
+        </p:txBody>
+      </p:sp>
+      <p:sp>
+        <p:nvSpPr>
+          <p:cNvPr id="6" name="Inhaltsplatzhalter 2"/>
+          <p:cNvSpPr txBox="1">
+            <a:spLocks/>
+          </p:cNvSpPr>
+          <p:nvPr/>
+        </p:nvSpPr>
+        <p:spPr>
+          <a:xfrm>
+            <a:off x="8137451" y="-41565"/>
+            <a:ext cx="4054549" cy="370610"/>
+          </a:xfrm>
+          <a:prstGeom prst="rect">
+            <a:avLst/>
+          </a:prstGeom>
+        </p:spPr>
+        <p:txBody>
+          <a:bodyPr vert="horz" lIns="91440" tIns="45720" rIns="91440" bIns="45720" rtlCol="0" anchor="ctr">
+            <a:normAutofit/>
+          </a:bodyPr>
+          <a:lstStyle>
+            <a:lvl1pPr marL="285750" indent="-285750" algn="l" defTabSz="457200" rtl="0" eaLnBrk="1" latinLnBrk="0" hangingPunct="1">
+              <a:spcBef>
+                <a:spcPct val="20000"/>
+              </a:spcBef>
+              <a:spcAft>
+                <a:spcPts val="600"/>
+              </a:spcAft>
+              <a:buClr>
+                <a:schemeClr val="accent1">
+                  <a:lumMod val="75000"/>
+                </a:schemeClr>
+              </a:buClr>
+              <a:buSzPct val="145000"/>
+              <a:buFont typeface="Arial"/>
+              <a:buChar char="•"/>
+              <a:defRPr sz="2400" kern="1200" cap="none">
+                <a:solidFill>
+                  <a:schemeClr val="tx1"/>
+                </a:solidFill>
+                <a:effectLst/>
+                <a:latin typeface="+mn-lt"/>
+                <a:ea typeface="+mn-ea"/>
+                <a:cs typeface="+mn-cs"/>
+              </a:defRPr>
+            </a:lvl1pPr>
+            <a:lvl2pPr marL="742950" indent="-285750" algn="l" defTabSz="457200" rtl="0" eaLnBrk="1" latinLnBrk="0" hangingPunct="1">
+              <a:spcBef>
+                <a:spcPct val="20000"/>
+              </a:spcBef>
+              <a:spcAft>
+                <a:spcPts val="600"/>
+              </a:spcAft>
+              <a:buClr>
+                <a:schemeClr val="accent1">
+                  <a:lumMod val="75000"/>
+                </a:schemeClr>
+              </a:buClr>
+              <a:buSzPct val="145000"/>
+              <a:buFont typeface="Arial"/>
+              <a:buChar char="•"/>
+              <a:defRPr sz="2000" kern="1200" cap="none">
+                <a:solidFill>
+                  <a:schemeClr val="tx1"/>
+                </a:solidFill>
+                <a:effectLst/>
+                <a:latin typeface="+mn-lt"/>
+                <a:ea typeface="+mn-ea"/>
+                <a:cs typeface="+mn-cs"/>
+              </a:defRPr>
+            </a:lvl2pPr>
+            <a:lvl3pPr marL="1200150" indent="-285750" algn="l" defTabSz="457200" rtl="0" eaLnBrk="1" latinLnBrk="0" hangingPunct="1">
+              <a:spcBef>
+                <a:spcPct val="20000"/>
+              </a:spcBef>
+              <a:spcAft>
+                <a:spcPts val="600"/>
+              </a:spcAft>
+              <a:buClr>
+                <a:schemeClr val="accent1">
+                  <a:lumMod val="75000"/>
+                </a:schemeClr>
+              </a:buClr>
+              <a:buSzPct val="145000"/>
+              <a:buFont typeface="Arial"/>
+              <a:buChar char="•"/>
+              <a:defRPr sz="1800" kern="1200" cap="none">
+                <a:solidFill>
+                  <a:schemeClr val="tx1"/>
+                </a:solidFill>
+                <a:effectLst/>
+                <a:latin typeface="+mn-lt"/>
+                <a:ea typeface="+mn-ea"/>
+                <a:cs typeface="+mn-cs"/>
+              </a:defRPr>
+            </a:lvl3pPr>
+            <a:lvl4pPr marL="1543050" indent="-171450" algn="l" defTabSz="457200" rtl="0" eaLnBrk="1" latinLnBrk="0" hangingPunct="1">
+              <a:spcBef>
+                <a:spcPct val="20000"/>
+              </a:spcBef>
+              <a:spcAft>
+                <a:spcPts val="600"/>
+              </a:spcAft>
+              <a:buClr>
+                <a:schemeClr val="accent1">
+                  <a:lumMod val="75000"/>
+                </a:schemeClr>
+              </a:buClr>
+              <a:buSzPct val="145000"/>
+              <a:buFont typeface="Arial"/>
+              <a:buChar char="•"/>
+              <a:defRPr sz="1600" kern="1200" cap="none">
+                <a:solidFill>
+                  <a:schemeClr val="tx1"/>
+                </a:solidFill>
+                <a:effectLst/>
+                <a:latin typeface="+mn-lt"/>
+                <a:ea typeface="+mn-ea"/>
+                <a:cs typeface="+mn-cs"/>
+              </a:defRPr>
+            </a:lvl4pPr>
+            <a:lvl5pPr marL="2000250" indent="-171450" algn="l" defTabSz="457200" rtl="0" eaLnBrk="1" latinLnBrk="0" hangingPunct="1">
+              <a:spcBef>
+                <a:spcPct val="20000"/>
+              </a:spcBef>
+              <a:spcAft>
+                <a:spcPts val="600"/>
+              </a:spcAft>
+              <a:buClr>
+                <a:schemeClr val="accent1">
+                  <a:lumMod val="75000"/>
+                </a:schemeClr>
+              </a:buClr>
+              <a:buSzPct val="145000"/>
+              <a:buFont typeface="Arial"/>
+              <a:buChar char="•"/>
+              <a:defRPr sz="1400" kern="1200" cap="none">
+                <a:solidFill>
+                  <a:schemeClr val="tx1"/>
+                </a:solidFill>
+                <a:effectLst/>
+                <a:latin typeface="+mn-lt"/>
+                <a:ea typeface="+mn-ea"/>
+                <a:cs typeface="+mn-cs"/>
+              </a:defRPr>
+            </a:lvl5pPr>
+            <a:lvl6pPr marL="2514600" indent="-228600" algn="l" defTabSz="457200" rtl="0" eaLnBrk="1" latinLnBrk="0" hangingPunct="1">
+              <a:spcBef>
+                <a:spcPct val="20000"/>
+              </a:spcBef>
+              <a:spcAft>
+                <a:spcPts val="600"/>
+              </a:spcAft>
+              <a:buClr>
+                <a:schemeClr val="accent1">
+                  <a:lumMod val="75000"/>
+                </a:schemeClr>
+              </a:buClr>
+              <a:buSzPct val="145000"/>
+              <a:buFont typeface="Arial"/>
+              <a:buChar char="•"/>
+              <a:defRPr sz="1400" kern="1200" cap="none">
+                <a:solidFill>
+                  <a:schemeClr val="tx1"/>
+                </a:solidFill>
+                <a:effectLst/>
+                <a:latin typeface="+mn-lt"/>
+                <a:ea typeface="+mn-ea"/>
+                <a:cs typeface="+mn-cs"/>
+              </a:defRPr>
+            </a:lvl6pPr>
+            <a:lvl7pPr marL="2971800" indent="-228600" algn="l" defTabSz="457200" rtl="0" eaLnBrk="1" latinLnBrk="0" hangingPunct="1">
+              <a:spcBef>
+                <a:spcPct val="20000"/>
+              </a:spcBef>
+              <a:spcAft>
+                <a:spcPts val="600"/>
+              </a:spcAft>
+              <a:buClr>
+                <a:schemeClr val="accent1">
+                  <a:lumMod val="75000"/>
+                </a:schemeClr>
+              </a:buClr>
+              <a:buSzPct val="145000"/>
+              <a:buFont typeface="Arial"/>
+              <a:buChar char="•"/>
+              <a:defRPr sz="1400" kern="1200" cap="none">
+                <a:solidFill>
+                  <a:schemeClr val="tx1"/>
+                </a:solidFill>
+                <a:effectLst/>
+                <a:latin typeface="+mn-lt"/>
+                <a:ea typeface="+mn-ea"/>
+                <a:cs typeface="+mn-cs"/>
+              </a:defRPr>
+            </a:lvl7pPr>
+            <a:lvl8pPr marL="3429000" indent="-228600" algn="l" defTabSz="457200" rtl="0" eaLnBrk="1" latinLnBrk="0" hangingPunct="1">
+              <a:spcBef>
+                <a:spcPct val="20000"/>
+              </a:spcBef>
+              <a:spcAft>
+                <a:spcPts val="600"/>
+              </a:spcAft>
+              <a:buClr>
+                <a:schemeClr val="accent1">
+                  <a:lumMod val="75000"/>
+                </a:schemeClr>
+              </a:buClr>
+              <a:buSzPct val="145000"/>
+              <a:buFont typeface="Arial"/>
+              <a:buChar char="•"/>
+              <a:defRPr sz="1400" kern="1200" cap="none">
+                <a:solidFill>
+                  <a:schemeClr val="tx1"/>
+                </a:solidFill>
+                <a:effectLst/>
+                <a:latin typeface="+mn-lt"/>
+                <a:ea typeface="+mn-ea"/>
+                <a:cs typeface="+mn-cs"/>
+              </a:defRPr>
+            </a:lvl8pPr>
+            <a:lvl9pPr marL="3886200" indent="-228600" algn="l" defTabSz="457200" rtl="0" eaLnBrk="1" latinLnBrk="0" hangingPunct="1">
+              <a:spcBef>
+                <a:spcPct val="20000"/>
+              </a:spcBef>
+              <a:spcAft>
+                <a:spcPts val="600"/>
+              </a:spcAft>
+              <a:buClr>
+                <a:schemeClr val="accent1">
+                  <a:lumMod val="75000"/>
+                </a:schemeClr>
+              </a:buClr>
+              <a:buSzPct val="145000"/>
+              <a:buFont typeface="Arial"/>
+              <a:buChar char="•"/>
+              <a:defRPr sz="1400" kern="1200" cap="none">
+                <a:solidFill>
+                  <a:schemeClr val="tx1"/>
+                </a:solidFill>
+                <a:effectLst/>
+                <a:latin typeface="+mn-lt"/>
+                <a:ea typeface="+mn-ea"/>
+                <a:cs typeface="+mn-cs"/>
+              </a:defRPr>
+            </a:lvl9pPr>
+          </a:lstStyle>
+          <a:p>
+            <a:pPr marL="0" indent="0">
+              <a:buNone/>
+            </a:pPr>
+            <a:r>
+              <a:rPr lang="de-DE" sz="1000" dirty="0" smtClean="0"/>
+              <a:t>Rem0 Röthlisberger, Eric </a:t>
+            </a:r>
+            <a:r>
+              <a:rPr lang="de-DE" sz="1000" dirty="0" err="1" smtClean="0"/>
+              <a:t>Lagger</a:t>
+            </a:r>
+            <a:r>
+              <a:rPr lang="de-DE" sz="1000" dirty="0" smtClean="0"/>
+              <a:t>, Vincent Hofer, Dean Klopsch, Aebi Ryan</a:t>
+            </a:r>
+            <a:endParaRPr lang="de-DE" sz="1000" dirty="0"/>
+          </a:p>
+        </p:txBody>
+      </p:sp>
+      <p:pic>
+        <p:nvPicPr>
+          <p:cNvPr id="5" name="Grafik 4"/>
+          <p:cNvPicPr>
+            <a:picLocks noChangeAspect="1"/>
+          </p:cNvPicPr>
+          <p:nvPr/>
+        </p:nvPicPr>
+        <p:blipFill>
+          <a:blip r:embed="rId3">
+            <a:extLst>
+              <a:ext uri="{28A0092B-C50C-407E-A947-70E740481C1C}">
+                <a14:useLocalDpi xmlns:a14="http://schemas.microsoft.com/office/drawing/2010/main" val="0"/>
+              </a:ext>
+            </a:extLst>
+          </a:blip>
+          <a:stretch>
+            <a:fillRect/>
+          </a:stretch>
+        </p:blipFill>
+        <p:spPr>
+          <a:xfrm>
+            <a:off x="1821905" y="2017293"/>
+            <a:ext cx="5731136" cy="4191001"/>
+          </a:xfrm>
+          <a:prstGeom prst="rect">
+            <a:avLst/>
+          </a:prstGeom>
+        </p:spPr>
+      </p:pic>
+      <p:pic>
+        <p:nvPicPr>
+          <p:cNvPr id="3" name="Grafik 2"/>
+          <p:cNvPicPr>
+            <a:picLocks noChangeAspect="1"/>
+          </p:cNvPicPr>
+          <p:nvPr/>
+        </p:nvPicPr>
+        <p:blipFill>
+          <a:blip r:embed="rId4">
+            <a:extLst>
+              <a:ext uri="{28A0092B-C50C-407E-A947-70E740481C1C}">
+                <a14:useLocalDpi xmlns:a14="http://schemas.microsoft.com/office/drawing/2010/main" val="0"/>
+              </a:ext>
+            </a:extLst>
+          </a:blip>
+          <a:stretch>
+            <a:fillRect/>
+          </a:stretch>
+        </p:blipFill>
+        <p:spPr>
+          <a:xfrm>
+            <a:off x="1821905" y="2017293"/>
+            <a:ext cx="7090751" cy="4191001"/>
+          </a:xfrm>
+          <a:prstGeom prst="rect">
+            <a:avLst/>
+          </a:prstGeom>
+        </p:spPr>
+      </p:pic>
+      <p:pic>
+        <p:nvPicPr>
+          <p:cNvPr id="4" name="Grafik 3"/>
+          <p:cNvPicPr>
+            <a:picLocks noChangeAspect="1"/>
+          </p:cNvPicPr>
+          <p:nvPr/>
+        </p:nvPicPr>
+        <p:blipFill>
+          <a:blip r:embed="rId5">
+            <a:extLst>
+              <a:ext uri="{28A0092B-C50C-407E-A947-70E740481C1C}">
+                <a14:useLocalDpi xmlns:a14="http://schemas.microsoft.com/office/drawing/2010/main" val="0"/>
+              </a:ext>
+            </a:extLst>
+          </a:blip>
+          <a:stretch>
+            <a:fillRect/>
+          </a:stretch>
+        </p:blipFill>
+        <p:spPr>
+          <a:xfrm>
+            <a:off x="1821905" y="2017292"/>
+            <a:ext cx="7695074" cy="4191001"/>
+          </a:xfrm>
+          <a:prstGeom prst="rect">
+            <a:avLst/>
+          </a:prstGeom>
+        </p:spPr>
+      </p:pic>
+    </p:spTree>
+    <p:extLst>
+      <p:ext uri="{BB962C8B-B14F-4D97-AF65-F5344CB8AC3E}">
+        <p14:creationId xmlns:p14="http://schemas.microsoft.com/office/powerpoint/2010/main" val="3224049448"/>
+      </p:ext>
+    </p:extLst>
+  </p:cSld>
+  <p:clrMapOvr>
+    <a:masterClrMapping/>
+  </p:clrMapOvr>
+  <p:timing>
+    <p:tnLst>
+      <p:par>
+        <p:cTn id="1" dur="indefinite" restart="never" nodeType="tmRoot"/>
+      </p:par>
+    </p:tnLst>
+  </p:timing>
+</p:sld>
+</file>
+
+<file path=ppt/slides/slide17.xml><?xml version="1.0" encoding="utf-8"?>
+<p:sld xmlns:a="http://schemas.openxmlformats.org/drawingml/2006/main" xmlns:r="http://schemas.openxmlformats.org/officeDocument/2006/relationships" xmlns:p="http://schemas.openxmlformats.org/presentationml/2006/main">
+  <p:cSld>
+    <p:spTree>
+      <p:nvGrpSpPr>
+        <p:cNvPr id="1" name=""/>
+        <p:cNvGrpSpPr/>
+        <p:nvPr/>
+      </p:nvGrpSpPr>
+      <p:grpSpPr>
+        <a:xfrm>
+          <a:off x="0" y="0"/>
+          <a:ext cx="0" cy="0"/>
+          <a:chOff x="0" y="0"/>
+          <a:chExt cx="0" cy="0"/>
+        </a:xfrm>
+      </p:grpSpPr>
+      <p:sp>
+        <p:nvSpPr>
+          <p:cNvPr id="2" name="Titel 1"/>
+          <p:cNvSpPr>
+            <a:spLocks noGrp="1"/>
+          </p:cNvSpPr>
+          <p:nvPr>
+            <p:ph type="title"/>
+          </p:nvPr>
+        </p:nvSpPr>
+        <p:spPr>
+          <a:xfrm>
+            <a:off x="810915" y="691116"/>
+            <a:ext cx="10018713" cy="1752599"/>
+          </a:xfrm>
+        </p:spPr>
+        <p:txBody>
+          <a:bodyPr/>
+          <a:lstStyle/>
+          <a:p>
+            <a:r>
+              <a:rPr lang="de-DE" dirty="0" err="1" smtClean="0"/>
+              <a:t>Why</a:t>
+            </a:r>
+            <a:r>
+              <a:rPr lang="de-DE" dirty="0" smtClean="0"/>
+              <a:t> </a:t>
+            </a:r>
+            <a:r>
+              <a:rPr lang="de-DE" dirty="0" err="1" smtClean="0"/>
+              <a:t>us</a:t>
+            </a:r>
+            <a:r>
+              <a:rPr lang="de-DE" dirty="0" smtClean="0"/>
+              <a:t>?</a:t>
+            </a:r>
+            <a:endParaRPr lang="de-DE" dirty="0"/>
+          </a:p>
+        </p:txBody>
+      </p:sp>
+      <p:sp>
+        <p:nvSpPr>
+          <p:cNvPr id="6" name="Inhaltsplatzhalter 2"/>
+          <p:cNvSpPr txBox="1">
+            <a:spLocks/>
+          </p:cNvSpPr>
+          <p:nvPr/>
+        </p:nvSpPr>
+        <p:spPr>
+          <a:xfrm>
+            <a:off x="8137451" y="-41565"/>
+            <a:ext cx="4054549" cy="370610"/>
+          </a:xfrm>
+          <a:prstGeom prst="rect">
+            <a:avLst/>
+          </a:prstGeom>
+        </p:spPr>
+        <p:txBody>
+          <a:bodyPr vert="horz" lIns="91440" tIns="45720" rIns="91440" bIns="45720" rtlCol="0" anchor="ctr">
+            <a:normAutofit/>
+          </a:bodyPr>
+          <a:lstStyle>
+            <a:lvl1pPr marL="285750" indent="-285750" algn="l" defTabSz="457200" rtl="0" eaLnBrk="1" latinLnBrk="0" hangingPunct="1">
+              <a:spcBef>
+                <a:spcPct val="20000"/>
+              </a:spcBef>
+              <a:spcAft>
+                <a:spcPts val="600"/>
+              </a:spcAft>
+              <a:buClr>
+                <a:schemeClr val="accent1">
+                  <a:lumMod val="75000"/>
+                </a:schemeClr>
+              </a:buClr>
+              <a:buSzPct val="145000"/>
+              <a:buFont typeface="Arial"/>
+              <a:buChar char="•"/>
+              <a:defRPr sz="2400" kern="1200" cap="none">
+                <a:solidFill>
+                  <a:schemeClr val="tx1"/>
+                </a:solidFill>
+                <a:effectLst/>
+                <a:latin typeface="+mn-lt"/>
+                <a:ea typeface="+mn-ea"/>
+                <a:cs typeface="+mn-cs"/>
+              </a:defRPr>
+            </a:lvl1pPr>
+            <a:lvl2pPr marL="742950" indent="-285750" algn="l" defTabSz="457200" rtl="0" eaLnBrk="1" latinLnBrk="0" hangingPunct="1">
+              <a:spcBef>
+                <a:spcPct val="20000"/>
+              </a:spcBef>
+              <a:spcAft>
+                <a:spcPts val="600"/>
+              </a:spcAft>
+              <a:buClr>
+                <a:schemeClr val="accent1">
+                  <a:lumMod val="75000"/>
+                </a:schemeClr>
+              </a:buClr>
+              <a:buSzPct val="145000"/>
+              <a:buFont typeface="Arial"/>
+              <a:buChar char="•"/>
+              <a:defRPr sz="2000" kern="1200" cap="none">
+                <a:solidFill>
+                  <a:schemeClr val="tx1"/>
+                </a:solidFill>
+                <a:effectLst/>
+                <a:latin typeface="+mn-lt"/>
+                <a:ea typeface="+mn-ea"/>
+                <a:cs typeface="+mn-cs"/>
+              </a:defRPr>
+            </a:lvl2pPr>
+            <a:lvl3pPr marL="1200150" indent="-285750" algn="l" defTabSz="457200" rtl="0" eaLnBrk="1" latinLnBrk="0" hangingPunct="1">
+              <a:spcBef>
+                <a:spcPct val="20000"/>
+              </a:spcBef>
+              <a:spcAft>
+                <a:spcPts val="600"/>
+              </a:spcAft>
+              <a:buClr>
+                <a:schemeClr val="accent1">
+                  <a:lumMod val="75000"/>
+                </a:schemeClr>
+              </a:buClr>
+              <a:buSzPct val="145000"/>
+              <a:buFont typeface="Arial"/>
+              <a:buChar char="•"/>
+              <a:defRPr sz="1800" kern="1200" cap="none">
+                <a:solidFill>
+                  <a:schemeClr val="tx1"/>
+                </a:solidFill>
+                <a:effectLst/>
+                <a:latin typeface="+mn-lt"/>
+                <a:ea typeface="+mn-ea"/>
+                <a:cs typeface="+mn-cs"/>
+              </a:defRPr>
+            </a:lvl3pPr>
+            <a:lvl4pPr marL="1543050" indent="-171450" algn="l" defTabSz="457200" rtl="0" eaLnBrk="1" latinLnBrk="0" hangingPunct="1">
+              <a:spcBef>
+                <a:spcPct val="20000"/>
+              </a:spcBef>
+              <a:spcAft>
+                <a:spcPts val="600"/>
+              </a:spcAft>
+              <a:buClr>
+                <a:schemeClr val="accent1">
+                  <a:lumMod val="75000"/>
+                </a:schemeClr>
+              </a:buClr>
+              <a:buSzPct val="145000"/>
+              <a:buFont typeface="Arial"/>
+              <a:buChar char="•"/>
+              <a:defRPr sz="1600" kern="1200" cap="none">
+                <a:solidFill>
+                  <a:schemeClr val="tx1"/>
+                </a:solidFill>
+                <a:effectLst/>
+                <a:latin typeface="+mn-lt"/>
+                <a:ea typeface="+mn-ea"/>
+                <a:cs typeface="+mn-cs"/>
+              </a:defRPr>
+            </a:lvl4pPr>
+            <a:lvl5pPr marL="2000250" indent="-171450" algn="l" defTabSz="457200" rtl="0" eaLnBrk="1" latinLnBrk="0" hangingPunct="1">
+              <a:spcBef>
+                <a:spcPct val="20000"/>
+              </a:spcBef>
+              <a:spcAft>
+                <a:spcPts val="600"/>
+              </a:spcAft>
+              <a:buClr>
+                <a:schemeClr val="accent1">
+                  <a:lumMod val="75000"/>
+                </a:schemeClr>
+              </a:buClr>
+              <a:buSzPct val="145000"/>
+              <a:buFont typeface="Arial"/>
+              <a:buChar char="•"/>
+              <a:defRPr sz="1400" kern="1200" cap="none">
+                <a:solidFill>
+                  <a:schemeClr val="tx1"/>
+                </a:solidFill>
+                <a:effectLst/>
+                <a:latin typeface="+mn-lt"/>
+                <a:ea typeface="+mn-ea"/>
+                <a:cs typeface="+mn-cs"/>
+              </a:defRPr>
+            </a:lvl5pPr>
+            <a:lvl6pPr marL="2514600" indent="-228600" algn="l" defTabSz="457200" rtl="0" eaLnBrk="1" latinLnBrk="0" hangingPunct="1">
+              <a:spcBef>
+                <a:spcPct val="20000"/>
+              </a:spcBef>
+              <a:spcAft>
+                <a:spcPts val="600"/>
+              </a:spcAft>
+              <a:buClr>
+                <a:schemeClr val="accent1">
+                  <a:lumMod val="75000"/>
+                </a:schemeClr>
+              </a:buClr>
+              <a:buSzPct val="145000"/>
+              <a:buFont typeface="Arial"/>
+              <a:buChar char="•"/>
+              <a:defRPr sz="1400" kern="1200" cap="none">
+                <a:solidFill>
+                  <a:schemeClr val="tx1"/>
+                </a:solidFill>
+                <a:effectLst/>
+                <a:latin typeface="+mn-lt"/>
+                <a:ea typeface="+mn-ea"/>
+                <a:cs typeface="+mn-cs"/>
+              </a:defRPr>
+            </a:lvl6pPr>
+            <a:lvl7pPr marL="2971800" indent="-228600" algn="l" defTabSz="457200" rtl="0" eaLnBrk="1" latinLnBrk="0" hangingPunct="1">
+              <a:spcBef>
+                <a:spcPct val="20000"/>
+              </a:spcBef>
+              <a:spcAft>
+                <a:spcPts val="600"/>
+              </a:spcAft>
+              <a:buClr>
+                <a:schemeClr val="accent1">
+                  <a:lumMod val="75000"/>
+                </a:schemeClr>
+              </a:buClr>
+              <a:buSzPct val="145000"/>
+              <a:buFont typeface="Arial"/>
+              <a:buChar char="•"/>
+              <a:defRPr sz="1400" kern="1200" cap="none">
+                <a:solidFill>
+                  <a:schemeClr val="tx1"/>
+                </a:solidFill>
+                <a:effectLst/>
+                <a:latin typeface="+mn-lt"/>
+                <a:ea typeface="+mn-ea"/>
+                <a:cs typeface="+mn-cs"/>
+              </a:defRPr>
+            </a:lvl7pPr>
+            <a:lvl8pPr marL="3429000" indent="-228600" algn="l" defTabSz="457200" rtl="0" eaLnBrk="1" latinLnBrk="0" hangingPunct="1">
+              <a:spcBef>
+                <a:spcPct val="20000"/>
+              </a:spcBef>
+              <a:spcAft>
+                <a:spcPts val="600"/>
+              </a:spcAft>
+              <a:buClr>
+                <a:schemeClr val="accent1">
+                  <a:lumMod val="75000"/>
+                </a:schemeClr>
+              </a:buClr>
+              <a:buSzPct val="145000"/>
+              <a:buFont typeface="Arial"/>
+              <a:buChar char="•"/>
+              <a:defRPr sz="1400" kern="1200" cap="none">
+                <a:solidFill>
+                  <a:schemeClr val="tx1"/>
+                </a:solidFill>
+                <a:effectLst/>
+                <a:latin typeface="+mn-lt"/>
+                <a:ea typeface="+mn-ea"/>
+                <a:cs typeface="+mn-cs"/>
+              </a:defRPr>
+            </a:lvl8pPr>
+            <a:lvl9pPr marL="3886200" indent="-228600" algn="l" defTabSz="457200" rtl="0" eaLnBrk="1" latinLnBrk="0" hangingPunct="1">
+              <a:spcBef>
+                <a:spcPct val="20000"/>
+              </a:spcBef>
+              <a:spcAft>
+                <a:spcPts val="600"/>
+              </a:spcAft>
+              <a:buClr>
+                <a:schemeClr val="accent1">
+                  <a:lumMod val="75000"/>
+                </a:schemeClr>
+              </a:buClr>
+              <a:buSzPct val="145000"/>
+              <a:buFont typeface="Arial"/>
+              <a:buChar char="•"/>
+              <a:defRPr sz="1400" kern="1200" cap="none">
+                <a:solidFill>
+                  <a:schemeClr val="tx1"/>
+                </a:solidFill>
+                <a:effectLst/>
+                <a:latin typeface="+mn-lt"/>
+                <a:ea typeface="+mn-ea"/>
+                <a:cs typeface="+mn-cs"/>
+              </a:defRPr>
+            </a:lvl9pPr>
+          </a:lstStyle>
+          <a:p>
+            <a:pPr marL="0" indent="0">
+              <a:buNone/>
+            </a:pPr>
+            <a:r>
+              <a:rPr lang="de-DE" sz="1000" dirty="0" smtClean="0"/>
+              <a:t>Rem0 Röthlisberger, Eric </a:t>
+            </a:r>
+            <a:r>
+              <a:rPr lang="de-DE" sz="1000" dirty="0" err="1" smtClean="0"/>
+              <a:t>Lagger</a:t>
+            </a:r>
+            <a:r>
+              <a:rPr lang="de-DE" sz="1000" dirty="0" smtClean="0"/>
+              <a:t>, Vincent Hofer, Dean Klopsch, Aebi Ryan</a:t>
+            </a:r>
+            <a:endParaRPr lang="de-DE" sz="1000" dirty="0"/>
+          </a:p>
+        </p:txBody>
+      </p:sp>
+      <p:sp>
+        <p:nvSpPr>
+          <p:cNvPr id="7" name="Inhaltsplatzhalter 2"/>
+          <p:cNvSpPr>
+            <a:spLocks noGrp="1"/>
+          </p:cNvSpPr>
+          <p:nvPr>
+            <p:ph idx="1"/>
+          </p:nvPr>
+        </p:nvSpPr>
+        <p:spPr>
+          <a:xfrm>
+            <a:off x="762552" y="2065420"/>
+            <a:ext cx="10115438" cy="3937001"/>
+          </a:xfrm>
+        </p:spPr>
+        <p:txBody>
+          <a:bodyPr>
+            <a:normAutofit/>
+          </a:bodyPr>
+          <a:lstStyle/>
+          <a:p>
+            <a:pPr algn="ctr"/>
+            <a:r>
+              <a:rPr lang="de-DE" sz="3200" dirty="0" err="1" smtClean="0"/>
+              <a:t>Our</a:t>
+            </a:r>
+            <a:r>
+              <a:rPr lang="de-DE" sz="3200" dirty="0" smtClean="0"/>
+              <a:t> </a:t>
+            </a:r>
+            <a:r>
+              <a:rPr lang="de-DE" sz="3200" dirty="0" err="1" smtClean="0"/>
+              <a:t>team</a:t>
+            </a:r>
+            <a:endParaRPr lang="de-DE" sz="3200" dirty="0" smtClean="0"/>
+          </a:p>
+          <a:p>
+            <a:pPr algn="ctr"/>
+            <a:r>
+              <a:rPr lang="de-DE" sz="3200" dirty="0" smtClean="0"/>
+              <a:t>The </a:t>
+            </a:r>
+            <a:r>
+              <a:rPr lang="de-DE" sz="3200" dirty="0" err="1" smtClean="0"/>
+              <a:t>products</a:t>
+            </a:r>
+            <a:r>
+              <a:rPr lang="de-DE" sz="3200" dirty="0" smtClean="0"/>
+              <a:t/>
+            </a:r>
+            <a:br>
+              <a:rPr lang="de-DE" sz="3200" dirty="0" smtClean="0"/>
+            </a:br>
+            <a:r>
+              <a:rPr lang="de-DE" sz="3200" dirty="0" smtClean="0"/>
+              <a:t>-&gt; The </a:t>
+            </a:r>
+            <a:r>
+              <a:rPr lang="de-DE" sz="3200" dirty="0" err="1" smtClean="0"/>
+              <a:t>client</a:t>
+            </a:r>
+            <a:r>
+              <a:rPr lang="de-DE" sz="3200" dirty="0" smtClean="0"/>
+              <a:t/>
+            </a:r>
+            <a:br>
+              <a:rPr lang="de-DE" sz="3200" dirty="0" smtClean="0"/>
+            </a:br>
+            <a:r>
+              <a:rPr lang="de-DE" sz="3200" dirty="0" smtClean="0"/>
+              <a:t>-&gt; The </a:t>
+            </a:r>
+            <a:r>
+              <a:rPr lang="de-DE" sz="3200" dirty="0" err="1" smtClean="0"/>
+              <a:t>developers</a:t>
+            </a:r>
+            <a:endParaRPr lang="de-DE" sz="3200" dirty="0" smtClean="0"/>
+          </a:p>
+          <a:p>
+            <a:pPr algn="ctr"/>
+            <a:r>
+              <a:rPr lang="de-DE" sz="3200" dirty="0" err="1" smtClean="0"/>
+              <a:t>Ask</a:t>
+            </a:r>
+            <a:r>
+              <a:rPr lang="de-DE" sz="3200" dirty="0" smtClean="0"/>
+              <a:t> </a:t>
+            </a:r>
+            <a:r>
+              <a:rPr lang="de-DE" sz="3200" dirty="0" err="1" smtClean="0"/>
+              <a:t>us</a:t>
+            </a:r>
+            <a:r>
+              <a:rPr lang="de-DE" sz="3200" dirty="0" smtClean="0"/>
+              <a:t>!</a:t>
+            </a:r>
+          </a:p>
+          <a:p>
+            <a:pPr algn="ctr"/>
+            <a:r>
+              <a:rPr lang="de-DE" sz="3200" dirty="0" err="1" smtClean="0"/>
+              <a:t>Contact</a:t>
+            </a:r>
+            <a:r>
+              <a:rPr lang="de-DE" sz="3200" dirty="0" smtClean="0"/>
+              <a:t> </a:t>
+            </a:r>
+            <a:r>
+              <a:rPr lang="de-DE" sz="3200" dirty="0" err="1" smtClean="0"/>
+              <a:t>us</a:t>
+            </a:r>
+            <a:r>
+              <a:rPr lang="de-DE" sz="3200" dirty="0" smtClean="0"/>
+              <a:t>!</a:t>
+            </a:r>
+          </a:p>
+        </p:txBody>
+      </p:sp>
+    </p:spTree>
+    <p:extLst>
+      <p:ext uri="{BB962C8B-B14F-4D97-AF65-F5344CB8AC3E}">
+        <p14:creationId xmlns:p14="http://schemas.microsoft.com/office/powerpoint/2010/main" val="776772405"/>
+      </p:ext>
+    </p:extLst>
+  </p:cSld>
+  <p:clrMapOvr>
+    <a:masterClrMapping/>
+  </p:clrMapOvr>
+  <p:timing>
+    <p:tnLst>
+      <p:par>
+        <p:cTn id="1" dur="indefinite" restart="never" nodeType="tmRoot"/>
+      </p:par>
+    </p:tnLst>
+  </p:timing>
+</p:sld>
+</file>
+
+<file path=ppt/slides/slide18.xml><?xml version="1.0" encoding="utf-8"?>
+<p:sld xmlns:a="http://schemas.openxmlformats.org/drawingml/2006/main" xmlns:r="http://schemas.openxmlformats.org/officeDocument/2006/relationships" xmlns:p="http://schemas.openxmlformats.org/presentationml/2006/main">
+  <p:cSld>
+    <p:spTree>
+      <p:nvGrpSpPr>
+        <p:cNvPr id="1" name=""/>
+        <p:cNvGrpSpPr/>
+        <p:nvPr/>
+      </p:nvGrpSpPr>
+      <p:grpSpPr>
+        <a:xfrm>
+          <a:off x="0" y="0"/>
+          <a:ext cx="0" cy="0"/>
+          <a:chOff x="0" y="0"/>
+          <a:chExt cx="0" cy="0"/>
+        </a:xfrm>
+      </p:grpSpPr>
+      <p:sp>
+        <p:nvSpPr>
+          <p:cNvPr id="2" name="Titel 1"/>
+          <p:cNvSpPr>
+            <a:spLocks noGrp="1"/>
+          </p:cNvSpPr>
+          <p:nvPr>
+            <p:ph type="title"/>
+          </p:nvPr>
+        </p:nvSpPr>
+        <p:spPr>
+          <a:xfrm>
+            <a:off x="810915" y="691116"/>
+            <a:ext cx="10018713" cy="1752599"/>
+          </a:xfrm>
+        </p:spPr>
+        <p:txBody>
+          <a:bodyPr/>
+          <a:lstStyle/>
+          <a:p>
+            <a:r>
+              <a:rPr lang="de-DE" dirty="0" err="1" smtClean="0"/>
               <a:t>Questions</a:t>
             </a:r>
             <a:endParaRPr lang="de-DE" dirty="0"/>
@@ -8713,7 +12121,7 @@
           <a:noFill/>
           <a:extLst>
             <a:ext uri="{909E8E84-426E-40dd-AFC4-6F175D3DCCD1}">
-              <a14:hiddenFill xmlns:a14="http://schemas.microsoft.com/office/drawing/2010/main" xmlns="">
+              <a14:hiddenFill xmlns="" xmlns:a14="http://schemas.microsoft.com/office/drawing/2010/main">
                 <a:solidFill>
                   <a:srgbClr val="FFFFFF"/>
                 </a:solidFill>
@@ -8754,7 +12162,7 @@
           <a:noFill/>
           <a:extLst>
             <a:ext uri="{909E8E84-426E-40dd-AFC4-6F175D3DCCD1}">
-              <a14:hiddenFill xmlns:a14="http://schemas.microsoft.com/office/drawing/2010/main" xmlns="">
+              <a14:hiddenFill xmlns="" xmlns:a14="http://schemas.microsoft.com/office/drawing/2010/main">
                 <a:solidFill>
                   <a:srgbClr val="FFFFFF"/>
                 </a:solidFill>

--- a/baseProject/presentation/Presentation-Team8.pptx
+++ b/baseProject/presentation/Presentation-Team8.pptx
@@ -5,7 +5,7 @@
     <p:sldMasterId id="2147483648" r:id="rId1"/>
   </p:sldMasterIdLst>
   <p:notesMasterIdLst>
-    <p:notesMasterId r:id="rId17"/>
+    <p:notesMasterId r:id="rId25"/>
   </p:notesMasterIdLst>
   <p:sldIdLst>
     <p:sldId id="256" r:id="rId2"/>
@@ -22,7 +22,15 @@
     <p:sldId id="268" r:id="rId13"/>
     <p:sldId id="269" r:id="rId14"/>
     <p:sldId id="274" r:id="rId15"/>
-    <p:sldId id="263" r:id="rId16"/>
+    <p:sldId id="279" r:id="rId16"/>
+    <p:sldId id="280" r:id="rId17"/>
+    <p:sldId id="281" r:id="rId18"/>
+    <p:sldId id="282" r:id="rId19"/>
+    <p:sldId id="283" r:id="rId20"/>
+    <p:sldId id="284" r:id="rId21"/>
+    <p:sldId id="285" r:id="rId22"/>
+    <p:sldId id="286" r:id="rId23"/>
+    <p:sldId id="263" r:id="rId24"/>
   </p:sldIdLst>
   <p:sldSz cx="12192000" cy="6858000"/>
   <p:notesSz cx="6858000" cy="9144000"/>
@@ -160,6 +168,14 @@
         <p14:section name="Why us" id="{BE86CB87-125B-42C6-9C31-F3CD9D8CE1DC}">
           <p14:sldIdLst>
             <p14:sldId id="274"/>
+            <p14:sldId id="279"/>
+            <p14:sldId id="280"/>
+            <p14:sldId id="281"/>
+            <p14:sldId id="282"/>
+            <p14:sldId id="283"/>
+            <p14:sldId id="284"/>
+            <p14:sldId id="285"/>
+            <p14:sldId id="286"/>
           </p14:sldIdLst>
         </p14:section>
         <p14:section name="Questions" id="{58102800-2E6E-4D72-AC91-8B0151A06D05}">
@@ -269,7 +285,7 @@
           <a:p>
             <a:fld id="{AD788536-914B-4640-862E-1D3DAE36BE3D}" type="datetimeFigureOut">
               <a:rPr lang="de-DE" smtClean="0"/>
-              <a:t>12.12.2016</a:t>
+              <a:t>13.12.2016</a:t>
             </a:fld>
             <a:endParaRPr lang="de-DE"/>
           </a:p>
@@ -428,7 +444,7 @@
           <a:p>
             <a:fld id="{2F2847E0-1D0A-0F4B-99C8-E51199A5987D}" type="slidenum">
               <a:rPr lang="de-DE" smtClean="0"/>
-              <a:t>‹#›</a:t>
+              <a:t>‹Nr.›</a:t>
             </a:fld>
             <a:endParaRPr lang="de-DE"/>
           </a:p>
@@ -621,6 +637,594 @@
 </p:notes>
 </file>
 
+<file path=ppt/notesSlides/notesSlide10.xml><?xml version="1.0" encoding="utf-8"?>
+<p:notes xmlns:a="http://schemas.openxmlformats.org/drawingml/2006/main" xmlns:r="http://schemas.openxmlformats.org/officeDocument/2006/relationships" xmlns:p="http://schemas.openxmlformats.org/presentationml/2006/main">
+  <p:cSld>
+    <p:spTree>
+      <p:nvGrpSpPr>
+        <p:cNvPr id="1" name=""/>
+        <p:cNvGrpSpPr/>
+        <p:nvPr/>
+      </p:nvGrpSpPr>
+      <p:grpSpPr>
+        <a:xfrm>
+          <a:off x="0" y="0"/>
+          <a:ext cx="0" cy="0"/>
+          <a:chOff x="0" y="0"/>
+          <a:chExt cx="0" cy="0"/>
+        </a:xfrm>
+      </p:grpSpPr>
+      <p:sp>
+        <p:nvSpPr>
+          <p:cNvPr id="2" name="Folienbildplatzhalter 1"/>
+          <p:cNvSpPr>
+            <a:spLocks noGrp="1" noRot="1" noChangeAspect="1"/>
+          </p:cNvSpPr>
+          <p:nvPr>
+            <p:ph type="sldImg"/>
+          </p:nvPr>
+        </p:nvSpPr>
+        <p:spPr/>
+      </p:sp>
+      <p:sp>
+        <p:nvSpPr>
+          <p:cNvPr id="3" name="Notizenplatzhalter 2"/>
+          <p:cNvSpPr>
+            <a:spLocks noGrp="1"/>
+          </p:cNvSpPr>
+          <p:nvPr>
+            <p:ph type="body" idx="1"/>
+          </p:nvPr>
+        </p:nvSpPr>
+        <p:spPr/>
+        <p:txBody>
+          <a:bodyPr/>
+          <a:lstStyle/>
+          <a:p>
+            <a:endParaRPr lang="de-CH" dirty="0"/>
+          </a:p>
+        </p:txBody>
+      </p:sp>
+      <p:sp>
+        <p:nvSpPr>
+          <p:cNvPr id="4" name="Foliennummernplatzhalter 3"/>
+          <p:cNvSpPr>
+            <a:spLocks noGrp="1"/>
+          </p:cNvSpPr>
+          <p:nvPr>
+            <p:ph type="sldNum" sz="quarter" idx="10"/>
+          </p:nvPr>
+        </p:nvSpPr>
+        <p:spPr/>
+        <p:txBody>
+          <a:bodyPr/>
+          <a:lstStyle/>
+          <a:p>
+            <a:fld id="{2F2847E0-1D0A-0F4B-99C8-E51199A5987D}" type="slidenum">
+              <a:rPr lang="de-DE" smtClean="0"/>
+              <a:t>16</a:t>
+            </a:fld>
+            <a:endParaRPr lang="de-DE"/>
+          </a:p>
+        </p:txBody>
+      </p:sp>
+    </p:spTree>
+    <p:extLst>
+      <p:ext uri="{BB962C8B-B14F-4D97-AF65-F5344CB8AC3E}">
+        <p14:creationId xmlns:p14="http://schemas.microsoft.com/office/powerpoint/2010/main" val="1478642370"/>
+      </p:ext>
+    </p:extLst>
+  </p:cSld>
+  <p:clrMapOvr>
+    <a:masterClrMapping/>
+  </p:clrMapOvr>
+</p:notes>
+</file>
+
+<file path=ppt/notesSlides/notesSlide11.xml><?xml version="1.0" encoding="utf-8"?>
+<p:notes xmlns:a="http://schemas.openxmlformats.org/drawingml/2006/main" xmlns:r="http://schemas.openxmlformats.org/officeDocument/2006/relationships" xmlns:p="http://schemas.openxmlformats.org/presentationml/2006/main">
+  <p:cSld>
+    <p:spTree>
+      <p:nvGrpSpPr>
+        <p:cNvPr id="1" name=""/>
+        <p:cNvGrpSpPr/>
+        <p:nvPr/>
+      </p:nvGrpSpPr>
+      <p:grpSpPr>
+        <a:xfrm>
+          <a:off x="0" y="0"/>
+          <a:ext cx="0" cy="0"/>
+          <a:chOff x="0" y="0"/>
+          <a:chExt cx="0" cy="0"/>
+        </a:xfrm>
+      </p:grpSpPr>
+      <p:sp>
+        <p:nvSpPr>
+          <p:cNvPr id="2" name="Folienbildplatzhalter 1"/>
+          <p:cNvSpPr>
+            <a:spLocks noGrp="1" noRot="1" noChangeAspect="1"/>
+          </p:cNvSpPr>
+          <p:nvPr>
+            <p:ph type="sldImg"/>
+          </p:nvPr>
+        </p:nvSpPr>
+        <p:spPr/>
+      </p:sp>
+      <p:sp>
+        <p:nvSpPr>
+          <p:cNvPr id="3" name="Notizenplatzhalter 2"/>
+          <p:cNvSpPr>
+            <a:spLocks noGrp="1"/>
+          </p:cNvSpPr>
+          <p:nvPr>
+            <p:ph type="body" idx="1"/>
+          </p:nvPr>
+        </p:nvSpPr>
+        <p:spPr/>
+        <p:txBody>
+          <a:bodyPr/>
+          <a:lstStyle/>
+          <a:p>
+            <a:endParaRPr lang="de-CH" dirty="0"/>
+          </a:p>
+        </p:txBody>
+      </p:sp>
+      <p:sp>
+        <p:nvSpPr>
+          <p:cNvPr id="4" name="Foliennummernplatzhalter 3"/>
+          <p:cNvSpPr>
+            <a:spLocks noGrp="1"/>
+          </p:cNvSpPr>
+          <p:nvPr>
+            <p:ph type="sldNum" sz="quarter" idx="10"/>
+          </p:nvPr>
+        </p:nvSpPr>
+        <p:spPr/>
+        <p:txBody>
+          <a:bodyPr/>
+          <a:lstStyle/>
+          <a:p>
+            <a:fld id="{2F2847E0-1D0A-0F4B-99C8-E51199A5987D}" type="slidenum">
+              <a:rPr lang="de-DE" smtClean="0"/>
+              <a:t>17</a:t>
+            </a:fld>
+            <a:endParaRPr lang="de-DE"/>
+          </a:p>
+        </p:txBody>
+      </p:sp>
+    </p:spTree>
+    <p:extLst>
+      <p:ext uri="{BB962C8B-B14F-4D97-AF65-F5344CB8AC3E}">
+        <p14:creationId xmlns:p14="http://schemas.microsoft.com/office/powerpoint/2010/main" val="2313737348"/>
+      </p:ext>
+    </p:extLst>
+  </p:cSld>
+  <p:clrMapOvr>
+    <a:masterClrMapping/>
+  </p:clrMapOvr>
+</p:notes>
+</file>
+
+<file path=ppt/notesSlides/notesSlide12.xml><?xml version="1.0" encoding="utf-8"?>
+<p:notes xmlns:a="http://schemas.openxmlformats.org/drawingml/2006/main" xmlns:r="http://schemas.openxmlformats.org/officeDocument/2006/relationships" xmlns:p="http://schemas.openxmlformats.org/presentationml/2006/main">
+  <p:cSld>
+    <p:spTree>
+      <p:nvGrpSpPr>
+        <p:cNvPr id="1" name=""/>
+        <p:cNvGrpSpPr/>
+        <p:nvPr/>
+      </p:nvGrpSpPr>
+      <p:grpSpPr>
+        <a:xfrm>
+          <a:off x="0" y="0"/>
+          <a:ext cx="0" cy="0"/>
+          <a:chOff x="0" y="0"/>
+          <a:chExt cx="0" cy="0"/>
+        </a:xfrm>
+      </p:grpSpPr>
+      <p:sp>
+        <p:nvSpPr>
+          <p:cNvPr id="2" name="Folienbildplatzhalter 1"/>
+          <p:cNvSpPr>
+            <a:spLocks noGrp="1" noRot="1" noChangeAspect="1"/>
+          </p:cNvSpPr>
+          <p:nvPr>
+            <p:ph type="sldImg"/>
+          </p:nvPr>
+        </p:nvSpPr>
+        <p:spPr/>
+      </p:sp>
+      <p:sp>
+        <p:nvSpPr>
+          <p:cNvPr id="3" name="Notizenplatzhalter 2"/>
+          <p:cNvSpPr>
+            <a:spLocks noGrp="1"/>
+          </p:cNvSpPr>
+          <p:nvPr>
+            <p:ph type="body" idx="1"/>
+          </p:nvPr>
+        </p:nvSpPr>
+        <p:spPr/>
+        <p:txBody>
+          <a:bodyPr/>
+          <a:lstStyle/>
+          <a:p>
+            <a:endParaRPr lang="de-CH" dirty="0"/>
+          </a:p>
+        </p:txBody>
+      </p:sp>
+      <p:sp>
+        <p:nvSpPr>
+          <p:cNvPr id="4" name="Foliennummernplatzhalter 3"/>
+          <p:cNvSpPr>
+            <a:spLocks noGrp="1"/>
+          </p:cNvSpPr>
+          <p:nvPr>
+            <p:ph type="sldNum" sz="quarter" idx="10"/>
+          </p:nvPr>
+        </p:nvSpPr>
+        <p:spPr/>
+        <p:txBody>
+          <a:bodyPr/>
+          <a:lstStyle/>
+          <a:p>
+            <a:fld id="{2F2847E0-1D0A-0F4B-99C8-E51199A5987D}" type="slidenum">
+              <a:rPr lang="de-DE" smtClean="0"/>
+              <a:t>18</a:t>
+            </a:fld>
+            <a:endParaRPr lang="de-DE"/>
+          </a:p>
+        </p:txBody>
+      </p:sp>
+    </p:spTree>
+    <p:extLst>
+      <p:ext uri="{BB962C8B-B14F-4D97-AF65-F5344CB8AC3E}">
+        <p14:creationId xmlns:p14="http://schemas.microsoft.com/office/powerpoint/2010/main" val="2735554588"/>
+      </p:ext>
+    </p:extLst>
+  </p:cSld>
+  <p:clrMapOvr>
+    <a:masterClrMapping/>
+  </p:clrMapOvr>
+</p:notes>
+</file>
+
+<file path=ppt/notesSlides/notesSlide13.xml><?xml version="1.0" encoding="utf-8"?>
+<p:notes xmlns:a="http://schemas.openxmlformats.org/drawingml/2006/main" xmlns:r="http://schemas.openxmlformats.org/officeDocument/2006/relationships" xmlns:p="http://schemas.openxmlformats.org/presentationml/2006/main">
+  <p:cSld>
+    <p:spTree>
+      <p:nvGrpSpPr>
+        <p:cNvPr id="1" name=""/>
+        <p:cNvGrpSpPr/>
+        <p:nvPr/>
+      </p:nvGrpSpPr>
+      <p:grpSpPr>
+        <a:xfrm>
+          <a:off x="0" y="0"/>
+          <a:ext cx="0" cy="0"/>
+          <a:chOff x="0" y="0"/>
+          <a:chExt cx="0" cy="0"/>
+        </a:xfrm>
+      </p:grpSpPr>
+      <p:sp>
+        <p:nvSpPr>
+          <p:cNvPr id="2" name="Folienbildplatzhalter 1"/>
+          <p:cNvSpPr>
+            <a:spLocks noGrp="1" noRot="1" noChangeAspect="1"/>
+          </p:cNvSpPr>
+          <p:nvPr>
+            <p:ph type="sldImg"/>
+          </p:nvPr>
+        </p:nvSpPr>
+        <p:spPr/>
+      </p:sp>
+      <p:sp>
+        <p:nvSpPr>
+          <p:cNvPr id="3" name="Notizenplatzhalter 2"/>
+          <p:cNvSpPr>
+            <a:spLocks noGrp="1"/>
+          </p:cNvSpPr>
+          <p:nvPr>
+            <p:ph type="body" idx="1"/>
+          </p:nvPr>
+        </p:nvSpPr>
+        <p:spPr/>
+        <p:txBody>
+          <a:bodyPr/>
+          <a:lstStyle/>
+          <a:p>
+            <a:endParaRPr lang="de-CH" dirty="0"/>
+          </a:p>
+        </p:txBody>
+      </p:sp>
+      <p:sp>
+        <p:nvSpPr>
+          <p:cNvPr id="4" name="Foliennummernplatzhalter 3"/>
+          <p:cNvSpPr>
+            <a:spLocks noGrp="1"/>
+          </p:cNvSpPr>
+          <p:nvPr>
+            <p:ph type="sldNum" sz="quarter" idx="10"/>
+          </p:nvPr>
+        </p:nvSpPr>
+        <p:spPr/>
+        <p:txBody>
+          <a:bodyPr/>
+          <a:lstStyle/>
+          <a:p>
+            <a:fld id="{2F2847E0-1D0A-0F4B-99C8-E51199A5987D}" type="slidenum">
+              <a:rPr lang="de-DE" smtClean="0"/>
+              <a:t>19</a:t>
+            </a:fld>
+            <a:endParaRPr lang="de-DE"/>
+          </a:p>
+        </p:txBody>
+      </p:sp>
+    </p:spTree>
+    <p:extLst>
+      <p:ext uri="{BB962C8B-B14F-4D97-AF65-F5344CB8AC3E}">
+        <p14:creationId xmlns:p14="http://schemas.microsoft.com/office/powerpoint/2010/main" val="2929037761"/>
+      </p:ext>
+    </p:extLst>
+  </p:cSld>
+  <p:clrMapOvr>
+    <a:masterClrMapping/>
+  </p:clrMapOvr>
+</p:notes>
+</file>
+
+<file path=ppt/notesSlides/notesSlide14.xml><?xml version="1.0" encoding="utf-8"?>
+<p:notes xmlns:a="http://schemas.openxmlformats.org/drawingml/2006/main" xmlns:r="http://schemas.openxmlformats.org/officeDocument/2006/relationships" xmlns:p="http://schemas.openxmlformats.org/presentationml/2006/main">
+  <p:cSld>
+    <p:spTree>
+      <p:nvGrpSpPr>
+        <p:cNvPr id="1" name=""/>
+        <p:cNvGrpSpPr/>
+        <p:nvPr/>
+      </p:nvGrpSpPr>
+      <p:grpSpPr>
+        <a:xfrm>
+          <a:off x="0" y="0"/>
+          <a:ext cx="0" cy="0"/>
+          <a:chOff x="0" y="0"/>
+          <a:chExt cx="0" cy="0"/>
+        </a:xfrm>
+      </p:grpSpPr>
+      <p:sp>
+        <p:nvSpPr>
+          <p:cNvPr id="2" name="Folienbildplatzhalter 1"/>
+          <p:cNvSpPr>
+            <a:spLocks noGrp="1" noRot="1" noChangeAspect="1"/>
+          </p:cNvSpPr>
+          <p:nvPr>
+            <p:ph type="sldImg"/>
+          </p:nvPr>
+        </p:nvSpPr>
+        <p:spPr/>
+      </p:sp>
+      <p:sp>
+        <p:nvSpPr>
+          <p:cNvPr id="3" name="Notizenplatzhalter 2"/>
+          <p:cNvSpPr>
+            <a:spLocks noGrp="1"/>
+          </p:cNvSpPr>
+          <p:nvPr>
+            <p:ph type="body" idx="1"/>
+          </p:nvPr>
+        </p:nvSpPr>
+        <p:spPr/>
+        <p:txBody>
+          <a:bodyPr/>
+          <a:lstStyle/>
+          <a:p>
+            <a:endParaRPr lang="de-CH" dirty="0"/>
+          </a:p>
+        </p:txBody>
+      </p:sp>
+      <p:sp>
+        <p:nvSpPr>
+          <p:cNvPr id="4" name="Foliennummernplatzhalter 3"/>
+          <p:cNvSpPr>
+            <a:spLocks noGrp="1"/>
+          </p:cNvSpPr>
+          <p:nvPr>
+            <p:ph type="sldNum" sz="quarter" idx="10"/>
+          </p:nvPr>
+        </p:nvSpPr>
+        <p:spPr/>
+        <p:txBody>
+          <a:bodyPr/>
+          <a:lstStyle/>
+          <a:p>
+            <a:fld id="{2F2847E0-1D0A-0F4B-99C8-E51199A5987D}" type="slidenum">
+              <a:rPr lang="de-DE" smtClean="0"/>
+              <a:t>20</a:t>
+            </a:fld>
+            <a:endParaRPr lang="de-DE"/>
+          </a:p>
+        </p:txBody>
+      </p:sp>
+    </p:spTree>
+    <p:extLst>
+      <p:ext uri="{BB962C8B-B14F-4D97-AF65-F5344CB8AC3E}">
+        <p14:creationId xmlns:p14="http://schemas.microsoft.com/office/powerpoint/2010/main" val="3234085166"/>
+      </p:ext>
+    </p:extLst>
+  </p:cSld>
+  <p:clrMapOvr>
+    <a:masterClrMapping/>
+  </p:clrMapOvr>
+</p:notes>
+</file>
+
+<file path=ppt/notesSlides/notesSlide15.xml><?xml version="1.0" encoding="utf-8"?>
+<p:notes xmlns:a="http://schemas.openxmlformats.org/drawingml/2006/main" xmlns:r="http://schemas.openxmlformats.org/officeDocument/2006/relationships" xmlns:p="http://schemas.openxmlformats.org/presentationml/2006/main">
+  <p:cSld>
+    <p:spTree>
+      <p:nvGrpSpPr>
+        <p:cNvPr id="1" name=""/>
+        <p:cNvGrpSpPr/>
+        <p:nvPr/>
+      </p:nvGrpSpPr>
+      <p:grpSpPr>
+        <a:xfrm>
+          <a:off x="0" y="0"/>
+          <a:ext cx="0" cy="0"/>
+          <a:chOff x="0" y="0"/>
+          <a:chExt cx="0" cy="0"/>
+        </a:xfrm>
+      </p:grpSpPr>
+      <p:sp>
+        <p:nvSpPr>
+          <p:cNvPr id="2" name="Folienbildplatzhalter 1"/>
+          <p:cNvSpPr>
+            <a:spLocks noGrp="1" noRot="1" noChangeAspect="1"/>
+          </p:cNvSpPr>
+          <p:nvPr>
+            <p:ph type="sldImg"/>
+          </p:nvPr>
+        </p:nvSpPr>
+        <p:spPr/>
+      </p:sp>
+      <p:sp>
+        <p:nvSpPr>
+          <p:cNvPr id="3" name="Notizenplatzhalter 2"/>
+          <p:cNvSpPr>
+            <a:spLocks noGrp="1"/>
+          </p:cNvSpPr>
+          <p:nvPr>
+            <p:ph type="body" idx="1"/>
+          </p:nvPr>
+        </p:nvSpPr>
+        <p:spPr/>
+        <p:txBody>
+          <a:bodyPr/>
+          <a:lstStyle/>
+          <a:p>
+            <a:endParaRPr lang="de-CH" dirty="0"/>
+          </a:p>
+        </p:txBody>
+      </p:sp>
+      <p:sp>
+        <p:nvSpPr>
+          <p:cNvPr id="4" name="Foliennummernplatzhalter 3"/>
+          <p:cNvSpPr>
+            <a:spLocks noGrp="1"/>
+          </p:cNvSpPr>
+          <p:nvPr>
+            <p:ph type="sldNum" sz="quarter" idx="10"/>
+          </p:nvPr>
+        </p:nvSpPr>
+        <p:spPr/>
+        <p:txBody>
+          <a:bodyPr/>
+          <a:lstStyle/>
+          <a:p>
+            <a:fld id="{2F2847E0-1D0A-0F4B-99C8-E51199A5987D}" type="slidenum">
+              <a:rPr lang="de-DE" smtClean="0"/>
+              <a:t>21</a:t>
+            </a:fld>
+            <a:endParaRPr lang="de-DE"/>
+          </a:p>
+        </p:txBody>
+      </p:sp>
+    </p:spTree>
+    <p:extLst>
+      <p:ext uri="{BB962C8B-B14F-4D97-AF65-F5344CB8AC3E}">
+        <p14:creationId xmlns:p14="http://schemas.microsoft.com/office/powerpoint/2010/main" val="2342513368"/>
+      </p:ext>
+    </p:extLst>
+  </p:cSld>
+  <p:clrMapOvr>
+    <a:masterClrMapping/>
+  </p:clrMapOvr>
+</p:notes>
+</file>
+
+<file path=ppt/notesSlides/notesSlide16.xml><?xml version="1.0" encoding="utf-8"?>
+<p:notes xmlns:a="http://schemas.openxmlformats.org/drawingml/2006/main" xmlns:r="http://schemas.openxmlformats.org/officeDocument/2006/relationships" xmlns:p="http://schemas.openxmlformats.org/presentationml/2006/main">
+  <p:cSld>
+    <p:spTree>
+      <p:nvGrpSpPr>
+        <p:cNvPr id="1" name=""/>
+        <p:cNvGrpSpPr/>
+        <p:nvPr/>
+      </p:nvGrpSpPr>
+      <p:grpSpPr>
+        <a:xfrm>
+          <a:off x="0" y="0"/>
+          <a:ext cx="0" cy="0"/>
+          <a:chOff x="0" y="0"/>
+          <a:chExt cx="0" cy="0"/>
+        </a:xfrm>
+      </p:grpSpPr>
+      <p:sp>
+        <p:nvSpPr>
+          <p:cNvPr id="2" name="Folienbildplatzhalter 1"/>
+          <p:cNvSpPr>
+            <a:spLocks noGrp="1" noRot="1" noChangeAspect="1"/>
+          </p:cNvSpPr>
+          <p:nvPr>
+            <p:ph type="sldImg"/>
+          </p:nvPr>
+        </p:nvSpPr>
+        <p:spPr/>
+      </p:sp>
+      <p:sp>
+        <p:nvSpPr>
+          <p:cNvPr id="3" name="Notizenplatzhalter 2"/>
+          <p:cNvSpPr>
+            <a:spLocks noGrp="1"/>
+          </p:cNvSpPr>
+          <p:nvPr>
+            <p:ph type="body" idx="1"/>
+          </p:nvPr>
+        </p:nvSpPr>
+        <p:spPr/>
+        <p:txBody>
+          <a:bodyPr/>
+          <a:lstStyle/>
+          <a:p>
+            <a:endParaRPr lang="de-CH" dirty="0"/>
+          </a:p>
+        </p:txBody>
+      </p:sp>
+      <p:sp>
+        <p:nvSpPr>
+          <p:cNvPr id="4" name="Foliennummernplatzhalter 3"/>
+          <p:cNvSpPr>
+            <a:spLocks noGrp="1"/>
+          </p:cNvSpPr>
+          <p:nvPr>
+            <p:ph type="sldNum" sz="quarter" idx="10"/>
+          </p:nvPr>
+        </p:nvSpPr>
+        <p:spPr/>
+        <p:txBody>
+          <a:bodyPr/>
+          <a:lstStyle/>
+          <a:p>
+            <a:fld id="{2F2847E0-1D0A-0F4B-99C8-E51199A5987D}" type="slidenum">
+              <a:rPr lang="de-DE" smtClean="0"/>
+              <a:t>22</a:t>
+            </a:fld>
+            <a:endParaRPr lang="de-DE"/>
+          </a:p>
+        </p:txBody>
+      </p:sp>
+    </p:spTree>
+    <p:extLst>
+      <p:ext uri="{BB962C8B-B14F-4D97-AF65-F5344CB8AC3E}">
+        <p14:creationId xmlns:p14="http://schemas.microsoft.com/office/powerpoint/2010/main" val="2429856816"/>
+      </p:ext>
+    </p:extLst>
+  </p:cSld>
+  <p:clrMapOvr>
+    <a:masterClrMapping/>
+  </p:clrMapOvr>
+</p:notes>
+</file>
+
 <file path=ppt/notesSlides/notesSlide2.xml><?xml version="1.0" encoding="utf-8"?>
 <p:notes xmlns:a="http://schemas.openxmlformats.org/drawingml/2006/main" xmlns:r="http://schemas.openxmlformats.org/officeDocument/2006/relationships" xmlns:p="http://schemas.openxmlformats.org/presentationml/2006/main">
   <p:cSld>
@@ -1948,6 +2552,90 @@
     <p:extLst>
       <p:ext uri="{BB962C8B-B14F-4D97-AF65-F5344CB8AC3E}">
         <p14:creationId xmlns:p14="http://schemas.microsoft.com/office/powerpoint/2010/main" val="4134227325"/>
+      </p:ext>
+    </p:extLst>
+  </p:cSld>
+  <p:clrMapOvr>
+    <a:masterClrMapping/>
+  </p:clrMapOvr>
+</p:notes>
+</file>
+
+<file path=ppt/notesSlides/notesSlide9.xml><?xml version="1.0" encoding="utf-8"?>
+<p:notes xmlns:a="http://schemas.openxmlformats.org/drawingml/2006/main" xmlns:r="http://schemas.openxmlformats.org/officeDocument/2006/relationships" xmlns:p="http://schemas.openxmlformats.org/presentationml/2006/main">
+  <p:cSld>
+    <p:spTree>
+      <p:nvGrpSpPr>
+        <p:cNvPr id="1" name=""/>
+        <p:cNvGrpSpPr/>
+        <p:nvPr/>
+      </p:nvGrpSpPr>
+      <p:grpSpPr>
+        <a:xfrm>
+          <a:off x="0" y="0"/>
+          <a:ext cx="0" cy="0"/>
+          <a:chOff x="0" y="0"/>
+          <a:chExt cx="0" cy="0"/>
+        </a:xfrm>
+      </p:grpSpPr>
+      <p:sp>
+        <p:nvSpPr>
+          <p:cNvPr id="2" name="Folienbildplatzhalter 1"/>
+          <p:cNvSpPr>
+            <a:spLocks noGrp="1" noRot="1" noChangeAspect="1"/>
+          </p:cNvSpPr>
+          <p:nvPr>
+            <p:ph type="sldImg"/>
+          </p:nvPr>
+        </p:nvSpPr>
+        <p:spPr/>
+      </p:sp>
+      <p:sp>
+        <p:nvSpPr>
+          <p:cNvPr id="3" name="Notizenplatzhalter 2"/>
+          <p:cNvSpPr>
+            <a:spLocks noGrp="1"/>
+          </p:cNvSpPr>
+          <p:nvPr>
+            <p:ph type="body" idx="1"/>
+          </p:nvPr>
+        </p:nvSpPr>
+        <p:spPr/>
+        <p:txBody>
+          <a:bodyPr/>
+          <a:lstStyle/>
+          <a:p>
+            <a:endParaRPr lang="de-CH" dirty="0"/>
+          </a:p>
+        </p:txBody>
+      </p:sp>
+      <p:sp>
+        <p:nvSpPr>
+          <p:cNvPr id="4" name="Foliennummernplatzhalter 3"/>
+          <p:cNvSpPr>
+            <a:spLocks noGrp="1"/>
+          </p:cNvSpPr>
+          <p:nvPr>
+            <p:ph type="sldNum" sz="quarter" idx="10"/>
+          </p:nvPr>
+        </p:nvSpPr>
+        <p:spPr/>
+        <p:txBody>
+          <a:bodyPr/>
+          <a:lstStyle/>
+          <a:p>
+            <a:fld id="{2F2847E0-1D0A-0F4B-99C8-E51199A5987D}" type="slidenum">
+              <a:rPr lang="de-DE" smtClean="0"/>
+              <a:t>15</a:t>
+            </a:fld>
+            <a:endParaRPr lang="de-DE"/>
+          </a:p>
+        </p:txBody>
+      </p:sp>
+    </p:spTree>
+    <p:extLst>
+      <p:ext uri="{BB962C8B-B14F-4D97-AF65-F5344CB8AC3E}">
+        <p14:creationId xmlns:p14="http://schemas.microsoft.com/office/powerpoint/2010/main" val="3234084027"/>
       </p:ext>
     </p:extLst>
   </p:cSld>
@@ -2460,7 +3148,7 @@
             <a:fld id="{B61BEF0D-F0BB-DE4B-95CE-6DB70DBA9567}" type="datetimeFigureOut">
               <a:rPr lang="en-US" dirty="0"/>
               <a:pPr/>
-              <a:t>12/12/2016</a:t>
+              <a:t>12/13/2016</a:t>
             </a:fld>
             <a:endParaRPr lang="en-US" dirty="0"/>
           </a:p>
@@ -2508,7 +3196,7 @@
             <a:fld id="{D57F1E4F-1CFF-5643-939E-217C01CDF565}" type="slidenum">
               <a:rPr lang="en-US" dirty="0"/>
               <a:pPr/>
-              <a:t>‹#›</a:t>
+              <a:t>‹Nr.›</a:t>
             </a:fld>
             <a:endParaRPr lang="en-US" dirty="0"/>
           </a:p>
@@ -2753,7 +3441,7 @@
             <a:fld id="{B61BEF0D-F0BB-DE4B-95CE-6DB70DBA9567}" type="datetimeFigureOut">
               <a:rPr lang="en-US" dirty="0"/>
               <a:pPr/>
-              <a:t>12/12/2016</a:t>
+              <a:t>12/13/2016</a:t>
             </a:fld>
             <a:endParaRPr lang="en-US" dirty="0"/>
           </a:p>
@@ -2796,7 +3484,7 @@
             <a:fld id="{D57F1E4F-1CFF-5643-939E-217C01CDF565}" type="slidenum">
               <a:rPr lang="en-US" dirty="0"/>
               <a:pPr/>
-              <a:t>‹#›</a:t>
+              <a:t>‹Nr.›</a:t>
             </a:fld>
             <a:endParaRPr lang="en-US" dirty="0"/>
           </a:p>
@@ -2998,7 +3686,7 @@
             <a:fld id="{B61BEF0D-F0BB-DE4B-95CE-6DB70DBA9567}" type="datetimeFigureOut">
               <a:rPr lang="en-US" dirty="0"/>
               <a:pPr/>
-              <a:t>12/12/2016</a:t>
+              <a:t>12/13/2016</a:t>
             </a:fld>
             <a:endParaRPr lang="en-US" dirty="0"/>
           </a:p>
@@ -3041,7 +3729,7 @@
             <a:fld id="{D57F1E4F-1CFF-5643-939E-217C01CDF565}" type="slidenum">
               <a:rPr lang="en-US" dirty="0"/>
               <a:pPr/>
-              <a:t>‹#›</a:t>
+              <a:t>‹Nr.›</a:t>
             </a:fld>
             <a:endParaRPr lang="en-US" dirty="0"/>
           </a:p>
@@ -3535,7 +4223,7 @@
             <a:fld id="{B61BEF0D-F0BB-DE4B-95CE-6DB70DBA9567}" type="datetimeFigureOut">
               <a:rPr lang="en-US" dirty="0"/>
               <a:pPr/>
-              <a:t>12/12/2016</a:t>
+              <a:t>12/13/2016</a:t>
             </a:fld>
             <a:endParaRPr lang="en-US" dirty="0"/>
           </a:p>
@@ -3578,7 +4266,7 @@
             <a:fld id="{D57F1E4F-1CFF-5643-939E-217C01CDF565}" type="slidenum">
               <a:rPr lang="en-US" dirty="0"/>
               <a:pPr/>
-              <a:t>‹#›</a:t>
+              <a:t>‹Nr.›</a:t>
             </a:fld>
             <a:endParaRPr lang="en-US" dirty="0"/>
           </a:p>
@@ -3780,7 +4468,7 @@
             <a:fld id="{B61BEF0D-F0BB-DE4B-95CE-6DB70DBA9567}" type="datetimeFigureOut">
               <a:rPr lang="en-US" dirty="0"/>
               <a:pPr/>
-              <a:t>12/12/2016</a:t>
+              <a:t>12/13/2016</a:t>
             </a:fld>
             <a:endParaRPr lang="en-US" dirty="0"/>
           </a:p>
@@ -3823,7 +4511,7 @@
             <a:fld id="{D57F1E4F-1CFF-5643-939E-217C01CDF565}" type="slidenum">
               <a:rPr lang="en-US" dirty="0"/>
               <a:pPr/>
-              <a:t>‹#›</a:t>
+              <a:t>‹Nr.›</a:t>
             </a:fld>
             <a:endParaRPr lang="en-US" dirty="0"/>
           </a:p>
@@ -4309,7 +4997,7 @@
             <a:fld id="{B61BEF0D-F0BB-DE4B-95CE-6DB70DBA9567}" type="datetimeFigureOut">
               <a:rPr lang="en-US" dirty="0"/>
               <a:pPr/>
-              <a:t>12/12/2016</a:t>
+              <a:t>12/13/2016</a:t>
             </a:fld>
             <a:endParaRPr lang="en-US" dirty="0"/>
           </a:p>
@@ -4352,7 +5040,7 @@
             <a:fld id="{D57F1E4F-1CFF-5643-939E-217C01CDF565}" type="slidenum">
               <a:rPr lang="en-US" dirty="0"/>
               <a:pPr/>
-              <a:t>‹#›</a:t>
+              <a:t>‹Nr.›</a:t>
             </a:fld>
             <a:endParaRPr lang="en-US" dirty="0"/>
           </a:p>
@@ -4603,7 +5291,7 @@
             <a:fld id="{B61BEF0D-F0BB-DE4B-95CE-6DB70DBA9567}" type="datetimeFigureOut">
               <a:rPr lang="en-US" dirty="0"/>
               <a:pPr/>
-              <a:t>12/12/2016</a:t>
+              <a:t>12/13/2016</a:t>
             </a:fld>
             <a:endParaRPr lang="en-US" dirty="0"/>
           </a:p>
@@ -4646,7 +5334,7 @@
             <a:fld id="{D57F1E4F-1CFF-5643-939E-217C01CDF565}" type="slidenum">
               <a:rPr lang="en-US" dirty="0"/>
               <a:pPr/>
-              <a:t>‹#›</a:t>
+              <a:t>‹Nr.›</a:t>
             </a:fld>
             <a:endParaRPr lang="en-US" dirty="0"/>
           </a:p>
@@ -4774,7 +5462,7 @@
             <a:fld id="{B61BEF0D-F0BB-DE4B-95CE-6DB70DBA9567}" type="datetimeFigureOut">
               <a:rPr lang="en-US" dirty="0"/>
               <a:pPr/>
-              <a:t>12/12/2016</a:t>
+              <a:t>12/13/2016</a:t>
             </a:fld>
             <a:endParaRPr lang="en-US" dirty="0"/>
           </a:p>
@@ -4817,7 +5505,7 @@
             <a:fld id="{D57F1E4F-1CFF-5643-939E-217C01CDF565}" type="slidenum">
               <a:rPr lang="en-US" dirty="0"/>
               <a:pPr/>
-              <a:t>‹#›</a:t>
+              <a:t>‹Nr.›</a:t>
             </a:fld>
             <a:endParaRPr lang="en-US" dirty="0"/>
           </a:p>
@@ -4951,7 +5639,7 @@
             <a:fld id="{B61BEF0D-F0BB-DE4B-95CE-6DB70DBA9567}" type="datetimeFigureOut">
               <a:rPr lang="en-US" dirty="0"/>
               <a:pPr/>
-              <a:t>12/12/2016</a:t>
+              <a:t>12/13/2016</a:t>
             </a:fld>
             <a:endParaRPr lang="en-US" dirty="0"/>
           </a:p>
@@ -4994,7 +5682,7 @@
             <a:fld id="{D57F1E4F-1CFF-5643-939E-217C01CDF565}" type="slidenum">
               <a:rPr lang="en-US" dirty="0"/>
               <a:pPr/>
-              <a:t>‹#›</a:t>
+              <a:t>‹Nr.›</a:t>
             </a:fld>
             <a:endParaRPr lang="en-US" dirty="0"/>
           </a:p>
@@ -5118,7 +5806,7 @@
             <a:fld id="{B61BEF0D-F0BB-DE4B-95CE-6DB70DBA9567}" type="datetimeFigureOut">
               <a:rPr lang="en-US" dirty="0"/>
               <a:pPr/>
-              <a:t>12/12/2016</a:t>
+              <a:t>12/13/2016</a:t>
             </a:fld>
             <a:endParaRPr lang="en-US" dirty="0"/>
           </a:p>
@@ -5166,7 +5854,7 @@
             <a:fld id="{D57F1E4F-1CFF-5643-939E-217C01CDF565}" type="slidenum">
               <a:rPr lang="en-US" dirty="0"/>
               <a:pPr/>
-              <a:t>‹#›</a:t>
+              <a:t>‹Nr.›</a:t>
             </a:fld>
             <a:endParaRPr lang="en-US" dirty="0"/>
           </a:p>
@@ -5366,7 +6054,7 @@
             <a:fld id="{B61BEF0D-F0BB-DE4B-95CE-6DB70DBA9567}" type="datetimeFigureOut">
               <a:rPr lang="en-US" dirty="0"/>
               <a:pPr/>
-              <a:t>12/12/2016</a:t>
+              <a:t>12/13/2016</a:t>
             </a:fld>
             <a:endParaRPr lang="en-US" dirty="0"/>
           </a:p>
@@ -5409,7 +6097,7 @@
             <a:fld id="{D57F1E4F-1CFF-5643-939E-217C01CDF565}" type="slidenum">
               <a:rPr lang="en-US" dirty="0"/>
               <a:pPr/>
-              <a:t>‹#›</a:t>
+              <a:t>‹Nr.›</a:t>
             </a:fld>
             <a:endParaRPr lang="en-US" dirty="0"/>
           </a:p>
@@ -5660,7 +6348,7 @@
             <a:fld id="{B61BEF0D-F0BB-DE4B-95CE-6DB70DBA9567}" type="datetimeFigureOut">
               <a:rPr lang="en-US" dirty="0"/>
               <a:pPr/>
-              <a:t>12/12/2016</a:t>
+              <a:t>12/13/2016</a:t>
             </a:fld>
             <a:endParaRPr lang="en-US" dirty="0"/>
           </a:p>
@@ -5703,7 +6391,7 @@
             <a:fld id="{D57F1E4F-1CFF-5643-939E-217C01CDF565}" type="slidenum">
               <a:rPr lang="en-US" dirty="0"/>
               <a:pPr/>
-              <a:t>‹#›</a:t>
+              <a:t>‹Nr.›</a:t>
             </a:fld>
             <a:endParaRPr lang="en-US" dirty="0"/>
           </a:p>
@@ -6099,7 +6787,7 @@
             <a:fld id="{B61BEF0D-F0BB-DE4B-95CE-6DB70DBA9567}" type="datetimeFigureOut">
               <a:rPr lang="en-US" dirty="0"/>
               <a:pPr/>
-              <a:t>12/12/2016</a:t>
+              <a:t>12/13/2016</a:t>
             </a:fld>
             <a:endParaRPr lang="en-US" dirty="0"/>
           </a:p>
@@ -6142,7 +6830,7 @@
             <a:fld id="{D57F1E4F-1CFF-5643-939E-217C01CDF565}" type="slidenum">
               <a:rPr lang="en-US" dirty="0"/>
               <a:pPr/>
-              <a:t>‹#›</a:t>
+              <a:t>‹Nr.›</a:t>
             </a:fld>
             <a:endParaRPr lang="en-US" dirty="0"/>
           </a:p>
@@ -6214,7 +6902,7 @@
             <a:fld id="{B61BEF0D-F0BB-DE4B-95CE-6DB70DBA9567}" type="datetimeFigureOut">
               <a:rPr lang="en-US" dirty="0"/>
               <a:pPr/>
-              <a:t>12/12/2016</a:t>
+              <a:t>12/13/2016</a:t>
             </a:fld>
             <a:endParaRPr lang="en-US" dirty="0"/>
           </a:p>
@@ -6257,7 +6945,7 @@
             <a:fld id="{D57F1E4F-1CFF-5643-939E-217C01CDF565}" type="slidenum">
               <a:rPr lang="en-US" dirty="0"/>
               <a:pPr/>
-              <a:t>‹#›</a:t>
+              <a:t>‹Nr.›</a:t>
             </a:fld>
             <a:endParaRPr lang="en-US" dirty="0"/>
           </a:p>
@@ -6306,7 +6994,7 @@
             <a:fld id="{B61BEF0D-F0BB-DE4B-95CE-6DB70DBA9567}" type="datetimeFigureOut">
               <a:rPr lang="en-US" dirty="0"/>
               <a:pPr/>
-              <a:t>12/12/2016</a:t>
+              <a:t>12/13/2016</a:t>
             </a:fld>
             <a:endParaRPr lang="en-US" dirty="0"/>
           </a:p>
@@ -6349,7 +7037,7 @@
             <a:fld id="{D57F1E4F-1CFF-5643-939E-217C01CDF565}" type="slidenum">
               <a:rPr lang="en-US" dirty="0"/>
               <a:pPr/>
-              <a:t>‹#›</a:t>
+              <a:t>‹Nr.›</a:t>
             </a:fld>
             <a:endParaRPr lang="en-US" dirty="0"/>
           </a:p>
@@ -6586,7 +7274,7 @@
             <a:fld id="{B61BEF0D-F0BB-DE4B-95CE-6DB70DBA9567}" type="datetimeFigureOut">
               <a:rPr lang="en-US" dirty="0"/>
               <a:pPr/>
-              <a:t>12/12/2016</a:t>
+              <a:t>12/13/2016</a:t>
             </a:fld>
             <a:endParaRPr lang="en-US" dirty="0"/>
           </a:p>
@@ -6629,7 +7317,7 @@
             <a:fld id="{D57F1E4F-1CFF-5643-939E-217C01CDF565}" type="slidenum">
               <a:rPr lang="en-US" dirty="0"/>
               <a:pPr/>
-              <a:t>‹#›</a:t>
+              <a:t>‹Nr.›</a:t>
             </a:fld>
             <a:endParaRPr lang="en-US" dirty="0"/>
           </a:p>
@@ -6874,7 +7562,7 @@
             <a:fld id="{B61BEF0D-F0BB-DE4B-95CE-6DB70DBA9567}" type="datetimeFigureOut">
               <a:rPr lang="en-US" dirty="0"/>
               <a:pPr/>
-              <a:t>12/12/2016</a:t>
+              <a:t>12/13/2016</a:t>
             </a:fld>
             <a:endParaRPr lang="en-US" dirty="0"/>
           </a:p>
@@ -6917,7 +7605,7 @@
             <a:fld id="{D57F1E4F-1CFF-5643-939E-217C01CDF565}" type="slidenum">
               <a:rPr lang="en-US" dirty="0"/>
               <a:pPr/>
-              <a:t>‹#›</a:t>
+              <a:t>‹Nr.›</a:t>
             </a:fld>
             <a:endParaRPr lang="en-US" dirty="0"/>
           </a:p>
@@ -7401,7 +8089,7 @@
             <a:fld id="{B61BEF0D-F0BB-DE4B-95CE-6DB70DBA9567}" type="datetimeFigureOut">
               <a:rPr lang="en-US" dirty="0"/>
               <a:pPr/>
-              <a:t>12/12/2016</a:t>
+              <a:t>12/13/2016</a:t>
             </a:fld>
             <a:endParaRPr lang="en-US" dirty="0"/>
           </a:p>
@@ -7480,7 +8168,7 @@
             <a:fld id="{D57F1E4F-1CFF-5643-939E-217C01CDF565}" type="slidenum">
               <a:rPr lang="en-US" dirty="0"/>
               <a:pPr/>
-              <a:t>‹#›</a:t>
+              <a:t>‹Nr.›</a:t>
             </a:fld>
             <a:endParaRPr lang="en-US" dirty="0"/>
           </a:p>
@@ -7957,6 +8645,12 @@
               </a:rPr>
               <a:t>Flatbook</a:t>
             </a:r>
+            <a:r>
+              <a:rPr lang="de-DE" sz="10000" dirty="0">
+                <a:latin typeface="Monotype Corsiva" panose="03010101010201010101" pitchFamily="66" charset="0"/>
+              </a:rPr>
+              <a:t/>
+            </a:r>
             <a:br>
               <a:rPr lang="de-DE" sz="10000" dirty="0">
                 <a:latin typeface="Monotype Corsiva" panose="03010101010201010101" pitchFamily="66" charset="0"/>
@@ -8009,6 +8703,12 @@
                 <a:latin typeface="Monotype Corsiva" panose="03010101010201010101" pitchFamily="66" charset="0"/>
               </a:rPr>
             </a:br>
+            <a:r>
+              <a:rPr lang="de-DE" sz="10000" spc="300" dirty="0">
+                <a:latin typeface="Monotype Corsiva" panose="03010101010201010101" pitchFamily="66" charset="0"/>
+              </a:rPr>
+              <a:t/>
+            </a:r>
             <a:br>
               <a:rPr lang="de-DE" sz="10000" spc="300" dirty="0">
                 <a:latin typeface="Monotype Corsiva" panose="03010101010201010101" pitchFamily="66" charset="0"/>
@@ -9004,6 +9704,10 @@
               <a:rPr lang="de-DE" dirty="0" err="1"/>
               <a:t>apartment</a:t>
             </a:r>
+            <a:r>
+              <a:rPr lang="de-DE" dirty="0"/>
+              <a:t/>
+            </a:r>
             <a:br>
               <a:rPr lang="de-DE" dirty="0"/>
             </a:br>
@@ -9037,6 +9741,10 @@
             <a:r>
               <a:rPr lang="de-DE" dirty="0" err="1"/>
               <a:t>ranking</a:t>
+            </a:r>
+            <a:r>
+              <a:rPr lang="de-DE" dirty="0"/>
+              <a:t/>
             </a:r>
             <a:br>
               <a:rPr lang="de-DE" dirty="0"/>
@@ -9750,6 +10458,10 @@
             <a:r>
               <a:rPr lang="de-DE" dirty="0" err="1"/>
               <a:t>account</a:t>
+            </a:r>
+            <a:r>
+              <a:rPr lang="de-DE" dirty="0"/>
+              <a:t/>
             </a:r>
             <a:br>
               <a:rPr lang="de-DE" dirty="0"/>
@@ -10505,6 +11217,10 @@
               <a:rPr lang="de-DE" dirty="0" err="1"/>
               <a:t>user</a:t>
             </a:r>
+            <a:r>
+              <a:rPr lang="de-DE" dirty="0"/>
+              <a:t/>
+            </a:r>
             <a:br>
               <a:rPr lang="de-DE" dirty="0"/>
             </a:br>
@@ -11380,6 +12096,10 @@
               <a:rPr lang="de-DE" dirty="0" err="1"/>
               <a:t>bid</a:t>
             </a:r>
+            <a:r>
+              <a:rPr lang="de-DE" dirty="0"/>
+              <a:t/>
+            </a:r>
             <a:br>
               <a:rPr lang="de-DE" dirty="0"/>
             </a:br>
@@ -11812,6 +12532,10 @@
               <a:rPr lang="de-DE" sz="3200" dirty="0" err="1"/>
               <a:t>products</a:t>
             </a:r>
+            <a:r>
+              <a:rPr lang="de-DE" sz="3200" dirty="0"/>
+              <a:t/>
+            </a:r>
             <a:br>
               <a:rPr lang="de-DE" sz="3200" dirty="0"/>
             </a:br>
@@ -11822,6 +12546,10 @@
             <a:r>
               <a:rPr lang="de-DE" sz="3200" dirty="0" err="1"/>
               <a:t>client</a:t>
+            </a:r>
+            <a:r>
+              <a:rPr lang="de-DE" sz="3200" dirty="0"/>
+              <a:t/>
             </a:r>
             <a:br>
               <a:rPr lang="de-DE" sz="3200" dirty="0"/>
@@ -11890,6 +12618,3720 @@
 </file>
 
 <file path=ppt/slides/slide15.xml><?xml version="1.0" encoding="utf-8"?>
+<p:sld xmlns:a="http://schemas.openxmlformats.org/drawingml/2006/main" xmlns:r="http://schemas.openxmlformats.org/officeDocument/2006/relationships" xmlns:p="http://schemas.openxmlformats.org/presentationml/2006/main">
+  <p:cSld>
+    <p:spTree>
+      <p:nvGrpSpPr>
+        <p:cNvPr id="1" name=""/>
+        <p:cNvGrpSpPr/>
+        <p:nvPr/>
+      </p:nvGrpSpPr>
+      <p:grpSpPr>
+        <a:xfrm>
+          <a:off x="0" y="0"/>
+          <a:ext cx="0" cy="0"/>
+          <a:chOff x="0" y="0"/>
+          <a:chExt cx="0" cy="0"/>
+        </a:xfrm>
+      </p:grpSpPr>
+      <p:sp>
+        <p:nvSpPr>
+          <p:cNvPr id="2" name="Titel 1"/>
+          <p:cNvSpPr>
+            <a:spLocks noGrp="1"/>
+          </p:cNvSpPr>
+          <p:nvPr>
+            <p:ph type="title"/>
+          </p:nvPr>
+        </p:nvSpPr>
+        <p:spPr>
+          <a:xfrm>
+            <a:off x="810915" y="691116"/>
+            <a:ext cx="10018713" cy="1752599"/>
+          </a:xfrm>
+        </p:spPr>
+        <p:txBody>
+          <a:bodyPr/>
+          <a:lstStyle/>
+          <a:p>
+            <a:r>
+              <a:rPr lang="de-DE" dirty="0" err="1" smtClean="0"/>
+              <a:t>Why</a:t>
+            </a:r>
+            <a:r>
+              <a:rPr lang="de-DE" dirty="0" smtClean="0"/>
+              <a:t> </a:t>
+            </a:r>
+            <a:r>
+              <a:rPr lang="de-DE" dirty="0" err="1" smtClean="0"/>
+              <a:t>us</a:t>
+            </a:r>
+            <a:r>
+              <a:rPr lang="de-DE" dirty="0" smtClean="0"/>
+              <a:t>?</a:t>
+            </a:r>
+            <a:endParaRPr lang="de-DE" dirty="0"/>
+          </a:p>
+        </p:txBody>
+      </p:sp>
+      <p:sp>
+        <p:nvSpPr>
+          <p:cNvPr id="6" name="Inhaltsplatzhalter 2"/>
+          <p:cNvSpPr txBox="1">
+            <a:spLocks/>
+          </p:cNvSpPr>
+          <p:nvPr/>
+        </p:nvSpPr>
+        <p:spPr>
+          <a:xfrm>
+            <a:off x="8137451" y="-41565"/>
+            <a:ext cx="4054549" cy="370610"/>
+          </a:xfrm>
+          <a:prstGeom prst="rect">
+            <a:avLst/>
+          </a:prstGeom>
+        </p:spPr>
+        <p:txBody>
+          <a:bodyPr vert="horz" lIns="91440" tIns="45720" rIns="91440" bIns="45720" rtlCol="0" anchor="ctr">
+            <a:normAutofit/>
+          </a:bodyPr>
+          <a:lstStyle>
+            <a:lvl1pPr marL="285750" indent="-285750" algn="l" defTabSz="457200" rtl="0" eaLnBrk="1" latinLnBrk="0" hangingPunct="1">
+              <a:spcBef>
+                <a:spcPct val="20000"/>
+              </a:spcBef>
+              <a:spcAft>
+                <a:spcPts val="600"/>
+              </a:spcAft>
+              <a:buClr>
+                <a:schemeClr val="accent1">
+                  <a:lumMod val="75000"/>
+                </a:schemeClr>
+              </a:buClr>
+              <a:buSzPct val="145000"/>
+              <a:buFont typeface="Arial"/>
+              <a:buChar char="•"/>
+              <a:defRPr sz="2400" kern="1200" cap="none">
+                <a:solidFill>
+                  <a:schemeClr val="tx1"/>
+                </a:solidFill>
+                <a:effectLst/>
+                <a:latin typeface="+mn-lt"/>
+                <a:ea typeface="+mn-ea"/>
+                <a:cs typeface="+mn-cs"/>
+              </a:defRPr>
+            </a:lvl1pPr>
+            <a:lvl2pPr marL="742950" indent="-285750" algn="l" defTabSz="457200" rtl="0" eaLnBrk="1" latinLnBrk="0" hangingPunct="1">
+              <a:spcBef>
+                <a:spcPct val="20000"/>
+              </a:spcBef>
+              <a:spcAft>
+                <a:spcPts val="600"/>
+              </a:spcAft>
+              <a:buClr>
+                <a:schemeClr val="accent1">
+                  <a:lumMod val="75000"/>
+                </a:schemeClr>
+              </a:buClr>
+              <a:buSzPct val="145000"/>
+              <a:buFont typeface="Arial"/>
+              <a:buChar char="•"/>
+              <a:defRPr sz="2000" kern="1200" cap="none">
+                <a:solidFill>
+                  <a:schemeClr val="tx1"/>
+                </a:solidFill>
+                <a:effectLst/>
+                <a:latin typeface="+mn-lt"/>
+                <a:ea typeface="+mn-ea"/>
+                <a:cs typeface="+mn-cs"/>
+              </a:defRPr>
+            </a:lvl2pPr>
+            <a:lvl3pPr marL="1200150" indent="-285750" algn="l" defTabSz="457200" rtl="0" eaLnBrk="1" latinLnBrk="0" hangingPunct="1">
+              <a:spcBef>
+                <a:spcPct val="20000"/>
+              </a:spcBef>
+              <a:spcAft>
+                <a:spcPts val="600"/>
+              </a:spcAft>
+              <a:buClr>
+                <a:schemeClr val="accent1">
+                  <a:lumMod val="75000"/>
+                </a:schemeClr>
+              </a:buClr>
+              <a:buSzPct val="145000"/>
+              <a:buFont typeface="Arial"/>
+              <a:buChar char="•"/>
+              <a:defRPr sz="1800" kern="1200" cap="none">
+                <a:solidFill>
+                  <a:schemeClr val="tx1"/>
+                </a:solidFill>
+                <a:effectLst/>
+                <a:latin typeface="+mn-lt"/>
+                <a:ea typeface="+mn-ea"/>
+                <a:cs typeface="+mn-cs"/>
+              </a:defRPr>
+            </a:lvl3pPr>
+            <a:lvl4pPr marL="1543050" indent="-171450" algn="l" defTabSz="457200" rtl="0" eaLnBrk="1" latinLnBrk="0" hangingPunct="1">
+              <a:spcBef>
+                <a:spcPct val="20000"/>
+              </a:spcBef>
+              <a:spcAft>
+                <a:spcPts val="600"/>
+              </a:spcAft>
+              <a:buClr>
+                <a:schemeClr val="accent1">
+                  <a:lumMod val="75000"/>
+                </a:schemeClr>
+              </a:buClr>
+              <a:buSzPct val="145000"/>
+              <a:buFont typeface="Arial"/>
+              <a:buChar char="•"/>
+              <a:defRPr sz="1600" kern="1200" cap="none">
+                <a:solidFill>
+                  <a:schemeClr val="tx1"/>
+                </a:solidFill>
+                <a:effectLst/>
+                <a:latin typeface="+mn-lt"/>
+                <a:ea typeface="+mn-ea"/>
+                <a:cs typeface="+mn-cs"/>
+              </a:defRPr>
+            </a:lvl4pPr>
+            <a:lvl5pPr marL="2000250" indent="-171450" algn="l" defTabSz="457200" rtl="0" eaLnBrk="1" latinLnBrk="0" hangingPunct="1">
+              <a:spcBef>
+                <a:spcPct val="20000"/>
+              </a:spcBef>
+              <a:spcAft>
+                <a:spcPts val="600"/>
+              </a:spcAft>
+              <a:buClr>
+                <a:schemeClr val="accent1">
+                  <a:lumMod val="75000"/>
+                </a:schemeClr>
+              </a:buClr>
+              <a:buSzPct val="145000"/>
+              <a:buFont typeface="Arial"/>
+              <a:buChar char="•"/>
+              <a:defRPr sz="1400" kern="1200" cap="none">
+                <a:solidFill>
+                  <a:schemeClr val="tx1"/>
+                </a:solidFill>
+                <a:effectLst/>
+                <a:latin typeface="+mn-lt"/>
+                <a:ea typeface="+mn-ea"/>
+                <a:cs typeface="+mn-cs"/>
+              </a:defRPr>
+            </a:lvl5pPr>
+            <a:lvl6pPr marL="2514600" indent="-228600" algn="l" defTabSz="457200" rtl="0" eaLnBrk="1" latinLnBrk="0" hangingPunct="1">
+              <a:spcBef>
+                <a:spcPct val="20000"/>
+              </a:spcBef>
+              <a:spcAft>
+                <a:spcPts val="600"/>
+              </a:spcAft>
+              <a:buClr>
+                <a:schemeClr val="accent1">
+                  <a:lumMod val="75000"/>
+                </a:schemeClr>
+              </a:buClr>
+              <a:buSzPct val="145000"/>
+              <a:buFont typeface="Arial"/>
+              <a:buChar char="•"/>
+              <a:defRPr sz="1400" kern="1200" cap="none">
+                <a:solidFill>
+                  <a:schemeClr val="tx1"/>
+                </a:solidFill>
+                <a:effectLst/>
+                <a:latin typeface="+mn-lt"/>
+                <a:ea typeface="+mn-ea"/>
+                <a:cs typeface="+mn-cs"/>
+              </a:defRPr>
+            </a:lvl6pPr>
+            <a:lvl7pPr marL="2971800" indent="-228600" algn="l" defTabSz="457200" rtl="0" eaLnBrk="1" latinLnBrk="0" hangingPunct="1">
+              <a:spcBef>
+                <a:spcPct val="20000"/>
+              </a:spcBef>
+              <a:spcAft>
+                <a:spcPts val="600"/>
+              </a:spcAft>
+              <a:buClr>
+                <a:schemeClr val="accent1">
+                  <a:lumMod val="75000"/>
+                </a:schemeClr>
+              </a:buClr>
+              <a:buSzPct val="145000"/>
+              <a:buFont typeface="Arial"/>
+              <a:buChar char="•"/>
+              <a:defRPr sz="1400" kern="1200" cap="none">
+                <a:solidFill>
+                  <a:schemeClr val="tx1"/>
+                </a:solidFill>
+                <a:effectLst/>
+                <a:latin typeface="+mn-lt"/>
+                <a:ea typeface="+mn-ea"/>
+                <a:cs typeface="+mn-cs"/>
+              </a:defRPr>
+            </a:lvl7pPr>
+            <a:lvl8pPr marL="3429000" indent="-228600" algn="l" defTabSz="457200" rtl="0" eaLnBrk="1" latinLnBrk="0" hangingPunct="1">
+              <a:spcBef>
+                <a:spcPct val="20000"/>
+              </a:spcBef>
+              <a:spcAft>
+                <a:spcPts val="600"/>
+              </a:spcAft>
+              <a:buClr>
+                <a:schemeClr val="accent1">
+                  <a:lumMod val="75000"/>
+                </a:schemeClr>
+              </a:buClr>
+              <a:buSzPct val="145000"/>
+              <a:buFont typeface="Arial"/>
+              <a:buChar char="•"/>
+              <a:defRPr sz="1400" kern="1200" cap="none">
+                <a:solidFill>
+                  <a:schemeClr val="tx1"/>
+                </a:solidFill>
+                <a:effectLst/>
+                <a:latin typeface="+mn-lt"/>
+                <a:ea typeface="+mn-ea"/>
+                <a:cs typeface="+mn-cs"/>
+              </a:defRPr>
+            </a:lvl8pPr>
+            <a:lvl9pPr marL="3886200" indent="-228600" algn="l" defTabSz="457200" rtl="0" eaLnBrk="1" latinLnBrk="0" hangingPunct="1">
+              <a:spcBef>
+                <a:spcPct val="20000"/>
+              </a:spcBef>
+              <a:spcAft>
+                <a:spcPts val="600"/>
+              </a:spcAft>
+              <a:buClr>
+                <a:schemeClr val="accent1">
+                  <a:lumMod val="75000"/>
+                </a:schemeClr>
+              </a:buClr>
+              <a:buSzPct val="145000"/>
+              <a:buFont typeface="Arial"/>
+              <a:buChar char="•"/>
+              <a:defRPr sz="1400" kern="1200" cap="none">
+                <a:solidFill>
+                  <a:schemeClr val="tx1"/>
+                </a:solidFill>
+                <a:effectLst/>
+                <a:latin typeface="+mn-lt"/>
+                <a:ea typeface="+mn-ea"/>
+                <a:cs typeface="+mn-cs"/>
+              </a:defRPr>
+            </a:lvl9pPr>
+          </a:lstStyle>
+          <a:p>
+            <a:pPr marL="0" indent="0">
+              <a:buNone/>
+            </a:pPr>
+            <a:r>
+              <a:rPr lang="de-DE" sz="1000" dirty="0" smtClean="0"/>
+              <a:t>Rem0 Röthlisberger, Eric </a:t>
+            </a:r>
+            <a:r>
+              <a:rPr lang="de-DE" sz="1000" dirty="0" err="1" smtClean="0"/>
+              <a:t>Lagger</a:t>
+            </a:r>
+            <a:r>
+              <a:rPr lang="de-DE" sz="1000" dirty="0" smtClean="0"/>
+              <a:t>, Vincent Hofer, Dean Klopsch, Aebi Ryan</a:t>
+            </a:r>
+            <a:endParaRPr lang="de-DE" sz="1000" dirty="0"/>
+          </a:p>
+        </p:txBody>
+      </p:sp>
+      <p:sp>
+        <p:nvSpPr>
+          <p:cNvPr id="7" name="Inhaltsplatzhalter 2"/>
+          <p:cNvSpPr>
+            <a:spLocks noGrp="1"/>
+          </p:cNvSpPr>
+          <p:nvPr>
+            <p:ph idx="1"/>
+          </p:nvPr>
+        </p:nvSpPr>
+        <p:spPr>
+          <a:xfrm>
+            <a:off x="762552" y="2065420"/>
+            <a:ext cx="10115438" cy="3937001"/>
+          </a:xfrm>
+        </p:spPr>
+        <p:txBody>
+          <a:bodyPr>
+            <a:normAutofit/>
+          </a:bodyPr>
+          <a:lstStyle/>
+          <a:p>
+            <a:pPr algn="ctr"/>
+            <a:r>
+              <a:rPr lang="de-DE" sz="3200" dirty="0" err="1" smtClean="0"/>
+              <a:t>Our</a:t>
+            </a:r>
+            <a:r>
+              <a:rPr lang="de-DE" sz="3200" dirty="0" smtClean="0"/>
+              <a:t> </a:t>
+            </a:r>
+            <a:r>
+              <a:rPr lang="de-DE" sz="3200" dirty="0" err="1" smtClean="0"/>
+              <a:t>team</a:t>
+            </a:r>
+            <a:endParaRPr lang="de-DE" sz="3200" dirty="0" smtClean="0"/>
+          </a:p>
+          <a:p>
+            <a:pPr algn="ctr"/>
+            <a:r>
+              <a:rPr lang="de-DE" sz="3200" dirty="0" smtClean="0"/>
+              <a:t>The </a:t>
+            </a:r>
+            <a:r>
+              <a:rPr lang="de-DE" sz="3200" dirty="0" err="1" smtClean="0"/>
+              <a:t>products</a:t>
+            </a:r>
+            <a:r>
+              <a:rPr lang="de-DE" sz="3200" dirty="0" smtClean="0"/>
+              <a:t/>
+            </a:r>
+            <a:br>
+              <a:rPr lang="de-DE" sz="3200" dirty="0" smtClean="0"/>
+            </a:br>
+            <a:r>
+              <a:rPr lang="de-DE" sz="3200" dirty="0" smtClean="0"/>
+              <a:t>-&gt; The </a:t>
+            </a:r>
+            <a:r>
+              <a:rPr lang="de-DE" sz="3200" dirty="0" err="1" smtClean="0"/>
+              <a:t>client</a:t>
+            </a:r>
+            <a:r>
+              <a:rPr lang="de-DE" sz="3200" dirty="0" smtClean="0"/>
+              <a:t/>
+            </a:r>
+            <a:br>
+              <a:rPr lang="de-DE" sz="3200" dirty="0" smtClean="0"/>
+            </a:br>
+            <a:r>
+              <a:rPr lang="de-DE" sz="3200" dirty="0" smtClean="0"/>
+              <a:t>-&gt; The </a:t>
+            </a:r>
+            <a:r>
+              <a:rPr lang="de-DE" sz="3200" dirty="0" err="1" smtClean="0"/>
+              <a:t>developers</a:t>
+            </a:r>
+            <a:endParaRPr lang="de-DE" sz="3200" dirty="0" smtClean="0"/>
+          </a:p>
+          <a:p>
+            <a:pPr algn="ctr"/>
+            <a:r>
+              <a:rPr lang="de-DE" sz="3200" dirty="0" err="1" smtClean="0"/>
+              <a:t>Ask</a:t>
+            </a:r>
+            <a:r>
+              <a:rPr lang="de-DE" sz="3200" dirty="0" smtClean="0"/>
+              <a:t> </a:t>
+            </a:r>
+            <a:r>
+              <a:rPr lang="de-DE" sz="3200" dirty="0" err="1" smtClean="0"/>
+              <a:t>us</a:t>
+            </a:r>
+            <a:r>
+              <a:rPr lang="de-DE" sz="3200" dirty="0" smtClean="0"/>
+              <a:t>!</a:t>
+            </a:r>
+          </a:p>
+          <a:p>
+            <a:pPr algn="ctr"/>
+            <a:r>
+              <a:rPr lang="de-DE" sz="3200" dirty="0" err="1" smtClean="0"/>
+              <a:t>Contact</a:t>
+            </a:r>
+            <a:r>
+              <a:rPr lang="de-DE" sz="3200" dirty="0" smtClean="0"/>
+              <a:t> </a:t>
+            </a:r>
+            <a:r>
+              <a:rPr lang="de-DE" sz="3200" dirty="0" err="1" smtClean="0"/>
+              <a:t>us</a:t>
+            </a:r>
+            <a:r>
+              <a:rPr lang="de-DE" sz="3200" dirty="0" smtClean="0"/>
+              <a:t>!</a:t>
+            </a:r>
+          </a:p>
+        </p:txBody>
+      </p:sp>
+    </p:spTree>
+    <p:extLst>
+      <p:ext uri="{BB962C8B-B14F-4D97-AF65-F5344CB8AC3E}">
+        <p14:creationId xmlns:p14="http://schemas.microsoft.com/office/powerpoint/2010/main" val="3339796951"/>
+      </p:ext>
+    </p:extLst>
+  </p:cSld>
+  <p:clrMapOvr>
+    <a:masterClrMapping/>
+  </p:clrMapOvr>
+  <p:timing>
+    <p:tnLst>
+      <p:par>
+        <p:cTn id="1" dur="indefinite" restart="never" nodeType="tmRoot"/>
+      </p:par>
+    </p:tnLst>
+  </p:timing>
+</p:sld>
+</file>
+
+<file path=ppt/slides/slide16.xml><?xml version="1.0" encoding="utf-8"?>
+<p:sld xmlns:a="http://schemas.openxmlformats.org/drawingml/2006/main" xmlns:r="http://schemas.openxmlformats.org/officeDocument/2006/relationships" xmlns:p="http://schemas.openxmlformats.org/presentationml/2006/main">
+  <p:cSld>
+    <p:spTree>
+      <p:nvGrpSpPr>
+        <p:cNvPr id="1" name=""/>
+        <p:cNvGrpSpPr/>
+        <p:nvPr/>
+      </p:nvGrpSpPr>
+      <p:grpSpPr>
+        <a:xfrm>
+          <a:off x="0" y="0"/>
+          <a:ext cx="0" cy="0"/>
+          <a:chOff x="0" y="0"/>
+          <a:chExt cx="0" cy="0"/>
+        </a:xfrm>
+      </p:grpSpPr>
+      <p:sp>
+        <p:nvSpPr>
+          <p:cNvPr id="2" name="Titel 1"/>
+          <p:cNvSpPr>
+            <a:spLocks noGrp="1"/>
+          </p:cNvSpPr>
+          <p:nvPr>
+            <p:ph type="title"/>
+          </p:nvPr>
+        </p:nvSpPr>
+        <p:spPr>
+          <a:xfrm>
+            <a:off x="810915" y="691116"/>
+            <a:ext cx="10018713" cy="1752599"/>
+          </a:xfrm>
+        </p:spPr>
+        <p:txBody>
+          <a:bodyPr/>
+          <a:lstStyle/>
+          <a:p>
+            <a:r>
+              <a:rPr lang="de-DE" dirty="0" err="1" smtClean="0"/>
+              <a:t>Good</a:t>
+            </a:r>
+            <a:r>
+              <a:rPr lang="de-DE" dirty="0" smtClean="0"/>
+              <a:t> </a:t>
+            </a:r>
+            <a:r>
+              <a:rPr lang="de-DE" dirty="0" err="1" smtClean="0"/>
+              <a:t>code</a:t>
+            </a:r>
+            <a:endParaRPr lang="de-DE" dirty="0"/>
+          </a:p>
+        </p:txBody>
+      </p:sp>
+      <p:sp>
+        <p:nvSpPr>
+          <p:cNvPr id="6" name="Inhaltsplatzhalter 2"/>
+          <p:cNvSpPr txBox="1">
+            <a:spLocks/>
+          </p:cNvSpPr>
+          <p:nvPr/>
+        </p:nvSpPr>
+        <p:spPr>
+          <a:xfrm>
+            <a:off x="8137451" y="-41565"/>
+            <a:ext cx="4054549" cy="370610"/>
+          </a:xfrm>
+          <a:prstGeom prst="rect">
+            <a:avLst/>
+          </a:prstGeom>
+        </p:spPr>
+        <p:txBody>
+          <a:bodyPr vert="horz" lIns="91440" tIns="45720" rIns="91440" bIns="45720" rtlCol="0" anchor="ctr">
+            <a:normAutofit/>
+          </a:bodyPr>
+          <a:lstStyle>
+            <a:lvl1pPr marL="285750" indent="-285750" algn="l" defTabSz="457200" rtl="0" eaLnBrk="1" latinLnBrk="0" hangingPunct="1">
+              <a:spcBef>
+                <a:spcPct val="20000"/>
+              </a:spcBef>
+              <a:spcAft>
+                <a:spcPts val="600"/>
+              </a:spcAft>
+              <a:buClr>
+                <a:schemeClr val="accent1">
+                  <a:lumMod val="75000"/>
+                </a:schemeClr>
+              </a:buClr>
+              <a:buSzPct val="145000"/>
+              <a:buFont typeface="Arial"/>
+              <a:buChar char="•"/>
+              <a:defRPr sz="2400" kern="1200" cap="none">
+                <a:solidFill>
+                  <a:schemeClr val="tx1"/>
+                </a:solidFill>
+                <a:effectLst/>
+                <a:latin typeface="+mn-lt"/>
+                <a:ea typeface="+mn-ea"/>
+                <a:cs typeface="+mn-cs"/>
+              </a:defRPr>
+            </a:lvl1pPr>
+            <a:lvl2pPr marL="742950" indent="-285750" algn="l" defTabSz="457200" rtl="0" eaLnBrk="1" latinLnBrk="0" hangingPunct="1">
+              <a:spcBef>
+                <a:spcPct val="20000"/>
+              </a:spcBef>
+              <a:spcAft>
+                <a:spcPts val="600"/>
+              </a:spcAft>
+              <a:buClr>
+                <a:schemeClr val="accent1">
+                  <a:lumMod val="75000"/>
+                </a:schemeClr>
+              </a:buClr>
+              <a:buSzPct val="145000"/>
+              <a:buFont typeface="Arial"/>
+              <a:buChar char="•"/>
+              <a:defRPr sz="2000" kern="1200" cap="none">
+                <a:solidFill>
+                  <a:schemeClr val="tx1"/>
+                </a:solidFill>
+                <a:effectLst/>
+                <a:latin typeface="+mn-lt"/>
+                <a:ea typeface="+mn-ea"/>
+                <a:cs typeface="+mn-cs"/>
+              </a:defRPr>
+            </a:lvl2pPr>
+            <a:lvl3pPr marL="1200150" indent="-285750" algn="l" defTabSz="457200" rtl="0" eaLnBrk="1" latinLnBrk="0" hangingPunct="1">
+              <a:spcBef>
+                <a:spcPct val="20000"/>
+              </a:spcBef>
+              <a:spcAft>
+                <a:spcPts val="600"/>
+              </a:spcAft>
+              <a:buClr>
+                <a:schemeClr val="accent1">
+                  <a:lumMod val="75000"/>
+                </a:schemeClr>
+              </a:buClr>
+              <a:buSzPct val="145000"/>
+              <a:buFont typeface="Arial"/>
+              <a:buChar char="•"/>
+              <a:defRPr sz="1800" kern="1200" cap="none">
+                <a:solidFill>
+                  <a:schemeClr val="tx1"/>
+                </a:solidFill>
+                <a:effectLst/>
+                <a:latin typeface="+mn-lt"/>
+                <a:ea typeface="+mn-ea"/>
+                <a:cs typeface="+mn-cs"/>
+              </a:defRPr>
+            </a:lvl3pPr>
+            <a:lvl4pPr marL="1543050" indent="-171450" algn="l" defTabSz="457200" rtl="0" eaLnBrk="1" latinLnBrk="0" hangingPunct="1">
+              <a:spcBef>
+                <a:spcPct val="20000"/>
+              </a:spcBef>
+              <a:spcAft>
+                <a:spcPts val="600"/>
+              </a:spcAft>
+              <a:buClr>
+                <a:schemeClr val="accent1">
+                  <a:lumMod val="75000"/>
+                </a:schemeClr>
+              </a:buClr>
+              <a:buSzPct val="145000"/>
+              <a:buFont typeface="Arial"/>
+              <a:buChar char="•"/>
+              <a:defRPr sz="1600" kern="1200" cap="none">
+                <a:solidFill>
+                  <a:schemeClr val="tx1"/>
+                </a:solidFill>
+                <a:effectLst/>
+                <a:latin typeface="+mn-lt"/>
+                <a:ea typeface="+mn-ea"/>
+                <a:cs typeface="+mn-cs"/>
+              </a:defRPr>
+            </a:lvl4pPr>
+            <a:lvl5pPr marL="2000250" indent="-171450" algn="l" defTabSz="457200" rtl="0" eaLnBrk="1" latinLnBrk="0" hangingPunct="1">
+              <a:spcBef>
+                <a:spcPct val="20000"/>
+              </a:spcBef>
+              <a:spcAft>
+                <a:spcPts val="600"/>
+              </a:spcAft>
+              <a:buClr>
+                <a:schemeClr val="accent1">
+                  <a:lumMod val="75000"/>
+                </a:schemeClr>
+              </a:buClr>
+              <a:buSzPct val="145000"/>
+              <a:buFont typeface="Arial"/>
+              <a:buChar char="•"/>
+              <a:defRPr sz="1400" kern="1200" cap="none">
+                <a:solidFill>
+                  <a:schemeClr val="tx1"/>
+                </a:solidFill>
+                <a:effectLst/>
+                <a:latin typeface="+mn-lt"/>
+                <a:ea typeface="+mn-ea"/>
+                <a:cs typeface="+mn-cs"/>
+              </a:defRPr>
+            </a:lvl5pPr>
+            <a:lvl6pPr marL="2514600" indent="-228600" algn="l" defTabSz="457200" rtl="0" eaLnBrk="1" latinLnBrk="0" hangingPunct="1">
+              <a:spcBef>
+                <a:spcPct val="20000"/>
+              </a:spcBef>
+              <a:spcAft>
+                <a:spcPts val="600"/>
+              </a:spcAft>
+              <a:buClr>
+                <a:schemeClr val="accent1">
+                  <a:lumMod val="75000"/>
+                </a:schemeClr>
+              </a:buClr>
+              <a:buSzPct val="145000"/>
+              <a:buFont typeface="Arial"/>
+              <a:buChar char="•"/>
+              <a:defRPr sz="1400" kern="1200" cap="none">
+                <a:solidFill>
+                  <a:schemeClr val="tx1"/>
+                </a:solidFill>
+                <a:effectLst/>
+                <a:latin typeface="+mn-lt"/>
+                <a:ea typeface="+mn-ea"/>
+                <a:cs typeface="+mn-cs"/>
+              </a:defRPr>
+            </a:lvl6pPr>
+            <a:lvl7pPr marL="2971800" indent="-228600" algn="l" defTabSz="457200" rtl="0" eaLnBrk="1" latinLnBrk="0" hangingPunct="1">
+              <a:spcBef>
+                <a:spcPct val="20000"/>
+              </a:spcBef>
+              <a:spcAft>
+                <a:spcPts val="600"/>
+              </a:spcAft>
+              <a:buClr>
+                <a:schemeClr val="accent1">
+                  <a:lumMod val="75000"/>
+                </a:schemeClr>
+              </a:buClr>
+              <a:buSzPct val="145000"/>
+              <a:buFont typeface="Arial"/>
+              <a:buChar char="•"/>
+              <a:defRPr sz="1400" kern="1200" cap="none">
+                <a:solidFill>
+                  <a:schemeClr val="tx1"/>
+                </a:solidFill>
+                <a:effectLst/>
+                <a:latin typeface="+mn-lt"/>
+                <a:ea typeface="+mn-ea"/>
+                <a:cs typeface="+mn-cs"/>
+              </a:defRPr>
+            </a:lvl7pPr>
+            <a:lvl8pPr marL="3429000" indent="-228600" algn="l" defTabSz="457200" rtl="0" eaLnBrk="1" latinLnBrk="0" hangingPunct="1">
+              <a:spcBef>
+                <a:spcPct val="20000"/>
+              </a:spcBef>
+              <a:spcAft>
+                <a:spcPts val="600"/>
+              </a:spcAft>
+              <a:buClr>
+                <a:schemeClr val="accent1">
+                  <a:lumMod val="75000"/>
+                </a:schemeClr>
+              </a:buClr>
+              <a:buSzPct val="145000"/>
+              <a:buFont typeface="Arial"/>
+              <a:buChar char="•"/>
+              <a:defRPr sz="1400" kern="1200" cap="none">
+                <a:solidFill>
+                  <a:schemeClr val="tx1"/>
+                </a:solidFill>
+                <a:effectLst/>
+                <a:latin typeface="+mn-lt"/>
+                <a:ea typeface="+mn-ea"/>
+                <a:cs typeface="+mn-cs"/>
+              </a:defRPr>
+            </a:lvl8pPr>
+            <a:lvl9pPr marL="3886200" indent="-228600" algn="l" defTabSz="457200" rtl="0" eaLnBrk="1" latinLnBrk="0" hangingPunct="1">
+              <a:spcBef>
+                <a:spcPct val="20000"/>
+              </a:spcBef>
+              <a:spcAft>
+                <a:spcPts val="600"/>
+              </a:spcAft>
+              <a:buClr>
+                <a:schemeClr val="accent1">
+                  <a:lumMod val="75000"/>
+                </a:schemeClr>
+              </a:buClr>
+              <a:buSzPct val="145000"/>
+              <a:buFont typeface="Arial"/>
+              <a:buChar char="•"/>
+              <a:defRPr sz="1400" kern="1200" cap="none">
+                <a:solidFill>
+                  <a:schemeClr val="tx1"/>
+                </a:solidFill>
+                <a:effectLst/>
+                <a:latin typeface="+mn-lt"/>
+                <a:ea typeface="+mn-ea"/>
+                <a:cs typeface="+mn-cs"/>
+              </a:defRPr>
+            </a:lvl9pPr>
+          </a:lstStyle>
+          <a:p>
+            <a:pPr marL="0" indent="0">
+              <a:buNone/>
+            </a:pPr>
+            <a:r>
+              <a:rPr lang="de-DE" sz="1000" dirty="0" smtClean="0"/>
+              <a:t>Rem0 Röthlisberger, Eric </a:t>
+            </a:r>
+            <a:r>
+              <a:rPr lang="de-DE" sz="1000" dirty="0" err="1" smtClean="0"/>
+              <a:t>Lagger</a:t>
+            </a:r>
+            <a:r>
+              <a:rPr lang="de-DE" sz="1000" dirty="0" smtClean="0"/>
+              <a:t>, Vincent Hofer, Dean Klopsch, Aebi Ryan</a:t>
+            </a:r>
+            <a:endParaRPr lang="de-DE" sz="1000" dirty="0"/>
+          </a:p>
+        </p:txBody>
+      </p:sp>
+      <p:pic>
+        <p:nvPicPr>
+          <p:cNvPr id="3" name="Inhaltsplatzhalter 2"/>
+          <p:cNvPicPr>
+            <a:picLocks noGrp="1" noChangeAspect="1"/>
+          </p:cNvPicPr>
+          <p:nvPr>
+            <p:ph idx="1"/>
+          </p:nvPr>
+        </p:nvPicPr>
+        <p:blipFill>
+          <a:blip r:embed="rId3">
+            <a:extLst>
+              <a:ext uri="{28A0092B-C50C-407E-A947-70E740481C1C}">
+                <a14:useLocalDpi xmlns:a14="http://schemas.microsoft.com/office/drawing/2010/main" val="0"/>
+              </a:ext>
+            </a:extLst>
+          </a:blip>
+          <a:stretch>
+            <a:fillRect/>
+          </a:stretch>
+        </p:blipFill>
+        <p:spPr>
+          <a:xfrm>
+            <a:off x="1115053" y="4404742"/>
+            <a:ext cx="1781424" cy="990738"/>
+          </a:xfrm>
+        </p:spPr>
+      </p:pic>
+    </p:spTree>
+    <p:extLst>
+      <p:ext uri="{BB962C8B-B14F-4D97-AF65-F5344CB8AC3E}">
+        <p14:creationId xmlns:p14="http://schemas.microsoft.com/office/powerpoint/2010/main" val="1637174820"/>
+      </p:ext>
+    </p:extLst>
+  </p:cSld>
+  <p:clrMapOvr>
+    <a:masterClrMapping/>
+  </p:clrMapOvr>
+  <p:timing>
+    <p:tnLst>
+      <p:par>
+        <p:cTn id="1" dur="indefinite" restart="never" nodeType="tmRoot"/>
+      </p:par>
+    </p:tnLst>
+  </p:timing>
+</p:sld>
+</file>
+
+<file path=ppt/slides/slide17.xml><?xml version="1.0" encoding="utf-8"?>
+<p:sld xmlns:a="http://schemas.openxmlformats.org/drawingml/2006/main" xmlns:r="http://schemas.openxmlformats.org/officeDocument/2006/relationships" xmlns:p="http://schemas.openxmlformats.org/presentationml/2006/main">
+  <p:cSld>
+    <p:spTree>
+      <p:nvGrpSpPr>
+        <p:cNvPr id="1" name=""/>
+        <p:cNvGrpSpPr/>
+        <p:nvPr/>
+      </p:nvGrpSpPr>
+      <p:grpSpPr>
+        <a:xfrm>
+          <a:off x="0" y="0"/>
+          <a:ext cx="0" cy="0"/>
+          <a:chOff x="0" y="0"/>
+          <a:chExt cx="0" cy="0"/>
+        </a:xfrm>
+      </p:grpSpPr>
+      <p:sp>
+        <p:nvSpPr>
+          <p:cNvPr id="2" name="Titel 1"/>
+          <p:cNvSpPr>
+            <a:spLocks noGrp="1"/>
+          </p:cNvSpPr>
+          <p:nvPr>
+            <p:ph type="title"/>
+          </p:nvPr>
+        </p:nvSpPr>
+        <p:spPr>
+          <a:xfrm>
+            <a:off x="810915" y="691116"/>
+            <a:ext cx="10018713" cy="1752599"/>
+          </a:xfrm>
+        </p:spPr>
+        <p:txBody>
+          <a:bodyPr/>
+          <a:lstStyle/>
+          <a:p>
+            <a:r>
+              <a:rPr lang="de-DE" dirty="0" err="1" smtClean="0"/>
+              <a:t>Good</a:t>
+            </a:r>
+            <a:r>
+              <a:rPr lang="de-DE" dirty="0" smtClean="0"/>
+              <a:t> </a:t>
+            </a:r>
+            <a:r>
+              <a:rPr lang="de-DE" dirty="0" err="1" smtClean="0"/>
+              <a:t>code</a:t>
+            </a:r>
+            <a:endParaRPr lang="de-DE" dirty="0"/>
+          </a:p>
+        </p:txBody>
+      </p:sp>
+      <p:sp>
+        <p:nvSpPr>
+          <p:cNvPr id="6" name="Inhaltsplatzhalter 2"/>
+          <p:cNvSpPr txBox="1">
+            <a:spLocks/>
+          </p:cNvSpPr>
+          <p:nvPr/>
+        </p:nvSpPr>
+        <p:spPr>
+          <a:xfrm>
+            <a:off x="8137451" y="-41565"/>
+            <a:ext cx="4054549" cy="370610"/>
+          </a:xfrm>
+          <a:prstGeom prst="rect">
+            <a:avLst/>
+          </a:prstGeom>
+        </p:spPr>
+        <p:txBody>
+          <a:bodyPr vert="horz" lIns="91440" tIns="45720" rIns="91440" bIns="45720" rtlCol="0" anchor="ctr">
+            <a:normAutofit/>
+          </a:bodyPr>
+          <a:lstStyle>
+            <a:lvl1pPr marL="285750" indent="-285750" algn="l" defTabSz="457200" rtl="0" eaLnBrk="1" latinLnBrk="0" hangingPunct="1">
+              <a:spcBef>
+                <a:spcPct val="20000"/>
+              </a:spcBef>
+              <a:spcAft>
+                <a:spcPts val="600"/>
+              </a:spcAft>
+              <a:buClr>
+                <a:schemeClr val="accent1">
+                  <a:lumMod val="75000"/>
+                </a:schemeClr>
+              </a:buClr>
+              <a:buSzPct val="145000"/>
+              <a:buFont typeface="Arial"/>
+              <a:buChar char="•"/>
+              <a:defRPr sz="2400" kern="1200" cap="none">
+                <a:solidFill>
+                  <a:schemeClr val="tx1"/>
+                </a:solidFill>
+                <a:effectLst/>
+                <a:latin typeface="+mn-lt"/>
+                <a:ea typeface="+mn-ea"/>
+                <a:cs typeface="+mn-cs"/>
+              </a:defRPr>
+            </a:lvl1pPr>
+            <a:lvl2pPr marL="742950" indent="-285750" algn="l" defTabSz="457200" rtl="0" eaLnBrk="1" latinLnBrk="0" hangingPunct="1">
+              <a:spcBef>
+                <a:spcPct val="20000"/>
+              </a:spcBef>
+              <a:spcAft>
+                <a:spcPts val="600"/>
+              </a:spcAft>
+              <a:buClr>
+                <a:schemeClr val="accent1">
+                  <a:lumMod val="75000"/>
+                </a:schemeClr>
+              </a:buClr>
+              <a:buSzPct val="145000"/>
+              <a:buFont typeface="Arial"/>
+              <a:buChar char="•"/>
+              <a:defRPr sz="2000" kern="1200" cap="none">
+                <a:solidFill>
+                  <a:schemeClr val="tx1"/>
+                </a:solidFill>
+                <a:effectLst/>
+                <a:latin typeface="+mn-lt"/>
+                <a:ea typeface="+mn-ea"/>
+                <a:cs typeface="+mn-cs"/>
+              </a:defRPr>
+            </a:lvl2pPr>
+            <a:lvl3pPr marL="1200150" indent="-285750" algn="l" defTabSz="457200" rtl="0" eaLnBrk="1" latinLnBrk="0" hangingPunct="1">
+              <a:spcBef>
+                <a:spcPct val="20000"/>
+              </a:spcBef>
+              <a:spcAft>
+                <a:spcPts val="600"/>
+              </a:spcAft>
+              <a:buClr>
+                <a:schemeClr val="accent1">
+                  <a:lumMod val="75000"/>
+                </a:schemeClr>
+              </a:buClr>
+              <a:buSzPct val="145000"/>
+              <a:buFont typeface="Arial"/>
+              <a:buChar char="•"/>
+              <a:defRPr sz="1800" kern="1200" cap="none">
+                <a:solidFill>
+                  <a:schemeClr val="tx1"/>
+                </a:solidFill>
+                <a:effectLst/>
+                <a:latin typeface="+mn-lt"/>
+                <a:ea typeface="+mn-ea"/>
+                <a:cs typeface="+mn-cs"/>
+              </a:defRPr>
+            </a:lvl3pPr>
+            <a:lvl4pPr marL="1543050" indent="-171450" algn="l" defTabSz="457200" rtl="0" eaLnBrk="1" latinLnBrk="0" hangingPunct="1">
+              <a:spcBef>
+                <a:spcPct val="20000"/>
+              </a:spcBef>
+              <a:spcAft>
+                <a:spcPts val="600"/>
+              </a:spcAft>
+              <a:buClr>
+                <a:schemeClr val="accent1">
+                  <a:lumMod val="75000"/>
+                </a:schemeClr>
+              </a:buClr>
+              <a:buSzPct val="145000"/>
+              <a:buFont typeface="Arial"/>
+              <a:buChar char="•"/>
+              <a:defRPr sz="1600" kern="1200" cap="none">
+                <a:solidFill>
+                  <a:schemeClr val="tx1"/>
+                </a:solidFill>
+                <a:effectLst/>
+                <a:latin typeface="+mn-lt"/>
+                <a:ea typeface="+mn-ea"/>
+                <a:cs typeface="+mn-cs"/>
+              </a:defRPr>
+            </a:lvl4pPr>
+            <a:lvl5pPr marL="2000250" indent="-171450" algn="l" defTabSz="457200" rtl="0" eaLnBrk="1" latinLnBrk="0" hangingPunct="1">
+              <a:spcBef>
+                <a:spcPct val="20000"/>
+              </a:spcBef>
+              <a:spcAft>
+                <a:spcPts val="600"/>
+              </a:spcAft>
+              <a:buClr>
+                <a:schemeClr val="accent1">
+                  <a:lumMod val="75000"/>
+                </a:schemeClr>
+              </a:buClr>
+              <a:buSzPct val="145000"/>
+              <a:buFont typeface="Arial"/>
+              <a:buChar char="•"/>
+              <a:defRPr sz="1400" kern="1200" cap="none">
+                <a:solidFill>
+                  <a:schemeClr val="tx1"/>
+                </a:solidFill>
+                <a:effectLst/>
+                <a:latin typeface="+mn-lt"/>
+                <a:ea typeface="+mn-ea"/>
+                <a:cs typeface="+mn-cs"/>
+              </a:defRPr>
+            </a:lvl5pPr>
+            <a:lvl6pPr marL="2514600" indent="-228600" algn="l" defTabSz="457200" rtl="0" eaLnBrk="1" latinLnBrk="0" hangingPunct="1">
+              <a:spcBef>
+                <a:spcPct val="20000"/>
+              </a:spcBef>
+              <a:spcAft>
+                <a:spcPts val="600"/>
+              </a:spcAft>
+              <a:buClr>
+                <a:schemeClr val="accent1">
+                  <a:lumMod val="75000"/>
+                </a:schemeClr>
+              </a:buClr>
+              <a:buSzPct val="145000"/>
+              <a:buFont typeface="Arial"/>
+              <a:buChar char="•"/>
+              <a:defRPr sz="1400" kern="1200" cap="none">
+                <a:solidFill>
+                  <a:schemeClr val="tx1"/>
+                </a:solidFill>
+                <a:effectLst/>
+                <a:latin typeface="+mn-lt"/>
+                <a:ea typeface="+mn-ea"/>
+                <a:cs typeface="+mn-cs"/>
+              </a:defRPr>
+            </a:lvl6pPr>
+            <a:lvl7pPr marL="2971800" indent="-228600" algn="l" defTabSz="457200" rtl="0" eaLnBrk="1" latinLnBrk="0" hangingPunct="1">
+              <a:spcBef>
+                <a:spcPct val="20000"/>
+              </a:spcBef>
+              <a:spcAft>
+                <a:spcPts val="600"/>
+              </a:spcAft>
+              <a:buClr>
+                <a:schemeClr val="accent1">
+                  <a:lumMod val="75000"/>
+                </a:schemeClr>
+              </a:buClr>
+              <a:buSzPct val="145000"/>
+              <a:buFont typeface="Arial"/>
+              <a:buChar char="•"/>
+              <a:defRPr sz="1400" kern="1200" cap="none">
+                <a:solidFill>
+                  <a:schemeClr val="tx1"/>
+                </a:solidFill>
+                <a:effectLst/>
+                <a:latin typeface="+mn-lt"/>
+                <a:ea typeface="+mn-ea"/>
+                <a:cs typeface="+mn-cs"/>
+              </a:defRPr>
+            </a:lvl7pPr>
+            <a:lvl8pPr marL="3429000" indent="-228600" algn="l" defTabSz="457200" rtl="0" eaLnBrk="1" latinLnBrk="0" hangingPunct="1">
+              <a:spcBef>
+                <a:spcPct val="20000"/>
+              </a:spcBef>
+              <a:spcAft>
+                <a:spcPts val="600"/>
+              </a:spcAft>
+              <a:buClr>
+                <a:schemeClr val="accent1">
+                  <a:lumMod val="75000"/>
+                </a:schemeClr>
+              </a:buClr>
+              <a:buSzPct val="145000"/>
+              <a:buFont typeface="Arial"/>
+              <a:buChar char="•"/>
+              <a:defRPr sz="1400" kern="1200" cap="none">
+                <a:solidFill>
+                  <a:schemeClr val="tx1"/>
+                </a:solidFill>
+                <a:effectLst/>
+                <a:latin typeface="+mn-lt"/>
+                <a:ea typeface="+mn-ea"/>
+                <a:cs typeface="+mn-cs"/>
+              </a:defRPr>
+            </a:lvl8pPr>
+            <a:lvl9pPr marL="3886200" indent="-228600" algn="l" defTabSz="457200" rtl="0" eaLnBrk="1" latinLnBrk="0" hangingPunct="1">
+              <a:spcBef>
+                <a:spcPct val="20000"/>
+              </a:spcBef>
+              <a:spcAft>
+                <a:spcPts val="600"/>
+              </a:spcAft>
+              <a:buClr>
+                <a:schemeClr val="accent1">
+                  <a:lumMod val="75000"/>
+                </a:schemeClr>
+              </a:buClr>
+              <a:buSzPct val="145000"/>
+              <a:buFont typeface="Arial"/>
+              <a:buChar char="•"/>
+              <a:defRPr sz="1400" kern="1200" cap="none">
+                <a:solidFill>
+                  <a:schemeClr val="tx1"/>
+                </a:solidFill>
+                <a:effectLst/>
+                <a:latin typeface="+mn-lt"/>
+                <a:ea typeface="+mn-ea"/>
+                <a:cs typeface="+mn-cs"/>
+              </a:defRPr>
+            </a:lvl9pPr>
+          </a:lstStyle>
+          <a:p>
+            <a:pPr marL="0" indent="0">
+              <a:buNone/>
+            </a:pPr>
+            <a:r>
+              <a:rPr lang="de-DE" sz="1000" dirty="0" smtClean="0"/>
+              <a:t>Rem0 Röthlisberger, Eric </a:t>
+            </a:r>
+            <a:r>
+              <a:rPr lang="de-DE" sz="1000" dirty="0" err="1" smtClean="0"/>
+              <a:t>Lagger</a:t>
+            </a:r>
+            <a:r>
+              <a:rPr lang="de-DE" sz="1000" dirty="0" smtClean="0"/>
+              <a:t>, Vincent Hofer, Dean Klopsch, Aebi Ryan</a:t>
+            </a:r>
+            <a:endParaRPr lang="de-DE" sz="1000" dirty="0"/>
+          </a:p>
+        </p:txBody>
+      </p:sp>
+      <p:pic>
+        <p:nvPicPr>
+          <p:cNvPr id="3" name="Inhaltsplatzhalter 2"/>
+          <p:cNvPicPr>
+            <a:picLocks noGrp="1" noChangeAspect="1"/>
+          </p:cNvPicPr>
+          <p:nvPr>
+            <p:ph idx="1"/>
+          </p:nvPr>
+        </p:nvPicPr>
+        <p:blipFill>
+          <a:blip r:embed="rId3">
+            <a:extLst>
+              <a:ext uri="{28A0092B-C50C-407E-A947-70E740481C1C}">
+                <a14:useLocalDpi xmlns:a14="http://schemas.microsoft.com/office/drawing/2010/main" val="0"/>
+              </a:ext>
+            </a:extLst>
+          </a:blip>
+          <a:stretch>
+            <a:fillRect/>
+          </a:stretch>
+        </p:blipFill>
+        <p:spPr>
+          <a:xfrm>
+            <a:off x="1115053" y="4384029"/>
+            <a:ext cx="1781424" cy="990738"/>
+          </a:xfrm>
+        </p:spPr>
+      </p:pic>
+      <p:pic>
+        <p:nvPicPr>
+          <p:cNvPr id="4" name="Grafik 3"/>
+          <p:cNvPicPr>
+            <a:picLocks noChangeAspect="1"/>
+          </p:cNvPicPr>
+          <p:nvPr/>
+        </p:nvPicPr>
+        <p:blipFill>
+          <a:blip r:embed="rId4">
+            <a:extLst>
+              <a:ext uri="{28A0092B-C50C-407E-A947-70E740481C1C}">
+                <a14:useLocalDpi xmlns:a14="http://schemas.microsoft.com/office/drawing/2010/main" val="0"/>
+              </a:ext>
+            </a:extLst>
+          </a:blip>
+          <a:stretch>
+            <a:fillRect/>
+          </a:stretch>
+        </p:blipFill>
+        <p:spPr>
+          <a:xfrm>
+            <a:off x="5093427" y="3128211"/>
+            <a:ext cx="1453688" cy="3502374"/>
+          </a:xfrm>
+          <a:prstGeom prst="rect">
+            <a:avLst/>
+          </a:prstGeom>
+        </p:spPr>
+      </p:pic>
+    </p:spTree>
+    <p:extLst>
+      <p:ext uri="{BB962C8B-B14F-4D97-AF65-F5344CB8AC3E}">
+        <p14:creationId xmlns:p14="http://schemas.microsoft.com/office/powerpoint/2010/main" val="1376868967"/>
+      </p:ext>
+    </p:extLst>
+  </p:cSld>
+  <p:clrMapOvr>
+    <a:masterClrMapping/>
+  </p:clrMapOvr>
+  <p:timing>
+    <p:tnLst>
+      <p:par>
+        <p:cTn id="1" dur="indefinite" restart="never" nodeType="tmRoot"/>
+      </p:par>
+    </p:tnLst>
+  </p:timing>
+</p:sld>
+</file>
+
+<file path=ppt/slides/slide18.xml><?xml version="1.0" encoding="utf-8"?>
+<p:sld xmlns:a="http://schemas.openxmlformats.org/drawingml/2006/main" xmlns:r="http://schemas.openxmlformats.org/officeDocument/2006/relationships" xmlns:p="http://schemas.openxmlformats.org/presentationml/2006/main">
+  <p:cSld>
+    <p:spTree>
+      <p:nvGrpSpPr>
+        <p:cNvPr id="1" name=""/>
+        <p:cNvGrpSpPr/>
+        <p:nvPr/>
+      </p:nvGrpSpPr>
+      <p:grpSpPr>
+        <a:xfrm>
+          <a:off x="0" y="0"/>
+          <a:ext cx="0" cy="0"/>
+          <a:chOff x="0" y="0"/>
+          <a:chExt cx="0" cy="0"/>
+        </a:xfrm>
+      </p:grpSpPr>
+      <p:sp>
+        <p:nvSpPr>
+          <p:cNvPr id="2" name="Titel 1"/>
+          <p:cNvSpPr>
+            <a:spLocks noGrp="1"/>
+          </p:cNvSpPr>
+          <p:nvPr>
+            <p:ph type="title"/>
+          </p:nvPr>
+        </p:nvSpPr>
+        <p:spPr>
+          <a:xfrm>
+            <a:off x="810915" y="691116"/>
+            <a:ext cx="10018713" cy="1752599"/>
+          </a:xfrm>
+        </p:spPr>
+        <p:txBody>
+          <a:bodyPr/>
+          <a:lstStyle/>
+          <a:p>
+            <a:r>
+              <a:rPr lang="de-DE" dirty="0" err="1" smtClean="0"/>
+              <a:t>Good</a:t>
+            </a:r>
+            <a:r>
+              <a:rPr lang="de-DE" dirty="0" smtClean="0"/>
+              <a:t> </a:t>
+            </a:r>
+            <a:r>
+              <a:rPr lang="de-DE" dirty="0" err="1" smtClean="0"/>
+              <a:t>code</a:t>
+            </a:r>
+            <a:endParaRPr lang="de-DE" dirty="0"/>
+          </a:p>
+        </p:txBody>
+      </p:sp>
+      <p:sp>
+        <p:nvSpPr>
+          <p:cNvPr id="6" name="Inhaltsplatzhalter 2"/>
+          <p:cNvSpPr txBox="1">
+            <a:spLocks/>
+          </p:cNvSpPr>
+          <p:nvPr/>
+        </p:nvSpPr>
+        <p:spPr>
+          <a:xfrm>
+            <a:off x="8137451" y="-41565"/>
+            <a:ext cx="4054549" cy="370610"/>
+          </a:xfrm>
+          <a:prstGeom prst="rect">
+            <a:avLst/>
+          </a:prstGeom>
+        </p:spPr>
+        <p:txBody>
+          <a:bodyPr vert="horz" lIns="91440" tIns="45720" rIns="91440" bIns="45720" rtlCol="0" anchor="ctr">
+            <a:normAutofit/>
+          </a:bodyPr>
+          <a:lstStyle>
+            <a:lvl1pPr marL="285750" indent="-285750" algn="l" defTabSz="457200" rtl="0" eaLnBrk="1" latinLnBrk="0" hangingPunct="1">
+              <a:spcBef>
+                <a:spcPct val="20000"/>
+              </a:spcBef>
+              <a:spcAft>
+                <a:spcPts val="600"/>
+              </a:spcAft>
+              <a:buClr>
+                <a:schemeClr val="accent1">
+                  <a:lumMod val="75000"/>
+                </a:schemeClr>
+              </a:buClr>
+              <a:buSzPct val="145000"/>
+              <a:buFont typeface="Arial"/>
+              <a:buChar char="•"/>
+              <a:defRPr sz="2400" kern="1200" cap="none">
+                <a:solidFill>
+                  <a:schemeClr val="tx1"/>
+                </a:solidFill>
+                <a:effectLst/>
+                <a:latin typeface="+mn-lt"/>
+                <a:ea typeface="+mn-ea"/>
+                <a:cs typeface="+mn-cs"/>
+              </a:defRPr>
+            </a:lvl1pPr>
+            <a:lvl2pPr marL="742950" indent="-285750" algn="l" defTabSz="457200" rtl="0" eaLnBrk="1" latinLnBrk="0" hangingPunct="1">
+              <a:spcBef>
+                <a:spcPct val="20000"/>
+              </a:spcBef>
+              <a:spcAft>
+                <a:spcPts val="600"/>
+              </a:spcAft>
+              <a:buClr>
+                <a:schemeClr val="accent1">
+                  <a:lumMod val="75000"/>
+                </a:schemeClr>
+              </a:buClr>
+              <a:buSzPct val="145000"/>
+              <a:buFont typeface="Arial"/>
+              <a:buChar char="•"/>
+              <a:defRPr sz="2000" kern="1200" cap="none">
+                <a:solidFill>
+                  <a:schemeClr val="tx1"/>
+                </a:solidFill>
+                <a:effectLst/>
+                <a:latin typeface="+mn-lt"/>
+                <a:ea typeface="+mn-ea"/>
+                <a:cs typeface="+mn-cs"/>
+              </a:defRPr>
+            </a:lvl2pPr>
+            <a:lvl3pPr marL="1200150" indent="-285750" algn="l" defTabSz="457200" rtl="0" eaLnBrk="1" latinLnBrk="0" hangingPunct="1">
+              <a:spcBef>
+                <a:spcPct val="20000"/>
+              </a:spcBef>
+              <a:spcAft>
+                <a:spcPts val="600"/>
+              </a:spcAft>
+              <a:buClr>
+                <a:schemeClr val="accent1">
+                  <a:lumMod val="75000"/>
+                </a:schemeClr>
+              </a:buClr>
+              <a:buSzPct val="145000"/>
+              <a:buFont typeface="Arial"/>
+              <a:buChar char="•"/>
+              <a:defRPr sz="1800" kern="1200" cap="none">
+                <a:solidFill>
+                  <a:schemeClr val="tx1"/>
+                </a:solidFill>
+                <a:effectLst/>
+                <a:latin typeface="+mn-lt"/>
+                <a:ea typeface="+mn-ea"/>
+                <a:cs typeface="+mn-cs"/>
+              </a:defRPr>
+            </a:lvl3pPr>
+            <a:lvl4pPr marL="1543050" indent="-171450" algn="l" defTabSz="457200" rtl="0" eaLnBrk="1" latinLnBrk="0" hangingPunct="1">
+              <a:spcBef>
+                <a:spcPct val="20000"/>
+              </a:spcBef>
+              <a:spcAft>
+                <a:spcPts val="600"/>
+              </a:spcAft>
+              <a:buClr>
+                <a:schemeClr val="accent1">
+                  <a:lumMod val="75000"/>
+                </a:schemeClr>
+              </a:buClr>
+              <a:buSzPct val="145000"/>
+              <a:buFont typeface="Arial"/>
+              <a:buChar char="•"/>
+              <a:defRPr sz="1600" kern="1200" cap="none">
+                <a:solidFill>
+                  <a:schemeClr val="tx1"/>
+                </a:solidFill>
+                <a:effectLst/>
+                <a:latin typeface="+mn-lt"/>
+                <a:ea typeface="+mn-ea"/>
+                <a:cs typeface="+mn-cs"/>
+              </a:defRPr>
+            </a:lvl4pPr>
+            <a:lvl5pPr marL="2000250" indent="-171450" algn="l" defTabSz="457200" rtl="0" eaLnBrk="1" latinLnBrk="0" hangingPunct="1">
+              <a:spcBef>
+                <a:spcPct val="20000"/>
+              </a:spcBef>
+              <a:spcAft>
+                <a:spcPts val="600"/>
+              </a:spcAft>
+              <a:buClr>
+                <a:schemeClr val="accent1">
+                  <a:lumMod val="75000"/>
+                </a:schemeClr>
+              </a:buClr>
+              <a:buSzPct val="145000"/>
+              <a:buFont typeface="Arial"/>
+              <a:buChar char="•"/>
+              <a:defRPr sz="1400" kern="1200" cap="none">
+                <a:solidFill>
+                  <a:schemeClr val="tx1"/>
+                </a:solidFill>
+                <a:effectLst/>
+                <a:latin typeface="+mn-lt"/>
+                <a:ea typeface="+mn-ea"/>
+                <a:cs typeface="+mn-cs"/>
+              </a:defRPr>
+            </a:lvl5pPr>
+            <a:lvl6pPr marL="2514600" indent="-228600" algn="l" defTabSz="457200" rtl="0" eaLnBrk="1" latinLnBrk="0" hangingPunct="1">
+              <a:spcBef>
+                <a:spcPct val="20000"/>
+              </a:spcBef>
+              <a:spcAft>
+                <a:spcPts val="600"/>
+              </a:spcAft>
+              <a:buClr>
+                <a:schemeClr val="accent1">
+                  <a:lumMod val="75000"/>
+                </a:schemeClr>
+              </a:buClr>
+              <a:buSzPct val="145000"/>
+              <a:buFont typeface="Arial"/>
+              <a:buChar char="•"/>
+              <a:defRPr sz="1400" kern="1200" cap="none">
+                <a:solidFill>
+                  <a:schemeClr val="tx1"/>
+                </a:solidFill>
+                <a:effectLst/>
+                <a:latin typeface="+mn-lt"/>
+                <a:ea typeface="+mn-ea"/>
+                <a:cs typeface="+mn-cs"/>
+              </a:defRPr>
+            </a:lvl6pPr>
+            <a:lvl7pPr marL="2971800" indent="-228600" algn="l" defTabSz="457200" rtl="0" eaLnBrk="1" latinLnBrk="0" hangingPunct="1">
+              <a:spcBef>
+                <a:spcPct val="20000"/>
+              </a:spcBef>
+              <a:spcAft>
+                <a:spcPts val="600"/>
+              </a:spcAft>
+              <a:buClr>
+                <a:schemeClr val="accent1">
+                  <a:lumMod val="75000"/>
+                </a:schemeClr>
+              </a:buClr>
+              <a:buSzPct val="145000"/>
+              <a:buFont typeface="Arial"/>
+              <a:buChar char="•"/>
+              <a:defRPr sz="1400" kern="1200" cap="none">
+                <a:solidFill>
+                  <a:schemeClr val="tx1"/>
+                </a:solidFill>
+                <a:effectLst/>
+                <a:latin typeface="+mn-lt"/>
+                <a:ea typeface="+mn-ea"/>
+                <a:cs typeface="+mn-cs"/>
+              </a:defRPr>
+            </a:lvl7pPr>
+            <a:lvl8pPr marL="3429000" indent="-228600" algn="l" defTabSz="457200" rtl="0" eaLnBrk="1" latinLnBrk="0" hangingPunct="1">
+              <a:spcBef>
+                <a:spcPct val="20000"/>
+              </a:spcBef>
+              <a:spcAft>
+                <a:spcPts val="600"/>
+              </a:spcAft>
+              <a:buClr>
+                <a:schemeClr val="accent1">
+                  <a:lumMod val="75000"/>
+                </a:schemeClr>
+              </a:buClr>
+              <a:buSzPct val="145000"/>
+              <a:buFont typeface="Arial"/>
+              <a:buChar char="•"/>
+              <a:defRPr sz="1400" kern="1200" cap="none">
+                <a:solidFill>
+                  <a:schemeClr val="tx1"/>
+                </a:solidFill>
+                <a:effectLst/>
+                <a:latin typeface="+mn-lt"/>
+                <a:ea typeface="+mn-ea"/>
+                <a:cs typeface="+mn-cs"/>
+              </a:defRPr>
+            </a:lvl8pPr>
+            <a:lvl9pPr marL="3886200" indent="-228600" algn="l" defTabSz="457200" rtl="0" eaLnBrk="1" latinLnBrk="0" hangingPunct="1">
+              <a:spcBef>
+                <a:spcPct val="20000"/>
+              </a:spcBef>
+              <a:spcAft>
+                <a:spcPts val="600"/>
+              </a:spcAft>
+              <a:buClr>
+                <a:schemeClr val="accent1">
+                  <a:lumMod val="75000"/>
+                </a:schemeClr>
+              </a:buClr>
+              <a:buSzPct val="145000"/>
+              <a:buFont typeface="Arial"/>
+              <a:buChar char="•"/>
+              <a:defRPr sz="1400" kern="1200" cap="none">
+                <a:solidFill>
+                  <a:schemeClr val="tx1"/>
+                </a:solidFill>
+                <a:effectLst/>
+                <a:latin typeface="+mn-lt"/>
+                <a:ea typeface="+mn-ea"/>
+                <a:cs typeface="+mn-cs"/>
+              </a:defRPr>
+            </a:lvl9pPr>
+          </a:lstStyle>
+          <a:p>
+            <a:pPr marL="0" indent="0">
+              <a:buNone/>
+            </a:pPr>
+            <a:r>
+              <a:rPr lang="de-DE" sz="1000" dirty="0" smtClean="0"/>
+              <a:t>Rem0 Röthlisberger, Eric </a:t>
+            </a:r>
+            <a:r>
+              <a:rPr lang="de-DE" sz="1000" dirty="0" err="1" smtClean="0"/>
+              <a:t>Lagger</a:t>
+            </a:r>
+            <a:r>
+              <a:rPr lang="de-DE" sz="1000" dirty="0" smtClean="0"/>
+              <a:t>, Vincent Hofer, Dean Klopsch, Aebi Ryan</a:t>
+            </a:r>
+            <a:endParaRPr lang="de-DE" sz="1000" dirty="0"/>
+          </a:p>
+        </p:txBody>
+      </p:sp>
+      <p:pic>
+        <p:nvPicPr>
+          <p:cNvPr id="5" name="Grafik 4"/>
+          <p:cNvPicPr>
+            <a:picLocks noChangeAspect="1"/>
+          </p:cNvPicPr>
+          <p:nvPr/>
+        </p:nvPicPr>
+        <p:blipFill>
+          <a:blip r:embed="rId3">
+            <a:extLst>
+              <a:ext uri="{28A0092B-C50C-407E-A947-70E740481C1C}">
+                <a14:useLocalDpi xmlns:a14="http://schemas.microsoft.com/office/drawing/2010/main" val="0"/>
+              </a:ext>
+            </a:extLst>
+          </a:blip>
+          <a:stretch>
+            <a:fillRect/>
+          </a:stretch>
+        </p:blipFill>
+        <p:spPr>
+          <a:xfrm>
+            <a:off x="1821905" y="2017293"/>
+            <a:ext cx="5731136" cy="4191001"/>
+          </a:xfrm>
+          <a:prstGeom prst="rect">
+            <a:avLst/>
+          </a:prstGeom>
+        </p:spPr>
+      </p:pic>
+    </p:spTree>
+    <p:extLst>
+      <p:ext uri="{BB962C8B-B14F-4D97-AF65-F5344CB8AC3E}">
+        <p14:creationId xmlns:p14="http://schemas.microsoft.com/office/powerpoint/2010/main" val="1635030909"/>
+      </p:ext>
+    </p:extLst>
+  </p:cSld>
+  <p:clrMapOvr>
+    <a:masterClrMapping/>
+  </p:clrMapOvr>
+  <p:timing>
+    <p:tnLst>
+      <p:par>
+        <p:cTn id="1" dur="indefinite" restart="never" nodeType="tmRoot"/>
+      </p:par>
+    </p:tnLst>
+  </p:timing>
+</p:sld>
+</file>
+
+<file path=ppt/slides/slide19.xml><?xml version="1.0" encoding="utf-8"?>
+<p:sld xmlns:a="http://schemas.openxmlformats.org/drawingml/2006/main" xmlns:r="http://schemas.openxmlformats.org/officeDocument/2006/relationships" xmlns:p="http://schemas.openxmlformats.org/presentationml/2006/main">
+  <p:cSld>
+    <p:spTree>
+      <p:nvGrpSpPr>
+        <p:cNvPr id="1" name=""/>
+        <p:cNvGrpSpPr/>
+        <p:nvPr/>
+      </p:nvGrpSpPr>
+      <p:grpSpPr>
+        <a:xfrm>
+          <a:off x="0" y="0"/>
+          <a:ext cx="0" cy="0"/>
+          <a:chOff x="0" y="0"/>
+          <a:chExt cx="0" cy="0"/>
+        </a:xfrm>
+      </p:grpSpPr>
+      <p:sp>
+        <p:nvSpPr>
+          <p:cNvPr id="2" name="Titel 1"/>
+          <p:cNvSpPr>
+            <a:spLocks noGrp="1"/>
+          </p:cNvSpPr>
+          <p:nvPr>
+            <p:ph type="title"/>
+          </p:nvPr>
+        </p:nvSpPr>
+        <p:spPr>
+          <a:xfrm>
+            <a:off x="810915" y="691116"/>
+            <a:ext cx="10018713" cy="1752599"/>
+          </a:xfrm>
+        </p:spPr>
+        <p:txBody>
+          <a:bodyPr/>
+          <a:lstStyle/>
+          <a:p>
+            <a:r>
+              <a:rPr lang="de-DE" dirty="0" err="1" smtClean="0"/>
+              <a:t>Good</a:t>
+            </a:r>
+            <a:r>
+              <a:rPr lang="de-DE" dirty="0" smtClean="0"/>
+              <a:t> </a:t>
+            </a:r>
+            <a:r>
+              <a:rPr lang="de-DE" dirty="0" err="1" smtClean="0"/>
+              <a:t>code</a:t>
+            </a:r>
+            <a:endParaRPr lang="de-DE" dirty="0"/>
+          </a:p>
+        </p:txBody>
+      </p:sp>
+      <p:sp>
+        <p:nvSpPr>
+          <p:cNvPr id="6" name="Inhaltsplatzhalter 2"/>
+          <p:cNvSpPr txBox="1">
+            <a:spLocks/>
+          </p:cNvSpPr>
+          <p:nvPr/>
+        </p:nvSpPr>
+        <p:spPr>
+          <a:xfrm>
+            <a:off x="8137451" y="-41565"/>
+            <a:ext cx="4054549" cy="370610"/>
+          </a:xfrm>
+          <a:prstGeom prst="rect">
+            <a:avLst/>
+          </a:prstGeom>
+        </p:spPr>
+        <p:txBody>
+          <a:bodyPr vert="horz" lIns="91440" tIns="45720" rIns="91440" bIns="45720" rtlCol="0" anchor="ctr">
+            <a:normAutofit/>
+          </a:bodyPr>
+          <a:lstStyle>
+            <a:lvl1pPr marL="285750" indent="-285750" algn="l" defTabSz="457200" rtl="0" eaLnBrk="1" latinLnBrk="0" hangingPunct="1">
+              <a:spcBef>
+                <a:spcPct val="20000"/>
+              </a:spcBef>
+              <a:spcAft>
+                <a:spcPts val="600"/>
+              </a:spcAft>
+              <a:buClr>
+                <a:schemeClr val="accent1">
+                  <a:lumMod val="75000"/>
+                </a:schemeClr>
+              </a:buClr>
+              <a:buSzPct val="145000"/>
+              <a:buFont typeface="Arial"/>
+              <a:buChar char="•"/>
+              <a:defRPr sz="2400" kern="1200" cap="none">
+                <a:solidFill>
+                  <a:schemeClr val="tx1"/>
+                </a:solidFill>
+                <a:effectLst/>
+                <a:latin typeface="+mn-lt"/>
+                <a:ea typeface="+mn-ea"/>
+                <a:cs typeface="+mn-cs"/>
+              </a:defRPr>
+            </a:lvl1pPr>
+            <a:lvl2pPr marL="742950" indent="-285750" algn="l" defTabSz="457200" rtl="0" eaLnBrk="1" latinLnBrk="0" hangingPunct="1">
+              <a:spcBef>
+                <a:spcPct val="20000"/>
+              </a:spcBef>
+              <a:spcAft>
+                <a:spcPts val="600"/>
+              </a:spcAft>
+              <a:buClr>
+                <a:schemeClr val="accent1">
+                  <a:lumMod val="75000"/>
+                </a:schemeClr>
+              </a:buClr>
+              <a:buSzPct val="145000"/>
+              <a:buFont typeface="Arial"/>
+              <a:buChar char="•"/>
+              <a:defRPr sz="2000" kern="1200" cap="none">
+                <a:solidFill>
+                  <a:schemeClr val="tx1"/>
+                </a:solidFill>
+                <a:effectLst/>
+                <a:latin typeface="+mn-lt"/>
+                <a:ea typeface="+mn-ea"/>
+                <a:cs typeface="+mn-cs"/>
+              </a:defRPr>
+            </a:lvl2pPr>
+            <a:lvl3pPr marL="1200150" indent="-285750" algn="l" defTabSz="457200" rtl="0" eaLnBrk="1" latinLnBrk="0" hangingPunct="1">
+              <a:spcBef>
+                <a:spcPct val="20000"/>
+              </a:spcBef>
+              <a:spcAft>
+                <a:spcPts val="600"/>
+              </a:spcAft>
+              <a:buClr>
+                <a:schemeClr val="accent1">
+                  <a:lumMod val="75000"/>
+                </a:schemeClr>
+              </a:buClr>
+              <a:buSzPct val="145000"/>
+              <a:buFont typeface="Arial"/>
+              <a:buChar char="•"/>
+              <a:defRPr sz="1800" kern="1200" cap="none">
+                <a:solidFill>
+                  <a:schemeClr val="tx1"/>
+                </a:solidFill>
+                <a:effectLst/>
+                <a:latin typeface="+mn-lt"/>
+                <a:ea typeface="+mn-ea"/>
+                <a:cs typeface="+mn-cs"/>
+              </a:defRPr>
+            </a:lvl3pPr>
+            <a:lvl4pPr marL="1543050" indent="-171450" algn="l" defTabSz="457200" rtl="0" eaLnBrk="1" latinLnBrk="0" hangingPunct="1">
+              <a:spcBef>
+                <a:spcPct val="20000"/>
+              </a:spcBef>
+              <a:spcAft>
+                <a:spcPts val="600"/>
+              </a:spcAft>
+              <a:buClr>
+                <a:schemeClr val="accent1">
+                  <a:lumMod val="75000"/>
+                </a:schemeClr>
+              </a:buClr>
+              <a:buSzPct val="145000"/>
+              <a:buFont typeface="Arial"/>
+              <a:buChar char="•"/>
+              <a:defRPr sz="1600" kern="1200" cap="none">
+                <a:solidFill>
+                  <a:schemeClr val="tx1"/>
+                </a:solidFill>
+                <a:effectLst/>
+                <a:latin typeface="+mn-lt"/>
+                <a:ea typeface="+mn-ea"/>
+                <a:cs typeface="+mn-cs"/>
+              </a:defRPr>
+            </a:lvl4pPr>
+            <a:lvl5pPr marL="2000250" indent="-171450" algn="l" defTabSz="457200" rtl="0" eaLnBrk="1" latinLnBrk="0" hangingPunct="1">
+              <a:spcBef>
+                <a:spcPct val="20000"/>
+              </a:spcBef>
+              <a:spcAft>
+                <a:spcPts val="600"/>
+              </a:spcAft>
+              <a:buClr>
+                <a:schemeClr val="accent1">
+                  <a:lumMod val="75000"/>
+                </a:schemeClr>
+              </a:buClr>
+              <a:buSzPct val="145000"/>
+              <a:buFont typeface="Arial"/>
+              <a:buChar char="•"/>
+              <a:defRPr sz="1400" kern="1200" cap="none">
+                <a:solidFill>
+                  <a:schemeClr val="tx1"/>
+                </a:solidFill>
+                <a:effectLst/>
+                <a:latin typeface="+mn-lt"/>
+                <a:ea typeface="+mn-ea"/>
+                <a:cs typeface="+mn-cs"/>
+              </a:defRPr>
+            </a:lvl5pPr>
+            <a:lvl6pPr marL="2514600" indent="-228600" algn="l" defTabSz="457200" rtl="0" eaLnBrk="1" latinLnBrk="0" hangingPunct="1">
+              <a:spcBef>
+                <a:spcPct val="20000"/>
+              </a:spcBef>
+              <a:spcAft>
+                <a:spcPts val="600"/>
+              </a:spcAft>
+              <a:buClr>
+                <a:schemeClr val="accent1">
+                  <a:lumMod val="75000"/>
+                </a:schemeClr>
+              </a:buClr>
+              <a:buSzPct val="145000"/>
+              <a:buFont typeface="Arial"/>
+              <a:buChar char="•"/>
+              <a:defRPr sz="1400" kern="1200" cap="none">
+                <a:solidFill>
+                  <a:schemeClr val="tx1"/>
+                </a:solidFill>
+                <a:effectLst/>
+                <a:latin typeface="+mn-lt"/>
+                <a:ea typeface="+mn-ea"/>
+                <a:cs typeface="+mn-cs"/>
+              </a:defRPr>
+            </a:lvl6pPr>
+            <a:lvl7pPr marL="2971800" indent="-228600" algn="l" defTabSz="457200" rtl="0" eaLnBrk="1" latinLnBrk="0" hangingPunct="1">
+              <a:spcBef>
+                <a:spcPct val="20000"/>
+              </a:spcBef>
+              <a:spcAft>
+                <a:spcPts val="600"/>
+              </a:spcAft>
+              <a:buClr>
+                <a:schemeClr val="accent1">
+                  <a:lumMod val="75000"/>
+                </a:schemeClr>
+              </a:buClr>
+              <a:buSzPct val="145000"/>
+              <a:buFont typeface="Arial"/>
+              <a:buChar char="•"/>
+              <a:defRPr sz="1400" kern="1200" cap="none">
+                <a:solidFill>
+                  <a:schemeClr val="tx1"/>
+                </a:solidFill>
+                <a:effectLst/>
+                <a:latin typeface="+mn-lt"/>
+                <a:ea typeface="+mn-ea"/>
+                <a:cs typeface="+mn-cs"/>
+              </a:defRPr>
+            </a:lvl7pPr>
+            <a:lvl8pPr marL="3429000" indent="-228600" algn="l" defTabSz="457200" rtl="0" eaLnBrk="1" latinLnBrk="0" hangingPunct="1">
+              <a:spcBef>
+                <a:spcPct val="20000"/>
+              </a:spcBef>
+              <a:spcAft>
+                <a:spcPts val="600"/>
+              </a:spcAft>
+              <a:buClr>
+                <a:schemeClr val="accent1">
+                  <a:lumMod val="75000"/>
+                </a:schemeClr>
+              </a:buClr>
+              <a:buSzPct val="145000"/>
+              <a:buFont typeface="Arial"/>
+              <a:buChar char="•"/>
+              <a:defRPr sz="1400" kern="1200" cap="none">
+                <a:solidFill>
+                  <a:schemeClr val="tx1"/>
+                </a:solidFill>
+                <a:effectLst/>
+                <a:latin typeface="+mn-lt"/>
+                <a:ea typeface="+mn-ea"/>
+                <a:cs typeface="+mn-cs"/>
+              </a:defRPr>
+            </a:lvl8pPr>
+            <a:lvl9pPr marL="3886200" indent="-228600" algn="l" defTabSz="457200" rtl="0" eaLnBrk="1" latinLnBrk="0" hangingPunct="1">
+              <a:spcBef>
+                <a:spcPct val="20000"/>
+              </a:spcBef>
+              <a:spcAft>
+                <a:spcPts val="600"/>
+              </a:spcAft>
+              <a:buClr>
+                <a:schemeClr val="accent1">
+                  <a:lumMod val="75000"/>
+                </a:schemeClr>
+              </a:buClr>
+              <a:buSzPct val="145000"/>
+              <a:buFont typeface="Arial"/>
+              <a:buChar char="•"/>
+              <a:defRPr sz="1400" kern="1200" cap="none">
+                <a:solidFill>
+                  <a:schemeClr val="tx1"/>
+                </a:solidFill>
+                <a:effectLst/>
+                <a:latin typeface="+mn-lt"/>
+                <a:ea typeface="+mn-ea"/>
+                <a:cs typeface="+mn-cs"/>
+              </a:defRPr>
+            </a:lvl9pPr>
+          </a:lstStyle>
+          <a:p>
+            <a:pPr marL="0" indent="0">
+              <a:buNone/>
+            </a:pPr>
+            <a:r>
+              <a:rPr lang="de-DE" sz="1000" dirty="0" smtClean="0"/>
+              <a:t>Rem0 Röthlisberger, Eric </a:t>
+            </a:r>
+            <a:r>
+              <a:rPr lang="de-DE" sz="1000" dirty="0" err="1" smtClean="0"/>
+              <a:t>Lagger</a:t>
+            </a:r>
+            <a:r>
+              <a:rPr lang="de-DE" sz="1000" dirty="0" smtClean="0"/>
+              <a:t>, Vincent Hofer, Dean Klopsch, Aebi Ryan</a:t>
+            </a:r>
+            <a:endParaRPr lang="de-DE" sz="1000" dirty="0"/>
+          </a:p>
+        </p:txBody>
+      </p:sp>
+      <p:pic>
+        <p:nvPicPr>
+          <p:cNvPr id="5" name="Grafik 4"/>
+          <p:cNvPicPr>
+            <a:picLocks noChangeAspect="1"/>
+          </p:cNvPicPr>
+          <p:nvPr/>
+        </p:nvPicPr>
+        <p:blipFill>
+          <a:blip r:embed="rId3">
+            <a:extLst>
+              <a:ext uri="{28A0092B-C50C-407E-A947-70E740481C1C}">
+                <a14:useLocalDpi xmlns:a14="http://schemas.microsoft.com/office/drawing/2010/main" val="0"/>
+              </a:ext>
+            </a:extLst>
+          </a:blip>
+          <a:stretch>
+            <a:fillRect/>
+          </a:stretch>
+        </p:blipFill>
+        <p:spPr>
+          <a:xfrm>
+            <a:off x="1821905" y="2017293"/>
+            <a:ext cx="5731136" cy="4191001"/>
+          </a:xfrm>
+          <a:prstGeom prst="rect">
+            <a:avLst/>
+          </a:prstGeom>
+        </p:spPr>
+      </p:pic>
+    </p:spTree>
+    <p:extLst>
+      <p:ext uri="{BB962C8B-B14F-4D97-AF65-F5344CB8AC3E}">
+        <p14:creationId xmlns:p14="http://schemas.microsoft.com/office/powerpoint/2010/main" val="2888768366"/>
+      </p:ext>
+    </p:extLst>
+  </p:cSld>
+  <p:clrMapOvr>
+    <a:masterClrMapping/>
+  </p:clrMapOvr>
+  <p:timing>
+    <p:tnLst>
+      <p:par>
+        <p:cTn id="1" dur="indefinite" restart="never" nodeType="tmRoot"/>
+      </p:par>
+    </p:tnLst>
+  </p:timing>
+</p:sld>
+</file>
+
+<file path=ppt/slides/slide2.xml><?xml version="1.0" encoding="utf-8"?>
+<p:sld xmlns:a="http://schemas.openxmlformats.org/drawingml/2006/main" xmlns:r="http://schemas.openxmlformats.org/officeDocument/2006/relationships" xmlns:p="http://schemas.openxmlformats.org/presentationml/2006/main">
+  <p:cSld>
+    <p:spTree>
+      <p:nvGrpSpPr>
+        <p:cNvPr id="1" name=""/>
+        <p:cNvGrpSpPr/>
+        <p:nvPr/>
+      </p:nvGrpSpPr>
+      <p:grpSpPr>
+        <a:xfrm>
+          <a:off x="0" y="0"/>
+          <a:ext cx="0" cy="0"/>
+          <a:chOff x="0" y="0"/>
+          <a:chExt cx="0" cy="0"/>
+        </a:xfrm>
+      </p:grpSpPr>
+      <p:sp>
+        <p:nvSpPr>
+          <p:cNvPr id="2" name="Titel 1"/>
+          <p:cNvSpPr>
+            <a:spLocks noGrp="1"/>
+          </p:cNvSpPr>
+          <p:nvPr>
+            <p:ph type="title"/>
+          </p:nvPr>
+        </p:nvSpPr>
+        <p:spPr>
+          <a:xfrm>
+            <a:off x="1747546" y="1219219"/>
+            <a:ext cx="7629287" cy="1033119"/>
+          </a:xfrm>
+        </p:spPr>
+        <p:txBody>
+          <a:bodyPr>
+            <a:noAutofit/>
+          </a:bodyPr>
+          <a:lstStyle/>
+          <a:p>
+            <a:r>
+              <a:rPr lang="de-DE" sz="6200" dirty="0"/>
+              <a:t>Roadmap</a:t>
+            </a:r>
+          </a:p>
+        </p:txBody>
+      </p:sp>
+      <p:sp>
+        <p:nvSpPr>
+          <p:cNvPr id="3" name="Inhaltsplatzhalter 2"/>
+          <p:cNvSpPr>
+            <a:spLocks noGrp="1"/>
+          </p:cNvSpPr>
+          <p:nvPr>
+            <p:ph idx="1"/>
+          </p:nvPr>
+        </p:nvSpPr>
+        <p:spPr>
+          <a:xfrm>
+            <a:off x="1747546" y="2466107"/>
+            <a:ext cx="10018713" cy="3262748"/>
+          </a:xfrm>
+        </p:spPr>
+        <p:txBody>
+          <a:bodyPr>
+            <a:normAutofit/>
+          </a:bodyPr>
+          <a:lstStyle/>
+          <a:p>
+            <a:r>
+              <a:rPr lang="de-CH" sz="3200" dirty="0" err="1"/>
+              <a:t>About</a:t>
+            </a:r>
+            <a:r>
+              <a:rPr lang="de-CH" sz="3200" dirty="0"/>
+              <a:t> </a:t>
+            </a:r>
+            <a:r>
+              <a:rPr lang="de-CH" sz="3200" dirty="0" err="1"/>
+              <a:t>us</a:t>
+            </a:r>
+            <a:endParaRPr lang="de-CH" sz="3200" dirty="0"/>
+          </a:p>
+          <a:p>
+            <a:r>
+              <a:rPr lang="de-CH" sz="3200" dirty="0"/>
+              <a:t>System </a:t>
+            </a:r>
+            <a:r>
+              <a:rPr lang="de-CH" sz="3200" dirty="0" err="1"/>
+              <a:t>as</a:t>
+            </a:r>
+            <a:r>
+              <a:rPr lang="de-CH" sz="3200" dirty="0"/>
+              <a:t> </a:t>
+            </a:r>
+            <a:r>
+              <a:rPr lang="de-CH" sz="3200" dirty="0" err="1"/>
+              <a:t>is</a:t>
+            </a:r>
+            <a:r>
+              <a:rPr lang="de-CH" sz="3200" dirty="0"/>
+              <a:t> – </a:t>
+            </a:r>
+            <a:r>
+              <a:rPr lang="de-CH" sz="3200" dirty="0" err="1"/>
+              <a:t>use</a:t>
+            </a:r>
+            <a:r>
+              <a:rPr lang="de-CH" sz="3200" dirty="0"/>
+              <a:t> </a:t>
+            </a:r>
+            <a:r>
+              <a:rPr lang="de-CH" sz="3200" dirty="0" err="1"/>
+              <a:t>cases</a:t>
+            </a:r>
+            <a:endParaRPr lang="de-CH" sz="3200" dirty="0"/>
+          </a:p>
+          <a:p>
+            <a:r>
+              <a:rPr lang="de-CH" sz="3200" dirty="0"/>
+              <a:t>Scenario</a:t>
+            </a:r>
+          </a:p>
+          <a:p>
+            <a:r>
+              <a:rPr lang="de-CH" sz="3200" dirty="0" err="1"/>
+              <a:t>Discussion</a:t>
+            </a:r>
+            <a:endParaRPr lang="de-CH" sz="3200" dirty="0"/>
+          </a:p>
+        </p:txBody>
+      </p:sp>
+      <p:sp>
+        <p:nvSpPr>
+          <p:cNvPr id="5" name="Inhaltsplatzhalter 2"/>
+          <p:cNvSpPr txBox="1">
+            <a:spLocks/>
+          </p:cNvSpPr>
+          <p:nvPr/>
+        </p:nvSpPr>
+        <p:spPr>
+          <a:xfrm>
+            <a:off x="8137451" y="-41565"/>
+            <a:ext cx="4054549" cy="370610"/>
+          </a:xfrm>
+          <a:prstGeom prst="rect">
+            <a:avLst/>
+          </a:prstGeom>
+        </p:spPr>
+        <p:txBody>
+          <a:bodyPr vert="horz" lIns="91440" tIns="45720" rIns="91440" bIns="45720" rtlCol="0" anchor="ctr">
+            <a:normAutofit/>
+          </a:bodyPr>
+          <a:lstStyle>
+            <a:lvl1pPr marL="285750" indent="-285750" algn="l" defTabSz="457200" rtl="0" eaLnBrk="1" latinLnBrk="0" hangingPunct="1">
+              <a:spcBef>
+                <a:spcPct val="20000"/>
+              </a:spcBef>
+              <a:spcAft>
+                <a:spcPts val="600"/>
+              </a:spcAft>
+              <a:buClr>
+                <a:schemeClr val="accent1">
+                  <a:lumMod val="75000"/>
+                </a:schemeClr>
+              </a:buClr>
+              <a:buSzPct val="145000"/>
+              <a:buFont typeface="Arial"/>
+              <a:buChar char="•"/>
+              <a:defRPr sz="2400" kern="1200" cap="none">
+                <a:solidFill>
+                  <a:schemeClr val="tx1"/>
+                </a:solidFill>
+                <a:effectLst/>
+                <a:latin typeface="+mn-lt"/>
+                <a:ea typeface="+mn-ea"/>
+                <a:cs typeface="+mn-cs"/>
+              </a:defRPr>
+            </a:lvl1pPr>
+            <a:lvl2pPr marL="742950" indent="-285750" algn="l" defTabSz="457200" rtl="0" eaLnBrk="1" latinLnBrk="0" hangingPunct="1">
+              <a:spcBef>
+                <a:spcPct val="20000"/>
+              </a:spcBef>
+              <a:spcAft>
+                <a:spcPts val="600"/>
+              </a:spcAft>
+              <a:buClr>
+                <a:schemeClr val="accent1">
+                  <a:lumMod val="75000"/>
+                </a:schemeClr>
+              </a:buClr>
+              <a:buSzPct val="145000"/>
+              <a:buFont typeface="Arial"/>
+              <a:buChar char="•"/>
+              <a:defRPr sz="2000" kern="1200" cap="none">
+                <a:solidFill>
+                  <a:schemeClr val="tx1"/>
+                </a:solidFill>
+                <a:effectLst/>
+                <a:latin typeface="+mn-lt"/>
+                <a:ea typeface="+mn-ea"/>
+                <a:cs typeface="+mn-cs"/>
+              </a:defRPr>
+            </a:lvl2pPr>
+            <a:lvl3pPr marL="1200150" indent="-285750" algn="l" defTabSz="457200" rtl="0" eaLnBrk="1" latinLnBrk="0" hangingPunct="1">
+              <a:spcBef>
+                <a:spcPct val="20000"/>
+              </a:spcBef>
+              <a:spcAft>
+                <a:spcPts val="600"/>
+              </a:spcAft>
+              <a:buClr>
+                <a:schemeClr val="accent1">
+                  <a:lumMod val="75000"/>
+                </a:schemeClr>
+              </a:buClr>
+              <a:buSzPct val="145000"/>
+              <a:buFont typeface="Arial"/>
+              <a:buChar char="•"/>
+              <a:defRPr sz="1800" kern="1200" cap="none">
+                <a:solidFill>
+                  <a:schemeClr val="tx1"/>
+                </a:solidFill>
+                <a:effectLst/>
+                <a:latin typeface="+mn-lt"/>
+                <a:ea typeface="+mn-ea"/>
+                <a:cs typeface="+mn-cs"/>
+              </a:defRPr>
+            </a:lvl3pPr>
+            <a:lvl4pPr marL="1543050" indent="-171450" algn="l" defTabSz="457200" rtl="0" eaLnBrk="1" latinLnBrk="0" hangingPunct="1">
+              <a:spcBef>
+                <a:spcPct val="20000"/>
+              </a:spcBef>
+              <a:spcAft>
+                <a:spcPts val="600"/>
+              </a:spcAft>
+              <a:buClr>
+                <a:schemeClr val="accent1">
+                  <a:lumMod val="75000"/>
+                </a:schemeClr>
+              </a:buClr>
+              <a:buSzPct val="145000"/>
+              <a:buFont typeface="Arial"/>
+              <a:buChar char="•"/>
+              <a:defRPr sz="1600" kern="1200" cap="none">
+                <a:solidFill>
+                  <a:schemeClr val="tx1"/>
+                </a:solidFill>
+                <a:effectLst/>
+                <a:latin typeface="+mn-lt"/>
+                <a:ea typeface="+mn-ea"/>
+                <a:cs typeface="+mn-cs"/>
+              </a:defRPr>
+            </a:lvl4pPr>
+            <a:lvl5pPr marL="2000250" indent="-171450" algn="l" defTabSz="457200" rtl="0" eaLnBrk="1" latinLnBrk="0" hangingPunct="1">
+              <a:spcBef>
+                <a:spcPct val="20000"/>
+              </a:spcBef>
+              <a:spcAft>
+                <a:spcPts val="600"/>
+              </a:spcAft>
+              <a:buClr>
+                <a:schemeClr val="accent1">
+                  <a:lumMod val="75000"/>
+                </a:schemeClr>
+              </a:buClr>
+              <a:buSzPct val="145000"/>
+              <a:buFont typeface="Arial"/>
+              <a:buChar char="•"/>
+              <a:defRPr sz="1400" kern="1200" cap="none">
+                <a:solidFill>
+                  <a:schemeClr val="tx1"/>
+                </a:solidFill>
+                <a:effectLst/>
+                <a:latin typeface="+mn-lt"/>
+                <a:ea typeface="+mn-ea"/>
+                <a:cs typeface="+mn-cs"/>
+              </a:defRPr>
+            </a:lvl5pPr>
+            <a:lvl6pPr marL="2514600" indent="-228600" algn="l" defTabSz="457200" rtl="0" eaLnBrk="1" latinLnBrk="0" hangingPunct="1">
+              <a:spcBef>
+                <a:spcPct val="20000"/>
+              </a:spcBef>
+              <a:spcAft>
+                <a:spcPts val="600"/>
+              </a:spcAft>
+              <a:buClr>
+                <a:schemeClr val="accent1">
+                  <a:lumMod val="75000"/>
+                </a:schemeClr>
+              </a:buClr>
+              <a:buSzPct val="145000"/>
+              <a:buFont typeface="Arial"/>
+              <a:buChar char="•"/>
+              <a:defRPr sz="1400" kern="1200" cap="none">
+                <a:solidFill>
+                  <a:schemeClr val="tx1"/>
+                </a:solidFill>
+                <a:effectLst/>
+                <a:latin typeface="+mn-lt"/>
+                <a:ea typeface="+mn-ea"/>
+                <a:cs typeface="+mn-cs"/>
+              </a:defRPr>
+            </a:lvl6pPr>
+            <a:lvl7pPr marL="2971800" indent="-228600" algn="l" defTabSz="457200" rtl="0" eaLnBrk="1" latinLnBrk="0" hangingPunct="1">
+              <a:spcBef>
+                <a:spcPct val="20000"/>
+              </a:spcBef>
+              <a:spcAft>
+                <a:spcPts val="600"/>
+              </a:spcAft>
+              <a:buClr>
+                <a:schemeClr val="accent1">
+                  <a:lumMod val="75000"/>
+                </a:schemeClr>
+              </a:buClr>
+              <a:buSzPct val="145000"/>
+              <a:buFont typeface="Arial"/>
+              <a:buChar char="•"/>
+              <a:defRPr sz="1400" kern="1200" cap="none">
+                <a:solidFill>
+                  <a:schemeClr val="tx1"/>
+                </a:solidFill>
+                <a:effectLst/>
+                <a:latin typeface="+mn-lt"/>
+                <a:ea typeface="+mn-ea"/>
+                <a:cs typeface="+mn-cs"/>
+              </a:defRPr>
+            </a:lvl7pPr>
+            <a:lvl8pPr marL="3429000" indent="-228600" algn="l" defTabSz="457200" rtl="0" eaLnBrk="1" latinLnBrk="0" hangingPunct="1">
+              <a:spcBef>
+                <a:spcPct val="20000"/>
+              </a:spcBef>
+              <a:spcAft>
+                <a:spcPts val="600"/>
+              </a:spcAft>
+              <a:buClr>
+                <a:schemeClr val="accent1">
+                  <a:lumMod val="75000"/>
+                </a:schemeClr>
+              </a:buClr>
+              <a:buSzPct val="145000"/>
+              <a:buFont typeface="Arial"/>
+              <a:buChar char="•"/>
+              <a:defRPr sz="1400" kern="1200" cap="none">
+                <a:solidFill>
+                  <a:schemeClr val="tx1"/>
+                </a:solidFill>
+                <a:effectLst/>
+                <a:latin typeface="+mn-lt"/>
+                <a:ea typeface="+mn-ea"/>
+                <a:cs typeface="+mn-cs"/>
+              </a:defRPr>
+            </a:lvl8pPr>
+            <a:lvl9pPr marL="3886200" indent="-228600" algn="l" defTabSz="457200" rtl="0" eaLnBrk="1" latinLnBrk="0" hangingPunct="1">
+              <a:spcBef>
+                <a:spcPct val="20000"/>
+              </a:spcBef>
+              <a:spcAft>
+                <a:spcPts val="600"/>
+              </a:spcAft>
+              <a:buClr>
+                <a:schemeClr val="accent1">
+                  <a:lumMod val="75000"/>
+                </a:schemeClr>
+              </a:buClr>
+              <a:buSzPct val="145000"/>
+              <a:buFont typeface="Arial"/>
+              <a:buChar char="•"/>
+              <a:defRPr sz="1400" kern="1200" cap="none">
+                <a:solidFill>
+                  <a:schemeClr val="tx1"/>
+                </a:solidFill>
+                <a:effectLst/>
+                <a:latin typeface="+mn-lt"/>
+                <a:ea typeface="+mn-ea"/>
+                <a:cs typeface="+mn-cs"/>
+              </a:defRPr>
+            </a:lvl9pPr>
+          </a:lstStyle>
+          <a:p>
+            <a:pPr marL="0" indent="0">
+              <a:buNone/>
+            </a:pPr>
+            <a:r>
+              <a:rPr lang="de-DE" sz="1000" dirty="0"/>
+              <a:t>Rem0 Röthlisberger, Eric </a:t>
+            </a:r>
+            <a:r>
+              <a:rPr lang="de-DE" sz="1000" dirty="0" err="1"/>
+              <a:t>Lagger</a:t>
+            </a:r>
+            <a:r>
+              <a:rPr lang="de-DE" sz="1000" dirty="0"/>
+              <a:t>, Vincent Hofer, Dean Klopsch, Aebi Ryan</a:t>
+            </a:r>
+          </a:p>
+        </p:txBody>
+      </p:sp>
+      <p:pic>
+        <p:nvPicPr>
+          <p:cNvPr id="4" name="Bild 3" descr="roadmap.png"/>
+          <p:cNvPicPr>
+            <a:picLocks noChangeAspect="1"/>
+          </p:cNvPicPr>
+          <p:nvPr/>
+        </p:nvPicPr>
+        <p:blipFill>
+          <a:blip r:embed="rId2">
+            <a:extLst>
+              <a:ext uri="{28A0092B-C50C-407E-A947-70E740481C1C}">
+                <a14:useLocalDpi xmlns:a14="http://schemas.microsoft.com/office/drawing/2010/main" val="0"/>
+              </a:ext>
+            </a:extLst>
+          </a:blip>
+          <a:stretch>
+            <a:fillRect/>
+          </a:stretch>
+        </p:blipFill>
+        <p:spPr>
+          <a:xfrm>
+            <a:off x="8711241" y="834248"/>
+            <a:ext cx="2929128" cy="2538984"/>
+          </a:xfrm>
+          <a:prstGeom prst="rect">
+            <a:avLst/>
+          </a:prstGeom>
+        </p:spPr>
+      </p:pic>
+    </p:spTree>
+    <p:extLst>
+      <p:ext uri="{BB962C8B-B14F-4D97-AF65-F5344CB8AC3E}">
+        <p14:creationId xmlns:p14="http://schemas.microsoft.com/office/powerpoint/2010/main" val="435628697"/>
+      </p:ext>
+    </p:extLst>
+  </p:cSld>
+  <p:clrMapOvr>
+    <a:masterClrMapping/>
+  </p:clrMapOvr>
+</p:sld>
+</file>
+
+<file path=ppt/slides/slide20.xml><?xml version="1.0" encoding="utf-8"?>
+<p:sld xmlns:a="http://schemas.openxmlformats.org/drawingml/2006/main" xmlns:r="http://schemas.openxmlformats.org/officeDocument/2006/relationships" xmlns:p="http://schemas.openxmlformats.org/presentationml/2006/main">
+  <p:cSld>
+    <p:spTree>
+      <p:nvGrpSpPr>
+        <p:cNvPr id="1" name=""/>
+        <p:cNvGrpSpPr/>
+        <p:nvPr/>
+      </p:nvGrpSpPr>
+      <p:grpSpPr>
+        <a:xfrm>
+          <a:off x="0" y="0"/>
+          <a:ext cx="0" cy="0"/>
+          <a:chOff x="0" y="0"/>
+          <a:chExt cx="0" cy="0"/>
+        </a:xfrm>
+      </p:grpSpPr>
+      <p:sp>
+        <p:nvSpPr>
+          <p:cNvPr id="2" name="Titel 1"/>
+          <p:cNvSpPr>
+            <a:spLocks noGrp="1"/>
+          </p:cNvSpPr>
+          <p:nvPr>
+            <p:ph type="title"/>
+          </p:nvPr>
+        </p:nvSpPr>
+        <p:spPr>
+          <a:xfrm>
+            <a:off x="810915" y="691116"/>
+            <a:ext cx="10018713" cy="1752599"/>
+          </a:xfrm>
+        </p:spPr>
+        <p:txBody>
+          <a:bodyPr/>
+          <a:lstStyle/>
+          <a:p>
+            <a:r>
+              <a:rPr lang="de-DE" dirty="0" err="1" smtClean="0"/>
+              <a:t>Good</a:t>
+            </a:r>
+            <a:r>
+              <a:rPr lang="de-DE" dirty="0" smtClean="0"/>
+              <a:t> </a:t>
+            </a:r>
+            <a:r>
+              <a:rPr lang="de-DE" dirty="0" err="1" smtClean="0"/>
+              <a:t>code</a:t>
+            </a:r>
+            <a:endParaRPr lang="de-DE" dirty="0"/>
+          </a:p>
+        </p:txBody>
+      </p:sp>
+      <p:sp>
+        <p:nvSpPr>
+          <p:cNvPr id="6" name="Inhaltsplatzhalter 2"/>
+          <p:cNvSpPr txBox="1">
+            <a:spLocks/>
+          </p:cNvSpPr>
+          <p:nvPr/>
+        </p:nvSpPr>
+        <p:spPr>
+          <a:xfrm>
+            <a:off x="8137451" y="-41565"/>
+            <a:ext cx="4054549" cy="370610"/>
+          </a:xfrm>
+          <a:prstGeom prst="rect">
+            <a:avLst/>
+          </a:prstGeom>
+        </p:spPr>
+        <p:txBody>
+          <a:bodyPr vert="horz" lIns="91440" tIns="45720" rIns="91440" bIns="45720" rtlCol="0" anchor="ctr">
+            <a:normAutofit/>
+          </a:bodyPr>
+          <a:lstStyle>
+            <a:lvl1pPr marL="285750" indent="-285750" algn="l" defTabSz="457200" rtl="0" eaLnBrk="1" latinLnBrk="0" hangingPunct="1">
+              <a:spcBef>
+                <a:spcPct val="20000"/>
+              </a:spcBef>
+              <a:spcAft>
+                <a:spcPts val="600"/>
+              </a:spcAft>
+              <a:buClr>
+                <a:schemeClr val="accent1">
+                  <a:lumMod val="75000"/>
+                </a:schemeClr>
+              </a:buClr>
+              <a:buSzPct val="145000"/>
+              <a:buFont typeface="Arial"/>
+              <a:buChar char="•"/>
+              <a:defRPr sz="2400" kern="1200" cap="none">
+                <a:solidFill>
+                  <a:schemeClr val="tx1"/>
+                </a:solidFill>
+                <a:effectLst/>
+                <a:latin typeface="+mn-lt"/>
+                <a:ea typeface="+mn-ea"/>
+                <a:cs typeface="+mn-cs"/>
+              </a:defRPr>
+            </a:lvl1pPr>
+            <a:lvl2pPr marL="742950" indent="-285750" algn="l" defTabSz="457200" rtl="0" eaLnBrk="1" latinLnBrk="0" hangingPunct="1">
+              <a:spcBef>
+                <a:spcPct val="20000"/>
+              </a:spcBef>
+              <a:spcAft>
+                <a:spcPts val="600"/>
+              </a:spcAft>
+              <a:buClr>
+                <a:schemeClr val="accent1">
+                  <a:lumMod val="75000"/>
+                </a:schemeClr>
+              </a:buClr>
+              <a:buSzPct val="145000"/>
+              <a:buFont typeface="Arial"/>
+              <a:buChar char="•"/>
+              <a:defRPr sz="2000" kern="1200" cap="none">
+                <a:solidFill>
+                  <a:schemeClr val="tx1"/>
+                </a:solidFill>
+                <a:effectLst/>
+                <a:latin typeface="+mn-lt"/>
+                <a:ea typeface="+mn-ea"/>
+                <a:cs typeface="+mn-cs"/>
+              </a:defRPr>
+            </a:lvl2pPr>
+            <a:lvl3pPr marL="1200150" indent="-285750" algn="l" defTabSz="457200" rtl="0" eaLnBrk="1" latinLnBrk="0" hangingPunct="1">
+              <a:spcBef>
+                <a:spcPct val="20000"/>
+              </a:spcBef>
+              <a:spcAft>
+                <a:spcPts val="600"/>
+              </a:spcAft>
+              <a:buClr>
+                <a:schemeClr val="accent1">
+                  <a:lumMod val="75000"/>
+                </a:schemeClr>
+              </a:buClr>
+              <a:buSzPct val="145000"/>
+              <a:buFont typeface="Arial"/>
+              <a:buChar char="•"/>
+              <a:defRPr sz="1800" kern="1200" cap="none">
+                <a:solidFill>
+                  <a:schemeClr val="tx1"/>
+                </a:solidFill>
+                <a:effectLst/>
+                <a:latin typeface="+mn-lt"/>
+                <a:ea typeface="+mn-ea"/>
+                <a:cs typeface="+mn-cs"/>
+              </a:defRPr>
+            </a:lvl3pPr>
+            <a:lvl4pPr marL="1543050" indent="-171450" algn="l" defTabSz="457200" rtl="0" eaLnBrk="1" latinLnBrk="0" hangingPunct="1">
+              <a:spcBef>
+                <a:spcPct val="20000"/>
+              </a:spcBef>
+              <a:spcAft>
+                <a:spcPts val="600"/>
+              </a:spcAft>
+              <a:buClr>
+                <a:schemeClr val="accent1">
+                  <a:lumMod val="75000"/>
+                </a:schemeClr>
+              </a:buClr>
+              <a:buSzPct val="145000"/>
+              <a:buFont typeface="Arial"/>
+              <a:buChar char="•"/>
+              <a:defRPr sz="1600" kern="1200" cap="none">
+                <a:solidFill>
+                  <a:schemeClr val="tx1"/>
+                </a:solidFill>
+                <a:effectLst/>
+                <a:latin typeface="+mn-lt"/>
+                <a:ea typeface="+mn-ea"/>
+                <a:cs typeface="+mn-cs"/>
+              </a:defRPr>
+            </a:lvl4pPr>
+            <a:lvl5pPr marL="2000250" indent="-171450" algn="l" defTabSz="457200" rtl="0" eaLnBrk="1" latinLnBrk="0" hangingPunct="1">
+              <a:spcBef>
+                <a:spcPct val="20000"/>
+              </a:spcBef>
+              <a:spcAft>
+                <a:spcPts val="600"/>
+              </a:spcAft>
+              <a:buClr>
+                <a:schemeClr val="accent1">
+                  <a:lumMod val="75000"/>
+                </a:schemeClr>
+              </a:buClr>
+              <a:buSzPct val="145000"/>
+              <a:buFont typeface="Arial"/>
+              <a:buChar char="•"/>
+              <a:defRPr sz="1400" kern="1200" cap="none">
+                <a:solidFill>
+                  <a:schemeClr val="tx1"/>
+                </a:solidFill>
+                <a:effectLst/>
+                <a:latin typeface="+mn-lt"/>
+                <a:ea typeface="+mn-ea"/>
+                <a:cs typeface="+mn-cs"/>
+              </a:defRPr>
+            </a:lvl5pPr>
+            <a:lvl6pPr marL="2514600" indent="-228600" algn="l" defTabSz="457200" rtl="0" eaLnBrk="1" latinLnBrk="0" hangingPunct="1">
+              <a:spcBef>
+                <a:spcPct val="20000"/>
+              </a:spcBef>
+              <a:spcAft>
+                <a:spcPts val="600"/>
+              </a:spcAft>
+              <a:buClr>
+                <a:schemeClr val="accent1">
+                  <a:lumMod val="75000"/>
+                </a:schemeClr>
+              </a:buClr>
+              <a:buSzPct val="145000"/>
+              <a:buFont typeface="Arial"/>
+              <a:buChar char="•"/>
+              <a:defRPr sz="1400" kern="1200" cap="none">
+                <a:solidFill>
+                  <a:schemeClr val="tx1"/>
+                </a:solidFill>
+                <a:effectLst/>
+                <a:latin typeface="+mn-lt"/>
+                <a:ea typeface="+mn-ea"/>
+                <a:cs typeface="+mn-cs"/>
+              </a:defRPr>
+            </a:lvl6pPr>
+            <a:lvl7pPr marL="2971800" indent="-228600" algn="l" defTabSz="457200" rtl="0" eaLnBrk="1" latinLnBrk="0" hangingPunct="1">
+              <a:spcBef>
+                <a:spcPct val="20000"/>
+              </a:spcBef>
+              <a:spcAft>
+                <a:spcPts val="600"/>
+              </a:spcAft>
+              <a:buClr>
+                <a:schemeClr val="accent1">
+                  <a:lumMod val="75000"/>
+                </a:schemeClr>
+              </a:buClr>
+              <a:buSzPct val="145000"/>
+              <a:buFont typeface="Arial"/>
+              <a:buChar char="•"/>
+              <a:defRPr sz="1400" kern="1200" cap="none">
+                <a:solidFill>
+                  <a:schemeClr val="tx1"/>
+                </a:solidFill>
+                <a:effectLst/>
+                <a:latin typeface="+mn-lt"/>
+                <a:ea typeface="+mn-ea"/>
+                <a:cs typeface="+mn-cs"/>
+              </a:defRPr>
+            </a:lvl7pPr>
+            <a:lvl8pPr marL="3429000" indent="-228600" algn="l" defTabSz="457200" rtl="0" eaLnBrk="1" latinLnBrk="0" hangingPunct="1">
+              <a:spcBef>
+                <a:spcPct val="20000"/>
+              </a:spcBef>
+              <a:spcAft>
+                <a:spcPts val="600"/>
+              </a:spcAft>
+              <a:buClr>
+                <a:schemeClr val="accent1">
+                  <a:lumMod val="75000"/>
+                </a:schemeClr>
+              </a:buClr>
+              <a:buSzPct val="145000"/>
+              <a:buFont typeface="Arial"/>
+              <a:buChar char="•"/>
+              <a:defRPr sz="1400" kern="1200" cap="none">
+                <a:solidFill>
+                  <a:schemeClr val="tx1"/>
+                </a:solidFill>
+                <a:effectLst/>
+                <a:latin typeface="+mn-lt"/>
+                <a:ea typeface="+mn-ea"/>
+                <a:cs typeface="+mn-cs"/>
+              </a:defRPr>
+            </a:lvl8pPr>
+            <a:lvl9pPr marL="3886200" indent="-228600" algn="l" defTabSz="457200" rtl="0" eaLnBrk="1" latinLnBrk="0" hangingPunct="1">
+              <a:spcBef>
+                <a:spcPct val="20000"/>
+              </a:spcBef>
+              <a:spcAft>
+                <a:spcPts val="600"/>
+              </a:spcAft>
+              <a:buClr>
+                <a:schemeClr val="accent1">
+                  <a:lumMod val="75000"/>
+                </a:schemeClr>
+              </a:buClr>
+              <a:buSzPct val="145000"/>
+              <a:buFont typeface="Arial"/>
+              <a:buChar char="•"/>
+              <a:defRPr sz="1400" kern="1200" cap="none">
+                <a:solidFill>
+                  <a:schemeClr val="tx1"/>
+                </a:solidFill>
+                <a:effectLst/>
+                <a:latin typeface="+mn-lt"/>
+                <a:ea typeface="+mn-ea"/>
+                <a:cs typeface="+mn-cs"/>
+              </a:defRPr>
+            </a:lvl9pPr>
+          </a:lstStyle>
+          <a:p>
+            <a:pPr marL="0" indent="0">
+              <a:buNone/>
+            </a:pPr>
+            <a:r>
+              <a:rPr lang="de-DE" sz="1000" dirty="0" smtClean="0"/>
+              <a:t>Rem0 Röthlisberger, Eric </a:t>
+            </a:r>
+            <a:r>
+              <a:rPr lang="de-DE" sz="1000" dirty="0" err="1" smtClean="0"/>
+              <a:t>Lagger</a:t>
+            </a:r>
+            <a:r>
+              <a:rPr lang="de-DE" sz="1000" dirty="0" smtClean="0"/>
+              <a:t>, Vincent Hofer, Dean Klopsch, Aebi Ryan</a:t>
+            </a:r>
+            <a:endParaRPr lang="de-DE" sz="1000" dirty="0"/>
+          </a:p>
+        </p:txBody>
+      </p:sp>
+      <p:pic>
+        <p:nvPicPr>
+          <p:cNvPr id="5" name="Grafik 4"/>
+          <p:cNvPicPr>
+            <a:picLocks noChangeAspect="1"/>
+          </p:cNvPicPr>
+          <p:nvPr/>
+        </p:nvPicPr>
+        <p:blipFill>
+          <a:blip r:embed="rId3">
+            <a:extLst>
+              <a:ext uri="{28A0092B-C50C-407E-A947-70E740481C1C}">
+                <a14:useLocalDpi xmlns:a14="http://schemas.microsoft.com/office/drawing/2010/main" val="0"/>
+              </a:ext>
+            </a:extLst>
+          </a:blip>
+          <a:stretch>
+            <a:fillRect/>
+          </a:stretch>
+        </p:blipFill>
+        <p:spPr>
+          <a:xfrm>
+            <a:off x="1821905" y="2017293"/>
+            <a:ext cx="5731136" cy="4191001"/>
+          </a:xfrm>
+          <a:prstGeom prst="rect">
+            <a:avLst/>
+          </a:prstGeom>
+        </p:spPr>
+      </p:pic>
+      <p:pic>
+        <p:nvPicPr>
+          <p:cNvPr id="3" name="Grafik 2"/>
+          <p:cNvPicPr>
+            <a:picLocks noChangeAspect="1"/>
+          </p:cNvPicPr>
+          <p:nvPr/>
+        </p:nvPicPr>
+        <p:blipFill>
+          <a:blip r:embed="rId4">
+            <a:extLst>
+              <a:ext uri="{28A0092B-C50C-407E-A947-70E740481C1C}">
+                <a14:useLocalDpi xmlns:a14="http://schemas.microsoft.com/office/drawing/2010/main" val="0"/>
+              </a:ext>
+            </a:extLst>
+          </a:blip>
+          <a:stretch>
+            <a:fillRect/>
+          </a:stretch>
+        </p:blipFill>
+        <p:spPr>
+          <a:xfrm>
+            <a:off x="1821905" y="2017293"/>
+            <a:ext cx="7707106" cy="4555299"/>
+          </a:xfrm>
+          <a:prstGeom prst="rect">
+            <a:avLst/>
+          </a:prstGeom>
+        </p:spPr>
+      </p:pic>
+    </p:spTree>
+    <p:extLst>
+      <p:ext uri="{BB962C8B-B14F-4D97-AF65-F5344CB8AC3E}">
+        <p14:creationId xmlns:p14="http://schemas.microsoft.com/office/powerpoint/2010/main" val="1067886690"/>
+      </p:ext>
+    </p:extLst>
+  </p:cSld>
+  <p:clrMapOvr>
+    <a:masterClrMapping/>
+  </p:clrMapOvr>
+  <p:timing>
+    <p:tnLst>
+      <p:par>
+        <p:cTn id="1" dur="indefinite" restart="never" nodeType="tmRoot"/>
+      </p:par>
+    </p:tnLst>
+  </p:timing>
+</p:sld>
+</file>
+
+<file path=ppt/slides/slide21.xml><?xml version="1.0" encoding="utf-8"?>
+<p:sld xmlns:a="http://schemas.openxmlformats.org/drawingml/2006/main" xmlns:r="http://schemas.openxmlformats.org/officeDocument/2006/relationships" xmlns:p="http://schemas.openxmlformats.org/presentationml/2006/main">
+  <p:cSld>
+    <p:spTree>
+      <p:nvGrpSpPr>
+        <p:cNvPr id="1" name=""/>
+        <p:cNvGrpSpPr/>
+        <p:nvPr/>
+      </p:nvGrpSpPr>
+      <p:grpSpPr>
+        <a:xfrm>
+          <a:off x="0" y="0"/>
+          <a:ext cx="0" cy="0"/>
+          <a:chOff x="0" y="0"/>
+          <a:chExt cx="0" cy="0"/>
+        </a:xfrm>
+      </p:grpSpPr>
+      <p:sp>
+        <p:nvSpPr>
+          <p:cNvPr id="2" name="Titel 1"/>
+          <p:cNvSpPr>
+            <a:spLocks noGrp="1"/>
+          </p:cNvSpPr>
+          <p:nvPr>
+            <p:ph type="title"/>
+          </p:nvPr>
+        </p:nvSpPr>
+        <p:spPr>
+          <a:xfrm>
+            <a:off x="810915" y="691116"/>
+            <a:ext cx="10018713" cy="1752599"/>
+          </a:xfrm>
+        </p:spPr>
+        <p:txBody>
+          <a:bodyPr/>
+          <a:lstStyle/>
+          <a:p>
+            <a:r>
+              <a:rPr lang="de-DE" dirty="0" err="1" smtClean="0"/>
+              <a:t>Good</a:t>
+            </a:r>
+            <a:r>
+              <a:rPr lang="de-DE" dirty="0" smtClean="0"/>
+              <a:t> </a:t>
+            </a:r>
+            <a:r>
+              <a:rPr lang="de-DE" dirty="0" err="1" smtClean="0"/>
+              <a:t>code</a:t>
+            </a:r>
+            <a:endParaRPr lang="de-DE" dirty="0"/>
+          </a:p>
+        </p:txBody>
+      </p:sp>
+      <p:sp>
+        <p:nvSpPr>
+          <p:cNvPr id="6" name="Inhaltsplatzhalter 2"/>
+          <p:cNvSpPr txBox="1">
+            <a:spLocks/>
+          </p:cNvSpPr>
+          <p:nvPr/>
+        </p:nvSpPr>
+        <p:spPr>
+          <a:xfrm>
+            <a:off x="8137451" y="-41565"/>
+            <a:ext cx="4054549" cy="370610"/>
+          </a:xfrm>
+          <a:prstGeom prst="rect">
+            <a:avLst/>
+          </a:prstGeom>
+        </p:spPr>
+        <p:txBody>
+          <a:bodyPr vert="horz" lIns="91440" tIns="45720" rIns="91440" bIns="45720" rtlCol="0" anchor="ctr">
+            <a:normAutofit/>
+          </a:bodyPr>
+          <a:lstStyle>
+            <a:lvl1pPr marL="285750" indent="-285750" algn="l" defTabSz="457200" rtl="0" eaLnBrk="1" latinLnBrk="0" hangingPunct="1">
+              <a:spcBef>
+                <a:spcPct val="20000"/>
+              </a:spcBef>
+              <a:spcAft>
+                <a:spcPts val="600"/>
+              </a:spcAft>
+              <a:buClr>
+                <a:schemeClr val="accent1">
+                  <a:lumMod val="75000"/>
+                </a:schemeClr>
+              </a:buClr>
+              <a:buSzPct val="145000"/>
+              <a:buFont typeface="Arial"/>
+              <a:buChar char="•"/>
+              <a:defRPr sz="2400" kern="1200" cap="none">
+                <a:solidFill>
+                  <a:schemeClr val="tx1"/>
+                </a:solidFill>
+                <a:effectLst/>
+                <a:latin typeface="+mn-lt"/>
+                <a:ea typeface="+mn-ea"/>
+                <a:cs typeface="+mn-cs"/>
+              </a:defRPr>
+            </a:lvl1pPr>
+            <a:lvl2pPr marL="742950" indent="-285750" algn="l" defTabSz="457200" rtl="0" eaLnBrk="1" latinLnBrk="0" hangingPunct="1">
+              <a:spcBef>
+                <a:spcPct val="20000"/>
+              </a:spcBef>
+              <a:spcAft>
+                <a:spcPts val="600"/>
+              </a:spcAft>
+              <a:buClr>
+                <a:schemeClr val="accent1">
+                  <a:lumMod val="75000"/>
+                </a:schemeClr>
+              </a:buClr>
+              <a:buSzPct val="145000"/>
+              <a:buFont typeface="Arial"/>
+              <a:buChar char="•"/>
+              <a:defRPr sz="2000" kern="1200" cap="none">
+                <a:solidFill>
+                  <a:schemeClr val="tx1"/>
+                </a:solidFill>
+                <a:effectLst/>
+                <a:latin typeface="+mn-lt"/>
+                <a:ea typeface="+mn-ea"/>
+                <a:cs typeface="+mn-cs"/>
+              </a:defRPr>
+            </a:lvl2pPr>
+            <a:lvl3pPr marL="1200150" indent="-285750" algn="l" defTabSz="457200" rtl="0" eaLnBrk="1" latinLnBrk="0" hangingPunct="1">
+              <a:spcBef>
+                <a:spcPct val="20000"/>
+              </a:spcBef>
+              <a:spcAft>
+                <a:spcPts val="600"/>
+              </a:spcAft>
+              <a:buClr>
+                <a:schemeClr val="accent1">
+                  <a:lumMod val="75000"/>
+                </a:schemeClr>
+              </a:buClr>
+              <a:buSzPct val="145000"/>
+              <a:buFont typeface="Arial"/>
+              <a:buChar char="•"/>
+              <a:defRPr sz="1800" kern="1200" cap="none">
+                <a:solidFill>
+                  <a:schemeClr val="tx1"/>
+                </a:solidFill>
+                <a:effectLst/>
+                <a:latin typeface="+mn-lt"/>
+                <a:ea typeface="+mn-ea"/>
+                <a:cs typeface="+mn-cs"/>
+              </a:defRPr>
+            </a:lvl3pPr>
+            <a:lvl4pPr marL="1543050" indent="-171450" algn="l" defTabSz="457200" rtl="0" eaLnBrk="1" latinLnBrk="0" hangingPunct="1">
+              <a:spcBef>
+                <a:spcPct val="20000"/>
+              </a:spcBef>
+              <a:spcAft>
+                <a:spcPts val="600"/>
+              </a:spcAft>
+              <a:buClr>
+                <a:schemeClr val="accent1">
+                  <a:lumMod val="75000"/>
+                </a:schemeClr>
+              </a:buClr>
+              <a:buSzPct val="145000"/>
+              <a:buFont typeface="Arial"/>
+              <a:buChar char="•"/>
+              <a:defRPr sz="1600" kern="1200" cap="none">
+                <a:solidFill>
+                  <a:schemeClr val="tx1"/>
+                </a:solidFill>
+                <a:effectLst/>
+                <a:latin typeface="+mn-lt"/>
+                <a:ea typeface="+mn-ea"/>
+                <a:cs typeface="+mn-cs"/>
+              </a:defRPr>
+            </a:lvl4pPr>
+            <a:lvl5pPr marL="2000250" indent="-171450" algn="l" defTabSz="457200" rtl="0" eaLnBrk="1" latinLnBrk="0" hangingPunct="1">
+              <a:spcBef>
+                <a:spcPct val="20000"/>
+              </a:spcBef>
+              <a:spcAft>
+                <a:spcPts val="600"/>
+              </a:spcAft>
+              <a:buClr>
+                <a:schemeClr val="accent1">
+                  <a:lumMod val="75000"/>
+                </a:schemeClr>
+              </a:buClr>
+              <a:buSzPct val="145000"/>
+              <a:buFont typeface="Arial"/>
+              <a:buChar char="•"/>
+              <a:defRPr sz="1400" kern="1200" cap="none">
+                <a:solidFill>
+                  <a:schemeClr val="tx1"/>
+                </a:solidFill>
+                <a:effectLst/>
+                <a:latin typeface="+mn-lt"/>
+                <a:ea typeface="+mn-ea"/>
+                <a:cs typeface="+mn-cs"/>
+              </a:defRPr>
+            </a:lvl5pPr>
+            <a:lvl6pPr marL="2514600" indent="-228600" algn="l" defTabSz="457200" rtl="0" eaLnBrk="1" latinLnBrk="0" hangingPunct="1">
+              <a:spcBef>
+                <a:spcPct val="20000"/>
+              </a:spcBef>
+              <a:spcAft>
+                <a:spcPts val="600"/>
+              </a:spcAft>
+              <a:buClr>
+                <a:schemeClr val="accent1">
+                  <a:lumMod val="75000"/>
+                </a:schemeClr>
+              </a:buClr>
+              <a:buSzPct val="145000"/>
+              <a:buFont typeface="Arial"/>
+              <a:buChar char="•"/>
+              <a:defRPr sz="1400" kern="1200" cap="none">
+                <a:solidFill>
+                  <a:schemeClr val="tx1"/>
+                </a:solidFill>
+                <a:effectLst/>
+                <a:latin typeface="+mn-lt"/>
+                <a:ea typeface="+mn-ea"/>
+                <a:cs typeface="+mn-cs"/>
+              </a:defRPr>
+            </a:lvl6pPr>
+            <a:lvl7pPr marL="2971800" indent="-228600" algn="l" defTabSz="457200" rtl="0" eaLnBrk="1" latinLnBrk="0" hangingPunct="1">
+              <a:spcBef>
+                <a:spcPct val="20000"/>
+              </a:spcBef>
+              <a:spcAft>
+                <a:spcPts val="600"/>
+              </a:spcAft>
+              <a:buClr>
+                <a:schemeClr val="accent1">
+                  <a:lumMod val="75000"/>
+                </a:schemeClr>
+              </a:buClr>
+              <a:buSzPct val="145000"/>
+              <a:buFont typeface="Arial"/>
+              <a:buChar char="•"/>
+              <a:defRPr sz="1400" kern="1200" cap="none">
+                <a:solidFill>
+                  <a:schemeClr val="tx1"/>
+                </a:solidFill>
+                <a:effectLst/>
+                <a:latin typeface="+mn-lt"/>
+                <a:ea typeface="+mn-ea"/>
+                <a:cs typeface="+mn-cs"/>
+              </a:defRPr>
+            </a:lvl7pPr>
+            <a:lvl8pPr marL="3429000" indent="-228600" algn="l" defTabSz="457200" rtl="0" eaLnBrk="1" latinLnBrk="0" hangingPunct="1">
+              <a:spcBef>
+                <a:spcPct val="20000"/>
+              </a:spcBef>
+              <a:spcAft>
+                <a:spcPts val="600"/>
+              </a:spcAft>
+              <a:buClr>
+                <a:schemeClr val="accent1">
+                  <a:lumMod val="75000"/>
+                </a:schemeClr>
+              </a:buClr>
+              <a:buSzPct val="145000"/>
+              <a:buFont typeface="Arial"/>
+              <a:buChar char="•"/>
+              <a:defRPr sz="1400" kern="1200" cap="none">
+                <a:solidFill>
+                  <a:schemeClr val="tx1"/>
+                </a:solidFill>
+                <a:effectLst/>
+                <a:latin typeface="+mn-lt"/>
+                <a:ea typeface="+mn-ea"/>
+                <a:cs typeface="+mn-cs"/>
+              </a:defRPr>
+            </a:lvl8pPr>
+            <a:lvl9pPr marL="3886200" indent="-228600" algn="l" defTabSz="457200" rtl="0" eaLnBrk="1" latinLnBrk="0" hangingPunct="1">
+              <a:spcBef>
+                <a:spcPct val="20000"/>
+              </a:spcBef>
+              <a:spcAft>
+                <a:spcPts val="600"/>
+              </a:spcAft>
+              <a:buClr>
+                <a:schemeClr val="accent1">
+                  <a:lumMod val="75000"/>
+                </a:schemeClr>
+              </a:buClr>
+              <a:buSzPct val="145000"/>
+              <a:buFont typeface="Arial"/>
+              <a:buChar char="•"/>
+              <a:defRPr sz="1400" kern="1200" cap="none">
+                <a:solidFill>
+                  <a:schemeClr val="tx1"/>
+                </a:solidFill>
+                <a:effectLst/>
+                <a:latin typeface="+mn-lt"/>
+                <a:ea typeface="+mn-ea"/>
+                <a:cs typeface="+mn-cs"/>
+              </a:defRPr>
+            </a:lvl9pPr>
+          </a:lstStyle>
+          <a:p>
+            <a:pPr marL="0" indent="0">
+              <a:buNone/>
+            </a:pPr>
+            <a:r>
+              <a:rPr lang="de-DE" sz="1000" dirty="0" smtClean="0"/>
+              <a:t>Rem0 Röthlisberger, Eric </a:t>
+            </a:r>
+            <a:r>
+              <a:rPr lang="de-DE" sz="1000" dirty="0" err="1" smtClean="0"/>
+              <a:t>Lagger</a:t>
+            </a:r>
+            <a:r>
+              <a:rPr lang="de-DE" sz="1000" dirty="0" smtClean="0"/>
+              <a:t>, Vincent Hofer, Dean Klopsch, Aebi Ryan</a:t>
+            </a:r>
+            <a:endParaRPr lang="de-DE" sz="1000" dirty="0"/>
+          </a:p>
+        </p:txBody>
+      </p:sp>
+      <p:pic>
+        <p:nvPicPr>
+          <p:cNvPr id="5" name="Grafik 4"/>
+          <p:cNvPicPr>
+            <a:picLocks noChangeAspect="1"/>
+          </p:cNvPicPr>
+          <p:nvPr/>
+        </p:nvPicPr>
+        <p:blipFill>
+          <a:blip r:embed="rId3">
+            <a:extLst>
+              <a:ext uri="{28A0092B-C50C-407E-A947-70E740481C1C}">
+                <a14:useLocalDpi xmlns:a14="http://schemas.microsoft.com/office/drawing/2010/main" val="0"/>
+              </a:ext>
+            </a:extLst>
+          </a:blip>
+          <a:stretch>
+            <a:fillRect/>
+          </a:stretch>
+        </p:blipFill>
+        <p:spPr>
+          <a:xfrm>
+            <a:off x="1821905" y="2017293"/>
+            <a:ext cx="5731136" cy="4191001"/>
+          </a:xfrm>
+          <a:prstGeom prst="rect">
+            <a:avLst/>
+          </a:prstGeom>
+        </p:spPr>
+      </p:pic>
+      <p:pic>
+        <p:nvPicPr>
+          <p:cNvPr id="3" name="Grafik 2"/>
+          <p:cNvPicPr>
+            <a:picLocks noChangeAspect="1"/>
+          </p:cNvPicPr>
+          <p:nvPr/>
+        </p:nvPicPr>
+        <p:blipFill>
+          <a:blip r:embed="rId4">
+            <a:extLst>
+              <a:ext uri="{28A0092B-C50C-407E-A947-70E740481C1C}">
+                <a14:useLocalDpi xmlns:a14="http://schemas.microsoft.com/office/drawing/2010/main" val="0"/>
+              </a:ext>
+            </a:extLst>
+          </a:blip>
+          <a:stretch>
+            <a:fillRect/>
+          </a:stretch>
+        </p:blipFill>
+        <p:spPr>
+          <a:xfrm>
+            <a:off x="1821905" y="2017293"/>
+            <a:ext cx="7090751" cy="4191001"/>
+          </a:xfrm>
+          <a:prstGeom prst="rect">
+            <a:avLst/>
+          </a:prstGeom>
+        </p:spPr>
+      </p:pic>
+      <p:pic>
+        <p:nvPicPr>
+          <p:cNvPr id="4" name="Grafik 3"/>
+          <p:cNvPicPr>
+            <a:picLocks noChangeAspect="1"/>
+          </p:cNvPicPr>
+          <p:nvPr/>
+        </p:nvPicPr>
+        <p:blipFill>
+          <a:blip r:embed="rId5">
+            <a:extLst>
+              <a:ext uri="{28A0092B-C50C-407E-A947-70E740481C1C}">
+                <a14:useLocalDpi xmlns:a14="http://schemas.microsoft.com/office/drawing/2010/main" val="0"/>
+              </a:ext>
+            </a:extLst>
+          </a:blip>
+          <a:stretch>
+            <a:fillRect/>
+          </a:stretch>
+        </p:blipFill>
+        <p:spPr>
+          <a:xfrm>
+            <a:off x="1821905" y="2017292"/>
+            <a:ext cx="7695074" cy="4191001"/>
+          </a:xfrm>
+          <a:prstGeom prst="rect">
+            <a:avLst/>
+          </a:prstGeom>
+        </p:spPr>
+      </p:pic>
+    </p:spTree>
+    <p:extLst>
+      <p:ext uri="{BB962C8B-B14F-4D97-AF65-F5344CB8AC3E}">
+        <p14:creationId xmlns:p14="http://schemas.microsoft.com/office/powerpoint/2010/main" val="3128535238"/>
+      </p:ext>
+    </p:extLst>
+  </p:cSld>
+  <p:clrMapOvr>
+    <a:masterClrMapping/>
+  </p:clrMapOvr>
+  <p:timing>
+    <p:tnLst>
+      <p:par>
+        <p:cTn id="1" dur="indefinite" restart="never" nodeType="tmRoot"/>
+      </p:par>
+    </p:tnLst>
+  </p:timing>
+</p:sld>
+</file>
+
+<file path=ppt/slides/slide22.xml><?xml version="1.0" encoding="utf-8"?>
+<p:sld xmlns:a="http://schemas.openxmlformats.org/drawingml/2006/main" xmlns:r="http://schemas.openxmlformats.org/officeDocument/2006/relationships" xmlns:p="http://schemas.openxmlformats.org/presentationml/2006/main">
+  <p:cSld>
+    <p:spTree>
+      <p:nvGrpSpPr>
+        <p:cNvPr id="1" name=""/>
+        <p:cNvGrpSpPr/>
+        <p:nvPr/>
+      </p:nvGrpSpPr>
+      <p:grpSpPr>
+        <a:xfrm>
+          <a:off x="0" y="0"/>
+          <a:ext cx="0" cy="0"/>
+          <a:chOff x="0" y="0"/>
+          <a:chExt cx="0" cy="0"/>
+        </a:xfrm>
+      </p:grpSpPr>
+      <p:sp>
+        <p:nvSpPr>
+          <p:cNvPr id="2" name="Titel 1"/>
+          <p:cNvSpPr>
+            <a:spLocks noGrp="1"/>
+          </p:cNvSpPr>
+          <p:nvPr>
+            <p:ph type="title"/>
+          </p:nvPr>
+        </p:nvSpPr>
+        <p:spPr>
+          <a:xfrm>
+            <a:off x="810915" y="691116"/>
+            <a:ext cx="10018713" cy="1752599"/>
+          </a:xfrm>
+        </p:spPr>
+        <p:txBody>
+          <a:bodyPr/>
+          <a:lstStyle/>
+          <a:p>
+            <a:r>
+              <a:rPr lang="de-DE" dirty="0" err="1" smtClean="0"/>
+              <a:t>Why</a:t>
+            </a:r>
+            <a:r>
+              <a:rPr lang="de-DE" dirty="0" smtClean="0"/>
+              <a:t> </a:t>
+            </a:r>
+            <a:r>
+              <a:rPr lang="de-DE" dirty="0" err="1" smtClean="0"/>
+              <a:t>us</a:t>
+            </a:r>
+            <a:r>
+              <a:rPr lang="de-DE" dirty="0" smtClean="0"/>
+              <a:t>?</a:t>
+            </a:r>
+            <a:endParaRPr lang="de-DE" dirty="0"/>
+          </a:p>
+        </p:txBody>
+      </p:sp>
+      <p:sp>
+        <p:nvSpPr>
+          <p:cNvPr id="6" name="Inhaltsplatzhalter 2"/>
+          <p:cNvSpPr txBox="1">
+            <a:spLocks/>
+          </p:cNvSpPr>
+          <p:nvPr/>
+        </p:nvSpPr>
+        <p:spPr>
+          <a:xfrm>
+            <a:off x="8137451" y="-41565"/>
+            <a:ext cx="4054549" cy="370610"/>
+          </a:xfrm>
+          <a:prstGeom prst="rect">
+            <a:avLst/>
+          </a:prstGeom>
+        </p:spPr>
+        <p:txBody>
+          <a:bodyPr vert="horz" lIns="91440" tIns="45720" rIns="91440" bIns="45720" rtlCol="0" anchor="ctr">
+            <a:normAutofit/>
+          </a:bodyPr>
+          <a:lstStyle>
+            <a:lvl1pPr marL="285750" indent="-285750" algn="l" defTabSz="457200" rtl="0" eaLnBrk="1" latinLnBrk="0" hangingPunct="1">
+              <a:spcBef>
+                <a:spcPct val="20000"/>
+              </a:spcBef>
+              <a:spcAft>
+                <a:spcPts val="600"/>
+              </a:spcAft>
+              <a:buClr>
+                <a:schemeClr val="accent1">
+                  <a:lumMod val="75000"/>
+                </a:schemeClr>
+              </a:buClr>
+              <a:buSzPct val="145000"/>
+              <a:buFont typeface="Arial"/>
+              <a:buChar char="•"/>
+              <a:defRPr sz="2400" kern="1200" cap="none">
+                <a:solidFill>
+                  <a:schemeClr val="tx1"/>
+                </a:solidFill>
+                <a:effectLst/>
+                <a:latin typeface="+mn-lt"/>
+                <a:ea typeface="+mn-ea"/>
+                <a:cs typeface="+mn-cs"/>
+              </a:defRPr>
+            </a:lvl1pPr>
+            <a:lvl2pPr marL="742950" indent="-285750" algn="l" defTabSz="457200" rtl="0" eaLnBrk="1" latinLnBrk="0" hangingPunct="1">
+              <a:spcBef>
+                <a:spcPct val="20000"/>
+              </a:spcBef>
+              <a:spcAft>
+                <a:spcPts val="600"/>
+              </a:spcAft>
+              <a:buClr>
+                <a:schemeClr val="accent1">
+                  <a:lumMod val="75000"/>
+                </a:schemeClr>
+              </a:buClr>
+              <a:buSzPct val="145000"/>
+              <a:buFont typeface="Arial"/>
+              <a:buChar char="•"/>
+              <a:defRPr sz="2000" kern="1200" cap="none">
+                <a:solidFill>
+                  <a:schemeClr val="tx1"/>
+                </a:solidFill>
+                <a:effectLst/>
+                <a:latin typeface="+mn-lt"/>
+                <a:ea typeface="+mn-ea"/>
+                <a:cs typeface="+mn-cs"/>
+              </a:defRPr>
+            </a:lvl2pPr>
+            <a:lvl3pPr marL="1200150" indent="-285750" algn="l" defTabSz="457200" rtl="0" eaLnBrk="1" latinLnBrk="0" hangingPunct="1">
+              <a:spcBef>
+                <a:spcPct val="20000"/>
+              </a:spcBef>
+              <a:spcAft>
+                <a:spcPts val="600"/>
+              </a:spcAft>
+              <a:buClr>
+                <a:schemeClr val="accent1">
+                  <a:lumMod val="75000"/>
+                </a:schemeClr>
+              </a:buClr>
+              <a:buSzPct val="145000"/>
+              <a:buFont typeface="Arial"/>
+              <a:buChar char="•"/>
+              <a:defRPr sz="1800" kern="1200" cap="none">
+                <a:solidFill>
+                  <a:schemeClr val="tx1"/>
+                </a:solidFill>
+                <a:effectLst/>
+                <a:latin typeface="+mn-lt"/>
+                <a:ea typeface="+mn-ea"/>
+                <a:cs typeface="+mn-cs"/>
+              </a:defRPr>
+            </a:lvl3pPr>
+            <a:lvl4pPr marL="1543050" indent="-171450" algn="l" defTabSz="457200" rtl="0" eaLnBrk="1" latinLnBrk="0" hangingPunct="1">
+              <a:spcBef>
+                <a:spcPct val="20000"/>
+              </a:spcBef>
+              <a:spcAft>
+                <a:spcPts val="600"/>
+              </a:spcAft>
+              <a:buClr>
+                <a:schemeClr val="accent1">
+                  <a:lumMod val="75000"/>
+                </a:schemeClr>
+              </a:buClr>
+              <a:buSzPct val="145000"/>
+              <a:buFont typeface="Arial"/>
+              <a:buChar char="•"/>
+              <a:defRPr sz="1600" kern="1200" cap="none">
+                <a:solidFill>
+                  <a:schemeClr val="tx1"/>
+                </a:solidFill>
+                <a:effectLst/>
+                <a:latin typeface="+mn-lt"/>
+                <a:ea typeface="+mn-ea"/>
+                <a:cs typeface="+mn-cs"/>
+              </a:defRPr>
+            </a:lvl4pPr>
+            <a:lvl5pPr marL="2000250" indent="-171450" algn="l" defTabSz="457200" rtl="0" eaLnBrk="1" latinLnBrk="0" hangingPunct="1">
+              <a:spcBef>
+                <a:spcPct val="20000"/>
+              </a:spcBef>
+              <a:spcAft>
+                <a:spcPts val="600"/>
+              </a:spcAft>
+              <a:buClr>
+                <a:schemeClr val="accent1">
+                  <a:lumMod val="75000"/>
+                </a:schemeClr>
+              </a:buClr>
+              <a:buSzPct val="145000"/>
+              <a:buFont typeface="Arial"/>
+              <a:buChar char="•"/>
+              <a:defRPr sz="1400" kern="1200" cap="none">
+                <a:solidFill>
+                  <a:schemeClr val="tx1"/>
+                </a:solidFill>
+                <a:effectLst/>
+                <a:latin typeface="+mn-lt"/>
+                <a:ea typeface="+mn-ea"/>
+                <a:cs typeface="+mn-cs"/>
+              </a:defRPr>
+            </a:lvl5pPr>
+            <a:lvl6pPr marL="2514600" indent="-228600" algn="l" defTabSz="457200" rtl="0" eaLnBrk="1" latinLnBrk="0" hangingPunct="1">
+              <a:spcBef>
+                <a:spcPct val="20000"/>
+              </a:spcBef>
+              <a:spcAft>
+                <a:spcPts val="600"/>
+              </a:spcAft>
+              <a:buClr>
+                <a:schemeClr val="accent1">
+                  <a:lumMod val="75000"/>
+                </a:schemeClr>
+              </a:buClr>
+              <a:buSzPct val="145000"/>
+              <a:buFont typeface="Arial"/>
+              <a:buChar char="•"/>
+              <a:defRPr sz="1400" kern="1200" cap="none">
+                <a:solidFill>
+                  <a:schemeClr val="tx1"/>
+                </a:solidFill>
+                <a:effectLst/>
+                <a:latin typeface="+mn-lt"/>
+                <a:ea typeface="+mn-ea"/>
+                <a:cs typeface="+mn-cs"/>
+              </a:defRPr>
+            </a:lvl6pPr>
+            <a:lvl7pPr marL="2971800" indent="-228600" algn="l" defTabSz="457200" rtl="0" eaLnBrk="1" latinLnBrk="0" hangingPunct="1">
+              <a:spcBef>
+                <a:spcPct val="20000"/>
+              </a:spcBef>
+              <a:spcAft>
+                <a:spcPts val="600"/>
+              </a:spcAft>
+              <a:buClr>
+                <a:schemeClr val="accent1">
+                  <a:lumMod val="75000"/>
+                </a:schemeClr>
+              </a:buClr>
+              <a:buSzPct val="145000"/>
+              <a:buFont typeface="Arial"/>
+              <a:buChar char="•"/>
+              <a:defRPr sz="1400" kern="1200" cap="none">
+                <a:solidFill>
+                  <a:schemeClr val="tx1"/>
+                </a:solidFill>
+                <a:effectLst/>
+                <a:latin typeface="+mn-lt"/>
+                <a:ea typeface="+mn-ea"/>
+                <a:cs typeface="+mn-cs"/>
+              </a:defRPr>
+            </a:lvl7pPr>
+            <a:lvl8pPr marL="3429000" indent="-228600" algn="l" defTabSz="457200" rtl="0" eaLnBrk="1" latinLnBrk="0" hangingPunct="1">
+              <a:spcBef>
+                <a:spcPct val="20000"/>
+              </a:spcBef>
+              <a:spcAft>
+                <a:spcPts val="600"/>
+              </a:spcAft>
+              <a:buClr>
+                <a:schemeClr val="accent1">
+                  <a:lumMod val="75000"/>
+                </a:schemeClr>
+              </a:buClr>
+              <a:buSzPct val="145000"/>
+              <a:buFont typeface="Arial"/>
+              <a:buChar char="•"/>
+              <a:defRPr sz="1400" kern="1200" cap="none">
+                <a:solidFill>
+                  <a:schemeClr val="tx1"/>
+                </a:solidFill>
+                <a:effectLst/>
+                <a:latin typeface="+mn-lt"/>
+                <a:ea typeface="+mn-ea"/>
+                <a:cs typeface="+mn-cs"/>
+              </a:defRPr>
+            </a:lvl8pPr>
+            <a:lvl9pPr marL="3886200" indent="-228600" algn="l" defTabSz="457200" rtl="0" eaLnBrk="1" latinLnBrk="0" hangingPunct="1">
+              <a:spcBef>
+                <a:spcPct val="20000"/>
+              </a:spcBef>
+              <a:spcAft>
+                <a:spcPts val="600"/>
+              </a:spcAft>
+              <a:buClr>
+                <a:schemeClr val="accent1">
+                  <a:lumMod val="75000"/>
+                </a:schemeClr>
+              </a:buClr>
+              <a:buSzPct val="145000"/>
+              <a:buFont typeface="Arial"/>
+              <a:buChar char="•"/>
+              <a:defRPr sz="1400" kern="1200" cap="none">
+                <a:solidFill>
+                  <a:schemeClr val="tx1"/>
+                </a:solidFill>
+                <a:effectLst/>
+                <a:latin typeface="+mn-lt"/>
+                <a:ea typeface="+mn-ea"/>
+                <a:cs typeface="+mn-cs"/>
+              </a:defRPr>
+            </a:lvl9pPr>
+          </a:lstStyle>
+          <a:p>
+            <a:pPr marL="0" indent="0">
+              <a:buNone/>
+            </a:pPr>
+            <a:r>
+              <a:rPr lang="de-DE" sz="1000" dirty="0" smtClean="0"/>
+              <a:t>Rem0 Röthlisberger, Eric </a:t>
+            </a:r>
+            <a:r>
+              <a:rPr lang="de-DE" sz="1000" dirty="0" err="1" smtClean="0"/>
+              <a:t>Lagger</a:t>
+            </a:r>
+            <a:r>
+              <a:rPr lang="de-DE" sz="1000" dirty="0" smtClean="0"/>
+              <a:t>, Vincent Hofer, Dean Klopsch, Aebi Ryan</a:t>
+            </a:r>
+            <a:endParaRPr lang="de-DE" sz="1000" dirty="0"/>
+          </a:p>
+        </p:txBody>
+      </p:sp>
+      <p:sp>
+        <p:nvSpPr>
+          <p:cNvPr id="7" name="Inhaltsplatzhalter 2"/>
+          <p:cNvSpPr>
+            <a:spLocks noGrp="1"/>
+          </p:cNvSpPr>
+          <p:nvPr>
+            <p:ph idx="1"/>
+          </p:nvPr>
+        </p:nvSpPr>
+        <p:spPr>
+          <a:xfrm>
+            <a:off x="762552" y="2065420"/>
+            <a:ext cx="10115438" cy="3937001"/>
+          </a:xfrm>
+        </p:spPr>
+        <p:txBody>
+          <a:bodyPr>
+            <a:normAutofit/>
+          </a:bodyPr>
+          <a:lstStyle/>
+          <a:p>
+            <a:pPr algn="ctr"/>
+            <a:r>
+              <a:rPr lang="de-DE" sz="3200" dirty="0" err="1" smtClean="0"/>
+              <a:t>Our</a:t>
+            </a:r>
+            <a:r>
+              <a:rPr lang="de-DE" sz="3200" dirty="0" smtClean="0"/>
+              <a:t> </a:t>
+            </a:r>
+            <a:r>
+              <a:rPr lang="de-DE" sz="3200" dirty="0" err="1" smtClean="0"/>
+              <a:t>team</a:t>
+            </a:r>
+            <a:endParaRPr lang="de-DE" sz="3200" dirty="0" smtClean="0"/>
+          </a:p>
+          <a:p>
+            <a:pPr algn="ctr"/>
+            <a:r>
+              <a:rPr lang="de-DE" sz="3200" dirty="0" smtClean="0"/>
+              <a:t>The </a:t>
+            </a:r>
+            <a:r>
+              <a:rPr lang="de-DE" sz="3200" dirty="0" err="1" smtClean="0"/>
+              <a:t>products</a:t>
+            </a:r>
+            <a:r>
+              <a:rPr lang="de-DE" sz="3200" dirty="0" smtClean="0"/>
+              <a:t/>
+            </a:r>
+            <a:br>
+              <a:rPr lang="de-DE" sz="3200" dirty="0" smtClean="0"/>
+            </a:br>
+            <a:r>
+              <a:rPr lang="de-DE" sz="3200" dirty="0" smtClean="0"/>
+              <a:t>-&gt; The </a:t>
+            </a:r>
+            <a:r>
+              <a:rPr lang="de-DE" sz="3200" dirty="0" err="1" smtClean="0"/>
+              <a:t>client</a:t>
+            </a:r>
+            <a:r>
+              <a:rPr lang="de-DE" sz="3200" dirty="0" smtClean="0"/>
+              <a:t/>
+            </a:r>
+            <a:br>
+              <a:rPr lang="de-DE" sz="3200" dirty="0" smtClean="0"/>
+            </a:br>
+            <a:r>
+              <a:rPr lang="de-DE" sz="3200" dirty="0" smtClean="0"/>
+              <a:t>-&gt; The </a:t>
+            </a:r>
+            <a:r>
+              <a:rPr lang="de-DE" sz="3200" dirty="0" err="1" smtClean="0"/>
+              <a:t>developers</a:t>
+            </a:r>
+            <a:endParaRPr lang="de-DE" sz="3200" dirty="0" smtClean="0"/>
+          </a:p>
+          <a:p>
+            <a:pPr algn="ctr"/>
+            <a:r>
+              <a:rPr lang="de-DE" sz="3200" dirty="0" err="1" smtClean="0"/>
+              <a:t>Ask</a:t>
+            </a:r>
+            <a:r>
+              <a:rPr lang="de-DE" sz="3200" dirty="0" smtClean="0"/>
+              <a:t> </a:t>
+            </a:r>
+            <a:r>
+              <a:rPr lang="de-DE" sz="3200" dirty="0" err="1" smtClean="0"/>
+              <a:t>us</a:t>
+            </a:r>
+            <a:r>
+              <a:rPr lang="de-DE" sz="3200" dirty="0" smtClean="0"/>
+              <a:t>!</a:t>
+            </a:r>
+          </a:p>
+          <a:p>
+            <a:pPr algn="ctr"/>
+            <a:r>
+              <a:rPr lang="de-DE" sz="3200" dirty="0" err="1" smtClean="0"/>
+              <a:t>Contact</a:t>
+            </a:r>
+            <a:r>
+              <a:rPr lang="de-DE" sz="3200" dirty="0" smtClean="0"/>
+              <a:t> </a:t>
+            </a:r>
+            <a:r>
+              <a:rPr lang="de-DE" sz="3200" dirty="0" err="1" smtClean="0"/>
+              <a:t>us</a:t>
+            </a:r>
+            <a:r>
+              <a:rPr lang="de-DE" sz="3200" dirty="0" smtClean="0"/>
+              <a:t>!</a:t>
+            </a:r>
+          </a:p>
+        </p:txBody>
+      </p:sp>
+    </p:spTree>
+    <p:extLst>
+      <p:ext uri="{BB962C8B-B14F-4D97-AF65-F5344CB8AC3E}">
+        <p14:creationId xmlns:p14="http://schemas.microsoft.com/office/powerpoint/2010/main" val="1459151704"/>
+      </p:ext>
+    </p:extLst>
+  </p:cSld>
+  <p:clrMapOvr>
+    <a:masterClrMapping/>
+  </p:clrMapOvr>
+  <p:timing>
+    <p:tnLst>
+      <p:par>
+        <p:cTn id="1" dur="indefinite" restart="never" nodeType="tmRoot"/>
+      </p:par>
+    </p:tnLst>
+  </p:timing>
+</p:sld>
+</file>
+
+<file path=ppt/slides/slide23.xml><?xml version="1.0" encoding="utf-8"?>
 <p:sld xmlns:a="http://schemas.openxmlformats.org/drawingml/2006/main" xmlns:r="http://schemas.openxmlformats.org/officeDocument/2006/relationships" xmlns:p="http://schemas.openxmlformats.org/presentationml/2006/main">
   <p:cSld>
     <p:spTree>
@@ -11966,7 +16408,7 @@
           <a:noFill/>
           <a:extLst>
             <a:ext uri="{909E8E84-426E-40dd-AFC4-6F175D3DCCD1}">
-              <a14:hiddenFill xmlns="" xmlns:a14="http://schemas.microsoft.com/office/drawing/2010/main">
+              <a14:hiddenFill xmlns:a14="http://schemas.microsoft.com/office/drawing/2010/main" xmlns="">
                 <a:solidFill>
                   <a:srgbClr val="FFFFFF"/>
                 </a:solidFill>
@@ -12007,7 +16449,7 @@
           <a:noFill/>
           <a:extLst>
             <a:ext uri="{909E8E84-426E-40dd-AFC4-6F175D3DCCD1}">
-              <a14:hiddenFill xmlns="" xmlns:a14="http://schemas.microsoft.com/office/drawing/2010/main">
+              <a14:hiddenFill xmlns:a14="http://schemas.microsoft.com/office/drawing/2010/main" xmlns="">
                 <a:solidFill>
                   <a:srgbClr val="FFFFFF"/>
                 </a:solidFill>
@@ -12287,448 +16729,6 @@
     <p:extLst>
       <p:ext uri="{BB962C8B-B14F-4D97-AF65-F5344CB8AC3E}">
         <p14:creationId xmlns:p14="http://schemas.microsoft.com/office/powerpoint/2010/main" val="1359672913"/>
-      </p:ext>
-    </p:extLst>
-  </p:cSld>
-  <p:clrMapOvr>
-    <a:masterClrMapping/>
-  </p:clrMapOvr>
-</p:sld>
-</file>
-
-<file path=ppt/slides/slide2.xml><?xml version="1.0" encoding="utf-8"?>
-<p:sld xmlns:a="http://schemas.openxmlformats.org/drawingml/2006/main" xmlns:r="http://schemas.openxmlformats.org/officeDocument/2006/relationships" xmlns:p="http://schemas.openxmlformats.org/presentationml/2006/main">
-  <p:cSld>
-    <p:spTree>
-      <p:nvGrpSpPr>
-        <p:cNvPr id="1" name=""/>
-        <p:cNvGrpSpPr/>
-        <p:nvPr/>
-      </p:nvGrpSpPr>
-      <p:grpSpPr>
-        <a:xfrm>
-          <a:off x="0" y="0"/>
-          <a:ext cx="0" cy="0"/>
-          <a:chOff x="0" y="0"/>
-          <a:chExt cx="0" cy="0"/>
-        </a:xfrm>
-      </p:grpSpPr>
-      <p:sp>
-        <p:nvSpPr>
-          <p:cNvPr id="2" name="Titel 1"/>
-          <p:cNvSpPr>
-            <a:spLocks noGrp="1"/>
-          </p:cNvSpPr>
-          <p:nvPr>
-            <p:ph type="title"/>
-          </p:nvPr>
-        </p:nvSpPr>
-        <p:spPr>
-          <a:xfrm>
-            <a:off x="1747546" y="1219219"/>
-            <a:ext cx="7629287" cy="1033119"/>
-          </a:xfrm>
-        </p:spPr>
-        <p:txBody>
-          <a:bodyPr>
-            <a:noAutofit/>
-          </a:bodyPr>
-          <a:lstStyle/>
-          <a:p>
-            <a:r>
-              <a:rPr lang="de-DE" sz="6200" dirty="0"/>
-              <a:t>Roadmap</a:t>
-            </a:r>
-          </a:p>
-        </p:txBody>
-      </p:sp>
-      <p:sp>
-        <p:nvSpPr>
-          <p:cNvPr id="3" name="Inhaltsplatzhalter 2"/>
-          <p:cNvSpPr>
-            <a:spLocks noGrp="1"/>
-          </p:cNvSpPr>
-          <p:nvPr>
-            <p:ph idx="1"/>
-          </p:nvPr>
-        </p:nvSpPr>
-        <p:spPr>
-          <a:xfrm>
-            <a:off x="1747546" y="2466107"/>
-            <a:ext cx="10018713" cy="3262748"/>
-          </a:xfrm>
-        </p:spPr>
-        <p:txBody>
-          <a:bodyPr>
-            <a:normAutofit/>
-          </a:bodyPr>
-          <a:lstStyle/>
-          <a:p>
-            <a:r>
-              <a:rPr lang="de-CH" sz="3200" dirty="0" err="1"/>
-              <a:t>About</a:t>
-            </a:r>
-            <a:r>
-              <a:rPr lang="de-CH" sz="3200" dirty="0"/>
-              <a:t> </a:t>
-            </a:r>
-            <a:r>
-              <a:rPr lang="de-CH" sz="3200" dirty="0" err="1"/>
-              <a:t>us</a:t>
-            </a:r>
-            <a:endParaRPr lang="de-CH" sz="3200" dirty="0"/>
-          </a:p>
-          <a:p>
-            <a:r>
-              <a:rPr lang="de-CH" sz="3200" dirty="0"/>
-              <a:t>System </a:t>
-            </a:r>
-            <a:r>
-              <a:rPr lang="de-CH" sz="3200" dirty="0" err="1"/>
-              <a:t>as</a:t>
-            </a:r>
-            <a:r>
-              <a:rPr lang="de-CH" sz="3200" dirty="0"/>
-              <a:t> </a:t>
-            </a:r>
-            <a:r>
-              <a:rPr lang="de-CH" sz="3200" dirty="0" err="1"/>
-              <a:t>is</a:t>
-            </a:r>
-            <a:r>
-              <a:rPr lang="de-CH" sz="3200" dirty="0"/>
-              <a:t> – </a:t>
-            </a:r>
-            <a:r>
-              <a:rPr lang="de-CH" sz="3200" dirty="0" err="1"/>
-              <a:t>use</a:t>
-            </a:r>
-            <a:r>
-              <a:rPr lang="de-CH" sz="3200" dirty="0"/>
-              <a:t> </a:t>
-            </a:r>
-            <a:r>
-              <a:rPr lang="de-CH" sz="3200" dirty="0" err="1"/>
-              <a:t>cases</a:t>
-            </a:r>
-            <a:endParaRPr lang="de-CH" sz="3200" dirty="0"/>
-          </a:p>
-          <a:p>
-            <a:r>
-              <a:rPr lang="de-CH" sz="3200" dirty="0"/>
-              <a:t>Scenario</a:t>
-            </a:r>
-          </a:p>
-          <a:p>
-            <a:r>
-              <a:rPr lang="de-CH" sz="3200" dirty="0" err="1"/>
-              <a:t>Discussion</a:t>
-            </a:r>
-            <a:endParaRPr lang="de-CH" sz="3200" dirty="0"/>
-          </a:p>
-        </p:txBody>
-      </p:sp>
-      <p:sp>
-        <p:nvSpPr>
-          <p:cNvPr id="5" name="Inhaltsplatzhalter 2"/>
-          <p:cNvSpPr txBox="1">
-            <a:spLocks/>
-          </p:cNvSpPr>
-          <p:nvPr/>
-        </p:nvSpPr>
-        <p:spPr>
-          <a:xfrm>
-            <a:off x="8137451" y="-41565"/>
-            <a:ext cx="4054549" cy="370610"/>
-          </a:xfrm>
-          <a:prstGeom prst="rect">
-            <a:avLst/>
-          </a:prstGeom>
-        </p:spPr>
-        <p:txBody>
-          <a:bodyPr vert="horz" lIns="91440" tIns="45720" rIns="91440" bIns="45720" rtlCol="0" anchor="ctr">
-            <a:normAutofit/>
-          </a:bodyPr>
-          <a:lstStyle>
-            <a:lvl1pPr marL="285750" indent="-285750" algn="l" defTabSz="457200" rtl="0" eaLnBrk="1" latinLnBrk="0" hangingPunct="1">
-              <a:spcBef>
-                <a:spcPct val="20000"/>
-              </a:spcBef>
-              <a:spcAft>
-                <a:spcPts val="600"/>
-              </a:spcAft>
-              <a:buClr>
-                <a:schemeClr val="accent1">
-                  <a:lumMod val="75000"/>
-                </a:schemeClr>
-              </a:buClr>
-              <a:buSzPct val="145000"/>
-              <a:buFont typeface="Arial"/>
-              <a:buChar char="•"/>
-              <a:defRPr sz="2400" kern="1200" cap="none">
-                <a:solidFill>
-                  <a:schemeClr val="tx1"/>
-                </a:solidFill>
-                <a:effectLst/>
-                <a:latin typeface="+mn-lt"/>
-                <a:ea typeface="+mn-ea"/>
-                <a:cs typeface="+mn-cs"/>
-              </a:defRPr>
-            </a:lvl1pPr>
-            <a:lvl2pPr marL="742950" indent="-285750" algn="l" defTabSz="457200" rtl="0" eaLnBrk="1" latinLnBrk="0" hangingPunct="1">
-              <a:spcBef>
-                <a:spcPct val="20000"/>
-              </a:spcBef>
-              <a:spcAft>
-                <a:spcPts val="600"/>
-              </a:spcAft>
-              <a:buClr>
-                <a:schemeClr val="accent1">
-                  <a:lumMod val="75000"/>
-                </a:schemeClr>
-              </a:buClr>
-              <a:buSzPct val="145000"/>
-              <a:buFont typeface="Arial"/>
-              <a:buChar char="•"/>
-              <a:defRPr sz="2000" kern="1200" cap="none">
-                <a:solidFill>
-                  <a:schemeClr val="tx1"/>
-                </a:solidFill>
-                <a:effectLst/>
-                <a:latin typeface="+mn-lt"/>
-                <a:ea typeface="+mn-ea"/>
-                <a:cs typeface="+mn-cs"/>
-              </a:defRPr>
-            </a:lvl2pPr>
-            <a:lvl3pPr marL="1200150" indent="-285750" algn="l" defTabSz="457200" rtl="0" eaLnBrk="1" latinLnBrk="0" hangingPunct="1">
-              <a:spcBef>
-                <a:spcPct val="20000"/>
-              </a:spcBef>
-              <a:spcAft>
-                <a:spcPts val="600"/>
-              </a:spcAft>
-              <a:buClr>
-                <a:schemeClr val="accent1">
-                  <a:lumMod val="75000"/>
-                </a:schemeClr>
-              </a:buClr>
-              <a:buSzPct val="145000"/>
-              <a:buFont typeface="Arial"/>
-              <a:buChar char="•"/>
-              <a:defRPr sz="1800" kern="1200" cap="none">
-                <a:solidFill>
-                  <a:schemeClr val="tx1"/>
-                </a:solidFill>
-                <a:effectLst/>
-                <a:latin typeface="+mn-lt"/>
-                <a:ea typeface="+mn-ea"/>
-                <a:cs typeface="+mn-cs"/>
-              </a:defRPr>
-            </a:lvl3pPr>
-            <a:lvl4pPr marL="1543050" indent="-171450" algn="l" defTabSz="457200" rtl="0" eaLnBrk="1" latinLnBrk="0" hangingPunct="1">
-              <a:spcBef>
-                <a:spcPct val="20000"/>
-              </a:spcBef>
-              <a:spcAft>
-                <a:spcPts val="600"/>
-              </a:spcAft>
-              <a:buClr>
-                <a:schemeClr val="accent1">
-                  <a:lumMod val="75000"/>
-                </a:schemeClr>
-              </a:buClr>
-              <a:buSzPct val="145000"/>
-              <a:buFont typeface="Arial"/>
-              <a:buChar char="•"/>
-              <a:defRPr sz="1600" kern="1200" cap="none">
-                <a:solidFill>
-                  <a:schemeClr val="tx1"/>
-                </a:solidFill>
-                <a:effectLst/>
-                <a:latin typeface="+mn-lt"/>
-                <a:ea typeface="+mn-ea"/>
-                <a:cs typeface="+mn-cs"/>
-              </a:defRPr>
-            </a:lvl4pPr>
-            <a:lvl5pPr marL="2000250" indent="-171450" algn="l" defTabSz="457200" rtl="0" eaLnBrk="1" latinLnBrk="0" hangingPunct="1">
-              <a:spcBef>
-                <a:spcPct val="20000"/>
-              </a:spcBef>
-              <a:spcAft>
-                <a:spcPts val="600"/>
-              </a:spcAft>
-              <a:buClr>
-                <a:schemeClr val="accent1">
-                  <a:lumMod val="75000"/>
-                </a:schemeClr>
-              </a:buClr>
-              <a:buSzPct val="145000"/>
-              <a:buFont typeface="Arial"/>
-              <a:buChar char="•"/>
-              <a:defRPr sz="1400" kern="1200" cap="none">
-                <a:solidFill>
-                  <a:schemeClr val="tx1"/>
-                </a:solidFill>
-                <a:effectLst/>
-                <a:latin typeface="+mn-lt"/>
-                <a:ea typeface="+mn-ea"/>
-                <a:cs typeface="+mn-cs"/>
-              </a:defRPr>
-            </a:lvl5pPr>
-            <a:lvl6pPr marL="2514600" indent="-228600" algn="l" defTabSz="457200" rtl="0" eaLnBrk="1" latinLnBrk="0" hangingPunct="1">
-              <a:spcBef>
-                <a:spcPct val="20000"/>
-              </a:spcBef>
-              <a:spcAft>
-                <a:spcPts val="600"/>
-              </a:spcAft>
-              <a:buClr>
-                <a:schemeClr val="accent1">
-                  <a:lumMod val="75000"/>
-                </a:schemeClr>
-              </a:buClr>
-              <a:buSzPct val="145000"/>
-              <a:buFont typeface="Arial"/>
-              <a:buChar char="•"/>
-              <a:defRPr sz="1400" kern="1200" cap="none">
-                <a:solidFill>
-                  <a:schemeClr val="tx1"/>
-                </a:solidFill>
-                <a:effectLst/>
-                <a:latin typeface="+mn-lt"/>
-                <a:ea typeface="+mn-ea"/>
-                <a:cs typeface="+mn-cs"/>
-              </a:defRPr>
-            </a:lvl6pPr>
-            <a:lvl7pPr marL="2971800" indent="-228600" algn="l" defTabSz="457200" rtl="0" eaLnBrk="1" latinLnBrk="0" hangingPunct="1">
-              <a:spcBef>
-                <a:spcPct val="20000"/>
-              </a:spcBef>
-              <a:spcAft>
-                <a:spcPts val="600"/>
-              </a:spcAft>
-              <a:buClr>
-                <a:schemeClr val="accent1">
-                  <a:lumMod val="75000"/>
-                </a:schemeClr>
-              </a:buClr>
-              <a:buSzPct val="145000"/>
-              <a:buFont typeface="Arial"/>
-              <a:buChar char="•"/>
-              <a:defRPr sz="1400" kern="1200" cap="none">
-                <a:solidFill>
-                  <a:schemeClr val="tx1"/>
-                </a:solidFill>
-                <a:effectLst/>
-                <a:latin typeface="+mn-lt"/>
-                <a:ea typeface="+mn-ea"/>
-                <a:cs typeface="+mn-cs"/>
-              </a:defRPr>
-            </a:lvl7pPr>
-            <a:lvl8pPr marL="3429000" indent="-228600" algn="l" defTabSz="457200" rtl="0" eaLnBrk="1" latinLnBrk="0" hangingPunct="1">
-              <a:spcBef>
-                <a:spcPct val="20000"/>
-              </a:spcBef>
-              <a:spcAft>
-                <a:spcPts val="600"/>
-              </a:spcAft>
-              <a:buClr>
-                <a:schemeClr val="accent1">
-                  <a:lumMod val="75000"/>
-                </a:schemeClr>
-              </a:buClr>
-              <a:buSzPct val="145000"/>
-              <a:buFont typeface="Arial"/>
-              <a:buChar char="•"/>
-              <a:defRPr sz="1400" kern="1200" cap="none">
-                <a:solidFill>
-                  <a:schemeClr val="tx1"/>
-                </a:solidFill>
-                <a:effectLst/>
-                <a:latin typeface="+mn-lt"/>
-                <a:ea typeface="+mn-ea"/>
-                <a:cs typeface="+mn-cs"/>
-              </a:defRPr>
-            </a:lvl8pPr>
-            <a:lvl9pPr marL="3886200" indent="-228600" algn="l" defTabSz="457200" rtl="0" eaLnBrk="1" latinLnBrk="0" hangingPunct="1">
-              <a:spcBef>
-                <a:spcPct val="20000"/>
-              </a:spcBef>
-              <a:spcAft>
-                <a:spcPts val="600"/>
-              </a:spcAft>
-              <a:buClr>
-                <a:schemeClr val="accent1">
-                  <a:lumMod val="75000"/>
-                </a:schemeClr>
-              </a:buClr>
-              <a:buSzPct val="145000"/>
-              <a:buFont typeface="Arial"/>
-              <a:buChar char="•"/>
-              <a:defRPr sz="1400" kern="1200" cap="none">
-                <a:solidFill>
-                  <a:schemeClr val="tx1"/>
-                </a:solidFill>
-                <a:effectLst/>
-                <a:latin typeface="+mn-lt"/>
-                <a:ea typeface="+mn-ea"/>
-                <a:cs typeface="+mn-cs"/>
-              </a:defRPr>
-            </a:lvl9pPr>
-          </a:lstStyle>
-          <a:p>
-            <a:pPr marL="0" indent="0">
-              <a:buNone/>
-            </a:pPr>
-            <a:r>
-              <a:rPr lang="de-DE" sz="1000" dirty="0"/>
-              <a:t>Rem0 Röthlisberger, Eric </a:t>
-            </a:r>
-            <a:r>
-              <a:rPr lang="de-DE" sz="1000" dirty="0" err="1"/>
-              <a:t>Lagger</a:t>
-            </a:r>
-            <a:r>
-              <a:rPr lang="de-DE" sz="1000" dirty="0"/>
-              <a:t>, Vincent Hofer, Dean Klopsch, Aebi Ryan</a:t>
-            </a:r>
-          </a:p>
-        </p:txBody>
-      </p:sp>
-      <p:pic>
-        <p:nvPicPr>
-          <p:cNvPr id="4" name="Bild 3" descr="roadmap.png"/>
-          <p:cNvPicPr>
-            <a:picLocks noChangeAspect="1"/>
-          </p:cNvPicPr>
-          <p:nvPr/>
-        </p:nvPicPr>
-        <p:blipFill>
-          <a:blip r:embed="rId2">
-            <a:extLst>
-              <a:ext uri="{28A0092B-C50C-407E-A947-70E740481C1C}">
-                <a14:useLocalDpi xmlns:a14="http://schemas.microsoft.com/office/drawing/2010/main" val="0"/>
-              </a:ext>
-            </a:extLst>
-          </a:blip>
-          <a:stretch>
-            <a:fillRect/>
-          </a:stretch>
-        </p:blipFill>
-        <p:spPr>
-          <a:xfrm>
-            <a:off x="8711241" y="834248"/>
-            <a:ext cx="2929128" cy="2538984"/>
-          </a:xfrm>
-          <a:prstGeom prst="rect">
-            <a:avLst/>
-          </a:prstGeom>
-        </p:spPr>
-      </p:pic>
-    </p:spTree>
-    <p:extLst>
-      <p:ext uri="{BB962C8B-B14F-4D97-AF65-F5344CB8AC3E}">
-        <p14:creationId xmlns:p14="http://schemas.microsoft.com/office/powerpoint/2010/main" val="435628697"/>
       </p:ext>
     </p:extLst>
   </p:cSld>

--- a/baseProject/presentation/Presentation-Team8.pptx
+++ b/baseProject/presentation/Presentation-Team8.pptx
@@ -5,7 +5,7 @@
     <p:sldMasterId id="2147483648" r:id="rId1"/>
   </p:sldMasterIdLst>
   <p:notesMasterIdLst>
-    <p:notesMasterId r:id="rId25"/>
+    <p:notesMasterId r:id="rId24"/>
   </p:notesMasterIdLst>
   <p:sldIdLst>
     <p:sldId id="256" r:id="rId2"/>
@@ -24,13 +24,12 @@
     <p:sldId id="274" r:id="rId15"/>
     <p:sldId id="279" r:id="rId16"/>
     <p:sldId id="280" r:id="rId17"/>
-    <p:sldId id="281" r:id="rId18"/>
-    <p:sldId id="282" r:id="rId19"/>
-    <p:sldId id="283" r:id="rId20"/>
-    <p:sldId id="284" r:id="rId21"/>
-    <p:sldId id="285" r:id="rId22"/>
-    <p:sldId id="286" r:id="rId23"/>
-    <p:sldId id="263" r:id="rId24"/>
+    <p:sldId id="287" r:id="rId18"/>
+    <p:sldId id="288" r:id="rId19"/>
+    <p:sldId id="289" r:id="rId20"/>
+    <p:sldId id="290" r:id="rId21"/>
+    <p:sldId id="286" r:id="rId22"/>
+    <p:sldId id="263" r:id="rId23"/>
   </p:sldIdLst>
   <p:sldSz cx="12192000" cy="6858000"/>
   <p:notesSz cx="6858000" cy="9144000"/>
@@ -170,11 +169,10 @@
             <p14:sldId id="274"/>
             <p14:sldId id="279"/>
             <p14:sldId id="280"/>
-            <p14:sldId id="281"/>
-            <p14:sldId id="282"/>
-            <p14:sldId id="283"/>
-            <p14:sldId id="284"/>
-            <p14:sldId id="285"/>
+            <p14:sldId id="287"/>
+            <p14:sldId id="288"/>
+            <p14:sldId id="289"/>
+            <p14:sldId id="290"/>
             <p14:sldId id="286"/>
           </p14:sldIdLst>
         </p14:section>
@@ -795,7 +793,7 @@
     </p:spTree>
     <p:extLst>
       <p:ext uri="{BB962C8B-B14F-4D97-AF65-F5344CB8AC3E}">
-        <p14:creationId xmlns:p14="http://schemas.microsoft.com/office/powerpoint/2010/main" val="2313737348"/>
+        <p14:creationId xmlns:p14="http://schemas.microsoft.com/office/powerpoint/2010/main" val="1657977333"/>
       </p:ext>
     </p:extLst>
   </p:cSld>
@@ -879,7 +877,7 @@
     </p:spTree>
     <p:extLst>
       <p:ext uri="{BB962C8B-B14F-4D97-AF65-F5344CB8AC3E}">
-        <p14:creationId xmlns:p14="http://schemas.microsoft.com/office/powerpoint/2010/main" val="2735554588"/>
+        <p14:creationId xmlns:p14="http://schemas.microsoft.com/office/powerpoint/2010/main" val="201347693"/>
       </p:ext>
     </p:extLst>
   </p:cSld>
@@ -963,7 +961,7 @@
     </p:spTree>
     <p:extLst>
       <p:ext uri="{BB962C8B-B14F-4D97-AF65-F5344CB8AC3E}">
-        <p14:creationId xmlns:p14="http://schemas.microsoft.com/office/powerpoint/2010/main" val="2929037761"/>
+        <p14:creationId xmlns:p14="http://schemas.microsoft.com/office/powerpoint/2010/main" val="715993072"/>
       </p:ext>
     </p:extLst>
   </p:cSld>
@@ -1047,7 +1045,7 @@
     </p:spTree>
     <p:extLst>
       <p:ext uri="{BB962C8B-B14F-4D97-AF65-F5344CB8AC3E}">
-        <p14:creationId xmlns:p14="http://schemas.microsoft.com/office/powerpoint/2010/main" val="3234085166"/>
+        <p14:creationId xmlns:p14="http://schemas.microsoft.com/office/powerpoint/2010/main" val="4112710545"/>
       </p:ext>
     </p:extLst>
   </p:cSld>
@@ -1123,90 +1121,6 @@
             <a:fld id="{2F2847E0-1D0A-0F4B-99C8-E51199A5987D}" type="slidenum">
               <a:rPr lang="de-DE" smtClean="0"/>
               <a:t>21</a:t>
-            </a:fld>
-            <a:endParaRPr lang="de-DE"/>
-          </a:p>
-        </p:txBody>
-      </p:sp>
-    </p:spTree>
-    <p:extLst>
-      <p:ext uri="{BB962C8B-B14F-4D97-AF65-F5344CB8AC3E}">
-        <p14:creationId xmlns:p14="http://schemas.microsoft.com/office/powerpoint/2010/main" val="2342513368"/>
-      </p:ext>
-    </p:extLst>
-  </p:cSld>
-  <p:clrMapOvr>
-    <a:masterClrMapping/>
-  </p:clrMapOvr>
-</p:notes>
-</file>
-
-<file path=ppt/notesSlides/notesSlide16.xml><?xml version="1.0" encoding="utf-8"?>
-<p:notes xmlns:a="http://schemas.openxmlformats.org/drawingml/2006/main" xmlns:r="http://schemas.openxmlformats.org/officeDocument/2006/relationships" xmlns:p="http://schemas.openxmlformats.org/presentationml/2006/main">
-  <p:cSld>
-    <p:spTree>
-      <p:nvGrpSpPr>
-        <p:cNvPr id="1" name=""/>
-        <p:cNvGrpSpPr/>
-        <p:nvPr/>
-      </p:nvGrpSpPr>
-      <p:grpSpPr>
-        <a:xfrm>
-          <a:off x="0" y="0"/>
-          <a:ext cx="0" cy="0"/>
-          <a:chOff x="0" y="0"/>
-          <a:chExt cx="0" cy="0"/>
-        </a:xfrm>
-      </p:grpSpPr>
-      <p:sp>
-        <p:nvSpPr>
-          <p:cNvPr id="2" name="Folienbildplatzhalter 1"/>
-          <p:cNvSpPr>
-            <a:spLocks noGrp="1" noRot="1" noChangeAspect="1"/>
-          </p:cNvSpPr>
-          <p:nvPr>
-            <p:ph type="sldImg"/>
-          </p:nvPr>
-        </p:nvSpPr>
-        <p:spPr/>
-      </p:sp>
-      <p:sp>
-        <p:nvSpPr>
-          <p:cNvPr id="3" name="Notizenplatzhalter 2"/>
-          <p:cNvSpPr>
-            <a:spLocks noGrp="1"/>
-          </p:cNvSpPr>
-          <p:nvPr>
-            <p:ph type="body" idx="1"/>
-          </p:nvPr>
-        </p:nvSpPr>
-        <p:spPr/>
-        <p:txBody>
-          <a:bodyPr/>
-          <a:lstStyle/>
-          <a:p>
-            <a:endParaRPr lang="de-CH" dirty="0"/>
-          </a:p>
-        </p:txBody>
-      </p:sp>
-      <p:sp>
-        <p:nvSpPr>
-          <p:cNvPr id="4" name="Foliennummernplatzhalter 3"/>
-          <p:cNvSpPr>
-            <a:spLocks noGrp="1"/>
-          </p:cNvSpPr>
-          <p:nvPr>
-            <p:ph type="sldNum" sz="quarter" idx="10"/>
-          </p:nvPr>
-        </p:nvSpPr>
-        <p:spPr/>
-        <p:txBody>
-          <a:bodyPr/>
-          <a:lstStyle/>
-          <a:p>
-            <a:fld id="{2F2847E0-1D0A-0F4B-99C8-E51199A5987D}" type="slidenum">
-              <a:rPr lang="de-DE" smtClean="0"/>
-              <a:t>22</a:t>
             </a:fld>
             <a:endParaRPr lang="de-DE"/>
           </a:p>
@@ -9010,7 +8924,7 @@
         <p:spPr>
           <a:xfrm>
             <a:off x="2372304" y="2126513"/>
-            <a:ext cx="1444495" cy="1027814"/>
+            <a:ext cx="1444494" cy="1027814"/>
           </a:xfrm>
           <a:prstGeom prst="rect">
             <a:avLst/>
@@ -9027,6 +8941,13 @@
   <p:clrMapOvr>
     <a:masterClrMapping/>
   </p:clrMapOvr>
+  <p:timing>
+    <p:tnLst>
+      <p:par>
+        <p:cTn id="1" dur="indefinite" restart="never" nodeType="tmRoot"/>
+      </p:par>
+    </p:tnLst>
+  </p:timing>
 </p:sld>
 </file>
 
@@ -9805,6 +9726,13 @@
   <p:clrMapOvr>
     <a:masterClrMapping/>
   </p:clrMapOvr>
+  <p:timing>
+    <p:tnLst>
+      <p:par>
+        <p:cTn id="1" dur="indefinite" restart="never" nodeType="tmRoot"/>
+      </p:par>
+    </p:tnLst>
+  </p:timing>
 </p:sld>
 </file>
 
@@ -10565,6 +10493,13 @@
   <p:clrMapOvr>
     <a:masterClrMapping/>
   </p:clrMapOvr>
+  <p:timing>
+    <p:tnLst>
+      <p:par>
+        <p:cTn id="1" dur="indefinite" restart="never" nodeType="tmRoot"/>
+      </p:par>
+    </p:tnLst>
+  </p:timing>
 </p:sld>
 </file>
 
@@ -11318,6 +11253,13 @@
   <p:clrMapOvr>
     <a:masterClrMapping/>
   </p:clrMapOvr>
+  <p:timing>
+    <p:tnLst>
+      <p:par>
+        <p:cTn id="1" dur="indefinite" restart="never" nodeType="tmRoot"/>
+      </p:par>
+    </p:tnLst>
+  </p:timing>
 </p:sld>
 </file>
 
@@ -12159,6 +12101,13 @@
   <p:clrMapOvr>
     <a:masterClrMapping/>
   </p:clrMapOvr>
+  <p:timing>
+    <p:tnLst>
+      <p:par>
+        <p:cTn id="1" dur="indefinite" restart="never" nodeType="tmRoot"/>
+      </p:par>
+    </p:tnLst>
+  </p:timing>
 </p:sld>
 </file>
 
@@ -12614,6 +12563,13 @@
   <p:clrMapOvr>
     <a:masterClrMapping/>
   </p:clrMapOvr>
+  <p:timing>
+    <p:tnLst>
+      <p:par>
+        <p:cTn id="1" dur="indefinite" restart="never" nodeType="tmRoot"/>
+      </p:par>
+    </p:tnLst>
+  </p:timing>
 </p:sld>
 </file>
 
@@ -13404,7 +13360,7 @@
       </p:sp>
       <p:pic>
         <p:nvPicPr>
-          <p:cNvPr id="3" name="Inhaltsplatzhalter 2"/>
+          <p:cNvPr id="8" name="Inhaltsplatzhalter 7"/>
           <p:cNvPicPr>
             <a:picLocks noGrp="1" noChangeAspect="1"/>
           </p:cNvPicPr>
@@ -13426,8 +13382,8 @@
         </p:blipFill>
         <p:spPr>
           <a:xfrm>
-            <a:off x="1115053" y="4404742"/>
-            <a:ext cx="1781424" cy="990738"/>
+            <a:off x="1950555" y="1945172"/>
+            <a:ext cx="7739431" cy="4407501"/>
           </a:xfrm>
         </p:spPr>
       </p:pic>
@@ -13774,7 +13730,7 @@
       </p:sp>
       <p:pic>
         <p:nvPicPr>
-          <p:cNvPr id="3" name="Inhaltsplatzhalter 2"/>
+          <p:cNvPr id="8" name="Inhaltsplatzhalter 7"/>
           <p:cNvPicPr>
             <a:picLocks noGrp="1" noChangeAspect="1"/>
           </p:cNvPicPr>
@@ -13796,45 +13752,15 @@
         </p:blipFill>
         <p:spPr>
           <a:xfrm>
-            <a:off x="1115053" y="4384029"/>
-            <a:ext cx="1781424" cy="990738"/>
+            <a:off x="1950555" y="1945172"/>
+            <a:ext cx="7739431" cy="4407501"/>
           </a:xfrm>
-        </p:spPr>
-      </p:pic>
-      <p:pic>
-        <p:nvPicPr>
-          <p:cNvPr id="4" name="Grafik 3"/>
-          <p:cNvPicPr>
-            <a:picLocks noChangeAspect="1"/>
-          </p:cNvPicPr>
-          <p:nvPr/>
-        </p:nvPicPr>
-        <p:blipFill>
-          <a:blip r:embed="rId4">
-            <a:extLst>
-              <a:ext uri="{28A0092B-C50C-407E-A947-70E740481C1C}">
-                <a14:useLocalDpi xmlns:a14="http://schemas.microsoft.com/office/drawing/2010/main" val="0"/>
-              </a:ext>
-            </a:extLst>
-          </a:blip>
-          <a:stretch>
-            <a:fillRect/>
-          </a:stretch>
-        </p:blipFill>
-        <p:spPr>
-          <a:xfrm>
-            <a:off x="5093427" y="3128211"/>
-            <a:ext cx="1453688" cy="3502374"/>
-          </a:xfrm>
-          <a:prstGeom prst="rect">
-            <a:avLst/>
-          </a:prstGeom>
         </p:spPr>
       </p:pic>
     </p:spTree>
     <p:extLst>
       <p:ext uri="{BB962C8B-B14F-4D97-AF65-F5344CB8AC3E}">
-        <p14:creationId xmlns:p14="http://schemas.microsoft.com/office/powerpoint/2010/main" val="1376868967"/>
+        <p14:creationId xmlns:p14="http://schemas.microsoft.com/office/powerpoint/2010/main" val="2052808245"/>
       </p:ext>
     </p:extLst>
   </p:cSld>
@@ -14174,11 +14100,13 @@
       </p:sp>
       <p:pic>
         <p:nvPicPr>
-          <p:cNvPr id="5" name="Grafik 4"/>
+          <p:cNvPr id="8" name="Inhaltsplatzhalter 7"/>
           <p:cNvPicPr>
-            <a:picLocks noChangeAspect="1"/>
+            <a:picLocks noGrp="1" noChangeAspect="1"/>
           </p:cNvPicPr>
-          <p:nvPr/>
+          <p:nvPr>
+            <p:ph idx="1"/>
+          </p:nvPr>
         </p:nvPicPr>
         <p:blipFill>
           <a:blip r:embed="rId3">
@@ -14194,18 +14122,15 @@
         </p:blipFill>
         <p:spPr>
           <a:xfrm>
-            <a:off x="1821905" y="2017293"/>
-            <a:ext cx="5731136" cy="4191001"/>
+            <a:off x="1950555" y="1945172"/>
+            <a:ext cx="7739431" cy="4407501"/>
           </a:xfrm>
-          <a:prstGeom prst="rect">
-            <a:avLst/>
-          </a:prstGeom>
         </p:spPr>
       </p:pic>
     </p:spTree>
     <p:extLst>
       <p:ext uri="{BB962C8B-B14F-4D97-AF65-F5344CB8AC3E}">
-        <p14:creationId xmlns:p14="http://schemas.microsoft.com/office/powerpoint/2010/main" val="1635030909"/>
+        <p14:creationId xmlns:p14="http://schemas.microsoft.com/office/powerpoint/2010/main" val="872929570"/>
       </p:ext>
     </p:extLst>
   </p:cSld>
@@ -14545,11 +14470,13 @@
       </p:sp>
       <p:pic>
         <p:nvPicPr>
-          <p:cNvPr id="5" name="Grafik 4"/>
+          <p:cNvPr id="8" name="Inhaltsplatzhalter 7"/>
           <p:cNvPicPr>
-            <a:picLocks noChangeAspect="1"/>
+            <a:picLocks noGrp="1" noChangeAspect="1"/>
           </p:cNvPicPr>
-          <p:nvPr/>
+          <p:nvPr>
+            <p:ph idx="1"/>
+          </p:nvPr>
         </p:nvPicPr>
         <p:blipFill>
           <a:blip r:embed="rId3">
@@ -14565,18 +14492,15 @@
         </p:blipFill>
         <p:spPr>
           <a:xfrm>
-            <a:off x="1821905" y="2017293"/>
-            <a:ext cx="5731136" cy="4191001"/>
+            <a:off x="1950555" y="1945172"/>
+            <a:ext cx="7739431" cy="4407501"/>
           </a:xfrm>
-          <a:prstGeom prst="rect">
-            <a:avLst/>
-          </a:prstGeom>
         </p:spPr>
       </p:pic>
     </p:spTree>
     <p:extLst>
       <p:ext uri="{BB962C8B-B14F-4D97-AF65-F5344CB8AC3E}">
-        <p14:creationId xmlns:p14="http://schemas.microsoft.com/office/powerpoint/2010/main" val="2888768366"/>
+        <p14:creationId xmlns:p14="http://schemas.microsoft.com/office/powerpoint/2010/main" val="3528280995"/>
       </p:ext>
     </p:extLst>
   </p:cSld>
@@ -15032,6 +14956,13 @@
   <p:clrMapOvr>
     <a:masterClrMapping/>
   </p:clrMapOvr>
+  <p:timing>
+    <p:tnLst>
+      <p:par>
+        <p:cTn id="1" dur="indefinite" restart="never" nodeType="tmRoot"/>
+      </p:par>
+    </p:tnLst>
+  </p:timing>
 </p:sld>
 </file>
 
@@ -15358,11 +15289,13 @@
       </p:sp>
       <p:pic>
         <p:nvPicPr>
-          <p:cNvPr id="5" name="Grafik 4"/>
+          <p:cNvPr id="8" name="Inhaltsplatzhalter 7"/>
           <p:cNvPicPr>
-            <a:picLocks noChangeAspect="1"/>
+            <a:picLocks noGrp="1" noChangeAspect="1"/>
           </p:cNvPicPr>
-          <p:nvPr/>
+          <p:nvPr>
+            <p:ph idx="1"/>
+          </p:nvPr>
         </p:nvPicPr>
         <p:blipFill>
           <a:blip r:embed="rId3">
@@ -15378,48 +15311,15 @@
         </p:blipFill>
         <p:spPr>
           <a:xfrm>
-            <a:off x="1821905" y="2017293"/>
-            <a:ext cx="5731136" cy="4191001"/>
+            <a:off x="1916024" y="1945172"/>
+            <a:ext cx="7808494" cy="4407501"/>
           </a:xfrm>
-          <a:prstGeom prst="rect">
-            <a:avLst/>
-          </a:prstGeom>
-        </p:spPr>
-      </p:pic>
-      <p:pic>
-        <p:nvPicPr>
-          <p:cNvPr id="3" name="Grafik 2"/>
-          <p:cNvPicPr>
-            <a:picLocks noChangeAspect="1"/>
-          </p:cNvPicPr>
-          <p:nvPr/>
-        </p:nvPicPr>
-        <p:blipFill>
-          <a:blip r:embed="rId4">
-            <a:extLst>
-              <a:ext uri="{28A0092B-C50C-407E-A947-70E740481C1C}">
-                <a14:useLocalDpi xmlns:a14="http://schemas.microsoft.com/office/drawing/2010/main" val="0"/>
-              </a:ext>
-            </a:extLst>
-          </a:blip>
-          <a:stretch>
-            <a:fillRect/>
-          </a:stretch>
-        </p:blipFill>
-        <p:spPr>
-          <a:xfrm>
-            <a:off x="1821905" y="2017293"/>
-            <a:ext cx="7707106" cy="4555299"/>
-          </a:xfrm>
-          <a:prstGeom prst="rect">
-            <a:avLst/>
-          </a:prstGeom>
         </p:spPr>
       </p:pic>
     </p:spTree>
     <p:extLst>
       <p:ext uri="{BB962C8B-B14F-4D97-AF65-F5344CB8AC3E}">
-        <p14:creationId xmlns:p14="http://schemas.microsoft.com/office/powerpoint/2010/main" val="1067886690"/>
+        <p14:creationId xmlns:p14="http://schemas.microsoft.com/office/powerpoint/2010/main" val="896141722"/>
       </p:ext>
     </p:extLst>
   </p:cSld>
@@ -15475,7 +15375,7 @@
           <a:p>
             <a:r>
               <a:rPr lang="de-DE" dirty="0" err="1" smtClean="0"/>
-              <a:t>Good</a:t>
+              <a:t>Why</a:t>
             </a:r>
             <a:r>
               <a:rPr lang="de-DE" dirty="0" smtClean="0"/>
@@ -15483,7 +15383,11 @@
             </a:r>
             <a:r>
               <a:rPr lang="de-DE" dirty="0" err="1" smtClean="0"/>
-              <a:t>code</a:t>
+              <a:t>us</a:t>
+            </a:r>
+            <a:r>
+              <a:rPr lang="de-DE" dirty="0" smtClean="0"/>
+              <a:t>?</a:t>
             </a:r>
             <a:endParaRPr lang="de-DE" dirty="0"/>
           </a:p>
@@ -15757,100 +15661,129 @@
           </a:p>
         </p:txBody>
       </p:sp>
-      <p:pic>
-        <p:nvPicPr>
-          <p:cNvPr id="5" name="Grafik 4"/>
-          <p:cNvPicPr>
-            <a:picLocks noChangeAspect="1"/>
-          </p:cNvPicPr>
-          <p:nvPr/>
-        </p:nvPicPr>
-        <p:blipFill>
-          <a:blip r:embed="rId3">
-            <a:extLst>
-              <a:ext uri="{28A0092B-C50C-407E-A947-70E740481C1C}">
-                <a14:useLocalDpi xmlns:a14="http://schemas.microsoft.com/office/drawing/2010/main" val="0"/>
-              </a:ext>
-            </a:extLst>
-          </a:blip>
-          <a:stretch>
-            <a:fillRect/>
-          </a:stretch>
-        </p:blipFill>
+      <p:sp>
+        <p:nvSpPr>
+          <p:cNvPr id="7" name="Inhaltsplatzhalter 2"/>
+          <p:cNvSpPr>
+            <a:spLocks noGrp="1"/>
+          </p:cNvSpPr>
+          <p:nvPr>
+            <p:ph idx="1"/>
+          </p:nvPr>
+        </p:nvSpPr>
         <p:spPr>
           <a:xfrm>
-            <a:off x="1821905" y="2017293"/>
-            <a:ext cx="5731136" cy="4191001"/>
+            <a:off x="762552" y="2065420"/>
+            <a:ext cx="10115438" cy="3937001"/>
           </a:xfrm>
-          <a:prstGeom prst="rect">
-            <a:avLst/>
-          </a:prstGeom>
         </p:spPr>
-      </p:pic>
-      <p:pic>
-        <p:nvPicPr>
-          <p:cNvPr id="3" name="Grafik 2"/>
-          <p:cNvPicPr>
-            <a:picLocks noChangeAspect="1"/>
-          </p:cNvPicPr>
-          <p:nvPr/>
-        </p:nvPicPr>
-        <p:blipFill>
-          <a:blip r:embed="rId4">
-            <a:extLst>
-              <a:ext uri="{28A0092B-C50C-407E-A947-70E740481C1C}">
-                <a14:useLocalDpi xmlns:a14="http://schemas.microsoft.com/office/drawing/2010/main" val="0"/>
-              </a:ext>
-            </a:extLst>
-          </a:blip>
-          <a:stretch>
-            <a:fillRect/>
-          </a:stretch>
-        </p:blipFill>
-        <p:spPr>
-          <a:xfrm>
-            <a:off x="1821905" y="2017293"/>
-            <a:ext cx="7090751" cy="4191001"/>
-          </a:xfrm>
-          <a:prstGeom prst="rect">
-            <a:avLst/>
-          </a:prstGeom>
-        </p:spPr>
-      </p:pic>
-      <p:pic>
-        <p:nvPicPr>
-          <p:cNvPr id="4" name="Grafik 3"/>
-          <p:cNvPicPr>
-            <a:picLocks noChangeAspect="1"/>
-          </p:cNvPicPr>
-          <p:nvPr/>
-        </p:nvPicPr>
-        <p:blipFill>
-          <a:blip r:embed="rId5">
-            <a:extLst>
-              <a:ext uri="{28A0092B-C50C-407E-A947-70E740481C1C}">
-                <a14:useLocalDpi xmlns:a14="http://schemas.microsoft.com/office/drawing/2010/main" val="0"/>
-              </a:ext>
-            </a:extLst>
-          </a:blip>
-          <a:stretch>
-            <a:fillRect/>
-          </a:stretch>
-        </p:blipFill>
-        <p:spPr>
-          <a:xfrm>
-            <a:off x="1821905" y="2017292"/>
-            <a:ext cx="7695074" cy="4191001"/>
-          </a:xfrm>
-          <a:prstGeom prst="rect">
-            <a:avLst/>
-          </a:prstGeom>
-        </p:spPr>
-      </p:pic>
+        <p:txBody>
+          <a:bodyPr>
+            <a:normAutofit/>
+          </a:bodyPr>
+          <a:lstStyle/>
+          <a:p>
+            <a:pPr algn="ctr"/>
+            <a:r>
+              <a:rPr lang="de-DE" sz="3200" dirty="0" err="1" smtClean="0"/>
+              <a:t>Our</a:t>
+            </a:r>
+            <a:r>
+              <a:rPr lang="de-DE" sz="3200" dirty="0" smtClean="0"/>
+              <a:t> </a:t>
+            </a:r>
+            <a:r>
+              <a:rPr lang="de-DE" sz="3200" dirty="0" err="1" smtClean="0"/>
+              <a:t>team</a:t>
+            </a:r>
+            <a:endParaRPr lang="de-DE" sz="3200" dirty="0" smtClean="0"/>
+          </a:p>
+          <a:p>
+            <a:pPr algn="ctr"/>
+            <a:r>
+              <a:rPr lang="de-DE" sz="3200" dirty="0" smtClean="0"/>
+              <a:t>The </a:t>
+            </a:r>
+            <a:r>
+              <a:rPr lang="de-DE" sz="3200" dirty="0" err="1" smtClean="0"/>
+              <a:t>products</a:t>
+            </a:r>
+            <a:r>
+              <a:rPr lang="de-DE" sz="3200" dirty="0" smtClean="0"/>
+              <a:t/>
+            </a:r>
+            <a:br>
+              <a:rPr lang="de-DE" sz="3200" dirty="0" smtClean="0"/>
+            </a:br>
+            <a:r>
+              <a:rPr lang="de-DE" sz="3200" dirty="0" smtClean="0"/>
+              <a:t>-&gt; The </a:t>
+            </a:r>
+            <a:r>
+              <a:rPr lang="de-DE" sz="3200" dirty="0" err="1" smtClean="0"/>
+              <a:t>client</a:t>
+            </a:r>
+            <a:r>
+              <a:rPr lang="de-DE" sz="3200" dirty="0" smtClean="0"/>
+              <a:t/>
+            </a:r>
+            <a:br>
+              <a:rPr lang="de-DE" sz="3200" dirty="0" smtClean="0"/>
+            </a:br>
+            <a:r>
+              <a:rPr lang="de-DE" sz="3200" dirty="0" smtClean="0"/>
+              <a:t>-&gt; The </a:t>
+            </a:r>
+            <a:r>
+              <a:rPr lang="de-DE" sz="3200" dirty="0" err="1" smtClean="0"/>
+              <a:t>developers</a:t>
+            </a:r>
+            <a:endParaRPr lang="de-DE" sz="3200" dirty="0" smtClean="0"/>
+          </a:p>
+          <a:p>
+            <a:pPr algn="ctr"/>
+            <a:r>
+              <a:rPr lang="de-DE" sz="3200" dirty="0" err="1" smtClean="0"/>
+              <a:t>Ask</a:t>
+            </a:r>
+            <a:r>
+              <a:rPr lang="de-DE" sz="3200" dirty="0" smtClean="0"/>
+              <a:t> </a:t>
+            </a:r>
+            <a:r>
+              <a:rPr lang="de-DE" sz="3200" dirty="0" err="1" smtClean="0"/>
+              <a:t>us</a:t>
+            </a:r>
+            <a:r>
+              <a:rPr lang="de-DE" sz="3200" dirty="0" smtClean="0"/>
+              <a:t>!</a:t>
+            </a:r>
+          </a:p>
+          <a:p>
+            <a:pPr algn="ctr"/>
+            <a:r>
+              <a:rPr lang="de-DE" sz="3200" dirty="0" err="1" smtClean="0"/>
+              <a:t>Contact</a:t>
+            </a:r>
+            <a:r>
+              <a:rPr lang="de-DE" sz="3200" dirty="0" smtClean="0"/>
+              <a:t> </a:t>
+            </a:r>
+            <a:r>
+              <a:rPr lang="de-DE" sz="3200" dirty="0" err="1" smtClean="0"/>
+              <a:t>us</a:t>
+            </a:r>
+            <a:r>
+              <a:rPr lang="de-DE" sz="3200" dirty="0" smtClean="0"/>
+              <a:t>!</a:t>
+            </a:r>
+          </a:p>
+        </p:txBody>
+      </p:sp>
     </p:spTree>
     <p:extLst>
       <p:ext uri="{BB962C8B-B14F-4D97-AF65-F5344CB8AC3E}">
-        <p14:creationId xmlns:p14="http://schemas.microsoft.com/office/powerpoint/2010/main" val="3128535238"/>
+        <p14:creationId xmlns:p14="http://schemas.microsoft.com/office/powerpoint/2010/main" val="1459151704"/>
       </p:ext>
     </p:extLst>
   </p:cSld>
@@ -15905,470 +15838,6 @@
           <a:lstStyle/>
           <a:p>
             <a:r>
-              <a:rPr lang="de-DE" dirty="0" err="1" smtClean="0"/>
-              <a:t>Why</a:t>
-            </a:r>
-            <a:r>
-              <a:rPr lang="de-DE" dirty="0" smtClean="0"/>
-              <a:t> </a:t>
-            </a:r>
-            <a:r>
-              <a:rPr lang="de-DE" dirty="0" err="1" smtClean="0"/>
-              <a:t>us</a:t>
-            </a:r>
-            <a:r>
-              <a:rPr lang="de-DE" dirty="0" smtClean="0"/>
-              <a:t>?</a:t>
-            </a:r>
-            <a:endParaRPr lang="de-DE" dirty="0"/>
-          </a:p>
-        </p:txBody>
-      </p:sp>
-      <p:sp>
-        <p:nvSpPr>
-          <p:cNvPr id="6" name="Inhaltsplatzhalter 2"/>
-          <p:cNvSpPr txBox="1">
-            <a:spLocks/>
-          </p:cNvSpPr>
-          <p:nvPr/>
-        </p:nvSpPr>
-        <p:spPr>
-          <a:xfrm>
-            <a:off x="8137451" y="-41565"/>
-            <a:ext cx="4054549" cy="370610"/>
-          </a:xfrm>
-          <a:prstGeom prst="rect">
-            <a:avLst/>
-          </a:prstGeom>
-        </p:spPr>
-        <p:txBody>
-          <a:bodyPr vert="horz" lIns="91440" tIns="45720" rIns="91440" bIns="45720" rtlCol="0" anchor="ctr">
-            <a:normAutofit/>
-          </a:bodyPr>
-          <a:lstStyle>
-            <a:lvl1pPr marL="285750" indent="-285750" algn="l" defTabSz="457200" rtl="0" eaLnBrk="1" latinLnBrk="0" hangingPunct="1">
-              <a:spcBef>
-                <a:spcPct val="20000"/>
-              </a:spcBef>
-              <a:spcAft>
-                <a:spcPts val="600"/>
-              </a:spcAft>
-              <a:buClr>
-                <a:schemeClr val="accent1">
-                  <a:lumMod val="75000"/>
-                </a:schemeClr>
-              </a:buClr>
-              <a:buSzPct val="145000"/>
-              <a:buFont typeface="Arial"/>
-              <a:buChar char="•"/>
-              <a:defRPr sz="2400" kern="1200" cap="none">
-                <a:solidFill>
-                  <a:schemeClr val="tx1"/>
-                </a:solidFill>
-                <a:effectLst/>
-                <a:latin typeface="+mn-lt"/>
-                <a:ea typeface="+mn-ea"/>
-                <a:cs typeface="+mn-cs"/>
-              </a:defRPr>
-            </a:lvl1pPr>
-            <a:lvl2pPr marL="742950" indent="-285750" algn="l" defTabSz="457200" rtl="0" eaLnBrk="1" latinLnBrk="0" hangingPunct="1">
-              <a:spcBef>
-                <a:spcPct val="20000"/>
-              </a:spcBef>
-              <a:spcAft>
-                <a:spcPts val="600"/>
-              </a:spcAft>
-              <a:buClr>
-                <a:schemeClr val="accent1">
-                  <a:lumMod val="75000"/>
-                </a:schemeClr>
-              </a:buClr>
-              <a:buSzPct val="145000"/>
-              <a:buFont typeface="Arial"/>
-              <a:buChar char="•"/>
-              <a:defRPr sz="2000" kern="1200" cap="none">
-                <a:solidFill>
-                  <a:schemeClr val="tx1"/>
-                </a:solidFill>
-                <a:effectLst/>
-                <a:latin typeface="+mn-lt"/>
-                <a:ea typeface="+mn-ea"/>
-                <a:cs typeface="+mn-cs"/>
-              </a:defRPr>
-            </a:lvl2pPr>
-            <a:lvl3pPr marL="1200150" indent="-285750" algn="l" defTabSz="457200" rtl="0" eaLnBrk="1" latinLnBrk="0" hangingPunct="1">
-              <a:spcBef>
-                <a:spcPct val="20000"/>
-              </a:spcBef>
-              <a:spcAft>
-                <a:spcPts val="600"/>
-              </a:spcAft>
-              <a:buClr>
-                <a:schemeClr val="accent1">
-                  <a:lumMod val="75000"/>
-                </a:schemeClr>
-              </a:buClr>
-              <a:buSzPct val="145000"/>
-              <a:buFont typeface="Arial"/>
-              <a:buChar char="•"/>
-              <a:defRPr sz="1800" kern="1200" cap="none">
-                <a:solidFill>
-                  <a:schemeClr val="tx1"/>
-                </a:solidFill>
-                <a:effectLst/>
-                <a:latin typeface="+mn-lt"/>
-                <a:ea typeface="+mn-ea"/>
-                <a:cs typeface="+mn-cs"/>
-              </a:defRPr>
-            </a:lvl3pPr>
-            <a:lvl4pPr marL="1543050" indent="-171450" algn="l" defTabSz="457200" rtl="0" eaLnBrk="1" latinLnBrk="0" hangingPunct="1">
-              <a:spcBef>
-                <a:spcPct val="20000"/>
-              </a:spcBef>
-              <a:spcAft>
-                <a:spcPts val="600"/>
-              </a:spcAft>
-              <a:buClr>
-                <a:schemeClr val="accent1">
-                  <a:lumMod val="75000"/>
-                </a:schemeClr>
-              </a:buClr>
-              <a:buSzPct val="145000"/>
-              <a:buFont typeface="Arial"/>
-              <a:buChar char="•"/>
-              <a:defRPr sz="1600" kern="1200" cap="none">
-                <a:solidFill>
-                  <a:schemeClr val="tx1"/>
-                </a:solidFill>
-                <a:effectLst/>
-                <a:latin typeface="+mn-lt"/>
-                <a:ea typeface="+mn-ea"/>
-                <a:cs typeface="+mn-cs"/>
-              </a:defRPr>
-            </a:lvl4pPr>
-            <a:lvl5pPr marL="2000250" indent="-171450" algn="l" defTabSz="457200" rtl="0" eaLnBrk="1" latinLnBrk="0" hangingPunct="1">
-              <a:spcBef>
-                <a:spcPct val="20000"/>
-              </a:spcBef>
-              <a:spcAft>
-                <a:spcPts val="600"/>
-              </a:spcAft>
-              <a:buClr>
-                <a:schemeClr val="accent1">
-                  <a:lumMod val="75000"/>
-                </a:schemeClr>
-              </a:buClr>
-              <a:buSzPct val="145000"/>
-              <a:buFont typeface="Arial"/>
-              <a:buChar char="•"/>
-              <a:defRPr sz="1400" kern="1200" cap="none">
-                <a:solidFill>
-                  <a:schemeClr val="tx1"/>
-                </a:solidFill>
-                <a:effectLst/>
-                <a:latin typeface="+mn-lt"/>
-                <a:ea typeface="+mn-ea"/>
-                <a:cs typeface="+mn-cs"/>
-              </a:defRPr>
-            </a:lvl5pPr>
-            <a:lvl6pPr marL="2514600" indent="-228600" algn="l" defTabSz="457200" rtl="0" eaLnBrk="1" latinLnBrk="0" hangingPunct="1">
-              <a:spcBef>
-                <a:spcPct val="20000"/>
-              </a:spcBef>
-              <a:spcAft>
-                <a:spcPts val="600"/>
-              </a:spcAft>
-              <a:buClr>
-                <a:schemeClr val="accent1">
-                  <a:lumMod val="75000"/>
-                </a:schemeClr>
-              </a:buClr>
-              <a:buSzPct val="145000"/>
-              <a:buFont typeface="Arial"/>
-              <a:buChar char="•"/>
-              <a:defRPr sz="1400" kern="1200" cap="none">
-                <a:solidFill>
-                  <a:schemeClr val="tx1"/>
-                </a:solidFill>
-                <a:effectLst/>
-                <a:latin typeface="+mn-lt"/>
-                <a:ea typeface="+mn-ea"/>
-                <a:cs typeface="+mn-cs"/>
-              </a:defRPr>
-            </a:lvl6pPr>
-            <a:lvl7pPr marL="2971800" indent="-228600" algn="l" defTabSz="457200" rtl="0" eaLnBrk="1" latinLnBrk="0" hangingPunct="1">
-              <a:spcBef>
-                <a:spcPct val="20000"/>
-              </a:spcBef>
-              <a:spcAft>
-                <a:spcPts val="600"/>
-              </a:spcAft>
-              <a:buClr>
-                <a:schemeClr val="accent1">
-                  <a:lumMod val="75000"/>
-                </a:schemeClr>
-              </a:buClr>
-              <a:buSzPct val="145000"/>
-              <a:buFont typeface="Arial"/>
-              <a:buChar char="•"/>
-              <a:defRPr sz="1400" kern="1200" cap="none">
-                <a:solidFill>
-                  <a:schemeClr val="tx1"/>
-                </a:solidFill>
-                <a:effectLst/>
-                <a:latin typeface="+mn-lt"/>
-                <a:ea typeface="+mn-ea"/>
-                <a:cs typeface="+mn-cs"/>
-              </a:defRPr>
-            </a:lvl7pPr>
-            <a:lvl8pPr marL="3429000" indent="-228600" algn="l" defTabSz="457200" rtl="0" eaLnBrk="1" latinLnBrk="0" hangingPunct="1">
-              <a:spcBef>
-                <a:spcPct val="20000"/>
-              </a:spcBef>
-              <a:spcAft>
-                <a:spcPts val="600"/>
-              </a:spcAft>
-              <a:buClr>
-                <a:schemeClr val="accent1">
-                  <a:lumMod val="75000"/>
-                </a:schemeClr>
-              </a:buClr>
-              <a:buSzPct val="145000"/>
-              <a:buFont typeface="Arial"/>
-              <a:buChar char="•"/>
-              <a:defRPr sz="1400" kern="1200" cap="none">
-                <a:solidFill>
-                  <a:schemeClr val="tx1"/>
-                </a:solidFill>
-                <a:effectLst/>
-                <a:latin typeface="+mn-lt"/>
-                <a:ea typeface="+mn-ea"/>
-                <a:cs typeface="+mn-cs"/>
-              </a:defRPr>
-            </a:lvl8pPr>
-            <a:lvl9pPr marL="3886200" indent="-228600" algn="l" defTabSz="457200" rtl="0" eaLnBrk="1" latinLnBrk="0" hangingPunct="1">
-              <a:spcBef>
-                <a:spcPct val="20000"/>
-              </a:spcBef>
-              <a:spcAft>
-                <a:spcPts val="600"/>
-              </a:spcAft>
-              <a:buClr>
-                <a:schemeClr val="accent1">
-                  <a:lumMod val="75000"/>
-                </a:schemeClr>
-              </a:buClr>
-              <a:buSzPct val="145000"/>
-              <a:buFont typeface="Arial"/>
-              <a:buChar char="•"/>
-              <a:defRPr sz="1400" kern="1200" cap="none">
-                <a:solidFill>
-                  <a:schemeClr val="tx1"/>
-                </a:solidFill>
-                <a:effectLst/>
-                <a:latin typeface="+mn-lt"/>
-                <a:ea typeface="+mn-ea"/>
-                <a:cs typeface="+mn-cs"/>
-              </a:defRPr>
-            </a:lvl9pPr>
-          </a:lstStyle>
-          <a:p>
-            <a:pPr marL="0" indent="0">
-              <a:buNone/>
-            </a:pPr>
-            <a:r>
-              <a:rPr lang="de-DE" sz="1000" dirty="0" smtClean="0"/>
-              <a:t>Rem0 Röthlisberger, Eric </a:t>
-            </a:r>
-            <a:r>
-              <a:rPr lang="de-DE" sz="1000" dirty="0" err="1" smtClean="0"/>
-              <a:t>Lagger</a:t>
-            </a:r>
-            <a:r>
-              <a:rPr lang="de-DE" sz="1000" dirty="0" smtClean="0"/>
-              <a:t>, Vincent Hofer, Dean Klopsch, Aebi Ryan</a:t>
-            </a:r>
-            <a:endParaRPr lang="de-DE" sz="1000" dirty="0"/>
-          </a:p>
-        </p:txBody>
-      </p:sp>
-      <p:sp>
-        <p:nvSpPr>
-          <p:cNvPr id="7" name="Inhaltsplatzhalter 2"/>
-          <p:cNvSpPr>
-            <a:spLocks noGrp="1"/>
-          </p:cNvSpPr>
-          <p:nvPr>
-            <p:ph idx="1"/>
-          </p:nvPr>
-        </p:nvSpPr>
-        <p:spPr>
-          <a:xfrm>
-            <a:off x="762552" y="2065420"/>
-            <a:ext cx="10115438" cy="3937001"/>
-          </a:xfrm>
-        </p:spPr>
-        <p:txBody>
-          <a:bodyPr>
-            <a:normAutofit/>
-          </a:bodyPr>
-          <a:lstStyle/>
-          <a:p>
-            <a:pPr algn="ctr"/>
-            <a:r>
-              <a:rPr lang="de-DE" sz="3200" dirty="0" err="1" smtClean="0"/>
-              <a:t>Our</a:t>
-            </a:r>
-            <a:r>
-              <a:rPr lang="de-DE" sz="3200" dirty="0" smtClean="0"/>
-              <a:t> </a:t>
-            </a:r>
-            <a:r>
-              <a:rPr lang="de-DE" sz="3200" dirty="0" err="1" smtClean="0"/>
-              <a:t>team</a:t>
-            </a:r>
-            <a:endParaRPr lang="de-DE" sz="3200" dirty="0" smtClean="0"/>
-          </a:p>
-          <a:p>
-            <a:pPr algn="ctr"/>
-            <a:r>
-              <a:rPr lang="de-DE" sz="3200" dirty="0" smtClean="0"/>
-              <a:t>The </a:t>
-            </a:r>
-            <a:r>
-              <a:rPr lang="de-DE" sz="3200" dirty="0" err="1" smtClean="0"/>
-              <a:t>products</a:t>
-            </a:r>
-            <a:r>
-              <a:rPr lang="de-DE" sz="3200" dirty="0" smtClean="0"/>
-              <a:t/>
-            </a:r>
-            <a:br>
-              <a:rPr lang="de-DE" sz="3200" dirty="0" smtClean="0"/>
-            </a:br>
-            <a:r>
-              <a:rPr lang="de-DE" sz="3200" dirty="0" smtClean="0"/>
-              <a:t>-&gt; The </a:t>
-            </a:r>
-            <a:r>
-              <a:rPr lang="de-DE" sz="3200" dirty="0" err="1" smtClean="0"/>
-              <a:t>client</a:t>
-            </a:r>
-            <a:r>
-              <a:rPr lang="de-DE" sz="3200" dirty="0" smtClean="0"/>
-              <a:t/>
-            </a:r>
-            <a:br>
-              <a:rPr lang="de-DE" sz="3200" dirty="0" smtClean="0"/>
-            </a:br>
-            <a:r>
-              <a:rPr lang="de-DE" sz="3200" dirty="0" smtClean="0"/>
-              <a:t>-&gt; The </a:t>
-            </a:r>
-            <a:r>
-              <a:rPr lang="de-DE" sz="3200" dirty="0" err="1" smtClean="0"/>
-              <a:t>developers</a:t>
-            </a:r>
-            <a:endParaRPr lang="de-DE" sz="3200" dirty="0" smtClean="0"/>
-          </a:p>
-          <a:p>
-            <a:pPr algn="ctr"/>
-            <a:r>
-              <a:rPr lang="de-DE" sz="3200" dirty="0" err="1" smtClean="0"/>
-              <a:t>Ask</a:t>
-            </a:r>
-            <a:r>
-              <a:rPr lang="de-DE" sz="3200" dirty="0" smtClean="0"/>
-              <a:t> </a:t>
-            </a:r>
-            <a:r>
-              <a:rPr lang="de-DE" sz="3200" dirty="0" err="1" smtClean="0"/>
-              <a:t>us</a:t>
-            </a:r>
-            <a:r>
-              <a:rPr lang="de-DE" sz="3200" dirty="0" smtClean="0"/>
-              <a:t>!</a:t>
-            </a:r>
-          </a:p>
-          <a:p>
-            <a:pPr algn="ctr"/>
-            <a:r>
-              <a:rPr lang="de-DE" sz="3200" dirty="0" err="1" smtClean="0"/>
-              <a:t>Contact</a:t>
-            </a:r>
-            <a:r>
-              <a:rPr lang="de-DE" sz="3200" dirty="0" smtClean="0"/>
-              <a:t> </a:t>
-            </a:r>
-            <a:r>
-              <a:rPr lang="de-DE" sz="3200" dirty="0" err="1" smtClean="0"/>
-              <a:t>us</a:t>
-            </a:r>
-            <a:r>
-              <a:rPr lang="de-DE" sz="3200" dirty="0" smtClean="0"/>
-              <a:t>!</a:t>
-            </a:r>
-          </a:p>
-        </p:txBody>
-      </p:sp>
-    </p:spTree>
-    <p:extLst>
-      <p:ext uri="{BB962C8B-B14F-4D97-AF65-F5344CB8AC3E}">
-        <p14:creationId xmlns:p14="http://schemas.microsoft.com/office/powerpoint/2010/main" val="1459151704"/>
-      </p:ext>
-    </p:extLst>
-  </p:cSld>
-  <p:clrMapOvr>
-    <a:masterClrMapping/>
-  </p:clrMapOvr>
-  <p:timing>
-    <p:tnLst>
-      <p:par>
-        <p:cTn id="1" dur="indefinite" restart="never" nodeType="tmRoot"/>
-      </p:par>
-    </p:tnLst>
-  </p:timing>
-</p:sld>
-</file>
-
-<file path=ppt/slides/slide23.xml><?xml version="1.0" encoding="utf-8"?>
-<p:sld xmlns:a="http://schemas.openxmlformats.org/drawingml/2006/main" xmlns:r="http://schemas.openxmlformats.org/officeDocument/2006/relationships" xmlns:p="http://schemas.openxmlformats.org/presentationml/2006/main">
-  <p:cSld>
-    <p:spTree>
-      <p:nvGrpSpPr>
-        <p:cNvPr id="1" name=""/>
-        <p:cNvGrpSpPr/>
-        <p:nvPr/>
-      </p:nvGrpSpPr>
-      <p:grpSpPr>
-        <a:xfrm>
-          <a:off x="0" y="0"/>
-          <a:ext cx="0" cy="0"/>
-          <a:chOff x="0" y="0"/>
-          <a:chExt cx="0" cy="0"/>
-        </a:xfrm>
-      </p:grpSpPr>
-      <p:sp>
-        <p:nvSpPr>
-          <p:cNvPr id="2" name="Titel 1"/>
-          <p:cNvSpPr>
-            <a:spLocks noGrp="1"/>
-          </p:cNvSpPr>
-          <p:nvPr>
-            <p:ph type="title"/>
-          </p:nvPr>
-        </p:nvSpPr>
-        <p:spPr>
-          <a:xfrm>
-            <a:off x="810915" y="691116"/>
-            <a:ext cx="10018713" cy="1752599"/>
-          </a:xfrm>
-        </p:spPr>
-        <p:txBody>
-          <a:bodyPr/>
-          <a:lstStyle/>
-          <a:p>
-            <a:r>
               <a:rPr lang="de-DE" dirty="0" err="1"/>
               <a:t>Questions</a:t>
             </a:r>
@@ -16408,7 +15877,7 @@
           <a:noFill/>
           <a:extLst>
             <a:ext uri="{909E8E84-426E-40dd-AFC4-6F175D3DCCD1}">
-              <a14:hiddenFill xmlns:a14="http://schemas.microsoft.com/office/drawing/2010/main" xmlns="">
+              <a14:hiddenFill xmlns="" xmlns:a14="http://schemas.microsoft.com/office/drawing/2010/main">
                 <a:solidFill>
                   <a:srgbClr val="FFFFFF"/>
                 </a:solidFill>
@@ -16449,7 +15918,7 @@
           <a:noFill/>
           <a:extLst>
             <a:ext uri="{909E8E84-426E-40dd-AFC4-6F175D3DCCD1}">
-              <a14:hiddenFill xmlns:a14="http://schemas.microsoft.com/office/drawing/2010/main" xmlns="">
+              <a14:hiddenFill xmlns="" xmlns:a14="http://schemas.microsoft.com/office/drawing/2010/main">
                 <a:solidFill>
                   <a:srgbClr val="FFFFFF"/>
                 </a:solidFill>
@@ -16735,6 +16204,13 @@
   <p:clrMapOvr>
     <a:masterClrMapping/>
   </p:clrMapOvr>
+  <p:timing>
+    <p:tnLst>
+      <p:par>
+        <p:cTn id="1" dur="indefinite" restart="never" nodeType="tmRoot"/>
+      </p:par>
+    </p:tnLst>
+  </p:timing>
 </p:sld>
 </file>
 
@@ -16859,6 +16335,13 @@
   <p:clrMapOvr>
     <a:masterClrMapping/>
   </p:clrMapOvr>
+  <p:timing>
+    <p:tnLst>
+      <p:par>
+        <p:cTn id="1" dur="indefinite" restart="never" nodeType="tmRoot"/>
+      </p:par>
+    </p:tnLst>
+  </p:timing>
 </p:sld>
 </file>
 
@@ -17009,6 +16492,13 @@
   <p:clrMapOvr>
     <a:masterClrMapping/>
   </p:clrMapOvr>
+  <p:timing>
+    <p:tnLst>
+      <p:par>
+        <p:cTn id="1" dur="indefinite" restart="never" nodeType="tmRoot"/>
+      </p:par>
+    </p:tnLst>
+  </p:timing>
 </p:sld>
 </file>
 
@@ -17133,6 +16623,13 @@
   <p:clrMapOvr>
     <a:masterClrMapping/>
   </p:clrMapOvr>
+  <p:timing>
+    <p:tnLst>
+      <p:par>
+        <p:cTn id="1" dur="indefinite" restart="never" nodeType="tmRoot"/>
+      </p:par>
+    </p:tnLst>
+  </p:timing>
 </p:sld>
 </file>
 
@@ -17205,6 +16702,13 @@
   <p:clrMapOvr>
     <a:masterClrMapping/>
   </p:clrMapOvr>
+  <p:timing>
+    <p:tnLst>
+      <p:par>
+        <p:cTn id="1" dur="indefinite" restart="never" nodeType="tmRoot"/>
+      </p:par>
+    </p:tnLst>
+  </p:timing>
 </p:sld>
 </file>
 
@@ -17439,6 +16943,13 @@
   <p:clrMapOvr>
     <a:masterClrMapping/>
   </p:clrMapOvr>
+  <p:timing>
+    <p:tnLst>
+      <p:par>
+        <p:cTn id="1" dur="indefinite" restart="never" nodeType="tmRoot"/>
+      </p:par>
+    </p:tnLst>
+  </p:timing>
 </p:sld>
 </file>
 
@@ -17499,6 +17010,13 @@
   <p:clrMapOvr>
     <a:masterClrMapping/>
   </p:clrMapOvr>
+  <p:timing>
+    <p:tnLst>
+      <p:par>
+        <p:cTn id="1" dur="indefinite" restart="never" nodeType="tmRoot"/>
+      </p:par>
+    </p:tnLst>
+  </p:timing>
 </p:sld>
 </file>
 
@@ -18083,6 +17601,13 @@
   <p:clrMapOvr>
     <a:masterClrMapping/>
   </p:clrMapOvr>
+  <p:timing>
+    <p:tnLst>
+      <p:par>
+        <p:cTn id="1" dur="indefinite" restart="never" nodeType="tmRoot"/>
+      </p:par>
+    </p:tnLst>
+  </p:timing>
 </p:sld>
 </file>
 

--- a/baseProject/presentation/Presentation-Team8.pptx
+++ b/baseProject/presentation/Presentation-Team8.pptx
@@ -5,7 +5,7 @@
     <p:sldMasterId id="2147483648" r:id="rId1"/>
   </p:sldMasterIdLst>
   <p:notesMasterIdLst>
-    <p:notesMasterId r:id="rId24"/>
+    <p:notesMasterId r:id="rId23"/>
   </p:notesMasterIdLst>
   <p:sldIdLst>
     <p:sldId id="256" r:id="rId2"/>
@@ -22,14 +22,13 @@
     <p:sldId id="268" r:id="rId13"/>
     <p:sldId id="269" r:id="rId14"/>
     <p:sldId id="274" r:id="rId15"/>
-    <p:sldId id="279" r:id="rId16"/>
-    <p:sldId id="280" r:id="rId17"/>
-    <p:sldId id="287" r:id="rId18"/>
-    <p:sldId id="288" r:id="rId19"/>
-    <p:sldId id="289" r:id="rId20"/>
-    <p:sldId id="290" r:id="rId21"/>
-    <p:sldId id="286" r:id="rId22"/>
-    <p:sldId id="263" r:id="rId23"/>
+    <p:sldId id="280" r:id="rId16"/>
+    <p:sldId id="287" r:id="rId17"/>
+    <p:sldId id="288" r:id="rId18"/>
+    <p:sldId id="289" r:id="rId19"/>
+    <p:sldId id="290" r:id="rId20"/>
+    <p:sldId id="286" r:id="rId21"/>
+    <p:sldId id="263" r:id="rId22"/>
   </p:sldIdLst>
   <p:sldSz cx="12192000" cy="6858000"/>
   <p:notesSz cx="6858000" cy="9144000"/>
@@ -167,7 +166,6 @@
         <p14:section name="Why us" id="{BE86CB87-125B-42C6-9C31-F3CD9D8CE1DC}">
           <p14:sldIdLst>
             <p14:sldId id="274"/>
-            <p14:sldId id="279"/>
             <p14:sldId id="280"/>
             <p14:sldId id="287"/>
             <p14:sldId id="288"/>
@@ -709,7 +707,7 @@
     </p:spTree>
     <p:extLst>
       <p:ext uri="{BB962C8B-B14F-4D97-AF65-F5344CB8AC3E}">
-        <p14:creationId xmlns:p14="http://schemas.microsoft.com/office/powerpoint/2010/main" val="1478642370"/>
+        <p14:creationId xmlns:p14="http://schemas.microsoft.com/office/powerpoint/2010/main" val="1657977333"/>
       </p:ext>
     </p:extLst>
   </p:cSld>
@@ -793,7 +791,7 @@
     </p:spTree>
     <p:extLst>
       <p:ext uri="{BB962C8B-B14F-4D97-AF65-F5344CB8AC3E}">
-        <p14:creationId xmlns:p14="http://schemas.microsoft.com/office/powerpoint/2010/main" val="1657977333"/>
+        <p14:creationId xmlns:p14="http://schemas.microsoft.com/office/powerpoint/2010/main" val="201347693"/>
       </p:ext>
     </p:extLst>
   </p:cSld>
@@ -877,7 +875,7 @@
     </p:spTree>
     <p:extLst>
       <p:ext uri="{BB962C8B-B14F-4D97-AF65-F5344CB8AC3E}">
-        <p14:creationId xmlns:p14="http://schemas.microsoft.com/office/powerpoint/2010/main" val="201347693"/>
+        <p14:creationId xmlns:p14="http://schemas.microsoft.com/office/powerpoint/2010/main" val="715993072"/>
       </p:ext>
     </p:extLst>
   </p:cSld>
@@ -961,7 +959,7 @@
     </p:spTree>
     <p:extLst>
       <p:ext uri="{BB962C8B-B14F-4D97-AF65-F5344CB8AC3E}">
-        <p14:creationId xmlns:p14="http://schemas.microsoft.com/office/powerpoint/2010/main" val="715993072"/>
+        <p14:creationId xmlns:p14="http://schemas.microsoft.com/office/powerpoint/2010/main" val="4112710545"/>
       </p:ext>
     </p:extLst>
   </p:cSld>
@@ -1037,90 +1035,6 @@
             <a:fld id="{2F2847E0-1D0A-0F4B-99C8-E51199A5987D}" type="slidenum">
               <a:rPr lang="de-DE" smtClean="0"/>
               <a:t>20</a:t>
-            </a:fld>
-            <a:endParaRPr lang="de-DE"/>
-          </a:p>
-        </p:txBody>
-      </p:sp>
-    </p:spTree>
-    <p:extLst>
-      <p:ext uri="{BB962C8B-B14F-4D97-AF65-F5344CB8AC3E}">
-        <p14:creationId xmlns:p14="http://schemas.microsoft.com/office/powerpoint/2010/main" val="4112710545"/>
-      </p:ext>
-    </p:extLst>
-  </p:cSld>
-  <p:clrMapOvr>
-    <a:masterClrMapping/>
-  </p:clrMapOvr>
-</p:notes>
-</file>
-
-<file path=ppt/notesSlides/notesSlide15.xml><?xml version="1.0" encoding="utf-8"?>
-<p:notes xmlns:a="http://schemas.openxmlformats.org/drawingml/2006/main" xmlns:r="http://schemas.openxmlformats.org/officeDocument/2006/relationships" xmlns:p="http://schemas.openxmlformats.org/presentationml/2006/main">
-  <p:cSld>
-    <p:spTree>
-      <p:nvGrpSpPr>
-        <p:cNvPr id="1" name=""/>
-        <p:cNvGrpSpPr/>
-        <p:nvPr/>
-      </p:nvGrpSpPr>
-      <p:grpSpPr>
-        <a:xfrm>
-          <a:off x="0" y="0"/>
-          <a:ext cx="0" cy="0"/>
-          <a:chOff x="0" y="0"/>
-          <a:chExt cx="0" cy="0"/>
-        </a:xfrm>
-      </p:grpSpPr>
-      <p:sp>
-        <p:nvSpPr>
-          <p:cNvPr id="2" name="Folienbildplatzhalter 1"/>
-          <p:cNvSpPr>
-            <a:spLocks noGrp="1" noRot="1" noChangeAspect="1"/>
-          </p:cNvSpPr>
-          <p:nvPr>
-            <p:ph type="sldImg"/>
-          </p:nvPr>
-        </p:nvSpPr>
-        <p:spPr/>
-      </p:sp>
-      <p:sp>
-        <p:nvSpPr>
-          <p:cNvPr id="3" name="Notizenplatzhalter 2"/>
-          <p:cNvSpPr>
-            <a:spLocks noGrp="1"/>
-          </p:cNvSpPr>
-          <p:nvPr>
-            <p:ph type="body" idx="1"/>
-          </p:nvPr>
-        </p:nvSpPr>
-        <p:spPr/>
-        <p:txBody>
-          <a:bodyPr/>
-          <a:lstStyle/>
-          <a:p>
-            <a:endParaRPr lang="de-CH" dirty="0"/>
-          </a:p>
-        </p:txBody>
-      </p:sp>
-      <p:sp>
-        <p:nvSpPr>
-          <p:cNvPr id="4" name="Foliennummernplatzhalter 3"/>
-          <p:cNvSpPr>
-            <a:spLocks noGrp="1"/>
-          </p:cNvSpPr>
-          <p:nvPr>
-            <p:ph type="sldNum" sz="quarter" idx="10"/>
-          </p:nvPr>
-        </p:nvSpPr>
-        <p:spPr/>
-        <p:txBody>
-          <a:bodyPr/>
-          <a:lstStyle/>
-          <a:p>
-            <a:fld id="{2F2847E0-1D0A-0F4B-99C8-E51199A5987D}" type="slidenum">
-              <a:rPr lang="de-DE" smtClean="0"/>
-              <a:t>21</a:t>
             </a:fld>
             <a:endParaRPr lang="de-DE"/>
           </a:p>
@@ -2549,7 +2463,7 @@
     </p:spTree>
     <p:extLst>
       <p:ext uri="{BB962C8B-B14F-4D97-AF65-F5344CB8AC3E}">
-        <p14:creationId xmlns:p14="http://schemas.microsoft.com/office/powerpoint/2010/main" val="3234084027"/>
+        <p14:creationId xmlns:p14="http://schemas.microsoft.com/office/powerpoint/2010/main" val="1478642370"/>
       </p:ext>
     </p:extLst>
   </p:cSld>
@@ -12612,470 +12526,6 @@
           <a:p>
             <a:r>
               <a:rPr lang="de-DE" dirty="0" err="1" smtClean="0"/>
-              <a:t>Why</a:t>
-            </a:r>
-            <a:r>
-              <a:rPr lang="de-DE" dirty="0" smtClean="0"/>
-              <a:t> </a:t>
-            </a:r>
-            <a:r>
-              <a:rPr lang="de-DE" dirty="0" err="1" smtClean="0"/>
-              <a:t>us</a:t>
-            </a:r>
-            <a:r>
-              <a:rPr lang="de-DE" dirty="0" smtClean="0"/>
-              <a:t>?</a:t>
-            </a:r>
-            <a:endParaRPr lang="de-DE" dirty="0"/>
-          </a:p>
-        </p:txBody>
-      </p:sp>
-      <p:sp>
-        <p:nvSpPr>
-          <p:cNvPr id="6" name="Inhaltsplatzhalter 2"/>
-          <p:cNvSpPr txBox="1">
-            <a:spLocks/>
-          </p:cNvSpPr>
-          <p:nvPr/>
-        </p:nvSpPr>
-        <p:spPr>
-          <a:xfrm>
-            <a:off x="8137451" y="-41565"/>
-            <a:ext cx="4054549" cy="370610"/>
-          </a:xfrm>
-          <a:prstGeom prst="rect">
-            <a:avLst/>
-          </a:prstGeom>
-        </p:spPr>
-        <p:txBody>
-          <a:bodyPr vert="horz" lIns="91440" tIns="45720" rIns="91440" bIns="45720" rtlCol="0" anchor="ctr">
-            <a:normAutofit/>
-          </a:bodyPr>
-          <a:lstStyle>
-            <a:lvl1pPr marL="285750" indent="-285750" algn="l" defTabSz="457200" rtl="0" eaLnBrk="1" latinLnBrk="0" hangingPunct="1">
-              <a:spcBef>
-                <a:spcPct val="20000"/>
-              </a:spcBef>
-              <a:spcAft>
-                <a:spcPts val="600"/>
-              </a:spcAft>
-              <a:buClr>
-                <a:schemeClr val="accent1">
-                  <a:lumMod val="75000"/>
-                </a:schemeClr>
-              </a:buClr>
-              <a:buSzPct val="145000"/>
-              <a:buFont typeface="Arial"/>
-              <a:buChar char="•"/>
-              <a:defRPr sz="2400" kern="1200" cap="none">
-                <a:solidFill>
-                  <a:schemeClr val="tx1"/>
-                </a:solidFill>
-                <a:effectLst/>
-                <a:latin typeface="+mn-lt"/>
-                <a:ea typeface="+mn-ea"/>
-                <a:cs typeface="+mn-cs"/>
-              </a:defRPr>
-            </a:lvl1pPr>
-            <a:lvl2pPr marL="742950" indent="-285750" algn="l" defTabSz="457200" rtl="0" eaLnBrk="1" latinLnBrk="0" hangingPunct="1">
-              <a:spcBef>
-                <a:spcPct val="20000"/>
-              </a:spcBef>
-              <a:spcAft>
-                <a:spcPts val="600"/>
-              </a:spcAft>
-              <a:buClr>
-                <a:schemeClr val="accent1">
-                  <a:lumMod val="75000"/>
-                </a:schemeClr>
-              </a:buClr>
-              <a:buSzPct val="145000"/>
-              <a:buFont typeface="Arial"/>
-              <a:buChar char="•"/>
-              <a:defRPr sz="2000" kern="1200" cap="none">
-                <a:solidFill>
-                  <a:schemeClr val="tx1"/>
-                </a:solidFill>
-                <a:effectLst/>
-                <a:latin typeface="+mn-lt"/>
-                <a:ea typeface="+mn-ea"/>
-                <a:cs typeface="+mn-cs"/>
-              </a:defRPr>
-            </a:lvl2pPr>
-            <a:lvl3pPr marL="1200150" indent="-285750" algn="l" defTabSz="457200" rtl="0" eaLnBrk="1" latinLnBrk="0" hangingPunct="1">
-              <a:spcBef>
-                <a:spcPct val="20000"/>
-              </a:spcBef>
-              <a:spcAft>
-                <a:spcPts val="600"/>
-              </a:spcAft>
-              <a:buClr>
-                <a:schemeClr val="accent1">
-                  <a:lumMod val="75000"/>
-                </a:schemeClr>
-              </a:buClr>
-              <a:buSzPct val="145000"/>
-              <a:buFont typeface="Arial"/>
-              <a:buChar char="•"/>
-              <a:defRPr sz="1800" kern="1200" cap="none">
-                <a:solidFill>
-                  <a:schemeClr val="tx1"/>
-                </a:solidFill>
-                <a:effectLst/>
-                <a:latin typeface="+mn-lt"/>
-                <a:ea typeface="+mn-ea"/>
-                <a:cs typeface="+mn-cs"/>
-              </a:defRPr>
-            </a:lvl3pPr>
-            <a:lvl4pPr marL="1543050" indent="-171450" algn="l" defTabSz="457200" rtl="0" eaLnBrk="1" latinLnBrk="0" hangingPunct="1">
-              <a:spcBef>
-                <a:spcPct val="20000"/>
-              </a:spcBef>
-              <a:spcAft>
-                <a:spcPts val="600"/>
-              </a:spcAft>
-              <a:buClr>
-                <a:schemeClr val="accent1">
-                  <a:lumMod val="75000"/>
-                </a:schemeClr>
-              </a:buClr>
-              <a:buSzPct val="145000"/>
-              <a:buFont typeface="Arial"/>
-              <a:buChar char="•"/>
-              <a:defRPr sz="1600" kern="1200" cap="none">
-                <a:solidFill>
-                  <a:schemeClr val="tx1"/>
-                </a:solidFill>
-                <a:effectLst/>
-                <a:latin typeface="+mn-lt"/>
-                <a:ea typeface="+mn-ea"/>
-                <a:cs typeface="+mn-cs"/>
-              </a:defRPr>
-            </a:lvl4pPr>
-            <a:lvl5pPr marL="2000250" indent="-171450" algn="l" defTabSz="457200" rtl="0" eaLnBrk="1" latinLnBrk="0" hangingPunct="1">
-              <a:spcBef>
-                <a:spcPct val="20000"/>
-              </a:spcBef>
-              <a:spcAft>
-                <a:spcPts val="600"/>
-              </a:spcAft>
-              <a:buClr>
-                <a:schemeClr val="accent1">
-                  <a:lumMod val="75000"/>
-                </a:schemeClr>
-              </a:buClr>
-              <a:buSzPct val="145000"/>
-              <a:buFont typeface="Arial"/>
-              <a:buChar char="•"/>
-              <a:defRPr sz="1400" kern="1200" cap="none">
-                <a:solidFill>
-                  <a:schemeClr val="tx1"/>
-                </a:solidFill>
-                <a:effectLst/>
-                <a:latin typeface="+mn-lt"/>
-                <a:ea typeface="+mn-ea"/>
-                <a:cs typeface="+mn-cs"/>
-              </a:defRPr>
-            </a:lvl5pPr>
-            <a:lvl6pPr marL="2514600" indent="-228600" algn="l" defTabSz="457200" rtl="0" eaLnBrk="1" latinLnBrk="0" hangingPunct="1">
-              <a:spcBef>
-                <a:spcPct val="20000"/>
-              </a:spcBef>
-              <a:spcAft>
-                <a:spcPts val="600"/>
-              </a:spcAft>
-              <a:buClr>
-                <a:schemeClr val="accent1">
-                  <a:lumMod val="75000"/>
-                </a:schemeClr>
-              </a:buClr>
-              <a:buSzPct val="145000"/>
-              <a:buFont typeface="Arial"/>
-              <a:buChar char="•"/>
-              <a:defRPr sz="1400" kern="1200" cap="none">
-                <a:solidFill>
-                  <a:schemeClr val="tx1"/>
-                </a:solidFill>
-                <a:effectLst/>
-                <a:latin typeface="+mn-lt"/>
-                <a:ea typeface="+mn-ea"/>
-                <a:cs typeface="+mn-cs"/>
-              </a:defRPr>
-            </a:lvl6pPr>
-            <a:lvl7pPr marL="2971800" indent="-228600" algn="l" defTabSz="457200" rtl="0" eaLnBrk="1" latinLnBrk="0" hangingPunct="1">
-              <a:spcBef>
-                <a:spcPct val="20000"/>
-              </a:spcBef>
-              <a:spcAft>
-                <a:spcPts val="600"/>
-              </a:spcAft>
-              <a:buClr>
-                <a:schemeClr val="accent1">
-                  <a:lumMod val="75000"/>
-                </a:schemeClr>
-              </a:buClr>
-              <a:buSzPct val="145000"/>
-              <a:buFont typeface="Arial"/>
-              <a:buChar char="•"/>
-              <a:defRPr sz="1400" kern="1200" cap="none">
-                <a:solidFill>
-                  <a:schemeClr val="tx1"/>
-                </a:solidFill>
-                <a:effectLst/>
-                <a:latin typeface="+mn-lt"/>
-                <a:ea typeface="+mn-ea"/>
-                <a:cs typeface="+mn-cs"/>
-              </a:defRPr>
-            </a:lvl7pPr>
-            <a:lvl8pPr marL="3429000" indent="-228600" algn="l" defTabSz="457200" rtl="0" eaLnBrk="1" latinLnBrk="0" hangingPunct="1">
-              <a:spcBef>
-                <a:spcPct val="20000"/>
-              </a:spcBef>
-              <a:spcAft>
-                <a:spcPts val="600"/>
-              </a:spcAft>
-              <a:buClr>
-                <a:schemeClr val="accent1">
-                  <a:lumMod val="75000"/>
-                </a:schemeClr>
-              </a:buClr>
-              <a:buSzPct val="145000"/>
-              <a:buFont typeface="Arial"/>
-              <a:buChar char="•"/>
-              <a:defRPr sz="1400" kern="1200" cap="none">
-                <a:solidFill>
-                  <a:schemeClr val="tx1"/>
-                </a:solidFill>
-                <a:effectLst/>
-                <a:latin typeface="+mn-lt"/>
-                <a:ea typeface="+mn-ea"/>
-                <a:cs typeface="+mn-cs"/>
-              </a:defRPr>
-            </a:lvl8pPr>
-            <a:lvl9pPr marL="3886200" indent="-228600" algn="l" defTabSz="457200" rtl="0" eaLnBrk="1" latinLnBrk="0" hangingPunct="1">
-              <a:spcBef>
-                <a:spcPct val="20000"/>
-              </a:spcBef>
-              <a:spcAft>
-                <a:spcPts val="600"/>
-              </a:spcAft>
-              <a:buClr>
-                <a:schemeClr val="accent1">
-                  <a:lumMod val="75000"/>
-                </a:schemeClr>
-              </a:buClr>
-              <a:buSzPct val="145000"/>
-              <a:buFont typeface="Arial"/>
-              <a:buChar char="•"/>
-              <a:defRPr sz="1400" kern="1200" cap="none">
-                <a:solidFill>
-                  <a:schemeClr val="tx1"/>
-                </a:solidFill>
-                <a:effectLst/>
-                <a:latin typeface="+mn-lt"/>
-                <a:ea typeface="+mn-ea"/>
-                <a:cs typeface="+mn-cs"/>
-              </a:defRPr>
-            </a:lvl9pPr>
-          </a:lstStyle>
-          <a:p>
-            <a:pPr marL="0" indent="0">
-              <a:buNone/>
-            </a:pPr>
-            <a:r>
-              <a:rPr lang="de-DE" sz="1000" dirty="0" smtClean="0"/>
-              <a:t>Rem0 Röthlisberger, Eric </a:t>
-            </a:r>
-            <a:r>
-              <a:rPr lang="de-DE" sz="1000" dirty="0" err="1" smtClean="0"/>
-              <a:t>Lagger</a:t>
-            </a:r>
-            <a:r>
-              <a:rPr lang="de-DE" sz="1000" dirty="0" smtClean="0"/>
-              <a:t>, Vincent Hofer, Dean Klopsch, Aebi Ryan</a:t>
-            </a:r>
-            <a:endParaRPr lang="de-DE" sz="1000" dirty="0"/>
-          </a:p>
-        </p:txBody>
-      </p:sp>
-      <p:sp>
-        <p:nvSpPr>
-          <p:cNvPr id="7" name="Inhaltsplatzhalter 2"/>
-          <p:cNvSpPr>
-            <a:spLocks noGrp="1"/>
-          </p:cNvSpPr>
-          <p:nvPr>
-            <p:ph idx="1"/>
-          </p:nvPr>
-        </p:nvSpPr>
-        <p:spPr>
-          <a:xfrm>
-            <a:off x="762552" y="2065420"/>
-            <a:ext cx="10115438" cy="3937001"/>
-          </a:xfrm>
-        </p:spPr>
-        <p:txBody>
-          <a:bodyPr>
-            <a:normAutofit/>
-          </a:bodyPr>
-          <a:lstStyle/>
-          <a:p>
-            <a:pPr algn="ctr"/>
-            <a:r>
-              <a:rPr lang="de-DE" sz="3200" dirty="0" err="1" smtClean="0"/>
-              <a:t>Our</a:t>
-            </a:r>
-            <a:r>
-              <a:rPr lang="de-DE" sz="3200" dirty="0" smtClean="0"/>
-              <a:t> </a:t>
-            </a:r>
-            <a:r>
-              <a:rPr lang="de-DE" sz="3200" dirty="0" err="1" smtClean="0"/>
-              <a:t>team</a:t>
-            </a:r>
-            <a:endParaRPr lang="de-DE" sz="3200" dirty="0" smtClean="0"/>
-          </a:p>
-          <a:p>
-            <a:pPr algn="ctr"/>
-            <a:r>
-              <a:rPr lang="de-DE" sz="3200" dirty="0" smtClean="0"/>
-              <a:t>The </a:t>
-            </a:r>
-            <a:r>
-              <a:rPr lang="de-DE" sz="3200" dirty="0" err="1" smtClean="0"/>
-              <a:t>products</a:t>
-            </a:r>
-            <a:r>
-              <a:rPr lang="de-DE" sz="3200" dirty="0" smtClean="0"/>
-              <a:t/>
-            </a:r>
-            <a:br>
-              <a:rPr lang="de-DE" sz="3200" dirty="0" smtClean="0"/>
-            </a:br>
-            <a:r>
-              <a:rPr lang="de-DE" sz="3200" dirty="0" smtClean="0"/>
-              <a:t>-&gt; The </a:t>
-            </a:r>
-            <a:r>
-              <a:rPr lang="de-DE" sz="3200" dirty="0" err="1" smtClean="0"/>
-              <a:t>client</a:t>
-            </a:r>
-            <a:r>
-              <a:rPr lang="de-DE" sz="3200" dirty="0" smtClean="0"/>
-              <a:t/>
-            </a:r>
-            <a:br>
-              <a:rPr lang="de-DE" sz="3200" dirty="0" smtClean="0"/>
-            </a:br>
-            <a:r>
-              <a:rPr lang="de-DE" sz="3200" dirty="0" smtClean="0"/>
-              <a:t>-&gt; The </a:t>
-            </a:r>
-            <a:r>
-              <a:rPr lang="de-DE" sz="3200" dirty="0" err="1" smtClean="0"/>
-              <a:t>developers</a:t>
-            </a:r>
-            <a:endParaRPr lang="de-DE" sz="3200" dirty="0" smtClean="0"/>
-          </a:p>
-          <a:p>
-            <a:pPr algn="ctr"/>
-            <a:r>
-              <a:rPr lang="de-DE" sz="3200" dirty="0" err="1" smtClean="0"/>
-              <a:t>Ask</a:t>
-            </a:r>
-            <a:r>
-              <a:rPr lang="de-DE" sz="3200" dirty="0" smtClean="0"/>
-              <a:t> </a:t>
-            </a:r>
-            <a:r>
-              <a:rPr lang="de-DE" sz="3200" dirty="0" err="1" smtClean="0"/>
-              <a:t>us</a:t>
-            </a:r>
-            <a:r>
-              <a:rPr lang="de-DE" sz="3200" dirty="0" smtClean="0"/>
-              <a:t>!</a:t>
-            </a:r>
-          </a:p>
-          <a:p>
-            <a:pPr algn="ctr"/>
-            <a:r>
-              <a:rPr lang="de-DE" sz="3200" dirty="0" err="1" smtClean="0"/>
-              <a:t>Contact</a:t>
-            </a:r>
-            <a:r>
-              <a:rPr lang="de-DE" sz="3200" dirty="0" smtClean="0"/>
-              <a:t> </a:t>
-            </a:r>
-            <a:r>
-              <a:rPr lang="de-DE" sz="3200" dirty="0" err="1" smtClean="0"/>
-              <a:t>us</a:t>
-            </a:r>
-            <a:r>
-              <a:rPr lang="de-DE" sz="3200" dirty="0" smtClean="0"/>
-              <a:t>!</a:t>
-            </a:r>
-          </a:p>
-        </p:txBody>
-      </p:sp>
-    </p:spTree>
-    <p:extLst>
-      <p:ext uri="{BB962C8B-B14F-4D97-AF65-F5344CB8AC3E}">
-        <p14:creationId xmlns:p14="http://schemas.microsoft.com/office/powerpoint/2010/main" val="3339796951"/>
-      </p:ext>
-    </p:extLst>
-  </p:cSld>
-  <p:clrMapOvr>
-    <a:masterClrMapping/>
-  </p:clrMapOvr>
-  <p:timing>
-    <p:tnLst>
-      <p:par>
-        <p:cTn id="1" dur="indefinite" restart="never" nodeType="tmRoot"/>
-      </p:par>
-    </p:tnLst>
-  </p:timing>
-</p:sld>
-</file>
-
-<file path=ppt/slides/slide16.xml><?xml version="1.0" encoding="utf-8"?>
-<p:sld xmlns:a="http://schemas.openxmlformats.org/drawingml/2006/main" xmlns:r="http://schemas.openxmlformats.org/officeDocument/2006/relationships" xmlns:p="http://schemas.openxmlformats.org/presentationml/2006/main">
-  <p:cSld>
-    <p:spTree>
-      <p:nvGrpSpPr>
-        <p:cNvPr id="1" name=""/>
-        <p:cNvGrpSpPr/>
-        <p:nvPr/>
-      </p:nvGrpSpPr>
-      <p:grpSpPr>
-        <a:xfrm>
-          <a:off x="0" y="0"/>
-          <a:ext cx="0" cy="0"/>
-          <a:chOff x="0" y="0"/>
-          <a:chExt cx="0" cy="0"/>
-        </a:xfrm>
-      </p:grpSpPr>
-      <p:sp>
-        <p:nvSpPr>
-          <p:cNvPr id="2" name="Titel 1"/>
-          <p:cNvSpPr>
-            <a:spLocks noGrp="1"/>
-          </p:cNvSpPr>
-          <p:nvPr>
-            <p:ph type="title"/>
-          </p:nvPr>
-        </p:nvSpPr>
-        <p:spPr>
-          <a:xfrm>
-            <a:off x="810915" y="691116"/>
-            <a:ext cx="10018713" cy="1752599"/>
-          </a:xfrm>
-        </p:spPr>
-        <p:txBody>
-          <a:bodyPr/>
-          <a:lstStyle/>
-          <a:p>
-            <a:r>
-              <a:rPr lang="de-DE" dirty="0" err="1" smtClean="0"/>
               <a:t>Good</a:t>
             </a:r>
             <a:r>
@@ -13407,7 +12857,7 @@
 </p:sld>
 </file>
 
-<file path=ppt/slides/slide17.xml><?xml version="1.0" encoding="utf-8"?>
+<file path=ppt/slides/slide16.xml><?xml version="1.0" encoding="utf-8"?>
 <p:sld xmlns:a="http://schemas.openxmlformats.org/drawingml/2006/main" xmlns:r="http://schemas.openxmlformats.org/officeDocument/2006/relationships" xmlns:p="http://schemas.openxmlformats.org/presentationml/2006/main">
   <p:cSld>
     <p:spTree>
@@ -13777,7 +13227,7 @@
 </p:sld>
 </file>
 
-<file path=ppt/slides/slide18.xml><?xml version="1.0" encoding="utf-8"?>
+<file path=ppt/slides/slide17.xml><?xml version="1.0" encoding="utf-8"?>
 <p:sld xmlns:a="http://schemas.openxmlformats.org/drawingml/2006/main" xmlns:r="http://schemas.openxmlformats.org/officeDocument/2006/relationships" xmlns:p="http://schemas.openxmlformats.org/presentationml/2006/main">
   <p:cSld>
     <p:spTree>
@@ -14147,7 +13597,7 @@
 </p:sld>
 </file>
 
-<file path=ppt/slides/slide19.xml><?xml version="1.0" encoding="utf-8"?>
+<file path=ppt/slides/slide18.xml><?xml version="1.0" encoding="utf-8"?>
 <p:sld xmlns:a="http://schemas.openxmlformats.org/drawingml/2006/main" xmlns:r="http://schemas.openxmlformats.org/officeDocument/2006/relationships" xmlns:p="http://schemas.openxmlformats.org/presentationml/2006/main">
   <p:cSld>
     <p:spTree>
@@ -14501,6 +13951,376 @@
     <p:extLst>
       <p:ext uri="{BB962C8B-B14F-4D97-AF65-F5344CB8AC3E}">
         <p14:creationId xmlns:p14="http://schemas.microsoft.com/office/powerpoint/2010/main" val="3528280995"/>
+      </p:ext>
+    </p:extLst>
+  </p:cSld>
+  <p:clrMapOvr>
+    <a:masterClrMapping/>
+  </p:clrMapOvr>
+  <p:timing>
+    <p:tnLst>
+      <p:par>
+        <p:cTn id="1" dur="indefinite" restart="never" nodeType="tmRoot"/>
+      </p:par>
+    </p:tnLst>
+  </p:timing>
+</p:sld>
+</file>
+
+<file path=ppt/slides/slide19.xml><?xml version="1.0" encoding="utf-8"?>
+<p:sld xmlns:a="http://schemas.openxmlformats.org/drawingml/2006/main" xmlns:r="http://schemas.openxmlformats.org/officeDocument/2006/relationships" xmlns:p="http://schemas.openxmlformats.org/presentationml/2006/main">
+  <p:cSld>
+    <p:spTree>
+      <p:nvGrpSpPr>
+        <p:cNvPr id="1" name=""/>
+        <p:cNvGrpSpPr/>
+        <p:nvPr/>
+      </p:nvGrpSpPr>
+      <p:grpSpPr>
+        <a:xfrm>
+          <a:off x="0" y="0"/>
+          <a:ext cx="0" cy="0"/>
+          <a:chOff x="0" y="0"/>
+          <a:chExt cx="0" cy="0"/>
+        </a:xfrm>
+      </p:grpSpPr>
+      <p:sp>
+        <p:nvSpPr>
+          <p:cNvPr id="2" name="Titel 1"/>
+          <p:cNvSpPr>
+            <a:spLocks noGrp="1"/>
+          </p:cNvSpPr>
+          <p:nvPr>
+            <p:ph type="title"/>
+          </p:nvPr>
+        </p:nvSpPr>
+        <p:spPr>
+          <a:xfrm>
+            <a:off x="810915" y="691116"/>
+            <a:ext cx="10018713" cy="1752599"/>
+          </a:xfrm>
+        </p:spPr>
+        <p:txBody>
+          <a:bodyPr/>
+          <a:lstStyle/>
+          <a:p>
+            <a:r>
+              <a:rPr lang="de-DE" dirty="0" err="1" smtClean="0"/>
+              <a:t>Good</a:t>
+            </a:r>
+            <a:r>
+              <a:rPr lang="de-DE" dirty="0" smtClean="0"/>
+              <a:t> </a:t>
+            </a:r>
+            <a:r>
+              <a:rPr lang="de-DE" dirty="0" err="1" smtClean="0"/>
+              <a:t>code</a:t>
+            </a:r>
+            <a:endParaRPr lang="de-DE" dirty="0"/>
+          </a:p>
+        </p:txBody>
+      </p:sp>
+      <p:sp>
+        <p:nvSpPr>
+          <p:cNvPr id="6" name="Inhaltsplatzhalter 2"/>
+          <p:cNvSpPr txBox="1">
+            <a:spLocks/>
+          </p:cNvSpPr>
+          <p:nvPr/>
+        </p:nvSpPr>
+        <p:spPr>
+          <a:xfrm>
+            <a:off x="8137451" y="-41565"/>
+            <a:ext cx="4054549" cy="370610"/>
+          </a:xfrm>
+          <a:prstGeom prst="rect">
+            <a:avLst/>
+          </a:prstGeom>
+        </p:spPr>
+        <p:txBody>
+          <a:bodyPr vert="horz" lIns="91440" tIns="45720" rIns="91440" bIns="45720" rtlCol="0" anchor="ctr">
+            <a:normAutofit/>
+          </a:bodyPr>
+          <a:lstStyle>
+            <a:lvl1pPr marL="285750" indent="-285750" algn="l" defTabSz="457200" rtl="0" eaLnBrk="1" latinLnBrk="0" hangingPunct="1">
+              <a:spcBef>
+                <a:spcPct val="20000"/>
+              </a:spcBef>
+              <a:spcAft>
+                <a:spcPts val="600"/>
+              </a:spcAft>
+              <a:buClr>
+                <a:schemeClr val="accent1">
+                  <a:lumMod val="75000"/>
+                </a:schemeClr>
+              </a:buClr>
+              <a:buSzPct val="145000"/>
+              <a:buFont typeface="Arial"/>
+              <a:buChar char="•"/>
+              <a:defRPr sz="2400" kern="1200" cap="none">
+                <a:solidFill>
+                  <a:schemeClr val="tx1"/>
+                </a:solidFill>
+                <a:effectLst/>
+                <a:latin typeface="+mn-lt"/>
+                <a:ea typeface="+mn-ea"/>
+                <a:cs typeface="+mn-cs"/>
+              </a:defRPr>
+            </a:lvl1pPr>
+            <a:lvl2pPr marL="742950" indent="-285750" algn="l" defTabSz="457200" rtl="0" eaLnBrk="1" latinLnBrk="0" hangingPunct="1">
+              <a:spcBef>
+                <a:spcPct val="20000"/>
+              </a:spcBef>
+              <a:spcAft>
+                <a:spcPts val="600"/>
+              </a:spcAft>
+              <a:buClr>
+                <a:schemeClr val="accent1">
+                  <a:lumMod val="75000"/>
+                </a:schemeClr>
+              </a:buClr>
+              <a:buSzPct val="145000"/>
+              <a:buFont typeface="Arial"/>
+              <a:buChar char="•"/>
+              <a:defRPr sz="2000" kern="1200" cap="none">
+                <a:solidFill>
+                  <a:schemeClr val="tx1"/>
+                </a:solidFill>
+                <a:effectLst/>
+                <a:latin typeface="+mn-lt"/>
+                <a:ea typeface="+mn-ea"/>
+                <a:cs typeface="+mn-cs"/>
+              </a:defRPr>
+            </a:lvl2pPr>
+            <a:lvl3pPr marL="1200150" indent="-285750" algn="l" defTabSz="457200" rtl="0" eaLnBrk="1" latinLnBrk="0" hangingPunct="1">
+              <a:spcBef>
+                <a:spcPct val="20000"/>
+              </a:spcBef>
+              <a:spcAft>
+                <a:spcPts val="600"/>
+              </a:spcAft>
+              <a:buClr>
+                <a:schemeClr val="accent1">
+                  <a:lumMod val="75000"/>
+                </a:schemeClr>
+              </a:buClr>
+              <a:buSzPct val="145000"/>
+              <a:buFont typeface="Arial"/>
+              <a:buChar char="•"/>
+              <a:defRPr sz="1800" kern="1200" cap="none">
+                <a:solidFill>
+                  <a:schemeClr val="tx1"/>
+                </a:solidFill>
+                <a:effectLst/>
+                <a:latin typeface="+mn-lt"/>
+                <a:ea typeface="+mn-ea"/>
+                <a:cs typeface="+mn-cs"/>
+              </a:defRPr>
+            </a:lvl3pPr>
+            <a:lvl4pPr marL="1543050" indent="-171450" algn="l" defTabSz="457200" rtl="0" eaLnBrk="1" latinLnBrk="0" hangingPunct="1">
+              <a:spcBef>
+                <a:spcPct val="20000"/>
+              </a:spcBef>
+              <a:spcAft>
+                <a:spcPts val="600"/>
+              </a:spcAft>
+              <a:buClr>
+                <a:schemeClr val="accent1">
+                  <a:lumMod val="75000"/>
+                </a:schemeClr>
+              </a:buClr>
+              <a:buSzPct val="145000"/>
+              <a:buFont typeface="Arial"/>
+              <a:buChar char="•"/>
+              <a:defRPr sz="1600" kern="1200" cap="none">
+                <a:solidFill>
+                  <a:schemeClr val="tx1"/>
+                </a:solidFill>
+                <a:effectLst/>
+                <a:latin typeface="+mn-lt"/>
+                <a:ea typeface="+mn-ea"/>
+                <a:cs typeface="+mn-cs"/>
+              </a:defRPr>
+            </a:lvl4pPr>
+            <a:lvl5pPr marL="2000250" indent="-171450" algn="l" defTabSz="457200" rtl="0" eaLnBrk="1" latinLnBrk="0" hangingPunct="1">
+              <a:spcBef>
+                <a:spcPct val="20000"/>
+              </a:spcBef>
+              <a:spcAft>
+                <a:spcPts val="600"/>
+              </a:spcAft>
+              <a:buClr>
+                <a:schemeClr val="accent1">
+                  <a:lumMod val="75000"/>
+                </a:schemeClr>
+              </a:buClr>
+              <a:buSzPct val="145000"/>
+              <a:buFont typeface="Arial"/>
+              <a:buChar char="•"/>
+              <a:defRPr sz="1400" kern="1200" cap="none">
+                <a:solidFill>
+                  <a:schemeClr val="tx1"/>
+                </a:solidFill>
+                <a:effectLst/>
+                <a:latin typeface="+mn-lt"/>
+                <a:ea typeface="+mn-ea"/>
+                <a:cs typeface="+mn-cs"/>
+              </a:defRPr>
+            </a:lvl5pPr>
+            <a:lvl6pPr marL="2514600" indent="-228600" algn="l" defTabSz="457200" rtl="0" eaLnBrk="1" latinLnBrk="0" hangingPunct="1">
+              <a:spcBef>
+                <a:spcPct val="20000"/>
+              </a:spcBef>
+              <a:spcAft>
+                <a:spcPts val="600"/>
+              </a:spcAft>
+              <a:buClr>
+                <a:schemeClr val="accent1">
+                  <a:lumMod val="75000"/>
+                </a:schemeClr>
+              </a:buClr>
+              <a:buSzPct val="145000"/>
+              <a:buFont typeface="Arial"/>
+              <a:buChar char="•"/>
+              <a:defRPr sz="1400" kern="1200" cap="none">
+                <a:solidFill>
+                  <a:schemeClr val="tx1"/>
+                </a:solidFill>
+                <a:effectLst/>
+                <a:latin typeface="+mn-lt"/>
+                <a:ea typeface="+mn-ea"/>
+                <a:cs typeface="+mn-cs"/>
+              </a:defRPr>
+            </a:lvl6pPr>
+            <a:lvl7pPr marL="2971800" indent="-228600" algn="l" defTabSz="457200" rtl="0" eaLnBrk="1" latinLnBrk="0" hangingPunct="1">
+              <a:spcBef>
+                <a:spcPct val="20000"/>
+              </a:spcBef>
+              <a:spcAft>
+                <a:spcPts val="600"/>
+              </a:spcAft>
+              <a:buClr>
+                <a:schemeClr val="accent1">
+                  <a:lumMod val="75000"/>
+                </a:schemeClr>
+              </a:buClr>
+              <a:buSzPct val="145000"/>
+              <a:buFont typeface="Arial"/>
+              <a:buChar char="•"/>
+              <a:defRPr sz="1400" kern="1200" cap="none">
+                <a:solidFill>
+                  <a:schemeClr val="tx1"/>
+                </a:solidFill>
+                <a:effectLst/>
+                <a:latin typeface="+mn-lt"/>
+                <a:ea typeface="+mn-ea"/>
+                <a:cs typeface="+mn-cs"/>
+              </a:defRPr>
+            </a:lvl7pPr>
+            <a:lvl8pPr marL="3429000" indent="-228600" algn="l" defTabSz="457200" rtl="0" eaLnBrk="1" latinLnBrk="0" hangingPunct="1">
+              <a:spcBef>
+                <a:spcPct val="20000"/>
+              </a:spcBef>
+              <a:spcAft>
+                <a:spcPts val="600"/>
+              </a:spcAft>
+              <a:buClr>
+                <a:schemeClr val="accent1">
+                  <a:lumMod val="75000"/>
+                </a:schemeClr>
+              </a:buClr>
+              <a:buSzPct val="145000"/>
+              <a:buFont typeface="Arial"/>
+              <a:buChar char="•"/>
+              <a:defRPr sz="1400" kern="1200" cap="none">
+                <a:solidFill>
+                  <a:schemeClr val="tx1"/>
+                </a:solidFill>
+                <a:effectLst/>
+                <a:latin typeface="+mn-lt"/>
+                <a:ea typeface="+mn-ea"/>
+                <a:cs typeface="+mn-cs"/>
+              </a:defRPr>
+            </a:lvl8pPr>
+            <a:lvl9pPr marL="3886200" indent="-228600" algn="l" defTabSz="457200" rtl="0" eaLnBrk="1" latinLnBrk="0" hangingPunct="1">
+              <a:spcBef>
+                <a:spcPct val="20000"/>
+              </a:spcBef>
+              <a:spcAft>
+                <a:spcPts val="600"/>
+              </a:spcAft>
+              <a:buClr>
+                <a:schemeClr val="accent1">
+                  <a:lumMod val="75000"/>
+                </a:schemeClr>
+              </a:buClr>
+              <a:buSzPct val="145000"/>
+              <a:buFont typeface="Arial"/>
+              <a:buChar char="•"/>
+              <a:defRPr sz="1400" kern="1200" cap="none">
+                <a:solidFill>
+                  <a:schemeClr val="tx1"/>
+                </a:solidFill>
+                <a:effectLst/>
+                <a:latin typeface="+mn-lt"/>
+                <a:ea typeface="+mn-ea"/>
+                <a:cs typeface="+mn-cs"/>
+              </a:defRPr>
+            </a:lvl9pPr>
+          </a:lstStyle>
+          <a:p>
+            <a:pPr marL="0" indent="0">
+              <a:buNone/>
+            </a:pPr>
+            <a:r>
+              <a:rPr lang="de-DE" sz="1000" dirty="0" smtClean="0"/>
+              <a:t>Rem0 Röthlisberger, Eric </a:t>
+            </a:r>
+            <a:r>
+              <a:rPr lang="de-DE" sz="1000" dirty="0" err="1" smtClean="0"/>
+              <a:t>Lagger</a:t>
+            </a:r>
+            <a:r>
+              <a:rPr lang="de-DE" sz="1000" dirty="0" smtClean="0"/>
+              <a:t>, Vincent Hofer, Dean Klopsch, Aebi Ryan</a:t>
+            </a:r>
+            <a:endParaRPr lang="de-DE" sz="1000" dirty="0"/>
+          </a:p>
+        </p:txBody>
+      </p:sp>
+      <p:pic>
+        <p:nvPicPr>
+          <p:cNvPr id="8" name="Inhaltsplatzhalter 7"/>
+          <p:cNvPicPr>
+            <a:picLocks noGrp="1" noChangeAspect="1"/>
+          </p:cNvPicPr>
+          <p:nvPr>
+            <p:ph idx="1"/>
+          </p:nvPr>
+        </p:nvPicPr>
+        <p:blipFill>
+          <a:blip r:embed="rId3">
+            <a:extLst>
+              <a:ext uri="{28A0092B-C50C-407E-A947-70E740481C1C}">
+                <a14:useLocalDpi xmlns:a14="http://schemas.microsoft.com/office/drawing/2010/main" val="0"/>
+              </a:ext>
+            </a:extLst>
+          </a:blip>
+          <a:stretch>
+            <a:fillRect/>
+          </a:stretch>
+        </p:blipFill>
+        <p:spPr>
+          <a:xfrm>
+            <a:off x="1916024" y="1945172"/>
+            <a:ext cx="7808494" cy="4407501"/>
+          </a:xfrm>
+        </p:spPr>
+      </p:pic>
+    </p:spTree>
+    <p:extLst>
+      <p:ext uri="{BB962C8B-B14F-4D97-AF65-F5344CB8AC3E}">
+        <p14:creationId xmlns:p14="http://schemas.microsoft.com/office/powerpoint/2010/main" val="896141722"/>
       </p:ext>
     </p:extLst>
   </p:cSld>
@@ -15005,7 +14825,7 @@
           <a:p>
             <a:r>
               <a:rPr lang="de-DE" dirty="0" err="1" smtClean="0"/>
-              <a:t>Good</a:t>
+              <a:t>Why</a:t>
             </a:r>
             <a:r>
               <a:rPr lang="de-DE" dirty="0" smtClean="0"/>
@@ -15013,7 +14833,11 @@
             </a:r>
             <a:r>
               <a:rPr lang="de-DE" dirty="0" err="1" smtClean="0"/>
-              <a:t>code</a:t>
+              <a:t>us</a:t>
+            </a:r>
+            <a:r>
+              <a:rPr lang="de-DE" dirty="0" smtClean="0"/>
+              <a:t>?</a:t>
             </a:r>
             <a:endParaRPr lang="de-DE" dirty="0"/>
           </a:p>
@@ -15287,39 +15111,129 @@
           </a:p>
         </p:txBody>
       </p:sp>
-      <p:pic>
-        <p:nvPicPr>
-          <p:cNvPr id="8" name="Inhaltsplatzhalter 7"/>
-          <p:cNvPicPr>
-            <a:picLocks noGrp="1" noChangeAspect="1"/>
-          </p:cNvPicPr>
+      <p:sp>
+        <p:nvSpPr>
+          <p:cNvPr id="7" name="Inhaltsplatzhalter 2"/>
+          <p:cNvSpPr>
+            <a:spLocks noGrp="1"/>
+          </p:cNvSpPr>
           <p:nvPr>
             <p:ph idx="1"/>
           </p:nvPr>
-        </p:nvPicPr>
-        <p:blipFill>
-          <a:blip r:embed="rId3">
-            <a:extLst>
-              <a:ext uri="{28A0092B-C50C-407E-A947-70E740481C1C}">
-                <a14:useLocalDpi xmlns:a14="http://schemas.microsoft.com/office/drawing/2010/main" val="0"/>
-              </a:ext>
-            </a:extLst>
-          </a:blip>
-          <a:stretch>
-            <a:fillRect/>
-          </a:stretch>
-        </p:blipFill>
+        </p:nvSpPr>
         <p:spPr>
           <a:xfrm>
-            <a:off x="1916024" y="1945172"/>
-            <a:ext cx="7808494" cy="4407501"/>
+            <a:off x="762552" y="2065420"/>
+            <a:ext cx="10115438" cy="3937001"/>
           </a:xfrm>
         </p:spPr>
-      </p:pic>
+        <p:txBody>
+          <a:bodyPr>
+            <a:normAutofit/>
+          </a:bodyPr>
+          <a:lstStyle/>
+          <a:p>
+            <a:pPr algn="ctr"/>
+            <a:r>
+              <a:rPr lang="de-DE" sz="3200" dirty="0" err="1" smtClean="0"/>
+              <a:t>Our</a:t>
+            </a:r>
+            <a:r>
+              <a:rPr lang="de-DE" sz="3200" dirty="0" smtClean="0"/>
+              <a:t> </a:t>
+            </a:r>
+            <a:r>
+              <a:rPr lang="de-DE" sz="3200" dirty="0" err="1" smtClean="0"/>
+              <a:t>team</a:t>
+            </a:r>
+            <a:endParaRPr lang="de-DE" sz="3200" dirty="0" smtClean="0"/>
+          </a:p>
+          <a:p>
+            <a:pPr algn="ctr"/>
+            <a:r>
+              <a:rPr lang="de-DE" sz="3200" dirty="0" smtClean="0"/>
+              <a:t>The </a:t>
+            </a:r>
+            <a:r>
+              <a:rPr lang="de-DE" sz="3200" dirty="0" err="1" smtClean="0"/>
+              <a:t>products</a:t>
+            </a:r>
+            <a:r>
+              <a:rPr lang="de-DE" sz="3200" dirty="0" smtClean="0"/>
+              <a:t/>
+            </a:r>
+            <a:br>
+              <a:rPr lang="de-DE" sz="3200" dirty="0" smtClean="0"/>
+            </a:br>
+            <a:r>
+              <a:rPr lang="de-DE" sz="3200" dirty="0" smtClean="0"/>
+              <a:t>-&gt; The </a:t>
+            </a:r>
+            <a:r>
+              <a:rPr lang="de-DE" sz="3200" dirty="0" err="1" smtClean="0"/>
+              <a:t>client</a:t>
+            </a:r>
+            <a:r>
+              <a:rPr lang="de-DE" sz="3200" dirty="0" smtClean="0"/>
+              <a:t/>
+            </a:r>
+            <a:br>
+              <a:rPr lang="de-DE" sz="3200" dirty="0" smtClean="0"/>
+            </a:br>
+            <a:r>
+              <a:rPr lang="de-DE" sz="3200" dirty="0" smtClean="0"/>
+              <a:t>-&gt; The </a:t>
+            </a:r>
+            <a:r>
+              <a:rPr lang="de-DE" sz="3200" dirty="0" err="1" smtClean="0"/>
+              <a:t>developers</a:t>
+            </a:r>
+            <a:endParaRPr lang="de-DE" sz="3200" dirty="0" smtClean="0"/>
+          </a:p>
+          <a:p>
+            <a:pPr algn="ctr"/>
+            <a:r>
+              <a:rPr lang="de-DE" sz="3200" dirty="0" err="1" smtClean="0"/>
+              <a:t>Ask</a:t>
+            </a:r>
+            <a:r>
+              <a:rPr lang="de-DE" sz="3200" dirty="0" smtClean="0"/>
+              <a:t> </a:t>
+            </a:r>
+            <a:r>
+              <a:rPr lang="de-DE" sz="3200" dirty="0" err="1" smtClean="0"/>
+              <a:t>us</a:t>
+            </a:r>
+            <a:r>
+              <a:rPr lang="de-DE" sz="3200" dirty="0" smtClean="0"/>
+              <a:t>!</a:t>
+            </a:r>
+          </a:p>
+          <a:p>
+            <a:pPr algn="ctr"/>
+            <a:r>
+              <a:rPr lang="de-DE" sz="3200" dirty="0" err="1" smtClean="0"/>
+              <a:t>Contact</a:t>
+            </a:r>
+            <a:r>
+              <a:rPr lang="de-DE" sz="3200" dirty="0" smtClean="0"/>
+              <a:t> </a:t>
+            </a:r>
+            <a:r>
+              <a:rPr lang="de-DE" sz="3200" dirty="0" err="1" smtClean="0"/>
+              <a:t>us</a:t>
+            </a:r>
+            <a:r>
+              <a:rPr lang="de-DE" sz="3200" dirty="0" smtClean="0"/>
+              <a:t>!</a:t>
+            </a:r>
+          </a:p>
+        </p:txBody>
+      </p:sp>
     </p:spTree>
     <p:extLst>
       <p:ext uri="{BB962C8B-B14F-4D97-AF65-F5344CB8AC3E}">
-        <p14:creationId xmlns:p14="http://schemas.microsoft.com/office/powerpoint/2010/main" val="896141722"/>
+        <p14:creationId xmlns:p14="http://schemas.microsoft.com/office/powerpoint/2010/main" val="1459151704"/>
       </p:ext>
     </p:extLst>
   </p:cSld>
@@ -15374,470 +15288,6 @@
           <a:lstStyle/>
           <a:p>
             <a:r>
-              <a:rPr lang="de-DE" dirty="0" err="1" smtClean="0"/>
-              <a:t>Why</a:t>
-            </a:r>
-            <a:r>
-              <a:rPr lang="de-DE" dirty="0" smtClean="0"/>
-              <a:t> </a:t>
-            </a:r>
-            <a:r>
-              <a:rPr lang="de-DE" dirty="0" err="1" smtClean="0"/>
-              <a:t>us</a:t>
-            </a:r>
-            <a:r>
-              <a:rPr lang="de-DE" dirty="0" smtClean="0"/>
-              <a:t>?</a:t>
-            </a:r>
-            <a:endParaRPr lang="de-DE" dirty="0"/>
-          </a:p>
-        </p:txBody>
-      </p:sp>
-      <p:sp>
-        <p:nvSpPr>
-          <p:cNvPr id="6" name="Inhaltsplatzhalter 2"/>
-          <p:cNvSpPr txBox="1">
-            <a:spLocks/>
-          </p:cNvSpPr>
-          <p:nvPr/>
-        </p:nvSpPr>
-        <p:spPr>
-          <a:xfrm>
-            <a:off x="8137451" y="-41565"/>
-            <a:ext cx="4054549" cy="370610"/>
-          </a:xfrm>
-          <a:prstGeom prst="rect">
-            <a:avLst/>
-          </a:prstGeom>
-        </p:spPr>
-        <p:txBody>
-          <a:bodyPr vert="horz" lIns="91440" tIns="45720" rIns="91440" bIns="45720" rtlCol="0" anchor="ctr">
-            <a:normAutofit/>
-          </a:bodyPr>
-          <a:lstStyle>
-            <a:lvl1pPr marL="285750" indent="-285750" algn="l" defTabSz="457200" rtl="0" eaLnBrk="1" latinLnBrk="0" hangingPunct="1">
-              <a:spcBef>
-                <a:spcPct val="20000"/>
-              </a:spcBef>
-              <a:spcAft>
-                <a:spcPts val="600"/>
-              </a:spcAft>
-              <a:buClr>
-                <a:schemeClr val="accent1">
-                  <a:lumMod val="75000"/>
-                </a:schemeClr>
-              </a:buClr>
-              <a:buSzPct val="145000"/>
-              <a:buFont typeface="Arial"/>
-              <a:buChar char="•"/>
-              <a:defRPr sz="2400" kern="1200" cap="none">
-                <a:solidFill>
-                  <a:schemeClr val="tx1"/>
-                </a:solidFill>
-                <a:effectLst/>
-                <a:latin typeface="+mn-lt"/>
-                <a:ea typeface="+mn-ea"/>
-                <a:cs typeface="+mn-cs"/>
-              </a:defRPr>
-            </a:lvl1pPr>
-            <a:lvl2pPr marL="742950" indent="-285750" algn="l" defTabSz="457200" rtl="0" eaLnBrk="1" latinLnBrk="0" hangingPunct="1">
-              <a:spcBef>
-                <a:spcPct val="20000"/>
-              </a:spcBef>
-              <a:spcAft>
-                <a:spcPts val="600"/>
-              </a:spcAft>
-              <a:buClr>
-                <a:schemeClr val="accent1">
-                  <a:lumMod val="75000"/>
-                </a:schemeClr>
-              </a:buClr>
-              <a:buSzPct val="145000"/>
-              <a:buFont typeface="Arial"/>
-              <a:buChar char="•"/>
-              <a:defRPr sz="2000" kern="1200" cap="none">
-                <a:solidFill>
-                  <a:schemeClr val="tx1"/>
-                </a:solidFill>
-                <a:effectLst/>
-                <a:latin typeface="+mn-lt"/>
-                <a:ea typeface="+mn-ea"/>
-                <a:cs typeface="+mn-cs"/>
-              </a:defRPr>
-            </a:lvl2pPr>
-            <a:lvl3pPr marL="1200150" indent="-285750" algn="l" defTabSz="457200" rtl="0" eaLnBrk="1" latinLnBrk="0" hangingPunct="1">
-              <a:spcBef>
-                <a:spcPct val="20000"/>
-              </a:spcBef>
-              <a:spcAft>
-                <a:spcPts val="600"/>
-              </a:spcAft>
-              <a:buClr>
-                <a:schemeClr val="accent1">
-                  <a:lumMod val="75000"/>
-                </a:schemeClr>
-              </a:buClr>
-              <a:buSzPct val="145000"/>
-              <a:buFont typeface="Arial"/>
-              <a:buChar char="•"/>
-              <a:defRPr sz="1800" kern="1200" cap="none">
-                <a:solidFill>
-                  <a:schemeClr val="tx1"/>
-                </a:solidFill>
-                <a:effectLst/>
-                <a:latin typeface="+mn-lt"/>
-                <a:ea typeface="+mn-ea"/>
-                <a:cs typeface="+mn-cs"/>
-              </a:defRPr>
-            </a:lvl3pPr>
-            <a:lvl4pPr marL="1543050" indent="-171450" algn="l" defTabSz="457200" rtl="0" eaLnBrk="1" latinLnBrk="0" hangingPunct="1">
-              <a:spcBef>
-                <a:spcPct val="20000"/>
-              </a:spcBef>
-              <a:spcAft>
-                <a:spcPts val="600"/>
-              </a:spcAft>
-              <a:buClr>
-                <a:schemeClr val="accent1">
-                  <a:lumMod val="75000"/>
-                </a:schemeClr>
-              </a:buClr>
-              <a:buSzPct val="145000"/>
-              <a:buFont typeface="Arial"/>
-              <a:buChar char="•"/>
-              <a:defRPr sz="1600" kern="1200" cap="none">
-                <a:solidFill>
-                  <a:schemeClr val="tx1"/>
-                </a:solidFill>
-                <a:effectLst/>
-                <a:latin typeface="+mn-lt"/>
-                <a:ea typeface="+mn-ea"/>
-                <a:cs typeface="+mn-cs"/>
-              </a:defRPr>
-            </a:lvl4pPr>
-            <a:lvl5pPr marL="2000250" indent="-171450" algn="l" defTabSz="457200" rtl="0" eaLnBrk="1" latinLnBrk="0" hangingPunct="1">
-              <a:spcBef>
-                <a:spcPct val="20000"/>
-              </a:spcBef>
-              <a:spcAft>
-                <a:spcPts val="600"/>
-              </a:spcAft>
-              <a:buClr>
-                <a:schemeClr val="accent1">
-                  <a:lumMod val="75000"/>
-                </a:schemeClr>
-              </a:buClr>
-              <a:buSzPct val="145000"/>
-              <a:buFont typeface="Arial"/>
-              <a:buChar char="•"/>
-              <a:defRPr sz="1400" kern="1200" cap="none">
-                <a:solidFill>
-                  <a:schemeClr val="tx1"/>
-                </a:solidFill>
-                <a:effectLst/>
-                <a:latin typeface="+mn-lt"/>
-                <a:ea typeface="+mn-ea"/>
-                <a:cs typeface="+mn-cs"/>
-              </a:defRPr>
-            </a:lvl5pPr>
-            <a:lvl6pPr marL="2514600" indent="-228600" algn="l" defTabSz="457200" rtl="0" eaLnBrk="1" latinLnBrk="0" hangingPunct="1">
-              <a:spcBef>
-                <a:spcPct val="20000"/>
-              </a:spcBef>
-              <a:spcAft>
-                <a:spcPts val="600"/>
-              </a:spcAft>
-              <a:buClr>
-                <a:schemeClr val="accent1">
-                  <a:lumMod val="75000"/>
-                </a:schemeClr>
-              </a:buClr>
-              <a:buSzPct val="145000"/>
-              <a:buFont typeface="Arial"/>
-              <a:buChar char="•"/>
-              <a:defRPr sz="1400" kern="1200" cap="none">
-                <a:solidFill>
-                  <a:schemeClr val="tx1"/>
-                </a:solidFill>
-                <a:effectLst/>
-                <a:latin typeface="+mn-lt"/>
-                <a:ea typeface="+mn-ea"/>
-                <a:cs typeface="+mn-cs"/>
-              </a:defRPr>
-            </a:lvl6pPr>
-            <a:lvl7pPr marL="2971800" indent="-228600" algn="l" defTabSz="457200" rtl="0" eaLnBrk="1" latinLnBrk="0" hangingPunct="1">
-              <a:spcBef>
-                <a:spcPct val="20000"/>
-              </a:spcBef>
-              <a:spcAft>
-                <a:spcPts val="600"/>
-              </a:spcAft>
-              <a:buClr>
-                <a:schemeClr val="accent1">
-                  <a:lumMod val="75000"/>
-                </a:schemeClr>
-              </a:buClr>
-              <a:buSzPct val="145000"/>
-              <a:buFont typeface="Arial"/>
-              <a:buChar char="•"/>
-              <a:defRPr sz="1400" kern="1200" cap="none">
-                <a:solidFill>
-                  <a:schemeClr val="tx1"/>
-                </a:solidFill>
-                <a:effectLst/>
-                <a:latin typeface="+mn-lt"/>
-                <a:ea typeface="+mn-ea"/>
-                <a:cs typeface="+mn-cs"/>
-              </a:defRPr>
-            </a:lvl7pPr>
-            <a:lvl8pPr marL="3429000" indent="-228600" algn="l" defTabSz="457200" rtl="0" eaLnBrk="1" latinLnBrk="0" hangingPunct="1">
-              <a:spcBef>
-                <a:spcPct val="20000"/>
-              </a:spcBef>
-              <a:spcAft>
-                <a:spcPts val="600"/>
-              </a:spcAft>
-              <a:buClr>
-                <a:schemeClr val="accent1">
-                  <a:lumMod val="75000"/>
-                </a:schemeClr>
-              </a:buClr>
-              <a:buSzPct val="145000"/>
-              <a:buFont typeface="Arial"/>
-              <a:buChar char="•"/>
-              <a:defRPr sz="1400" kern="1200" cap="none">
-                <a:solidFill>
-                  <a:schemeClr val="tx1"/>
-                </a:solidFill>
-                <a:effectLst/>
-                <a:latin typeface="+mn-lt"/>
-                <a:ea typeface="+mn-ea"/>
-                <a:cs typeface="+mn-cs"/>
-              </a:defRPr>
-            </a:lvl8pPr>
-            <a:lvl9pPr marL="3886200" indent="-228600" algn="l" defTabSz="457200" rtl="0" eaLnBrk="1" latinLnBrk="0" hangingPunct="1">
-              <a:spcBef>
-                <a:spcPct val="20000"/>
-              </a:spcBef>
-              <a:spcAft>
-                <a:spcPts val="600"/>
-              </a:spcAft>
-              <a:buClr>
-                <a:schemeClr val="accent1">
-                  <a:lumMod val="75000"/>
-                </a:schemeClr>
-              </a:buClr>
-              <a:buSzPct val="145000"/>
-              <a:buFont typeface="Arial"/>
-              <a:buChar char="•"/>
-              <a:defRPr sz="1400" kern="1200" cap="none">
-                <a:solidFill>
-                  <a:schemeClr val="tx1"/>
-                </a:solidFill>
-                <a:effectLst/>
-                <a:latin typeface="+mn-lt"/>
-                <a:ea typeface="+mn-ea"/>
-                <a:cs typeface="+mn-cs"/>
-              </a:defRPr>
-            </a:lvl9pPr>
-          </a:lstStyle>
-          <a:p>
-            <a:pPr marL="0" indent="0">
-              <a:buNone/>
-            </a:pPr>
-            <a:r>
-              <a:rPr lang="de-DE" sz="1000" dirty="0" smtClean="0"/>
-              <a:t>Rem0 Röthlisberger, Eric </a:t>
-            </a:r>
-            <a:r>
-              <a:rPr lang="de-DE" sz="1000" dirty="0" err="1" smtClean="0"/>
-              <a:t>Lagger</a:t>
-            </a:r>
-            <a:r>
-              <a:rPr lang="de-DE" sz="1000" dirty="0" smtClean="0"/>
-              <a:t>, Vincent Hofer, Dean Klopsch, Aebi Ryan</a:t>
-            </a:r>
-            <a:endParaRPr lang="de-DE" sz="1000" dirty="0"/>
-          </a:p>
-        </p:txBody>
-      </p:sp>
-      <p:sp>
-        <p:nvSpPr>
-          <p:cNvPr id="7" name="Inhaltsplatzhalter 2"/>
-          <p:cNvSpPr>
-            <a:spLocks noGrp="1"/>
-          </p:cNvSpPr>
-          <p:nvPr>
-            <p:ph idx="1"/>
-          </p:nvPr>
-        </p:nvSpPr>
-        <p:spPr>
-          <a:xfrm>
-            <a:off x="762552" y="2065420"/>
-            <a:ext cx="10115438" cy="3937001"/>
-          </a:xfrm>
-        </p:spPr>
-        <p:txBody>
-          <a:bodyPr>
-            <a:normAutofit/>
-          </a:bodyPr>
-          <a:lstStyle/>
-          <a:p>
-            <a:pPr algn="ctr"/>
-            <a:r>
-              <a:rPr lang="de-DE" sz="3200" dirty="0" err="1" smtClean="0"/>
-              <a:t>Our</a:t>
-            </a:r>
-            <a:r>
-              <a:rPr lang="de-DE" sz="3200" dirty="0" smtClean="0"/>
-              <a:t> </a:t>
-            </a:r>
-            <a:r>
-              <a:rPr lang="de-DE" sz="3200" dirty="0" err="1" smtClean="0"/>
-              <a:t>team</a:t>
-            </a:r>
-            <a:endParaRPr lang="de-DE" sz="3200" dirty="0" smtClean="0"/>
-          </a:p>
-          <a:p>
-            <a:pPr algn="ctr"/>
-            <a:r>
-              <a:rPr lang="de-DE" sz="3200" dirty="0" smtClean="0"/>
-              <a:t>The </a:t>
-            </a:r>
-            <a:r>
-              <a:rPr lang="de-DE" sz="3200" dirty="0" err="1" smtClean="0"/>
-              <a:t>products</a:t>
-            </a:r>
-            <a:r>
-              <a:rPr lang="de-DE" sz="3200" dirty="0" smtClean="0"/>
-              <a:t/>
-            </a:r>
-            <a:br>
-              <a:rPr lang="de-DE" sz="3200" dirty="0" smtClean="0"/>
-            </a:br>
-            <a:r>
-              <a:rPr lang="de-DE" sz="3200" dirty="0" smtClean="0"/>
-              <a:t>-&gt; The </a:t>
-            </a:r>
-            <a:r>
-              <a:rPr lang="de-DE" sz="3200" dirty="0" err="1" smtClean="0"/>
-              <a:t>client</a:t>
-            </a:r>
-            <a:r>
-              <a:rPr lang="de-DE" sz="3200" dirty="0" smtClean="0"/>
-              <a:t/>
-            </a:r>
-            <a:br>
-              <a:rPr lang="de-DE" sz="3200" dirty="0" smtClean="0"/>
-            </a:br>
-            <a:r>
-              <a:rPr lang="de-DE" sz="3200" dirty="0" smtClean="0"/>
-              <a:t>-&gt; The </a:t>
-            </a:r>
-            <a:r>
-              <a:rPr lang="de-DE" sz="3200" dirty="0" err="1" smtClean="0"/>
-              <a:t>developers</a:t>
-            </a:r>
-            <a:endParaRPr lang="de-DE" sz="3200" dirty="0" smtClean="0"/>
-          </a:p>
-          <a:p>
-            <a:pPr algn="ctr"/>
-            <a:r>
-              <a:rPr lang="de-DE" sz="3200" dirty="0" err="1" smtClean="0"/>
-              <a:t>Ask</a:t>
-            </a:r>
-            <a:r>
-              <a:rPr lang="de-DE" sz="3200" dirty="0" smtClean="0"/>
-              <a:t> </a:t>
-            </a:r>
-            <a:r>
-              <a:rPr lang="de-DE" sz="3200" dirty="0" err="1" smtClean="0"/>
-              <a:t>us</a:t>
-            </a:r>
-            <a:r>
-              <a:rPr lang="de-DE" sz="3200" dirty="0" smtClean="0"/>
-              <a:t>!</a:t>
-            </a:r>
-          </a:p>
-          <a:p>
-            <a:pPr algn="ctr"/>
-            <a:r>
-              <a:rPr lang="de-DE" sz="3200" dirty="0" err="1" smtClean="0"/>
-              <a:t>Contact</a:t>
-            </a:r>
-            <a:r>
-              <a:rPr lang="de-DE" sz="3200" dirty="0" smtClean="0"/>
-              <a:t> </a:t>
-            </a:r>
-            <a:r>
-              <a:rPr lang="de-DE" sz="3200" dirty="0" err="1" smtClean="0"/>
-              <a:t>us</a:t>
-            </a:r>
-            <a:r>
-              <a:rPr lang="de-DE" sz="3200" dirty="0" smtClean="0"/>
-              <a:t>!</a:t>
-            </a:r>
-          </a:p>
-        </p:txBody>
-      </p:sp>
-    </p:spTree>
-    <p:extLst>
-      <p:ext uri="{BB962C8B-B14F-4D97-AF65-F5344CB8AC3E}">
-        <p14:creationId xmlns:p14="http://schemas.microsoft.com/office/powerpoint/2010/main" val="1459151704"/>
-      </p:ext>
-    </p:extLst>
-  </p:cSld>
-  <p:clrMapOvr>
-    <a:masterClrMapping/>
-  </p:clrMapOvr>
-  <p:timing>
-    <p:tnLst>
-      <p:par>
-        <p:cTn id="1" dur="indefinite" restart="never" nodeType="tmRoot"/>
-      </p:par>
-    </p:tnLst>
-  </p:timing>
-</p:sld>
-</file>
-
-<file path=ppt/slides/slide22.xml><?xml version="1.0" encoding="utf-8"?>
-<p:sld xmlns:a="http://schemas.openxmlformats.org/drawingml/2006/main" xmlns:r="http://schemas.openxmlformats.org/officeDocument/2006/relationships" xmlns:p="http://schemas.openxmlformats.org/presentationml/2006/main">
-  <p:cSld>
-    <p:spTree>
-      <p:nvGrpSpPr>
-        <p:cNvPr id="1" name=""/>
-        <p:cNvGrpSpPr/>
-        <p:nvPr/>
-      </p:nvGrpSpPr>
-      <p:grpSpPr>
-        <a:xfrm>
-          <a:off x="0" y="0"/>
-          <a:ext cx="0" cy="0"/>
-          <a:chOff x="0" y="0"/>
-          <a:chExt cx="0" cy="0"/>
-        </a:xfrm>
-      </p:grpSpPr>
-      <p:sp>
-        <p:nvSpPr>
-          <p:cNvPr id="2" name="Titel 1"/>
-          <p:cNvSpPr>
-            <a:spLocks noGrp="1"/>
-          </p:cNvSpPr>
-          <p:nvPr>
-            <p:ph type="title"/>
-          </p:nvPr>
-        </p:nvSpPr>
-        <p:spPr>
-          <a:xfrm>
-            <a:off x="810915" y="691116"/>
-            <a:ext cx="10018713" cy="1752599"/>
-          </a:xfrm>
-        </p:spPr>
-        <p:txBody>
-          <a:bodyPr/>
-          <a:lstStyle/>
-          <a:p>
-            <a:r>
               <a:rPr lang="de-DE" dirty="0" err="1"/>
               <a:t>Questions</a:t>
             </a:r>
@@ -15877,7 +15327,7 @@
           <a:noFill/>
           <a:extLst>
             <a:ext uri="{909E8E84-426E-40dd-AFC4-6F175D3DCCD1}">
-              <a14:hiddenFill xmlns="" xmlns:a14="http://schemas.microsoft.com/office/drawing/2010/main">
+              <a14:hiddenFill xmlns:a14="http://schemas.microsoft.com/office/drawing/2010/main" xmlns="">
                 <a:solidFill>
                   <a:srgbClr val="FFFFFF"/>
                 </a:solidFill>
@@ -15918,7 +15368,7 @@
           <a:noFill/>
           <a:extLst>
             <a:ext uri="{909E8E84-426E-40dd-AFC4-6F175D3DCCD1}">
-              <a14:hiddenFill xmlns="" xmlns:a14="http://schemas.microsoft.com/office/drawing/2010/main">
+              <a14:hiddenFill xmlns:a14="http://schemas.microsoft.com/office/drawing/2010/main" xmlns="">
                 <a:solidFill>
                   <a:srgbClr val="FFFFFF"/>
                 </a:solidFill>

--- a/baseProject/presentation/Presentation-Team8.pptx
+++ b/baseProject/presentation/Presentation-Team8.pptx
@@ -12525,16 +12525,12 @@
           <a:lstStyle/>
           <a:p>
             <a:r>
+              <a:rPr lang="de-DE" dirty="0" smtClean="0"/>
+              <a:t>Code </a:t>
+            </a:r>
+            <a:r>
               <a:rPr lang="de-DE" dirty="0" err="1" smtClean="0"/>
-              <a:t>Good</a:t>
-            </a:r>
-            <a:r>
-              <a:rPr lang="de-DE" dirty="0" smtClean="0"/>
-              <a:t> </a:t>
-            </a:r>
-            <a:r>
-              <a:rPr lang="de-DE" dirty="0" err="1" smtClean="0"/>
-              <a:t>code</a:t>
+              <a:t>quality</a:t>
             </a:r>
             <a:endParaRPr lang="de-DE" dirty="0"/>
           </a:p>
@@ -12895,16 +12891,12 @@
           <a:lstStyle/>
           <a:p>
             <a:r>
-              <a:rPr lang="de-DE" dirty="0" err="1" smtClean="0"/>
-              <a:t>Good</a:t>
-            </a:r>
-            <a:r>
-              <a:rPr lang="de-DE" dirty="0" smtClean="0"/>
-              <a:t> </a:t>
-            </a:r>
-            <a:r>
-              <a:rPr lang="de-DE" dirty="0" err="1" smtClean="0"/>
-              <a:t>code</a:t>
+              <a:rPr lang="de-DE" dirty="0"/>
+              <a:t>Code </a:t>
+            </a:r>
+            <a:r>
+              <a:rPr lang="de-DE" dirty="0" err="1"/>
+              <a:t>quality</a:t>
             </a:r>
             <a:endParaRPr lang="de-DE" dirty="0"/>
           </a:p>
@@ -13265,16 +13257,12 @@
           <a:lstStyle/>
           <a:p>
             <a:r>
-              <a:rPr lang="de-DE" dirty="0" err="1" smtClean="0"/>
-              <a:t>Good</a:t>
-            </a:r>
-            <a:r>
-              <a:rPr lang="de-DE" dirty="0" smtClean="0"/>
-              <a:t> </a:t>
-            </a:r>
-            <a:r>
-              <a:rPr lang="de-DE" dirty="0" err="1" smtClean="0"/>
-              <a:t>code</a:t>
+              <a:rPr lang="de-DE" dirty="0"/>
+              <a:t>Code </a:t>
+            </a:r>
+            <a:r>
+              <a:rPr lang="de-DE" dirty="0" err="1"/>
+              <a:t>quality</a:t>
             </a:r>
             <a:endParaRPr lang="de-DE" dirty="0"/>
           </a:p>
@@ -13635,16 +13623,12 @@
           <a:lstStyle/>
           <a:p>
             <a:r>
-              <a:rPr lang="de-DE" dirty="0" err="1" smtClean="0"/>
-              <a:t>Good</a:t>
-            </a:r>
-            <a:r>
-              <a:rPr lang="de-DE" dirty="0" smtClean="0"/>
-              <a:t> </a:t>
-            </a:r>
-            <a:r>
-              <a:rPr lang="de-DE" dirty="0" err="1" smtClean="0"/>
-              <a:t>code</a:t>
+              <a:rPr lang="de-DE" dirty="0"/>
+              <a:t>Code </a:t>
+            </a:r>
+            <a:r>
+              <a:rPr lang="de-DE" dirty="0" err="1"/>
+              <a:t>quality</a:t>
             </a:r>
             <a:endParaRPr lang="de-DE" dirty="0"/>
           </a:p>
@@ -14005,16 +13989,12 @@
           <a:lstStyle/>
           <a:p>
             <a:r>
-              <a:rPr lang="de-DE" dirty="0" err="1" smtClean="0"/>
-              <a:t>Good</a:t>
-            </a:r>
-            <a:r>
-              <a:rPr lang="de-DE" dirty="0" smtClean="0"/>
-              <a:t> </a:t>
-            </a:r>
-            <a:r>
-              <a:rPr lang="de-DE" dirty="0" err="1" smtClean="0"/>
-              <a:t>code</a:t>
+              <a:rPr lang="de-DE" dirty="0"/>
+              <a:t>Code </a:t>
+            </a:r>
+            <a:r>
+              <a:rPr lang="de-DE"/>
+              <a:t>quality</a:t>
             </a:r>
             <a:endParaRPr lang="de-DE" dirty="0"/>
           </a:p>
@@ -15327,7 +15307,7 @@
           <a:noFill/>
           <a:extLst>
             <a:ext uri="{909E8E84-426E-40dd-AFC4-6F175D3DCCD1}">
-              <a14:hiddenFill xmlns:a14="http://schemas.microsoft.com/office/drawing/2010/main" xmlns="">
+              <a14:hiddenFill xmlns="" xmlns:a14="http://schemas.microsoft.com/office/drawing/2010/main">
                 <a:solidFill>
                   <a:srgbClr val="FFFFFF"/>
                 </a:solidFill>
@@ -15368,7 +15348,7 @@
           <a:noFill/>
           <a:extLst>
             <a:ext uri="{909E8E84-426E-40dd-AFC4-6F175D3DCCD1}">
-              <a14:hiddenFill xmlns:a14="http://schemas.microsoft.com/office/drawing/2010/main" xmlns="">
+              <a14:hiddenFill xmlns="" xmlns:a14="http://schemas.microsoft.com/office/drawing/2010/main">
                 <a:solidFill>
                   <a:srgbClr val="FFFFFF"/>
                 </a:solidFill>

--- a/baseProject/presentation/Presentation-Team8.pptx
+++ b/baseProject/presentation/Presentation-Team8.pptx
@@ -5,7 +5,7 @@
     <p:sldMasterId id="2147483648" r:id="rId1"/>
   </p:sldMasterIdLst>
   <p:notesMasterIdLst>
-    <p:notesMasterId r:id="rId23"/>
+    <p:notesMasterId r:id="rId24"/>
   </p:notesMasterIdLst>
   <p:sldIdLst>
     <p:sldId id="256" r:id="rId2"/>
@@ -27,8 +27,9 @@
     <p:sldId id="288" r:id="rId18"/>
     <p:sldId id="289" r:id="rId19"/>
     <p:sldId id="290" r:id="rId20"/>
-    <p:sldId id="286" r:id="rId21"/>
-    <p:sldId id="263" r:id="rId22"/>
+    <p:sldId id="291" r:id="rId21"/>
+    <p:sldId id="286" r:id="rId22"/>
+    <p:sldId id="263" r:id="rId23"/>
   </p:sldIdLst>
   <p:sldSz cx="12192000" cy="6858000"/>
   <p:notesSz cx="6858000" cy="9144000"/>
@@ -171,6 +172,7 @@
             <p14:sldId id="288"/>
             <p14:sldId id="289"/>
             <p14:sldId id="290"/>
+            <p14:sldId id="291"/>
             <p14:sldId id="286"/>
           </p14:sldIdLst>
         </p14:section>
@@ -1035,6 +1037,90 @@
             <a:fld id="{2F2847E0-1D0A-0F4B-99C8-E51199A5987D}" type="slidenum">
               <a:rPr lang="de-DE" smtClean="0"/>
               <a:t>20</a:t>
+            </a:fld>
+            <a:endParaRPr lang="de-DE"/>
+          </a:p>
+        </p:txBody>
+      </p:sp>
+    </p:spTree>
+    <p:extLst>
+      <p:ext uri="{BB962C8B-B14F-4D97-AF65-F5344CB8AC3E}">
+        <p14:creationId xmlns:p14="http://schemas.microsoft.com/office/powerpoint/2010/main" val="1140863112"/>
+      </p:ext>
+    </p:extLst>
+  </p:cSld>
+  <p:clrMapOvr>
+    <a:masterClrMapping/>
+  </p:clrMapOvr>
+</p:notes>
+</file>
+
+<file path=ppt/notesSlides/notesSlide15.xml><?xml version="1.0" encoding="utf-8"?>
+<p:notes xmlns:a="http://schemas.openxmlformats.org/drawingml/2006/main" xmlns:r="http://schemas.openxmlformats.org/officeDocument/2006/relationships" xmlns:p="http://schemas.openxmlformats.org/presentationml/2006/main">
+  <p:cSld>
+    <p:spTree>
+      <p:nvGrpSpPr>
+        <p:cNvPr id="1" name=""/>
+        <p:cNvGrpSpPr/>
+        <p:nvPr/>
+      </p:nvGrpSpPr>
+      <p:grpSpPr>
+        <a:xfrm>
+          <a:off x="0" y="0"/>
+          <a:ext cx="0" cy="0"/>
+          <a:chOff x="0" y="0"/>
+          <a:chExt cx="0" cy="0"/>
+        </a:xfrm>
+      </p:grpSpPr>
+      <p:sp>
+        <p:nvSpPr>
+          <p:cNvPr id="2" name="Folienbildplatzhalter 1"/>
+          <p:cNvSpPr>
+            <a:spLocks noGrp="1" noRot="1" noChangeAspect="1"/>
+          </p:cNvSpPr>
+          <p:nvPr>
+            <p:ph type="sldImg"/>
+          </p:nvPr>
+        </p:nvSpPr>
+        <p:spPr/>
+      </p:sp>
+      <p:sp>
+        <p:nvSpPr>
+          <p:cNvPr id="3" name="Notizenplatzhalter 2"/>
+          <p:cNvSpPr>
+            <a:spLocks noGrp="1"/>
+          </p:cNvSpPr>
+          <p:nvPr>
+            <p:ph type="body" idx="1"/>
+          </p:nvPr>
+        </p:nvSpPr>
+        <p:spPr/>
+        <p:txBody>
+          <a:bodyPr/>
+          <a:lstStyle/>
+          <a:p>
+            <a:endParaRPr lang="de-CH" dirty="0"/>
+          </a:p>
+        </p:txBody>
+      </p:sp>
+      <p:sp>
+        <p:nvSpPr>
+          <p:cNvPr id="4" name="Foliennummernplatzhalter 3"/>
+          <p:cNvSpPr>
+            <a:spLocks noGrp="1"/>
+          </p:cNvSpPr>
+          <p:nvPr>
+            <p:ph type="sldNum" sz="quarter" idx="10"/>
+          </p:nvPr>
+        </p:nvSpPr>
+        <p:spPr/>
+        <p:txBody>
+          <a:bodyPr/>
+          <a:lstStyle/>
+          <a:p>
+            <a:fld id="{2F2847E0-1D0A-0F4B-99C8-E51199A5987D}" type="slidenum">
+              <a:rPr lang="de-DE" smtClean="0"/>
+              <a:t>21</a:t>
             </a:fld>
             <a:endParaRPr lang="de-DE"/>
           </a:p>
@@ -14804,8 +14890,12 @@
           <a:lstStyle/>
           <a:p>
             <a:r>
+              <a:rPr lang="de-DE" dirty="0" smtClean="0"/>
+              <a:t>Good </a:t>
+            </a:r>
+            <a:r>
               <a:rPr lang="de-DE" dirty="0" err="1" smtClean="0"/>
-              <a:t>Why</a:t>
+              <a:t>code</a:t>
             </a:r>
             <a:r>
               <a:rPr lang="de-DE" dirty="0" smtClean="0"/>
@@ -14813,11 +14903,35 @@
             </a:r>
             <a:r>
               <a:rPr lang="de-DE" dirty="0" err="1" smtClean="0"/>
-              <a:t>us</a:t>
+              <a:t>pays</a:t>
             </a:r>
             <a:r>
               <a:rPr lang="de-DE" dirty="0" smtClean="0"/>
-              <a:t>?</a:t>
+              <a:t> off in </a:t>
+            </a:r>
+            <a:r>
+              <a:rPr lang="de-DE" dirty="0" err="1" smtClean="0"/>
+              <a:t>the</a:t>
+            </a:r>
+            <a:r>
+              <a:rPr lang="de-DE" dirty="0" smtClean="0"/>
+              <a:t> </a:t>
+            </a:r>
+            <a:r>
+              <a:rPr lang="de-DE" dirty="0" err="1" smtClean="0"/>
+              <a:t>long</a:t>
+            </a:r>
+            <a:r>
+              <a:rPr lang="de-DE" dirty="0" smtClean="0"/>
+              <a:t> </a:t>
+            </a:r>
+            <a:r>
+              <a:rPr lang="de-DE" dirty="0" err="1" smtClean="0"/>
+              <a:t>run</a:t>
+            </a:r>
+            <a:r>
+              <a:rPr lang="de-CH" dirty="0" smtClean="0"/>
+              <a:t>!</a:t>
             </a:r>
             <a:endParaRPr lang="de-DE" dirty="0"/>
           </a:p>
@@ -15091,129 +15205,39 @@
           </a:p>
         </p:txBody>
       </p:sp>
-      <p:sp>
-        <p:nvSpPr>
-          <p:cNvPr id="7" name="Inhaltsplatzhalter 2"/>
-          <p:cNvSpPr>
-            <a:spLocks noGrp="1"/>
-          </p:cNvSpPr>
+      <p:pic>
+        <p:nvPicPr>
+          <p:cNvPr id="8" name="Inhaltsplatzhalter 7"/>
+          <p:cNvPicPr>
+            <a:picLocks noGrp="1" noChangeAspect="1"/>
+          </p:cNvPicPr>
           <p:nvPr>
             <p:ph idx="1"/>
           </p:nvPr>
-        </p:nvSpPr>
+        </p:nvPicPr>
+        <p:blipFill>
+          <a:blip r:embed="rId3">
+            <a:extLst>
+              <a:ext uri="{28A0092B-C50C-407E-A947-70E740481C1C}">
+                <a14:useLocalDpi xmlns:a14="http://schemas.microsoft.com/office/drawing/2010/main" val="0"/>
+              </a:ext>
+            </a:extLst>
+          </a:blip>
+          <a:stretch>
+            <a:fillRect/>
+          </a:stretch>
+        </p:blipFill>
         <p:spPr>
           <a:xfrm>
-            <a:off x="762552" y="2065420"/>
-            <a:ext cx="10115438" cy="3937001"/>
+            <a:off x="1916024" y="1945172"/>
+            <a:ext cx="7808494" cy="4407501"/>
           </a:xfrm>
         </p:spPr>
-        <p:txBody>
-          <a:bodyPr>
-            <a:normAutofit/>
-          </a:bodyPr>
-          <a:lstStyle/>
-          <a:p>
-            <a:pPr algn="ctr"/>
-            <a:r>
-              <a:rPr lang="de-DE" sz="3200" dirty="0" err="1" smtClean="0"/>
-              <a:t>Our</a:t>
-            </a:r>
-            <a:r>
-              <a:rPr lang="de-DE" sz="3200" dirty="0" smtClean="0"/>
-              <a:t> </a:t>
-            </a:r>
-            <a:r>
-              <a:rPr lang="de-DE" sz="3200" dirty="0" err="1" smtClean="0"/>
-              <a:t>team</a:t>
-            </a:r>
-            <a:endParaRPr lang="de-DE" sz="3200" dirty="0" smtClean="0"/>
-          </a:p>
-          <a:p>
-            <a:pPr algn="ctr"/>
-            <a:r>
-              <a:rPr lang="de-DE" sz="3200" dirty="0" smtClean="0"/>
-              <a:t>The </a:t>
-            </a:r>
-            <a:r>
-              <a:rPr lang="de-DE" sz="3200" dirty="0" err="1" smtClean="0"/>
-              <a:t>products</a:t>
-            </a:r>
-            <a:r>
-              <a:rPr lang="de-DE" sz="3200" dirty="0" smtClean="0"/>
-              <a:t/>
-            </a:r>
-            <a:br>
-              <a:rPr lang="de-DE" sz="3200" dirty="0" smtClean="0"/>
-            </a:br>
-            <a:r>
-              <a:rPr lang="de-DE" sz="3200" dirty="0" smtClean="0"/>
-              <a:t>-&gt; The </a:t>
-            </a:r>
-            <a:r>
-              <a:rPr lang="de-DE" sz="3200" dirty="0" err="1" smtClean="0"/>
-              <a:t>client</a:t>
-            </a:r>
-            <a:r>
-              <a:rPr lang="de-DE" sz="3200" dirty="0" smtClean="0"/>
-              <a:t/>
-            </a:r>
-            <a:br>
-              <a:rPr lang="de-DE" sz="3200" dirty="0" smtClean="0"/>
-            </a:br>
-            <a:r>
-              <a:rPr lang="de-DE" sz="3200" dirty="0" smtClean="0"/>
-              <a:t>-&gt; The </a:t>
-            </a:r>
-            <a:r>
-              <a:rPr lang="de-DE" sz="3200" dirty="0" err="1" smtClean="0"/>
-              <a:t>developers</a:t>
-            </a:r>
-            <a:endParaRPr lang="de-DE" sz="3200" dirty="0" smtClean="0"/>
-          </a:p>
-          <a:p>
-            <a:pPr algn="ctr"/>
-            <a:r>
-              <a:rPr lang="de-DE" sz="3200" dirty="0" err="1" smtClean="0"/>
-              <a:t>Ask</a:t>
-            </a:r>
-            <a:r>
-              <a:rPr lang="de-DE" sz="3200" dirty="0" smtClean="0"/>
-              <a:t> </a:t>
-            </a:r>
-            <a:r>
-              <a:rPr lang="de-DE" sz="3200" dirty="0" err="1" smtClean="0"/>
-              <a:t>us</a:t>
-            </a:r>
-            <a:r>
-              <a:rPr lang="de-DE" sz="3200" dirty="0" smtClean="0"/>
-              <a:t>!</a:t>
-            </a:r>
-          </a:p>
-          <a:p>
-            <a:pPr algn="ctr"/>
-            <a:r>
-              <a:rPr lang="de-DE" sz="3200" dirty="0" err="1" smtClean="0"/>
-              <a:t>Contact</a:t>
-            </a:r>
-            <a:r>
-              <a:rPr lang="de-DE" sz="3200" dirty="0" smtClean="0"/>
-              <a:t> </a:t>
-            </a:r>
-            <a:r>
-              <a:rPr lang="de-DE" sz="3200" dirty="0" err="1" smtClean="0"/>
-              <a:t>us</a:t>
-            </a:r>
-            <a:r>
-              <a:rPr lang="de-DE" sz="3200" dirty="0" smtClean="0"/>
-              <a:t>!</a:t>
-            </a:r>
-          </a:p>
-        </p:txBody>
-      </p:sp>
+      </p:pic>
     </p:spTree>
     <p:extLst>
       <p:ext uri="{BB962C8B-B14F-4D97-AF65-F5344CB8AC3E}">
-        <p14:creationId xmlns:p14="http://schemas.microsoft.com/office/powerpoint/2010/main" val="1459151704"/>
+        <p14:creationId xmlns:p14="http://schemas.microsoft.com/office/powerpoint/2010/main" val="2308596320"/>
       </p:ext>
     </p:extLst>
   </p:cSld>
@@ -15268,6 +15292,470 @@
           <a:lstStyle/>
           <a:p>
             <a:r>
+              <a:rPr lang="de-DE" dirty="0" err="1" smtClean="0"/>
+              <a:t>Why</a:t>
+            </a:r>
+            <a:r>
+              <a:rPr lang="de-DE" dirty="0" smtClean="0"/>
+              <a:t> </a:t>
+            </a:r>
+            <a:r>
+              <a:rPr lang="de-DE" dirty="0" err="1" smtClean="0"/>
+              <a:t>us</a:t>
+            </a:r>
+            <a:r>
+              <a:rPr lang="de-DE" dirty="0" smtClean="0"/>
+              <a:t>?</a:t>
+            </a:r>
+            <a:endParaRPr lang="de-DE" dirty="0"/>
+          </a:p>
+        </p:txBody>
+      </p:sp>
+      <p:sp>
+        <p:nvSpPr>
+          <p:cNvPr id="6" name="Inhaltsplatzhalter 2"/>
+          <p:cNvSpPr txBox="1">
+            <a:spLocks/>
+          </p:cNvSpPr>
+          <p:nvPr/>
+        </p:nvSpPr>
+        <p:spPr>
+          <a:xfrm>
+            <a:off x="8137451" y="-41565"/>
+            <a:ext cx="4054549" cy="370610"/>
+          </a:xfrm>
+          <a:prstGeom prst="rect">
+            <a:avLst/>
+          </a:prstGeom>
+        </p:spPr>
+        <p:txBody>
+          <a:bodyPr vert="horz" lIns="91440" tIns="45720" rIns="91440" bIns="45720" rtlCol="0" anchor="ctr">
+            <a:normAutofit/>
+          </a:bodyPr>
+          <a:lstStyle>
+            <a:lvl1pPr marL="285750" indent="-285750" algn="l" defTabSz="457200" rtl="0" eaLnBrk="1" latinLnBrk="0" hangingPunct="1">
+              <a:spcBef>
+                <a:spcPct val="20000"/>
+              </a:spcBef>
+              <a:spcAft>
+                <a:spcPts val="600"/>
+              </a:spcAft>
+              <a:buClr>
+                <a:schemeClr val="accent1">
+                  <a:lumMod val="75000"/>
+                </a:schemeClr>
+              </a:buClr>
+              <a:buSzPct val="145000"/>
+              <a:buFont typeface="Arial"/>
+              <a:buChar char="•"/>
+              <a:defRPr sz="2400" kern="1200" cap="none">
+                <a:solidFill>
+                  <a:schemeClr val="tx1"/>
+                </a:solidFill>
+                <a:effectLst/>
+                <a:latin typeface="+mn-lt"/>
+                <a:ea typeface="+mn-ea"/>
+                <a:cs typeface="+mn-cs"/>
+              </a:defRPr>
+            </a:lvl1pPr>
+            <a:lvl2pPr marL="742950" indent="-285750" algn="l" defTabSz="457200" rtl="0" eaLnBrk="1" latinLnBrk="0" hangingPunct="1">
+              <a:spcBef>
+                <a:spcPct val="20000"/>
+              </a:spcBef>
+              <a:spcAft>
+                <a:spcPts val="600"/>
+              </a:spcAft>
+              <a:buClr>
+                <a:schemeClr val="accent1">
+                  <a:lumMod val="75000"/>
+                </a:schemeClr>
+              </a:buClr>
+              <a:buSzPct val="145000"/>
+              <a:buFont typeface="Arial"/>
+              <a:buChar char="•"/>
+              <a:defRPr sz="2000" kern="1200" cap="none">
+                <a:solidFill>
+                  <a:schemeClr val="tx1"/>
+                </a:solidFill>
+                <a:effectLst/>
+                <a:latin typeface="+mn-lt"/>
+                <a:ea typeface="+mn-ea"/>
+                <a:cs typeface="+mn-cs"/>
+              </a:defRPr>
+            </a:lvl2pPr>
+            <a:lvl3pPr marL="1200150" indent="-285750" algn="l" defTabSz="457200" rtl="0" eaLnBrk="1" latinLnBrk="0" hangingPunct="1">
+              <a:spcBef>
+                <a:spcPct val="20000"/>
+              </a:spcBef>
+              <a:spcAft>
+                <a:spcPts val="600"/>
+              </a:spcAft>
+              <a:buClr>
+                <a:schemeClr val="accent1">
+                  <a:lumMod val="75000"/>
+                </a:schemeClr>
+              </a:buClr>
+              <a:buSzPct val="145000"/>
+              <a:buFont typeface="Arial"/>
+              <a:buChar char="•"/>
+              <a:defRPr sz="1800" kern="1200" cap="none">
+                <a:solidFill>
+                  <a:schemeClr val="tx1"/>
+                </a:solidFill>
+                <a:effectLst/>
+                <a:latin typeface="+mn-lt"/>
+                <a:ea typeface="+mn-ea"/>
+                <a:cs typeface="+mn-cs"/>
+              </a:defRPr>
+            </a:lvl3pPr>
+            <a:lvl4pPr marL="1543050" indent="-171450" algn="l" defTabSz="457200" rtl="0" eaLnBrk="1" latinLnBrk="0" hangingPunct="1">
+              <a:spcBef>
+                <a:spcPct val="20000"/>
+              </a:spcBef>
+              <a:spcAft>
+                <a:spcPts val="600"/>
+              </a:spcAft>
+              <a:buClr>
+                <a:schemeClr val="accent1">
+                  <a:lumMod val="75000"/>
+                </a:schemeClr>
+              </a:buClr>
+              <a:buSzPct val="145000"/>
+              <a:buFont typeface="Arial"/>
+              <a:buChar char="•"/>
+              <a:defRPr sz="1600" kern="1200" cap="none">
+                <a:solidFill>
+                  <a:schemeClr val="tx1"/>
+                </a:solidFill>
+                <a:effectLst/>
+                <a:latin typeface="+mn-lt"/>
+                <a:ea typeface="+mn-ea"/>
+                <a:cs typeface="+mn-cs"/>
+              </a:defRPr>
+            </a:lvl4pPr>
+            <a:lvl5pPr marL="2000250" indent="-171450" algn="l" defTabSz="457200" rtl="0" eaLnBrk="1" latinLnBrk="0" hangingPunct="1">
+              <a:spcBef>
+                <a:spcPct val="20000"/>
+              </a:spcBef>
+              <a:spcAft>
+                <a:spcPts val="600"/>
+              </a:spcAft>
+              <a:buClr>
+                <a:schemeClr val="accent1">
+                  <a:lumMod val="75000"/>
+                </a:schemeClr>
+              </a:buClr>
+              <a:buSzPct val="145000"/>
+              <a:buFont typeface="Arial"/>
+              <a:buChar char="•"/>
+              <a:defRPr sz="1400" kern="1200" cap="none">
+                <a:solidFill>
+                  <a:schemeClr val="tx1"/>
+                </a:solidFill>
+                <a:effectLst/>
+                <a:latin typeface="+mn-lt"/>
+                <a:ea typeface="+mn-ea"/>
+                <a:cs typeface="+mn-cs"/>
+              </a:defRPr>
+            </a:lvl5pPr>
+            <a:lvl6pPr marL="2514600" indent="-228600" algn="l" defTabSz="457200" rtl="0" eaLnBrk="1" latinLnBrk="0" hangingPunct="1">
+              <a:spcBef>
+                <a:spcPct val="20000"/>
+              </a:spcBef>
+              <a:spcAft>
+                <a:spcPts val="600"/>
+              </a:spcAft>
+              <a:buClr>
+                <a:schemeClr val="accent1">
+                  <a:lumMod val="75000"/>
+                </a:schemeClr>
+              </a:buClr>
+              <a:buSzPct val="145000"/>
+              <a:buFont typeface="Arial"/>
+              <a:buChar char="•"/>
+              <a:defRPr sz="1400" kern="1200" cap="none">
+                <a:solidFill>
+                  <a:schemeClr val="tx1"/>
+                </a:solidFill>
+                <a:effectLst/>
+                <a:latin typeface="+mn-lt"/>
+                <a:ea typeface="+mn-ea"/>
+                <a:cs typeface="+mn-cs"/>
+              </a:defRPr>
+            </a:lvl6pPr>
+            <a:lvl7pPr marL="2971800" indent="-228600" algn="l" defTabSz="457200" rtl="0" eaLnBrk="1" latinLnBrk="0" hangingPunct="1">
+              <a:spcBef>
+                <a:spcPct val="20000"/>
+              </a:spcBef>
+              <a:spcAft>
+                <a:spcPts val="600"/>
+              </a:spcAft>
+              <a:buClr>
+                <a:schemeClr val="accent1">
+                  <a:lumMod val="75000"/>
+                </a:schemeClr>
+              </a:buClr>
+              <a:buSzPct val="145000"/>
+              <a:buFont typeface="Arial"/>
+              <a:buChar char="•"/>
+              <a:defRPr sz="1400" kern="1200" cap="none">
+                <a:solidFill>
+                  <a:schemeClr val="tx1"/>
+                </a:solidFill>
+                <a:effectLst/>
+                <a:latin typeface="+mn-lt"/>
+                <a:ea typeface="+mn-ea"/>
+                <a:cs typeface="+mn-cs"/>
+              </a:defRPr>
+            </a:lvl7pPr>
+            <a:lvl8pPr marL="3429000" indent="-228600" algn="l" defTabSz="457200" rtl="0" eaLnBrk="1" latinLnBrk="0" hangingPunct="1">
+              <a:spcBef>
+                <a:spcPct val="20000"/>
+              </a:spcBef>
+              <a:spcAft>
+                <a:spcPts val="600"/>
+              </a:spcAft>
+              <a:buClr>
+                <a:schemeClr val="accent1">
+                  <a:lumMod val="75000"/>
+                </a:schemeClr>
+              </a:buClr>
+              <a:buSzPct val="145000"/>
+              <a:buFont typeface="Arial"/>
+              <a:buChar char="•"/>
+              <a:defRPr sz="1400" kern="1200" cap="none">
+                <a:solidFill>
+                  <a:schemeClr val="tx1"/>
+                </a:solidFill>
+                <a:effectLst/>
+                <a:latin typeface="+mn-lt"/>
+                <a:ea typeface="+mn-ea"/>
+                <a:cs typeface="+mn-cs"/>
+              </a:defRPr>
+            </a:lvl8pPr>
+            <a:lvl9pPr marL="3886200" indent="-228600" algn="l" defTabSz="457200" rtl="0" eaLnBrk="1" latinLnBrk="0" hangingPunct="1">
+              <a:spcBef>
+                <a:spcPct val="20000"/>
+              </a:spcBef>
+              <a:spcAft>
+                <a:spcPts val="600"/>
+              </a:spcAft>
+              <a:buClr>
+                <a:schemeClr val="accent1">
+                  <a:lumMod val="75000"/>
+                </a:schemeClr>
+              </a:buClr>
+              <a:buSzPct val="145000"/>
+              <a:buFont typeface="Arial"/>
+              <a:buChar char="•"/>
+              <a:defRPr sz="1400" kern="1200" cap="none">
+                <a:solidFill>
+                  <a:schemeClr val="tx1"/>
+                </a:solidFill>
+                <a:effectLst/>
+                <a:latin typeface="+mn-lt"/>
+                <a:ea typeface="+mn-ea"/>
+                <a:cs typeface="+mn-cs"/>
+              </a:defRPr>
+            </a:lvl9pPr>
+          </a:lstStyle>
+          <a:p>
+            <a:pPr marL="0" indent="0">
+              <a:buNone/>
+            </a:pPr>
+            <a:r>
+              <a:rPr lang="de-DE" sz="1000" dirty="0" smtClean="0"/>
+              <a:t>Rem0 Röthlisberger, Eric </a:t>
+            </a:r>
+            <a:r>
+              <a:rPr lang="de-DE" sz="1000" dirty="0" err="1" smtClean="0"/>
+              <a:t>Lagger</a:t>
+            </a:r>
+            <a:r>
+              <a:rPr lang="de-DE" sz="1000" dirty="0" smtClean="0"/>
+              <a:t>, Vincent Hofer, Dean Klopsch, Aebi Ryan</a:t>
+            </a:r>
+            <a:endParaRPr lang="de-DE" sz="1000" dirty="0"/>
+          </a:p>
+        </p:txBody>
+      </p:sp>
+      <p:sp>
+        <p:nvSpPr>
+          <p:cNvPr id="7" name="Inhaltsplatzhalter 2"/>
+          <p:cNvSpPr>
+            <a:spLocks noGrp="1"/>
+          </p:cNvSpPr>
+          <p:nvPr>
+            <p:ph idx="1"/>
+          </p:nvPr>
+        </p:nvSpPr>
+        <p:spPr>
+          <a:xfrm>
+            <a:off x="762552" y="2065420"/>
+            <a:ext cx="10115438" cy="3937001"/>
+          </a:xfrm>
+        </p:spPr>
+        <p:txBody>
+          <a:bodyPr>
+            <a:normAutofit/>
+          </a:bodyPr>
+          <a:lstStyle/>
+          <a:p>
+            <a:pPr algn="ctr"/>
+            <a:r>
+              <a:rPr lang="de-DE" sz="3200" dirty="0" err="1" smtClean="0"/>
+              <a:t>Our</a:t>
+            </a:r>
+            <a:r>
+              <a:rPr lang="de-DE" sz="3200" dirty="0" smtClean="0"/>
+              <a:t> </a:t>
+            </a:r>
+            <a:r>
+              <a:rPr lang="de-DE" sz="3200" dirty="0" err="1" smtClean="0"/>
+              <a:t>team</a:t>
+            </a:r>
+            <a:endParaRPr lang="de-DE" sz="3200" dirty="0" smtClean="0"/>
+          </a:p>
+          <a:p>
+            <a:pPr algn="ctr"/>
+            <a:r>
+              <a:rPr lang="de-DE" sz="3200" dirty="0" smtClean="0"/>
+              <a:t>The </a:t>
+            </a:r>
+            <a:r>
+              <a:rPr lang="de-DE" sz="3200" dirty="0" err="1" smtClean="0"/>
+              <a:t>products</a:t>
+            </a:r>
+            <a:r>
+              <a:rPr lang="de-DE" sz="3200" dirty="0" smtClean="0"/>
+              <a:t/>
+            </a:r>
+            <a:br>
+              <a:rPr lang="de-DE" sz="3200" dirty="0" smtClean="0"/>
+            </a:br>
+            <a:r>
+              <a:rPr lang="de-DE" sz="3200" dirty="0" smtClean="0"/>
+              <a:t>-&gt; The </a:t>
+            </a:r>
+            <a:r>
+              <a:rPr lang="de-DE" sz="3200" dirty="0" err="1" smtClean="0"/>
+              <a:t>client</a:t>
+            </a:r>
+            <a:r>
+              <a:rPr lang="de-DE" sz="3200" dirty="0" smtClean="0"/>
+              <a:t/>
+            </a:r>
+            <a:br>
+              <a:rPr lang="de-DE" sz="3200" dirty="0" smtClean="0"/>
+            </a:br>
+            <a:r>
+              <a:rPr lang="de-DE" sz="3200" dirty="0" smtClean="0"/>
+              <a:t>-&gt; The </a:t>
+            </a:r>
+            <a:r>
+              <a:rPr lang="de-DE" sz="3200" dirty="0" err="1" smtClean="0"/>
+              <a:t>developers</a:t>
+            </a:r>
+            <a:endParaRPr lang="de-DE" sz="3200" dirty="0" smtClean="0"/>
+          </a:p>
+          <a:p>
+            <a:pPr algn="ctr"/>
+            <a:r>
+              <a:rPr lang="de-DE" sz="3200" dirty="0" err="1" smtClean="0"/>
+              <a:t>Ask</a:t>
+            </a:r>
+            <a:r>
+              <a:rPr lang="de-DE" sz="3200" dirty="0" smtClean="0"/>
+              <a:t> </a:t>
+            </a:r>
+            <a:r>
+              <a:rPr lang="de-DE" sz="3200" dirty="0" err="1" smtClean="0"/>
+              <a:t>us</a:t>
+            </a:r>
+            <a:r>
+              <a:rPr lang="de-DE" sz="3200" dirty="0" smtClean="0"/>
+              <a:t>!</a:t>
+            </a:r>
+          </a:p>
+          <a:p>
+            <a:pPr algn="ctr"/>
+            <a:r>
+              <a:rPr lang="de-DE" sz="3200" dirty="0" err="1" smtClean="0"/>
+              <a:t>Contact</a:t>
+            </a:r>
+            <a:r>
+              <a:rPr lang="de-DE" sz="3200" dirty="0" smtClean="0"/>
+              <a:t> </a:t>
+            </a:r>
+            <a:r>
+              <a:rPr lang="de-DE" sz="3200" dirty="0" err="1" smtClean="0"/>
+              <a:t>us</a:t>
+            </a:r>
+            <a:r>
+              <a:rPr lang="de-DE" sz="3200" dirty="0" smtClean="0"/>
+              <a:t>!</a:t>
+            </a:r>
+          </a:p>
+        </p:txBody>
+      </p:sp>
+    </p:spTree>
+    <p:extLst>
+      <p:ext uri="{BB962C8B-B14F-4D97-AF65-F5344CB8AC3E}">
+        <p14:creationId xmlns:p14="http://schemas.microsoft.com/office/powerpoint/2010/main" val="1459151704"/>
+      </p:ext>
+    </p:extLst>
+  </p:cSld>
+  <p:clrMapOvr>
+    <a:masterClrMapping/>
+  </p:clrMapOvr>
+  <p:timing>
+    <p:tnLst>
+      <p:par>
+        <p:cTn id="1" dur="indefinite" restart="never" nodeType="tmRoot"/>
+      </p:par>
+    </p:tnLst>
+  </p:timing>
+</p:sld>
+</file>
+
+<file path=ppt/slides/slide22.xml><?xml version="1.0" encoding="utf-8"?>
+<p:sld xmlns:a="http://schemas.openxmlformats.org/drawingml/2006/main" xmlns:r="http://schemas.openxmlformats.org/officeDocument/2006/relationships" xmlns:p="http://schemas.openxmlformats.org/presentationml/2006/main">
+  <p:cSld>
+    <p:spTree>
+      <p:nvGrpSpPr>
+        <p:cNvPr id="1" name=""/>
+        <p:cNvGrpSpPr/>
+        <p:nvPr/>
+      </p:nvGrpSpPr>
+      <p:grpSpPr>
+        <a:xfrm>
+          <a:off x="0" y="0"/>
+          <a:ext cx="0" cy="0"/>
+          <a:chOff x="0" y="0"/>
+          <a:chExt cx="0" cy="0"/>
+        </a:xfrm>
+      </p:grpSpPr>
+      <p:sp>
+        <p:nvSpPr>
+          <p:cNvPr id="2" name="Titel 1"/>
+          <p:cNvSpPr>
+            <a:spLocks noGrp="1"/>
+          </p:cNvSpPr>
+          <p:nvPr>
+            <p:ph type="title"/>
+          </p:nvPr>
+        </p:nvSpPr>
+        <p:spPr>
+          <a:xfrm>
+            <a:off x="810915" y="691116"/>
+            <a:ext cx="10018713" cy="1752599"/>
+          </a:xfrm>
+        </p:spPr>
+        <p:txBody>
+          <a:bodyPr/>
+          <a:lstStyle/>
+          <a:p>
+            <a:r>
               <a:rPr lang="de-DE" dirty="0" err="1"/>
               <a:t>Questions</a:t>
             </a:r>
@@ -15307,7 +15795,7 @@
           <a:noFill/>
           <a:extLst>
             <a:ext uri="{909E8E84-426E-40dd-AFC4-6F175D3DCCD1}">
-              <a14:hiddenFill xmlns="" xmlns:a14="http://schemas.microsoft.com/office/drawing/2010/main">
+              <a14:hiddenFill xmlns:a14="http://schemas.microsoft.com/office/drawing/2010/main" xmlns="">
                 <a:solidFill>
                   <a:srgbClr val="FFFFFF"/>
                 </a:solidFill>
@@ -15348,7 +15836,7 @@
           <a:noFill/>
           <a:extLst>
             <a:ext uri="{909E8E84-426E-40dd-AFC4-6F175D3DCCD1}">
-              <a14:hiddenFill xmlns="" xmlns:a14="http://schemas.microsoft.com/office/drawing/2010/main">
+              <a14:hiddenFill xmlns:a14="http://schemas.microsoft.com/office/drawing/2010/main" xmlns="">
                 <a:solidFill>
                   <a:srgbClr val="FFFFFF"/>
                 </a:solidFill>

--- a/baseProject/presentation/Presentation-Team8.pptx
+++ b/baseProject/presentation/Presentation-Team8.pptx
@@ -184,7 +184,7 @@
       </p14:sectionLst>
     </p:ext>
     <p:ext uri="{EFAFB233-063F-42B5-8137-9DF3F51BA10A}">
-      <p15:sldGuideLst xmlns:p15="http://schemas.microsoft.com/office/powerpoint/2012/main">
+      <p15:sldGuideLst xmlns:p15="http://schemas.microsoft.com/office/powerpoint/2012/main" xmlns="">
         <p15:guide id="1" orient="horz" pos="2160">
           <p15:clr>
             <a:srgbClr val="A4A3A4"/>
@@ -442,7 +442,7 @@
           <a:p>
             <a:fld id="{2F2847E0-1D0A-0F4B-99C8-E51199A5987D}" type="slidenum">
               <a:rPr lang="de-DE" smtClean="0"/>
-              <a:t>‹Nr.›</a:t>
+              <a:t>‹#›</a:t>
             </a:fld>
             <a:endParaRPr lang="de-DE"/>
           </a:p>
@@ -3110,7 +3110,7 @@
             <a:fld id="{D57F1E4F-1CFF-5643-939E-217C01CDF565}" type="slidenum">
               <a:rPr lang="en-US" dirty="0"/>
               <a:pPr/>
-              <a:t>‹Nr.›</a:t>
+              <a:t>‹#›</a:t>
             </a:fld>
             <a:endParaRPr lang="en-US" dirty="0"/>
           </a:p>
@@ -3398,7 +3398,7 @@
             <a:fld id="{D57F1E4F-1CFF-5643-939E-217C01CDF565}" type="slidenum">
               <a:rPr lang="en-US" dirty="0"/>
               <a:pPr/>
-              <a:t>‹Nr.›</a:t>
+              <a:t>‹#›</a:t>
             </a:fld>
             <a:endParaRPr lang="en-US" dirty="0"/>
           </a:p>
@@ -3643,7 +3643,7 @@
             <a:fld id="{D57F1E4F-1CFF-5643-939E-217C01CDF565}" type="slidenum">
               <a:rPr lang="en-US" dirty="0"/>
               <a:pPr/>
-              <a:t>‹Nr.›</a:t>
+              <a:t>‹#›</a:t>
             </a:fld>
             <a:endParaRPr lang="en-US" dirty="0"/>
           </a:p>
@@ -4180,7 +4180,7 @@
             <a:fld id="{D57F1E4F-1CFF-5643-939E-217C01CDF565}" type="slidenum">
               <a:rPr lang="en-US" dirty="0"/>
               <a:pPr/>
-              <a:t>‹Nr.›</a:t>
+              <a:t>‹#›</a:t>
             </a:fld>
             <a:endParaRPr lang="en-US" dirty="0"/>
           </a:p>
@@ -4425,7 +4425,7 @@
             <a:fld id="{D57F1E4F-1CFF-5643-939E-217C01CDF565}" type="slidenum">
               <a:rPr lang="en-US" dirty="0"/>
               <a:pPr/>
-              <a:t>‹Nr.›</a:t>
+              <a:t>‹#›</a:t>
             </a:fld>
             <a:endParaRPr lang="en-US" dirty="0"/>
           </a:p>
@@ -4954,7 +4954,7 @@
             <a:fld id="{D57F1E4F-1CFF-5643-939E-217C01CDF565}" type="slidenum">
               <a:rPr lang="en-US" dirty="0"/>
               <a:pPr/>
-              <a:t>‹Nr.›</a:t>
+              <a:t>‹#›</a:t>
             </a:fld>
             <a:endParaRPr lang="en-US" dirty="0"/>
           </a:p>
@@ -5248,7 +5248,7 @@
             <a:fld id="{D57F1E4F-1CFF-5643-939E-217C01CDF565}" type="slidenum">
               <a:rPr lang="en-US" dirty="0"/>
               <a:pPr/>
-              <a:t>‹Nr.›</a:t>
+              <a:t>‹#›</a:t>
             </a:fld>
             <a:endParaRPr lang="en-US" dirty="0"/>
           </a:p>
@@ -5419,7 +5419,7 @@
             <a:fld id="{D57F1E4F-1CFF-5643-939E-217C01CDF565}" type="slidenum">
               <a:rPr lang="en-US" dirty="0"/>
               <a:pPr/>
-              <a:t>‹Nr.›</a:t>
+              <a:t>‹#›</a:t>
             </a:fld>
             <a:endParaRPr lang="en-US" dirty="0"/>
           </a:p>
@@ -5596,7 +5596,7 @@
             <a:fld id="{D57F1E4F-1CFF-5643-939E-217C01CDF565}" type="slidenum">
               <a:rPr lang="en-US" dirty="0"/>
               <a:pPr/>
-              <a:t>‹Nr.›</a:t>
+              <a:t>‹#›</a:t>
             </a:fld>
             <a:endParaRPr lang="en-US" dirty="0"/>
           </a:p>
@@ -5768,7 +5768,7 @@
             <a:fld id="{D57F1E4F-1CFF-5643-939E-217C01CDF565}" type="slidenum">
               <a:rPr lang="en-US" dirty="0"/>
               <a:pPr/>
-              <a:t>‹Nr.›</a:t>
+              <a:t>‹#›</a:t>
             </a:fld>
             <a:endParaRPr lang="en-US" dirty="0"/>
           </a:p>
@@ -6011,7 +6011,7 @@
             <a:fld id="{D57F1E4F-1CFF-5643-939E-217C01CDF565}" type="slidenum">
               <a:rPr lang="en-US" dirty="0"/>
               <a:pPr/>
-              <a:t>‹Nr.›</a:t>
+              <a:t>‹#›</a:t>
             </a:fld>
             <a:endParaRPr lang="en-US" dirty="0"/>
           </a:p>
@@ -6305,7 +6305,7 @@
             <a:fld id="{D57F1E4F-1CFF-5643-939E-217C01CDF565}" type="slidenum">
               <a:rPr lang="en-US" dirty="0"/>
               <a:pPr/>
-              <a:t>‹Nr.›</a:t>
+              <a:t>‹#›</a:t>
             </a:fld>
             <a:endParaRPr lang="en-US" dirty="0"/>
           </a:p>
@@ -6744,7 +6744,7 @@
             <a:fld id="{D57F1E4F-1CFF-5643-939E-217C01CDF565}" type="slidenum">
               <a:rPr lang="en-US" dirty="0"/>
               <a:pPr/>
-              <a:t>‹Nr.›</a:t>
+              <a:t>‹#›</a:t>
             </a:fld>
             <a:endParaRPr lang="en-US" dirty="0"/>
           </a:p>
@@ -6859,7 +6859,7 @@
             <a:fld id="{D57F1E4F-1CFF-5643-939E-217C01CDF565}" type="slidenum">
               <a:rPr lang="en-US" dirty="0"/>
               <a:pPr/>
-              <a:t>‹Nr.›</a:t>
+              <a:t>‹#›</a:t>
             </a:fld>
             <a:endParaRPr lang="en-US" dirty="0"/>
           </a:p>
@@ -6951,7 +6951,7 @@
             <a:fld id="{D57F1E4F-1CFF-5643-939E-217C01CDF565}" type="slidenum">
               <a:rPr lang="en-US" dirty="0"/>
               <a:pPr/>
-              <a:t>‹Nr.›</a:t>
+              <a:t>‹#›</a:t>
             </a:fld>
             <a:endParaRPr lang="en-US" dirty="0"/>
           </a:p>
@@ -7231,7 +7231,7 @@
             <a:fld id="{D57F1E4F-1CFF-5643-939E-217C01CDF565}" type="slidenum">
               <a:rPr lang="en-US" dirty="0"/>
               <a:pPr/>
-              <a:t>‹Nr.›</a:t>
+              <a:t>‹#›</a:t>
             </a:fld>
             <a:endParaRPr lang="en-US" dirty="0"/>
           </a:p>
@@ -7519,7 +7519,7 @@
             <a:fld id="{D57F1E4F-1CFF-5643-939E-217C01CDF565}" type="slidenum">
               <a:rPr lang="en-US" dirty="0"/>
               <a:pPr/>
-              <a:t>‹Nr.›</a:t>
+              <a:t>‹#›</a:t>
             </a:fld>
             <a:endParaRPr lang="en-US" dirty="0"/>
           </a:p>
@@ -8082,7 +8082,7 @@
             <a:fld id="{D57F1E4F-1CFF-5643-939E-217C01CDF565}" type="slidenum">
               <a:rPr lang="en-US" dirty="0"/>
               <a:pPr/>
-              <a:t>‹Nr.›</a:t>
+              <a:t>‹#›</a:t>
             </a:fld>
             <a:endParaRPr lang="en-US" dirty="0"/>
           </a:p>
@@ -15794,8 +15794,8 @@
           </a:prstGeom>
           <a:noFill/>
           <a:extLst>
-            <a:ext uri="{909E8E84-426E-40dd-AFC4-6F175D3DCCD1}">
-              <a14:hiddenFill xmlns:a14="http://schemas.microsoft.com/office/drawing/2010/main" xmlns="">
+            <a:ext uri="{909E8E84-426E-40DD-AFC4-6F175D3DCCD1}">
+              <a14:hiddenFill xmlns:a14="http://schemas.microsoft.com/office/drawing/2010/main">
                 <a:solidFill>
                   <a:srgbClr val="FFFFFF"/>
                 </a:solidFill>
@@ -15835,8 +15835,8 @@
           </a:prstGeom>
           <a:noFill/>
           <a:extLst>
-            <a:ext uri="{909E8E84-426E-40dd-AFC4-6F175D3DCCD1}">
-              <a14:hiddenFill xmlns:a14="http://schemas.microsoft.com/office/drawing/2010/main" xmlns="">
+            <a:ext uri="{909E8E84-426E-40DD-AFC4-6F175D3DCCD1}">
+              <a14:hiddenFill xmlns:a14="http://schemas.microsoft.com/office/drawing/2010/main">
                 <a:solidFill>
                   <a:srgbClr val="FFFFFF"/>
                 </a:solidFill>
@@ -16598,15 +16598,21 @@
           </p:nvPr>
         </p:nvPicPr>
         <p:blipFill>
-          <a:blip r:embed="rId3"/>
+          <a:blip r:embed="rId3">
+            <a:extLst>
+              <a:ext uri="{28A0092B-C50C-407E-A947-70E740481C1C}">
+                <a14:useLocalDpi xmlns:a14="http://schemas.microsoft.com/office/drawing/2010/main" val="0"/>
+              </a:ext>
+            </a:extLst>
+          </a:blip>
           <a:stretch>
             <a:fillRect/>
           </a:stretch>
         </p:blipFill>
         <p:spPr>
           <a:xfrm>
-            <a:off x="-155576" y="0"/>
-            <a:ext cx="12401550" cy="6975873"/>
+            <a:off x="-442446" y="-53340"/>
+            <a:ext cx="12401550" cy="6975871"/>
           </a:xfrm>
         </p:spPr>
       </p:pic>
@@ -17779,7 +17785,7 @@
   <a:extraClrSchemeLst/>
   <a:extLst>
     <a:ext uri="{05A4C25C-085E-4340-85A3-A5531E510DB2}">
-      <thm15:themeFamily xmlns:thm15="http://schemas.microsoft.com/office/thememl/2012/main" name="Parallax" id="{3388167B-A2EB-4685-9635-1831D9AEF8C4}" vid="{4F7A876A-7598-49CA-AFC8-8EDA2551E4A7}"/>
+      <thm15:themeFamily xmlns:thm15="http://schemas.microsoft.com/office/thememl/2012/main" xmlns="" name="Parallax" id="{3388167B-A2EB-4685-9635-1831D9AEF8C4}" vid="{4F7A876A-7598-49CA-AFC8-8EDA2551E4A7}"/>
     </a:ext>
   </a:extLst>
 </a:theme>

--- a/baseProject/presentation/Presentation-Team8.pptx
+++ b/baseProject/presentation/Presentation-Team8.pptx
@@ -5,7 +5,7 @@
     <p:sldMasterId id="2147483648" r:id="rId1"/>
   </p:sldMasterIdLst>
   <p:notesMasterIdLst>
-    <p:notesMasterId r:id="rId24"/>
+    <p:notesMasterId r:id="rId25"/>
   </p:notesMasterIdLst>
   <p:sldIdLst>
     <p:sldId id="256" r:id="rId2"/>
@@ -21,15 +21,16 @@
     <p:sldId id="267" r:id="rId12"/>
     <p:sldId id="268" r:id="rId13"/>
     <p:sldId id="269" r:id="rId14"/>
-    <p:sldId id="274" r:id="rId15"/>
-    <p:sldId id="280" r:id="rId16"/>
-    <p:sldId id="287" r:id="rId17"/>
-    <p:sldId id="288" r:id="rId18"/>
-    <p:sldId id="289" r:id="rId19"/>
-    <p:sldId id="290" r:id="rId20"/>
-    <p:sldId id="291" r:id="rId21"/>
-    <p:sldId id="286" r:id="rId22"/>
-    <p:sldId id="263" r:id="rId23"/>
+    <p:sldId id="292" r:id="rId15"/>
+    <p:sldId id="274" r:id="rId16"/>
+    <p:sldId id="280" r:id="rId17"/>
+    <p:sldId id="287" r:id="rId18"/>
+    <p:sldId id="288" r:id="rId19"/>
+    <p:sldId id="289" r:id="rId20"/>
+    <p:sldId id="290" r:id="rId21"/>
+    <p:sldId id="291" r:id="rId22"/>
+    <p:sldId id="286" r:id="rId23"/>
+    <p:sldId id="263" r:id="rId24"/>
   </p:sldIdLst>
   <p:sldSz cx="12192000" cy="6858000"/>
   <p:notesSz cx="6858000" cy="9144000"/>
@@ -162,6 +163,7 @@
             <p14:sldId id="267"/>
             <p14:sldId id="268"/>
             <p14:sldId id="269"/>
+            <p14:sldId id="292"/>
           </p14:sldIdLst>
         </p14:section>
         <p14:section name="Why us" id="{BE86CB87-125B-42C6-9C31-F3CD9D8CE1DC}">
@@ -184,7 +186,7 @@
       </p14:sectionLst>
     </p:ext>
     <p:ext uri="{EFAFB233-063F-42B5-8137-9DF3F51BA10A}">
-      <p15:sldGuideLst xmlns:p15="http://schemas.microsoft.com/office/powerpoint/2012/main" xmlns="">
+      <p15:sldGuideLst xmlns="" xmlns:p15="http://schemas.microsoft.com/office/powerpoint/2012/main">
         <p15:guide id="1" orient="horz" pos="2160">
           <p15:clr>
             <a:srgbClr val="A4A3A4"/>
@@ -283,7 +285,7 @@
           <a:p>
             <a:fld id="{AD788536-914B-4640-862E-1D3DAE36BE3D}" type="datetimeFigureOut">
               <a:rPr lang="de-DE" smtClean="0"/>
-              <a:t>13.12.2016</a:t>
+              <a:t>14.12.16</a:t>
             </a:fld>
             <a:endParaRPr lang="de-DE"/>
           </a:p>
@@ -442,7 +444,7 @@
           <a:p>
             <a:fld id="{2F2847E0-1D0A-0F4B-99C8-E51199A5987D}" type="slidenum">
               <a:rPr lang="de-DE" smtClean="0"/>
-              <a:t>‹#›</a:t>
+              <a:t>‹Nr.›</a:t>
             </a:fld>
             <a:endParaRPr lang="de-DE"/>
           </a:p>
@@ -709,7 +711,7 @@
     </p:spTree>
     <p:extLst>
       <p:ext uri="{BB962C8B-B14F-4D97-AF65-F5344CB8AC3E}">
-        <p14:creationId xmlns:p14="http://schemas.microsoft.com/office/powerpoint/2010/main" val="1657977333"/>
+        <p14:creationId xmlns:p14="http://schemas.microsoft.com/office/powerpoint/2010/main" val="1478642370"/>
       </p:ext>
     </p:extLst>
   </p:cSld>
@@ -793,7 +795,7 @@
     </p:spTree>
     <p:extLst>
       <p:ext uri="{BB962C8B-B14F-4D97-AF65-F5344CB8AC3E}">
-        <p14:creationId xmlns:p14="http://schemas.microsoft.com/office/powerpoint/2010/main" val="201347693"/>
+        <p14:creationId xmlns:p14="http://schemas.microsoft.com/office/powerpoint/2010/main" val="1657977333"/>
       </p:ext>
     </p:extLst>
   </p:cSld>
@@ -877,7 +879,7 @@
     </p:spTree>
     <p:extLst>
       <p:ext uri="{BB962C8B-B14F-4D97-AF65-F5344CB8AC3E}">
-        <p14:creationId xmlns:p14="http://schemas.microsoft.com/office/powerpoint/2010/main" val="715993072"/>
+        <p14:creationId xmlns:p14="http://schemas.microsoft.com/office/powerpoint/2010/main" val="201347693"/>
       </p:ext>
     </p:extLst>
   </p:cSld>
@@ -961,7 +963,7 @@
     </p:spTree>
     <p:extLst>
       <p:ext uri="{BB962C8B-B14F-4D97-AF65-F5344CB8AC3E}">
-        <p14:creationId xmlns:p14="http://schemas.microsoft.com/office/powerpoint/2010/main" val="4112710545"/>
+        <p14:creationId xmlns:p14="http://schemas.microsoft.com/office/powerpoint/2010/main" val="715993072"/>
       </p:ext>
     </p:extLst>
   </p:cSld>
@@ -1045,7 +1047,7 @@
     </p:spTree>
     <p:extLst>
       <p:ext uri="{BB962C8B-B14F-4D97-AF65-F5344CB8AC3E}">
-        <p14:creationId xmlns:p14="http://schemas.microsoft.com/office/powerpoint/2010/main" val="1140863112"/>
+        <p14:creationId xmlns:p14="http://schemas.microsoft.com/office/powerpoint/2010/main" val="4112710545"/>
       </p:ext>
     </p:extLst>
   </p:cSld>
@@ -1121,6 +1123,90 @@
             <a:fld id="{2F2847E0-1D0A-0F4B-99C8-E51199A5987D}" type="slidenum">
               <a:rPr lang="de-DE" smtClean="0"/>
               <a:t>21</a:t>
+            </a:fld>
+            <a:endParaRPr lang="de-DE"/>
+          </a:p>
+        </p:txBody>
+      </p:sp>
+    </p:spTree>
+    <p:extLst>
+      <p:ext uri="{BB962C8B-B14F-4D97-AF65-F5344CB8AC3E}">
+        <p14:creationId xmlns:p14="http://schemas.microsoft.com/office/powerpoint/2010/main" val="1140863112"/>
+      </p:ext>
+    </p:extLst>
+  </p:cSld>
+  <p:clrMapOvr>
+    <a:masterClrMapping/>
+  </p:clrMapOvr>
+</p:notes>
+</file>
+
+<file path=ppt/notesSlides/notesSlide16.xml><?xml version="1.0" encoding="utf-8"?>
+<p:notes xmlns:a="http://schemas.openxmlformats.org/drawingml/2006/main" xmlns:r="http://schemas.openxmlformats.org/officeDocument/2006/relationships" xmlns:p="http://schemas.openxmlformats.org/presentationml/2006/main">
+  <p:cSld>
+    <p:spTree>
+      <p:nvGrpSpPr>
+        <p:cNvPr id="1" name=""/>
+        <p:cNvGrpSpPr/>
+        <p:nvPr/>
+      </p:nvGrpSpPr>
+      <p:grpSpPr>
+        <a:xfrm>
+          <a:off x="0" y="0"/>
+          <a:ext cx="0" cy="0"/>
+          <a:chOff x="0" y="0"/>
+          <a:chExt cx="0" cy="0"/>
+        </a:xfrm>
+      </p:grpSpPr>
+      <p:sp>
+        <p:nvSpPr>
+          <p:cNvPr id="2" name="Folienbildplatzhalter 1"/>
+          <p:cNvSpPr>
+            <a:spLocks noGrp="1" noRot="1" noChangeAspect="1"/>
+          </p:cNvSpPr>
+          <p:nvPr>
+            <p:ph type="sldImg"/>
+          </p:nvPr>
+        </p:nvSpPr>
+        <p:spPr/>
+      </p:sp>
+      <p:sp>
+        <p:nvSpPr>
+          <p:cNvPr id="3" name="Notizenplatzhalter 2"/>
+          <p:cNvSpPr>
+            <a:spLocks noGrp="1"/>
+          </p:cNvSpPr>
+          <p:nvPr>
+            <p:ph type="body" idx="1"/>
+          </p:nvPr>
+        </p:nvSpPr>
+        <p:spPr/>
+        <p:txBody>
+          <a:bodyPr/>
+          <a:lstStyle/>
+          <a:p>
+            <a:endParaRPr lang="de-CH" dirty="0"/>
+          </a:p>
+        </p:txBody>
+      </p:sp>
+      <p:sp>
+        <p:nvSpPr>
+          <p:cNvPr id="4" name="Foliennummernplatzhalter 3"/>
+          <p:cNvSpPr>
+            <a:spLocks noGrp="1"/>
+          </p:cNvSpPr>
+          <p:nvPr>
+            <p:ph type="sldNum" sz="quarter" idx="10"/>
+          </p:nvPr>
+        </p:nvSpPr>
+        <p:spPr/>
+        <p:txBody>
+          <a:bodyPr/>
+          <a:lstStyle/>
+          <a:p>
+            <a:fld id="{2F2847E0-1D0A-0F4B-99C8-E51199A5987D}" type="slidenum">
+              <a:rPr lang="de-DE" smtClean="0"/>
+              <a:t>22</a:t>
             </a:fld>
             <a:endParaRPr lang="de-DE"/>
           </a:p>
@@ -2435,7 +2521,59 @@
           <a:bodyPr/>
           <a:lstStyle/>
           <a:p>
-            <a:endParaRPr lang="de-CH" dirty="0"/>
+            <a:r>
+              <a:rPr lang="de-DE" dirty="0" err="1" smtClean="0"/>
+              <a:t>Without</a:t>
+            </a:r>
+            <a:r>
+              <a:rPr lang="de-DE" dirty="0" smtClean="0"/>
+              <a:t> </a:t>
+            </a:r>
+            <a:r>
+              <a:rPr lang="de-DE" dirty="0" err="1" smtClean="0"/>
+              <a:t>further</a:t>
+            </a:r>
+            <a:r>
+              <a:rPr lang="de-DE" dirty="0" smtClean="0"/>
+              <a:t> do, </a:t>
+            </a:r>
+            <a:r>
+              <a:rPr lang="de-DE" dirty="0" err="1" smtClean="0"/>
+              <a:t>let‘s</a:t>
+            </a:r>
+            <a:r>
+              <a:rPr lang="de-DE" dirty="0" smtClean="0"/>
+              <a:t> </a:t>
+            </a:r>
+            <a:r>
+              <a:rPr lang="de-DE" dirty="0" err="1" smtClean="0"/>
+              <a:t>work</a:t>
+            </a:r>
+            <a:r>
+              <a:rPr lang="de-DE" dirty="0" smtClean="0"/>
+              <a:t> </a:t>
+            </a:r>
+            <a:r>
+              <a:rPr lang="de-DE" dirty="0" err="1" smtClean="0"/>
+              <a:t>through</a:t>
+            </a:r>
+            <a:r>
+              <a:rPr lang="de-DE" baseline="0" dirty="0" smtClean="0"/>
+              <a:t> </a:t>
+            </a:r>
+            <a:r>
+              <a:rPr lang="de-DE" baseline="0" dirty="0" err="1" smtClean="0"/>
+              <a:t>the</a:t>
+            </a:r>
+            <a:r>
+              <a:rPr lang="de-DE" baseline="0" dirty="0" smtClean="0"/>
+              <a:t> </a:t>
+            </a:r>
+            <a:r>
+              <a:rPr lang="de-DE" baseline="0" dirty="0" err="1" smtClean="0"/>
+              <a:t>scenario</a:t>
+            </a:r>
+            <a:endParaRPr lang="de-DE" dirty="0"/>
           </a:p>
         </p:txBody>
       </p:sp>
@@ -2465,7 +2603,7 @@
     </p:spTree>
     <p:extLst>
       <p:ext uri="{BB962C8B-B14F-4D97-AF65-F5344CB8AC3E}">
-        <p14:creationId xmlns:p14="http://schemas.microsoft.com/office/powerpoint/2010/main" val="4134227325"/>
+        <p14:creationId xmlns:p14="http://schemas.microsoft.com/office/powerpoint/2010/main" val="1168407366"/>
       </p:ext>
     </p:extLst>
   </p:cSld>
@@ -2549,7 +2687,7 @@
     </p:spTree>
     <p:extLst>
       <p:ext uri="{BB962C8B-B14F-4D97-AF65-F5344CB8AC3E}">
-        <p14:creationId xmlns:p14="http://schemas.microsoft.com/office/powerpoint/2010/main" val="1478642370"/>
+        <p14:creationId xmlns:p14="http://schemas.microsoft.com/office/powerpoint/2010/main" val="4134227325"/>
       </p:ext>
     </p:extLst>
   </p:cSld>
@@ -3062,7 +3200,7 @@
             <a:fld id="{B61BEF0D-F0BB-DE4B-95CE-6DB70DBA9567}" type="datetimeFigureOut">
               <a:rPr lang="en-US" dirty="0"/>
               <a:pPr/>
-              <a:t>12/13/2016</a:t>
+              <a:t>14.12.16</a:t>
             </a:fld>
             <a:endParaRPr lang="en-US" dirty="0"/>
           </a:p>
@@ -3110,7 +3248,7 @@
             <a:fld id="{D57F1E4F-1CFF-5643-939E-217C01CDF565}" type="slidenum">
               <a:rPr lang="en-US" dirty="0"/>
               <a:pPr/>
-              <a:t>‹#›</a:t>
+              <a:t>‹Nr.›</a:t>
             </a:fld>
             <a:endParaRPr lang="en-US" dirty="0"/>
           </a:p>
@@ -3355,7 +3493,7 @@
             <a:fld id="{B61BEF0D-F0BB-DE4B-95CE-6DB70DBA9567}" type="datetimeFigureOut">
               <a:rPr lang="en-US" dirty="0"/>
               <a:pPr/>
-              <a:t>12/13/2016</a:t>
+              <a:t>14.12.16</a:t>
             </a:fld>
             <a:endParaRPr lang="en-US" dirty="0"/>
           </a:p>
@@ -3398,7 +3536,7 @@
             <a:fld id="{D57F1E4F-1CFF-5643-939E-217C01CDF565}" type="slidenum">
               <a:rPr lang="en-US" dirty="0"/>
               <a:pPr/>
-              <a:t>‹#›</a:t>
+              <a:t>‹Nr.›</a:t>
             </a:fld>
             <a:endParaRPr lang="en-US" dirty="0"/>
           </a:p>
@@ -3600,7 +3738,7 @@
             <a:fld id="{B61BEF0D-F0BB-DE4B-95CE-6DB70DBA9567}" type="datetimeFigureOut">
               <a:rPr lang="en-US" dirty="0"/>
               <a:pPr/>
-              <a:t>12/13/2016</a:t>
+              <a:t>14.12.16</a:t>
             </a:fld>
             <a:endParaRPr lang="en-US" dirty="0"/>
           </a:p>
@@ -3643,7 +3781,7 @@
             <a:fld id="{D57F1E4F-1CFF-5643-939E-217C01CDF565}" type="slidenum">
               <a:rPr lang="en-US" dirty="0"/>
               <a:pPr/>
-              <a:t>‹#›</a:t>
+              <a:t>‹Nr.›</a:t>
             </a:fld>
             <a:endParaRPr lang="en-US" dirty="0"/>
           </a:p>
@@ -4137,7 +4275,7 @@
             <a:fld id="{B61BEF0D-F0BB-DE4B-95CE-6DB70DBA9567}" type="datetimeFigureOut">
               <a:rPr lang="en-US" dirty="0"/>
               <a:pPr/>
-              <a:t>12/13/2016</a:t>
+              <a:t>14.12.16</a:t>
             </a:fld>
             <a:endParaRPr lang="en-US" dirty="0"/>
           </a:p>
@@ -4180,7 +4318,7 @@
             <a:fld id="{D57F1E4F-1CFF-5643-939E-217C01CDF565}" type="slidenum">
               <a:rPr lang="en-US" dirty="0"/>
               <a:pPr/>
-              <a:t>‹#›</a:t>
+              <a:t>‹Nr.›</a:t>
             </a:fld>
             <a:endParaRPr lang="en-US" dirty="0"/>
           </a:p>
@@ -4382,7 +4520,7 @@
             <a:fld id="{B61BEF0D-F0BB-DE4B-95CE-6DB70DBA9567}" type="datetimeFigureOut">
               <a:rPr lang="en-US" dirty="0"/>
               <a:pPr/>
-              <a:t>12/13/2016</a:t>
+              <a:t>14.12.16</a:t>
             </a:fld>
             <a:endParaRPr lang="en-US" dirty="0"/>
           </a:p>
@@ -4425,7 +4563,7 @@
             <a:fld id="{D57F1E4F-1CFF-5643-939E-217C01CDF565}" type="slidenum">
               <a:rPr lang="en-US" dirty="0"/>
               <a:pPr/>
-              <a:t>‹#›</a:t>
+              <a:t>‹Nr.›</a:t>
             </a:fld>
             <a:endParaRPr lang="en-US" dirty="0"/>
           </a:p>
@@ -4911,7 +5049,7 @@
             <a:fld id="{B61BEF0D-F0BB-DE4B-95CE-6DB70DBA9567}" type="datetimeFigureOut">
               <a:rPr lang="en-US" dirty="0"/>
               <a:pPr/>
-              <a:t>12/13/2016</a:t>
+              <a:t>14.12.16</a:t>
             </a:fld>
             <a:endParaRPr lang="en-US" dirty="0"/>
           </a:p>
@@ -4954,7 +5092,7 @@
             <a:fld id="{D57F1E4F-1CFF-5643-939E-217C01CDF565}" type="slidenum">
               <a:rPr lang="en-US" dirty="0"/>
               <a:pPr/>
-              <a:t>‹#›</a:t>
+              <a:t>‹Nr.›</a:t>
             </a:fld>
             <a:endParaRPr lang="en-US" dirty="0"/>
           </a:p>
@@ -5205,7 +5343,7 @@
             <a:fld id="{B61BEF0D-F0BB-DE4B-95CE-6DB70DBA9567}" type="datetimeFigureOut">
               <a:rPr lang="en-US" dirty="0"/>
               <a:pPr/>
-              <a:t>12/13/2016</a:t>
+              <a:t>14.12.16</a:t>
             </a:fld>
             <a:endParaRPr lang="en-US" dirty="0"/>
           </a:p>
@@ -5248,7 +5386,7 @@
             <a:fld id="{D57F1E4F-1CFF-5643-939E-217C01CDF565}" type="slidenum">
               <a:rPr lang="en-US" dirty="0"/>
               <a:pPr/>
-              <a:t>‹#›</a:t>
+              <a:t>‹Nr.›</a:t>
             </a:fld>
             <a:endParaRPr lang="en-US" dirty="0"/>
           </a:p>
@@ -5376,7 +5514,7 @@
             <a:fld id="{B61BEF0D-F0BB-DE4B-95CE-6DB70DBA9567}" type="datetimeFigureOut">
               <a:rPr lang="en-US" dirty="0"/>
               <a:pPr/>
-              <a:t>12/13/2016</a:t>
+              <a:t>14.12.16</a:t>
             </a:fld>
             <a:endParaRPr lang="en-US" dirty="0"/>
           </a:p>
@@ -5419,7 +5557,7 @@
             <a:fld id="{D57F1E4F-1CFF-5643-939E-217C01CDF565}" type="slidenum">
               <a:rPr lang="en-US" dirty="0"/>
               <a:pPr/>
-              <a:t>‹#›</a:t>
+              <a:t>‹Nr.›</a:t>
             </a:fld>
             <a:endParaRPr lang="en-US" dirty="0"/>
           </a:p>
@@ -5553,7 +5691,7 @@
             <a:fld id="{B61BEF0D-F0BB-DE4B-95CE-6DB70DBA9567}" type="datetimeFigureOut">
               <a:rPr lang="en-US" dirty="0"/>
               <a:pPr/>
-              <a:t>12/13/2016</a:t>
+              <a:t>14.12.16</a:t>
             </a:fld>
             <a:endParaRPr lang="en-US" dirty="0"/>
           </a:p>
@@ -5596,7 +5734,7 @@
             <a:fld id="{D57F1E4F-1CFF-5643-939E-217C01CDF565}" type="slidenum">
               <a:rPr lang="en-US" dirty="0"/>
               <a:pPr/>
-              <a:t>‹#›</a:t>
+              <a:t>‹Nr.›</a:t>
             </a:fld>
             <a:endParaRPr lang="en-US" dirty="0"/>
           </a:p>
@@ -5720,7 +5858,7 @@
             <a:fld id="{B61BEF0D-F0BB-DE4B-95CE-6DB70DBA9567}" type="datetimeFigureOut">
               <a:rPr lang="en-US" dirty="0"/>
               <a:pPr/>
-              <a:t>12/13/2016</a:t>
+              <a:t>14.12.16</a:t>
             </a:fld>
             <a:endParaRPr lang="en-US" dirty="0"/>
           </a:p>
@@ -5768,7 +5906,7 @@
             <a:fld id="{D57F1E4F-1CFF-5643-939E-217C01CDF565}" type="slidenum">
               <a:rPr lang="en-US" dirty="0"/>
               <a:pPr/>
-              <a:t>‹#›</a:t>
+              <a:t>‹Nr.›</a:t>
             </a:fld>
             <a:endParaRPr lang="en-US" dirty="0"/>
           </a:p>
@@ -5968,7 +6106,7 @@
             <a:fld id="{B61BEF0D-F0BB-DE4B-95CE-6DB70DBA9567}" type="datetimeFigureOut">
               <a:rPr lang="en-US" dirty="0"/>
               <a:pPr/>
-              <a:t>12/13/2016</a:t>
+              <a:t>14.12.16</a:t>
             </a:fld>
             <a:endParaRPr lang="en-US" dirty="0"/>
           </a:p>
@@ -6011,7 +6149,7 @@
             <a:fld id="{D57F1E4F-1CFF-5643-939E-217C01CDF565}" type="slidenum">
               <a:rPr lang="en-US" dirty="0"/>
               <a:pPr/>
-              <a:t>‹#›</a:t>
+              <a:t>‹Nr.›</a:t>
             </a:fld>
             <a:endParaRPr lang="en-US" dirty="0"/>
           </a:p>
@@ -6262,7 +6400,7 @@
             <a:fld id="{B61BEF0D-F0BB-DE4B-95CE-6DB70DBA9567}" type="datetimeFigureOut">
               <a:rPr lang="en-US" dirty="0"/>
               <a:pPr/>
-              <a:t>12/13/2016</a:t>
+              <a:t>14.12.16</a:t>
             </a:fld>
             <a:endParaRPr lang="en-US" dirty="0"/>
           </a:p>
@@ -6305,7 +6443,7 @@
             <a:fld id="{D57F1E4F-1CFF-5643-939E-217C01CDF565}" type="slidenum">
               <a:rPr lang="en-US" dirty="0"/>
               <a:pPr/>
-              <a:t>‹#›</a:t>
+              <a:t>‹Nr.›</a:t>
             </a:fld>
             <a:endParaRPr lang="en-US" dirty="0"/>
           </a:p>
@@ -6701,7 +6839,7 @@
             <a:fld id="{B61BEF0D-F0BB-DE4B-95CE-6DB70DBA9567}" type="datetimeFigureOut">
               <a:rPr lang="en-US" dirty="0"/>
               <a:pPr/>
-              <a:t>12/13/2016</a:t>
+              <a:t>14.12.16</a:t>
             </a:fld>
             <a:endParaRPr lang="en-US" dirty="0"/>
           </a:p>
@@ -6744,7 +6882,7 @@
             <a:fld id="{D57F1E4F-1CFF-5643-939E-217C01CDF565}" type="slidenum">
               <a:rPr lang="en-US" dirty="0"/>
               <a:pPr/>
-              <a:t>‹#›</a:t>
+              <a:t>‹Nr.›</a:t>
             </a:fld>
             <a:endParaRPr lang="en-US" dirty="0"/>
           </a:p>
@@ -6816,7 +6954,7 @@
             <a:fld id="{B61BEF0D-F0BB-DE4B-95CE-6DB70DBA9567}" type="datetimeFigureOut">
               <a:rPr lang="en-US" dirty="0"/>
               <a:pPr/>
-              <a:t>12/13/2016</a:t>
+              <a:t>14.12.16</a:t>
             </a:fld>
             <a:endParaRPr lang="en-US" dirty="0"/>
           </a:p>
@@ -6859,7 +6997,7 @@
             <a:fld id="{D57F1E4F-1CFF-5643-939E-217C01CDF565}" type="slidenum">
               <a:rPr lang="en-US" dirty="0"/>
               <a:pPr/>
-              <a:t>‹#›</a:t>
+              <a:t>‹Nr.›</a:t>
             </a:fld>
             <a:endParaRPr lang="en-US" dirty="0"/>
           </a:p>
@@ -6908,7 +7046,7 @@
             <a:fld id="{B61BEF0D-F0BB-DE4B-95CE-6DB70DBA9567}" type="datetimeFigureOut">
               <a:rPr lang="en-US" dirty="0"/>
               <a:pPr/>
-              <a:t>12/13/2016</a:t>
+              <a:t>14.12.16</a:t>
             </a:fld>
             <a:endParaRPr lang="en-US" dirty="0"/>
           </a:p>
@@ -6951,7 +7089,7 @@
             <a:fld id="{D57F1E4F-1CFF-5643-939E-217C01CDF565}" type="slidenum">
               <a:rPr lang="en-US" dirty="0"/>
               <a:pPr/>
-              <a:t>‹#›</a:t>
+              <a:t>‹Nr.›</a:t>
             </a:fld>
             <a:endParaRPr lang="en-US" dirty="0"/>
           </a:p>
@@ -7188,7 +7326,7 @@
             <a:fld id="{B61BEF0D-F0BB-DE4B-95CE-6DB70DBA9567}" type="datetimeFigureOut">
               <a:rPr lang="en-US" dirty="0"/>
               <a:pPr/>
-              <a:t>12/13/2016</a:t>
+              <a:t>14.12.16</a:t>
             </a:fld>
             <a:endParaRPr lang="en-US" dirty="0"/>
           </a:p>
@@ -7231,7 +7369,7 @@
             <a:fld id="{D57F1E4F-1CFF-5643-939E-217C01CDF565}" type="slidenum">
               <a:rPr lang="en-US" dirty="0"/>
               <a:pPr/>
-              <a:t>‹#›</a:t>
+              <a:t>‹Nr.›</a:t>
             </a:fld>
             <a:endParaRPr lang="en-US" dirty="0"/>
           </a:p>
@@ -7476,7 +7614,7 @@
             <a:fld id="{B61BEF0D-F0BB-DE4B-95CE-6DB70DBA9567}" type="datetimeFigureOut">
               <a:rPr lang="en-US" dirty="0"/>
               <a:pPr/>
-              <a:t>12/13/2016</a:t>
+              <a:t>14.12.16</a:t>
             </a:fld>
             <a:endParaRPr lang="en-US" dirty="0"/>
           </a:p>
@@ -7519,7 +7657,7 @@
             <a:fld id="{D57F1E4F-1CFF-5643-939E-217C01CDF565}" type="slidenum">
               <a:rPr lang="en-US" dirty="0"/>
               <a:pPr/>
-              <a:t>‹#›</a:t>
+              <a:t>‹Nr.›</a:t>
             </a:fld>
             <a:endParaRPr lang="en-US" dirty="0"/>
           </a:p>
@@ -8003,7 +8141,7 @@
             <a:fld id="{B61BEF0D-F0BB-DE4B-95CE-6DB70DBA9567}" type="datetimeFigureOut">
               <a:rPr lang="en-US" dirty="0"/>
               <a:pPr/>
-              <a:t>12/13/2016</a:t>
+              <a:t>14.12.16</a:t>
             </a:fld>
             <a:endParaRPr lang="en-US" dirty="0"/>
           </a:p>
@@ -8082,7 +8220,7 @@
             <a:fld id="{D57F1E4F-1CFF-5643-939E-217C01CDF565}" type="slidenum">
               <a:rPr lang="en-US" dirty="0"/>
               <a:pPr/>
-              <a:t>‹#›</a:t>
+              <a:t>‹Nr.›</a:t>
             </a:fld>
             <a:endParaRPr lang="en-US" dirty="0"/>
           </a:p>
@@ -8571,19 +8709,49 @@
               </a:rPr>
             </a:br>
             <a:r>
-              <a:rPr lang="de-DE" sz="2400" dirty="0">
+              <a:rPr lang="de-DE" sz="2400" dirty="0" err="1" smtClean="0">
                 <a:latin typeface="Monotype Corsiva" panose="03010101010201010101" pitchFamily="66" charset="0"/>
               </a:rPr>
-              <a:t>a </a:t>
-            </a:r>
-            <a:r>
-              <a:rPr lang="de-DE" sz="2400" dirty="0" err="1">
+              <a:t>the</a:t>
+            </a:r>
+            <a:r>
+              <a:rPr lang="de-DE" sz="2400" dirty="0" smtClean="0">
+                <a:latin typeface="Monotype Corsiva" panose="03010101010201010101" pitchFamily="66" charset="0"/>
+              </a:rPr>
+              <a:t> </a:t>
+            </a:r>
+            <a:r>
+              <a:rPr lang="de-DE" sz="2400" dirty="0" err="1" smtClean="0">
+                <a:latin typeface="Monotype Corsiva" panose="03010101010201010101" pitchFamily="66" charset="0"/>
+              </a:rPr>
+              <a:t>realest</a:t>
+            </a:r>
+            <a:r>
+              <a:rPr lang="de-DE" sz="2400" dirty="0" smtClean="0">
+                <a:latin typeface="Monotype Corsiva" panose="03010101010201010101" pitchFamily="66" charset="0"/>
+              </a:rPr>
+              <a:t> real </a:t>
+            </a:r>
+            <a:r>
+              <a:rPr lang="de-DE" sz="2400" dirty="0" err="1" smtClean="0">
+                <a:latin typeface="Monotype Corsiva" panose="03010101010201010101" pitchFamily="66" charset="0"/>
+              </a:rPr>
+              <a:t>estate</a:t>
+            </a:r>
+            <a:r>
+              <a:rPr lang="de-DE" sz="2400" dirty="0" smtClean="0">
+                <a:latin typeface="Monotype Corsiva" panose="03010101010201010101" pitchFamily="66" charset="0"/>
+              </a:rPr>
+              <a:t>! A </a:t>
+            </a:r>
+            <a:r>
+              <a:rPr lang="de-DE" sz="2400" dirty="0" err="1" smtClean="0">
                 <a:latin typeface="Monotype Corsiva" panose="03010101010201010101" pitchFamily="66" charset="0"/>
               </a:rPr>
               <a:t>presentation</a:t>
             </a:r>
             <a:r>
-              <a:rPr lang="de-DE" sz="2400" dirty="0">
+              <a:rPr lang="de-DE" sz="2400" dirty="0" smtClean="0">
                 <a:latin typeface="Monotype Corsiva" panose="03010101010201010101" pitchFamily="66" charset="0"/>
               </a:rPr>
               <a:t> </a:t>
@@ -8944,7 +9112,7 @@
   <p:timing>
     <p:tnLst>
       <p:par>
-        <p:cTn id="1" dur="indefinite" restart="never" nodeType="tmRoot"/>
+        <p:cTn xmlns:p14="http://schemas.microsoft.com/office/powerpoint/2010/main" id="1" dur="indefinite" restart="never" nodeType="tmRoot"/>
       </p:par>
     </p:tnLst>
   </p:timing>
@@ -9729,7 +9897,7 @@
   <p:timing>
     <p:tnLst>
       <p:par>
-        <p:cTn id="1" dur="indefinite" restart="never" nodeType="tmRoot"/>
+        <p:cTn xmlns:p14="http://schemas.microsoft.com/office/powerpoint/2010/main" id="1" dur="indefinite" restart="never" nodeType="tmRoot"/>
       </p:par>
     </p:tnLst>
   </p:timing>
@@ -10496,7 +10664,7 @@
   <p:timing>
     <p:tnLst>
       <p:par>
-        <p:cTn id="1" dur="indefinite" restart="never" nodeType="tmRoot"/>
+        <p:cTn xmlns:p14="http://schemas.microsoft.com/office/powerpoint/2010/main" id="1" dur="indefinite" restart="never" nodeType="tmRoot"/>
       </p:par>
     </p:tnLst>
   </p:timing>
@@ -11256,7 +11424,7 @@
   <p:timing>
     <p:tnLst>
       <p:par>
-        <p:cTn id="1" dur="indefinite" restart="never" nodeType="tmRoot"/>
+        <p:cTn xmlns:p14="http://schemas.microsoft.com/office/powerpoint/2010/main" id="1" dur="indefinite" restart="never" nodeType="tmRoot"/>
       </p:par>
     </p:tnLst>
   </p:timing>
@@ -12104,7 +12272,7 @@
   <p:timing>
     <p:tnLst>
       <p:par>
-        <p:cTn id="1" dur="indefinite" restart="never" nodeType="tmRoot"/>
+        <p:cTn xmlns:p14="http://schemas.microsoft.com/office/powerpoint/2010/main" id="1" dur="indefinite" restart="never" nodeType="tmRoot"/>
       </p:par>
     </p:tnLst>
   </p:timing>
@@ -12140,8 +12308,8 @@
         </p:nvSpPr>
         <p:spPr>
           <a:xfrm>
-            <a:off x="810915" y="691116"/>
-            <a:ext cx="10018713" cy="1752599"/>
+            <a:off x="1484311" y="381000"/>
+            <a:ext cx="10018713" cy="1126067"/>
           </a:xfrm>
         </p:spPr>
         <p:txBody>
@@ -12149,24 +12317,43 @@
           <a:lstStyle/>
           <a:p>
             <a:r>
-              <a:rPr lang="de-DE" dirty="0" err="1"/>
-              <a:t>Why</a:t>
-            </a:r>
-            <a:r>
-              <a:rPr lang="de-DE" dirty="0"/>
-              <a:t> </a:t>
-            </a:r>
-            <a:r>
-              <a:rPr lang="de-DE" dirty="0" err="1"/>
-              <a:t>us</a:t>
-            </a:r>
-            <a:r>
-              <a:rPr lang="de-DE" dirty="0"/>
-              <a:t>?</a:t>
-            </a:r>
+              <a:rPr lang="de-DE" dirty="0" smtClean="0"/>
+              <a:t>Demo</a:t>
+            </a:r>
+            <a:endParaRPr lang="de-DE" dirty="0"/>
           </a:p>
         </p:txBody>
       </p:sp>
+      <p:pic>
+        <p:nvPicPr>
+          <p:cNvPr id="5" name="Bild 4" descr="demo.png"/>
+          <p:cNvPicPr>
+            <a:picLocks noChangeAspect="1"/>
+          </p:cNvPicPr>
+          <p:nvPr/>
+        </p:nvPicPr>
+        <p:blipFill>
+          <a:blip r:embed="rId3">
+            <a:extLst>
+              <a:ext uri="{28A0092B-C50C-407E-A947-70E740481C1C}">
+                <a14:useLocalDpi xmlns:a14="http://schemas.microsoft.com/office/drawing/2010/main" val="0"/>
+              </a:ext>
+            </a:extLst>
+          </a:blip>
+          <a:stretch>
+            <a:fillRect/>
+          </a:stretch>
+        </p:blipFill>
+        <p:spPr>
+          <a:xfrm>
+            <a:off x="2525264" y="1625600"/>
+            <a:ext cx="7804069" cy="4916463"/>
+          </a:xfrm>
+          <a:prstGeom prst="rect">
+            <a:avLst/>
+          </a:prstGeom>
+        </p:spPr>
+      </p:pic>
       <p:sp>
         <p:nvSpPr>
           <p:cNvPr id="6" name="Inhaltsplatzhalter 2"/>
@@ -12434,6 +12621,349 @@
           </a:p>
         </p:txBody>
       </p:sp>
+    </p:spTree>
+    <p:extLst>
+      <p:ext uri="{BB962C8B-B14F-4D97-AF65-F5344CB8AC3E}">
+        <p14:creationId xmlns:p14="http://schemas.microsoft.com/office/powerpoint/2010/main" val="3729251036"/>
+      </p:ext>
+    </p:extLst>
+  </p:cSld>
+  <p:clrMapOvr>
+    <a:masterClrMapping/>
+  </p:clrMapOvr>
+  <p:timing>
+    <p:tnLst>
+      <p:par>
+        <p:cTn xmlns:p14="http://schemas.microsoft.com/office/powerpoint/2010/main" id="1" dur="indefinite" restart="never" nodeType="tmRoot"/>
+      </p:par>
+    </p:tnLst>
+  </p:timing>
+</p:sld>
+</file>
+
+<file path=ppt/slides/slide15.xml><?xml version="1.0" encoding="utf-8"?>
+<p:sld xmlns:a="http://schemas.openxmlformats.org/drawingml/2006/main" xmlns:r="http://schemas.openxmlformats.org/officeDocument/2006/relationships" xmlns:p="http://schemas.openxmlformats.org/presentationml/2006/main">
+  <p:cSld>
+    <p:spTree>
+      <p:nvGrpSpPr>
+        <p:cNvPr id="1" name=""/>
+        <p:cNvGrpSpPr/>
+        <p:nvPr/>
+      </p:nvGrpSpPr>
+      <p:grpSpPr>
+        <a:xfrm>
+          <a:off x="0" y="0"/>
+          <a:ext cx="0" cy="0"/>
+          <a:chOff x="0" y="0"/>
+          <a:chExt cx="0" cy="0"/>
+        </a:xfrm>
+      </p:grpSpPr>
+      <p:sp>
+        <p:nvSpPr>
+          <p:cNvPr id="2" name="Titel 1"/>
+          <p:cNvSpPr>
+            <a:spLocks noGrp="1"/>
+          </p:cNvSpPr>
+          <p:nvPr>
+            <p:ph type="title"/>
+          </p:nvPr>
+        </p:nvSpPr>
+        <p:spPr>
+          <a:xfrm>
+            <a:off x="810915" y="691116"/>
+            <a:ext cx="10018713" cy="1752599"/>
+          </a:xfrm>
+        </p:spPr>
+        <p:txBody>
+          <a:bodyPr/>
+          <a:lstStyle/>
+          <a:p>
+            <a:r>
+              <a:rPr lang="de-DE" dirty="0" err="1"/>
+              <a:t>Why</a:t>
+            </a:r>
+            <a:r>
+              <a:rPr lang="de-DE" dirty="0"/>
+              <a:t> </a:t>
+            </a:r>
+            <a:r>
+              <a:rPr lang="de-DE" dirty="0" err="1"/>
+              <a:t>us</a:t>
+            </a:r>
+            <a:r>
+              <a:rPr lang="de-DE" dirty="0"/>
+              <a:t>?</a:t>
+            </a:r>
+          </a:p>
+        </p:txBody>
+      </p:sp>
+      <p:sp>
+        <p:nvSpPr>
+          <p:cNvPr id="6" name="Inhaltsplatzhalter 2"/>
+          <p:cNvSpPr txBox="1">
+            <a:spLocks/>
+          </p:cNvSpPr>
+          <p:nvPr/>
+        </p:nvSpPr>
+        <p:spPr>
+          <a:xfrm>
+            <a:off x="8137451" y="-41565"/>
+            <a:ext cx="4054549" cy="370610"/>
+          </a:xfrm>
+          <a:prstGeom prst="rect">
+            <a:avLst/>
+          </a:prstGeom>
+        </p:spPr>
+        <p:txBody>
+          <a:bodyPr vert="horz" lIns="91440" tIns="45720" rIns="91440" bIns="45720" rtlCol="0" anchor="ctr">
+            <a:normAutofit/>
+          </a:bodyPr>
+          <a:lstStyle>
+            <a:lvl1pPr marL="285750" indent="-285750" algn="l" defTabSz="457200" rtl="0" eaLnBrk="1" latinLnBrk="0" hangingPunct="1">
+              <a:spcBef>
+                <a:spcPct val="20000"/>
+              </a:spcBef>
+              <a:spcAft>
+                <a:spcPts val="600"/>
+              </a:spcAft>
+              <a:buClr>
+                <a:schemeClr val="accent1">
+                  <a:lumMod val="75000"/>
+                </a:schemeClr>
+              </a:buClr>
+              <a:buSzPct val="145000"/>
+              <a:buFont typeface="Arial"/>
+              <a:buChar char="•"/>
+              <a:defRPr sz="2400" kern="1200" cap="none">
+                <a:solidFill>
+                  <a:schemeClr val="tx1"/>
+                </a:solidFill>
+                <a:effectLst/>
+                <a:latin typeface="+mn-lt"/>
+                <a:ea typeface="+mn-ea"/>
+                <a:cs typeface="+mn-cs"/>
+              </a:defRPr>
+            </a:lvl1pPr>
+            <a:lvl2pPr marL="742950" indent="-285750" algn="l" defTabSz="457200" rtl="0" eaLnBrk="1" latinLnBrk="0" hangingPunct="1">
+              <a:spcBef>
+                <a:spcPct val="20000"/>
+              </a:spcBef>
+              <a:spcAft>
+                <a:spcPts val="600"/>
+              </a:spcAft>
+              <a:buClr>
+                <a:schemeClr val="accent1">
+                  <a:lumMod val="75000"/>
+                </a:schemeClr>
+              </a:buClr>
+              <a:buSzPct val="145000"/>
+              <a:buFont typeface="Arial"/>
+              <a:buChar char="•"/>
+              <a:defRPr sz="2000" kern="1200" cap="none">
+                <a:solidFill>
+                  <a:schemeClr val="tx1"/>
+                </a:solidFill>
+                <a:effectLst/>
+                <a:latin typeface="+mn-lt"/>
+                <a:ea typeface="+mn-ea"/>
+                <a:cs typeface="+mn-cs"/>
+              </a:defRPr>
+            </a:lvl2pPr>
+            <a:lvl3pPr marL="1200150" indent="-285750" algn="l" defTabSz="457200" rtl="0" eaLnBrk="1" latinLnBrk="0" hangingPunct="1">
+              <a:spcBef>
+                <a:spcPct val="20000"/>
+              </a:spcBef>
+              <a:spcAft>
+                <a:spcPts val="600"/>
+              </a:spcAft>
+              <a:buClr>
+                <a:schemeClr val="accent1">
+                  <a:lumMod val="75000"/>
+                </a:schemeClr>
+              </a:buClr>
+              <a:buSzPct val="145000"/>
+              <a:buFont typeface="Arial"/>
+              <a:buChar char="•"/>
+              <a:defRPr sz="1800" kern="1200" cap="none">
+                <a:solidFill>
+                  <a:schemeClr val="tx1"/>
+                </a:solidFill>
+                <a:effectLst/>
+                <a:latin typeface="+mn-lt"/>
+                <a:ea typeface="+mn-ea"/>
+                <a:cs typeface="+mn-cs"/>
+              </a:defRPr>
+            </a:lvl3pPr>
+            <a:lvl4pPr marL="1543050" indent="-171450" algn="l" defTabSz="457200" rtl="0" eaLnBrk="1" latinLnBrk="0" hangingPunct="1">
+              <a:spcBef>
+                <a:spcPct val="20000"/>
+              </a:spcBef>
+              <a:spcAft>
+                <a:spcPts val="600"/>
+              </a:spcAft>
+              <a:buClr>
+                <a:schemeClr val="accent1">
+                  <a:lumMod val="75000"/>
+                </a:schemeClr>
+              </a:buClr>
+              <a:buSzPct val="145000"/>
+              <a:buFont typeface="Arial"/>
+              <a:buChar char="•"/>
+              <a:defRPr sz="1600" kern="1200" cap="none">
+                <a:solidFill>
+                  <a:schemeClr val="tx1"/>
+                </a:solidFill>
+                <a:effectLst/>
+                <a:latin typeface="+mn-lt"/>
+                <a:ea typeface="+mn-ea"/>
+                <a:cs typeface="+mn-cs"/>
+              </a:defRPr>
+            </a:lvl4pPr>
+            <a:lvl5pPr marL="2000250" indent="-171450" algn="l" defTabSz="457200" rtl="0" eaLnBrk="1" latinLnBrk="0" hangingPunct="1">
+              <a:spcBef>
+                <a:spcPct val="20000"/>
+              </a:spcBef>
+              <a:spcAft>
+                <a:spcPts val="600"/>
+              </a:spcAft>
+              <a:buClr>
+                <a:schemeClr val="accent1">
+                  <a:lumMod val="75000"/>
+                </a:schemeClr>
+              </a:buClr>
+              <a:buSzPct val="145000"/>
+              <a:buFont typeface="Arial"/>
+              <a:buChar char="•"/>
+              <a:defRPr sz="1400" kern="1200" cap="none">
+                <a:solidFill>
+                  <a:schemeClr val="tx1"/>
+                </a:solidFill>
+                <a:effectLst/>
+                <a:latin typeface="+mn-lt"/>
+                <a:ea typeface="+mn-ea"/>
+                <a:cs typeface="+mn-cs"/>
+              </a:defRPr>
+            </a:lvl5pPr>
+            <a:lvl6pPr marL="2514600" indent="-228600" algn="l" defTabSz="457200" rtl="0" eaLnBrk="1" latinLnBrk="0" hangingPunct="1">
+              <a:spcBef>
+                <a:spcPct val="20000"/>
+              </a:spcBef>
+              <a:spcAft>
+                <a:spcPts val="600"/>
+              </a:spcAft>
+              <a:buClr>
+                <a:schemeClr val="accent1">
+                  <a:lumMod val="75000"/>
+                </a:schemeClr>
+              </a:buClr>
+              <a:buSzPct val="145000"/>
+              <a:buFont typeface="Arial"/>
+              <a:buChar char="•"/>
+              <a:defRPr sz="1400" kern="1200" cap="none">
+                <a:solidFill>
+                  <a:schemeClr val="tx1"/>
+                </a:solidFill>
+                <a:effectLst/>
+                <a:latin typeface="+mn-lt"/>
+                <a:ea typeface="+mn-ea"/>
+                <a:cs typeface="+mn-cs"/>
+              </a:defRPr>
+            </a:lvl6pPr>
+            <a:lvl7pPr marL="2971800" indent="-228600" algn="l" defTabSz="457200" rtl="0" eaLnBrk="1" latinLnBrk="0" hangingPunct="1">
+              <a:spcBef>
+                <a:spcPct val="20000"/>
+              </a:spcBef>
+              <a:spcAft>
+                <a:spcPts val="600"/>
+              </a:spcAft>
+              <a:buClr>
+                <a:schemeClr val="accent1">
+                  <a:lumMod val="75000"/>
+                </a:schemeClr>
+              </a:buClr>
+              <a:buSzPct val="145000"/>
+              <a:buFont typeface="Arial"/>
+              <a:buChar char="•"/>
+              <a:defRPr sz="1400" kern="1200" cap="none">
+                <a:solidFill>
+                  <a:schemeClr val="tx1"/>
+                </a:solidFill>
+                <a:effectLst/>
+                <a:latin typeface="+mn-lt"/>
+                <a:ea typeface="+mn-ea"/>
+                <a:cs typeface="+mn-cs"/>
+              </a:defRPr>
+            </a:lvl7pPr>
+            <a:lvl8pPr marL="3429000" indent="-228600" algn="l" defTabSz="457200" rtl="0" eaLnBrk="1" latinLnBrk="0" hangingPunct="1">
+              <a:spcBef>
+                <a:spcPct val="20000"/>
+              </a:spcBef>
+              <a:spcAft>
+                <a:spcPts val="600"/>
+              </a:spcAft>
+              <a:buClr>
+                <a:schemeClr val="accent1">
+                  <a:lumMod val="75000"/>
+                </a:schemeClr>
+              </a:buClr>
+              <a:buSzPct val="145000"/>
+              <a:buFont typeface="Arial"/>
+              <a:buChar char="•"/>
+              <a:defRPr sz="1400" kern="1200" cap="none">
+                <a:solidFill>
+                  <a:schemeClr val="tx1"/>
+                </a:solidFill>
+                <a:effectLst/>
+                <a:latin typeface="+mn-lt"/>
+                <a:ea typeface="+mn-ea"/>
+                <a:cs typeface="+mn-cs"/>
+              </a:defRPr>
+            </a:lvl8pPr>
+            <a:lvl9pPr marL="3886200" indent="-228600" algn="l" defTabSz="457200" rtl="0" eaLnBrk="1" latinLnBrk="0" hangingPunct="1">
+              <a:spcBef>
+                <a:spcPct val="20000"/>
+              </a:spcBef>
+              <a:spcAft>
+                <a:spcPts val="600"/>
+              </a:spcAft>
+              <a:buClr>
+                <a:schemeClr val="accent1">
+                  <a:lumMod val="75000"/>
+                </a:schemeClr>
+              </a:buClr>
+              <a:buSzPct val="145000"/>
+              <a:buFont typeface="Arial"/>
+              <a:buChar char="•"/>
+              <a:defRPr sz="1400" kern="1200" cap="none">
+                <a:solidFill>
+                  <a:schemeClr val="tx1"/>
+                </a:solidFill>
+                <a:effectLst/>
+                <a:latin typeface="+mn-lt"/>
+                <a:ea typeface="+mn-ea"/>
+                <a:cs typeface="+mn-cs"/>
+              </a:defRPr>
+            </a:lvl9pPr>
+          </a:lstStyle>
+          <a:p>
+            <a:pPr marL="0" indent="0">
+              <a:buNone/>
+            </a:pPr>
+            <a:r>
+              <a:rPr lang="de-DE" sz="1000" dirty="0"/>
+              <a:t>Rem0 Röthlisberger, Eric </a:t>
+            </a:r>
+            <a:r>
+              <a:rPr lang="de-DE" sz="1000" dirty="0" err="1"/>
+              <a:t>Lagger</a:t>
+            </a:r>
+            <a:r>
+              <a:rPr lang="de-DE" sz="1000" dirty="0"/>
+              <a:t>, Vincent Hofer, Dean Klopsch, Aebi Ryan</a:t>
+            </a:r>
+          </a:p>
+        </p:txBody>
+      </p:sp>
       <p:sp>
         <p:nvSpPr>
           <p:cNvPr id="7" name="Inhaltsplatzhalter 2"/>
@@ -12566,14 +13096,14 @@
   <p:timing>
     <p:tnLst>
       <p:par>
-        <p:cTn id="1" dur="indefinite" restart="never" nodeType="tmRoot"/>
+        <p:cTn xmlns:p14="http://schemas.microsoft.com/office/powerpoint/2010/main" id="1" dur="indefinite" restart="never" nodeType="tmRoot"/>
       </p:par>
     </p:tnLst>
   </p:timing>
 </p:sld>
 </file>
 
-<file path=ppt/slides/slide15.xml><?xml version="1.0" encoding="utf-8"?>
+<file path=ppt/slides/slide16.xml><?xml version="1.0" encoding="utf-8"?>
 <p:sld xmlns:a="http://schemas.openxmlformats.org/drawingml/2006/main" xmlns:r="http://schemas.openxmlformats.org/officeDocument/2006/relationships" xmlns:p="http://schemas.openxmlformats.org/presentationml/2006/main">
   <p:cSld>
     <p:spTree>
@@ -12932,14 +13462,14 @@
   <p:timing>
     <p:tnLst>
       <p:par>
-        <p:cTn id="1" dur="indefinite" restart="never" nodeType="tmRoot"/>
+        <p:cTn xmlns:p14="http://schemas.microsoft.com/office/powerpoint/2010/main" id="1" dur="indefinite" restart="never" nodeType="tmRoot"/>
       </p:par>
     </p:tnLst>
   </p:timing>
 </p:sld>
 </file>
 
-<file path=ppt/slides/slide16.xml><?xml version="1.0" encoding="utf-8"?>
+<file path=ppt/slides/slide17.xml><?xml version="1.0" encoding="utf-8"?>
 <p:sld xmlns:a="http://schemas.openxmlformats.org/drawingml/2006/main" xmlns:r="http://schemas.openxmlformats.org/officeDocument/2006/relationships" xmlns:p="http://schemas.openxmlformats.org/presentationml/2006/main">
   <p:cSld>
     <p:spTree>
@@ -13298,14 +13828,14 @@
   <p:timing>
     <p:tnLst>
       <p:par>
-        <p:cTn id="1" dur="indefinite" restart="never" nodeType="tmRoot"/>
+        <p:cTn xmlns:p14="http://schemas.microsoft.com/office/powerpoint/2010/main" id="1" dur="indefinite" restart="never" nodeType="tmRoot"/>
       </p:par>
     </p:tnLst>
   </p:timing>
 </p:sld>
 </file>
 
-<file path=ppt/slides/slide17.xml><?xml version="1.0" encoding="utf-8"?>
+<file path=ppt/slides/slide18.xml><?xml version="1.0" encoding="utf-8"?>
 <p:sld xmlns:a="http://schemas.openxmlformats.org/drawingml/2006/main" xmlns:r="http://schemas.openxmlformats.org/officeDocument/2006/relationships" xmlns:p="http://schemas.openxmlformats.org/presentationml/2006/main">
   <p:cSld>
     <p:spTree>
@@ -13664,14 +14194,14 @@
   <p:timing>
     <p:tnLst>
       <p:par>
-        <p:cTn id="1" dur="indefinite" restart="never" nodeType="tmRoot"/>
+        <p:cTn xmlns:p14="http://schemas.microsoft.com/office/powerpoint/2010/main" id="1" dur="indefinite" restart="never" nodeType="tmRoot"/>
       </p:par>
     </p:tnLst>
   </p:timing>
 </p:sld>
 </file>
 
-<file path=ppt/slides/slide18.xml><?xml version="1.0" encoding="utf-8"?>
+<file path=ppt/slides/slide19.xml><?xml version="1.0" encoding="utf-8"?>
 <p:sld xmlns:a="http://schemas.openxmlformats.org/drawingml/2006/main" xmlns:r="http://schemas.openxmlformats.org/officeDocument/2006/relationships" xmlns:p="http://schemas.openxmlformats.org/presentationml/2006/main">
   <p:cSld>
     <p:spTree>
@@ -14030,373 +14560,7 @@
   <p:timing>
     <p:tnLst>
       <p:par>
-        <p:cTn id="1" dur="indefinite" restart="never" nodeType="tmRoot"/>
-      </p:par>
-    </p:tnLst>
-  </p:timing>
-</p:sld>
-</file>
-
-<file path=ppt/slides/slide19.xml><?xml version="1.0" encoding="utf-8"?>
-<p:sld xmlns:a="http://schemas.openxmlformats.org/drawingml/2006/main" xmlns:r="http://schemas.openxmlformats.org/officeDocument/2006/relationships" xmlns:p="http://schemas.openxmlformats.org/presentationml/2006/main">
-  <p:cSld>
-    <p:spTree>
-      <p:nvGrpSpPr>
-        <p:cNvPr id="1" name=""/>
-        <p:cNvGrpSpPr/>
-        <p:nvPr/>
-      </p:nvGrpSpPr>
-      <p:grpSpPr>
-        <a:xfrm>
-          <a:off x="0" y="0"/>
-          <a:ext cx="0" cy="0"/>
-          <a:chOff x="0" y="0"/>
-          <a:chExt cx="0" cy="0"/>
-        </a:xfrm>
-      </p:grpSpPr>
-      <p:sp>
-        <p:nvSpPr>
-          <p:cNvPr id="2" name="Titel 1"/>
-          <p:cNvSpPr>
-            <a:spLocks noGrp="1"/>
-          </p:cNvSpPr>
-          <p:nvPr>
-            <p:ph type="title"/>
-          </p:nvPr>
-        </p:nvSpPr>
-        <p:spPr>
-          <a:xfrm>
-            <a:off x="810915" y="691116"/>
-            <a:ext cx="10018713" cy="1752599"/>
-          </a:xfrm>
-        </p:spPr>
-        <p:txBody>
-          <a:bodyPr/>
-          <a:lstStyle/>
-          <a:p>
-            <a:r>
-              <a:rPr lang="de-DE" dirty="0"/>
-              <a:t>Code </a:t>
-            </a:r>
-            <a:r>
-              <a:rPr lang="de-DE"/>
-              <a:t>quality</a:t>
-            </a:r>
-            <a:endParaRPr lang="de-DE" dirty="0"/>
-          </a:p>
-        </p:txBody>
-      </p:sp>
-      <p:sp>
-        <p:nvSpPr>
-          <p:cNvPr id="6" name="Inhaltsplatzhalter 2"/>
-          <p:cNvSpPr txBox="1">
-            <a:spLocks/>
-          </p:cNvSpPr>
-          <p:nvPr/>
-        </p:nvSpPr>
-        <p:spPr>
-          <a:xfrm>
-            <a:off x="8137451" y="-41565"/>
-            <a:ext cx="4054549" cy="370610"/>
-          </a:xfrm>
-          <a:prstGeom prst="rect">
-            <a:avLst/>
-          </a:prstGeom>
-        </p:spPr>
-        <p:txBody>
-          <a:bodyPr vert="horz" lIns="91440" tIns="45720" rIns="91440" bIns="45720" rtlCol="0" anchor="ctr">
-            <a:normAutofit/>
-          </a:bodyPr>
-          <a:lstStyle>
-            <a:lvl1pPr marL="285750" indent="-285750" algn="l" defTabSz="457200" rtl="0" eaLnBrk="1" latinLnBrk="0" hangingPunct="1">
-              <a:spcBef>
-                <a:spcPct val="20000"/>
-              </a:spcBef>
-              <a:spcAft>
-                <a:spcPts val="600"/>
-              </a:spcAft>
-              <a:buClr>
-                <a:schemeClr val="accent1">
-                  <a:lumMod val="75000"/>
-                </a:schemeClr>
-              </a:buClr>
-              <a:buSzPct val="145000"/>
-              <a:buFont typeface="Arial"/>
-              <a:buChar char="•"/>
-              <a:defRPr sz="2400" kern="1200" cap="none">
-                <a:solidFill>
-                  <a:schemeClr val="tx1"/>
-                </a:solidFill>
-                <a:effectLst/>
-                <a:latin typeface="+mn-lt"/>
-                <a:ea typeface="+mn-ea"/>
-                <a:cs typeface="+mn-cs"/>
-              </a:defRPr>
-            </a:lvl1pPr>
-            <a:lvl2pPr marL="742950" indent="-285750" algn="l" defTabSz="457200" rtl="0" eaLnBrk="1" latinLnBrk="0" hangingPunct="1">
-              <a:spcBef>
-                <a:spcPct val="20000"/>
-              </a:spcBef>
-              <a:spcAft>
-                <a:spcPts val="600"/>
-              </a:spcAft>
-              <a:buClr>
-                <a:schemeClr val="accent1">
-                  <a:lumMod val="75000"/>
-                </a:schemeClr>
-              </a:buClr>
-              <a:buSzPct val="145000"/>
-              <a:buFont typeface="Arial"/>
-              <a:buChar char="•"/>
-              <a:defRPr sz="2000" kern="1200" cap="none">
-                <a:solidFill>
-                  <a:schemeClr val="tx1"/>
-                </a:solidFill>
-                <a:effectLst/>
-                <a:latin typeface="+mn-lt"/>
-                <a:ea typeface="+mn-ea"/>
-                <a:cs typeface="+mn-cs"/>
-              </a:defRPr>
-            </a:lvl2pPr>
-            <a:lvl3pPr marL="1200150" indent="-285750" algn="l" defTabSz="457200" rtl="0" eaLnBrk="1" latinLnBrk="0" hangingPunct="1">
-              <a:spcBef>
-                <a:spcPct val="20000"/>
-              </a:spcBef>
-              <a:spcAft>
-                <a:spcPts val="600"/>
-              </a:spcAft>
-              <a:buClr>
-                <a:schemeClr val="accent1">
-                  <a:lumMod val="75000"/>
-                </a:schemeClr>
-              </a:buClr>
-              <a:buSzPct val="145000"/>
-              <a:buFont typeface="Arial"/>
-              <a:buChar char="•"/>
-              <a:defRPr sz="1800" kern="1200" cap="none">
-                <a:solidFill>
-                  <a:schemeClr val="tx1"/>
-                </a:solidFill>
-                <a:effectLst/>
-                <a:latin typeface="+mn-lt"/>
-                <a:ea typeface="+mn-ea"/>
-                <a:cs typeface="+mn-cs"/>
-              </a:defRPr>
-            </a:lvl3pPr>
-            <a:lvl4pPr marL="1543050" indent="-171450" algn="l" defTabSz="457200" rtl="0" eaLnBrk="1" latinLnBrk="0" hangingPunct="1">
-              <a:spcBef>
-                <a:spcPct val="20000"/>
-              </a:spcBef>
-              <a:spcAft>
-                <a:spcPts val="600"/>
-              </a:spcAft>
-              <a:buClr>
-                <a:schemeClr val="accent1">
-                  <a:lumMod val="75000"/>
-                </a:schemeClr>
-              </a:buClr>
-              <a:buSzPct val="145000"/>
-              <a:buFont typeface="Arial"/>
-              <a:buChar char="•"/>
-              <a:defRPr sz="1600" kern="1200" cap="none">
-                <a:solidFill>
-                  <a:schemeClr val="tx1"/>
-                </a:solidFill>
-                <a:effectLst/>
-                <a:latin typeface="+mn-lt"/>
-                <a:ea typeface="+mn-ea"/>
-                <a:cs typeface="+mn-cs"/>
-              </a:defRPr>
-            </a:lvl4pPr>
-            <a:lvl5pPr marL="2000250" indent="-171450" algn="l" defTabSz="457200" rtl="0" eaLnBrk="1" latinLnBrk="0" hangingPunct="1">
-              <a:spcBef>
-                <a:spcPct val="20000"/>
-              </a:spcBef>
-              <a:spcAft>
-                <a:spcPts val="600"/>
-              </a:spcAft>
-              <a:buClr>
-                <a:schemeClr val="accent1">
-                  <a:lumMod val="75000"/>
-                </a:schemeClr>
-              </a:buClr>
-              <a:buSzPct val="145000"/>
-              <a:buFont typeface="Arial"/>
-              <a:buChar char="•"/>
-              <a:defRPr sz="1400" kern="1200" cap="none">
-                <a:solidFill>
-                  <a:schemeClr val="tx1"/>
-                </a:solidFill>
-                <a:effectLst/>
-                <a:latin typeface="+mn-lt"/>
-                <a:ea typeface="+mn-ea"/>
-                <a:cs typeface="+mn-cs"/>
-              </a:defRPr>
-            </a:lvl5pPr>
-            <a:lvl6pPr marL="2514600" indent="-228600" algn="l" defTabSz="457200" rtl="0" eaLnBrk="1" latinLnBrk="0" hangingPunct="1">
-              <a:spcBef>
-                <a:spcPct val="20000"/>
-              </a:spcBef>
-              <a:spcAft>
-                <a:spcPts val="600"/>
-              </a:spcAft>
-              <a:buClr>
-                <a:schemeClr val="accent1">
-                  <a:lumMod val="75000"/>
-                </a:schemeClr>
-              </a:buClr>
-              <a:buSzPct val="145000"/>
-              <a:buFont typeface="Arial"/>
-              <a:buChar char="•"/>
-              <a:defRPr sz="1400" kern="1200" cap="none">
-                <a:solidFill>
-                  <a:schemeClr val="tx1"/>
-                </a:solidFill>
-                <a:effectLst/>
-                <a:latin typeface="+mn-lt"/>
-                <a:ea typeface="+mn-ea"/>
-                <a:cs typeface="+mn-cs"/>
-              </a:defRPr>
-            </a:lvl6pPr>
-            <a:lvl7pPr marL="2971800" indent="-228600" algn="l" defTabSz="457200" rtl="0" eaLnBrk="1" latinLnBrk="0" hangingPunct="1">
-              <a:spcBef>
-                <a:spcPct val="20000"/>
-              </a:spcBef>
-              <a:spcAft>
-                <a:spcPts val="600"/>
-              </a:spcAft>
-              <a:buClr>
-                <a:schemeClr val="accent1">
-                  <a:lumMod val="75000"/>
-                </a:schemeClr>
-              </a:buClr>
-              <a:buSzPct val="145000"/>
-              <a:buFont typeface="Arial"/>
-              <a:buChar char="•"/>
-              <a:defRPr sz="1400" kern="1200" cap="none">
-                <a:solidFill>
-                  <a:schemeClr val="tx1"/>
-                </a:solidFill>
-                <a:effectLst/>
-                <a:latin typeface="+mn-lt"/>
-                <a:ea typeface="+mn-ea"/>
-                <a:cs typeface="+mn-cs"/>
-              </a:defRPr>
-            </a:lvl7pPr>
-            <a:lvl8pPr marL="3429000" indent="-228600" algn="l" defTabSz="457200" rtl="0" eaLnBrk="1" latinLnBrk="0" hangingPunct="1">
-              <a:spcBef>
-                <a:spcPct val="20000"/>
-              </a:spcBef>
-              <a:spcAft>
-                <a:spcPts val="600"/>
-              </a:spcAft>
-              <a:buClr>
-                <a:schemeClr val="accent1">
-                  <a:lumMod val="75000"/>
-                </a:schemeClr>
-              </a:buClr>
-              <a:buSzPct val="145000"/>
-              <a:buFont typeface="Arial"/>
-              <a:buChar char="•"/>
-              <a:defRPr sz="1400" kern="1200" cap="none">
-                <a:solidFill>
-                  <a:schemeClr val="tx1"/>
-                </a:solidFill>
-                <a:effectLst/>
-                <a:latin typeface="+mn-lt"/>
-                <a:ea typeface="+mn-ea"/>
-                <a:cs typeface="+mn-cs"/>
-              </a:defRPr>
-            </a:lvl8pPr>
-            <a:lvl9pPr marL="3886200" indent="-228600" algn="l" defTabSz="457200" rtl="0" eaLnBrk="1" latinLnBrk="0" hangingPunct="1">
-              <a:spcBef>
-                <a:spcPct val="20000"/>
-              </a:spcBef>
-              <a:spcAft>
-                <a:spcPts val="600"/>
-              </a:spcAft>
-              <a:buClr>
-                <a:schemeClr val="accent1">
-                  <a:lumMod val="75000"/>
-                </a:schemeClr>
-              </a:buClr>
-              <a:buSzPct val="145000"/>
-              <a:buFont typeface="Arial"/>
-              <a:buChar char="•"/>
-              <a:defRPr sz="1400" kern="1200" cap="none">
-                <a:solidFill>
-                  <a:schemeClr val="tx1"/>
-                </a:solidFill>
-                <a:effectLst/>
-                <a:latin typeface="+mn-lt"/>
-                <a:ea typeface="+mn-ea"/>
-                <a:cs typeface="+mn-cs"/>
-              </a:defRPr>
-            </a:lvl9pPr>
-          </a:lstStyle>
-          <a:p>
-            <a:pPr marL="0" indent="0">
-              <a:buNone/>
-            </a:pPr>
-            <a:r>
-              <a:rPr lang="de-DE" sz="1000" dirty="0" smtClean="0"/>
-              <a:t>Rem0 Röthlisberger, Eric </a:t>
-            </a:r>
-            <a:r>
-              <a:rPr lang="de-DE" sz="1000" dirty="0" err="1" smtClean="0"/>
-              <a:t>Lagger</a:t>
-            </a:r>
-            <a:r>
-              <a:rPr lang="de-DE" sz="1000" dirty="0" smtClean="0"/>
-              <a:t>, Vincent Hofer, Dean Klopsch, Aebi Ryan</a:t>
-            </a:r>
-            <a:endParaRPr lang="de-DE" sz="1000" dirty="0"/>
-          </a:p>
-        </p:txBody>
-      </p:sp>
-      <p:pic>
-        <p:nvPicPr>
-          <p:cNvPr id="8" name="Inhaltsplatzhalter 7"/>
-          <p:cNvPicPr>
-            <a:picLocks noGrp="1" noChangeAspect="1"/>
-          </p:cNvPicPr>
-          <p:nvPr>
-            <p:ph idx="1"/>
-          </p:nvPr>
-        </p:nvPicPr>
-        <p:blipFill>
-          <a:blip r:embed="rId3">
-            <a:extLst>
-              <a:ext uri="{28A0092B-C50C-407E-A947-70E740481C1C}">
-                <a14:useLocalDpi xmlns:a14="http://schemas.microsoft.com/office/drawing/2010/main" val="0"/>
-              </a:ext>
-            </a:extLst>
-          </a:blip>
-          <a:stretch>
-            <a:fillRect/>
-          </a:stretch>
-        </p:blipFill>
-        <p:spPr>
-          <a:xfrm>
-            <a:off x="1916024" y="1945172"/>
-            <a:ext cx="7808494" cy="4407501"/>
-          </a:xfrm>
-        </p:spPr>
-      </p:pic>
-    </p:spTree>
-    <p:extLst>
-      <p:ext uri="{BB962C8B-B14F-4D97-AF65-F5344CB8AC3E}">
-        <p14:creationId xmlns:p14="http://schemas.microsoft.com/office/powerpoint/2010/main" val="896141722"/>
-      </p:ext>
-    </p:extLst>
-  </p:cSld>
-  <p:clrMapOvr>
-    <a:masterClrMapping/>
-  </p:clrMapOvr>
-  <p:timing>
-    <p:tnLst>
-      <p:par>
-        <p:cTn id="1" dur="indefinite" restart="never" nodeType="tmRoot"/>
+        <p:cTn xmlns:p14="http://schemas.microsoft.com/office/powerpoint/2010/main" id="1" dur="indefinite" restart="never" nodeType="tmRoot"/>
       </p:par>
     </p:tnLst>
   </p:timing>
@@ -14845,7 +15009,7 @@
   <p:timing>
     <p:tnLst>
       <p:par>
-        <p:cTn id="1" dur="indefinite" restart="never" nodeType="tmRoot"/>
+        <p:cTn xmlns:p14="http://schemas.microsoft.com/office/powerpoint/2010/main" id="1" dur="indefinite" restart="never" nodeType="tmRoot"/>
       </p:par>
     </p:tnLst>
   </p:timing>
@@ -14853,6 +15017,372 @@
 </file>
 
 <file path=ppt/slides/slide20.xml><?xml version="1.0" encoding="utf-8"?>
+<p:sld xmlns:a="http://schemas.openxmlformats.org/drawingml/2006/main" xmlns:r="http://schemas.openxmlformats.org/officeDocument/2006/relationships" xmlns:p="http://schemas.openxmlformats.org/presentationml/2006/main">
+  <p:cSld>
+    <p:spTree>
+      <p:nvGrpSpPr>
+        <p:cNvPr id="1" name=""/>
+        <p:cNvGrpSpPr/>
+        <p:nvPr/>
+      </p:nvGrpSpPr>
+      <p:grpSpPr>
+        <a:xfrm>
+          <a:off x="0" y="0"/>
+          <a:ext cx="0" cy="0"/>
+          <a:chOff x="0" y="0"/>
+          <a:chExt cx="0" cy="0"/>
+        </a:xfrm>
+      </p:grpSpPr>
+      <p:sp>
+        <p:nvSpPr>
+          <p:cNvPr id="2" name="Titel 1"/>
+          <p:cNvSpPr>
+            <a:spLocks noGrp="1"/>
+          </p:cNvSpPr>
+          <p:nvPr>
+            <p:ph type="title"/>
+          </p:nvPr>
+        </p:nvSpPr>
+        <p:spPr>
+          <a:xfrm>
+            <a:off x="810915" y="691116"/>
+            <a:ext cx="10018713" cy="1752599"/>
+          </a:xfrm>
+        </p:spPr>
+        <p:txBody>
+          <a:bodyPr/>
+          <a:lstStyle/>
+          <a:p>
+            <a:r>
+              <a:rPr lang="de-DE" dirty="0"/>
+              <a:t>Code </a:t>
+            </a:r>
+            <a:r>
+              <a:rPr lang="de-DE"/>
+              <a:t>quality</a:t>
+            </a:r>
+            <a:endParaRPr lang="de-DE" dirty="0"/>
+          </a:p>
+        </p:txBody>
+      </p:sp>
+      <p:sp>
+        <p:nvSpPr>
+          <p:cNvPr id="6" name="Inhaltsplatzhalter 2"/>
+          <p:cNvSpPr txBox="1">
+            <a:spLocks/>
+          </p:cNvSpPr>
+          <p:nvPr/>
+        </p:nvSpPr>
+        <p:spPr>
+          <a:xfrm>
+            <a:off x="8137451" y="-41565"/>
+            <a:ext cx="4054549" cy="370610"/>
+          </a:xfrm>
+          <a:prstGeom prst="rect">
+            <a:avLst/>
+          </a:prstGeom>
+        </p:spPr>
+        <p:txBody>
+          <a:bodyPr vert="horz" lIns="91440" tIns="45720" rIns="91440" bIns="45720" rtlCol="0" anchor="ctr">
+            <a:normAutofit/>
+          </a:bodyPr>
+          <a:lstStyle>
+            <a:lvl1pPr marL="285750" indent="-285750" algn="l" defTabSz="457200" rtl="0" eaLnBrk="1" latinLnBrk="0" hangingPunct="1">
+              <a:spcBef>
+                <a:spcPct val="20000"/>
+              </a:spcBef>
+              <a:spcAft>
+                <a:spcPts val="600"/>
+              </a:spcAft>
+              <a:buClr>
+                <a:schemeClr val="accent1">
+                  <a:lumMod val="75000"/>
+                </a:schemeClr>
+              </a:buClr>
+              <a:buSzPct val="145000"/>
+              <a:buFont typeface="Arial"/>
+              <a:buChar char="•"/>
+              <a:defRPr sz="2400" kern="1200" cap="none">
+                <a:solidFill>
+                  <a:schemeClr val="tx1"/>
+                </a:solidFill>
+                <a:effectLst/>
+                <a:latin typeface="+mn-lt"/>
+                <a:ea typeface="+mn-ea"/>
+                <a:cs typeface="+mn-cs"/>
+              </a:defRPr>
+            </a:lvl1pPr>
+            <a:lvl2pPr marL="742950" indent="-285750" algn="l" defTabSz="457200" rtl="0" eaLnBrk="1" latinLnBrk="0" hangingPunct="1">
+              <a:spcBef>
+                <a:spcPct val="20000"/>
+              </a:spcBef>
+              <a:spcAft>
+                <a:spcPts val="600"/>
+              </a:spcAft>
+              <a:buClr>
+                <a:schemeClr val="accent1">
+                  <a:lumMod val="75000"/>
+                </a:schemeClr>
+              </a:buClr>
+              <a:buSzPct val="145000"/>
+              <a:buFont typeface="Arial"/>
+              <a:buChar char="•"/>
+              <a:defRPr sz="2000" kern="1200" cap="none">
+                <a:solidFill>
+                  <a:schemeClr val="tx1"/>
+                </a:solidFill>
+                <a:effectLst/>
+                <a:latin typeface="+mn-lt"/>
+                <a:ea typeface="+mn-ea"/>
+                <a:cs typeface="+mn-cs"/>
+              </a:defRPr>
+            </a:lvl2pPr>
+            <a:lvl3pPr marL="1200150" indent="-285750" algn="l" defTabSz="457200" rtl="0" eaLnBrk="1" latinLnBrk="0" hangingPunct="1">
+              <a:spcBef>
+                <a:spcPct val="20000"/>
+              </a:spcBef>
+              <a:spcAft>
+                <a:spcPts val="600"/>
+              </a:spcAft>
+              <a:buClr>
+                <a:schemeClr val="accent1">
+                  <a:lumMod val="75000"/>
+                </a:schemeClr>
+              </a:buClr>
+              <a:buSzPct val="145000"/>
+              <a:buFont typeface="Arial"/>
+              <a:buChar char="•"/>
+              <a:defRPr sz="1800" kern="1200" cap="none">
+                <a:solidFill>
+                  <a:schemeClr val="tx1"/>
+                </a:solidFill>
+                <a:effectLst/>
+                <a:latin typeface="+mn-lt"/>
+                <a:ea typeface="+mn-ea"/>
+                <a:cs typeface="+mn-cs"/>
+              </a:defRPr>
+            </a:lvl3pPr>
+            <a:lvl4pPr marL="1543050" indent="-171450" algn="l" defTabSz="457200" rtl="0" eaLnBrk="1" latinLnBrk="0" hangingPunct="1">
+              <a:spcBef>
+                <a:spcPct val="20000"/>
+              </a:spcBef>
+              <a:spcAft>
+                <a:spcPts val="600"/>
+              </a:spcAft>
+              <a:buClr>
+                <a:schemeClr val="accent1">
+                  <a:lumMod val="75000"/>
+                </a:schemeClr>
+              </a:buClr>
+              <a:buSzPct val="145000"/>
+              <a:buFont typeface="Arial"/>
+              <a:buChar char="•"/>
+              <a:defRPr sz="1600" kern="1200" cap="none">
+                <a:solidFill>
+                  <a:schemeClr val="tx1"/>
+                </a:solidFill>
+                <a:effectLst/>
+                <a:latin typeface="+mn-lt"/>
+                <a:ea typeface="+mn-ea"/>
+                <a:cs typeface="+mn-cs"/>
+              </a:defRPr>
+            </a:lvl4pPr>
+            <a:lvl5pPr marL="2000250" indent="-171450" algn="l" defTabSz="457200" rtl="0" eaLnBrk="1" latinLnBrk="0" hangingPunct="1">
+              <a:spcBef>
+                <a:spcPct val="20000"/>
+              </a:spcBef>
+              <a:spcAft>
+                <a:spcPts val="600"/>
+              </a:spcAft>
+              <a:buClr>
+                <a:schemeClr val="accent1">
+                  <a:lumMod val="75000"/>
+                </a:schemeClr>
+              </a:buClr>
+              <a:buSzPct val="145000"/>
+              <a:buFont typeface="Arial"/>
+              <a:buChar char="•"/>
+              <a:defRPr sz="1400" kern="1200" cap="none">
+                <a:solidFill>
+                  <a:schemeClr val="tx1"/>
+                </a:solidFill>
+                <a:effectLst/>
+                <a:latin typeface="+mn-lt"/>
+                <a:ea typeface="+mn-ea"/>
+                <a:cs typeface="+mn-cs"/>
+              </a:defRPr>
+            </a:lvl5pPr>
+            <a:lvl6pPr marL="2514600" indent="-228600" algn="l" defTabSz="457200" rtl="0" eaLnBrk="1" latinLnBrk="0" hangingPunct="1">
+              <a:spcBef>
+                <a:spcPct val="20000"/>
+              </a:spcBef>
+              <a:spcAft>
+                <a:spcPts val="600"/>
+              </a:spcAft>
+              <a:buClr>
+                <a:schemeClr val="accent1">
+                  <a:lumMod val="75000"/>
+                </a:schemeClr>
+              </a:buClr>
+              <a:buSzPct val="145000"/>
+              <a:buFont typeface="Arial"/>
+              <a:buChar char="•"/>
+              <a:defRPr sz="1400" kern="1200" cap="none">
+                <a:solidFill>
+                  <a:schemeClr val="tx1"/>
+                </a:solidFill>
+                <a:effectLst/>
+                <a:latin typeface="+mn-lt"/>
+                <a:ea typeface="+mn-ea"/>
+                <a:cs typeface="+mn-cs"/>
+              </a:defRPr>
+            </a:lvl6pPr>
+            <a:lvl7pPr marL="2971800" indent="-228600" algn="l" defTabSz="457200" rtl="0" eaLnBrk="1" latinLnBrk="0" hangingPunct="1">
+              <a:spcBef>
+                <a:spcPct val="20000"/>
+              </a:spcBef>
+              <a:spcAft>
+                <a:spcPts val="600"/>
+              </a:spcAft>
+              <a:buClr>
+                <a:schemeClr val="accent1">
+                  <a:lumMod val="75000"/>
+                </a:schemeClr>
+              </a:buClr>
+              <a:buSzPct val="145000"/>
+              <a:buFont typeface="Arial"/>
+              <a:buChar char="•"/>
+              <a:defRPr sz="1400" kern="1200" cap="none">
+                <a:solidFill>
+                  <a:schemeClr val="tx1"/>
+                </a:solidFill>
+                <a:effectLst/>
+                <a:latin typeface="+mn-lt"/>
+                <a:ea typeface="+mn-ea"/>
+                <a:cs typeface="+mn-cs"/>
+              </a:defRPr>
+            </a:lvl7pPr>
+            <a:lvl8pPr marL="3429000" indent="-228600" algn="l" defTabSz="457200" rtl="0" eaLnBrk="1" latinLnBrk="0" hangingPunct="1">
+              <a:spcBef>
+                <a:spcPct val="20000"/>
+              </a:spcBef>
+              <a:spcAft>
+                <a:spcPts val="600"/>
+              </a:spcAft>
+              <a:buClr>
+                <a:schemeClr val="accent1">
+                  <a:lumMod val="75000"/>
+                </a:schemeClr>
+              </a:buClr>
+              <a:buSzPct val="145000"/>
+              <a:buFont typeface="Arial"/>
+              <a:buChar char="•"/>
+              <a:defRPr sz="1400" kern="1200" cap="none">
+                <a:solidFill>
+                  <a:schemeClr val="tx1"/>
+                </a:solidFill>
+                <a:effectLst/>
+                <a:latin typeface="+mn-lt"/>
+                <a:ea typeface="+mn-ea"/>
+                <a:cs typeface="+mn-cs"/>
+              </a:defRPr>
+            </a:lvl8pPr>
+            <a:lvl9pPr marL="3886200" indent="-228600" algn="l" defTabSz="457200" rtl="0" eaLnBrk="1" latinLnBrk="0" hangingPunct="1">
+              <a:spcBef>
+                <a:spcPct val="20000"/>
+              </a:spcBef>
+              <a:spcAft>
+                <a:spcPts val="600"/>
+              </a:spcAft>
+              <a:buClr>
+                <a:schemeClr val="accent1">
+                  <a:lumMod val="75000"/>
+                </a:schemeClr>
+              </a:buClr>
+              <a:buSzPct val="145000"/>
+              <a:buFont typeface="Arial"/>
+              <a:buChar char="•"/>
+              <a:defRPr sz="1400" kern="1200" cap="none">
+                <a:solidFill>
+                  <a:schemeClr val="tx1"/>
+                </a:solidFill>
+                <a:effectLst/>
+                <a:latin typeface="+mn-lt"/>
+                <a:ea typeface="+mn-ea"/>
+                <a:cs typeface="+mn-cs"/>
+              </a:defRPr>
+            </a:lvl9pPr>
+          </a:lstStyle>
+          <a:p>
+            <a:pPr marL="0" indent="0">
+              <a:buNone/>
+            </a:pPr>
+            <a:r>
+              <a:rPr lang="de-DE" sz="1000" dirty="0" smtClean="0"/>
+              <a:t>Rem0 Röthlisberger, Eric </a:t>
+            </a:r>
+            <a:r>
+              <a:rPr lang="de-DE" sz="1000" dirty="0" err="1" smtClean="0"/>
+              <a:t>Lagger</a:t>
+            </a:r>
+            <a:r>
+              <a:rPr lang="de-DE" sz="1000" dirty="0" smtClean="0"/>
+              <a:t>, Vincent Hofer, Dean Klopsch, Aebi Ryan</a:t>
+            </a:r>
+            <a:endParaRPr lang="de-DE" sz="1000" dirty="0"/>
+          </a:p>
+        </p:txBody>
+      </p:sp>
+      <p:pic>
+        <p:nvPicPr>
+          <p:cNvPr id="8" name="Inhaltsplatzhalter 7"/>
+          <p:cNvPicPr>
+            <a:picLocks noGrp="1" noChangeAspect="1"/>
+          </p:cNvPicPr>
+          <p:nvPr>
+            <p:ph idx="1"/>
+          </p:nvPr>
+        </p:nvPicPr>
+        <p:blipFill>
+          <a:blip r:embed="rId3">
+            <a:extLst>
+              <a:ext uri="{28A0092B-C50C-407E-A947-70E740481C1C}">
+                <a14:useLocalDpi xmlns:a14="http://schemas.microsoft.com/office/drawing/2010/main" val="0"/>
+              </a:ext>
+            </a:extLst>
+          </a:blip>
+          <a:stretch>
+            <a:fillRect/>
+          </a:stretch>
+        </p:blipFill>
+        <p:spPr>
+          <a:xfrm>
+            <a:off x="1916024" y="1945172"/>
+            <a:ext cx="7808494" cy="4407501"/>
+          </a:xfrm>
+        </p:spPr>
+      </p:pic>
+    </p:spTree>
+    <p:extLst>
+      <p:ext uri="{BB962C8B-B14F-4D97-AF65-F5344CB8AC3E}">
+        <p14:creationId xmlns:p14="http://schemas.microsoft.com/office/powerpoint/2010/main" val="896141722"/>
+      </p:ext>
+    </p:extLst>
+  </p:cSld>
+  <p:clrMapOvr>
+    <a:masterClrMapping/>
+  </p:clrMapOvr>
+  <p:timing>
+    <p:tnLst>
+      <p:par>
+        <p:cTn xmlns:p14="http://schemas.microsoft.com/office/powerpoint/2010/main" id="1" dur="indefinite" restart="never" nodeType="tmRoot"/>
+      </p:par>
+    </p:tnLst>
+  </p:timing>
+</p:sld>
+</file>
+
+<file path=ppt/slides/slide21.xml><?xml version="1.0" encoding="utf-8"?>
 <p:sld xmlns:a="http://schemas.openxmlformats.org/drawingml/2006/main" xmlns:r="http://schemas.openxmlformats.org/officeDocument/2006/relationships" xmlns:p="http://schemas.openxmlformats.org/presentationml/2006/main">
   <p:cSld>
     <p:spTree>
@@ -15247,471 +15777,7 @@
   <p:timing>
     <p:tnLst>
       <p:par>
-        <p:cTn id="1" dur="indefinite" restart="never" nodeType="tmRoot"/>
-      </p:par>
-    </p:tnLst>
-  </p:timing>
-</p:sld>
-</file>
-
-<file path=ppt/slides/slide21.xml><?xml version="1.0" encoding="utf-8"?>
-<p:sld xmlns:a="http://schemas.openxmlformats.org/drawingml/2006/main" xmlns:r="http://schemas.openxmlformats.org/officeDocument/2006/relationships" xmlns:p="http://schemas.openxmlformats.org/presentationml/2006/main">
-  <p:cSld>
-    <p:spTree>
-      <p:nvGrpSpPr>
-        <p:cNvPr id="1" name=""/>
-        <p:cNvGrpSpPr/>
-        <p:nvPr/>
-      </p:nvGrpSpPr>
-      <p:grpSpPr>
-        <a:xfrm>
-          <a:off x="0" y="0"/>
-          <a:ext cx="0" cy="0"/>
-          <a:chOff x="0" y="0"/>
-          <a:chExt cx="0" cy="0"/>
-        </a:xfrm>
-      </p:grpSpPr>
-      <p:sp>
-        <p:nvSpPr>
-          <p:cNvPr id="2" name="Titel 1"/>
-          <p:cNvSpPr>
-            <a:spLocks noGrp="1"/>
-          </p:cNvSpPr>
-          <p:nvPr>
-            <p:ph type="title"/>
-          </p:nvPr>
-        </p:nvSpPr>
-        <p:spPr>
-          <a:xfrm>
-            <a:off x="810915" y="691116"/>
-            <a:ext cx="10018713" cy="1752599"/>
-          </a:xfrm>
-        </p:spPr>
-        <p:txBody>
-          <a:bodyPr/>
-          <a:lstStyle/>
-          <a:p>
-            <a:r>
-              <a:rPr lang="de-DE" dirty="0" err="1" smtClean="0"/>
-              <a:t>Why</a:t>
-            </a:r>
-            <a:r>
-              <a:rPr lang="de-DE" dirty="0" smtClean="0"/>
-              <a:t> </a:t>
-            </a:r>
-            <a:r>
-              <a:rPr lang="de-DE" dirty="0" err="1" smtClean="0"/>
-              <a:t>us</a:t>
-            </a:r>
-            <a:r>
-              <a:rPr lang="de-DE" dirty="0" smtClean="0"/>
-              <a:t>?</a:t>
-            </a:r>
-            <a:endParaRPr lang="de-DE" dirty="0"/>
-          </a:p>
-        </p:txBody>
-      </p:sp>
-      <p:sp>
-        <p:nvSpPr>
-          <p:cNvPr id="6" name="Inhaltsplatzhalter 2"/>
-          <p:cNvSpPr txBox="1">
-            <a:spLocks/>
-          </p:cNvSpPr>
-          <p:nvPr/>
-        </p:nvSpPr>
-        <p:spPr>
-          <a:xfrm>
-            <a:off x="8137451" y="-41565"/>
-            <a:ext cx="4054549" cy="370610"/>
-          </a:xfrm>
-          <a:prstGeom prst="rect">
-            <a:avLst/>
-          </a:prstGeom>
-        </p:spPr>
-        <p:txBody>
-          <a:bodyPr vert="horz" lIns="91440" tIns="45720" rIns="91440" bIns="45720" rtlCol="0" anchor="ctr">
-            <a:normAutofit/>
-          </a:bodyPr>
-          <a:lstStyle>
-            <a:lvl1pPr marL="285750" indent="-285750" algn="l" defTabSz="457200" rtl="0" eaLnBrk="1" latinLnBrk="0" hangingPunct="1">
-              <a:spcBef>
-                <a:spcPct val="20000"/>
-              </a:spcBef>
-              <a:spcAft>
-                <a:spcPts val="600"/>
-              </a:spcAft>
-              <a:buClr>
-                <a:schemeClr val="accent1">
-                  <a:lumMod val="75000"/>
-                </a:schemeClr>
-              </a:buClr>
-              <a:buSzPct val="145000"/>
-              <a:buFont typeface="Arial"/>
-              <a:buChar char="•"/>
-              <a:defRPr sz="2400" kern="1200" cap="none">
-                <a:solidFill>
-                  <a:schemeClr val="tx1"/>
-                </a:solidFill>
-                <a:effectLst/>
-                <a:latin typeface="+mn-lt"/>
-                <a:ea typeface="+mn-ea"/>
-                <a:cs typeface="+mn-cs"/>
-              </a:defRPr>
-            </a:lvl1pPr>
-            <a:lvl2pPr marL="742950" indent="-285750" algn="l" defTabSz="457200" rtl="0" eaLnBrk="1" latinLnBrk="0" hangingPunct="1">
-              <a:spcBef>
-                <a:spcPct val="20000"/>
-              </a:spcBef>
-              <a:spcAft>
-                <a:spcPts val="600"/>
-              </a:spcAft>
-              <a:buClr>
-                <a:schemeClr val="accent1">
-                  <a:lumMod val="75000"/>
-                </a:schemeClr>
-              </a:buClr>
-              <a:buSzPct val="145000"/>
-              <a:buFont typeface="Arial"/>
-              <a:buChar char="•"/>
-              <a:defRPr sz="2000" kern="1200" cap="none">
-                <a:solidFill>
-                  <a:schemeClr val="tx1"/>
-                </a:solidFill>
-                <a:effectLst/>
-                <a:latin typeface="+mn-lt"/>
-                <a:ea typeface="+mn-ea"/>
-                <a:cs typeface="+mn-cs"/>
-              </a:defRPr>
-            </a:lvl2pPr>
-            <a:lvl3pPr marL="1200150" indent="-285750" algn="l" defTabSz="457200" rtl="0" eaLnBrk="1" latinLnBrk="0" hangingPunct="1">
-              <a:spcBef>
-                <a:spcPct val="20000"/>
-              </a:spcBef>
-              <a:spcAft>
-                <a:spcPts val="600"/>
-              </a:spcAft>
-              <a:buClr>
-                <a:schemeClr val="accent1">
-                  <a:lumMod val="75000"/>
-                </a:schemeClr>
-              </a:buClr>
-              <a:buSzPct val="145000"/>
-              <a:buFont typeface="Arial"/>
-              <a:buChar char="•"/>
-              <a:defRPr sz="1800" kern="1200" cap="none">
-                <a:solidFill>
-                  <a:schemeClr val="tx1"/>
-                </a:solidFill>
-                <a:effectLst/>
-                <a:latin typeface="+mn-lt"/>
-                <a:ea typeface="+mn-ea"/>
-                <a:cs typeface="+mn-cs"/>
-              </a:defRPr>
-            </a:lvl3pPr>
-            <a:lvl4pPr marL="1543050" indent="-171450" algn="l" defTabSz="457200" rtl="0" eaLnBrk="1" latinLnBrk="0" hangingPunct="1">
-              <a:spcBef>
-                <a:spcPct val="20000"/>
-              </a:spcBef>
-              <a:spcAft>
-                <a:spcPts val="600"/>
-              </a:spcAft>
-              <a:buClr>
-                <a:schemeClr val="accent1">
-                  <a:lumMod val="75000"/>
-                </a:schemeClr>
-              </a:buClr>
-              <a:buSzPct val="145000"/>
-              <a:buFont typeface="Arial"/>
-              <a:buChar char="•"/>
-              <a:defRPr sz="1600" kern="1200" cap="none">
-                <a:solidFill>
-                  <a:schemeClr val="tx1"/>
-                </a:solidFill>
-                <a:effectLst/>
-                <a:latin typeface="+mn-lt"/>
-                <a:ea typeface="+mn-ea"/>
-                <a:cs typeface="+mn-cs"/>
-              </a:defRPr>
-            </a:lvl4pPr>
-            <a:lvl5pPr marL="2000250" indent="-171450" algn="l" defTabSz="457200" rtl="0" eaLnBrk="1" latinLnBrk="0" hangingPunct="1">
-              <a:spcBef>
-                <a:spcPct val="20000"/>
-              </a:spcBef>
-              <a:spcAft>
-                <a:spcPts val="600"/>
-              </a:spcAft>
-              <a:buClr>
-                <a:schemeClr val="accent1">
-                  <a:lumMod val="75000"/>
-                </a:schemeClr>
-              </a:buClr>
-              <a:buSzPct val="145000"/>
-              <a:buFont typeface="Arial"/>
-              <a:buChar char="•"/>
-              <a:defRPr sz="1400" kern="1200" cap="none">
-                <a:solidFill>
-                  <a:schemeClr val="tx1"/>
-                </a:solidFill>
-                <a:effectLst/>
-                <a:latin typeface="+mn-lt"/>
-                <a:ea typeface="+mn-ea"/>
-                <a:cs typeface="+mn-cs"/>
-              </a:defRPr>
-            </a:lvl5pPr>
-            <a:lvl6pPr marL="2514600" indent="-228600" algn="l" defTabSz="457200" rtl="0" eaLnBrk="1" latinLnBrk="0" hangingPunct="1">
-              <a:spcBef>
-                <a:spcPct val="20000"/>
-              </a:spcBef>
-              <a:spcAft>
-                <a:spcPts val="600"/>
-              </a:spcAft>
-              <a:buClr>
-                <a:schemeClr val="accent1">
-                  <a:lumMod val="75000"/>
-                </a:schemeClr>
-              </a:buClr>
-              <a:buSzPct val="145000"/>
-              <a:buFont typeface="Arial"/>
-              <a:buChar char="•"/>
-              <a:defRPr sz="1400" kern="1200" cap="none">
-                <a:solidFill>
-                  <a:schemeClr val="tx1"/>
-                </a:solidFill>
-                <a:effectLst/>
-                <a:latin typeface="+mn-lt"/>
-                <a:ea typeface="+mn-ea"/>
-                <a:cs typeface="+mn-cs"/>
-              </a:defRPr>
-            </a:lvl6pPr>
-            <a:lvl7pPr marL="2971800" indent="-228600" algn="l" defTabSz="457200" rtl="0" eaLnBrk="1" latinLnBrk="0" hangingPunct="1">
-              <a:spcBef>
-                <a:spcPct val="20000"/>
-              </a:spcBef>
-              <a:spcAft>
-                <a:spcPts val="600"/>
-              </a:spcAft>
-              <a:buClr>
-                <a:schemeClr val="accent1">
-                  <a:lumMod val="75000"/>
-                </a:schemeClr>
-              </a:buClr>
-              <a:buSzPct val="145000"/>
-              <a:buFont typeface="Arial"/>
-              <a:buChar char="•"/>
-              <a:defRPr sz="1400" kern="1200" cap="none">
-                <a:solidFill>
-                  <a:schemeClr val="tx1"/>
-                </a:solidFill>
-                <a:effectLst/>
-                <a:latin typeface="+mn-lt"/>
-                <a:ea typeface="+mn-ea"/>
-                <a:cs typeface="+mn-cs"/>
-              </a:defRPr>
-            </a:lvl7pPr>
-            <a:lvl8pPr marL="3429000" indent="-228600" algn="l" defTabSz="457200" rtl="0" eaLnBrk="1" latinLnBrk="0" hangingPunct="1">
-              <a:spcBef>
-                <a:spcPct val="20000"/>
-              </a:spcBef>
-              <a:spcAft>
-                <a:spcPts val="600"/>
-              </a:spcAft>
-              <a:buClr>
-                <a:schemeClr val="accent1">
-                  <a:lumMod val="75000"/>
-                </a:schemeClr>
-              </a:buClr>
-              <a:buSzPct val="145000"/>
-              <a:buFont typeface="Arial"/>
-              <a:buChar char="•"/>
-              <a:defRPr sz="1400" kern="1200" cap="none">
-                <a:solidFill>
-                  <a:schemeClr val="tx1"/>
-                </a:solidFill>
-                <a:effectLst/>
-                <a:latin typeface="+mn-lt"/>
-                <a:ea typeface="+mn-ea"/>
-                <a:cs typeface="+mn-cs"/>
-              </a:defRPr>
-            </a:lvl8pPr>
-            <a:lvl9pPr marL="3886200" indent="-228600" algn="l" defTabSz="457200" rtl="0" eaLnBrk="1" latinLnBrk="0" hangingPunct="1">
-              <a:spcBef>
-                <a:spcPct val="20000"/>
-              </a:spcBef>
-              <a:spcAft>
-                <a:spcPts val="600"/>
-              </a:spcAft>
-              <a:buClr>
-                <a:schemeClr val="accent1">
-                  <a:lumMod val="75000"/>
-                </a:schemeClr>
-              </a:buClr>
-              <a:buSzPct val="145000"/>
-              <a:buFont typeface="Arial"/>
-              <a:buChar char="•"/>
-              <a:defRPr sz="1400" kern="1200" cap="none">
-                <a:solidFill>
-                  <a:schemeClr val="tx1"/>
-                </a:solidFill>
-                <a:effectLst/>
-                <a:latin typeface="+mn-lt"/>
-                <a:ea typeface="+mn-ea"/>
-                <a:cs typeface="+mn-cs"/>
-              </a:defRPr>
-            </a:lvl9pPr>
-          </a:lstStyle>
-          <a:p>
-            <a:pPr marL="0" indent="0">
-              <a:buNone/>
-            </a:pPr>
-            <a:r>
-              <a:rPr lang="de-DE" sz="1000" dirty="0" smtClean="0"/>
-              <a:t>Rem0 Röthlisberger, Eric </a:t>
-            </a:r>
-            <a:r>
-              <a:rPr lang="de-DE" sz="1000" dirty="0" err="1" smtClean="0"/>
-              <a:t>Lagger</a:t>
-            </a:r>
-            <a:r>
-              <a:rPr lang="de-DE" sz="1000" dirty="0" smtClean="0"/>
-              <a:t>, Vincent Hofer, Dean Klopsch, Aebi Ryan</a:t>
-            </a:r>
-            <a:endParaRPr lang="de-DE" sz="1000" dirty="0"/>
-          </a:p>
-        </p:txBody>
-      </p:sp>
-      <p:sp>
-        <p:nvSpPr>
-          <p:cNvPr id="7" name="Inhaltsplatzhalter 2"/>
-          <p:cNvSpPr>
-            <a:spLocks noGrp="1"/>
-          </p:cNvSpPr>
-          <p:nvPr>
-            <p:ph idx="1"/>
-          </p:nvPr>
-        </p:nvSpPr>
-        <p:spPr>
-          <a:xfrm>
-            <a:off x="762552" y="2065420"/>
-            <a:ext cx="10115438" cy="3937001"/>
-          </a:xfrm>
-        </p:spPr>
-        <p:txBody>
-          <a:bodyPr>
-            <a:normAutofit/>
-          </a:bodyPr>
-          <a:lstStyle/>
-          <a:p>
-            <a:pPr algn="ctr"/>
-            <a:r>
-              <a:rPr lang="de-DE" sz="3200" dirty="0" err="1" smtClean="0"/>
-              <a:t>Our</a:t>
-            </a:r>
-            <a:r>
-              <a:rPr lang="de-DE" sz="3200" dirty="0" smtClean="0"/>
-              <a:t> </a:t>
-            </a:r>
-            <a:r>
-              <a:rPr lang="de-DE" sz="3200" dirty="0" err="1" smtClean="0"/>
-              <a:t>team</a:t>
-            </a:r>
-            <a:endParaRPr lang="de-DE" sz="3200" dirty="0" smtClean="0"/>
-          </a:p>
-          <a:p>
-            <a:pPr algn="ctr"/>
-            <a:r>
-              <a:rPr lang="de-DE" sz="3200" dirty="0" smtClean="0"/>
-              <a:t>The </a:t>
-            </a:r>
-            <a:r>
-              <a:rPr lang="de-DE" sz="3200" dirty="0" err="1" smtClean="0"/>
-              <a:t>products</a:t>
-            </a:r>
-            <a:r>
-              <a:rPr lang="de-DE" sz="3200" dirty="0" smtClean="0"/>
-              <a:t/>
-            </a:r>
-            <a:br>
-              <a:rPr lang="de-DE" sz="3200" dirty="0" smtClean="0"/>
-            </a:br>
-            <a:r>
-              <a:rPr lang="de-DE" sz="3200" dirty="0" smtClean="0"/>
-              <a:t>-&gt; The </a:t>
-            </a:r>
-            <a:r>
-              <a:rPr lang="de-DE" sz="3200" dirty="0" err="1" smtClean="0"/>
-              <a:t>client</a:t>
-            </a:r>
-            <a:r>
-              <a:rPr lang="de-DE" sz="3200" dirty="0" smtClean="0"/>
-              <a:t/>
-            </a:r>
-            <a:br>
-              <a:rPr lang="de-DE" sz="3200" dirty="0" smtClean="0"/>
-            </a:br>
-            <a:r>
-              <a:rPr lang="de-DE" sz="3200" dirty="0" smtClean="0"/>
-              <a:t>-&gt; The </a:t>
-            </a:r>
-            <a:r>
-              <a:rPr lang="de-DE" sz="3200" dirty="0" err="1" smtClean="0"/>
-              <a:t>developers</a:t>
-            </a:r>
-            <a:endParaRPr lang="de-DE" sz="3200" dirty="0" smtClean="0"/>
-          </a:p>
-          <a:p>
-            <a:pPr algn="ctr"/>
-            <a:r>
-              <a:rPr lang="de-DE" sz="3200" dirty="0" err="1" smtClean="0"/>
-              <a:t>Ask</a:t>
-            </a:r>
-            <a:r>
-              <a:rPr lang="de-DE" sz="3200" dirty="0" smtClean="0"/>
-              <a:t> </a:t>
-            </a:r>
-            <a:r>
-              <a:rPr lang="de-DE" sz="3200" dirty="0" err="1" smtClean="0"/>
-              <a:t>us</a:t>
-            </a:r>
-            <a:r>
-              <a:rPr lang="de-DE" sz="3200" dirty="0" smtClean="0"/>
-              <a:t>!</a:t>
-            </a:r>
-          </a:p>
-          <a:p>
-            <a:pPr algn="ctr"/>
-            <a:r>
-              <a:rPr lang="de-DE" sz="3200" dirty="0" err="1" smtClean="0"/>
-              <a:t>Contact</a:t>
-            </a:r>
-            <a:r>
-              <a:rPr lang="de-DE" sz="3200" dirty="0" smtClean="0"/>
-              <a:t> </a:t>
-            </a:r>
-            <a:r>
-              <a:rPr lang="de-DE" sz="3200" dirty="0" err="1" smtClean="0"/>
-              <a:t>us</a:t>
-            </a:r>
-            <a:r>
-              <a:rPr lang="de-DE" sz="3200" dirty="0" smtClean="0"/>
-              <a:t>!</a:t>
-            </a:r>
-          </a:p>
-        </p:txBody>
-      </p:sp>
-    </p:spTree>
-    <p:extLst>
-      <p:ext uri="{BB962C8B-B14F-4D97-AF65-F5344CB8AC3E}">
-        <p14:creationId xmlns:p14="http://schemas.microsoft.com/office/powerpoint/2010/main" val="1459151704"/>
-      </p:ext>
-    </p:extLst>
-  </p:cSld>
-  <p:clrMapOvr>
-    <a:masterClrMapping/>
-  </p:clrMapOvr>
-  <p:timing>
-    <p:tnLst>
-      <p:par>
-        <p:cTn id="1" dur="indefinite" restart="never" nodeType="tmRoot"/>
+        <p:cTn xmlns:p14="http://schemas.microsoft.com/office/powerpoint/2010/main" id="1" dur="indefinite" restart="never" nodeType="tmRoot"/>
       </p:par>
     </p:tnLst>
   </p:timing>
@@ -15756,8 +15822,476 @@
           <a:lstStyle/>
           <a:p>
             <a:r>
-              <a:rPr lang="de-DE" dirty="0" err="1"/>
+              <a:rPr lang="de-DE" dirty="0" err="1" smtClean="0"/>
+              <a:t>Why</a:t>
+            </a:r>
+            <a:r>
+              <a:rPr lang="de-DE" dirty="0" smtClean="0"/>
+              <a:t> </a:t>
+            </a:r>
+            <a:r>
+              <a:rPr lang="de-DE" dirty="0" err="1" smtClean="0"/>
+              <a:t>us</a:t>
+            </a:r>
+            <a:r>
+              <a:rPr lang="de-DE" dirty="0" smtClean="0"/>
+              <a:t>?</a:t>
+            </a:r>
+            <a:endParaRPr lang="de-DE" dirty="0"/>
+          </a:p>
+        </p:txBody>
+      </p:sp>
+      <p:sp>
+        <p:nvSpPr>
+          <p:cNvPr id="6" name="Inhaltsplatzhalter 2"/>
+          <p:cNvSpPr txBox="1">
+            <a:spLocks/>
+          </p:cNvSpPr>
+          <p:nvPr/>
+        </p:nvSpPr>
+        <p:spPr>
+          <a:xfrm>
+            <a:off x="8137451" y="-41565"/>
+            <a:ext cx="4054549" cy="370610"/>
+          </a:xfrm>
+          <a:prstGeom prst="rect">
+            <a:avLst/>
+          </a:prstGeom>
+        </p:spPr>
+        <p:txBody>
+          <a:bodyPr vert="horz" lIns="91440" tIns="45720" rIns="91440" bIns="45720" rtlCol="0" anchor="ctr">
+            <a:normAutofit/>
+          </a:bodyPr>
+          <a:lstStyle>
+            <a:lvl1pPr marL="285750" indent="-285750" algn="l" defTabSz="457200" rtl="0" eaLnBrk="1" latinLnBrk="0" hangingPunct="1">
+              <a:spcBef>
+                <a:spcPct val="20000"/>
+              </a:spcBef>
+              <a:spcAft>
+                <a:spcPts val="600"/>
+              </a:spcAft>
+              <a:buClr>
+                <a:schemeClr val="accent1">
+                  <a:lumMod val="75000"/>
+                </a:schemeClr>
+              </a:buClr>
+              <a:buSzPct val="145000"/>
+              <a:buFont typeface="Arial"/>
+              <a:buChar char="•"/>
+              <a:defRPr sz="2400" kern="1200" cap="none">
+                <a:solidFill>
+                  <a:schemeClr val="tx1"/>
+                </a:solidFill>
+                <a:effectLst/>
+                <a:latin typeface="+mn-lt"/>
+                <a:ea typeface="+mn-ea"/>
+                <a:cs typeface="+mn-cs"/>
+              </a:defRPr>
+            </a:lvl1pPr>
+            <a:lvl2pPr marL="742950" indent="-285750" algn="l" defTabSz="457200" rtl="0" eaLnBrk="1" latinLnBrk="0" hangingPunct="1">
+              <a:spcBef>
+                <a:spcPct val="20000"/>
+              </a:spcBef>
+              <a:spcAft>
+                <a:spcPts val="600"/>
+              </a:spcAft>
+              <a:buClr>
+                <a:schemeClr val="accent1">
+                  <a:lumMod val="75000"/>
+                </a:schemeClr>
+              </a:buClr>
+              <a:buSzPct val="145000"/>
+              <a:buFont typeface="Arial"/>
+              <a:buChar char="•"/>
+              <a:defRPr sz="2000" kern="1200" cap="none">
+                <a:solidFill>
+                  <a:schemeClr val="tx1"/>
+                </a:solidFill>
+                <a:effectLst/>
+                <a:latin typeface="+mn-lt"/>
+                <a:ea typeface="+mn-ea"/>
+                <a:cs typeface="+mn-cs"/>
+              </a:defRPr>
+            </a:lvl2pPr>
+            <a:lvl3pPr marL="1200150" indent="-285750" algn="l" defTabSz="457200" rtl="0" eaLnBrk="1" latinLnBrk="0" hangingPunct="1">
+              <a:spcBef>
+                <a:spcPct val="20000"/>
+              </a:spcBef>
+              <a:spcAft>
+                <a:spcPts val="600"/>
+              </a:spcAft>
+              <a:buClr>
+                <a:schemeClr val="accent1">
+                  <a:lumMod val="75000"/>
+                </a:schemeClr>
+              </a:buClr>
+              <a:buSzPct val="145000"/>
+              <a:buFont typeface="Arial"/>
+              <a:buChar char="•"/>
+              <a:defRPr sz="1800" kern="1200" cap="none">
+                <a:solidFill>
+                  <a:schemeClr val="tx1"/>
+                </a:solidFill>
+                <a:effectLst/>
+                <a:latin typeface="+mn-lt"/>
+                <a:ea typeface="+mn-ea"/>
+                <a:cs typeface="+mn-cs"/>
+              </a:defRPr>
+            </a:lvl3pPr>
+            <a:lvl4pPr marL="1543050" indent="-171450" algn="l" defTabSz="457200" rtl="0" eaLnBrk="1" latinLnBrk="0" hangingPunct="1">
+              <a:spcBef>
+                <a:spcPct val="20000"/>
+              </a:spcBef>
+              <a:spcAft>
+                <a:spcPts val="600"/>
+              </a:spcAft>
+              <a:buClr>
+                <a:schemeClr val="accent1">
+                  <a:lumMod val="75000"/>
+                </a:schemeClr>
+              </a:buClr>
+              <a:buSzPct val="145000"/>
+              <a:buFont typeface="Arial"/>
+              <a:buChar char="•"/>
+              <a:defRPr sz="1600" kern="1200" cap="none">
+                <a:solidFill>
+                  <a:schemeClr val="tx1"/>
+                </a:solidFill>
+                <a:effectLst/>
+                <a:latin typeface="+mn-lt"/>
+                <a:ea typeface="+mn-ea"/>
+                <a:cs typeface="+mn-cs"/>
+              </a:defRPr>
+            </a:lvl4pPr>
+            <a:lvl5pPr marL="2000250" indent="-171450" algn="l" defTabSz="457200" rtl="0" eaLnBrk="1" latinLnBrk="0" hangingPunct="1">
+              <a:spcBef>
+                <a:spcPct val="20000"/>
+              </a:spcBef>
+              <a:spcAft>
+                <a:spcPts val="600"/>
+              </a:spcAft>
+              <a:buClr>
+                <a:schemeClr val="accent1">
+                  <a:lumMod val="75000"/>
+                </a:schemeClr>
+              </a:buClr>
+              <a:buSzPct val="145000"/>
+              <a:buFont typeface="Arial"/>
+              <a:buChar char="•"/>
+              <a:defRPr sz="1400" kern="1200" cap="none">
+                <a:solidFill>
+                  <a:schemeClr val="tx1"/>
+                </a:solidFill>
+                <a:effectLst/>
+                <a:latin typeface="+mn-lt"/>
+                <a:ea typeface="+mn-ea"/>
+                <a:cs typeface="+mn-cs"/>
+              </a:defRPr>
+            </a:lvl5pPr>
+            <a:lvl6pPr marL="2514600" indent="-228600" algn="l" defTabSz="457200" rtl="0" eaLnBrk="1" latinLnBrk="0" hangingPunct="1">
+              <a:spcBef>
+                <a:spcPct val="20000"/>
+              </a:spcBef>
+              <a:spcAft>
+                <a:spcPts val="600"/>
+              </a:spcAft>
+              <a:buClr>
+                <a:schemeClr val="accent1">
+                  <a:lumMod val="75000"/>
+                </a:schemeClr>
+              </a:buClr>
+              <a:buSzPct val="145000"/>
+              <a:buFont typeface="Arial"/>
+              <a:buChar char="•"/>
+              <a:defRPr sz="1400" kern="1200" cap="none">
+                <a:solidFill>
+                  <a:schemeClr val="tx1"/>
+                </a:solidFill>
+                <a:effectLst/>
+                <a:latin typeface="+mn-lt"/>
+                <a:ea typeface="+mn-ea"/>
+                <a:cs typeface="+mn-cs"/>
+              </a:defRPr>
+            </a:lvl6pPr>
+            <a:lvl7pPr marL="2971800" indent="-228600" algn="l" defTabSz="457200" rtl="0" eaLnBrk="1" latinLnBrk="0" hangingPunct="1">
+              <a:spcBef>
+                <a:spcPct val="20000"/>
+              </a:spcBef>
+              <a:spcAft>
+                <a:spcPts val="600"/>
+              </a:spcAft>
+              <a:buClr>
+                <a:schemeClr val="accent1">
+                  <a:lumMod val="75000"/>
+                </a:schemeClr>
+              </a:buClr>
+              <a:buSzPct val="145000"/>
+              <a:buFont typeface="Arial"/>
+              <a:buChar char="•"/>
+              <a:defRPr sz="1400" kern="1200" cap="none">
+                <a:solidFill>
+                  <a:schemeClr val="tx1"/>
+                </a:solidFill>
+                <a:effectLst/>
+                <a:latin typeface="+mn-lt"/>
+                <a:ea typeface="+mn-ea"/>
+                <a:cs typeface="+mn-cs"/>
+              </a:defRPr>
+            </a:lvl7pPr>
+            <a:lvl8pPr marL="3429000" indent="-228600" algn="l" defTabSz="457200" rtl="0" eaLnBrk="1" latinLnBrk="0" hangingPunct="1">
+              <a:spcBef>
+                <a:spcPct val="20000"/>
+              </a:spcBef>
+              <a:spcAft>
+                <a:spcPts val="600"/>
+              </a:spcAft>
+              <a:buClr>
+                <a:schemeClr val="accent1">
+                  <a:lumMod val="75000"/>
+                </a:schemeClr>
+              </a:buClr>
+              <a:buSzPct val="145000"/>
+              <a:buFont typeface="Arial"/>
+              <a:buChar char="•"/>
+              <a:defRPr sz="1400" kern="1200" cap="none">
+                <a:solidFill>
+                  <a:schemeClr val="tx1"/>
+                </a:solidFill>
+                <a:effectLst/>
+                <a:latin typeface="+mn-lt"/>
+                <a:ea typeface="+mn-ea"/>
+                <a:cs typeface="+mn-cs"/>
+              </a:defRPr>
+            </a:lvl8pPr>
+            <a:lvl9pPr marL="3886200" indent="-228600" algn="l" defTabSz="457200" rtl="0" eaLnBrk="1" latinLnBrk="0" hangingPunct="1">
+              <a:spcBef>
+                <a:spcPct val="20000"/>
+              </a:spcBef>
+              <a:spcAft>
+                <a:spcPts val="600"/>
+              </a:spcAft>
+              <a:buClr>
+                <a:schemeClr val="accent1">
+                  <a:lumMod val="75000"/>
+                </a:schemeClr>
+              </a:buClr>
+              <a:buSzPct val="145000"/>
+              <a:buFont typeface="Arial"/>
+              <a:buChar char="•"/>
+              <a:defRPr sz="1400" kern="1200" cap="none">
+                <a:solidFill>
+                  <a:schemeClr val="tx1"/>
+                </a:solidFill>
+                <a:effectLst/>
+                <a:latin typeface="+mn-lt"/>
+                <a:ea typeface="+mn-ea"/>
+                <a:cs typeface="+mn-cs"/>
+              </a:defRPr>
+            </a:lvl9pPr>
+          </a:lstStyle>
+          <a:p>
+            <a:pPr marL="0" indent="0">
+              <a:buNone/>
+            </a:pPr>
+            <a:r>
+              <a:rPr lang="de-DE" sz="1000" dirty="0" smtClean="0"/>
+              <a:t>Rem0 Röthlisberger, Eric </a:t>
+            </a:r>
+            <a:r>
+              <a:rPr lang="de-DE" sz="1000" dirty="0" err="1" smtClean="0"/>
+              <a:t>Lagger</a:t>
+            </a:r>
+            <a:r>
+              <a:rPr lang="de-DE" sz="1000" dirty="0" smtClean="0"/>
+              <a:t>, Vincent Hofer, Dean Klopsch, Aebi Ryan</a:t>
+            </a:r>
+            <a:endParaRPr lang="de-DE" sz="1000" dirty="0"/>
+          </a:p>
+        </p:txBody>
+      </p:sp>
+      <p:sp>
+        <p:nvSpPr>
+          <p:cNvPr id="7" name="Inhaltsplatzhalter 2"/>
+          <p:cNvSpPr>
+            <a:spLocks noGrp="1"/>
+          </p:cNvSpPr>
+          <p:nvPr>
+            <p:ph idx="1"/>
+          </p:nvPr>
+        </p:nvSpPr>
+        <p:spPr>
+          <a:xfrm>
+            <a:off x="762552" y="2065420"/>
+            <a:ext cx="10115438" cy="3937001"/>
+          </a:xfrm>
+        </p:spPr>
+        <p:txBody>
+          <a:bodyPr>
+            <a:normAutofit/>
+          </a:bodyPr>
+          <a:lstStyle/>
+          <a:p>
+            <a:pPr algn="ctr"/>
+            <a:r>
+              <a:rPr lang="de-DE" sz="3200" dirty="0" err="1" smtClean="0"/>
+              <a:t>Our</a:t>
+            </a:r>
+            <a:r>
+              <a:rPr lang="de-DE" sz="3200" dirty="0" smtClean="0"/>
+              <a:t> </a:t>
+            </a:r>
+            <a:r>
+              <a:rPr lang="de-DE" sz="3200" dirty="0" err="1" smtClean="0"/>
+              <a:t>team</a:t>
+            </a:r>
+            <a:endParaRPr lang="de-DE" sz="3200" dirty="0" smtClean="0"/>
+          </a:p>
+          <a:p>
+            <a:pPr algn="ctr"/>
+            <a:r>
+              <a:rPr lang="de-DE" sz="3200" dirty="0" smtClean="0"/>
+              <a:t>The </a:t>
+            </a:r>
+            <a:r>
+              <a:rPr lang="de-DE" sz="3200" dirty="0" err="1" smtClean="0"/>
+              <a:t>products</a:t>
+            </a:r>
+            <a:r>
+              <a:rPr lang="de-DE" sz="3200" dirty="0" smtClean="0"/>
+              <a:t/>
+            </a:r>
+            <a:br>
+              <a:rPr lang="de-DE" sz="3200" dirty="0" smtClean="0"/>
+            </a:br>
+            <a:r>
+              <a:rPr lang="de-DE" sz="3200" dirty="0" smtClean="0"/>
+              <a:t>-&gt; The </a:t>
+            </a:r>
+            <a:r>
+              <a:rPr lang="de-DE" sz="3200" dirty="0" err="1" smtClean="0"/>
+              <a:t>client</a:t>
+            </a:r>
+            <a:r>
+              <a:rPr lang="de-DE" sz="3200" dirty="0" smtClean="0"/>
+              <a:t/>
+            </a:r>
+            <a:br>
+              <a:rPr lang="de-DE" sz="3200" dirty="0" smtClean="0"/>
+            </a:br>
+            <a:r>
+              <a:rPr lang="de-DE" sz="3200" dirty="0" smtClean="0"/>
+              <a:t>-&gt; The </a:t>
+            </a:r>
+            <a:r>
+              <a:rPr lang="de-DE" sz="3200" dirty="0" err="1" smtClean="0"/>
+              <a:t>developers</a:t>
+            </a:r>
+            <a:endParaRPr lang="de-DE" sz="3200" dirty="0" smtClean="0"/>
+          </a:p>
+          <a:p>
+            <a:pPr algn="ctr"/>
+            <a:r>
+              <a:rPr lang="de-DE" sz="3200" dirty="0" err="1" smtClean="0"/>
+              <a:t>Ask</a:t>
+            </a:r>
+            <a:r>
+              <a:rPr lang="de-DE" sz="3200" dirty="0" smtClean="0"/>
+              <a:t> </a:t>
+            </a:r>
+            <a:r>
+              <a:rPr lang="de-DE" sz="3200" dirty="0" err="1" smtClean="0"/>
+              <a:t>us</a:t>
+            </a:r>
+            <a:r>
+              <a:rPr lang="de-DE" sz="3200" dirty="0" smtClean="0"/>
+              <a:t>!</a:t>
+            </a:r>
+          </a:p>
+          <a:p>
+            <a:pPr algn="ctr"/>
+            <a:r>
+              <a:rPr lang="de-DE" sz="3200" dirty="0" err="1" smtClean="0"/>
+              <a:t>Contact</a:t>
+            </a:r>
+            <a:r>
+              <a:rPr lang="de-DE" sz="3200" dirty="0" smtClean="0"/>
+              <a:t> </a:t>
+            </a:r>
+            <a:r>
+              <a:rPr lang="de-DE" sz="3200" dirty="0" err="1" smtClean="0"/>
+              <a:t>us</a:t>
+            </a:r>
+            <a:r>
+              <a:rPr lang="de-DE" sz="3200" dirty="0" smtClean="0"/>
+              <a:t>!</a:t>
+            </a:r>
+          </a:p>
+        </p:txBody>
+      </p:sp>
+    </p:spTree>
+    <p:extLst>
+      <p:ext uri="{BB962C8B-B14F-4D97-AF65-F5344CB8AC3E}">
+        <p14:creationId xmlns:p14="http://schemas.microsoft.com/office/powerpoint/2010/main" val="1459151704"/>
+      </p:ext>
+    </p:extLst>
+  </p:cSld>
+  <p:clrMapOvr>
+    <a:masterClrMapping/>
+  </p:clrMapOvr>
+  <p:timing>
+    <p:tnLst>
+      <p:par>
+        <p:cTn xmlns:p14="http://schemas.microsoft.com/office/powerpoint/2010/main" id="1" dur="indefinite" restart="never" nodeType="tmRoot"/>
+      </p:par>
+    </p:tnLst>
+  </p:timing>
+</p:sld>
+</file>
+
+<file path=ppt/slides/slide23.xml><?xml version="1.0" encoding="utf-8"?>
+<p:sld xmlns:a="http://schemas.openxmlformats.org/drawingml/2006/main" xmlns:r="http://schemas.openxmlformats.org/officeDocument/2006/relationships" xmlns:p="http://schemas.openxmlformats.org/presentationml/2006/main">
+  <p:cSld>
+    <p:spTree>
+      <p:nvGrpSpPr>
+        <p:cNvPr id="1" name=""/>
+        <p:cNvGrpSpPr/>
+        <p:nvPr/>
+      </p:nvGrpSpPr>
+      <p:grpSpPr>
+        <a:xfrm>
+          <a:off x="0" y="0"/>
+          <a:ext cx="0" cy="0"/>
+          <a:chOff x="0" y="0"/>
+          <a:chExt cx="0" cy="0"/>
+        </a:xfrm>
+      </p:grpSpPr>
+      <p:sp>
+        <p:nvSpPr>
+          <p:cNvPr id="2" name="Titel 1"/>
+          <p:cNvSpPr>
+            <a:spLocks noGrp="1"/>
+          </p:cNvSpPr>
+          <p:nvPr>
+            <p:ph type="title"/>
+          </p:nvPr>
+        </p:nvSpPr>
+        <p:spPr>
+          <a:xfrm>
+            <a:off x="810915" y="691116"/>
+            <a:ext cx="10018713" cy="1752599"/>
+          </a:xfrm>
+        </p:spPr>
+        <p:txBody>
+          <a:bodyPr/>
+          <a:lstStyle/>
+          <a:p>
+            <a:r>
+              <a:rPr lang="de-DE" dirty="0" err="1" smtClean="0"/>
               <a:t>Questions</a:t>
+            </a:r>
+            <a:r>
+              <a:rPr lang="de-DE" dirty="0" smtClean="0"/>
+              <a:t>?</a:t>
             </a:r>
             <a:endParaRPr lang="de-DE" dirty="0"/>
           </a:p>
@@ -15794,7 +16328,7 @@
           </a:prstGeom>
           <a:noFill/>
           <a:extLst>
-            <a:ext uri="{909E8E84-426E-40DD-AFC4-6F175D3DCCD1}">
+            <a:ext uri="{909E8E84-426E-40dd-AFC4-6F175D3DCCD1}">
               <a14:hiddenFill xmlns:a14="http://schemas.microsoft.com/office/drawing/2010/main">
                 <a:solidFill>
                   <a:srgbClr val="FFFFFF"/>
@@ -15835,7 +16369,7 @@
           </a:prstGeom>
           <a:noFill/>
           <a:extLst>
-            <a:ext uri="{909E8E84-426E-40DD-AFC4-6F175D3DCCD1}">
+            <a:ext uri="{909E8E84-426E-40dd-AFC4-6F175D3DCCD1}">
               <a14:hiddenFill xmlns:a14="http://schemas.microsoft.com/office/drawing/2010/main">
                 <a:solidFill>
                   <a:srgbClr val="FFFFFF"/>
@@ -16125,7 +16659,7 @@
   <p:timing>
     <p:tnLst>
       <p:par>
-        <p:cTn id="1" dur="indefinite" restart="never" nodeType="tmRoot"/>
+        <p:cTn xmlns:p14="http://schemas.microsoft.com/office/powerpoint/2010/main" id="1" dur="indefinite" restart="never" nodeType="tmRoot"/>
       </p:par>
     </p:tnLst>
   </p:timing>
@@ -16243,6 +16777,273 @@
           </a:p>
         </p:txBody>
       </p:sp>
+      <p:sp>
+        <p:nvSpPr>
+          <p:cNvPr id="4" name="Inhaltsplatzhalter 2"/>
+          <p:cNvSpPr txBox="1">
+            <a:spLocks/>
+          </p:cNvSpPr>
+          <p:nvPr/>
+        </p:nvSpPr>
+        <p:spPr>
+          <a:xfrm>
+            <a:off x="8137451" y="-41565"/>
+            <a:ext cx="4054549" cy="370610"/>
+          </a:xfrm>
+          <a:prstGeom prst="rect">
+            <a:avLst/>
+          </a:prstGeom>
+        </p:spPr>
+        <p:txBody>
+          <a:bodyPr vert="horz" lIns="91440" tIns="45720" rIns="91440" bIns="45720" rtlCol="0" anchor="ctr">
+            <a:normAutofit/>
+          </a:bodyPr>
+          <a:lstStyle>
+            <a:lvl1pPr marL="285750" indent="-285750" algn="l" defTabSz="457200" rtl="0" eaLnBrk="1" latinLnBrk="0" hangingPunct="1">
+              <a:spcBef>
+                <a:spcPct val="20000"/>
+              </a:spcBef>
+              <a:spcAft>
+                <a:spcPts val="600"/>
+              </a:spcAft>
+              <a:buClr>
+                <a:schemeClr val="accent1">
+                  <a:lumMod val="75000"/>
+                </a:schemeClr>
+              </a:buClr>
+              <a:buSzPct val="145000"/>
+              <a:buFont typeface="Arial"/>
+              <a:buChar char="•"/>
+              <a:defRPr sz="2400" kern="1200" cap="none">
+                <a:solidFill>
+                  <a:schemeClr val="tx1"/>
+                </a:solidFill>
+                <a:effectLst/>
+                <a:latin typeface="+mn-lt"/>
+                <a:ea typeface="+mn-ea"/>
+                <a:cs typeface="+mn-cs"/>
+              </a:defRPr>
+            </a:lvl1pPr>
+            <a:lvl2pPr marL="742950" indent="-285750" algn="l" defTabSz="457200" rtl="0" eaLnBrk="1" latinLnBrk="0" hangingPunct="1">
+              <a:spcBef>
+                <a:spcPct val="20000"/>
+              </a:spcBef>
+              <a:spcAft>
+                <a:spcPts val="600"/>
+              </a:spcAft>
+              <a:buClr>
+                <a:schemeClr val="accent1">
+                  <a:lumMod val="75000"/>
+                </a:schemeClr>
+              </a:buClr>
+              <a:buSzPct val="145000"/>
+              <a:buFont typeface="Arial"/>
+              <a:buChar char="•"/>
+              <a:defRPr sz="2000" kern="1200" cap="none">
+                <a:solidFill>
+                  <a:schemeClr val="tx1"/>
+                </a:solidFill>
+                <a:effectLst/>
+                <a:latin typeface="+mn-lt"/>
+                <a:ea typeface="+mn-ea"/>
+                <a:cs typeface="+mn-cs"/>
+              </a:defRPr>
+            </a:lvl2pPr>
+            <a:lvl3pPr marL="1200150" indent="-285750" algn="l" defTabSz="457200" rtl="0" eaLnBrk="1" latinLnBrk="0" hangingPunct="1">
+              <a:spcBef>
+                <a:spcPct val="20000"/>
+              </a:spcBef>
+              <a:spcAft>
+                <a:spcPts val="600"/>
+              </a:spcAft>
+              <a:buClr>
+                <a:schemeClr val="accent1">
+                  <a:lumMod val="75000"/>
+                </a:schemeClr>
+              </a:buClr>
+              <a:buSzPct val="145000"/>
+              <a:buFont typeface="Arial"/>
+              <a:buChar char="•"/>
+              <a:defRPr sz="1800" kern="1200" cap="none">
+                <a:solidFill>
+                  <a:schemeClr val="tx1"/>
+                </a:solidFill>
+                <a:effectLst/>
+                <a:latin typeface="+mn-lt"/>
+                <a:ea typeface="+mn-ea"/>
+                <a:cs typeface="+mn-cs"/>
+              </a:defRPr>
+            </a:lvl3pPr>
+            <a:lvl4pPr marL="1543050" indent="-171450" algn="l" defTabSz="457200" rtl="0" eaLnBrk="1" latinLnBrk="0" hangingPunct="1">
+              <a:spcBef>
+                <a:spcPct val="20000"/>
+              </a:spcBef>
+              <a:spcAft>
+                <a:spcPts val="600"/>
+              </a:spcAft>
+              <a:buClr>
+                <a:schemeClr val="accent1">
+                  <a:lumMod val="75000"/>
+                </a:schemeClr>
+              </a:buClr>
+              <a:buSzPct val="145000"/>
+              <a:buFont typeface="Arial"/>
+              <a:buChar char="•"/>
+              <a:defRPr sz="1600" kern="1200" cap="none">
+                <a:solidFill>
+                  <a:schemeClr val="tx1"/>
+                </a:solidFill>
+                <a:effectLst/>
+                <a:latin typeface="+mn-lt"/>
+                <a:ea typeface="+mn-ea"/>
+                <a:cs typeface="+mn-cs"/>
+              </a:defRPr>
+            </a:lvl4pPr>
+            <a:lvl5pPr marL="2000250" indent="-171450" algn="l" defTabSz="457200" rtl="0" eaLnBrk="1" latinLnBrk="0" hangingPunct="1">
+              <a:spcBef>
+                <a:spcPct val="20000"/>
+              </a:spcBef>
+              <a:spcAft>
+                <a:spcPts val="600"/>
+              </a:spcAft>
+              <a:buClr>
+                <a:schemeClr val="accent1">
+                  <a:lumMod val="75000"/>
+                </a:schemeClr>
+              </a:buClr>
+              <a:buSzPct val="145000"/>
+              <a:buFont typeface="Arial"/>
+              <a:buChar char="•"/>
+              <a:defRPr sz="1400" kern="1200" cap="none">
+                <a:solidFill>
+                  <a:schemeClr val="tx1"/>
+                </a:solidFill>
+                <a:effectLst/>
+                <a:latin typeface="+mn-lt"/>
+                <a:ea typeface="+mn-ea"/>
+                <a:cs typeface="+mn-cs"/>
+              </a:defRPr>
+            </a:lvl5pPr>
+            <a:lvl6pPr marL="2514600" indent="-228600" algn="l" defTabSz="457200" rtl="0" eaLnBrk="1" latinLnBrk="0" hangingPunct="1">
+              <a:spcBef>
+                <a:spcPct val="20000"/>
+              </a:spcBef>
+              <a:spcAft>
+                <a:spcPts val="600"/>
+              </a:spcAft>
+              <a:buClr>
+                <a:schemeClr val="accent1">
+                  <a:lumMod val="75000"/>
+                </a:schemeClr>
+              </a:buClr>
+              <a:buSzPct val="145000"/>
+              <a:buFont typeface="Arial"/>
+              <a:buChar char="•"/>
+              <a:defRPr sz="1400" kern="1200" cap="none">
+                <a:solidFill>
+                  <a:schemeClr val="tx1"/>
+                </a:solidFill>
+                <a:effectLst/>
+                <a:latin typeface="+mn-lt"/>
+                <a:ea typeface="+mn-ea"/>
+                <a:cs typeface="+mn-cs"/>
+              </a:defRPr>
+            </a:lvl6pPr>
+            <a:lvl7pPr marL="2971800" indent="-228600" algn="l" defTabSz="457200" rtl="0" eaLnBrk="1" latinLnBrk="0" hangingPunct="1">
+              <a:spcBef>
+                <a:spcPct val="20000"/>
+              </a:spcBef>
+              <a:spcAft>
+                <a:spcPts val="600"/>
+              </a:spcAft>
+              <a:buClr>
+                <a:schemeClr val="accent1">
+                  <a:lumMod val="75000"/>
+                </a:schemeClr>
+              </a:buClr>
+              <a:buSzPct val="145000"/>
+              <a:buFont typeface="Arial"/>
+              <a:buChar char="•"/>
+              <a:defRPr sz="1400" kern="1200" cap="none">
+                <a:solidFill>
+                  <a:schemeClr val="tx1"/>
+                </a:solidFill>
+                <a:effectLst/>
+                <a:latin typeface="+mn-lt"/>
+                <a:ea typeface="+mn-ea"/>
+                <a:cs typeface="+mn-cs"/>
+              </a:defRPr>
+            </a:lvl7pPr>
+            <a:lvl8pPr marL="3429000" indent="-228600" algn="l" defTabSz="457200" rtl="0" eaLnBrk="1" latinLnBrk="0" hangingPunct="1">
+              <a:spcBef>
+                <a:spcPct val="20000"/>
+              </a:spcBef>
+              <a:spcAft>
+                <a:spcPts val="600"/>
+              </a:spcAft>
+              <a:buClr>
+                <a:schemeClr val="accent1">
+                  <a:lumMod val="75000"/>
+                </a:schemeClr>
+              </a:buClr>
+              <a:buSzPct val="145000"/>
+              <a:buFont typeface="Arial"/>
+              <a:buChar char="•"/>
+              <a:defRPr sz="1400" kern="1200" cap="none">
+                <a:solidFill>
+                  <a:schemeClr val="tx1"/>
+                </a:solidFill>
+                <a:effectLst/>
+                <a:latin typeface="+mn-lt"/>
+                <a:ea typeface="+mn-ea"/>
+                <a:cs typeface="+mn-cs"/>
+              </a:defRPr>
+            </a:lvl8pPr>
+            <a:lvl9pPr marL="3886200" indent="-228600" algn="l" defTabSz="457200" rtl="0" eaLnBrk="1" latinLnBrk="0" hangingPunct="1">
+              <a:spcBef>
+                <a:spcPct val="20000"/>
+              </a:spcBef>
+              <a:spcAft>
+                <a:spcPts val="600"/>
+              </a:spcAft>
+              <a:buClr>
+                <a:schemeClr val="accent1">
+                  <a:lumMod val="75000"/>
+                </a:schemeClr>
+              </a:buClr>
+              <a:buSzPct val="145000"/>
+              <a:buFont typeface="Arial"/>
+              <a:buChar char="•"/>
+              <a:defRPr sz="1400" kern="1200" cap="none">
+                <a:solidFill>
+                  <a:schemeClr val="tx1"/>
+                </a:solidFill>
+                <a:effectLst/>
+                <a:latin typeface="+mn-lt"/>
+                <a:ea typeface="+mn-ea"/>
+                <a:cs typeface="+mn-cs"/>
+              </a:defRPr>
+            </a:lvl9pPr>
+          </a:lstStyle>
+          <a:p>
+            <a:pPr marL="0" indent="0">
+              <a:buNone/>
+            </a:pPr>
+            <a:r>
+              <a:rPr lang="de-DE" sz="1000" dirty="0"/>
+              <a:t>Rem0 Röthlisberger, Eric </a:t>
+            </a:r>
+            <a:r>
+              <a:rPr lang="de-DE" sz="1000" dirty="0" err="1"/>
+              <a:t>Lagger</a:t>
+            </a:r>
+            <a:r>
+              <a:rPr lang="de-DE" sz="1000" dirty="0"/>
+              <a:t>, Vincent Hofer, Dean Klopsch, Aebi Ryan</a:t>
+            </a:r>
+          </a:p>
+        </p:txBody>
+      </p:sp>
     </p:spTree>
     <p:extLst>
       <p:ext uri="{BB962C8B-B14F-4D97-AF65-F5344CB8AC3E}">
@@ -16256,7 +17057,7 @@
   <p:timing>
     <p:tnLst>
       <p:par>
-        <p:cTn id="1" dur="indefinite" restart="never" nodeType="tmRoot"/>
+        <p:cTn xmlns:p14="http://schemas.microsoft.com/office/powerpoint/2010/main" id="1" dur="indefinite" restart="never" nodeType="tmRoot"/>
       </p:par>
     </p:tnLst>
   </p:timing>
@@ -16400,6 +17201,273 @@
           </a:p>
         </p:txBody>
       </p:sp>
+      <p:sp>
+        <p:nvSpPr>
+          <p:cNvPr id="4" name="Inhaltsplatzhalter 2"/>
+          <p:cNvSpPr txBox="1">
+            <a:spLocks/>
+          </p:cNvSpPr>
+          <p:nvPr/>
+        </p:nvSpPr>
+        <p:spPr>
+          <a:xfrm>
+            <a:off x="8137451" y="-41565"/>
+            <a:ext cx="4054549" cy="370610"/>
+          </a:xfrm>
+          <a:prstGeom prst="rect">
+            <a:avLst/>
+          </a:prstGeom>
+        </p:spPr>
+        <p:txBody>
+          <a:bodyPr vert="horz" lIns="91440" tIns="45720" rIns="91440" bIns="45720" rtlCol="0" anchor="ctr">
+            <a:normAutofit/>
+          </a:bodyPr>
+          <a:lstStyle>
+            <a:lvl1pPr marL="285750" indent="-285750" algn="l" defTabSz="457200" rtl="0" eaLnBrk="1" latinLnBrk="0" hangingPunct="1">
+              <a:spcBef>
+                <a:spcPct val="20000"/>
+              </a:spcBef>
+              <a:spcAft>
+                <a:spcPts val="600"/>
+              </a:spcAft>
+              <a:buClr>
+                <a:schemeClr val="accent1">
+                  <a:lumMod val="75000"/>
+                </a:schemeClr>
+              </a:buClr>
+              <a:buSzPct val="145000"/>
+              <a:buFont typeface="Arial"/>
+              <a:buChar char="•"/>
+              <a:defRPr sz="2400" kern="1200" cap="none">
+                <a:solidFill>
+                  <a:schemeClr val="tx1"/>
+                </a:solidFill>
+                <a:effectLst/>
+                <a:latin typeface="+mn-lt"/>
+                <a:ea typeface="+mn-ea"/>
+                <a:cs typeface="+mn-cs"/>
+              </a:defRPr>
+            </a:lvl1pPr>
+            <a:lvl2pPr marL="742950" indent="-285750" algn="l" defTabSz="457200" rtl="0" eaLnBrk="1" latinLnBrk="0" hangingPunct="1">
+              <a:spcBef>
+                <a:spcPct val="20000"/>
+              </a:spcBef>
+              <a:spcAft>
+                <a:spcPts val="600"/>
+              </a:spcAft>
+              <a:buClr>
+                <a:schemeClr val="accent1">
+                  <a:lumMod val="75000"/>
+                </a:schemeClr>
+              </a:buClr>
+              <a:buSzPct val="145000"/>
+              <a:buFont typeface="Arial"/>
+              <a:buChar char="•"/>
+              <a:defRPr sz="2000" kern="1200" cap="none">
+                <a:solidFill>
+                  <a:schemeClr val="tx1"/>
+                </a:solidFill>
+                <a:effectLst/>
+                <a:latin typeface="+mn-lt"/>
+                <a:ea typeface="+mn-ea"/>
+                <a:cs typeface="+mn-cs"/>
+              </a:defRPr>
+            </a:lvl2pPr>
+            <a:lvl3pPr marL="1200150" indent="-285750" algn="l" defTabSz="457200" rtl="0" eaLnBrk="1" latinLnBrk="0" hangingPunct="1">
+              <a:spcBef>
+                <a:spcPct val="20000"/>
+              </a:spcBef>
+              <a:spcAft>
+                <a:spcPts val="600"/>
+              </a:spcAft>
+              <a:buClr>
+                <a:schemeClr val="accent1">
+                  <a:lumMod val="75000"/>
+                </a:schemeClr>
+              </a:buClr>
+              <a:buSzPct val="145000"/>
+              <a:buFont typeface="Arial"/>
+              <a:buChar char="•"/>
+              <a:defRPr sz="1800" kern="1200" cap="none">
+                <a:solidFill>
+                  <a:schemeClr val="tx1"/>
+                </a:solidFill>
+                <a:effectLst/>
+                <a:latin typeface="+mn-lt"/>
+                <a:ea typeface="+mn-ea"/>
+                <a:cs typeface="+mn-cs"/>
+              </a:defRPr>
+            </a:lvl3pPr>
+            <a:lvl4pPr marL="1543050" indent="-171450" algn="l" defTabSz="457200" rtl="0" eaLnBrk="1" latinLnBrk="0" hangingPunct="1">
+              <a:spcBef>
+                <a:spcPct val="20000"/>
+              </a:spcBef>
+              <a:spcAft>
+                <a:spcPts val="600"/>
+              </a:spcAft>
+              <a:buClr>
+                <a:schemeClr val="accent1">
+                  <a:lumMod val="75000"/>
+                </a:schemeClr>
+              </a:buClr>
+              <a:buSzPct val="145000"/>
+              <a:buFont typeface="Arial"/>
+              <a:buChar char="•"/>
+              <a:defRPr sz="1600" kern="1200" cap="none">
+                <a:solidFill>
+                  <a:schemeClr val="tx1"/>
+                </a:solidFill>
+                <a:effectLst/>
+                <a:latin typeface="+mn-lt"/>
+                <a:ea typeface="+mn-ea"/>
+                <a:cs typeface="+mn-cs"/>
+              </a:defRPr>
+            </a:lvl4pPr>
+            <a:lvl5pPr marL="2000250" indent="-171450" algn="l" defTabSz="457200" rtl="0" eaLnBrk="1" latinLnBrk="0" hangingPunct="1">
+              <a:spcBef>
+                <a:spcPct val="20000"/>
+              </a:spcBef>
+              <a:spcAft>
+                <a:spcPts val="600"/>
+              </a:spcAft>
+              <a:buClr>
+                <a:schemeClr val="accent1">
+                  <a:lumMod val="75000"/>
+                </a:schemeClr>
+              </a:buClr>
+              <a:buSzPct val="145000"/>
+              <a:buFont typeface="Arial"/>
+              <a:buChar char="•"/>
+              <a:defRPr sz="1400" kern="1200" cap="none">
+                <a:solidFill>
+                  <a:schemeClr val="tx1"/>
+                </a:solidFill>
+                <a:effectLst/>
+                <a:latin typeface="+mn-lt"/>
+                <a:ea typeface="+mn-ea"/>
+                <a:cs typeface="+mn-cs"/>
+              </a:defRPr>
+            </a:lvl5pPr>
+            <a:lvl6pPr marL="2514600" indent="-228600" algn="l" defTabSz="457200" rtl="0" eaLnBrk="1" latinLnBrk="0" hangingPunct="1">
+              <a:spcBef>
+                <a:spcPct val="20000"/>
+              </a:spcBef>
+              <a:spcAft>
+                <a:spcPts val="600"/>
+              </a:spcAft>
+              <a:buClr>
+                <a:schemeClr val="accent1">
+                  <a:lumMod val="75000"/>
+                </a:schemeClr>
+              </a:buClr>
+              <a:buSzPct val="145000"/>
+              <a:buFont typeface="Arial"/>
+              <a:buChar char="•"/>
+              <a:defRPr sz="1400" kern="1200" cap="none">
+                <a:solidFill>
+                  <a:schemeClr val="tx1"/>
+                </a:solidFill>
+                <a:effectLst/>
+                <a:latin typeface="+mn-lt"/>
+                <a:ea typeface="+mn-ea"/>
+                <a:cs typeface="+mn-cs"/>
+              </a:defRPr>
+            </a:lvl6pPr>
+            <a:lvl7pPr marL="2971800" indent="-228600" algn="l" defTabSz="457200" rtl="0" eaLnBrk="1" latinLnBrk="0" hangingPunct="1">
+              <a:spcBef>
+                <a:spcPct val="20000"/>
+              </a:spcBef>
+              <a:spcAft>
+                <a:spcPts val="600"/>
+              </a:spcAft>
+              <a:buClr>
+                <a:schemeClr val="accent1">
+                  <a:lumMod val="75000"/>
+                </a:schemeClr>
+              </a:buClr>
+              <a:buSzPct val="145000"/>
+              <a:buFont typeface="Arial"/>
+              <a:buChar char="•"/>
+              <a:defRPr sz="1400" kern="1200" cap="none">
+                <a:solidFill>
+                  <a:schemeClr val="tx1"/>
+                </a:solidFill>
+                <a:effectLst/>
+                <a:latin typeface="+mn-lt"/>
+                <a:ea typeface="+mn-ea"/>
+                <a:cs typeface="+mn-cs"/>
+              </a:defRPr>
+            </a:lvl7pPr>
+            <a:lvl8pPr marL="3429000" indent="-228600" algn="l" defTabSz="457200" rtl="0" eaLnBrk="1" latinLnBrk="0" hangingPunct="1">
+              <a:spcBef>
+                <a:spcPct val="20000"/>
+              </a:spcBef>
+              <a:spcAft>
+                <a:spcPts val="600"/>
+              </a:spcAft>
+              <a:buClr>
+                <a:schemeClr val="accent1">
+                  <a:lumMod val="75000"/>
+                </a:schemeClr>
+              </a:buClr>
+              <a:buSzPct val="145000"/>
+              <a:buFont typeface="Arial"/>
+              <a:buChar char="•"/>
+              <a:defRPr sz="1400" kern="1200" cap="none">
+                <a:solidFill>
+                  <a:schemeClr val="tx1"/>
+                </a:solidFill>
+                <a:effectLst/>
+                <a:latin typeface="+mn-lt"/>
+                <a:ea typeface="+mn-ea"/>
+                <a:cs typeface="+mn-cs"/>
+              </a:defRPr>
+            </a:lvl8pPr>
+            <a:lvl9pPr marL="3886200" indent="-228600" algn="l" defTabSz="457200" rtl="0" eaLnBrk="1" latinLnBrk="0" hangingPunct="1">
+              <a:spcBef>
+                <a:spcPct val="20000"/>
+              </a:spcBef>
+              <a:spcAft>
+                <a:spcPts val="600"/>
+              </a:spcAft>
+              <a:buClr>
+                <a:schemeClr val="accent1">
+                  <a:lumMod val="75000"/>
+                </a:schemeClr>
+              </a:buClr>
+              <a:buSzPct val="145000"/>
+              <a:buFont typeface="Arial"/>
+              <a:buChar char="•"/>
+              <a:defRPr sz="1400" kern="1200" cap="none">
+                <a:solidFill>
+                  <a:schemeClr val="tx1"/>
+                </a:solidFill>
+                <a:effectLst/>
+                <a:latin typeface="+mn-lt"/>
+                <a:ea typeface="+mn-ea"/>
+                <a:cs typeface="+mn-cs"/>
+              </a:defRPr>
+            </a:lvl9pPr>
+          </a:lstStyle>
+          <a:p>
+            <a:pPr marL="0" indent="0">
+              <a:buNone/>
+            </a:pPr>
+            <a:r>
+              <a:rPr lang="de-DE" sz="1000" dirty="0"/>
+              <a:t>Rem0 Röthlisberger, Eric </a:t>
+            </a:r>
+            <a:r>
+              <a:rPr lang="de-DE" sz="1000" dirty="0" err="1"/>
+              <a:t>Lagger</a:t>
+            </a:r>
+            <a:r>
+              <a:rPr lang="de-DE" sz="1000" dirty="0"/>
+              <a:t>, Vincent Hofer, Dean Klopsch, Aebi Ryan</a:t>
+            </a:r>
+          </a:p>
+        </p:txBody>
+      </p:sp>
     </p:spTree>
     <p:extLst>
       <p:ext uri="{BB962C8B-B14F-4D97-AF65-F5344CB8AC3E}">
@@ -16413,7 +17481,7 @@
   <p:timing>
     <p:tnLst>
       <p:par>
-        <p:cTn id="1" dur="indefinite" restart="never" nodeType="tmRoot"/>
+        <p:cTn xmlns:p14="http://schemas.microsoft.com/office/powerpoint/2010/main" id="1" dur="indefinite" restart="never" nodeType="tmRoot"/>
       </p:par>
     </p:tnLst>
   </p:timing>
@@ -16531,6 +17599,273 @@
           </a:p>
         </p:txBody>
       </p:sp>
+      <p:sp>
+        <p:nvSpPr>
+          <p:cNvPr id="4" name="Inhaltsplatzhalter 2"/>
+          <p:cNvSpPr txBox="1">
+            <a:spLocks/>
+          </p:cNvSpPr>
+          <p:nvPr/>
+        </p:nvSpPr>
+        <p:spPr>
+          <a:xfrm>
+            <a:off x="8137451" y="-41565"/>
+            <a:ext cx="4054549" cy="370610"/>
+          </a:xfrm>
+          <a:prstGeom prst="rect">
+            <a:avLst/>
+          </a:prstGeom>
+        </p:spPr>
+        <p:txBody>
+          <a:bodyPr vert="horz" lIns="91440" tIns="45720" rIns="91440" bIns="45720" rtlCol="0" anchor="ctr">
+            <a:normAutofit/>
+          </a:bodyPr>
+          <a:lstStyle>
+            <a:lvl1pPr marL="285750" indent="-285750" algn="l" defTabSz="457200" rtl="0" eaLnBrk="1" latinLnBrk="0" hangingPunct="1">
+              <a:spcBef>
+                <a:spcPct val="20000"/>
+              </a:spcBef>
+              <a:spcAft>
+                <a:spcPts val="600"/>
+              </a:spcAft>
+              <a:buClr>
+                <a:schemeClr val="accent1">
+                  <a:lumMod val="75000"/>
+                </a:schemeClr>
+              </a:buClr>
+              <a:buSzPct val="145000"/>
+              <a:buFont typeface="Arial"/>
+              <a:buChar char="•"/>
+              <a:defRPr sz="2400" kern="1200" cap="none">
+                <a:solidFill>
+                  <a:schemeClr val="tx1"/>
+                </a:solidFill>
+                <a:effectLst/>
+                <a:latin typeface="+mn-lt"/>
+                <a:ea typeface="+mn-ea"/>
+                <a:cs typeface="+mn-cs"/>
+              </a:defRPr>
+            </a:lvl1pPr>
+            <a:lvl2pPr marL="742950" indent="-285750" algn="l" defTabSz="457200" rtl="0" eaLnBrk="1" latinLnBrk="0" hangingPunct="1">
+              <a:spcBef>
+                <a:spcPct val="20000"/>
+              </a:spcBef>
+              <a:spcAft>
+                <a:spcPts val="600"/>
+              </a:spcAft>
+              <a:buClr>
+                <a:schemeClr val="accent1">
+                  <a:lumMod val="75000"/>
+                </a:schemeClr>
+              </a:buClr>
+              <a:buSzPct val="145000"/>
+              <a:buFont typeface="Arial"/>
+              <a:buChar char="•"/>
+              <a:defRPr sz="2000" kern="1200" cap="none">
+                <a:solidFill>
+                  <a:schemeClr val="tx1"/>
+                </a:solidFill>
+                <a:effectLst/>
+                <a:latin typeface="+mn-lt"/>
+                <a:ea typeface="+mn-ea"/>
+                <a:cs typeface="+mn-cs"/>
+              </a:defRPr>
+            </a:lvl2pPr>
+            <a:lvl3pPr marL="1200150" indent="-285750" algn="l" defTabSz="457200" rtl="0" eaLnBrk="1" latinLnBrk="0" hangingPunct="1">
+              <a:spcBef>
+                <a:spcPct val="20000"/>
+              </a:spcBef>
+              <a:spcAft>
+                <a:spcPts val="600"/>
+              </a:spcAft>
+              <a:buClr>
+                <a:schemeClr val="accent1">
+                  <a:lumMod val="75000"/>
+                </a:schemeClr>
+              </a:buClr>
+              <a:buSzPct val="145000"/>
+              <a:buFont typeface="Arial"/>
+              <a:buChar char="•"/>
+              <a:defRPr sz="1800" kern="1200" cap="none">
+                <a:solidFill>
+                  <a:schemeClr val="tx1"/>
+                </a:solidFill>
+                <a:effectLst/>
+                <a:latin typeface="+mn-lt"/>
+                <a:ea typeface="+mn-ea"/>
+                <a:cs typeface="+mn-cs"/>
+              </a:defRPr>
+            </a:lvl3pPr>
+            <a:lvl4pPr marL="1543050" indent="-171450" algn="l" defTabSz="457200" rtl="0" eaLnBrk="1" latinLnBrk="0" hangingPunct="1">
+              <a:spcBef>
+                <a:spcPct val="20000"/>
+              </a:spcBef>
+              <a:spcAft>
+                <a:spcPts val="600"/>
+              </a:spcAft>
+              <a:buClr>
+                <a:schemeClr val="accent1">
+                  <a:lumMod val="75000"/>
+                </a:schemeClr>
+              </a:buClr>
+              <a:buSzPct val="145000"/>
+              <a:buFont typeface="Arial"/>
+              <a:buChar char="•"/>
+              <a:defRPr sz="1600" kern="1200" cap="none">
+                <a:solidFill>
+                  <a:schemeClr val="tx1"/>
+                </a:solidFill>
+                <a:effectLst/>
+                <a:latin typeface="+mn-lt"/>
+                <a:ea typeface="+mn-ea"/>
+                <a:cs typeface="+mn-cs"/>
+              </a:defRPr>
+            </a:lvl4pPr>
+            <a:lvl5pPr marL="2000250" indent="-171450" algn="l" defTabSz="457200" rtl="0" eaLnBrk="1" latinLnBrk="0" hangingPunct="1">
+              <a:spcBef>
+                <a:spcPct val="20000"/>
+              </a:spcBef>
+              <a:spcAft>
+                <a:spcPts val="600"/>
+              </a:spcAft>
+              <a:buClr>
+                <a:schemeClr val="accent1">
+                  <a:lumMod val="75000"/>
+                </a:schemeClr>
+              </a:buClr>
+              <a:buSzPct val="145000"/>
+              <a:buFont typeface="Arial"/>
+              <a:buChar char="•"/>
+              <a:defRPr sz="1400" kern="1200" cap="none">
+                <a:solidFill>
+                  <a:schemeClr val="tx1"/>
+                </a:solidFill>
+                <a:effectLst/>
+                <a:latin typeface="+mn-lt"/>
+                <a:ea typeface="+mn-ea"/>
+                <a:cs typeface="+mn-cs"/>
+              </a:defRPr>
+            </a:lvl5pPr>
+            <a:lvl6pPr marL="2514600" indent="-228600" algn="l" defTabSz="457200" rtl="0" eaLnBrk="1" latinLnBrk="0" hangingPunct="1">
+              <a:spcBef>
+                <a:spcPct val="20000"/>
+              </a:spcBef>
+              <a:spcAft>
+                <a:spcPts val="600"/>
+              </a:spcAft>
+              <a:buClr>
+                <a:schemeClr val="accent1">
+                  <a:lumMod val="75000"/>
+                </a:schemeClr>
+              </a:buClr>
+              <a:buSzPct val="145000"/>
+              <a:buFont typeface="Arial"/>
+              <a:buChar char="•"/>
+              <a:defRPr sz="1400" kern="1200" cap="none">
+                <a:solidFill>
+                  <a:schemeClr val="tx1"/>
+                </a:solidFill>
+                <a:effectLst/>
+                <a:latin typeface="+mn-lt"/>
+                <a:ea typeface="+mn-ea"/>
+                <a:cs typeface="+mn-cs"/>
+              </a:defRPr>
+            </a:lvl6pPr>
+            <a:lvl7pPr marL="2971800" indent="-228600" algn="l" defTabSz="457200" rtl="0" eaLnBrk="1" latinLnBrk="0" hangingPunct="1">
+              <a:spcBef>
+                <a:spcPct val="20000"/>
+              </a:spcBef>
+              <a:spcAft>
+                <a:spcPts val="600"/>
+              </a:spcAft>
+              <a:buClr>
+                <a:schemeClr val="accent1">
+                  <a:lumMod val="75000"/>
+                </a:schemeClr>
+              </a:buClr>
+              <a:buSzPct val="145000"/>
+              <a:buFont typeface="Arial"/>
+              <a:buChar char="•"/>
+              <a:defRPr sz="1400" kern="1200" cap="none">
+                <a:solidFill>
+                  <a:schemeClr val="tx1"/>
+                </a:solidFill>
+                <a:effectLst/>
+                <a:latin typeface="+mn-lt"/>
+                <a:ea typeface="+mn-ea"/>
+                <a:cs typeface="+mn-cs"/>
+              </a:defRPr>
+            </a:lvl7pPr>
+            <a:lvl8pPr marL="3429000" indent="-228600" algn="l" defTabSz="457200" rtl="0" eaLnBrk="1" latinLnBrk="0" hangingPunct="1">
+              <a:spcBef>
+                <a:spcPct val="20000"/>
+              </a:spcBef>
+              <a:spcAft>
+                <a:spcPts val="600"/>
+              </a:spcAft>
+              <a:buClr>
+                <a:schemeClr val="accent1">
+                  <a:lumMod val="75000"/>
+                </a:schemeClr>
+              </a:buClr>
+              <a:buSzPct val="145000"/>
+              <a:buFont typeface="Arial"/>
+              <a:buChar char="•"/>
+              <a:defRPr sz="1400" kern="1200" cap="none">
+                <a:solidFill>
+                  <a:schemeClr val="tx1"/>
+                </a:solidFill>
+                <a:effectLst/>
+                <a:latin typeface="+mn-lt"/>
+                <a:ea typeface="+mn-ea"/>
+                <a:cs typeface="+mn-cs"/>
+              </a:defRPr>
+            </a:lvl8pPr>
+            <a:lvl9pPr marL="3886200" indent="-228600" algn="l" defTabSz="457200" rtl="0" eaLnBrk="1" latinLnBrk="0" hangingPunct="1">
+              <a:spcBef>
+                <a:spcPct val="20000"/>
+              </a:spcBef>
+              <a:spcAft>
+                <a:spcPts val="600"/>
+              </a:spcAft>
+              <a:buClr>
+                <a:schemeClr val="accent1">
+                  <a:lumMod val="75000"/>
+                </a:schemeClr>
+              </a:buClr>
+              <a:buSzPct val="145000"/>
+              <a:buFont typeface="Arial"/>
+              <a:buChar char="•"/>
+              <a:defRPr sz="1400" kern="1200" cap="none">
+                <a:solidFill>
+                  <a:schemeClr val="tx1"/>
+                </a:solidFill>
+                <a:effectLst/>
+                <a:latin typeface="+mn-lt"/>
+                <a:ea typeface="+mn-ea"/>
+                <a:cs typeface="+mn-cs"/>
+              </a:defRPr>
+            </a:lvl9pPr>
+          </a:lstStyle>
+          <a:p>
+            <a:pPr marL="0" indent="0">
+              <a:buNone/>
+            </a:pPr>
+            <a:r>
+              <a:rPr lang="de-DE" sz="1000" dirty="0"/>
+              <a:t>Rem0 Röthlisberger, Eric </a:t>
+            </a:r>
+            <a:r>
+              <a:rPr lang="de-DE" sz="1000" dirty="0" err="1"/>
+              <a:t>Lagger</a:t>
+            </a:r>
+            <a:r>
+              <a:rPr lang="de-DE" sz="1000" dirty="0"/>
+              <a:t>, Vincent Hofer, Dean Klopsch, Aebi Ryan</a:t>
+            </a:r>
+          </a:p>
+        </p:txBody>
+      </p:sp>
     </p:spTree>
     <p:extLst>
       <p:ext uri="{BB962C8B-B14F-4D97-AF65-F5344CB8AC3E}">
@@ -16544,7 +17879,7 @@
   <p:timing>
     <p:tnLst>
       <p:par>
-        <p:cTn id="1" dur="indefinite" restart="never" nodeType="tmRoot"/>
+        <p:cTn xmlns:p14="http://schemas.microsoft.com/office/powerpoint/2010/main" id="1" dur="indefinite" restart="never" nodeType="tmRoot"/>
       </p:par>
     </p:tnLst>
   </p:timing>
@@ -16629,7 +17964,7 @@
   <p:timing>
     <p:tnLst>
       <p:par>
-        <p:cTn id="1" dur="indefinite" restart="never" nodeType="tmRoot"/>
+        <p:cTn xmlns:p14="http://schemas.microsoft.com/office/powerpoint/2010/main" id="1" dur="indefinite" restart="never" nodeType="tmRoot"/>
       </p:par>
     </p:tnLst>
   </p:timing>
@@ -16857,6 +18192,273 @@
           </a:p>
         </p:txBody>
       </p:sp>
+      <p:sp>
+        <p:nvSpPr>
+          <p:cNvPr id="4" name="Inhaltsplatzhalter 2"/>
+          <p:cNvSpPr txBox="1">
+            <a:spLocks/>
+          </p:cNvSpPr>
+          <p:nvPr/>
+        </p:nvSpPr>
+        <p:spPr>
+          <a:xfrm>
+            <a:off x="8137451" y="-41565"/>
+            <a:ext cx="4054549" cy="370610"/>
+          </a:xfrm>
+          <a:prstGeom prst="rect">
+            <a:avLst/>
+          </a:prstGeom>
+        </p:spPr>
+        <p:txBody>
+          <a:bodyPr vert="horz" lIns="91440" tIns="45720" rIns="91440" bIns="45720" rtlCol="0" anchor="ctr">
+            <a:normAutofit/>
+          </a:bodyPr>
+          <a:lstStyle>
+            <a:lvl1pPr marL="285750" indent="-285750" algn="l" defTabSz="457200" rtl="0" eaLnBrk="1" latinLnBrk="0" hangingPunct="1">
+              <a:spcBef>
+                <a:spcPct val="20000"/>
+              </a:spcBef>
+              <a:spcAft>
+                <a:spcPts val="600"/>
+              </a:spcAft>
+              <a:buClr>
+                <a:schemeClr val="accent1">
+                  <a:lumMod val="75000"/>
+                </a:schemeClr>
+              </a:buClr>
+              <a:buSzPct val="145000"/>
+              <a:buFont typeface="Arial"/>
+              <a:buChar char="•"/>
+              <a:defRPr sz="2400" kern="1200" cap="none">
+                <a:solidFill>
+                  <a:schemeClr val="tx1"/>
+                </a:solidFill>
+                <a:effectLst/>
+                <a:latin typeface="+mn-lt"/>
+                <a:ea typeface="+mn-ea"/>
+                <a:cs typeface="+mn-cs"/>
+              </a:defRPr>
+            </a:lvl1pPr>
+            <a:lvl2pPr marL="742950" indent="-285750" algn="l" defTabSz="457200" rtl="0" eaLnBrk="1" latinLnBrk="0" hangingPunct="1">
+              <a:spcBef>
+                <a:spcPct val="20000"/>
+              </a:spcBef>
+              <a:spcAft>
+                <a:spcPts val="600"/>
+              </a:spcAft>
+              <a:buClr>
+                <a:schemeClr val="accent1">
+                  <a:lumMod val="75000"/>
+                </a:schemeClr>
+              </a:buClr>
+              <a:buSzPct val="145000"/>
+              <a:buFont typeface="Arial"/>
+              <a:buChar char="•"/>
+              <a:defRPr sz="2000" kern="1200" cap="none">
+                <a:solidFill>
+                  <a:schemeClr val="tx1"/>
+                </a:solidFill>
+                <a:effectLst/>
+                <a:latin typeface="+mn-lt"/>
+                <a:ea typeface="+mn-ea"/>
+                <a:cs typeface="+mn-cs"/>
+              </a:defRPr>
+            </a:lvl2pPr>
+            <a:lvl3pPr marL="1200150" indent="-285750" algn="l" defTabSz="457200" rtl="0" eaLnBrk="1" latinLnBrk="0" hangingPunct="1">
+              <a:spcBef>
+                <a:spcPct val="20000"/>
+              </a:spcBef>
+              <a:spcAft>
+                <a:spcPts val="600"/>
+              </a:spcAft>
+              <a:buClr>
+                <a:schemeClr val="accent1">
+                  <a:lumMod val="75000"/>
+                </a:schemeClr>
+              </a:buClr>
+              <a:buSzPct val="145000"/>
+              <a:buFont typeface="Arial"/>
+              <a:buChar char="•"/>
+              <a:defRPr sz="1800" kern="1200" cap="none">
+                <a:solidFill>
+                  <a:schemeClr val="tx1"/>
+                </a:solidFill>
+                <a:effectLst/>
+                <a:latin typeface="+mn-lt"/>
+                <a:ea typeface="+mn-ea"/>
+                <a:cs typeface="+mn-cs"/>
+              </a:defRPr>
+            </a:lvl3pPr>
+            <a:lvl4pPr marL="1543050" indent="-171450" algn="l" defTabSz="457200" rtl="0" eaLnBrk="1" latinLnBrk="0" hangingPunct="1">
+              <a:spcBef>
+                <a:spcPct val="20000"/>
+              </a:spcBef>
+              <a:spcAft>
+                <a:spcPts val="600"/>
+              </a:spcAft>
+              <a:buClr>
+                <a:schemeClr val="accent1">
+                  <a:lumMod val="75000"/>
+                </a:schemeClr>
+              </a:buClr>
+              <a:buSzPct val="145000"/>
+              <a:buFont typeface="Arial"/>
+              <a:buChar char="•"/>
+              <a:defRPr sz="1600" kern="1200" cap="none">
+                <a:solidFill>
+                  <a:schemeClr val="tx1"/>
+                </a:solidFill>
+                <a:effectLst/>
+                <a:latin typeface="+mn-lt"/>
+                <a:ea typeface="+mn-ea"/>
+                <a:cs typeface="+mn-cs"/>
+              </a:defRPr>
+            </a:lvl4pPr>
+            <a:lvl5pPr marL="2000250" indent="-171450" algn="l" defTabSz="457200" rtl="0" eaLnBrk="1" latinLnBrk="0" hangingPunct="1">
+              <a:spcBef>
+                <a:spcPct val="20000"/>
+              </a:spcBef>
+              <a:spcAft>
+                <a:spcPts val="600"/>
+              </a:spcAft>
+              <a:buClr>
+                <a:schemeClr val="accent1">
+                  <a:lumMod val="75000"/>
+                </a:schemeClr>
+              </a:buClr>
+              <a:buSzPct val="145000"/>
+              <a:buFont typeface="Arial"/>
+              <a:buChar char="•"/>
+              <a:defRPr sz="1400" kern="1200" cap="none">
+                <a:solidFill>
+                  <a:schemeClr val="tx1"/>
+                </a:solidFill>
+                <a:effectLst/>
+                <a:latin typeface="+mn-lt"/>
+                <a:ea typeface="+mn-ea"/>
+                <a:cs typeface="+mn-cs"/>
+              </a:defRPr>
+            </a:lvl5pPr>
+            <a:lvl6pPr marL="2514600" indent="-228600" algn="l" defTabSz="457200" rtl="0" eaLnBrk="1" latinLnBrk="0" hangingPunct="1">
+              <a:spcBef>
+                <a:spcPct val="20000"/>
+              </a:spcBef>
+              <a:spcAft>
+                <a:spcPts val="600"/>
+              </a:spcAft>
+              <a:buClr>
+                <a:schemeClr val="accent1">
+                  <a:lumMod val="75000"/>
+                </a:schemeClr>
+              </a:buClr>
+              <a:buSzPct val="145000"/>
+              <a:buFont typeface="Arial"/>
+              <a:buChar char="•"/>
+              <a:defRPr sz="1400" kern="1200" cap="none">
+                <a:solidFill>
+                  <a:schemeClr val="tx1"/>
+                </a:solidFill>
+                <a:effectLst/>
+                <a:latin typeface="+mn-lt"/>
+                <a:ea typeface="+mn-ea"/>
+                <a:cs typeface="+mn-cs"/>
+              </a:defRPr>
+            </a:lvl6pPr>
+            <a:lvl7pPr marL="2971800" indent="-228600" algn="l" defTabSz="457200" rtl="0" eaLnBrk="1" latinLnBrk="0" hangingPunct="1">
+              <a:spcBef>
+                <a:spcPct val="20000"/>
+              </a:spcBef>
+              <a:spcAft>
+                <a:spcPts val="600"/>
+              </a:spcAft>
+              <a:buClr>
+                <a:schemeClr val="accent1">
+                  <a:lumMod val="75000"/>
+                </a:schemeClr>
+              </a:buClr>
+              <a:buSzPct val="145000"/>
+              <a:buFont typeface="Arial"/>
+              <a:buChar char="•"/>
+              <a:defRPr sz="1400" kern="1200" cap="none">
+                <a:solidFill>
+                  <a:schemeClr val="tx1"/>
+                </a:solidFill>
+                <a:effectLst/>
+                <a:latin typeface="+mn-lt"/>
+                <a:ea typeface="+mn-ea"/>
+                <a:cs typeface="+mn-cs"/>
+              </a:defRPr>
+            </a:lvl7pPr>
+            <a:lvl8pPr marL="3429000" indent="-228600" algn="l" defTabSz="457200" rtl="0" eaLnBrk="1" latinLnBrk="0" hangingPunct="1">
+              <a:spcBef>
+                <a:spcPct val="20000"/>
+              </a:spcBef>
+              <a:spcAft>
+                <a:spcPts val="600"/>
+              </a:spcAft>
+              <a:buClr>
+                <a:schemeClr val="accent1">
+                  <a:lumMod val="75000"/>
+                </a:schemeClr>
+              </a:buClr>
+              <a:buSzPct val="145000"/>
+              <a:buFont typeface="Arial"/>
+              <a:buChar char="•"/>
+              <a:defRPr sz="1400" kern="1200" cap="none">
+                <a:solidFill>
+                  <a:schemeClr val="tx1"/>
+                </a:solidFill>
+                <a:effectLst/>
+                <a:latin typeface="+mn-lt"/>
+                <a:ea typeface="+mn-ea"/>
+                <a:cs typeface="+mn-cs"/>
+              </a:defRPr>
+            </a:lvl8pPr>
+            <a:lvl9pPr marL="3886200" indent="-228600" algn="l" defTabSz="457200" rtl="0" eaLnBrk="1" latinLnBrk="0" hangingPunct="1">
+              <a:spcBef>
+                <a:spcPct val="20000"/>
+              </a:spcBef>
+              <a:spcAft>
+                <a:spcPts val="600"/>
+              </a:spcAft>
+              <a:buClr>
+                <a:schemeClr val="accent1">
+                  <a:lumMod val="75000"/>
+                </a:schemeClr>
+              </a:buClr>
+              <a:buSzPct val="145000"/>
+              <a:buFont typeface="Arial"/>
+              <a:buChar char="•"/>
+              <a:defRPr sz="1400" kern="1200" cap="none">
+                <a:solidFill>
+                  <a:schemeClr val="tx1"/>
+                </a:solidFill>
+                <a:effectLst/>
+                <a:latin typeface="+mn-lt"/>
+                <a:ea typeface="+mn-ea"/>
+                <a:cs typeface="+mn-cs"/>
+              </a:defRPr>
+            </a:lvl9pPr>
+          </a:lstStyle>
+          <a:p>
+            <a:pPr marL="0" indent="0">
+              <a:buNone/>
+            </a:pPr>
+            <a:r>
+              <a:rPr lang="de-DE" sz="1000" dirty="0"/>
+              <a:t>Rem0 Röthlisberger, Eric </a:t>
+            </a:r>
+            <a:r>
+              <a:rPr lang="de-DE" sz="1000" dirty="0" err="1"/>
+              <a:t>Lagger</a:t>
+            </a:r>
+            <a:r>
+              <a:rPr lang="de-DE" sz="1000" dirty="0"/>
+              <a:t>, Vincent Hofer, Dean Klopsch, Aebi Ryan</a:t>
+            </a:r>
+          </a:p>
+        </p:txBody>
+      </p:sp>
     </p:spTree>
     <p:extLst>
       <p:ext uri="{BB962C8B-B14F-4D97-AF65-F5344CB8AC3E}">
@@ -16870,7 +18472,7 @@
   <p:timing>
     <p:tnLst>
       <p:par>
-        <p:cTn id="1" dur="indefinite" restart="never" nodeType="tmRoot"/>
+        <p:cTn xmlns:p14="http://schemas.microsoft.com/office/powerpoint/2010/main" id="1" dur="indefinite" restart="never" nodeType="tmRoot"/>
       </p:par>
     </p:tnLst>
   </p:timing>
@@ -16924,6 +18526,273 @@
           </a:prstGeom>
         </p:spPr>
       </p:pic>
+      <p:sp>
+        <p:nvSpPr>
+          <p:cNvPr id="3" name="Inhaltsplatzhalter 2"/>
+          <p:cNvSpPr txBox="1">
+            <a:spLocks/>
+          </p:cNvSpPr>
+          <p:nvPr/>
+        </p:nvSpPr>
+        <p:spPr>
+          <a:xfrm>
+            <a:off x="8137451" y="-41565"/>
+            <a:ext cx="4054549" cy="370610"/>
+          </a:xfrm>
+          <a:prstGeom prst="rect">
+            <a:avLst/>
+          </a:prstGeom>
+        </p:spPr>
+        <p:txBody>
+          <a:bodyPr vert="horz" lIns="91440" tIns="45720" rIns="91440" bIns="45720" rtlCol="0" anchor="ctr">
+            <a:normAutofit/>
+          </a:bodyPr>
+          <a:lstStyle>
+            <a:lvl1pPr marL="285750" indent="-285750" algn="l" defTabSz="457200" rtl="0" eaLnBrk="1" latinLnBrk="0" hangingPunct="1">
+              <a:spcBef>
+                <a:spcPct val="20000"/>
+              </a:spcBef>
+              <a:spcAft>
+                <a:spcPts val="600"/>
+              </a:spcAft>
+              <a:buClr>
+                <a:schemeClr val="accent1">
+                  <a:lumMod val="75000"/>
+                </a:schemeClr>
+              </a:buClr>
+              <a:buSzPct val="145000"/>
+              <a:buFont typeface="Arial"/>
+              <a:buChar char="•"/>
+              <a:defRPr sz="2400" kern="1200" cap="none">
+                <a:solidFill>
+                  <a:schemeClr val="tx1"/>
+                </a:solidFill>
+                <a:effectLst/>
+                <a:latin typeface="+mn-lt"/>
+                <a:ea typeface="+mn-ea"/>
+                <a:cs typeface="+mn-cs"/>
+              </a:defRPr>
+            </a:lvl1pPr>
+            <a:lvl2pPr marL="742950" indent="-285750" algn="l" defTabSz="457200" rtl="0" eaLnBrk="1" latinLnBrk="0" hangingPunct="1">
+              <a:spcBef>
+                <a:spcPct val="20000"/>
+              </a:spcBef>
+              <a:spcAft>
+                <a:spcPts val="600"/>
+              </a:spcAft>
+              <a:buClr>
+                <a:schemeClr val="accent1">
+                  <a:lumMod val="75000"/>
+                </a:schemeClr>
+              </a:buClr>
+              <a:buSzPct val="145000"/>
+              <a:buFont typeface="Arial"/>
+              <a:buChar char="•"/>
+              <a:defRPr sz="2000" kern="1200" cap="none">
+                <a:solidFill>
+                  <a:schemeClr val="tx1"/>
+                </a:solidFill>
+                <a:effectLst/>
+                <a:latin typeface="+mn-lt"/>
+                <a:ea typeface="+mn-ea"/>
+                <a:cs typeface="+mn-cs"/>
+              </a:defRPr>
+            </a:lvl2pPr>
+            <a:lvl3pPr marL="1200150" indent="-285750" algn="l" defTabSz="457200" rtl="0" eaLnBrk="1" latinLnBrk="0" hangingPunct="1">
+              <a:spcBef>
+                <a:spcPct val="20000"/>
+              </a:spcBef>
+              <a:spcAft>
+                <a:spcPts val="600"/>
+              </a:spcAft>
+              <a:buClr>
+                <a:schemeClr val="accent1">
+                  <a:lumMod val="75000"/>
+                </a:schemeClr>
+              </a:buClr>
+              <a:buSzPct val="145000"/>
+              <a:buFont typeface="Arial"/>
+              <a:buChar char="•"/>
+              <a:defRPr sz="1800" kern="1200" cap="none">
+                <a:solidFill>
+                  <a:schemeClr val="tx1"/>
+                </a:solidFill>
+                <a:effectLst/>
+                <a:latin typeface="+mn-lt"/>
+                <a:ea typeface="+mn-ea"/>
+                <a:cs typeface="+mn-cs"/>
+              </a:defRPr>
+            </a:lvl3pPr>
+            <a:lvl4pPr marL="1543050" indent="-171450" algn="l" defTabSz="457200" rtl="0" eaLnBrk="1" latinLnBrk="0" hangingPunct="1">
+              <a:spcBef>
+                <a:spcPct val="20000"/>
+              </a:spcBef>
+              <a:spcAft>
+                <a:spcPts val="600"/>
+              </a:spcAft>
+              <a:buClr>
+                <a:schemeClr val="accent1">
+                  <a:lumMod val="75000"/>
+                </a:schemeClr>
+              </a:buClr>
+              <a:buSzPct val="145000"/>
+              <a:buFont typeface="Arial"/>
+              <a:buChar char="•"/>
+              <a:defRPr sz="1600" kern="1200" cap="none">
+                <a:solidFill>
+                  <a:schemeClr val="tx1"/>
+                </a:solidFill>
+                <a:effectLst/>
+                <a:latin typeface="+mn-lt"/>
+                <a:ea typeface="+mn-ea"/>
+                <a:cs typeface="+mn-cs"/>
+              </a:defRPr>
+            </a:lvl4pPr>
+            <a:lvl5pPr marL="2000250" indent="-171450" algn="l" defTabSz="457200" rtl="0" eaLnBrk="1" latinLnBrk="0" hangingPunct="1">
+              <a:spcBef>
+                <a:spcPct val="20000"/>
+              </a:spcBef>
+              <a:spcAft>
+                <a:spcPts val="600"/>
+              </a:spcAft>
+              <a:buClr>
+                <a:schemeClr val="accent1">
+                  <a:lumMod val="75000"/>
+                </a:schemeClr>
+              </a:buClr>
+              <a:buSzPct val="145000"/>
+              <a:buFont typeface="Arial"/>
+              <a:buChar char="•"/>
+              <a:defRPr sz="1400" kern="1200" cap="none">
+                <a:solidFill>
+                  <a:schemeClr val="tx1"/>
+                </a:solidFill>
+                <a:effectLst/>
+                <a:latin typeface="+mn-lt"/>
+                <a:ea typeface="+mn-ea"/>
+                <a:cs typeface="+mn-cs"/>
+              </a:defRPr>
+            </a:lvl5pPr>
+            <a:lvl6pPr marL="2514600" indent="-228600" algn="l" defTabSz="457200" rtl="0" eaLnBrk="1" latinLnBrk="0" hangingPunct="1">
+              <a:spcBef>
+                <a:spcPct val="20000"/>
+              </a:spcBef>
+              <a:spcAft>
+                <a:spcPts val="600"/>
+              </a:spcAft>
+              <a:buClr>
+                <a:schemeClr val="accent1">
+                  <a:lumMod val="75000"/>
+                </a:schemeClr>
+              </a:buClr>
+              <a:buSzPct val="145000"/>
+              <a:buFont typeface="Arial"/>
+              <a:buChar char="•"/>
+              <a:defRPr sz="1400" kern="1200" cap="none">
+                <a:solidFill>
+                  <a:schemeClr val="tx1"/>
+                </a:solidFill>
+                <a:effectLst/>
+                <a:latin typeface="+mn-lt"/>
+                <a:ea typeface="+mn-ea"/>
+                <a:cs typeface="+mn-cs"/>
+              </a:defRPr>
+            </a:lvl6pPr>
+            <a:lvl7pPr marL="2971800" indent="-228600" algn="l" defTabSz="457200" rtl="0" eaLnBrk="1" latinLnBrk="0" hangingPunct="1">
+              <a:spcBef>
+                <a:spcPct val="20000"/>
+              </a:spcBef>
+              <a:spcAft>
+                <a:spcPts val="600"/>
+              </a:spcAft>
+              <a:buClr>
+                <a:schemeClr val="accent1">
+                  <a:lumMod val="75000"/>
+                </a:schemeClr>
+              </a:buClr>
+              <a:buSzPct val="145000"/>
+              <a:buFont typeface="Arial"/>
+              <a:buChar char="•"/>
+              <a:defRPr sz="1400" kern="1200" cap="none">
+                <a:solidFill>
+                  <a:schemeClr val="tx1"/>
+                </a:solidFill>
+                <a:effectLst/>
+                <a:latin typeface="+mn-lt"/>
+                <a:ea typeface="+mn-ea"/>
+                <a:cs typeface="+mn-cs"/>
+              </a:defRPr>
+            </a:lvl7pPr>
+            <a:lvl8pPr marL="3429000" indent="-228600" algn="l" defTabSz="457200" rtl="0" eaLnBrk="1" latinLnBrk="0" hangingPunct="1">
+              <a:spcBef>
+                <a:spcPct val="20000"/>
+              </a:spcBef>
+              <a:spcAft>
+                <a:spcPts val="600"/>
+              </a:spcAft>
+              <a:buClr>
+                <a:schemeClr val="accent1">
+                  <a:lumMod val="75000"/>
+                </a:schemeClr>
+              </a:buClr>
+              <a:buSzPct val="145000"/>
+              <a:buFont typeface="Arial"/>
+              <a:buChar char="•"/>
+              <a:defRPr sz="1400" kern="1200" cap="none">
+                <a:solidFill>
+                  <a:schemeClr val="tx1"/>
+                </a:solidFill>
+                <a:effectLst/>
+                <a:latin typeface="+mn-lt"/>
+                <a:ea typeface="+mn-ea"/>
+                <a:cs typeface="+mn-cs"/>
+              </a:defRPr>
+            </a:lvl8pPr>
+            <a:lvl9pPr marL="3886200" indent="-228600" algn="l" defTabSz="457200" rtl="0" eaLnBrk="1" latinLnBrk="0" hangingPunct="1">
+              <a:spcBef>
+                <a:spcPct val="20000"/>
+              </a:spcBef>
+              <a:spcAft>
+                <a:spcPts val="600"/>
+              </a:spcAft>
+              <a:buClr>
+                <a:schemeClr val="accent1">
+                  <a:lumMod val="75000"/>
+                </a:schemeClr>
+              </a:buClr>
+              <a:buSzPct val="145000"/>
+              <a:buFont typeface="Arial"/>
+              <a:buChar char="•"/>
+              <a:defRPr sz="1400" kern="1200" cap="none">
+                <a:solidFill>
+                  <a:schemeClr val="tx1"/>
+                </a:solidFill>
+                <a:effectLst/>
+                <a:latin typeface="+mn-lt"/>
+                <a:ea typeface="+mn-ea"/>
+                <a:cs typeface="+mn-cs"/>
+              </a:defRPr>
+            </a:lvl9pPr>
+          </a:lstStyle>
+          <a:p>
+            <a:pPr marL="0" indent="0">
+              <a:buNone/>
+            </a:pPr>
+            <a:r>
+              <a:rPr lang="de-DE" sz="1000" dirty="0"/>
+              <a:t>Rem0 Röthlisberger, Eric </a:t>
+            </a:r>
+            <a:r>
+              <a:rPr lang="de-DE" sz="1000" dirty="0" err="1"/>
+              <a:t>Lagger</a:t>
+            </a:r>
+            <a:r>
+              <a:rPr lang="de-DE" sz="1000" dirty="0"/>
+              <a:t>, Vincent Hofer, Dean Klopsch, Aebi Ryan</a:t>
+            </a:r>
+          </a:p>
+        </p:txBody>
+      </p:sp>
     </p:spTree>
     <p:extLst>
       <p:ext uri="{BB962C8B-B14F-4D97-AF65-F5344CB8AC3E}">
@@ -16937,7 +18806,7 @@
   <p:timing>
     <p:tnLst>
       <p:par>
-        <p:cTn id="1" dur="indefinite" restart="never" nodeType="tmRoot"/>
+        <p:cTn xmlns:p14="http://schemas.microsoft.com/office/powerpoint/2010/main" id="1" dur="indefinite" restart="never" nodeType="tmRoot"/>
       </p:par>
     </p:tnLst>
   </p:timing>
@@ -17528,7 +19397,7 @@
   <p:timing>
     <p:tnLst>
       <p:par>
-        <p:cTn id="1" dur="indefinite" restart="never" nodeType="tmRoot"/>
+        <p:cTn xmlns:p14="http://schemas.microsoft.com/office/powerpoint/2010/main" id="1" dur="indefinite" restart="never" nodeType="tmRoot"/>
       </p:par>
     </p:tnLst>
   </p:timing>
@@ -17785,7 +19654,7 @@
   <a:extraClrSchemeLst/>
   <a:extLst>
     <a:ext uri="{05A4C25C-085E-4340-85A3-A5531E510DB2}">
-      <thm15:themeFamily xmlns:thm15="http://schemas.microsoft.com/office/thememl/2012/main" xmlns="" name="Parallax" id="{3388167B-A2EB-4685-9635-1831D9AEF8C4}" vid="{4F7A876A-7598-49CA-AFC8-8EDA2551E4A7}"/>
+      <thm15:themeFamily xmlns="" xmlns:thm15="http://schemas.microsoft.com/office/thememl/2012/main" name="Parallax" id="{3388167B-A2EB-4685-9635-1831D9AEF8C4}" vid="{4F7A876A-7598-49CA-AFC8-8EDA2551E4A7}"/>
     </a:ext>
   </a:extLst>
 </a:theme>

--- a/baseProject/presentation/Presentation-Team8.pptx
+++ b/baseProject/presentation/Presentation-Team8.pptx
@@ -186,7 +186,7 @@
       </p14:sectionLst>
     </p:ext>
     <p:ext uri="{EFAFB233-063F-42B5-8137-9DF3F51BA10A}">
-      <p15:sldGuideLst xmlns="" xmlns:p15="http://schemas.microsoft.com/office/powerpoint/2012/main">
+      <p15:sldGuideLst xmlns:p15="http://schemas.microsoft.com/office/powerpoint/2012/main" xmlns="">
         <p15:guide id="1" orient="horz" pos="2160">
           <p15:clr>
             <a:srgbClr val="A4A3A4"/>
@@ -285,7 +285,7 @@
           <a:p>
             <a:fld id="{AD788536-914B-4640-862E-1D3DAE36BE3D}" type="datetimeFigureOut">
               <a:rPr lang="de-DE" smtClean="0"/>
-              <a:t>14.12.16</a:t>
+              <a:t>14.12.2016</a:t>
             </a:fld>
             <a:endParaRPr lang="de-DE"/>
           </a:p>
@@ -444,7 +444,7 @@
           <a:p>
             <a:fld id="{2F2847E0-1D0A-0F4B-99C8-E51199A5987D}" type="slidenum">
               <a:rPr lang="de-DE" smtClean="0"/>
-              <a:t>‹Nr.›</a:t>
+              <a:t>‹#›</a:t>
             </a:fld>
             <a:endParaRPr lang="de-DE"/>
           </a:p>
@@ -3200,7 +3200,7 @@
             <a:fld id="{B61BEF0D-F0BB-DE4B-95CE-6DB70DBA9567}" type="datetimeFigureOut">
               <a:rPr lang="en-US" dirty="0"/>
               <a:pPr/>
-              <a:t>14.12.16</a:t>
+              <a:t>12/14/2016</a:t>
             </a:fld>
             <a:endParaRPr lang="en-US" dirty="0"/>
           </a:p>
@@ -3248,7 +3248,7 @@
             <a:fld id="{D57F1E4F-1CFF-5643-939E-217C01CDF565}" type="slidenum">
               <a:rPr lang="en-US" dirty="0"/>
               <a:pPr/>
-              <a:t>‹Nr.›</a:t>
+              <a:t>‹#›</a:t>
             </a:fld>
             <a:endParaRPr lang="en-US" dirty="0"/>
           </a:p>
@@ -3493,7 +3493,7 @@
             <a:fld id="{B61BEF0D-F0BB-DE4B-95CE-6DB70DBA9567}" type="datetimeFigureOut">
               <a:rPr lang="en-US" dirty="0"/>
               <a:pPr/>
-              <a:t>14.12.16</a:t>
+              <a:t>12/14/2016</a:t>
             </a:fld>
             <a:endParaRPr lang="en-US" dirty="0"/>
           </a:p>
@@ -3536,7 +3536,7 @@
             <a:fld id="{D57F1E4F-1CFF-5643-939E-217C01CDF565}" type="slidenum">
               <a:rPr lang="en-US" dirty="0"/>
               <a:pPr/>
-              <a:t>‹Nr.›</a:t>
+              <a:t>‹#›</a:t>
             </a:fld>
             <a:endParaRPr lang="en-US" dirty="0"/>
           </a:p>
@@ -3738,7 +3738,7 @@
             <a:fld id="{B61BEF0D-F0BB-DE4B-95CE-6DB70DBA9567}" type="datetimeFigureOut">
               <a:rPr lang="en-US" dirty="0"/>
               <a:pPr/>
-              <a:t>14.12.16</a:t>
+              <a:t>12/14/2016</a:t>
             </a:fld>
             <a:endParaRPr lang="en-US" dirty="0"/>
           </a:p>
@@ -3781,7 +3781,7 @@
             <a:fld id="{D57F1E4F-1CFF-5643-939E-217C01CDF565}" type="slidenum">
               <a:rPr lang="en-US" dirty="0"/>
               <a:pPr/>
-              <a:t>‹Nr.›</a:t>
+              <a:t>‹#›</a:t>
             </a:fld>
             <a:endParaRPr lang="en-US" dirty="0"/>
           </a:p>
@@ -4275,7 +4275,7 @@
             <a:fld id="{B61BEF0D-F0BB-DE4B-95CE-6DB70DBA9567}" type="datetimeFigureOut">
               <a:rPr lang="en-US" dirty="0"/>
               <a:pPr/>
-              <a:t>14.12.16</a:t>
+              <a:t>12/14/2016</a:t>
             </a:fld>
             <a:endParaRPr lang="en-US" dirty="0"/>
           </a:p>
@@ -4318,7 +4318,7 @@
             <a:fld id="{D57F1E4F-1CFF-5643-939E-217C01CDF565}" type="slidenum">
               <a:rPr lang="en-US" dirty="0"/>
               <a:pPr/>
-              <a:t>‹Nr.›</a:t>
+              <a:t>‹#›</a:t>
             </a:fld>
             <a:endParaRPr lang="en-US" dirty="0"/>
           </a:p>
@@ -4520,7 +4520,7 @@
             <a:fld id="{B61BEF0D-F0BB-DE4B-95CE-6DB70DBA9567}" type="datetimeFigureOut">
               <a:rPr lang="en-US" dirty="0"/>
               <a:pPr/>
-              <a:t>14.12.16</a:t>
+              <a:t>12/14/2016</a:t>
             </a:fld>
             <a:endParaRPr lang="en-US" dirty="0"/>
           </a:p>
@@ -4563,7 +4563,7 @@
             <a:fld id="{D57F1E4F-1CFF-5643-939E-217C01CDF565}" type="slidenum">
               <a:rPr lang="en-US" dirty="0"/>
               <a:pPr/>
-              <a:t>‹Nr.›</a:t>
+              <a:t>‹#›</a:t>
             </a:fld>
             <a:endParaRPr lang="en-US" dirty="0"/>
           </a:p>
@@ -5049,7 +5049,7 @@
             <a:fld id="{B61BEF0D-F0BB-DE4B-95CE-6DB70DBA9567}" type="datetimeFigureOut">
               <a:rPr lang="en-US" dirty="0"/>
               <a:pPr/>
-              <a:t>14.12.16</a:t>
+              <a:t>12/14/2016</a:t>
             </a:fld>
             <a:endParaRPr lang="en-US" dirty="0"/>
           </a:p>
@@ -5092,7 +5092,7 @@
             <a:fld id="{D57F1E4F-1CFF-5643-939E-217C01CDF565}" type="slidenum">
               <a:rPr lang="en-US" dirty="0"/>
               <a:pPr/>
-              <a:t>‹Nr.›</a:t>
+              <a:t>‹#›</a:t>
             </a:fld>
             <a:endParaRPr lang="en-US" dirty="0"/>
           </a:p>
@@ -5343,7 +5343,7 @@
             <a:fld id="{B61BEF0D-F0BB-DE4B-95CE-6DB70DBA9567}" type="datetimeFigureOut">
               <a:rPr lang="en-US" dirty="0"/>
               <a:pPr/>
-              <a:t>14.12.16</a:t>
+              <a:t>12/14/2016</a:t>
             </a:fld>
             <a:endParaRPr lang="en-US" dirty="0"/>
           </a:p>
@@ -5386,7 +5386,7 @@
             <a:fld id="{D57F1E4F-1CFF-5643-939E-217C01CDF565}" type="slidenum">
               <a:rPr lang="en-US" dirty="0"/>
               <a:pPr/>
-              <a:t>‹Nr.›</a:t>
+              <a:t>‹#›</a:t>
             </a:fld>
             <a:endParaRPr lang="en-US" dirty="0"/>
           </a:p>
@@ -5514,7 +5514,7 @@
             <a:fld id="{B61BEF0D-F0BB-DE4B-95CE-6DB70DBA9567}" type="datetimeFigureOut">
               <a:rPr lang="en-US" dirty="0"/>
               <a:pPr/>
-              <a:t>14.12.16</a:t>
+              <a:t>12/14/2016</a:t>
             </a:fld>
             <a:endParaRPr lang="en-US" dirty="0"/>
           </a:p>
@@ -5557,7 +5557,7 @@
             <a:fld id="{D57F1E4F-1CFF-5643-939E-217C01CDF565}" type="slidenum">
               <a:rPr lang="en-US" dirty="0"/>
               <a:pPr/>
-              <a:t>‹Nr.›</a:t>
+              <a:t>‹#›</a:t>
             </a:fld>
             <a:endParaRPr lang="en-US" dirty="0"/>
           </a:p>
@@ -5691,7 +5691,7 @@
             <a:fld id="{B61BEF0D-F0BB-DE4B-95CE-6DB70DBA9567}" type="datetimeFigureOut">
               <a:rPr lang="en-US" dirty="0"/>
               <a:pPr/>
-              <a:t>14.12.16</a:t>
+              <a:t>12/14/2016</a:t>
             </a:fld>
             <a:endParaRPr lang="en-US" dirty="0"/>
           </a:p>
@@ -5734,7 +5734,7 @@
             <a:fld id="{D57F1E4F-1CFF-5643-939E-217C01CDF565}" type="slidenum">
               <a:rPr lang="en-US" dirty="0"/>
               <a:pPr/>
-              <a:t>‹Nr.›</a:t>
+              <a:t>‹#›</a:t>
             </a:fld>
             <a:endParaRPr lang="en-US" dirty="0"/>
           </a:p>
@@ -5858,7 +5858,7 @@
             <a:fld id="{B61BEF0D-F0BB-DE4B-95CE-6DB70DBA9567}" type="datetimeFigureOut">
               <a:rPr lang="en-US" dirty="0"/>
               <a:pPr/>
-              <a:t>14.12.16</a:t>
+              <a:t>12/14/2016</a:t>
             </a:fld>
             <a:endParaRPr lang="en-US" dirty="0"/>
           </a:p>
@@ -5906,7 +5906,7 @@
             <a:fld id="{D57F1E4F-1CFF-5643-939E-217C01CDF565}" type="slidenum">
               <a:rPr lang="en-US" dirty="0"/>
               <a:pPr/>
-              <a:t>‹Nr.›</a:t>
+              <a:t>‹#›</a:t>
             </a:fld>
             <a:endParaRPr lang="en-US" dirty="0"/>
           </a:p>
@@ -6106,7 +6106,7 @@
             <a:fld id="{B61BEF0D-F0BB-DE4B-95CE-6DB70DBA9567}" type="datetimeFigureOut">
               <a:rPr lang="en-US" dirty="0"/>
               <a:pPr/>
-              <a:t>14.12.16</a:t>
+              <a:t>12/14/2016</a:t>
             </a:fld>
             <a:endParaRPr lang="en-US" dirty="0"/>
           </a:p>
@@ -6149,7 +6149,7 @@
             <a:fld id="{D57F1E4F-1CFF-5643-939E-217C01CDF565}" type="slidenum">
               <a:rPr lang="en-US" dirty="0"/>
               <a:pPr/>
-              <a:t>‹Nr.›</a:t>
+              <a:t>‹#›</a:t>
             </a:fld>
             <a:endParaRPr lang="en-US" dirty="0"/>
           </a:p>
@@ -6400,7 +6400,7 @@
             <a:fld id="{B61BEF0D-F0BB-DE4B-95CE-6DB70DBA9567}" type="datetimeFigureOut">
               <a:rPr lang="en-US" dirty="0"/>
               <a:pPr/>
-              <a:t>14.12.16</a:t>
+              <a:t>12/14/2016</a:t>
             </a:fld>
             <a:endParaRPr lang="en-US" dirty="0"/>
           </a:p>
@@ -6443,7 +6443,7 @@
             <a:fld id="{D57F1E4F-1CFF-5643-939E-217C01CDF565}" type="slidenum">
               <a:rPr lang="en-US" dirty="0"/>
               <a:pPr/>
-              <a:t>‹Nr.›</a:t>
+              <a:t>‹#›</a:t>
             </a:fld>
             <a:endParaRPr lang="en-US" dirty="0"/>
           </a:p>
@@ -6839,7 +6839,7 @@
             <a:fld id="{B61BEF0D-F0BB-DE4B-95CE-6DB70DBA9567}" type="datetimeFigureOut">
               <a:rPr lang="en-US" dirty="0"/>
               <a:pPr/>
-              <a:t>14.12.16</a:t>
+              <a:t>12/14/2016</a:t>
             </a:fld>
             <a:endParaRPr lang="en-US" dirty="0"/>
           </a:p>
@@ -6882,7 +6882,7 @@
             <a:fld id="{D57F1E4F-1CFF-5643-939E-217C01CDF565}" type="slidenum">
               <a:rPr lang="en-US" dirty="0"/>
               <a:pPr/>
-              <a:t>‹Nr.›</a:t>
+              <a:t>‹#›</a:t>
             </a:fld>
             <a:endParaRPr lang="en-US" dirty="0"/>
           </a:p>
@@ -6954,7 +6954,7 @@
             <a:fld id="{B61BEF0D-F0BB-DE4B-95CE-6DB70DBA9567}" type="datetimeFigureOut">
               <a:rPr lang="en-US" dirty="0"/>
               <a:pPr/>
-              <a:t>14.12.16</a:t>
+              <a:t>12/14/2016</a:t>
             </a:fld>
             <a:endParaRPr lang="en-US" dirty="0"/>
           </a:p>
@@ -6997,7 +6997,7 @@
             <a:fld id="{D57F1E4F-1CFF-5643-939E-217C01CDF565}" type="slidenum">
               <a:rPr lang="en-US" dirty="0"/>
               <a:pPr/>
-              <a:t>‹Nr.›</a:t>
+              <a:t>‹#›</a:t>
             </a:fld>
             <a:endParaRPr lang="en-US" dirty="0"/>
           </a:p>
@@ -7046,7 +7046,7 @@
             <a:fld id="{B61BEF0D-F0BB-DE4B-95CE-6DB70DBA9567}" type="datetimeFigureOut">
               <a:rPr lang="en-US" dirty="0"/>
               <a:pPr/>
-              <a:t>14.12.16</a:t>
+              <a:t>12/14/2016</a:t>
             </a:fld>
             <a:endParaRPr lang="en-US" dirty="0"/>
           </a:p>
@@ -7089,7 +7089,7 @@
             <a:fld id="{D57F1E4F-1CFF-5643-939E-217C01CDF565}" type="slidenum">
               <a:rPr lang="en-US" dirty="0"/>
               <a:pPr/>
-              <a:t>‹Nr.›</a:t>
+              <a:t>‹#›</a:t>
             </a:fld>
             <a:endParaRPr lang="en-US" dirty="0"/>
           </a:p>
@@ -7326,7 +7326,7 @@
             <a:fld id="{B61BEF0D-F0BB-DE4B-95CE-6DB70DBA9567}" type="datetimeFigureOut">
               <a:rPr lang="en-US" dirty="0"/>
               <a:pPr/>
-              <a:t>14.12.16</a:t>
+              <a:t>12/14/2016</a:t>
             </a:fld>
             <a:endParaRPr lang="en-US" dirty="0"/>
           </a:p>
@@ -7369,7 +7369,7 @@
             <a:fld id="{D57F1E4F-1CFF-5643-939E-217C01CDF565}" type="slidenum">
               <a:rPr lang="en-US" dirty="0"/>
               <a:pPr/>
-              <a:t>‹Nr.›</a:t>
+              <a:t>‹#›</a:t>
             </a:fld>
             <a:endParaRPr lang="en-US" dirty="0"/>
           </a:p>
@@ -7614,7 +7614,7 @@
             <a:fld id="{B61BEF0D-F0BB-DE4B-95CE-6DB70DBA9567}" type="datetimeFigureOut">
               <a:rPr lang="en-US" dirty="0"/>
               <a:pPr/>
-              <a:t>14.12.16</a:t>
+              <a:t>12/14/2016</a:t>
             </a:fld>
             <a:endParaRPr lang="en-US" dirty="0"/>
           </a:p>
@@ -7657,7 +7657,7 @@
             <a:fld id="{D57F1E4F-1CFF-5643-939E-217C01CDF565}" type="slidenum">
               <a:rPr lang="en-US" dirty="0"/>
               <a:pPr/>
-              <a:t>‹Nr.›</a:t>
+              <a:t>‹#›</a:t>
             </a:fld>
             <a:endParaRPr lang="en-US" dirty="0"/>
           </a:p>
@@ -8141,7 +8141,7 @@
             <a:fld id="{B61BEF0D-F0BB-DE4B-95CE-6DB70DBA9567}" type="datetimeFigureOut">
               <a:rPr lang="en-US" dirty="0"/>
               <a:pPr/>
-              <a:t>14.12.16</a:t>
+              <a:t>12/14/2016</a:t>
             </a:fld>
             <a:endParaRPr lang="en-US" dirty="0"/>
           </a:p>
@@ -8220,7 +8220,7 @@
             <a:fld id="{D57F1E4F-1CFF-5643-939E-217C01CDF565}" type="slidenum">
               <a:rPr lang="en-US" dirty="0"/>
               <a:pPr/>
-              <a:t>‹Nr.›</a:t>
+              <a:t>‹#›</a:t>
             </a:fld>
             <a:endParaRPr lang="en-US" dirty="0"/>
           </a:p>
@@ -8680,7 +8680,7 @@
         </p:nvSpPr>
         <p:spPr>
           <a:xfrm>
-            <a:off x="0" y="7089"/>
+            <a:off x="0" y="730989"/>
             <a:ext cx="12192000" cy="6850911"/>
           </a:xfrm>
         </p:spPr>
@@ -8692,16 +8692,10 @@
           <a:p>
             <a:pPr algn="ctr"/>
             <a:r>
-              <a:rPr lang="de-DE" sz="10000" dirty="0" err="1">
+              <a:rPr lang="de-DE" sz="10000" dirty="0">
                 <a:latin typeface="Monotype Corsiva" panose="03010101010201010101" pitchFamily="66" charset="0"/>
               </a:rPr>
               <a:t>Flatbook</a:t>
-            </a:r>
-            <a:r>
-              <a:rPr lang="de-DE" sz="10000" dirty="0">
-                <a:latin typeface="Monotype Corsiva" panose="03010101010201010101" pitchFamily="66" charset="0"/>
-              </a:rPr>
-              <a:t/>
             </a:r>
             <a:br>
               <a:rPr lang="de-DE" sz="10000" dirty="0">
@@ -8709,79 +8703,59 @@
               </a:rPr>
             </a:br>
             <a:r>
-              <a:rPr lang="de-DE" sz="2400" dirty="0" err="1" smtClean="0">
-                <a:latin typeface="Monotype Corsiva" panose="03010101010201010101" pitchFamily="66" charset="0"/>
-              </a:rPr>
-              <a:t>the</a:t>
-            </a:r>
-            <a:r>
               <a:rPr lang="de-DE" sz="2400" dirty="0" smtClean="0">
                 <a:latin typeface="Monotype Corsiva" panose="03010101010201010101" pitchFamily="66" charset="0"/>
               </a:rPr>
-              <a:t> </a:t>
-            </a:r>
-            <a:r>
-              <a:rPr lang="de-DE" sz="2400" dirty="0" err="1" smtClean="0">
-                <a:latin typeface="Monotype Corsiva" panose="03010101010201010101" pitchFamily="66" charset="0"/>
-              </a:rPr>
-              <a:t>realest</a:t>
+              <a:t>the realest real </a:t>
             </a:r>
             <a:r>
               <a:rPr lang="de-DE" sz="2400" dirty="0" smtClean="0">
                 <a:latin typeface="Monotype Corsiva" panose="03010101010201010101" pitchFamily="66" charset="0"/>
               </a:rPr>
-              <a:t> real </a:t>
-            </a:r>
-            <a:r>
-              <a:rPr lang="de-DE" sz="2400" dirty="0" err="1" smtClean="0">
-                <a:latin typeface="Monotype Corsiva" panose="03010101010201010101" pitchFamily="66" charset="0"/>
-              </a:rPr>
               <a:t>estate</a:t>
             </a:r>
-            <a:r>
+            <a:br>
               <a:rPr lang="de-DE" sz="2400" dirty="0" smtClean="0">
                 <a:latin typeface="Monotype Corsiva" panose="03010101010201010101" pitchFamily="66" charset="0"/>
               </a:rPr>
-              <a:t>! A </a:t>
-            </a:r>
-            <a:r>
-              <a:rPr lang="de-DE" sz="2400" dirty="0" err="1" smtClean="0">
+            </a:br>
+            <a:r>
+              <a:rPr lang="de-DE" sz="2400" dirty="0">
                 <a:latin typeface="Monotype Corsiva" panose="03010101010201010101" pitchFamily="66" charset="0"/>
               </a:rPr>
-              <a:t>presentation</a:t>
-            </a:r>
+              <a:t/>
+            </a:r>
+            <a:br>
+              <a:rPr lang="de-DE" sz="2400" dirty="0">
+                <a:latin typeface="Monotype Corsiva" panose="03010101010201010101" pitchFamily="66" charset="0"/>
+              </a:rPr>
+            </a:br>
             <a:r>
               <a:rPr lang="de-DE" sz="2400" dirty="0" smtClean="0">
                 <a:latin typeface="Monotype Corsiva" panose="03010101010201010101" pitchFamily="66" charset="0"/>
               </a:rPr>
-              <a:t> </a:t>
-            </a:r>
-            <a:r>
-              <a:rPr lang="de-DE" sz="2400" dirty="0" err="1">
+              <a:t>A </a:t>
+            </a:r>
+            <a:r>
+              <a:rPr lang="de-DE" sz="2400" dirty="0" smtClean="0">
                 <a:latin typeface="Monotype Corsiva" panose="03010101010201010101" pitchFamily="66" charset="0"/>
               </a:rPr>
-              <a:t>of</a:t>
+              <a:t>presentation </a:t>
             </a:r>
             <a:r>
               <a:rPr lang="de-DE" sz="2400" dirty="0">
                 <a:latin typeface="Monotype Corsiva" panose="03010101010201010101" pitchFamily="66" charset="0"/>
               </a:rPr>
-              <a:t> </a:t>
-            </a:r>
-            <a:r>
-              <a:rPr lang="de-DE" sz="2400" dirty="0" err="1">
+              <a:t>of team </a:t>
+            </a:r>
+            <a:r>
+              <a:rPr lang="de-DE" sz="2400" dirty="0" smtClean="0">
                 <a:latin typeface="Monotype Corsiva" panose="03010101010201010101" pitchFamily="66" charset="0"/>
               </a:rPr>
-              <a:t>team</a:t>
-            </a:r>
-            <a:r>
-              <a:rPr lang="de-DE" sz="2400" dirty="0">
-                <a:latin typeface="Monotype Corsiva" panose="03010101010201010101" pitchFamily="66" charset="0"/>
-              </a:rPr>
-              <a:t> 8</a:t>
+              <a:t>8</a:t>
             </a:r>
             <a:br>
-              <a:rPr lang="de-DE" sz="2400" dirty="0">
+              <a:rPr lang="de-DE" sz="2400" dirty="0" smtClean="0">
                 <a:latin typeface="Monotype Corsiva" panose="03010101010201010101" pitchFamily="66" charset="0"/>
               </a:rPr>
             </a:br>
@@ -9112,7 +9086,7 @@
   <p:timing>
     <p:tnLst>
       <p:par>
-        <p:cTn xmlns:p14="http://schemas.microsoft.com/office/powerpoint/2010/main" id="1" dur="indefinite" restart="never" nodeType="tmRoot"/>
+        <p:cTn id="1" dur="indefinite" restart="never" nodeType="tmRoot"/>
       </p:par>
     </p:tnLst>
   </p:timing>
@@ -9897,7 +9871,7 @@
   <p:timing>
     <p:tnLst>
       <p:par>
-        <p:cTn xmlns:p14="http://schemas.microsoft.com/office/powerpoint/2010/main" id="1" dur="indefinite" restart="never" nodeType="tmRoot"/>
+        <p:cTn id="1" dur="indefinite" restart="never" nodeType="tmRoot"/>
       </p:par>
     </p:tnLst>
   </p:timing>
@@ -10664,7 +10638,7 @@
   <p:timing>
     <p:tnLst>
       <p:par>
-        <p:cTn xmlns:p14="http://schemas.microsoft.com/office/powerpoint/2010/main" id="1" dur="indefinite" restart="never" nodeType="tmRoot"/>
+        <p:cTn id="1" dur="indefinite" restart="never" nodeType="tmRoot"/>
       </p:par>
     </p:tnLst>
   </p:timing>
@@ -11424,7 +11398,7 @@
   <p:timing>
     <p:tnLst>
       <p:par>
-        <p:cTn xmlns:p14="http://schemas.microsoft.com/office/powerpoint/2010/main" id="1" dur="indefinite" restart="never" nodeType="tmRoot"/>
+        <p:cTn id="1" dur="indefinite" restart="never" nodeType="tmRoot"/>
       </p:par>
     </p:tnLst>
   </p:timing>
@@ -12272,7 +12246,7 @@
   <p:timing>
     <p:tnLst>
       <p:par>
-        <p:cTn xmlns:p14="http://schemas.microsoft.com/office/powerpoint/2010/main" id="1" dur="indefinite" restart="never" nodeType="tmRoot"/>
+        <p:cTn id="1" dur="indefinite" restart="never" nodeType="tmRoot"/>
       </p:par>
     </p:tnLst>
   </p:timing>
@@ -12634,7 +12608,7 @@
   <p:timing>
     <p:tnLst>
       <p:par>
-        <p:cTn xmlns:p14="http://schemas.microsoft.com/office/powerpoint/2010/main" id="1" dur="indefinite" restart="never" nodeType="tmRoot"/>
+        <p:cTn id="1" dur="indefinite" restart="never" nodeType="tmRoot"/>
       </p:par>
     </p:tnLst>
   </p:timing>
@@ -13096,7 +13070,7 @@
   <p:timing>
     <p:tnLst>
       <p:par>
-        <p:cTn xmlns:p14="http://schemas.microsoft.com/office/powerpoint/2010/main" id="1" dur="indefinite" restart="never" nodeType="tmRoot"/>
+        <p:cTn id="1" dur="indefinite" restart="never" nodeType="tmRoot"/>
       </p:par>
     </p:tnLst>
   </p:timing>
@@ -13462,7 +13436,7 @@
   <p:timing>
     <p:tnLst>
       <p:par>
-        <p:cTn xmlns:p14="http://schemas.microsoft.com/office/powerpoint/2010/main" id="1" dur="indefinite" restart="never" nodeType="tmRoot"/>
+        <p:cTn id="1" dur="indefinite" restart="never" nodeType="tmRoot"/>
       </p:par>
     </p:tnLst>
   </p:timing>
@@ -13828,7 +13802,7 @@
   <p:timing>
     <p:tnLst>
       <p:par>
-        <p:cTn xmlns:p14="http://schemas.microsoft.com/office/powerpoint/2010/main" id="1" dur="indefinite" restart="never" nodeType="tmRoot"/>
+        <p:cTn id="1" dur="indefinite" restart="never" nodeType="tmRoot"/>
       </p:par>
     </p:tnLst>
   </p:timing>
@@ -14194,7 +14168,7 @@
   <p:timing>
     <p:tnLst>
       <p:par>
-        <p:cTn xmlns:p14="http://schemas.microsoft.com/office/powerpoint/2010/main" id="1" dur="indefinite" restart="never" nodeType="tmRoot"/>
+        <p:cTn id="1" dur="indefinite" restart="never" nodeType="tmRoot"/>
       </p:par>
     </p:tnLst>
   </p:timing>
@@ -14560,7 +14534,7 @@
   <p:timing>
     <p:tnLst>
       <p:par>
-        <p:cTn xmlns:p14="http://schemas.microsoft.com/office/powerpoint/2010/main" id="1" dur="indefinite" restart="never" nodeType="tmRoot"/>
+        <p:cTn id="1" dur="indefinite" restart="never" nodeType="tmRoot"/>
       </p:par>
     </p:tnLst>
   </p:timing>
@@ -15009,7 +14983,7 @@
   <p:timing>
     <p:tnLst>
       <p:par>
-        <p:cTn xmlns:p14="http://schemas.microsoft.com/office/powerpoint/2010/main" id="1" dur="indefinite" restart="never" nodeType="tmRoot"/>
+        <p:cTn id="1" dur="indefinite" restart="never" nodeType="tmRoot"/>
       </p:par>
     </p:tnLst>
   </p:timing>
@@ -15375,7 +15349,7 @@
   <p:timing>
     <p:tnLst>
       <p:par>
-        <p:cTn xmlns:p14="http://schemas.microsoft.com/office/powerpoint/2010/main" id="1" dur="indefinite" restart="never" nodeType="tmRoot"/>
+        <p:cTn id="1" dur="indefinite" restart="never" nodeType="tmRoot"/>
       </p:par>
     </p:tnLst>
   </p:timing>
@@ -15777,7 +15751,7 @@
   <p:timing>
     <p:tnLst>
       <p:par>
-        <p:cTn xmlns:p14="http://schemas.microsoft.com/office/powerpoint/2010/main" id="1" dur="indefinite" restart="never" nodeType="tmRoot"/>
+        <p:cTn id="1" dur="indefinite" restart="never" nodeType="tmRoot"/>
       </p:par>
     </p:tnLst>
   </p:timing>
@@ -16241,7 +16215,7 @@
   <p:timing>
     <p:tnLst>
       <p:par>
-        <p:cTn xmlns:p14="http://schemas.microsoft.com/office/powerpoint/2010/main" id="1" dur="indefinite" restart="never" nodeType="tmRoot"/>
+        <p:cTn id="1" dur="indefinite" restart="never" nodeType="tmRoot"/>
       </p:par>
     </p:tnLst>
   </p:timing>
@@ -16328,7 +16302,7 @@
           </a:prstGeom>
           <a:noFill/>
           <a:extLst>
-            <a:ext uri="{909E8E84-426E-40dd-AFC4-6F175D3DCCD1}">
+            <a:ext uri="{909E8E84-426E-40DD-AFC4-6F175D3DCCD1}">
               <a14:hiddenFill xmlns:a14="http://schemas.microsoft.com/office/drawing/2010/main">
                 <a:solidFill>
                   <a:srgbClr val="FFFFFF"/>
@@ -16369,7 +16343,7 @@
           </a:prstGeom>
           <a:noFill/>
           <a:extLst>
-            <a:ext uri="{909E8E84-426E-40dd-AFC4-6F175D3DCCD1}">
+            <a:ext uri="{909E8E84-426E-40DD-AFC4-6F175D3DCCD1}">
               <a14:hiddenFill xmlns:a14="http://schemas.microsoft.com/office/drawing/2010/main">
                 <a:solidFill>
                   <a:srgbClr val="FFFFFF"/>
@@ -16659,7 +16633,7 @@
   <p:timing>
     <p:tnLst>
       <p:par>
-        <p:cTn xmlns:p14="http://schemas.microsoft.com/office/powerpoint/2010/main" id="1" dur="indefinite" restart="never" nodeType="tmRoot"/>
+        <p:cTn id="1" dur="indefinite" restart="never" nodeType="tmRoot"/>
       </p:par>
     </p:tnLst>
   </p:timing>
@@ -17057,7 +17031,7 @@
   <p:timing>
     <p:tnLst>
       <p:par>
-        <p:cTn xmlns:p14="http://schemas.microsoft.com/office/powerpoint/2010/main" id="1" dur="indefinite" restart="never" nodeType="tmRoot"/>
+        <p:cTn id="1" dur="indefinite" restart="never" nodeType="tmRoot"/>
       </p:par>
     </p:tnLst>
   </p:timing>
@@ -17481,7 +17455,7 @@
   <p:timing>
     <p:tnLst>
       <p:par>
-        <p:cTn xmlns:p14="http://schemas.microsoft.com/office/powerpoint/2010/main" id="1" dur="indefinite" restart="never" nodeType="tmRoot"/>
+        <p:cTn id="1" dur="indefinite" restart="never" nodeType="tmRoot"/>
       </p:par>
     </p:tnLst>
   </p:timing>
@@ -17879,7 +17853,7 @@
   <p:timing>
     <p:tnLst>
       <p:par>
-        <p:cTn xmlns:p14="http://schemas.microsoft.com/office/powerpoint/2010/main" id="1" dur="indefinite" restart="never" nodeType="tmRoot"/>
+        <p:cTn id="1" dur="indefinite" restart="never" nodeType="tmRoot"/>
       </p:par>
     </p:tnLst>
   </p:timing>
@@ -17964,7 +17938,7 @@
   <p:timing>
     <p:tnLst>
       <p:par>
-        <p:cTn xmlns:p14="http://schemas.microsoft.com/office/powerpoint/2010/main" id="1" dur="indefinite" restart="never" nodeType="tmRoot"/>
+        <p:cTn id="1" dur="indefinite" restart="never" nodeType="tmRoot"/>
       </p:par>
     </p:tnLst>
   </p:timing>
@@ -18039,119 +18013,14 @@
           <a:lstStyle/>
           <a:p>
             <a:r>
-              <a:rPr lang="de-DE" dirty="0" err="1"/>
-              <a:t>Implemented</a:t>
-            </a:r>
-            <a:r>
-              <a:rPr lang="de-DE" dirty="0"/>
-              <a:t> </a:t>
-            </a:r>
-            <a:r>
-              <a:rPr lang="de-DE" dirty="0" err="1"/>
-              <a:t>the</a:t>
-            </a:r>
-            <a:r>
-              <a:rPr lang="de-DE" dirty="0"/>
-              <a:t> same </a:t>
-            </a:r>
-            <a:r>
-              <a:rPr lang="de-DE" dirty="0" err="1"/>
-              <a:t>functionality</a:t>
-            </a:r>
-            <a:r>
-              <a:rPr lang="de-DE" dirty="0"/>
-              <a:t> </a:t>
-            </a:r>
-            <a:r>
-              <a:rPr lang="de-DE" dirty="0" err="1"/>
-              <a:t>as</a:t>
-            </a:r>
-            <a:r>
-              <a:rPr lang="de-DE" dirty="0"/>
-              <a:t> </a:t>
-            </a:r>
-            <a:r>
-              <a:rPr lang="de-DE" dirty="0" err="1"/>
-              <a:t>you</a:t>
-            </a:r>
-            <a:r>
-              <a:rPr lang="de-DE" dirty="0"/>
-              <a:t> </a:t>
-            </a:r>
-            <a:r>
-              <a:rPr lang="de-DE" dirty="0" err="1"/>
-              <a:t>did</a:t>
-            </a:r>
-            <a:endParaRPr lang="de-DE" dirty="0"/>
-          </a:p>
-          <a:p>
-            <a:r>
-              <a:rPr lang="de-DE" dirty="0" err="1"/>
-              <a:t>Depending</a:t>
-            </a:r>
-            <a:r>
-              <a:rPr lang="de-DE" dirty="0"/>
-              <a:t> on </a:t>
-            </a:r>
-            <a:r>
-              <a:rPr lang="de-DE" dirty="0" err="1"/>
-              <a:t>your</a:t>
-            </a:r>
-            <a:r>
-              <a:rPr lang="de-DE" dirty="0"/>
-              <a:t> </a:t>
-            </a:r>
-            <a:r>
-              <a:rPr lang="de-DE" dirty="0" err="1"/>
-              <a:t>role</a:t>
-            </a:r>
-            <a:r>
-              <a:rPr lang="de-DE" dirty="0"/>
-              <a:t>, </a:t>
-            </a:r>
-            <a:r>
-              <a:rPr lang="de-DE" dirty="0" err="1"/>
-              <a:t>you</a:t>
-            </a:r>
-            <a:r>
-              <a:rPr lang="de-DE" dirty="0"/>
-              <a:t> </a:t>
-            </a:r>
-            <a:r>
-              <a:rPr lang="de-DE" dirty="0" err="1"/>
-              <a:t>may</a:t>
-            </a:r>
-            <a:r>
-              <a:rPr lang="de-DE" dirty="0"/>
-              <a:t> </a:t>
-            </a:r>
-            <a:r>
-              <a:rPr lang="de-DE" dirty="0" err="1"/>
-              <a:t>have</a:t>
-            </a:r>
-            <a:r>
-              <a:rPr lang="de-DE" dirty="0"/>
-              <a:t> different </a:t>
-            </a:r>
-            <a:r>
-              <a:rPr lang="de-DE" dirty="0" err="1"/>
-              <a:t>views</a:t>
-            </a:r>
-            <a:r>
-              <a:rPr lang="de-DE" dirty="0"/>
-              <a:t> </a:t>
-            </a:r>
-            <a:r>
-              <a:rPr lang="de-DE" dirty="0" err="1"/>
-              <a:t>and</a:t>
-            </a:r>
-            <a:r>
-              <a:rPr lang="de-DE" dirty="0"/>
-              <a:t> </a:t>
-            </a:r>
-            <a:r>
-              <a:rPr lang="de-DE" dirty="0" err="1"/>
-              <a:t>functionality</a:t>
+              <a:rPr lang="de-DE" dirty="0" smtClean="0"/>
+              <a:t>Implemented requested functionality</a:t>
+            </a:r>
+          </a:p>
+          <a:p>
+            <a:r>
+              <a:rPr lang="de-DE" dirty="0" smtClean="0"/>
+              <a:t>Based on the FlatFindr project</a:t>
             </a:r>
             <a:endParaRPr lang="de-DE" dirty="0"/>
           </a:p>
@@ -18472,7 +18341,7 @@
   <p:timing>
     <p:tnLst>
       <p:par>
-        <p:cTn xmlns:p14="http://schemas.microsoft.com/office/powerpoint/2010/main" id="1" dur="indefinite" restart="never" nodeType="tmRoot"/>
+        <p:cTn id="1" dur="indefinite" restart="never" nodeType="tmRoot"/>
       </p:par>
     </p:tnLst>
   </p:timing>
@@ -18806,7 +18675,7 @@
   <p:timing>
     <p:tnLst>
       <p:par>
-        <p:cTn xmlns:p14="http://schemas.microsoft.com/office/powerpoint/2010/main" id="1" dur="indefinite" restart="never" nodeType="tmRoot"/>
+        <p:cTn id="1" dur="indefinite" restart="never" nodeType="tmRoot"/>
       </p:par>
     </p:tnLst>
   </p:timing>
@@ -19397,7 +19266,7 @@
   <p:timing>
     <p:tnLst>
       <p:par>
-        <p:cTn xmlns:p14="http://schemas.microsoft.com/office/powerpoint/2010/main" id="1" dur="indefinite" restart="never" nodeType="tmRoot"/>
+        <p:cTn id="1" dur="indefinite" restart="never" nodeType="tmRoot"/>
       </p:par>
     </p:tnLst>
   </p:timing>
@@ -19654,7 +19523,7 @@
   <a:extraClrSchemeLst/>
   <a:extLst>
     <a:ext uri="{05A4C25C-085E-4340-85A3-A5531E510DB2}">
-      <thm15:themeFamily xmlns="" xmlns:thm15="http://schemas.microsoft.com/office/thememl/2012/main" name="Parallax" id="{3388167B-A2EB-4685-9635-1831D9AEF8C4}" vid="{4F7A876A-7598-49CA-AFC8-8EDA2551E4A7}"/>
+      <thm15:themeFamily xmlns:thm15="http://schemas.microsoft.com/office/thememl/2012/main" xmlns="" name="Parallax" id="{3388167B-A2EB-4685-9635-1831D9AEF8C4}" vid="{4F7A876A-7598-49CA-AFC8-8EDA2551E4A7}"/>
     </a:ext>
   </a:extLst>
 </a:theme>

--- a/baseProject/presentation/Presentation-Team8.pptx
+++ b/baseProject/presentation/Presentation-Team8.pptx
@@ -184,7 +184,7 @@
       </p14:sectionLst>
     </p:ext>
     <p:ext uri="{EFAFB233-063F-42B5-8137-9DF3F51BA10A}">
-      <p15:sldGuideLst xmlns:p15="http://schemas.microsoft.com/office/powerpoint/2012/main" xmlns="">
+      <p15:sldGuideLst xmlns:p15="http://schemas.microsoft.com/office/powerpoint/2012/main">
         <p15:guide id="1" orient="horz" pos="2160">
           <p15:clr>
             <a:srgbClr val="A4A3A4"/>
@@ -283,7 +283,7 @@
           <a:p>
             <a:fld id="{AD788536-914B-4640-862E-1D3DAE36BE3D}" type="datetimeFigureOut">
               <a:rPr lang="de-DE" smtClean="0"/>
-              <a:t>13.12.2016</a:t>
+              <a:t>14.12.2016</a:t>
             </a:fld>
             <a:endParaRPr lang="de-DE"/>
           </a:p>
@@ -442,7 +442,7 @@
           <a:p>
             <a:fld id="{2F2847E0-1D0A-0F4B-99C8-E51199A5987D}" type="slidenum">
               <a:rPr lang="de-DE" smtClean="0"/>
-              <a:t>‹#›</a:t>
+              <a:t>‹Nr.›</a:t>
             </a:fld>
             <a:endParaRPr lang="de-DE"/>
           </a:p>
@@ -3062,7 +3062,7 @@
             <a:fld id="{B61BEF0D-F0BB-DE4B-95CE-6DB70DBA9567}" type="datetimeFigureOut">
               <a:rPr lang="en-US" dirty="0"/>
               <a:pPr/>
-              <a:t>12/13/2016</a:t>
+              <a:t>12/14/2016</a:t>
             </a:fld>
             <a:endParaRPr lang="en-US" dirty="0"/>
           </a:p>
@@ -3110,7 +3110,7 @@
             <a:fld id="{D57F1E4F-1CFF-5643-939E-217C01CDF565}" type="slidenum">
               <a:rPr lang="en-US" dirty="0"/>
               <a:pPr/>
-              <a:t>‹#›</a:t>
+              <a:t>‹Nr.›</a:t>
             </a:fld>
             <a:endParaRPr lang="en-US" dirty="0"/>
           </a:p>
@@ -3355,7 +3355,7 @@
             <a:fld id="{B61BEF0D-F0BB-DE4B-95CE-6DB70DBA9567}" type="datetimeFigureOut">
               <a:rPr lang="en-US" dirty="0"/>
               <a:pPr/>
-              <a:t>12/13/2016</a:t>
+              <a:t>12/14/2016</a:t>
             </a:fld>
             <a:endParaRPr lang="en-US" dirty="0"/>
           </a:p>
@@ -3398,7 +3398,7 @@
             <a:fld id="{D57F1E4F-1CFF-5643-939E-217C01CDF565}" type="slidenum">
               <a:rPr lang="en-US" dirty="0"/>
               <a:pPr/>
-              <a:t>‹#›</a:t>
+              <a:t>‹Nr.›</a:t>
             </a:fld>
             <a:endParaRPr lang="en-US" dirty="0"/>
           </a:p>
@@ -3600,7 +3600,7 @@
             <a:fld id="{B61BEF0D-F0BB-DE4B-95CE-6DB70DBA9567}" type="datetimeFigureOut">
               <a:rPr lang="en-US" dirty="0"/>
               <a:pPr/>
-              <a:t>12/13/2016</a:t>
+              <a:t>12/14/2016</a:t>
             </a:fld>
             <a:endParaRPr lang="en-US" dirty="0"/>
           </a:p>
@@ -3643,7 +3643,7 @@
             <a:fld id="{D57F1E4F-1CFF-5643-939E-217C01CDF565}" type="slidenum">
               <a:rPr lang="en-US" dirty="0"/>
               <a:pPr/>
-              <a:t>‹#›</a:t>
+              <a:t>‹Nr.›</a:t>
             </a:fld>
             <a:endParaRPr lang="en-US" dirty="0"/>
           </a:p>
@@ -4137,7 +4137,7 @@
             <a:fld id="{B61BEF0D-F0BB-DE4B-95CE-6DB70DBA9567}" type="datetimeFigureOut">
               <a:rPr lang="en-US" dirty="0"/>
               <a:pPr/>
-              <a:t>12/13/2016</a:t>
+              <a:t>12/14/2016</a:t>
             </a:fld>
             <a:endParaRPr lang="en-US" dirty="0"/>
           </a:p>
@@ -4180,7 +4180,7 @@
             <a:fld id="{D57F1E4F-1CFF-5643-939E-217C01CDF565}" type="slidenum">
               <a:rPr lang="en-US" dirty="0"/>
               <a:pPr/>
-              <a:t>‹#›</a:t>
+              <a:t>‹Nr.›</a:t>
             </a:fld>
             <a:endParaRPr lang="en-US" dirty="0"/>
           </a:p>
@@ -4382,7 +4382,7 @@
             <a:fld id="{B61BEF0D-F0BB-DE4B-95CE-6DB70DBA9567}" type="datetimeFigureOut">
               <a:rPr lang="en-US" dirty="0"/>
               <a:pPr/>
-              <a:t>12/13/2016</a:t>
+              <a:t>12/14/2016</a:t>
             </a:fld>
             <a:endParaRPr lang="en-US" dirty="0"/>
           </a:p>
@@ -4425,7 +4425,7 @@
             <a:fld id="{D57F1E4F-1CFF-5643-939E-217C01CDF565}" type="slidenum">
               <a:rPr lang="en-US" dirty="0"/>
               <a:pPr/>
-              <a:t>‹#›</a:t>
+              <a:t>‹Nr.›</a:t>
             </a:fld>
             <a:endParaRPr lang="en-US" dirty="0"/>
           </a:p>
@@ -4911,7 +4911,7 @@
             <a:fld id="{B61BEF0D-F0BB-DE4B-95CE-6DB70DBA9567}" type="datetimeFigureOut">
               <a:rPr lang="en-US" dirty="0"/>
               <a:pPr/>
-              <a:t>12/13/2016</a:t>
+              <a:t>12/14/2016</a:t>
             </a:fld>
             <a:endParaRPr lang="en-US" dirty="0"/>
           </a:p>
@@ -4954,7 +4954,7 @@
             <a:fld id="{D57F1E4F-1CFF-5643-939E-217C01CDF565}" type="slidenum">
               <a:rPr lang="en-US" dirty="0"/>
               <a:pPr/>
-              <a:t>‹#›</a:t>
+              <a:t>‹Nr.›</a:t>
             </a:fld>
             <a:endParaRPr lang="en-US" dirty="0"/>
           </a:p>
@@ -5205,7 +5205,7 @@
             <a:fld id="{B61BEF0D-F0BB-DE4B-95CE-6DB70DBA9567}" type="datetimeFigureOut">
               <a:rPr lang="en-US" dirty="0"/>
               <a:pPr/>
-              <a:t>12/13/2016</a:t>
+              <a:t>12/14/2016</a:t>
             </a:fld>
             <a:endParaRPr lang="en-US" dirty="0"/>
           </a:p>
@@ -5248,7 +5248,7 @@
             <a:fld id="{D57F1E4F-1CFF-5643-939E-217C01CDF565}" type="slidenum">
               <a:rPr lang="en-US" dirty="0"/>
               <a:pPr/>
-              <a:t>‹#›</a:t>
+              <a:t>‹Nr.›</a:t>
             </a:fld>
             <a:endParaRPr lang="en-US" dirty="0"/>
           </a:p>
@@ -5376,7 +5376,7 @@
             <a:fld id="{B61BEF0D-F0BB-DE4B-95CE-6DB70DBA9567}" type="datetimeFigureOut">
               <a:rPr lang="en-US" dirty="0"/>
               <a:pPr/>
-              <a:t>12/13/2016</a:t>
+              <a:t>12/14/2016</a:t>
             </a:fld>
             <a:endParaRPr lang="en-US" dirty="0"/>
           </a:p>
@@ -5419,7 +5419,7 @@
             <a:fld id="{D57F1E4F-1CFF-5643-939E-217C01CDF565}" type="slidenum">
               <a:rPr lang="en-US" dirty="0"/>
               <a:pPr/>
-              <a:t>‹#›</a:t>
+              <a:t>‹Nr.›</a:t>
             </a:fld>
             <a:endParaRPr lang="en-US" dirty="0"/>
           </a:p>
@@ -5553,7 +5553,7 @@
             <a:fld id="{B61BEF0D-F0BB-DE4B-95CE-6DB70DBA9567}" type="datetimeFigureOut">
               <a:rPr lang="en-US" dirty="0"/>
               <a:pPr/>
-              <a:t>12/13/2016</a:t>
+              <a:t>12/14/2016</a:t>
             </a:fld>
             <a:endParaRPr lang="en-US" dirty="0"/>
           </a:p>
@@ -5596,7 +5596,7 @@
             <a:fld id="{D57F1E4F-1CFF-5643-939E-217C01CDF565}" type="slidenum">
               <a:rPr lang="en-US" dirty="0"/>
               <a:pPr/>
-              <a:t>‹#›</a:t>
+              <a:t>‹Nr.›</a:t>
             </a:fld>
             <a:endParaRPr lang="en-US" dirty="0"/>
           </a:p>
@@ -5720,7 +5720,7 @@
             <a:fld id="{B61BEF0D-F0BB-DE4B-95CE-6DB70DBA9567}" type="datetimeFigureOut">
               <a:rPr lang="en-US" dirty="0"/>
               <a:pPr/>
-              <a:t>12/13/2016</a:t>
+              <a:t>12/14/2016</a:t>
             </a:fld>
             <a:endParaRPr lang="en-US" dirty="0"/>
           </a:p>
@@ -5768,7 +5768,7 @@
             <a:fld id="{D57F1E4F-1CFF-5643-939E-217C01CDF565}" type="slidenum">
               <a:rPr lang="en-US" dirty="0"/>
               <a:pPr/>
-              <a:t>‹#›</a:t>
+              <a:t>‹Nr.›</a:t>
             </a:fld>
             <a:endParaRPr lang="en-US" dirty="0"/>
           </a:p>
@@ -5968,7 +5968,7 @@
             <a:fld id="{B61BEF0D-F0BB-DE4B-95CE-6DB70DBA9567}" type="datetimeFigureOut">
               <a:rPr lang="en-US" dirty="0"/>
               <a:pPr/>
-              <a:t>12/13/2016</a:t>
+              <a:t>12/14/2016</a:t>
             </a:fld>
             <a:endParaRPr lang="en-US" dirty="0"/>
           </a:p>
@@ -6011,7 +6011,7 @@
             <a:fld id="{D57F1E4F-1CFF-5643-939E-217C01CDF565}" type="slidenum">
               <a:rPr lang="en-US" dirty="0"/>
               <a:pPr/>
-              <a:t>‹#›</a:t>
+              <a:t>‹Nr.›</a:t>
             </a:fld>
             <a:endParaRPr lang="en-US" dirty="0"/>
           </a:p>
@@ -6262,7 +6262,7 @@
             <a:fld id="{B61BEF0D-F0BB-DE4B-95CE-6DB70DBA9567}" type="datetimeFigureOut">
               <a:rPr lang="en-US" dirty="0"/>
               <a:pPr/>
-              <a:t>12/13/2016</a:t>
+              <a:t>12/14/2016</a:t>
             </a:fld>
             <a:endParaRPr lang="en-US" dirty="0"/>
           </a:p>
@@ -6305,7 +6305,7 @@
             <a:fld id="{D57F1E4F-1CFF-5643-939E-217C01CDF565}" type="slidenum">
               <a:rPr lang="en-US" dirty="0"/>
               <a:pPr/>
-              <a:t>‹#›</a:t>
+              <a:t>‹Nr.›</a:t>
             </a:fld>
             <a:endParaRPr lang="en-US" dirty="0"/>
           </a:p>
@@ -6701,7 +6701,7 @@
             <a:fld id="{B61BEF0D-F0BB-DE4B-95CE-6DB70DBA9567}" type="datetimeFigureOut">
               <a:rPr lang="en-US" dirty="0"/>
               <a:pPr/>
-              <a:t>12/13/2016</a:t>
+              <a:t>12/14/2016</a:t>
             </a:fld>
             <a:endParaRPr lang="en-US" dirty="0"/>
           </a:p>
@@ -6744,7 +6744,7 @@
             <a:fld id="{D57F1E4F-1CFF-5643-939E-217C01CDF565}" type="slidenum">
               <a:rPr lang="en-US" dirty="0"/>
               <a:pPr/>
-              <a:t>‹#›</a:t>
+              <a:t>‹Nr.›</a:t>
             </a:fld>
             <a:endParaRPr lang="en-US" dirty="0"/>
           </a:p>
@@ -6816,7 +6816,7 @@
             <a:fld id="{B61BEF0D-F0BB-DE4B-95CE-6DB70DBA9567}" type="datetimeFigureOut">
               <a:rPr lang="en-US" dirty="0"/>
               <a:pPr/>
-              <a:t>12/13/2016</a:t>
+              <a:t>12/14/2016</a:t>
             </a:fld>
             <a:endParaRPr lang="en-US" dirty="0"/>
           </a:p>
@@ -6859,7 +6859,7 @@
             <a:fld id="{D57F1E4F-1CFF-5643-939E-217C01CDF565}" type="slidenum">
               <a:rPr lang="en-US" dirty="0"/>
               <a:pPr/>
-              <a:t>‹#›</a:t>
+              <a:t>‹Nr.›</a:t>
             </a:fld>
             <a:endParaRPr lang="en-US" dirty="0"/>
           </a:p>
@@ -6908,7 +6908,7 @@
             <a:fld id="{B61BEF0D-F0BB-DE4B-95CE-6DB70DBA9567}" type="datetimeFigureOut">
               <a:rPr lang="en-US" dirty="0"/>
               <a:pPr/>
-              <a:t>12/13/2016</a:t>
+              <a:t>12/14/2016</a:t>
             </a:fld>
             <a:endParaRPr lang="en-US" dirty="0"/>
           </a:p>
@@ -6951,7 +6951,7 @@
             <a:fld id="{D57F1E4F-1CFF-5643-939E-217C01CDF565}" type="slidenum">
               <a:rPr lang="en-US" dirty="0"/>
               <a:pPr/>
-              <a:t>‹#›</a:t>
+              <a:t>‹Nr.›</a:t>
             </a:fld>
             <a:endParaRPr lang="en-US" dirty="0"/>
           </a:p>
@@ -7188,7 +7188,7 @@
             <a:fld id="{B61BEF0D-F0BB-DE4B-95CE-6DB70DBA9567}" type="datetimeFigureOut">
               <a:rPr lang="en-US" dirty="0"/>
               <a:pPr/>
-              <a:t>12/13/2016</a:t>
+              <a:t>12/14/2016</a:t>
             </a:fld>
             <a:endParaRPr lang="en-US" dirty="0"/>
           </a:p>
@@ -7231,7 +7231,7 @@
             <a:fld id="{D57F1E4F-1CFF-5643-939E-217C01CDF565}" type="slidenum">
               <a:rPr lang="en-US" dirty="0"/>
               <a:pPr/>
-              <a:t>‹#›</a:t>
+              <a:t>‹Nr.›</a:t>
             </a:fld>
             <a:endParaRPr lang="en-US" dirty="0"/>
           </a:p>
@@ -7476,7 +7476,7 @@
             <a:fld id="{B61BEF0D-F0BB-DE4B-95CE-6DB70DBA9567}" type="datetimeFigureOut">
               <a:rPr lang="en-US" dirty="0"/>
               <a:pPr/>
-              <a:t>12/13/2016</a:t>
+              <a:t>12/14/2016</a:t>
             </a:fld>
             <a:endParaRPr lang="en-US" dirty="0"/>
           </a:p>
@@ -7519,7 +7519,7 @@
             <a:fld id="{D57F1E4F-1CFF-5643-939E-217C01CDF565}" type="slidenum">
               <a:rPr lang="en-US" dirty="0"/>
               <a:pPr/>
-              <a:t>‹#›</a:t>
+              <a:t>‹Nr.›</a:t>
             </a:fld>
             <a:endParaRPr lang="en-US" dirty="0"/>
           </a:p>
@@ -8003,7 +8003,7 @@
             <a:fld id="{B61BEF0D-F0BB-DE4B-95CE-6DB70DBA9567}" type="datetimeFigureOut">
               <a:rPr lang="en-US" dirty="0"/>
               <a:pPr/>
-              <a:t>12/13/2016</a:t>
+              <a:t>12/14/2016</a:t>
             </a:fld>
             <a:endParaRPr lang="en-US" dirty="0"/>
           </a:p>
@@ -8082,7 +8082,7 @@
             <a:fld id="{D57F1E4F-1CFF-5643-939E-217C01CDF565}" type="slidenum">
               <a:rPr lang="en-US" dirty="0"/>
               <a:pPr/>
-              <a:t>‹#›</a:t>
+              <a:t>‹Nr.›</a:t>
             </a:fld>
             <a:endParaRPr lang="en-US" dirty="0"/>
           </a:p>
@@ -14522,13 +14522,36 @@
           </a:p>
           <a:p>
             <a:r>
-              <a:rPr lang="de-CH" sz="3200" dirty="0"/>
+              <a:rPr lang="de-CH" sz="3200" dirty="0" smtClean="0"/>
               <a:t>Scenario</a:t>
             </a:r>
           </a:p>
           <a:p>
             <a:r>
-              <a:rPr lang="de-CH" sz="3200" dirty="0" err="1"/>
+              <a:rPr lang="de-CH" sz="3200" dirty="0" err="1" smtClean="0"/>
+              <a:t>Why</a:t>
+            </a:r>
+            <a:r>
+              <a:rPr lang="de-CH" sz="3200" dirty="0" smtClean="0"/>
+              <a:t> </a:t>
+            </a:r>
+            <a:r>
+              <a:rPr lang="de-CH" sz="3200" dirty="0" err="1" smtClean="0"/>
+              <a:t>us</a:t>
+            </a:r>
+            <a:endParaRPr lang="de-CH" sz="3200" dirty="0"/>
+          </a:p>
+          <a:p>
+            <a:r>
+              <a:rPr lang="de-CH" sz="3200" dirty="0" err="1" smtClean="0"/>
+              <a:t>Questions</a:t>
+            </a:r>
+            <a:r>
+              <a:rPr lang="de-CH" sz="3200" dirty="0" smtClean="0"/>
+              <a:t> / </a:t>
+            </a:r>
+            <a:r>
+              <a:rPr lang="de-CH" sz="3200" dirty="0" err="1" smtClean="0"/>
               <a:t>Discussion</a:t>
             </a:r>
             <a:endParaRPr lang="de-CH" sz="3200" dirty="0"/>
@@ -17785,7 +17808,7 @@
   <a:extraClrSchemeLst/>
   <a:extLst>
     <a:ext uri="{05A4C25C-085E-4340-85A3-A5531E510DB2}">
-      <thm15:themeFamily xmlns:thm15="http://schemas.microsoft.com/office/thememl/2012/main" xmlns="" name="Parallax" id="{3388167B-A2EB-4685-9635-1831D9AEF8C4}" vid="{4F7A876A-7598-49CA-AFC8-8EDA2551E4A7}"/>
+      <thm15:themeFamily xmlns:thm15="http://schemas.microsoft.com/office/thememl/2012/main" name="Parallax" id="{3388167B-A2EB-4685-9635-1831D9AEF8C4}" vid="{4F7A876A-7598-49CA-AFC8-8EDA2551E4A7}"/>
     </a:ext>
   </a:extLst>
 </a:theme>

--- a/baseProject/presentation/Presentation-Team8.pptx
+++ b/baseProject/presentation/Presentation-Team8.pptx
@@ -186,7 +186,7 @@
       </p14:sectionLst>
     </p:ext>
     <p:ext uri="{EFAFB233-063F-42B5-8137-9DF3F51BA10A}">
-      <p15:sldGuideLst xmlns:p15="http://schemas.microsoft.com/office/powerpoint/2012/main" xmlns="">
+      <p15:sldGuideLst xmlns:p15="http://schemas.microsoft.com/office/powerpoint/2012/main">
         <p15:guide id="1" orient="horz" pos="2160">
           <p15:clr>
             <a:srgbClr val="A4A3A4"/>
@@ -444,7 +444,7 @@
           <a:p>
             <a:fld id="{2F2847E0-1D0A-0F4B-99C8-E51199A5987D}" type="slidenum">
               <a:rPr lang="de-DE" smtClean="0"/>
-              <a:t>‹#›</a:t>
+              <a:t>‹Nr.›</a:t>
             </a:fld>
             <a:endParaRPr lang="de-DE"/>
           </a:p>
@@ -3248,7 +3248,7 @@
             <a:fld id="{D57F1E4F-1CFF-5643-939E-217C01CDF565}" type="slidenum">
               <a:rPr lang="en-US" dirty="0"/>
               <a:pPr/>
-              <a:t>‹#›</a:t>
+              <a:t>‹Nr.›</a:t>
             </a:fld>
             <a:endParaRPr lang="en-US" dirty="0"/>
           </a:p>
@@ -3536,7 +3536,7 @@
             <a:fld id="{D57F1E4F-1CFF-5643-939E-217C01CDF565}" type="slidenum">
               <a:rPr lang="en-US" dirty="0"/>
               <a:pPr/>
-              <a:t>‹#›</a:t>
+              <a:t>‹Nr.›</a:t>
             </a:fld>
             <a:endParaRPr lang="en-US" dirty="0"/>
           </a:p>
@@ -3781,7 +3781,7 @@
             <a:fld id="{D57F1E4F-1CFF-5643-939E-217C01CDF565}" type="slidenum">
               <a:rPr lang="en-US" dirty="0"/>
               <a:pPr/>
-              <a:t>‹#›</a:t>
+              <a:t>‹Nr.›</a:t>
             </a:fld>
             <a:endParaRPr lang="en-US" dirty="0"/>
           </a:p>
@@ -4318,7 +4318,7 @@
             <a:fld id="{D57F1E4F-1CFF-5643-939E-217C01CDF565}" type="slidenum">
               <a:rPr lang="en-US" dirty="0"/>
               <a:pPr/>
-              <a:t>‹#›</a:t>
+              <a:t>‹Nr.›</a:t>
             </a:fld>
             <a:endParaRPr lang="en-US" dirty="0"/>
           </a:p>
@@ -4563,7 +4563,7 @@
             <a:fld id="{D57F1E4F-1CFF-5643-939E-217C01CDF565}" type="slidenum">
               <a:rPr lang="en-US" dirty="0"/>
               <a:pPr/>
-              <a:t>‹#›</a:t>
+              <a:t>‹Nr.›</a:t>
             </a:fld>
             <a:endParaRPr lang="en-US" dirty="0"/>
           </a:p>
@@ -5092,7 +5092,7 @@
             <a:fld id="{D57F1E4F-1CFF-5643-939E-217C01CDF565}" type="slidenum">
               <a:rPr lang="en-US" dirty="0"/>
               <a:pPr/>
-              <a:t>‹#›</a:t>
+              <a:t>‹Nr.›</a:t>
             </a:fld>
             <a:endParaRPr lang="en-US" dirty="0"/>
           </a:p>
@@ -5386,7 +5386,7 @@
             <a:fld id="{D57F1E4F-1CFF-5643-939E-217C01CDF565}" type="slidenum">
               <a:rPr lang="en-US" dirty="0"/>
               <a:pPr/>
-              <a:t>‹#›</a:t>
+              <a:t>‹Nr.›</a:t>
             </a:fld>
             <a:endParaRPr lang="en-US" dirty="0"/>
           </a:p>
@@ -5557,7 +5557,7 @@
             <a:fld id="{D57F1E4F-1CFF-5643-939E-217C01CDF565}" type="slidenum">
               <a:rPr lang="en-US" dirty="0"/>
               <a:pPr/>
-              <a:t>‹#›</a:t>
+              <a:t>‹Nr.›</a:t>
             </a:fld>
             <a:endParaRPr lang="en-US" dirty="0"/>
           </a:p>
@@ -5734,7 +5734,7 @@
             <a:fld id="{D57F1E4F-1CFF-5643-939E-217C01CDF565}" type="slidenum">
               <a:rPr lang="en-US" dirty="0"/>
               <a:pPr/>
-              <a:t>‹#›</a:t>
+              <a:t>‹Nr.›</a:t>
             </a:fld>
             <a:endParaRPr lang="en-US" dirty="0"/>
           </a:p>
@@ -5906,7 +5906,7 @@
             <a:fld id="{D57F1E4F-1CFF-5643-939E-217C01CDF565}" type="slidenum">
               <a:rPr lang="en-US" dirty="0"/>
               <a:pPr/>
-              <a:t>‹#›</a:t>
+              <a:t>‹Nr.›</a:t>
             </a:fld>
             <a:endParaRPr lang="en-US" dirty="0"/>
           </a:p>
@@ -6149,7 +6149,7 @@
             <a:fld id="{D57F1E4F-1CFF-5643-939E-217C01CDF565}" type="slidenum">
               <a:rPr lang="en-US" dirty="0"/>
               <a:pPr/>
-              <a:t>‹#›</a:t>
+              <a:t>‹Nr.›</a:t>
             </a:fld>
             <a:endParaRPr lang="en-US" dirty="0"/>
           </a:p>
@@ -6443,7 +6443,7 @@
             <a:fld id="{D57F1E4F-1CFF-5643-939E-217C01CDF565}" type="slidenum">
               <a:rPr lang="en-US" dirty="0"/>
               <a:pPr/>
-              <a:t>‹#›</a:t>
+              <a:t>‹Nr.›</a:t>
             </a:fld>
             <a:endParaRPr lang="en-US" dirty="0"/>
           </a:p>
@@ -6882,7 +6882,7 @@
             <a:fld id="{D57F1E4F-1CFF-5643-939E-217C01CDF565}" type="slidenum">
               <a:rPr lang="en-US" dirty="0"/>
               <a:pPr/>
-              <a:t>‹#›</a:t>
+              <a:t>‹Nr.›</a:t>
             </a:fld>
             <a:endParaRPr lang="en-US" dirty="0"/>
           </a:p>
@@ -6997,7 +6997,7 @@
             <a:fld id="{D57F1E4F-1CFF-5643-939E-217C01CDF565}" type="slidenum">
               <a:rPr lang="en-US" dirty="0"/>
               <a:pPr/>
-              <a:t>‹#›</a:t>
+              <a:t>‹Nr.›</a:t>
             </a:fld>
             <a:endParaRPr lang="en-US" dirty="0"/>
           </a:p>
@@ -7089,7 +7089,7 @@
             <a:fld id="{D57F1E4F-1CFF-5643-939E-217C01CDF565}" type="slidenum">
               <a:rPr lang="en-US" dirty="0"/>
               <a:pPr/>
-              <a:t>‹#›</a:t>
+              <a:t>‹Nr.›</a:t>
             </a:fld>
             <a:endParaRPr lang="en-US" dirty="0"/>
           </a:p>
@@ -7369,7 +7369,7 @@
             <a:fld id="{D57F1E4F-1CFF-5643-939E-217C01CDF565}" type="slidenum">
               <a:rPr lang="en-US" dirty="0"/>
               <a:pPr/>
-              <a:t>‹#›</a:t>
+              <a:t>‹Nr.›</a:t>
             </a:fld>
             <a:endParaRPr lang="en-US" dirty="0"/>
           </a:p>
@@ -7657,7 +7657,7 @@
             <a:fld id="{D57F1E4F-1CFF-5643-939E-217C01CDF565}" type="slidenum">
               <a:rPr lang="en-US" dirty="0"/>
               <a:pPr/>
-              <a:t>‹#›</a:t>
+              <a:t>‹Nr.›</a:t>
             </a:fld>
             <a:endParaRPr lang="en-US" dirty="0"/>
           </a:p>
@@ -8220,7 +8220,7 @@
             <a:fld id="{D57F1E4F-1CFF-5643-939E-217C01CDF565}" type="slidenum">
               <a:rPr lang="en-US" dirty="0"/>
               <a:pPr/>
-              <a:t>‹#›</a:t>
+              <a:t>‹Nr.›</a:t>
             </a:fld>
             <a:endParaRPr lang="en-US" dirty="0"/>
           </a:p>
@@ -8706,13 +8706,7 @@
               <a:rPr lang="de-DE" sz="2400" dirty="0" smtClean="0">
                 <a:latin typeface="Monotype Corsiva" panose="03010101010201010101" pitchFamily="66" charset="0"/>
               </a:rPr>
-              <a:t>the realest real </a:t>
-            </a:r>
-            <a:r>
-              <a:rPr lang="de-DE" sz="2400" dirty="0" smtClean="0">
-                <a:latin typeface="Monotype Corsiva" panose="03010101010201010101" pitchFamily="66" charset="0"/>
-              </a:rPr>
-              <a:t>estate</a:t>
+              <a:t>the realest real estate</a:t>
             </a:r>
             <a:br>
               <a:rPr lang="de-DE" sz="2400" dirty="0" smtClean="0">
@@ -8734,13 +8728,7 @@
               <a:rPr lang="de-DE" sz="2400" dirty="0" smtClean="0">
                 <a:latin typeface="Monotype Corsiva" panose="03010101010201010101" pitchFamily="66" charset="0"/>
               </a:rPr>
-              <a:t>A </a:t>
-            </a:r>
-            <a:r>
-              <a:rPr lang="de-DE" sz="2400" dirty="0" smtClean="0">
-                <a:latin typeface="Monotype Corsiva" panose="03010101010201010101" pitchFamily="66" charset="0"/>
-              </a:rPr>
-              <a:t>presentation </a:t>
+              <a:t>A presentation </a:t>
             </a:r>
             <a:r>
               <a:rPr lang="de-DE" sz="2400" dirty="0">
@@ -14660,14 +14648,33 @@
           </a:p>
           <a:p>
             <a:r>
-              <a:rPr lang="de-CH" sz="3200" dirty="0"/>
+              <a:rPr lang="de-CH" sz="3200" dirty="0" smtClean="0"/>
               <a:t>Scenario</a:t>
             </a:r>
           </a:p>
           <a:p>
             <a:r>
-              <a:rPr lang="de-CH" sz="3200" dirty="0" err="1"/>
-              <a:t>Discussion</a:t>
+              <a:rPr lang="de-CH" sz="3200" dirty="0" err="1" smtClean="0"/>
+              <a:t>Why</a:t>
+            </a:r>
+            <a:r>
+              <a:rPr lang="de-CH" sz="3200" dirty="0" smtClean="0"/>
+              <a:t> </a:t>
+            </a:r>
+            <a:r>
+              <a:rPr lang="de-CH" sz="3200" dirty="0" err="1" smtClean="0"/>
+              <a:t>us</a:t>
+            </a:r>
+            <a:endParaRPr lang="de-CH" sz="3200" dirty="0"/>
+          </a:p>
+          <a:p>
+            <a:r>
+              <a:rPr lang="de-CH" sz="3200" dirty="0" err="1" smtClean="0"/>
+              <a:t>Questions</a:t>
+            </a:r>
+            <a:r>
+              <a:rPr lang="de-CH" sz="3200" smtClean="0"/>
+              <a:t> / Discussion</a:t>
             </a:r>
             <a:endParaRPr lang="de-CH" sz="3200" dirty="0"/>
           </a:p>
@@ -19523,7 +19530,7 @@
   <a:extraClrSchemeLst/>
   <a:extLst>
     <a:ext uri="{05A4C25C-085E-4340-85A3-A5531E510DB2}">
-      <thm15:themeFamily xmlns:thm15="http://schemas.microsoft.com/office/thememl/2012/main" xmlns="" name="Parallax" id="{3388167B-A2EB-4685-9635-1831D9AEF8C4}" vid="{4F7A876A-7598-49CA-AFC8-8EDA2551E4A7}"/>
+      <thm15:themeFamily xmlns:thm15="http://schemas.microsoft.com/office/thememl/2012/main" name="Parallax" id="{3388167B-A2EB-4685-9635-1831D9AEF8C4}" vid="{4F7A876A-7598-49CA-AFC8-8EDA2551E4A7}"/>
     </a:ext>
   </a:extLst>
 </a:theme>

--- a/baseProject/presentation/Presentation-Team8.pptx
+++ b/baseProject/presentation/Presentation-Team8.pptx
@@ -17,11 +17,11 @@
     <p:sldId id="272" r:id="rId8"/>
     <p:sldId id="273" r:id="rId9"/>
     <p:sldId id="271" r:id="rId10"/>
-    <p:sldId id="260" r:id="rId11"/>
-    <p:sldId id="267" r:id="rId12"/>
-    <p:sldId id="268" r:id="rId13"/>
-    <p:sldId id="269" r:id="rId14"/>
-    <p:sldId id="292" r:id="rId15"/>
+    <p:sldId id="292" r:id="rId11"/>
+    <p:sldId id="260" r:id="rId12"/>
+    <p:sldId id="267" r:id="rId13"/>
+    <p:sldId id="268" r:id="rId14"/>
+    <p:sldId id="269" r:id="rId15"/>
     <p:sldId id="274" r:id="rId16"/>
     <p:sldId id="280" r:id="rId17"/>
     <p:sldId id="287" r:id="rId18"/>
@@ -159,11 +159,11 @@
         </p14:section>
         <p14:section name="Main part - Walkthrough of the Use Case" id="{34E26F9E-4492-4736-9212-BE2309B9AB4E}">
           <p14:sldIdLst>
+            <p14:sldId id="292"/>
             <p14:sldId id="260"/>
             <p14:sldId id="267"/>
             <p14:sldId id="268"/>
             <p14:sldId id="269"/>
-            <p14:sldId id="292"/>
           </p14:sldIdLst>
         </p14:section>
         <p14:section name="Why us" id="{BE86CB87-125B-42C6-9C31-F3CD9D8CE1DC}">
@@ -285,7 +285,7 @@
           <a:p>
             <a:fld id="{AD788536-914B-4640-862E-1D3DAE36BE3D}" type="datetimeFigureOut">
               <a:rPr lang="de-DE" smtClean="0"/>
-              <a:t>14.12.2016</a:t>
+              <a:t>14.12.16</a:t>
             </a:fld>
             <a:endParaRPr lang="de-DE"/>
           </a:p>
@@ -1441,321 +1441,59 @@
           <a:bodyPr/>
           <a:lstStyle/>
           <a:p>
-            <a:pPr marL="171450" indent="-171450">
-              <a:buFontTx/>
-              <a:buChar char="-"/>
-            </a:pPr>
-            <a:r>
-              <a:rPr lang="de-DE" dirty="0"/>
-              <a:t>Login </a:t>
-            </a:r>
-            <a:r>
-              <a:rPr lang="de-DE" dirty="0" err="1"/>
-              <a:t>with</a:t>
-            </a:r>
-            <a:r>
-              <a:rPr lang="de-DE" dirty="0"/>
-              <a:t> a</a:t>
-            </a:r>
-            <a:r>
-              <a:rPr lang="de-DE" baseline="0" dirty="0"/>
-              <a:t> non premium </a:t>
-            </a:r>
-            <a:r>
-              <a:rPr lang="de-DE" baseline="0" dirty="0" err="1"/>
-              <a:t>user</a:t>
-            </a:r>
-            <a:r>
-              <a:rPr lang="de-DE" baseline="0" dirty="0"/>
-              <a:t> (</a:t>
-            </a:r>
-            <a:r>
-              <a:rPr lang="de-DE" baseline="0" dirty="0" err="1"/>
-              <a:t>ese</a:t>
-            </a:r>
-            <a:r>
-              <a:rPr lang="de-DE" baseline="0" dirty="0"/>
-              <a:t>: John Wayne)</a:t>
-            </a:r>
-          </a:p>
-          <a:p>
-            <a:pPr marL="171450" indent="-171450">
-              <a:buFontTx/>
-              <a:buChar char="-"/>
-            </a:pPr>
-            <a:r>
-              <a:rPr lang="de-DE" baseline="0" dirty="0"/>
-              <a:t>Place a </a:t>
-            </a:r>
-            <a:r>
-              <a:rPr lang="de-DE" baseline="0" dirty="0" err="1"/>
-              <a:t>new</a:t>
-            </a:r>
-            <a:r>
-              <a:rPr lang="de-DE" baseline="0" dirty="0"/>
+            <a:r>
+              <a:rPr lang="de-DE" dirty="0" err="1" smtClean="0"/>
+              <a:t>Without</a:t>
+            </a:r>
+            <a:r>
+              <a:rPr lang="de-DE" dirty="0" smtClean="0"/>
               <a:t> </a:t>
             </a:r>
             <a:r>
-              <a:rPr lang="de-DE" baseline="0" dirty="0" err="1"/>
-              <a:t>auction</a:t>
-            </a:r>
-            <a:endParaRPr lang="de-DE" baseline="0" dirty="0"/>
-          </a:p>
-          <a:p>
-            <a:pPr marL="171450" indent="-171450">
-              <a:buFontTx/>
-              <a:buChar char="-"/>
-            </a:pPr>
-            <a:r>
-              <a:rPr lang="de-DE" baseline="0" dirty="0"/>
-              <a:t>Look </a:t>
-            </a:r>
-            <a:r>
-              <a:rPr lang="de-DE" baseline="0" dirty="0" err="1"/>
-              <a:t>at</a:t>
-            </a:r>
-            <a:r>
-              <a:rPr lang="de-DE" baseline="0" dirty="0"/>
+              <a:rPr lang="de-DE" dirty="0" err="1" smtClean="0"/>
+              <a:t>further</a:t>
+            </a:r>
+            <a:r>
+              <a:rPr lang="de-DE" dirty="0" smtClean="0"/>
+              <a:t> do, </a:t>
+            </a:r>
+            <a:r>
+              <a:rPr lang="de-DE" dirty="0" err="1" smtClean="0"/>
+              <a:t>let‘s</a:t>
+            </a:r>
+            <a:r>
+              <a:rPr lang="de-DE" dirty="0" smtClean="0"/>
               <a:t> </a:t>
             </a:r>
             <a:r>
-              <a:rPr lang="de-DE" baseline="0" dirty="0" err="1"/>
+              <a:rPr lang="de-DE" dirty="0" err="1" smtClean="0"/>
+              <a:t>work</a:t>
+            </a:r>
+            <a:r>
+              <a:rPr lang="de-DE" dirty="0" smtClean="0"/>
+              <a:t> </a:t>
+            </a:r>
+            <a:r>
+              <a:rPr lang="de-DE" dirty="0" err="1" smtClean="0"/>
+              <a:t>through</a:t>
+            </a:r>
+            <a:r>
+              <a:rPr lang="de-DE" baseline="0" dirty="0" smtClean="0"/>
+              <a:t> </a:t>
+            </a:r>
+            <a:r>
+              <a:rPr lang="de-DE" baseline="0" dirty="0" err="1" smtClean="0"/>
               <a:t>the</a:t>
             </a:r>
             <a:r>
-              <a:rPr lang="de-DE" baseline="0" dirty="0"/>
+              <a:rPr lang="de-DE" baseline="0" dirty="0" smtClean="0"/>
               <a:t> </a:t>
             </a:r>
             <a:r>
-              <a:rPr lang="de-DE" baseline="0" dirty="0" err="1"/>
-              <a:t>index</a:t>
-            </a:r>
-            <a:r>
-              <a:rPr lang="de-DE" baseline="0" dirty="0"/>
-              <a:t> </a:t>
-            </a:r>
-            <a:r>
-              <a:rPr lang="de-DE" baseline="0" dirty="0" err="1"/>
-              <a:t>and</a:t>
-            </a:r>
-            <a:r>
-              <a:rPr lang="de-DE" baseline="0" dirty="0"/>
-              <a:t> </a:t>
-            </a:r>
-            <a:r>
-              <a:rPr lang="de-DE" baseline="0" dirty="0" err="1"/>
-              <a:t>don‘t</a:t>
-            </a:r>
-            <a:r>
-              <a:rPr lang="de-DE" baseline="0" dirty="0"/>
-              <a:t> </a:t>
-            </a:r>
-            <a:r>
-              <a:rPr lang="de-DE" baseline="0" dirty="0" err="1"/>
-              <a:t>be</a:t>
-            </a:r>
-            <a:r>
-              <a:rPr lang="de-DE" baseline="0" dirty="0"/>
-              <a:t> </a:t>
-            </a:r>
-            <a:r>
-              <a:rPr lang="de-DE" baseline="0" dirty="0" err="1"/>
-              <a:t>statisfied</a:t>
-            </a:r>
-            <a:r>
-              <a:rPr lang="de-DE" baseline="0" dirty="0"/>
-              <a:t> </a:t>
-            </a:r>
-            <a:r>
-              <a:rPr lang="de-DE" baseline="0" dirty="0" err="1"/>
-              <a:t>with</a:t>
-            </a:r>
-            <a:r>
-              <a:rPr lang="de-DE" baseline="0" dirty="0"/>
-              <a:t> </a:t>
-            </a:r>
-            <a:r>
-              <a:rPr lang="de-DE" baseline="0" dirty="0" err="1"/>
-              <a:t>the</a:t>
-            </a:r>
-            <a:r>
-              <a:rPr lang="de-DE" baseline="0" dirty="0"/>
-              <a:t> </a:t>
-            </a:r>
-            <a:r>
-              <a:rPr lang="de-DE" baseline="0" dirty="0" err="1"/>
-              <a:t>ranking</a:t>
-            </a:r>
-            <a:r>
-              <a:rPr lang="de-DE" baseline="0" dirty="0"/>
-              <a:t> </a:t>
-            </a:r>
-            <a:r>
-              <a:rPr lang="de-DE" baseline="0" dirty="0" err="1"/>
-              <a:t>of</a:t>
-            </a:r>
-            <a:r>
-              <a:rPr lang="de-DE" baseline="0" dirty="0"/>
-              <a:t> </a:t>
-            </a:r>
-            <a:r>
-              <a:rPr lang="de-DE" baseline="0" dirty="0" err="1"/>
-              <a:t>the</a:t>
-            </a:r>
-            <a:r>
-              <a:rPr lang="de-DE" baseline="0" dirty="0"/>
-              <a:t> ad</a:t>
-            </a:r>
-          </a:p>
-          <a:p>
-            <a:pPr marL="171450" indent="-171450">
-              <a:buFontTx/>
-              <a:buChar char="-"/>
-            </a:pPr>
-            <a:r>
-              <a:rPr lang="de-DE" baseline="0" dirty="0" err="1"/>
-              <a:t>Get</a:t>
-            </a:r>
-            <a:r>
-              <a:rPr lang="de-DE" baseline="0" dirty="0"/>
-              <a:t> Premium </a:t>
-            </a:r>
-            <a:r>
-              <a:rPr lang="de-DE" baseline="0" dirty="0" err="1"/>
-              <a:t>and</a:t>
-            </a:r>
-            <a:r>
-              <a:rPr lang="de-DE" baseline="0" dirty="0"/>
-              <a:t> </a:t>
-            </a:r>
-            <a:r>
-              <a:rPr lang="de-DE" baseline="0" dirty="0" err="1"/>
-              <a:t>show</a:t>
-            </a:r>
-            <a:r>
-              <a:rPr lang="de-DE" baseline="0" dirty="0"/>
-              <a:t> </a:t>
-            </a:r>
-            <a:r>
-              <a:rPr lang="de-DE" baseline="0" dirty="0" err="1"/>
-              <a:t>the</a:t>
-            </a:r>
-            <a:r>
-              <a:rPr lang="de-DE" baseline="0" dirty="0"/>
-              <a:t> </a:t>
-            </a:r>
-            <a:r>
-              <a:rPr lang="de-DE" baseline="0" dirty="0" err="1"/>
-              <a:t>message</a:t>
-            </a:r>
-            <a:r>
-              <a:rPr lang="de-DE" baseline="0" dirty="0"/>
-              <a:t> in </a:t>
-            </a:r>
-            <a:r>
-              <a:rPr lang="de-DE" baseline="0" dirty="0" err="1"/>
-              <a:t>the</a:t>
-            </a:r>
-            <a:r>
-              <a:rPr lang="de-DE" baseline="0" dirty="0"/>
-              <a:t> </a:t>
-            </a:r>
-            <a:r>
-              <a:rPr lang="de-DE" baseline="0" dirty="0" err="1"/>
-              <a:t>inbox</a:t>
-            </a:r>
-            <a:r>
-              <a:rPr lang="de-DE" baseline="0" dirty="0"/>
-              <a:t>. As </a:t>
-            </a:r>
-            <a:r>
-              <a:rPr lang="de-DE" baseline="0" dirty="0" err="1"/>
-              <a:t>well</a:t>
-            </a:r>
-            <a:r>
-              <a:rPr lang="de-DE" baseline="0" dirty="0"/>
-              <a:t> </a:t>
-            </a:r>
-            <a:r>
-              <a:rPr lang="de-DE" baseline="0" dirty="0" err="1"/>
-              <a:t>as</a:t>
-            </a:r>
-            <a:r>
-              <a:rPr lang="de-DE" baseline="0" dirty="0"/>
-              <a:t> </a:t>
-            </a:r>
-            <a:r>
-              <a:rPr lang="de-DE" baseline="0" dirty="0" err="1"/>
-              <a:t>the</a:t>
-            </a:r>
-            <a:r>
-              <a:rPr lang="de-DE" baseline="0" dirty="0"/>
-              <a:t> </a:t>
-            </a:r>
-            <a:r>
-              <a:rPr lang="de-DE" baseline="0" dirty="0" err="1"/>
-              <a:t>index</a:t>
-            </a:r>
-            <a:r>
-              <a:rPr lang="de-DE" baseline="0" dirty="0"/>
-              <a:t> </a:t>
-            </a:r>
-            <a:r>
-              <a:rPr lang="de-DE" baseline="0" dirty="0" err="1"/>
-              <a:t>page</a:t>
-            </a:r>
-            <a:r>
-              <a:rPr lang="de-DE" baseline="0" dirty="0"/>
-              <a:t>, </a:t>
-            </a:r>
-            <a:r>
-              <a:rPr lang="de-DE" baseline="0" dirty="0" err="1"/>
-              <a:t>we</a:t>
-            </a:r>
-            <a:r>
-              <a:rPr lang="de-DE" baseline="0" dirty="0"/>
-              <a:t> </a:t>
-            </a:r>
-            <a:r>
-              <a:rPr lang="de-DE" baseline="0" dirty="0" err="1"/>
-              <a:t>should</a:t>
-            </a:r>
-            <a:r>
-              <a:rPr lang="de-DE" baseline="0" dirty="0"/>
-              <a:t> </a:t>
-            </a:r>
-            <a:r>
-              <a:rPr lang="de-DE" baseline="0" dirty="0" err="1"/>
-              <a:t>now</a:t>
-            </a:r>
-            <a:r>
-              <a:rPr lang="de-DE" baseline="0" dirty="0"/>
-              <a:t> </a:t>
-            </a:r>
-            <a:r>
-              <a:rPr lang="de-DE" baseline="0" dirty="0" err="1"/>
-              <a:t>be</a:t>
-            </a:r>
-            <a:r>
-              <a:rPr lang="de-DE" baseline="0" dirty="0"/>
-              <a:t> </a:t>
-            </a:r>
-            <a:r>
-              <a:rPr lang="de-DE" baseline="0" dirty="0" err="1"/>
-              <a:t>ranked</a:t>
-            </a:r>
-            <a:r>
-              <a:rPr lang="de-DE" baseline="0" dirty="0"/>
-              <a:t> </a:t>
-            </a:r>
-            <a:r>
-              <a:rPr lang="de-DE" baseline="0" dirty="0" err="1"/>
-              <a:t>first</a:t>
-            </a:r>
-            <a:r>
-              <a:rPr lang="de-DE" baseline="0" dirty="0"/>
-              <a:t>!</a:t>
-            </a:r>
+              <a:rPr lang="de-DE" baseline="0" dirty="0" err="1" smtClean="0"/>
+              <a:t>scenario</a:t>
+            </a:r>
+            <a:endParaRPr lang="de-DE" dirty="0"/>
           </a:p>
         </p:txBody>
       </p:sp>
@@ -1785,7 +1523,7 @@
     </p:spTree>
     <p:extLst>
       <p:ext uri="{BB962C8B-B14F-4D97-AF65-F5344CB8AC3E}">
-        <p14:creationId xmlns:p14="http://schemas.microsoft.com/office/powerpoint/2010/main" val="77204127"/>
+        <p14:creationId xmlns:p14="http://schemas.microsoft.com/office/powerpoint/2010/main" val="1168407366"/>
       </p:ext>
     </p:extLst>
   </p:cSld>
@@ -1849,79 +1587,31 @@
             </a:r>
             <a:r>
               <a:rPr lang="de-DE" dirty="0" err="1"/>
-              <a:t>from</a:t>
+              <a:t>with</a:t>
             </a:r>
             <a:r>
               <a:rPr lang="de-DE" dirty="0"/>
-              <a:t> Google,</a:t>
+              <a:t> a</a:t>
             </a:r>
             <a:r>
               <a:rPr lang="de-DE" baseline="0" dirty="0"/>
-              <a:t> </a:t>
+              <a:t> non premium </a:t>
             </a:r>
             <a:r>
               <a:rPr lang="de-DE" baseline="0" dirty="0" err="1"/>
-              <a:t>go</a:t>
+              <a:t>user</a:t>
             </a:r>
             <a:r>
               <a:rPr lang="de-DE" baseline="0" dirty="0"/>
-              <a:t> </a:t>
+              <a:t> (</a:t>
             </a:r>
             <a:r>
               <a:rPr lang="de-DE" baseline="0" dirty="0" err="1"/>
-              <a:t>to</a:t>
+              <a:t>ese</a:t>
             </a:r>
             <a:r>
               <a:rPr lang="de-DE" baseline="0" dirty="0"/>
-              <a:t> </a:t>
-            </a:r>
-            <a:r>
-              <a:rPr lang="de-DE" baseline="0" dirty="0" err="1"/>
-              <a:t>the</a:t>
-            </a:r>
-            <a:r>
-              <a:rPr lang="de-DE" baseline="0" dirty="0"/>
-              <a:t> </a:t>
-            </a:r>
-            <a:r>
-              <a:rPr lang="de-DE" baseline="0" dirty="0" err="1"/>
-              <a:t>newly</a:t>
-            </a:r>
-            <a:r>
-              <a:rPr lang="de-DE" baseline="0" dirty="0"/>
-              <a:t> </a:t>
-            </a:r>
-            <a:r>
-              <a:rPr lang="de-DE" baseline="0" dirty="0" err="1"/>
-              <a:t>placed</a:t>
-            </a:r>
-            <a:r>
-              <a:rPr lang="de-DE" baseline="0" dirty="0"/>
-              <a:t> ad </a:t>
-            </a:r>
-            <a:r>
-              <a:rPr lang="de-DE" baseline="0" dirty="0" err="1"/>
-              <a:t>and</a:t>
-            </a:r>
-            <a:r>
-              <a:rPr lang="de-DE" baseline="0" dirty="0"/>
-              <a:t> </a:t>
-            </a:r>
-            <a:r>
-              <a:rPr lang="de-DE" baseline="0" dirty="0" err="1"/>
-              <a:t>place</a:t>
-            </a:r>
-            <a:r>
-              <a:rPr lang="de-DE" baseline="0" dirty="0"/>
-              <a:t> a </a:t>
-            </a:r>
-            <a:r>
-              <a:rPr lang="de-DE" baseline="0" dirty="0" err="1"/>
-              <a:t>bid</a:t>
-            </a:r>
-            <a:r>
-              <a:rPr lang="de-DE" baseline="0" dirty="0"/>
-              <a:t> on it.</a:t>
+              <a:t>: John Wayne)</a:t>
             </a:r>
           </a:p>
           <a:p>
@@ -1930,10 +1620,278 @@
               <a:buChar char="-"/>
             </a:pPr>
             <a:r>
+              <a:rPr lang="de-DE" baseline="0" dirty="0"/>
+              <a:t>Place a </a:t>
+            </a:r>
+            <a:r>
               <a:rPr lang="de-DE" baseline="0" dirty="0" err="1"/>
-              <a:t>Wait</a:t>
+              <a:t>new</a:t>
+            </a:r>
+            <a:r>
+              <a:rPr lang="de-DE" baseline="0" dirty="0"/>
+              <a:t> </a:t>
+            </a:r>
+            <a:r>
+              <a:rPr lang="de-DE" baseline="0" dirty="0" err="1"/>
+              <a:t>auction</a:t>
             </a:r>
             <a:endParaRPr lang="de-DE" baseline="0" dirty="0"/>
+          </a:p>
+          <a:p>
+            <a:pPr marL="171450" indent="-171450">
+              <a:buFontTx/>
+              <a:buChar char="-"/>
+            </a:pPr>
+            <a:r>
+              <a:rPr lang="de-DE" baseline="0" dirty="0"/>
+              <a:t>Look </a:t>
+            </a:r>
+            <a:r>
+              <a:rPr lang="de-DE" baseline="0" dirty="0" err="1"/>
+              <a:t>at</a:t>
+            </a:r>
+            <a:r>
+              <a:rPr lang="de-DE" baseline="0" dirty="0"/>
+              <a:t> </a:t>
+            </a:r>
+            <a:r>
+              <a:rPr lang="de-DE" baseline="0" dirty="0" err="1"/>
+              <a:t>the</a:t>
+            </a:r>
+            <a:r>
+              <a:rPr lang="de-DE" baseline="0" dirty="0"/>
+              <a:t> </a:t>
+            </a:r>
+            <a:r>
+              <a:rPr lang="de-DE" baseline="0" dirty="0" err="1"/>
+              <a:t>index</a:t>
+            </a:r>
+            <a:r>
+              <a:rPr lang="de-DE" baseline="0" dirty="0"/>
+              <a:t> </a:t>
+            </a:r>
+            <a:r>
+              <a:rPr lang="de-DE" baseline="0" dirty="0" err="1"/>
+              <a:t>and</a:t>
+            </a:r>
+            <a:r>
+              <a:rPr lang="de-DE" baseline="0" dirty="0"/>
+              <a:t> </a:t>
+            </a:r>
+            <a:r>
+              <a:rPr lang="de-DE" baseline="0" dirty="0" err="1"/>
+              <a:t>don‘t</a:t>
+            </a:r>
+            <a:r>
+              <a:rPr lang="de-DE" baseline="0" dirty="0"/>
+              <a:t> </a:t>
+            </a:r>
+            <a:r>
+              <a:rPr lang="de-DE" baseline="0" dirty="0" err="1"/>
+              <a:t>be</a:t>
+            </a:r>
+            <a:r>
+              <a:rPr lang="de-DE" baseline="0" dirty="0"/>
+              <a:t> </a:t>
+            </a:r>
+            <a:r>
+              <a:rPr lang="de-DE" baseline="0" dirty="0" err="1"/>
+              <a:t>statisfied</a:t>
+            </a:r>
+            <a:r>
+              <a:rPr lang="de-DE" baseline="0" dirty="0"/>
+              <a:t> </a:t>
+            </a:r>
+            <a:r>
+              <a:rPr lang="de-DE" baseline="0" dirty="0" err="1"/>
+              <a:t>with</a:t>
+            </a:r>
+            <a:r>
+              <a:rPr lang="de-DE" baseline="0" dirty="0"/>
+              <a:t> </a:t>
+            </a:r>
+            <a:r>
+              <a:rPr lang="de-DE" baseline="0" dirty="0" err="1"/>
+              <a:t>the</a:t>
+            </a:r>
+            <a:r>
+              <a:rPr lang="de-DE" baseline="0" dirty="0"/>
+              <a:t> </a:t>
+            </a:r>
+            <a:r>
+              <a:rPr lang="de-DE" baseline="0" dirty="0" err="1"/>
+              <a:t>ranking</a:t>
+            </a:r>
+            <a:r>
+              <a:rPr lang="de-DE" baseline="0" dirty="0"/>
+              <a:t> </a:t>
+            </a:r>
+            <a:r>
+              <a:rPr lang="de-DE" baseline="0" dirty="0" err="1"/>
+              <a:t>of</a:t>
+            </a:r>
+            <a:r>
+              <a:rPr lang="de-DE" baseline="0" dirty="0"/>
+              <a:t> </a:t>
+            </a:r>
+            <a:r>
+              <a:rPr lang="de-DE" baseline="0" dirty="0" err="1"/>
+              <a:t>the</a:t>
+            </a:r>
+            <a:r>
+              <a:rPr lang="de-DE" baseline="0" dirty="0"/>
+              <a:t> ad</a:t>
+            </a:r>
+          </a:p>
+          <a:p>
+            <a:pPr marL="171450" indent="-171450">
+              <a:buFontTx/>
+              <a:buChar char="-"/>
+            </a:pPr>
+            <a:r>
+              <a:rPr lang="de-DE" baseline="0" dirty="0" err="1"/>
+              <a:t>Get</a:t>
+            </a:r>
+            <a:r>
+              <a:rPr lang="de-DE" baseline="0" dirty="0"/>
+              <a:t> Premium </a:t>
+            </a:r>
+            <a:r>
+              <a:rPr lang="de-DE" baseline="0" dirty="0" err="1"/>
+              <a:t>and</a:t>
+            </a:r>
+            <a:r>
+              <a:rPr lang="de-DE" baseline="0" dirty="0"/>
+              <a:t> </a:t>
+            </a:r>
+            <a:r>
+              <a:rPr lang="de-DE" baseline="0" dirty="0" err="1"/>
+              <a:t>show</a:t>
+            </a:r>
+            <a:r>
+              <a:rPr lang="de-DE" baseline="0" dirty="0"/>
+              <a:t> </a:t>
+            </a:r>
+            <a:r>
+              <a:rPr lang="de-DE" baseline="0" dirty="0" err="1"/>
+              <a:t>the</a:t>
+            </a:r>
+            <a:r>
+              <a:rPr lang="de-DE" baseline="0" dirty="0"/>
+              <a:t> </a:t>
+            </a:r>
+            <a:r>
+              <a:rPr lang="de-DE" baseline="0" dirty="0" err="1"/>
+              <a:t>message</a:t>
+            </a:r>
+            <a:r>
+              <a:rPr lang="de-DE" baseline="0" dirty="0"/>
+              <a:t> in </a:t>
+            </a:r>
+            <a:r>
+              <a:rPr lang="de-DE" baseline="0" dirty="0" err="1"/>
+              <a:t>the</a:t>
+            </a:r>
+            <a:r>
+              <a:rPr lang="de-DE" baseline="0" dirty="0"/>
+              <a:t> </a:t>
+            </a:r>
+            <a:r>
+              <a:rPr lang="de-DE" baseline="0" dirty="0" err="1"/>
+              <a:t>inbox</a:t>
+            </a:r>
+            <a:r>
+              <a:rPr lang="de-DE" baseline="0" dirty="0"/>
+              <a:t>. As </a:t>
+            </a:r>
+            <a:r>
+              <a:rPr lang="de-DE" baseline="0" dirty="0" err="1"/>
+              <a:t>well</a:t>
+            </a:r>
+            <a:r>
+              <a:rPr lang="de-DE" baseline="0" dirty="0"/>
+              <a:t> </a:t>
+            </a:r>
+            <a:r>
+              <a:rPr lang="de-DE" baseline="0" dirty="0" err="1"/>
+              <a:t>as</a:t>
+            </a:r>
+            <a:r>
+              <a:rPr lang="de-DE" baseline="0" dirty="0"/>
+              <a:t> </a:t>
+            </a:r>
+            <a:r>
+              <a:rPr lang="de-DE" baseline="0" dirty="0" err="1"/>
+              <a:t>the</a:t>
+            </a:r>
+            <a:r>
+              <a:rPr lang="de-DE" baseline="0" dirty="0"/>
+              <a:t> </a:t>
+            </a:r>
+            <a:r>
+              <a:rPr lang="de-DE" baseline="0" dirty="0" err="1"/>
+              <a:t>index</a:t>
+            </a:r>
+            <a:r>
+              <a:rPr lang="de-DE" baseline="0" dirty="0"/>
+              <a:t> </a:t>
+            </a:r>
+            <a:r>
+              <a:rPr lang="de-DE" baseline="0" dirty="0" err="1"/>
+              <a:t>page</a:t>
+            </a:r>
+            <a:r>
+              <a:rPr lang="de-DE" baseline="0" dirty="0"/>
+              <a:t>, </a:t>
+            </a:r>
+            <a:r>
+              <a:rPr lang="de-DE" baseline="0" dirty="0" err="1"/>
+              <a:t>we</a:t>
+            </a:r>
+            <a:r>
+              <a:rPr lang="de-DE" baseline="0" dirty="0"/>
+              <a:t> </a:t>
+            </a:r>
+            <a:r>
+              <a:rPr lang="de-DE" baseline="0" dirty="0" err="1"/>
+              <a:t>should</a:t>
+            </a:r>
+            <a:r>
+              <a:rPr lang="de-DE" baseline="0" dirty="0"/>
+              <a:t> </a:t>
+            </a:r>
+            <a:r>
+              <a:rPr lang="de-DE" baseline="0" dirty="0" err="1"/>
+              <a:t>now</a:t>
+            </a:r>
+            <a:r>
+              <a:rPr lang="de-DE" baseline="0" dirty="0"/>
+              <a:t> </a:t>
+            </a:r>
+            <a:r>
+              <a:rPr lang="de-DE" baseline="0" dirty="0" err="1"/>
+              <a:t>be</a:t>
+            </a:r>
+            <a:r>
+              <a:rPr lang="de-DE" baseline="0" dirty="0"/>
+              <a:t> </a:t>
+            </a:r>
+            <a:r>
+              <a:rPr lang="de-DE" baseline="0" dirty="0" err="1"/>
+              <a:t>ranked</a:t>
+            </a:r>
+            <a:r>
+              <a:rPr lang="de-DE" baseline="0" dirty="0"/>
+              <a:t> </a:t>
+            </a:r>
+            <a:r>
+              <a:rPr lang="de-DE" baseline="0" dirty="0" err="1"/>
+              <a:t>first</a:t>
+            </a:r>
+            <a:r>
+              <a:rPr lang="de-DE" baseline="0" dirty="0"/>
+              <a:t>!</a:t>
+            </a:r>
           </a:p>
         </p:txBody>
       </p:sp>
@@ -1963,7 +1921,7 @@
     </p:spTree>
     <p:extLst>
       <p:ext uri="{BB962C8B-B14F-4D97-AF65-F5344CB8AC3E}">
-        <p14:creationId xmlns:p14="http://schemas.microsoft.com/office/powerpoint/2010/main" val="3137078353"/>
+        <p14:creationId xmlns:p14="http://schemas.microsoft.com/office/powerpoint/2010/main" val="77204127"/>
       </p:ext>
     </p:extLst>
   </p:cSld>
@@ -2023,7 +1981,15 @@
             </a:pPr>
             <a:r>
               <a:rPr lang="de-DE" dirty="0"/>
-              <a:t>Login</a:t>
+              <a:t>Login </a:t>
+            </a:r>
+            <a:r>
+              <a:rPr lang="de-DE" dirty="0" err="1"/>
+              <a:t>from</a:t>
+            </a:r>
+            <a:r>
+              <a:rPr lang="de-DE" dirty="0"/>
+              <a:t> Google,</a:t>
             </a:r>
             <a:r>
               <a:rPr lang="de-DE" baseline="0" dirty="0"/>
@@ -2031,7 +1997,7 @@
             </a:r>
             <a:r>
               <a:rPr lang="de-DE" baseline="0" dirty="0" err="1"/>
-              <a:t>and</a:t>
+              <a:t>go</a:t>
             </a:r>
             <a:r>
               <a:rPr lang="de-DE" baseline="0" dirty="0"/>
@@ -2039,6 +2005,46 @@
             </a:r>
             <a:r>
               <a:rPr lang="de-DE" baseline="0" dirty="0" err="1"/>
+              <a:t>to</a:t>
+            </a:r>
+            <a:r>
+              <a:rPr lang="de-DE" baseline="0" dirty="0"/>
+              <a:t> </a:t>
+            </a:r>
+            <a:r>
+              <a:rPr lang="de-DE" baseline="0" dirty="0" err="1"/>
+              <a:t>the</a:t>
+            </a:r>
+            <a:r>
+              <a:rPr lang="de-DE" baseline="0" dirty="0"/>
+              <a:t> </a:t>
+            </a:r>
+            <a:r>
+              <a:rPr lang="de-DE" baseline="0" dirty="0" err="1"/>
+              <a:t>newly</a:t>
+            </a:r>
+            <a:r>
+              <a:rPr lang="de-DE" baseline="0" dirty="0"/>
+              <a:t> </a:t>
+            </a:r>
+            <a:r>
+              <a:rPr lang="de-DE" baseline="0" dirty="0" err="1"/>
+              <a:t>placed</a:t>
+            </a:r>
+            <a:r>
+              <a:rPr lang="de-DE" baseline="0" dirty="0"/>
+              <a:t> ad </a:t>
+            </a:r>
+            <a:r>
+              <a:rPr lang="de-DE" baseline="0" dirty="0" err="1"/>
+              <a:t>and</a:t>
+            </a:r>
+            <a:r>
+              <a:rPr lang="de-DE" baseline="0" dirty="0"/>
+              <a:t> </a:t>
+            </a:r>
+            <a:r>
+              <a:rPr lang="de-DE" baseline="0" dirty="0" err="1"/>
               <a:t>place</a:t>
             </a:r>
             <a:r>
@@ -2047,36 +2053,23 @@
             </a:r>
             <a:r>
               <a:rPr lang="de-DE" baseline="0" dirty="0" err="1"/>
-              <a:t>new</a:t>
+              <a:t>bid</a:t>
             </a:r>
             <a:r>
               <a:rPr lang="de-DE" baseline="0" dirty="0"/>
-              <a:t> </a:t>
-            </a:r>
+              <a:t> on it.</a:t>
+            </a:r>
+          </a:p>
+          <a:p>
+            <a:pPr marL="171450" indent="-171450">
+              <a:buFontTx/>
+              <a:buChar char="-"/>
+            </a:pPr>
             <a:r>
               <a:rPr lang="de-DE" baseline="0" dirty="0" err="1"/>
-              <a:t>bid</a:t>
-            </a:r>
-            <a:r>
-              <a:rPr lang="de-DE" baseline="0" dirty="0"/>
-              <a:t> </a:t>
-            </a:r>
-            <a:r>
-              <a:rPr lang="de-DE" baseline="0" dirty="0" err="1"/>
-              <a:t>for</a:t>
-            </a:r>
-            <a:r>
-              <a:rPr lang="de-DE" baseline="0" dirty="0"/>
-              <a:t> </a:t>
-            </a:r>
-            <a:r>
-              <a:rPr lang="de-DE" baseline="0" dirty="0" err="1"/>
-              <a:t>the</a:t>
-            </a:r>
-            <a:r>
-              <a:rPr lang="de-DE" baseline="0" dirty="0"/>
-              <a:t> same ad</a:t>
-            </a:r>
+              <a:t>Wait</a:t>
+            </a:r>
+            <a:endParaRPr lang="de-DE" baseline="0" dirty="0"/>
           </a:p>
         </p:txBody>
       </p:sp>
@@ -2166,31 +2159,7 @@
             </a:pPr>
             <a:r>
               <a:rPr lang="de-DE" dirty="0"/>
-              <a:t>Login </a:t>
-            </a:r>
-            <a:r>
-              <a:rPr lang="de-DE" dirty="0" err="1"/>
-              <a:t>again</a:t>
-            </a:r>
-            <a:r>
-              <a:rPr lang="de-DE" dirty="0"/>
-              <a:t> </a:t>
-            </a:r>
-            <a:r>
-              <a:rPr lang="de-DE" dirty="0" err="1"/>
-              <a:t>from</a:t>
-            </a:r>
-            <a:r>
-              <a:rPr lang="de-DE" dirty="0"/>
-              <a:t> Google,</a:t>
-            </a:r>
-            <a:r>
-              <a:rPr lang="de-DE" baseline="0" dirty="0"/>
-              <a:t> check </a:t>
-            </a:r>
-            <a:r>
-              <a:rPr lang="de-DE" baseline="0" dirty="0" err="1"/>
-              <a:t>your</a:t>
+              <a:t>Login</a:t>
             </a:r>
             <a:r>
               <a:rPr lang="de-DE" baseline="0" dirty="0"/>
@@ -2198,7 +2167,7 @@
             </a:r>
             <a:r>
               <a:rPr lang="de-DE" baseline="0" dirty="0" err="1"/>
-              <a:t>mailbox</a:t>
+              <a:t>and</a:t>
             </a:r>
             <a:r>
               <a:rPr lang="de-DE" baseline="0" dirty="0"/>
@@ -2206,7 +2175,15 @@
             </a:r>
             <a:r>
               <a:rPr lang="de-DE" baseline="0" dirty="0" err="1"/>
-              <a:t>and</a:t>
+              <a:t>place</a:t>
+            </a:r>
+            <a:r>
+              <a:rPr lang="de-DE" baseline="0" dirty="0"/>
+              <a:t> a </a:t>
+            </a:r>
+            <a:r>
+              <a:rPr lang="de-DE" baseline="0" dirty="0" err="1"/>
+              <a:t>new</a:t>
             </a:r>
             <a:r>
               <a:rPr lang="de-DE" baseline="0" dirty="0"/>
@@ -2214,7 +2191,7 @@
             </a:r>
             <a:r>
               <a:rPr lang="de-DE" baseline="0" dirty="0" err="1"/>
-              <a:t>go</a:t>
+              <a:t>bid</a:t>
             </a:r>
             <a:r>
               <a:rPr lang="de-DE" baseline="0" dirty="0"/>
@@ -2222,7 +2199,7 @@
             </a:r>
             <a:r>
               <a:rPr lang="de-DE" baseline="0" dirty="0" err="1"/>
-              <a:t>to</a:t>
+              <a:t>for</a:t>
             </a:r>
             <a:r>
               <a:rPr lang="de-DE" baseline="0" dirty="0"/>
@@ -2234,210 +2211,8 @@
             </a:r>
             <a:r>
               <a:rPr lang="de-DE" baseline="0" dirty="0"/>
-              <a:t> ad </a:t>
-            </a:r>
-            <a:r>
-              <a:rPr lang="de-DE" baseline="0" dirty="0" err="1"/>
-              <a:t>place</a:t>
-            </a:r>
-            <a:r>
-              <a:rPr lang="de-DE" baseline="0" dirty="0"/>
-              <a:t> a </a:t>
-            </a:r>
-            <a:r>
-              <a:rPr lang="de-DE" baseline="0" dirty="0" err="1"/>
-              <a:t>new</a:t>
-            </a:r>
-            <a:r>
-              <a:rPr lang="de-DE" baseline="0" dirty="0"/>
-              <a:t> </a:t>
-            </a:r>
-            <a:r>
-              <a:rPr lang="de-DE" baseline="0" dirty="0" err="1"/>
-              <a:t>bid</a:t>
-            </a:r>
-            <a:r>
-              <a:rPr lang="de-DE" baseline="0" dirty="0"/>
-              <a:t>.</a:t>
-            </a:r>
-          </a:p>
-          <a:p>
-            <a:pPr marL="171450" indent="-171450">
-              <a:buFontTx/>
-              <a:buChar char="-"/>
-            </a:pPr>
-            <a:r>
-              <a:rPr lang="de-DE" baseline="0" dirty="0" err="1"/>
-              <a:t>Wait</a:t>
-            </a:r>
-            <a:r>
-              <a:rPr lang="de-DE" baseline="0" dirty="0"/>
-              <a:t> </a:t>
-            </a:r>
-            <a:r>
-              <a:rPr lang="de-DE" baseline="0" dirty="0" err="1"/>
-              <a:t>for</a:t>
-            </a:r>
-            <a:r>
-              <a:rPr lang="de-DE" baseline="0" dirty="0"/>
-              <a:t> </a:t>
-            </a:r>
-            <a:r>
-              <a:rPr lang="de-DE" baseline="0" dirty="0" err="1"/>
-              <a:t>the</a:t>
-            </a:r>
-            <a:r>
-              <a:rPr lang="de-DE" baseline="0" dirty="0"/>
-              <a:t> </a:t>
-            </a:r>
-            <a:r>
-              <a:rPr lang="de-DE" baseline="0" dirty="0" err="1"/>
-              <a:t>auction</a:t>
-            </a:r>
-            <a:r>
-              <a:rPr lang="de-DE" baseline="0" dirty="0"/>
-              <a:t> </a:t>
-            </a:r>
-            <a:r>
-              <a:rPr lang="de-DE" baseline="0" dirty="0" err="1"/>
-              <a:t>to</a:t>
-            </a:r>
-            <a:r>
-              <a:rPr lang="de-DE" baseline="0" dirty="0"/>
-              <a:t> end</a:t>
-            </a:r>
-          </a:p>
-          <a:p>
-            <a:pPr marL="171450" marR="0" indent="-171450" algn="l" defTabSz="457200" rtl="0" eaLnBrk="1" fontAlgn="auto" latinLnBrk="0" hangingPunct="1">
-              <a:lnSpc>
-                <a:spcPct val="100000"/>
-              </a:lnSpc>
-              <a:spcBef>
-                <a:spcPts val="0"/>
-              </a:spcBef>
-              <a:spcAft>
-                <a:spcPts val="0"/>
-              </a:spcAft>
-              <a:buClrTx/>
-              <a:buSzTx/>
-              <a:buFontTx/>
-              <a:buChar char="-"/>
-              <a:tabLst/>
-              <a:defRPr/>
-            </a:pPr>
-            <a:r>
-              <a:rPr lang="de-DE" baseline="0" dirty="0"/>
-              <a:t>Change </a:t>
-            </a:r>
-            <a:r>
-              <a:rPr lang="de-DE" baseline="0" dirty="0" err="1"/>
-              <a:t>the</a:t>
-            </a:r>
-            <a:r>
-              <a:rPr lang="de-DE" baseline="0" dirty="0"/>
-              <a:t> </a:t>
-            </a:r>
-            <a:r>
-              <a:rPr lang="de-DE" baseline="0" dirty="0" err="1"/>
-              <a:t>auctionEndDate</a:t>
-            </a:r>
-            <a:r>
-              <a:rPr lang="de-DE" baseline="0" dirty="0"/>
-              <a:t> in </a:t>
-            </a:r>
-            <a:r>
-              <a:rPr lang="de-DE" baseline="0" dirty="0" err="1"/>
-              <a:t>the</a:t>
-            </a:r>
-            <a:r>
-              <a:rPr lang="de-DE" baseline="0" dirty="0"/>
-              <a:t> </a:t>
-            </a:r>
-            <a:r>
-              <a:rPr lang="de-DE" baseline="0" dirty="0" err="1"/>
-              <a:t>database</a:t>
-            </a:r>
-            <a:r>
-              <a:rPr lang="de-DE" baseline="0" dirty="0"/>
-              <a:t> </a:t>
-            </a:r>
-            <a:r>
-              <a:rPr lang="de-DE" baseline="0" dirty="0" err="1"/>
-              <a:t>and</a:t>
-            </a:r>
-            <a:r>
-              <a:rPr lang="de-DE" baseline="0" dirty="0"/>
-              <a:t> </a:t>
-            </a:r>
-            <a:r>
-              <a:rPr lang="de-DE" baseline="0" dirty="0" err="1"/>
-              <a:t>reload</a:t>
-            </a:r>
-            <a:r>
-              <a:rPr lang="de-DE" baseline="0" dirty="0"/>
-              <a:t> </a:t>
-            </a:r>
-            <a:r>
-              <a:rPr lang="de-DE" baseline="0" dirty="0" err="1"/>
-              <a:t>the</a:t>
-            </a:r>
-            <a:r>
-              <a:rPr lang="de-DE" baseline="0" dirty="0"/>
-              <a:t> </a:t>
-            </a:r>
-            <a:r>
-              <a:rPr lang="de-DE" baseline="0" dirty="0" err="1"/>
-              <a:t>page</a:t>
-            </a:r>
-            <a:r>
-              <a:rPr lang="de-DE" baseline="0" dirty="0"/>
-              <a:t>. Show </a:t>
-            </a:r>
-            <a:r>
-              <a:rPr lang="de-DE" baseline="0" dirty="0" err="1"/>
-              <a:t>message</a:t>
-            </a:r>
-            <a:r>
-              <a:rPr lang="de-DE" baseline="0" dirty="0"/>
-              <a:t>, </a:t>
-            </a:r>
-            <a:r>
-              <a:rPr lang="de-DE" baseline="0" dirty="0" err="1"/>
-              <a:t>that</a:t>
-            </a:r>
-            <a:r>
-              <a:rPr lang="de-DE" baseline="0" dirty="0"/>
-              <a:t> </a:t>
-            </a:r>
-            <a:r>
-              <a:rPr lang="de-DE" baseline="0" dirty="0" err="1"/>
-              <a:t>you</a:t>
-            </a:r>
-            <a:r>
-              <a:rPr lang="de-DE" baseline="0" dirty="0"/>
-              <a:t> </a:t>
-            </a:r>
-            <a:r>
-              <a:rPr lang="de-DE" baseline="0" dirty="0" err="1"/>
-              <a:t>won</a:t>
-            </a:r>
-            <a:r>
-              <a:rPr lang="de-DE" baseline="0" dirty="0"/>
-              <a:t> </a:t>
-            </a:r>
-            <a:r>
-              <a:rPr lang="de-DE" baseline="0" dirty="0" err="1"/>
-              <a:t>the</a:t>
-            </a:r>
-            <a:r>
-              <a:rPr lang="de-DE" baseline="0" dirty="0"/>
-              <a:t> </a:t>
-            </a:r>
-            <a:r>
-              <a:rPr lang="de-DE" baseline="0" dirty="0" err="1"/>
-              <a:t>auction</a:t>
-            </a:r>
-            <a:endParaRPr lang="de-DE" baseline="0" dirty="0"/>
+              <a:t> same ad</a:t>
+            </a:r>
           </a:p>
         </p:txBody>
       </p:sp>
@@ -2521,59 +2296,284 @@
           <a:bodyPr/>
           <a:lstStyle/>
           <a:p>
-            <a:r>
-              <a:rPr lang="de-DE" dirty="0" err="1" smtClean="0"/>
-              <a:t>Without</a:t>
-            </a:r>
-            <a:r>
-              <a:rPr lang="de-DE" dirty="0" smtClean="0"/>
+            <a:pPr marL="171450" indent="-171450">
+              <a:buFontTx/>
+              <a:buChar char="-"/>
+            </a:pPr>
+            <a:r>
+              <a:rPr lang="de-DE" dirty="0"/>
+              <a:t>Login </a:t>
+            </a:r>
+            <a:r>
+              <a:rPr lang="de-DE" dirty="0" err="1"/>
+              <a:t>again</a:t>
+            </a:r>
+            <a:r>
+              <a:rPr lang="de-DE" dirty="0"/>
               <a:t> </a:t>
             </a:r>
             <a:r>
-              <a:rPr lang="de-DE" dirty="0" err="1" smtClean="0"/>
-              <a:t>further</a:t>
-            </a:r>
-            <a:r>
-              <a:rPr lang="de-DE" dirty="0" smtClean="0"/>
-              <a:t> do, </a:t>
-            </a:r>
-            <a:r>
-              <a:rPr lang="de-DE" dirty="0" err="1" smtClean="0"/>
-              <a:t>let‘s</a:t>
-            </a:r>
-            <a:r>
-              <a:rPr lang="de-DE" dirty="0" smtClean="0"/>
+              <a:rPr lang="de-DE" dirty="0" err="1"/>
+              <a:t>from</a:t>
+            </a:r>
+            <a:r>
+              <a:rPr lang="de-DE" dirty="0"/>
+              <a:t> Google,</a:t>
+            </a:r>
+            <a:r>
+              <a:rPr lang="de-DE" baseline="0" dirty="0"/>
+              <a:t> check </a:t>
+            </a:r>
+            <a:r>
+              <a:rPr lang="de-DE" baseline="0" dirty="0" err="1"/>
+              <a:t>your</a:t>
+            </a:r>
+            <a:r>
+              <a:rPr lang="de-DE" baseline="0" dirty="0"/>
               <a:t> </a:t>
             </a:r>
             <a:r>
-              <a:rPr lang="de-DE" dirty="0" err="1" smtClean="0"/>
-              <a:t>work</a:t>
-            </a:r>
-            <a:r>
-              <a:rPr lang="de-DE" dirty="0" smtClean="0"/>
+              <a:rPr lang="de-DE" baseline="0" dirty="0" err="1"/>
+              <a:t>mailbox</a:t>
+            </a:r>
+            <a:r>
+              <a:rPr lang="de-DE" baseline="0" dirty="0"/>
               <a:t> </a:t>
             </a:r>
             <a:r>
-              <a:rPr lang="de-DE" dirty="0" err="1" smtClean="0"/>
-              <a:t>through</a:t>
-            </a:r>
-            <a:r>
-              <a:rPr lang="de-DE" baseline="0" dirty="0" smtClean="0"/>
+              <a:rPr lang="de-DE" baseline="0" dirty="0" err="1"/>
+              <a:t>and</a:t>
+            </a:r>
+            <a:r>
+              <a:rPr lang="de-DE" baseline="0" dirty="0"/>
               <a:t> </a:t>
             </a:r>
             <a:r>
-              <a:rPr lang="de-DE" baseline="0" dirty="0" err="1" smtClean="0"/>
+              <a:rPr lang="de-DE" baseline="0" dirty="0" err="1"/>
+              <a:t>go</a:t>
+            </a:r>
+            <a:r>
+              <a:rPr lang="de-DE" baseline="0" dirty="0"/>
+              <a:t> </a:t>
+            </a:r>
+            <a:r>
+              <a:rPr lang="de-DE" baseline="0" dirty="0" err="1"/>
+              <a:t>to</a:t>
+            </a:r>
+            <a:r>
+              <a:rPr lang="de-DE" baseline="0" dirty="0"/>
+              <a:t> </a:t>
+            </a:r>
+            <a:r>
+              <a:rPr lang="de-DE" baseline="0" dirty="0" err="1"/>
               <a:t>the</a:t>
             </a:r>
             <a:r>
-              <a:rPr lang="de-DE" baseline="0" dirty="0" smtClean="0"/>
+              <a:rPr lang="de-DE" baseline="0" dirty="0"/>
+              <a:t> ad </a:t>
+            </a:r>
+            <a:r>
+              <a:rPr lang="de-DE" baseline="0" dirty="0" err="1"/>
+              <a:t>place</a:t>
+            </a:r>
+            <a:r>
+              <a:rPr lang="de-DE" baseline="0" dirty="0"/>
+              <a:t> a </a:t>
+            </a:r>
+            <a:r>
+              <a:rPr lang="de-DE" baseline="0" dirty="0" err="1"/>
+              <a:t>new</a:t>
+            </a:r>
+            <a:r>
+              <a:rPr lang="de-DE" baseline="0" dirty="0"/>
               <a:t> </a:t>
             </a:r>
             <a:r>
-              <a:rPr lang="de-DE" baseline="0" dirty="0" err="1" smtClean="0"/>
-              <a:t>scenario</a:t>
-            </a:r>
-            <a:endParaRPr lang="de-DE" dirty="0"/>
+              <a:rPr lang="de-DE" baseline="0" dirty="0" err="1"/>
+              <a:t>bid</a:t>
+            </a:r>
+            <a:r>
+              <a:rPr lang="de-DE" baseline="0" dirty="0"/>
+              <a:t>.</a:t>
+            </a:r>
+          </a:p>
+          <a:p>
+            <a:pPr marL="171450" indent="-171450">
+              <a:buFontTx/>
+              <a:buChar char="-"/>
+            </a:pPr>
+            <a:r>
+              <a:rPr lang="de-DE" baseline="0" dirty="0" err="1"/>
+              <a:t>Wait</a:t>
+            </a:r>
+            <a:r>
+              <a:rPr lang="de-DE" baseline="0" dirty="0"/>
+              <a:t> </a:t>
+            </a:r>
+            <a:r>
+              <a:rPr lang="de-DE" baseline="0" dirty="0" err="1"/>
+              <a:t>for</a:t>
+            </a:r>
+            <a:r>
+              <a:rPr lang="de-DE" baseline="0" dirty="0"/>
+              <a:t> </a:t>
+            </a:r>
+            <a:r>
+              <a:rPr lang="de-DE" baseline="0" dirty="0" err="1"/>
+              <a:t>the</a:t>
+            </a:r>
+            <a:r>
+              <a:rPr lang="de-DE" baseline="0" dirty="0"/>
+              <a:t> </a:t>
+            </a:r>
+            <a:r>
+              <a:rPr lang="de-DE" baseline="0" dirty="0" err="1"/>
+              <a:t>auction</a:t>
+            </a:r>
+            <a:r>
+              <a:rPr lang="de-DE" baseline="0" dirty="0"/>
+              <a:t> </a:t>
+            </a:r>
+            <a:r>
+              <a:rPr lang="de-DE" baseline="0" dirty="0" err="1"/>
+              <a:t>to</a:t>
+            </a:r>
+            <a:r>
+              <a:rPr lang="de-DE" baseline="0" dirty="0"/>
+              <a:t> end</a:t>
+            </a:r>
+          </a:p>
+          <a:p>
+            <a:pPr marL="171450" marR="0" indent="-171450" algn="l" defTabSz="457200" rtl="0" eaLnBrk="1" fontAlgn="auto" latinLnBrk="0" hangingPunct="1">
+              <a:lnSpc>
+                <a:spcPct val="100000"/>
+              </a:lnSpc>
+              <a:spcBef>
+                <a:spcPts val="0"/>
+              </a:spcBef>
+              <a:spcAft>
+                <a:spcPts val="0"/>
+              </a:spcAft>
+              <a:buClrTx/>
+              <a:buSzTx/>
+              <a:buFontTx/>
+              <a:buChar char="-"/>
+              <a:tabLst/>
+              <a:defRPr/>
+            </a:pPr>
+            <a:r>
+              <a:rPr lang="de-DE" baseline="0" dirty="0"/>
+              <a:t>Change </a:t>
+            </a:r>
+            <a:r>
+              <a:rPr lang="de-DE" baseline="0" dirty="0" err="1"/>
+              <a:t>the</a:t>
+            </a:r>
+            <a:r>
+              <a:rPr lang="de-DE" baseline="0" dirty="0"/>
+              <a:t> </a:t>
+            </a:r>
+            <a:r>
+              <a:rPr lang="de-DE" baseline="0" dirty="0" err="1"/>
+              <a:t>auctionEndDate</a:t>
+            </a:r>
+            <a:r>
+              <a:rPr lang="de-DE" baseline="0" dirty="0"/>
+              <a:t> in </a:t>
+            </a:r>
+            <a:r>
+              <a:rPr lang="de-DE" baseline="0" dirty="0" err="1"/>
+              <a:t>the</a:t>
+            </a:r>
+            <a:r>
+              <a:rPr lang="de-DE" baseline="0" dirty="0"/>
+              <a:t> </a:t>
+            </a:r>
+            <a:r>
+              <a:rPr lang="de-DE" baseline="0" dirty="0" err="1"/>
+              <a:t>database</a:t>
+            </a:r>
+            <a:r>
+              <a:rPr lang="de-DE" baseline="0" dirty="0"/>
+              <a:t> </a:t>
+            </a:r>
+            <a:r>
+              <a:rPr lang="de-DE" baseline="0" dirty="0" err="1"/>
+              <a:t>and</a:t>
+            </a:r>
+            <a:r>
+              <a:rPr lang="de-DE" baseline="0" dirty="0"/>
+              <a:t> </a:t>
+            </a:r>
+            <a:r>
+              <a:rPr lang="de-DE" baseline="0" dirty="0" err="1"/>
+              <a:t>reload</a:t>
+            </a:r>
+            <a:r>
+              <a:rPr lang="de-DE" baseline="0" dirty="0"/>
+              <a:t> </a:t>
+            </a:r>
+            <a:r>
+              <a:rPr lang="de-DE" baseline="0" dirty="0" err="1"/>
+              <a:t>the</a:t>
+            </a:r>
+            <a:r>
+              <a:rPr lang="de-DE" baseline="0" dirty="0"/>
+              <a:t> </a:t>
+            </a:r>
+            <a:r>
+              <a:rPr lang="de-DE" baseline="0" dirty="0" err="1"/>
+              <a:t>page</a:t>
+            </a:r>
+            <a:r>
+              <a:rPr lang="de-DE" baseline="0" dirty="0"/>
+              <a:t>. Show </a:t>
+            </a:r>
+            <a:r>
+              <a:rPr lang="de-DE" baseline="0" dirty="0" err="1"/>
+              <a:t>message</a:t>
+            </a:r>
+            <a:r>
+              <a:rPr lang="de-DE" baseline="0" dirty="0"/>
+              <a:t>, </a:t>
+            </a:r>
+            <a:r>
+              <a:rPr lang="de-DE" baseline="0" dirty="0" err="1"/>
+              <a:t>that</a:t>
+            </a:r>
+            <a:r>
+              <a:rPr lang="de-DE" baseline="0" dirty="0"/>
+              <a:t> </a:t>
+            </a:r>
+            <a:r>
+              <a:rPr lang="de-DE" baseline="0" dirty="0" err="1"/>
+              <a:t>you</a:t>
+            </a:r>
+            <a:r>
+              <a:rPr lang="de-DE" baseline="0" dirty="0"/>
+              <a:t> </a:t>
+            </a:r>
+            <a:r>
+              <a:rPr lang="de-DE" baseline="0" dirty="0" err="1"/>
+              <a:t>won</a:t>
+            </a:r>
+            <a:r>
+              <a:rPr lang="de-DE" baseline="0" dirty="0"/>
+              <a:t> </a:t>
+            </a:r>
+            <a:r>
+              <a:rPr lang="de-DE" baseline="0" dirty="0" err="1"/>
+              <a:t>the</a:t>
+            </a:r>
+            <a:r>
+              <a:rPr lang="de-DE" baseline="0" dirty="0"/>
+              <a:t> </a:t>
+            </a:r>
+            <a:r>
+              <a:rPr lang="de-DE" baseline="0" dirty="0" err="1"/>
+              <a:t>auction</a:t>
+            </a:r>
+            <a:endParaRPr lang="de-DE" baseline="0" dirty="0"/>
           </a:p>
         </p:txBody>
       </p:sp>
@@ -2603,7 +2603,7 @@
     </p:spTree>
     <p:extLst>
       <p:ext uri="{BB962C8B-B14F-4D97-AF65-F5344CB8AC3E}">
-        <p14:creationId xmlns:p14="http://schemas.microsoft.com/office/powerpoint/2010/main" val="1168407366"/>
+        <p14:creationId xmlns:p14="http://schemas.microsoft.com/office/powerpoint/2010/main" val="3137078353"/>
       </p:ext>
     </p:extLst>
   </p:cSld>
@@ -3200,7 +3200,7 @@
             <a:fld id="{B61BEF0D-F0BB-DE4B-95CE-6DB70DBA9567}" type="datetimeFigureOut">
               <a:rPr lang="en-US" dirty="0"/>
               <a:pPr/>
-              <a:t>12/14/2016</a:t>
+              <a:t>12/14/16</a:t>
             </a:fld>
             <a:endParaRPr lang="en-US" dirty="0"/>
           </a:p>
@@ -3493,7 +3493,7 @@
             <a:fld id="{B61BEF0D-F0BB-DE4B-95CE-6DB70DBA9567}" type="datetimeFigureOut">
               <a:rPr lang="en-US" dirty="0"/>
               <a:pPr/>
-              <a:t>12/14/2016</a:t>
+              <a:t>12/14/16</a:t>
             </a:fld>
             <a:endParaRPr lang="en-US" dirty="0"/>
           </a:p>
@@ -3738,7 +3738,7 @@
             <a:fld id="{B61BEF0D-F0BB-DE4B-95CE-6DB70DBA9567}" type="datetimeFigureOut">
               <a:rPr lang="en-US" dirty="0"/>
               <a:pPr/>
-              <a:t>12/14/2016</a:t>
+              <a:t>12/14/16</a:t>
             </a:fld>
             <a:endParaRPr lang="en-US" dirty="0"/>
           </a:p>
@@ -4275,7 +4275,7 @@
             <a:fld id="{B61BEF0D-F0BB-DE4B-95CE-6DB70DBA9567}" type="datetimeFigureOut">
               <a:rPr lang="en-US" dirty="0"/>
               <a:pPr/>
-              <a:t>12/14/2016</a:t>
+              <a:t>12/14/16</a:t>
             </a:fld>
             <a:endParaRPr lang="en-US" dirty="0"/>
           </a:p>
@@ -4520,7 +4520,7 @@
             <a:fld id="{B61BEF0D-F0BB-DE4B-95CE-6DB70DBA9567}" type="datetimeFigureOut">
               <a:rPr lang="en-US" dirty="0"/>
               <a:pPr/>
-              <a:t>12/14/2016</a:t>
+              <a:t>12/14/16</a:t>
             </a:fld>
             <a:endParaRPr lang="en-US" dirty="0"/>
           </a:p>
@@ -5049,7 +5049,7 @@
             <a:fld id="{B61BEF0D-F0BB-DE4B-95CE-6DB70DBA9567}" type="datetimeFigureOut">
               <a:rPr lang="en-US" dirty="0"/>
               <a:pPr/>
-              <a:t>12/14/2016</a:t>
+              <a:t>12/14/16</a:t>
             </a:fld>
             <a:endParaRPr lang="en-US" dirty="0"/>
           </a:p>
@@ -5343,7 +5343,7 @@
             <a:fld id="{B61BEF0D-F0BB-DE4B-95CE-6DB70DBA9567}" type="datetimeFigureOut">
               <a:rPr lang="en-US" dirty="0"/>
               <a:pPr/>
-              <a:t>12/14/2016</a:t>
+              <a:t>12/14/16</a:t>
             </a:fld>
             <a:endParaRPr lang="en-US" dirty="0"/>
           </a:p>
@@ -5514,7 +5514,7 @@
             <a:fld id="{B61BEF0D-F0BB-DE4B-95CE-6DB70DBA9567}" type="datetimeFigureOut">
               <a:rPr lang="en-US" dirty="0"/>
               <a:pPr/>
-              <a:t>12/14/2016</a:t>
+              <a:t>12/14/16</a:t>
             </a:fld>
             <a:endParaRPr lang="en-US" dirty="0"/>
           </a:p>
@@ -5691,7 +5691,7 @@
             <a:fld id="{B61BEF0D-F0BB-DE4B-95CE-6DB70DBA9567}" type="datetimeFigureOut">
               <a:rPr lang="en-US" dirty="0"/>
               <a:pPr/>
-              <a:t>12/14/2016</a:t>
+              <a:t>12/14/16</a:t>
             </a:fld>
             <a:endParaRPr lang="en-US" dirty="0"/>
           </a:p>
@@ -5858,7 +5858,7 @@
             <a:fld id="{B61BEF0D-F0BB-DE4B-95CE-6DB70DBA9567}" type="datetimeFigureOut">
               <a:rPr lang="en-US" dirty="0"/>
               <a:pPr/>
-              <a:t>12/14/2016</a:t>
+              <a:t>12/14/16</a:t>
             </a:fld>
             <a:endParaRPr lang="en-US" dirty="0"/>
           </a:p>
@@ -6106,7 +6106,7 @@
             <a:fld id="{B61BEF0D-F0BB-DE4B-95CE-6DB70DBA9567}" type="datetimeFigureOut">
               <a:rPr lang="en-US" dirty="0"/>
               <a:pPr/>
-              <a:t>12/14/2016</a:t>
+              <a:t>12/14/16</a:t>
             </a:fld>
             <a:endParaRPr lang="en-US" dirty="0"/>
           </a:p>
@@ -6400,7 +6400,7 @@
             <a:fld id="{B61BEF0D-F0BB-DE4B-95CE-6DB70DBA9567}" type="datetimeFigureOut">
               <a:rPr lang="en-US" dirty="0"/>
               <a:pPr/>
-              <a:t>12/14/2016</a:t>
+              <a:t>12/14/16</a:t>
             </a:fld>
             <a:endParaRPr lang="en-US" dirty="0"/>
           </a:p>
@@ -6839,7 +6839,7 @@
             <a:fld id="{B61BEF0D-F0BB-DE4B-95CE-6DB70DBA9567}" type="datetimeFigureOut">
               <a:rPr lang="en-US" dirty="0"/>
               <a:pPr/>
-              <a:t>12/14/2016</a:t>
+              <a:t>12/14/16</a:t>
             </a:fld>
             <a:endParaRPr lang="en-US" dirty="0"/>
           </a:p>
@@ -6954,7 +6954,7 @@
             <a:fld id="{B61BEF0D-F0BB-DE4B-95CE-6DB70DBA9567}" type="datetimeFigureOut">
               <a:rPr lang="en-US" dirty="0"/>
               <a:pPr/>
-              <a:t>12/14/2016</a:t>
+              <a:t>12/14/16</a:t>
             </a:fld>
             <a:endParaRPr lang="en-US" dirty="0"/>
           </a:p>
@@ -7046,7 +7046,7 @@
             <a:fld id="{B61BEF0D-F0BB-DE4B-95CE-6DB70DBA9567}" type="datetimeFigureOut">
               <a:rPr lang="en-US" dirty="0"/>
               <a:pPr/>
-              <a:t>12/14/2016</a:t>
+              <a:t>12/14/16</a:t>
             </a:fld>
             <a:endParaRPr lang="en-US" dirty="0"/>
           </a:p>
@@ -7326,7 +7326,7 @@
             <a:fld id="{B61BEF0D-F0BB-DE4B-95CE-6DB70DBA9567}" type="datetimeFigureOut">
               <a:rPr lang="en-US" dirty="0"/>
               <a:pPr/>
-              <a:t>12/14/2016</a:t>
+              <a:t>12/14/16</a:t>
             </a:fld>
             <a:endParaRPr lang="en-US" dirty="0"/>
           </a:p>
@@ -7614,7 +7614,7 @@
             <a:fld id="{B61BEF0D-F0BB-DE4B-95CE-6DB70DBA9567}" type="datetimeFigureOut">
               <a:rPr lang="en-US" dirty="0"/>
               <a:pPr/>
-              <a:t>12/14/2016</a:t>
+              <a:t>12/14/16</a:t>
             </a:fld>
             <a:endParaRPr lang="en-US" dirty="0"/>
           </a:p>
@@ -8141,7 +8141,7 @@
             <a:fld id="{B61BEF0D-F0BB-DE4B-95CE-6DB70DBA9567}" type="datetimeFigureOut">
               <a:rPr lang="en-US" dirty="0"/>
               <a:pPr/>
-              <a:t>12/14/2016</a:t>
+              <a:t>12/14/16</a:t>
             </a:fld>
             <a:endParaRPr lang="en-US" dirty="0"/>
           </a:p>
@@ -9110,6 +9110,368 @@
         </p:nvSpPr>
         <p:spPr>
           <a:xfrm>
+            <a:off x="1484311" y="381000"/>
+            <a:ext cx="10018713" cy="1126067"/>
+          </a:xfrm>
+        </p:spPr>
+        <p:txBody>
+          <a:bodyPr/>
+          <a:lstStyle/>
+          <a:p>
+            <a:r>
+              <a:rPr lang="de-DE" dirty="0" smtClean="0"/>
+              <a:t>Demo</a:t>
+            </a:r>
+            <a:endParaRPr lang="de-DE" dirty="0"/>
+          </a:p>
+        </p:txBody>
+      </p:sp>
+      <p:pic>
+        <p:nvPicPr>
+          <p:cNvPr id="5" name="Bild 4" descr="demo.png"/>
+          <p:cNvPicPr>
+            <a:picLocks noChangeAspect="1"/>
+          </p:cNvPicPr>
+          <p:nvPr/>
+        </p:nvPicPr>
+        <p:blipFill>
+          <a:blip r:embed="rId3">
+            <a:extLst>
+              <a:ext uri="{28A0092B-C50C-407E-A947-70E740481C1C}">
+                <a14:useLocalDpi xmlns:a14="http://schemas.microsoft.com/office/drawing/2010/main" val="0"/>
+              </a:ext>
+            </a:extLst>
+          </a:blip>
+          <a:stretch>
+            <a:fillRect/>
+          </a:stretch>
+        </p:blipFill>
+        <p:spPr>
+          <a:xfrm>
+            <a:off x="2525264" y="1625600"/>
+            <a:ext cx="7804069" cy="4916463"/>
+          </a:xfrm>
+          <a:prstGeom prst="rect">
+            <a:avLst/>
+          </a:prstGeom>
+        </p:spPr>
+      </p:pic>
+      <p:sp>
+        <p:nvSpPr>
+          <p:cNvPr id="6" name="Inhaltsplatzhalter 2"/>
+          <p:cNvSpPr txBox="1">
+            <a:spLocks/>
+          </p:cNvSpPr>
+          <p:nvPr/>
+        </p:nvSpPr>
+        <p:spPr>
+          <a:xfrm>
+            <a:off x="8137451" y="-41565"/>
+            <a:ext cx="4054549" cy="370610"/>
+          </a:xfrm>
+          <a:prstGeom prst="rect">
+            <a:avLst/>
+          </a:prstGeom>
+        </p:spPr>
+        <p:txBody>
+          <a:bodyPr vert="horz" lIns="91440" tIns="45720" rIns="91440" bIns="45720" rtlCol="0" anchor="ctr">
+            <a:normAutofit/>
+          </a:bodyPr>
+          <a:lstStyle>
+            <a:lvl1pPr marL="285750" indent="-285750" algn="l" defTabSz="457200" rtl="0" eaLnBrk="1" latinLnBrk="0" hangingPunct="1">
+              <a:spcBef>
+                <a:spcPct val="20000"/>
+              </a:spcBef>
+              <a:spcAft>
+                <a:spcPts val="600"/>
+              </a:spcAft>
+              <a:buClr>
+                <a:schemeClr val="accent1">
+                  <a:lumMod val="75000"/>
+                </a:schemeClr>
+              </a:buClr>
+              <a:buSzPct val="145000"/>
+              <a:buFont typeface="Arial"/>
+              <a:buChar char="•"/>
+              <a:defRPr sz="2400" kern="1200" cap="none">
+                <a:solidFill>
+                  <a:schemeClr val="tx1"/>
+                </a:solidFill>
+                <a:effectLst/>
+                <a:latin typeface="+mn-lt"/>
+                <a:ea typeface="+mn-ea"/>
+                <a:cs typeface="+mn-cs"/>
+              </a:defRPr>
+            </a:lvl1pPr>
+            <a:lvl2pPr marL="742950" indent="-285750" algn="l" defTabSz="457200" rtl="0" eaLnBrk="1" latinLnBrk="0" hangingPunct="1">
+              <a:spcBef>
+                <a:spcPct val="20000"/>
+              </a:spcBef>
+              <a:spcAft>
+                <a:spcPts val="600"/>
+              </a:spcAft>
+              <a:buClr>
+                <a:schemeClr val="accent1">
+                  <a:lumMod val="75000"/>
+                </a:schemeClr>
+              </a:buClr>
+              <a:buSzPct val="145000"/>
+              <a:buFont typeface="Arial"/>
+              <a:buChar char="•"/>
+              <a:defRPr sz="2000" kern="1200" cap="none">
+                <a:solidFill>
+                  <a:schemeClr val="tx1"/>
+                </a:solidFill>
+                <a:effectLst/>
+                <a:latin typeface="+mn-lt"/>
+                <a:ea typeface="+mn-ea"/>
+                <a:cs typeface="+mn-cs"/>
+              </a:defRPr>
+            </a:lvl2pPr>
+            <a:lvl3pPr marL="1200150" indent="-285750" algn="l" defTabSz="457200" rtl="0" eaLnBrk="1" latinLnBrk="0" hangingPunct="1">
+              <a:spcBef>
+                <a:spcPct val="20000"/>
+              </a:spcBef>
+              <a:spcAft>
+                <a:spcPts val="600"/>
+              </a:spcAft>
+              <a:buClr>
+                <a:schemeClr val="accent1">
+                  <a:lumMod val="75000"/>
+                </a:schemeClr>
+              </a:buClr>
+              <a:buSzPct val="145000"/>
+              <a:buFont typeface="Arial"/>
+              <a:buChar char="•"/>
+              <a:defRPr sz="1800" kern="1200" cap="none">
+                <a:solidFill>
+                  <a:schemeClr val="tx1"/>
+                </a:solidFill>
+                <a:effectLst/>
+                <a:latin typeface="+mn-lt"/>
+                <a:ea typeface="+mn-ea"/>
+                <a:cs typeface="+mn-cs"/>
+              </a:defRPr>
+            </a:lvl3pPr>
+            <a:lvl4pPr marL="1543050" indent="-171450" algn="l" defTabSz="457200" rtl="0" eaLnBrk="1" latinLnBrk="0" hangingPunct="1">
+              <a:spcBef>
+                <a:spcPct val="20000"/>
+              </a:spcBef>
+              <a:spcAft>
+                <a:spcPts val="600"/>
+              </a:spcAft>
+              <a:buClr>
+                <a:schemeClr val="accent1">
+                  <a:lumMod val="75000"/>
+                </a:schemeClr>
+              </a:buClr>
+              <a:buSzPct val="145000"/>
+              <a:buFont typeface="Arial"/>
+              <a:buChar char="•"/>
+              <a:defRPr sz="1600" kern="1200" cap="none">
+                <a:solidFill>
+                  <a:schemeClr val="tx1"/>
+                </a:solidFill>
+                <a:effectLst/>
+                <a:latin typeface="+mn-lt"/>
+                <a:ea typeface="+mn-ea"/>
+                <a:cs typeface="+mn-cs"/>
+              </a:defRPr>
+            </a:lvl4pPr>
+            <a:lvl5pPr marL="2000250" indent="-171450" algn="l" defTabSz="457200" rtl="0" eaLnBrk="1" latinLnBrk="0" hangingPunct="1">
+              <a:spcBef>
+                <a:spcPct val="20000"/>
+              </a:spcBef>
+              <a:spcAft>
+                <a:spcPts val="600"/>
+              </a:spcAft>
+              <a:buClr>
+                <a:schemeClr val="accent1">
+                  <a:lumMod val="75000"/>
+                </a:schemeClr>
+              </a:buClr>
+              <a:buSzPct val="145000"/>
+              <a:buFont typeface="Arial"/>
+              <a:buChar char="•"/>
+              <a:defRPr sz="1400" kern="1200" cap="none">
+                <a:solidFill>
+                  <a:schemeClr val="tx1"/>
+                </a:solidFill>
+                <a:effectLst/>
+                <a:latin typeface="+mn-lt"/>
+                <a:ea typeface="+mn-ea"/>
+                <a:cs typeface="+mn-cs"/>
+              </a:defRPr>
+            </a:lvl5pPr>
+            <a:lvl6pPr marL="2514600" indent="-228600" algn="l" defTabSz="457200" rtl="0" eaLnBrk="1" latinLnBrk="0" hangingPunct="1">
+              <a:spcBef>
+                <a:spcPct val="20000"/>
+              </a:spcBef>
+              <a:spcAft>
+                <a:spcPts val="600"/>
+              </a:spcAft>
+              <a:buClr>
+                <a:schemeClr val="accent1">
+                  <a:lumMod val="75000"/>
+                </a:schemeClr>
+              </a:buClr>
+              <a:buSzPct val="145000"/>
+              <a:buFont typeface="Arial"/>
+              <a:buChar char="•"/>
+              <a:defRPr sz="1400" kern="1200" cap="none">
+                <a:solidFill>
+                  <a:schemeClr val="tx1"/>
+                </a:solidFill>
+                <a:effectLst/>
+                <a:latin typeface="+mn-lt"/>
+                <a:ea typeface="+mn-ea"/>
+                <a:cs typeface="+mn-cs"/>
+              </a:defRPr>
+            </a:lvl6pPr>
+            <a:lvl7pPr marL="2971800" indent="-228600" algn="l" defTabSz="457200" rtl="0" eaLnBrk="1" latinLnBrk="0" hangingPunct="1">
+              <a:spcBef>
+                <a:spcPct val="20000"/>
+              </a:spcBef>
+              <a:spcAft>
+                <a:spcPts val="600"/>
+              </a:spcAft>
+              <a:buClr>
+                <a:schemeClr val="accent1">
+                  <a:lumMod val="75000"/>
+                </a:schemeClr>
+              </a:buClr>
+              <a:buSzPct val="145000"/>
+              <a:buFont typeface="Arial"/>
+              <a:buChar char="•"/>
+              <a:defRPr sz="1400" kern="1200" cap="none">
+                <a:solidFill>
+                  <a:schemeClr val="tx1"/>
+                </a:solidFill>
+                <a:effectLst/>
+                <a:latin typeface="+mn-lt"/>
+                <a:ea typeface="+mn-ea"/>
+                <a:cs typeface="+mn-cs"/>
+              </a:defRPr>
+            </a:lvl7pPr>
+            <a:lvl8pPr marL="3429000" indent="-228600" algn="l" defTabSz="457200" rtl="0" eaLnBrk="1" latinLnBrk="0" hangingPunct="1">
+              <a:spcBef>
+                <a:spcPct val="20000"/>
+              </a:spcBef>
+              <a:spcAft>
+                <a:spcPts val="600"/>
+              </a:spcAft>
+              <a:buClr>
+                <a:schemeClr val="accent1">
+                  <a:lumMod val="75000"/>
+                </a:schemeClr>
+              </a:buClr>
+              <a:buSzPct val="145000"/>
+              <a:buFont typeface="Arial"/>
+              <a:buChar char="•"/>
+              <a:defRPr sz="1400" kern="1200" cap="none">
+                <a:solidFill>
+                  <a:schemeClr val="tx1"/>
+                </a:solidFill>
+                <a:effectLst/>
+                <a:latin typeface="+mn-lt"/>
+                <a:ea typeface="+mn-ea"/>
+                <a:cs typeface="+mn-cs"/>
+              </a:defRPr>
+            </a:lvl8pPr>
+            <a:lvl9pPr marL="3886200" indent="-228600" algn="l" defTabSz="457200" rtl="0" eaLnBrk="1" latinLnBrk="0" hangingPunct="1">
+              <a:spcBef>
+                <a:spcPct val="20000"/>
+              </a:spcBef>
+              <a:spcAft>
+                <a:spcPts val="600"/>
+              </a:spcAft>
+              <a:buClr>
+                <a:schemeClr val="accent1">
+                  <a:lumMod val="75000"/>
+                </a:schemeClr>
+              </a:buClr>
+              <a:buSzPct val="145000"/>
+              <a:buFont typeface="Arial"/>
+              <a:buChar char="•"/>
+              <a:defRPr sz="1400" kern="1200" cap="none">
+                <a:solidFill>
+                  <a:schemeClr val="tx1"/>
+                </a:solidFill>
+                <a:effectLst/>
+                <a:latin typeface="+mn-lt"/>
+                <a:ea typeface="+mn-ea"/>
+                <a:cs typeface="+mn-cs"/>
+              </a:defRPr>
+            </a:lvl9pPr>
+          </a:lstStyle>
+          <a:p>
+            <a:pPr marL="0" indent="0">
+              <a:buNone/>
+            </a:pPr>
+            <a:r>
+              <a:rPr lang="de-DE" sz="1000" dirty="0"/>
+              <a:t>Rem0 Röthlisberger, Eric </a:t>
+            </a:r>
+            <a:r>
+              <a:rPr lang="de-DE" sz="1000" dirty="0" err="1"/>
+              <a:t>Lagger</a:t>
+            </a:r>
+            <a:r>
+              <a:rPr lang="de-DE" sz="1000" dirty="0"/>
+              <a:t>, Vincent Hofer, Dean Klopsch, Aebi Ryan</a:t>
+            </a:r>
+          </a:p>
+        </p:txBody>
+      </p:sp>
+    </p:spTree>
+    <p:extLst>
+      <p:ext uri="{BB962C8B-B14F-4D97-AF65-F5344CB8AC3E}">
+        <p14:creationId xmlns:p14="http://schemas.microsoft.com/office/powerpoint/2010/main" val="3729251036"/>
+      </p:ext>
+    </p:extLst>
+  </p:cSld>
+  <p:clrMapOvr>
+    <a:masterClrMapping/>
+  </p:clrMapOvr>
+  <p:timing>
+    <p:tnLst>
+      <p:par>
+        <p:cTn id="1" dur="indefinite" restart="never" nodeType="tmRoot"/>
+      </p:par>
+    </p:tnLst>
+  </p:timing>
+</p:sld>
+</file>
+
+<file path=ppt/slides/slide11.xml><?xml version="1.0" encoding="utf-8"?>
+<p:sld xmlns:a="http://schemas.openxmlformats.org/drawingml/2006/main" xmlns:r="http://schemas.openxmlformats.org/officeDocument/2006/relationships" xmlns:p="http://schemas.openxmlformats.org/presentationml/2006/main">
+  <p:cSld>
+    <p:spTree>
+      <p:nvGrpSpPr>
+        <p:cNvPr id="1" name=""/>
+        <p:cNvGrpSpPr/>
+        <p:nvPr/>
+      </p:nvGrpSpPr>
+      <p:grpSpPr>
+        <a:xfrm>
+          <a:off x="0" y="0"/>
+          <a:ext cx="0" cy="0"/>
+          <a:chOff x="0" y="0"/>
+          <a:chExt cx="0" cy="0"/>
+        </a:xfrm>
+      </p:grpSpPr>
+      <p:sp>
+        <p:nvSpPr>
+          <p:cNvPr id="2" name="Titel 1"/>
+          <p:cNvSpPr>
+            <a:spLocks noGrp="1"/>
+          </p:cNvSpPr>
+          <p:nvPr>
+            <p:ph type="title"/>
+          </p:nvPr>
+        </p:nvSpPr>
+        <p:spPr>
+          <a:xfrm>
             <a:off x="1484311" y="685800"/>
             <a:ext cx="6199189" cy="1752599"/>
           </a:xfrm>
@@ -9866,7 +10228,7 @@
 </p:sld>
 </file>
 
-<file path=ppt/slides/slide11.xml><?xml version="1.0" encoding="utf-8"?>
+<file path=ppt/slides/slide12.xml><?xml version="1.0" encoding="utf-8"?>
 <p:sld xmlns:a="http://schemas.openxmlformats.org/drawingml/2006/main" xmlns:r="http://schemas.openxmlformats.org/officeDocument/2006/relationships" xmlns:p="http://schemas.openxmlformats.org/presentationml/2006/main">
   <p:cSld>
     <p:spTree>
@@ -10633,7 +10995,7 @@
 </p:sld>
 </file>
 
-<file path=ppt/slides/slide12.xml><?xml version="1.0" encoding="utf-8"?>
+<file path=ppt/slides/slide13.xml><?xml version="1.0" encoding="utf-8"?>
 <p:sld xmlns:a="http://schemas.openxmlformats.org/drawingml/2006/main" xmlns:r="http://schemas.openxmlformats.org/officeDocument/2006/relationships" xmlns:p="http://schemas.openxmlformats.org/presentationml/2006/main">
   <p:cSld>
     <p:spTree>
@@ -11393,7 +11755,7 @@
 </p:sld>
 </file>
 
-<file path=ppt/slides/slide13.xml><?xml version="1.0" encoding="utf-8"?>
+<file path=ppt/slides/slide14.xml><?xml version="1.0" encoding="utf-8"?>
 <p:sld xmlns:a="http://schemas.openxmlformats.org/drawingml/2006/main" xmlns:r="http://schemas.openxmlformats.org/officeDocument/2006/relationships" xmlns:p="http://schemas.openxmlformats.org/presentationml/2006/main">
   <p:cSld>
     <p:spTree>
@@ -12225,368 +12587,6 @@
     <p:extLst>
       <p:ext uri="{BB962C8B-B14F-4D97-AF65-F5344CB8AC3E}">
         <p14:creationId xmlns:p14="http://schemas.microsoft.com/office/powerpoint/2010/main" val="3522880928"/>
-      </p:ext>
-    </p:extLst>
-  </p:cSld>
-  <p:clrMapOvr>
-    <a:masterClrMapping/>
-  </p:clrMapOvr>
-  <p:timing>
-    <p:tnLst>
-      <p:par>
-        <p:cTn id="1" dur="indefinite" restart="never" nodeType="tmRoot"/>
-      </p:par>
-    </p:tnLst>
-  </p:timing>
-</p:sld>
-</file>
-
-<file path=ppt/slides/slide14.xml><?xml version="1.0" encoding="utf-8"?>
-<p:sld xmlns:a="http://schemas.openxmlformats.org/drawingml/2006/main" xmlns:r="http://schemas.openxmlformats.org/officeDocument/2006/relationships" xmlns:p="http://schemas.openxmlformats.org/presentationml/2006/main">
-  <p:cSld>
-    <p:spTree>
-      <p:nvGrpSpPr>
-        <p:cNvPr id="1" name=""/>
-        <p:cNvGrpSpPr/>
-        <p:nvPr/>
-      </p:nvGrpSpPr>
-      <p:grpSpPr>
-        <a:xfrm>
-          <a:off x="0" y="0"/>
-          <a:ext cx="0" cy="0"/>
-          <a:chOff x="0" y="0"/>
-          <a:chExt cx="0" cy="0"/>
-        </a:xfrm>
-      </p:grpSpPr>
-      <p:sp>
-        <p:nvSpPr>
-          <p:cNvPr id="2" name="Titel 1"/>
-          <p:cNvSpPr>
-            <a:spLocks noGrp="1"/>
-          </p:cNvSpPr>
-          <p:nvPr>
-            <p:ph type="title"/>
-          </p:nvPr>
-        </p:nvSpPr>
-        <p:spPr>
-          <a:xfrm>
-            <a:off x="1484311" y="381000"/>
-            <a:ext cx="10018713" cy="1126067"/>
-          </a:xfrm>
-        </p:spPr>
-        <p:txBody>
-          <a:bodyPr/>
-          <a:lstStyle/>
-          <a:p>
-            <a:r>
-              <a:rPr lang="de-DE" dirty="0" smtClean="0"/>
-              <a:t>Demo</a:t>
-            </a:r>
-            <a:endParaRPr lang="de-DE" dirty="0"/>
-          </a:p>
-        </p:txBody>
-      </p:sp>
-      <p:pic>
-        <p:nvPicPr>
-          <p:cNvPr id="5" name="Bild 4" descr="demo.png"/>
-          <p:cNvPicPr>
-            <a:picLocks noChangeAspect="1"/>
-          </p:cNvPicPr>
-          <p:nvPr/>
-        </p:nvPicPr>
-        <p:blipFill>
-          <a:blip r:embed="rId3">
-            <a:extLst>
-              <a:ext uri="{28A0092B-C50C-407E-A947-70E740481C1C}">
-                <a14:useLocalDpi xmlns:a14="http://schemas.microsoft.com/office/drawing/2010/main" val="0"/>
-              </a:ext>
-            </a:extLst>
-          </a:blip>
-          <a:stretch>
-            <a:fillRect/>
-          </a:stretch>
-        </p:blipFill>
-        <p:spPr>
-          <a:xfrm>
-            <a:off x="2525264" y="1625600"/>
-            <a:ext cx="7804069" cy="4916463"/>
-          </a:xfrm>
-          <a:prstGeom prst="rect">
-            <a:avLst/>
-          </a:prstGeom>
-        </p:spPr>
-      </p:pic>
-      <p:sp>
-        <p:nvSpPr>
-          <p:cNvPr id="6" name="Inhaltsplatzhalter 2"/>
-          <p:cNvSpPr txBox="1">
-            <a:spLocks/>
-          </p:cNvSpPr>
-          <p:nvPr/>
-        </p:nvSpPr>
-        <p:spPr>
-          <a:xfrm>
-            <a:off x="8137451" y="-41565"/>
-            <a:ext cx="4054549" cy="370610"/>
-          </a:xfrm>
-          <a:prstGeom prst="rect">
-            <a:avLst/>
-          </a:prstGeom>
-        </p:spPr>
-        <p:txBody>
-          <a:bodyPr vert="horz" lIns="91440" tIns="45720" rIns="91440" bIns="45720" rtlCol="0" anchor="ctr">
-            <a:normAutofit/>
-          </a:bodyPr>
-          <a:lstStyle>
-            <a:lvl1pPr marL="285750" indent="-285750" algn="l" defTabSz="457200" rtl="0" eaLnBrk="1" latinLnBrk="0" hangingPunct="1">
-              <a:spcBef>
-                <a:spcPct val="20000"/>
-              </a:spcBef>
-              <a:spcAft>
-                <a:spcPts val="600"/>
-              </a:spcAft>
-              <a:buClr>
-                <a:schemeClr val="accent1">
-                  <a:lumMod val="75000"/>
-                </a:schemeClr>
-              </a:buClr>
-              <a:buSzPct val="145000"/>
-              <a:buFont typeface="Arial"/>
-              <a:buChar char="•"/>
-              <a:defRPr sz="2400" kern="1200" cap="none">
-                <a:solidFill>
-                  <a:schemeClr val="tx1"/>
-                </a:solidFill>
-                <a:effectLst/>
-                <a:latin typeface="+mn-lt"/>
-                <a:ea typeface="+mn-ea"/>
-                <a:cs typeface="+mn-cs"/>
-              </a:defRPr>
-            </a:lvl1pPr>
-            <a:lvl2pPr marL="742950" indent="-285750" algn="l" defTabSz="457200" rtl="0" eaLnBrk="1" latinLnBrk="0" hangingPunct="1">
-              <a:spcBef>
-                <a:spcPct val="20000"/>
-              </a:spcBef>
-              <a:spcAft>
-                <a:spcPts val="600"/>
-              </a:spcAft>
-              <a:buClr>
-                <a:schemeClr val="accent1">
-                  <a:lumMod val="75000"/>
-                </a:schemeClr>
-              </a:buClr>
-              <a:buSzPct val="145000"/>
-              <a:buFont typeface="Arial"/>
-              <a:buChar char="•"/>
-              <a:defRPr sz="2000" kern="1200" cap="none">
-                <a:solidFill>
-                  <a:schemeClr val="tx1"/>
-                </a:solidFill>
-                <a:effectLst/>
-                <a:latin typeface="+mn-lt"/>
-                <a:ea typeface="+mn-ea"/>
-                <a:cs typeface="+mn-cs"/>
-              </a:defRPr>
-            </a:lvl2pPr>
-            <a:lvl3pPr marL="1200150" indent="-285750" algn="l" defTabSz="457200" rtl="0" eaLnBrk="1" latinLnBrk="0" hangingPunct="1">
-              <a:spcBef>
-                <a:spcPct val="20000"/>
-              </a:spcBef>
-              <a:spcAft>
-                <a:spcPts val="600"/>
-              </a:spcAft>
-              <a:buClr>
-                <a:schemeClr val="accent1">
-                  <a:lumMod val="75000"/>
-                </a:schemeClr>
-              </a:buClr>
-              <a:buSzPct val="145000"/>
-              <a:buFont typeface="Arial"/>
-              <a:buChar char="•"/>
-              <a:defRPr sz="1800" kern="1200" cap="none">
-                <a:solidFill>
-                  <a:schemeClr val="tx1"/>
-                </a:solidFill>
-                <a:effectLst/>
-                <a:latin typeface="+mn-lt"/>
-                <a:ea typeface="+mn-ea"/>
-                <a:cs typeface="+mn-cs"/>
-              </a:defRPr>
-            </a:lvl3pPr>
-            <a:lvl4pPr marL="1543050" indent="-171450" algn="l" defTabSz="457200" rtl="0" eaLnBrk="1" latinLnBrk="0" hangingPunct="1">
-              <a:spcBef>
-                <a:spcPct val="20000"/>
-              </a:spcBef>
-              <a:spcAft>
-                <a:spcPts val="600"/>
-              </a:spcAft>
-              <a:buClr>
-                <a:schemeClr val="accent1">
-                  <a:lumMod val="75000"/>
-                </a:schemeClr>
-              </a:buClr>
-              <a:buSzPct val="145000"/>
-              <a:buFont typeface="Arial"/>
-              <a:buChar char="•"/>
-              <a:defRPr sz="1600" kern="1200" cap="none">
-                <a:solidFill>
-                  <a:schemeClr val="tx1"/>
-                </a:solidFill>
-                <a:effectLst/>
-                <a:latin typeface="+mn-lt"/>
-                <a:ea typeface="+mn-ea"/>
-                <a:cs typeface="+mn-cs"/>
-              </a:defRPr>
-            </a:lvl4pPr>
-            <a:lvl5pPr marL="2000250" indent="-171450" algn="l" defTabSz="457200" rtl="0" eaLnBrk="1" latinLnBrk="0" hangingPunct="1">
-              <a:spcBef>
-                <a:spcPct val="20000"/>
-              </a:spcBef>
-              <a:spcAft>
-                <a:spcPts val="600"/>
-              </a:spcAft>
-              <a:buClr>
-                <a:schemeClr val="accent1">
-                  <a:lumMod val="75000"/>
-                </a:schemeClr>
-              </a:buClr>
-              <a:buSzPct val="145000"/>
-              <a:buFont typeface="Arial"/>
-              <a:buChar char="•"/>
-              <a:defRPr sz="1400" kern="1200" cap="none">
-                <a:solidFill>
-                  <a:schemeClr val="tx1"/>
-                </a:solidFill>
-                <a:effectLst/>
-                <a:latin typeface="+mn-lt"/>
-                <a:ea typeface="+mn-ea"/>
-                <a:cs typeface="+mn-cs"/>
-              </a:defRPr>
-            </a:lvl5pPr>
-            <a:lvl6pPr marL="2514600" indent="-228600" algn="l" defTabSz="457200" rtl="0" eaLnBrk="1" latinLnBrk="0" hangingPunct="1">
-              <a:spcBef>
-                <a:spcPct val="20000"/>
-              </a:spcBef>
-              <a:spcAft>
-                <a:spcPts val="600"/>
-              </a:spcAft>
-              <a:buClr>
-                <a:schemeClr val="accent1">
-                  <a:lumMod val="75000"/>
-                </a:schemeClr>
-              </a:buClr>
-              <a:buSzPct val="145000"/>
-              <a:buFont typeface="Arial"/>
-              <a:buChar char="•"/>
-              <a:defRPr sz="1400" kern="1200" cap="none">
-                <a:solidFill>
-                  <a:schemeClr val="tx1"/>
-                </a:solidFill>
-                <a:effectLst/>
-                <a:latin typeface="+mn-lt"/>
-                <a:ea typeface="+mn-ea"/>
-                <a:cs typeface="+mn-cs"/>
-              </a:defRPr>
-            </a:lvl6pPr>
-            <a:lvl7pPr marL="2971800" indent="-228600" algn="l" defTabSz="457200" rtl="0" eaLnBrk="1" latinLnBrk="0" hangingPunct="1">
-              <a:spcBef>
-                <a:spcPct val="20000"/>
-              </a:spcBef>
-              <a:spcAft>
-                <a:spcPts val="600"/>
-              </a:spcAft>
-              <a:buClr>
-                <a:schemeClr val="accent1">
-                  <a:lumMod val="75000"/>
-                </a:schemeClr>
-              </a:buClr>
-              <a:buSzPct val="145000"/>
-              <a:buFont typeface="Arial"/>
-              <a:buChar char="•"/>
-              <a:defRPr sz="1400" kern="1200" cap="none">
-                <a:solidFill>
-                  <a:schemeClr val="tx1"/>
-                </a:solidFill>
-                <a:effectLst/>
-                <a:latin typeface="+mn-lt"/>
-                <a:ea typeface="+mn-ea"/>
-                <a:cs typeface="+mn-cs"/>
-              </a:defRPr>
-            </a:lvl7pPr>
-            <a:lvl8pPr marL="3429000" indent="-228600" algn="l" defTabSz="457200" rtl="0" eaLnBrk="1" latinLnBrk="0" hangingPunct="1">
-              <a:spcBef>
-                <a:spcPct val="20000"/>
-              </a:spcBef>
-              <a:spcAft>
-                <a:spcPts val="600"/>
-              </a:spcAft>
-              <a:buClr>
-                <a:schemeClr val="accent1">
-                  <a:lumMod val="75000"/>
-                </a:schemeClr>
-              </a:buClr>
-              <a:buSzPct val="145000"/>
-              <a:buFont typeface="Arial"/>
-              <a:buChar char="•"/>
-              <a:defRPr sz="1400" kern="1200" cap="none">
-                <a:solidFill>
-                  <a:schemeClr val="tx1"/>
-                </a:solidFill>
-                <a:effectLst/>
-                <a:latin typeface="+mn-lt"/>
-                <a:ea typeface="+mn-ea"/>
-                <a:cs typeface="+mn-cs"/>
-              </a:defRPr>
-            </a:lvl8pPr>
-            <a:lvl9pPr marL="3886200" indent="-228600" algn="l" defTabSz="457200" rtl="0" eaLnBrk="1" latinLnBrk="0" hangingPunct="1">
-              <a:spcBef>
-                <a:spcPct val="20000"/>
-              </a:spcBef>
-              <a:spcAft>
-                <a:spcPts val="600"/>
-              </a:spcAft>
-              <a:buClr>
-                <a:schemeClr val="accent1">
-                  <a:lumMod val="75000"/>
-                </a:schemeClr>
-              </a:buClr>
-              <a:buSzPct val="145000"/>
-              <a:buFont typeface="Arial"/>
-              <a:buChar char="•"/>
-              <a:defRPr sz="1400" kern="1200" cap="none">
-                <a:solidFill>
-                  <a:schemeClr val="tx1"/>
-                </a:solidFill>
-                <a:effectLst/>
-                <a:latin typeface="+mn-lt"/>
-                <a:ea typeface="+mn-ea"/>
-                <a:cs typeface="+mn-cs"/>
-              </a:defRPr>
-            </a:lvl9pPr>
-          </a:lstStyle>
-          <a:p>
-            <a:pPr marL="0" indent="0">
-              <a:buNone/>
-            </a:pPr>
-            <a:r>
-              <a:rPr lang="de-DE" sz="1000" dirty="0"/>
-              <a:t>Rem0 Röthlisberger, Eric </a:t>
-            </a:r>
-            <a:r>
-              <a:rPr lang="de-DE" sz="1000" dirty="0" err="1"/>
-              <a:t>Lagger</a:t>
-            </a:r>
-            <a:r>
-              <a:rPr lang="de-DE" sz="1000" dirty="0"/>
-              <a:t>, Vincent Hofer, Dean Klopsch, Aebi Ryan</a:t>
-            </a:r>
-          </a:p>
-        </p:txBody>
-      </p:sp>
-    </p:spTree>
-    <p:extLst>
-      <p:ext uri="{BB962C8B-B14F-4D97-AF65-F5344CB8AC3E}">
-        <p14:creationId xmlns:p14="http://schemas.microsoft.com/office/powerpoint/2010/main" val="3729251036"/>
       </p:ext>
     </p:extLst>
   </p:cSld>
